--- a/nuxt.pptx
+++ b/nuxt.pptx
@@ -12,8 +12,9 @@
     <p:sldId id="261" r:id="rId6"/>
     <p:sldId id="262" r:id="rId7"/>
     <p:sldId id="264" r:id="rId8"/>
-    <p:sldId id="265" r:id="rId9"/>
-    <p:sldId id="268" r:id="rId10"/>
+    <p:sldId id="269" r:id="rId9"/>
+    <p:sldId id="265" r:id="rId10"/>
+    <p:sldId id="268" r:id="rId11"/>
   </p:sldIdLst>
   <p:sldSz cx="12192000" cy="6858000"/>
   <p:notesSz cx="6858000" cy="9144000"/>
@@ -124,6 +125,7 @@
             <p14:sldId id="261"/>
             <p14:sldId id="262"/>
             <p14:sldId id="264"/>
+            <p14:sldId id="269"/>
             <p14:sldId id="265"/>
             <p14:sldId id="268"/>
           </p14:sldIdLst>
@@ -3583,6 +3585,193 @@
 </p:sld>
 </file>
 
+<file path=ppt/slides/slide10.xml><?xml version="1.0" encoding="utf-8"?>
+<p:sld xmlns:a="http://schemas.openxmlformats.org/drawingml/2006/main" xmlns:r="http://schemas.openxmlformats.org/officeDocument/2006/relationships" xmlns:p="http://schemas.openxmlformats.org/presentationml/2006/main">
+  <p:cSld>
+    <p:spTree>
+      <p:nvGrpSpPr>
+        <p:cNvPr id="1" name=""/>
+        <p:cNvGrpSpPr/>
+        <p:nvPr/>
+      </p:nvGrpSpPr>
+      <p:grpSpPr>
+        <a:xfrm>
+          <a:off x="0" y="0"/>
+          <a:ext cx="0" cy="0"/>
+          <a:chOff x="0" y="0"/>
+          <a:chExt cx="0" cy="0"/>
+        </a:xfrm>
+      </p:grpSpPr>
+      <p:sp>
+        <p:nvSpPr>
+          <p:cNvPr id="2" name="標題 1">
+            <a:extLst>
+              <a:ext uri="{FF2B5EF4-FFF2-40B4-BE49-F238E27FC236}">
+                <a16:creationId xmlns:a16="http://schemas.microsoft.com/office/drawing/2014/main" id="{7B03FB67-E384-4A92-8AA5-993C73C6A628}"/>
+              </a:ext>
+            </a:extLst>
+          </p:cNvPr>
+          <p:cNvSpPr>
+            <a:spLocks noGrp="1"/>
+          </p:cNvSpPr>
+          <p:nvPr>
+            <p:ph type="title"/>
+          </p:nvPr>
+        </p:nvSpPr>
+        <p:spPr>
+          <a:xfrm>
+            <a:off x="545942" y="632062"/>
+            <a:ext cx="2427514" cy="549275"/>
+          </a:xfrm>
+        </p:spPr>
+        <p:txBody>
+          <a:bodyPr>
+            <a:normAutofit/>
+          </a:bodyPr>
+          <a:lstStyle/>
+          <a:p>
+            <a:r>
+              <a:rPr lang="zh-TW" altLang="en-US" sz="2400" dirty="0">
+                <a:solidFill>
+                  <a:schemeClr val="bg1"/>
+                </a:solidFill>
+                <a:latin typeface="微軟正黑體" panose="020B0604030504040204" pitchFamily="34" charset="-120"/>
+                <a:ea typeface="微軟正黑體" panose="020B0604030504040204" pitchFamily="34" charset="-120"/>
+              </a:rPr>
+              <a:t>課程用</a:t>
+            </a:r>
+            <a:r>
+              <a:rPr lang="en-US" altLang="zh-TW" sz="2400" dirty="0">
+                <a:solidFill>
+                  <a:schemeClr val="bg1"/>
+                </a:solidFill>
+                <a:latin typeface="微軟正黑體" panose="020B0604030504040204" pitchFamily="34" charset="-120"/>
+                <a:ea typeface="微軟正黑體" panose="020B0604030504040204" pitchFamily="34" charset="-120"/>
+              </a:rPr>
+              <a:t>API</a:t>
+            </a:r>
+            <a:endParaRPr lang="zh-TW" altLang="en-US" sz="2400" dirty="0">
+              <a:solidFill>
+                <a:schemeClr val="bg1"/>
+              </a:solidFill>
+              <a:latin typeface="微軟正黑體" panose="020B0604030504040204" pitchFamily="34" charset="-120"/>
+              <a:ea typeface="微軟正黑體" panose="020B0604030504040204" pitchFamily="34" charset="-120"/>
+            </a:endParaRPr>
+          </a:p>
+        </p:txBody>
+      </p:sp>
+      <p:sp>
+        <p:nvSpPr>
+          <p:cNvPr id="3" name="內容版面配置區 2">
+            <a:extLst>
+              <a:ext uri="{FF2B5EF4-FFF2-40B4-BE49-F238E27FC236}">
+                <a16:creationId xmlns:a16="http://schemas.microsoft.com/office/drawing/2014/main" id="{6FB7EBD3-4176-4EA9-948B-21B59AB3C36F}"/>
+              </a:ext>
+            </a:extLst>
+          </p:cNvPr>
+          <p:cNvSpPr>
+            <a:spLocks noGrp="1"/>
+          </p:cNvSpPr>
+          <p:nvPr>
+            <p:ph idx="1"/>
+          </p:nvPr>
+        </p:nvSpPr>
+        <p:spPr>
+          <a:xfrm>
+            <a:off x="545941" y="1342868"/>
+            <a:ext cx="11100117" cy="957332"/>
+          </a:xfrm>
+        </p:spPr>
+        <p:txBody>
+          <a:bodyPr>
+            <a:noAutofit/>
+          </a:bodyPr>
+          <a:lstStyle/>
+          <a:p>
+            <a:pPr>
+              <a:lnSpc>
+                <a:spcPct val="150000"/>
+              </a:lnSpc>
+            </a:pPr>
+            <a:r>
+              <a:rPr lang="en-US" altLang="zh-TW" sz="2000" b="0" dirty="0">
+                <a:solidFill>
+                  <a:schemeClr val="bg1"/>
+                </a:solidFill>
+                <a:effectLst/>
+                <a:latin typeface="微軟正黑體" panose="020B0604030504040204" pitchFamily="34" charset="-120"/>
+                <a:ea typeface="微軟正黑體" panose="020B0604030504040204" pitchFamily="34" charset="-120"/>
+              </a:rPr>
+              <a:t>https://vue-lessons-api.herokuapp.com/photo/list</a:t>
+            </a:r>
+            <a:r>
+              <a:rPr lang="zh-TW" altLang="en-US" sz="2000" b="1" dirty="0">
+                <a:solidFill>
+                  <a:schemeClr val="bg1"/>
+                </a:solidFill>
+                <a:effectLst/>
+                <a:latin typeface="微軟正黑體" panose="020B0604030504040204" pitchFamily="34" charset="-120"/>
+                <a:ea typeface="微軟正黑體" panose="020B0604030504040204" pitchFamily="34" charset="-120"/>
+              </a:rPr>
+              <a:t>  </a:t>
+            </a:r>
+            <a:r>
+              <a:rPr lang="en-US" altLang="zh-TW" sz="2000" b="1" dirty="0">
+                <a:solidFill>
+                  <a:schemeClr val="bg1"/>
+                </a:solidFill>
+                <a:effectLst/>
+                <a:latin typeface="微軟正黑體" panose="020B0604030504040204" pitchFamily="34" charset="-120"/>
+                <a:ea typeface="微軟正黑體" panose="020B0604030504040204" pitchFamily="34" charset="-120"/>
+              </a:rPr>
+              <a:t>(</a:t>
+            </a:r>
+            <a:r>
+              <a:rPr lang="zh-TW" altLang="en-US" sz="2000" b="1" dirty="0">
+                <a:solidFill>
+                  <a:schemeClr val="bg1"/>
+                </a:solidFill>
+                <a:effectLst/>
+                <a:latin typeface="微軟正黑體" panose="020B0604030504040204" pitchFamily="34" charset="-120"/>
+                <a:ea typeface="微軟正黑體" panose="020B0604030504040204" pitchFamily="34" charset="-120"/>
+              </a:rPr>
+              <a:t>圖片列表</a:t>
+            </a:r>
+            <a:r>
+              <a:rPr lang="en-US" altLang="zh-TW" sz="2000" b="1" dirty="0">
+                <a:solidFill>
+                  <a:schemeClr val="bg1"/>
+                </a:solidFill>
+                <a:effectLst/>
+                <a:latin typeface="微軟正黑體" panose="020B0604030504040204" pitchFamily="34" charset="-120"/>
+                <a:ea typeface="微軟正黑體" panose="020B0604030504040204" pitchFamily="34" charset="-120"/>
+              </a:rPr>
+              <a:t>)</a:t>
+            </a:r>
+            <a:endParaRPr lang="en-US" altLang="zh-TW" sz="2000" b="0" dirty="0">
+              <a:solidFill>
+                <a:schemeClr val="bg1"/>
+              </a:solidFill>
+              <a:effectLst/>
+              <a:latin typeface="微軟正黑體" panose="020B0604030504040204" pitchFamily="34" charset="-120"/>
+              <a:ea typeface="微軟正黑體" panose="020B0604030504040204" pitchFamily="34" charset="-120"/>
+            </a:endParaRPr>
+          </a:p>
+        </p:txBody>
+      </p:sp>
+    </p:spTree>
+    <p:extLst>
+      <p:ext uri="{BB962C8B-B14F-4D97-AF65-F5344CB8AC3E}">
+        <p14:creationId xmlns:p14="http://schemas.microsoft.com/office/powerpoint/2010/main" val="2325461017"/>
+      </p:ext>
+    </p:extLst>
+  </p:cSld>
+  <p:clrMapOvr>
+    <a:masterClrMapping/>
+  </p:clrMapOvr>
+</p:sld>
+</file>
+
 <file path=ppt/slides/slide2.xml><?xml version="1.0" encoding="utf-8"?>
 <p:sld xmlns:a="http://schemas.openxmlformats.org/drawingml/2006/main" xmlns:r="http://schemas.openxmlformats.org/officeDocument/2006/relationships" xmlns:p="http://schemas.openxmlformats.org/presentationml/2006/main">
   <p:cSld>
@@ -4993,6 +5182,273 @@
 </file>
 
 <file path=ppt/slides/slide7.xml><?xml version="1.0" encoding="utf-8"?>
+<p:sld xmlns:a="http://schemas.openxmlformats.org/drawingml/2006/main" xmlns:r="http://schemas.openxmlformats.org/officeDocument/2006/relationships" xmlns:p="http://schemas.openxmlformats.org/presentationml/2006/main">
+  <p:cSld>
+    <p:spTree>
+      <p:nvGrpSpPr>
+        <p:cNvPr id="1" name=""/>
+        <p:cNvGrpSpPr/>
+        <p:nvPr/>
+      </p:nvGrpSpPr>
+      <p:grpSpPr>
+        <a:xfrm>
+          <a:off x="0" y="0"/>
+          <a:ext cx="0" cy="0"/>
+          <a:chOff x="0" y="0"/>
+          <a:chExt cx="0" cy="0"/>
+        </a:xfrm>
+      </p:grpSpPr>
+      <p:sp>
+        <p:nvSpPr>
+          <p:cNvPr id="5" name="矩形 4">
+            <a:extLst>
+              <a:ext uri="{FF2B5EF4-FFF2-40B4-BE49-F238E27FC236}">
+                <a16:creationId xmlns:a16="http://schemas.microsoft.com/office/drawing/2014/main" id="{54D5A94F-0C49-4EC9-A889-1867AD4D0274}"/>
+              </a:ext>
+            </a:extLst>
+          </p:cNvPr>
+          <p:cNvSpPr/>
+          <p:nvPr/>
+        </p:nvSpPr>
+        <p:spPr>
+          <a:xfrm>
+            <a:off x="2780314" y="3256545"/>
+            <a:ext cx="6350000" cy="730250"/>
+          </a:xfrm>
+          <a:prstGeom prst="rect">
+            <a:avLst/>
+          </a:prstGeom>
+        </p:spPr>
+        <p:style>
+          <a:lnRef idx="2">
+            <a:schemeClr val="dk1">
+              <a:shade val="50000"/>
+            </a:schemeClr>
+          </a:lnRef>
+          <a:fillRef idx="1">
+            <a:schemeClr val="dk1"/>
+          </a:fillRef>
+          <a:effectRef idx="0">
+            <a:schemeClr val="dk1"/>
+          </a:effectRef>
+          <a:fontRef idx="minor">
+            <a:schemeClr val="lt1"/>
+          </a:fontRef>
+        </p:style>
+        <p:txBody>
+          <a:bodyPr rtlCol="0" anchor="ctr"/>
+          <a:lstStyle/>
+          <a:p>
+            <a:pPr algn="ctr"/>
+            <a:endParaRPr lang="zh-TW" altLang="en-US"/>
+          </a:p>
+        </p:txBody>
+      </p:sp>
+      <p:sp>
+        <p:nvSpPr>
+          <p:cNvPr id="2" name="標題 1">
+            <a:extLst>
+              <a:ext uri="{FF2B5EF4-FFF2-40B4-BE49-F238E27FC236}">
+                <a16:creationId xmlns:a16="http://schemas.microsoft.com/office/drawing/2014/main" id="{A1079603-FF49-4509-B778-86858F145633}"/>
+              </a:ext>
+            </a:extLst>
+          </p:cNvPr>
+          <p:cNvSpPr>
+            <a:spLocks noGrp="1"/>
+          </p:cNvSpPr>
+          <p:nvPr>
+            <p:ph type="title"/>
+          </p:nvPr>
+        </p:nvSpPr>
+        <p:spPr>
+          <a:xfrm>
+            <a:off x="424464" y="2459007"/>
+            <a:ext cx="11061700" cy="730251"/>
+          </a:xfrm>
+        </p:spPr>
+        <p:txBody>
+          <a:bodyPr>
+            <a:normAutofit/>
+          </a:bodyPr>
+          <a:lstStyle/>
+          <a:p>
+            <a:pPr algn="ctr"/>
+            <a:r>
+              <a:rPr lang="en-US" altLang="zh-TW" sz="3200" b="1" dirty="0" err="1">
+                <a:solidFill>
+                  <a:schemeClr val="bg1"/>
+                </a:solidFill>
+                <a:latin typeface="微軟正黑體" panose="020B0604030504040204" pitchFamily="34" charset="-120"/>
+                <a:ea typeface="微軟正黑體" panose="020B0604030504040204" pitchFamily="34" charset="-120"/>
+              </a:rPr>
+              <a:t>Nuxt</a:t>
+            </a:r>
+            <a:r>
+              <a:rPr lang="en-US" altLang="zh-TW" sz="3200" b="1" dirty="0">
+                <a:solidFill>
+                  <a:schemeClr val="bg1"/>
+                </a:solidFill>
+                <a:latin typeface="微軟正黑體" panose="020B0604030504040204" pitchFamily="34" charset="-120"/>
+                <a:ea typeface="微軟正黑體" panose="020B0604030504040204" pitchFamily="34" charset="-120"/>
+              </a:rPr>
+              <a:t> </a:t>
+            </a:r>
+            <a:r>
+              <a:rPr lang="zh-TW" altLang="en-US" sz="3200" b="1" dirty="0">
+                <a:solidFill>
+                  <a:schemeClr val="bg1"/>
+                </a:solidFill>
+                <a:latin typeface="微軟正黑體" panose="020B0604030504040204" pitchFamily="34" charset="-120"/>
+                <a:ea typeface="微軟正黑體" panose="020B0604030504040204" pitchFamily="34" charset="-120"/>
+              </a:rPr>
+              <a:t>使用</a:t>
+            </a:r>
+            <a:r>
+              <a:rPr lang="en-US" altLang="zh-TW" sz="3200" b="1" dirty="0">
+                <a:solidFill>
+                  <a:schemeClr val="bg1"/>
+                </a:solidFill>
+                <a:latin typeface="微軟正黑體" panose="020B0604030504040204" pitchFamily="34" charset="-120"/>
+                <a:ea typeface="微軟正黑體" panose="020B0604030504040204" pitchFamily="34" charset="-120"/>
+              </a:rPr>
+              <a:t>SASS</a:t>
+            </a:r>
+            <a:endParaRPr lang="zh-TW" altLang="en-US" sz="3200" b="1" dirty="0">
+              <a:solidFill>
+                <a:schemeClr val="bg1"/>
+              </a:solidFill>
+              <a:latin typeface="微軟正黑體" panose="020B0604030504040204" pitchFamily="34" charset="-120"/>
+              <a:ea typeface="微軟正黑體" panose="020B0604030504040204" pitchFamily="34" charset="-120"/>
+            </a:endParaRPr>
+          </a:p>
+        </p:txBody>
+      </p:sp>
+      <p:sp>
+        <p:nvSpPr>
+          <p:cNvPr id="4" name="Rectangle 1">
+            <a:extLst>
+              <a:ext uri="{FF2B5EF4-FFF2-40B4-BE49-F238E27FC236}">
+                <a16:creationId xmlns:a16="http://schemas.microsoft.com/office/drawing/2014/main" id="{1526E6E0-773F-498C-AB4B-D4E0439FD2C7}"/>
+              </a:ext>
+            </a:extLst>
+          </p:cNvPr>
+          <p:cNvSpPr>
+            <a:spLocks noChangeArrowheads="1"/>
+          </p:cNvSpPr>
+          <p:nvPr/>
+        </p:nvSpPr>
+        <p:spPr bwMode="auto">
+          <a:xfrm>
+            <a:off x="2780314" y="3491238"/>
+            <a:ext cx="6350000" cy="387901"/>
+          </a:xfrm>
+          <a:prstGeom prst="rect">
+            <a:avLst/>
+          </a:prstGeom>
+          <a:noFill/>
+          <a:ln>
+            <a:noFill/>
+          </a:ln>
+          <a:effectLst/>
+          <a:extLst>
+            <a:ext uri="{909E8E84-426E-40DD-AFC4-6F175D3DCCD1}">
+              <a14:hiddenFill xmlns:a14="http://schemas.microsoft.com/office/drawing/2010/main">
+                <a:solidFill>
+                  <a:schemeClr val="accent1"/>
+                </a:solidFill>
+              </a14:hiddenFill>
+            </a:ext>
+            <a:ext uri="{91240B29-F687-4F45-9708-019B960494DF}">
+              <a14:hiddenLine xmlns:a14="http://schemas.microsoft.com/office/drawing/2010/main" w="9525">
+                <a:solidFill>
+                  <a:schemeClr val="tx1"/>
+                </a:solidFill>
+                <a:miter lim="800000"/>
+                <a:headEnd/>
+                <a:tailEnd/>
+              </a14:hiddenLine>
+            </a:ext>
+            <a:ext uri="{AF507438-7753-43E0-B8FC-AC1667EBCBE1}">
+              <a14:hiddenEffects xmlns:a14="http://schemas.microsoft.com/office/drawing/2010/main">
+                <a:effectLst>
+                  <a:outerShdw dist="35921" dir="2700000" algn="ctr" rotWithShape="0">
+                    <a:schemeClr val="bg2"/>
+                  </a:outerShdw>
+                </a:effectLst>
+              </a14:hiddenEffects>
+            </a:ext>
+          </a:extLst>
+        </p:spPr>
+        <p:txBody>
+          <a:bodyPr vert="horz" wrap="square" lIns="0" tIns="0" rIns="0" bIns="79350" numCol="1" anchor="ctr" anchorCtr="0" compatLnSpc="1">
+            <a:prstTxWarp prst="textNoShape">
+              <a:avLst/>
+            </a:prstTxWarp>
+            <a:spAutoFit/>
+          </a:bodyPr>
+          <a:lstStyle/>
+          <a:p>
+            <a:pPr marL="0" marR="0" lvl="0" indent="0" algn="ctr" defTabSz="914400" rtl="0" eaLnBrk="0" fontAlgn="base" latinLnBrk="0" hangingPunct="0">
+              <a:lnSpc>
+                <a:spcPct val="100000"/>
+              </a:lnSpc>
+              <a:spcBef>
+                <a:spcPct val="0"/>
+              </a:spcBef>
+              <a:spcAft>
+                <a:spcPct val="0"/>
+              </a:spcAft>
+              <a:buClrTx/>
+              <a:buSzTx/>
+              <a:buFontTx/>
+              <a:buNone/>
+              <a:tabLst/>
+            </a:pPr>
+            <a:r>
+              <a:rPr kumimoji="0" lang="en-US" altLang="zh-TW" sz="2000" b="0" i="0" u="none" strike="noStrike" cap="none" normalizeH="0" baseline="0" dirty="0" err="1">
+                <a:ln>
+                  <a:noFill/>
+                </a:ln>
+                <a:solidFill>
+                  <a:schemeClr val="bg1"/>
+                </a:solidFill>
+                <a:effectLst/>
+                <a:latin typeface="微軟正黑體" panose="020B0604030504040204" pitchFamily="34" charset="-120"/>
+                <a:ea typeface="微軟正黑體" panose="020B0604030504040204" pitchFamily="34" charset="-120"/>
+              </a:rPr>
+              <a:t>npm</a:t>
+            </a:r>
+            <a:r>
+              <a:rPr kumimoji="0" lang="en-US" altLang="zh-TW" sz="2000" b="0" i="0" u="none" strike="noStrike" cap="none" normalizeH="0" baseline="0" dirty="0">
+                <a:ln>
+                  <a:noFill/>
+                </a:ln>
+                <a:solidFill>
+                  <a:schemeClr val="bg1"/>
+                </a:solidFill>
+                <a:effectLst/>
+                <a:latin typeface="微軟正黑體" panose="020B0604030504040204" pitchFamily="34" charset="-120"/>
+                <a:ea typeface="微軟正黑體" panose="020B0604030504040204" pitchFamily="34" charset="-120"/>
+              </a:rPr>
+              <a:t> install --save-dev sass sass-loader fibers</a:t>
+            </a:r>
+          </a:p>
+        </p:txBody>
+      </p:sp>
+    </p:spTree>
+    <p:extLst>
+      <p:ext uri="{BB962C8B-B14F-4D97-AF65-F5344CB8AC3E}">
+        <p14:creationId xmlns:p14="http://schemas.microsoft.com/office/powerpoint/2010/main" val="3612001647"/>
+      </p:ext>
+    </p:extLst>
+  </p:cSld>
+  <p:clrMapOvr>
+    <a:masterClrMapping/>
+  </p:clrMapOvr>
+</p:sld>
+</file>
+
+<file path=ppt/slides/slide8.xml><?xml version="1.0" encoding="utf-8"?>
 <p:sld xmlns:a="http://schemas.openxmlformats.org/drawingml/2006/main" xmlns:r="http://schemas.openxmlformats.org/officeDocument/2006/relationships" xmlns:p="http://schemas.openxmlformats.org/presentationml/2006/main">
   <p:cSld>
     <p:spTree>
@@ -5832,154 +6288,7 @@
     </p:spTree>
     <p:extLst>
       <p:ext uri="{BB962C8B-B14F-4D97-AF65-F5344CB8AC3E}">
-        <p14:creationId xmlns:p14="http://schemas.microsoft.com/office/powerpoint/2010/main" val="3612001647"/>
-      </p:ext>
-    </p:extLst>
-  </p:cSld>
-  <p:clrMapOvr>
-    <a:masterClrMapping/>
-  </p:clrMapOvr>
-</p:sld>
-</file>
-
-<file path=ppt/slides/slide8.xml><?xml version="1.0" encoding="utf-8"?>
-<p:sld xmlns:a="http://schemas.openxmlformats.org/drawingml/2006/main" xmlns:r="http://schemas.openxmlformats.org/officeDocument/2006/relationships" xmlns:p="http://schemas.openxmlformats.org/presentationml/2006/main">
-  <p:cSld>
-    <p:spTree>
-      <p:nvGrpSpPr>
-        <p:cNvPr id="1" name=""/>
-        <p:cNvGrpSpPr/>
-        <p:nvPr/>
-      </p:nvGrpSpPr>
-      <p:grpSpPr>
-        <a:xfrm>
-          <a:off x="0" y="0"/>
-          <a:ext cx="0" cy="0"/>
-          <a:chOff x="0" y="0"/>
-          <a:chExt cx="0" cy="0"/>
-        </a:xfrm>
-      </p:grpSpPr>
-      <p:sp>
-        <p:nvSpPr>
-          <p:cNvPr id="8" name="文字方塊 7">
-            <a:extLst>
-              <a:ext uri="{FF2B5EF4-FFF2-40B4-BE49-F238E27FC236}">
-                <a16:creationId xmlns:a16="http://schemas.microsoft.com/office/drawing/2014/main" id="{0CA298E3-E100-412A-A4D8-5D13C7B349EF}"/>
-              </a:ext>
-            </a:extLst>
-          </p:cNvPr>
-          <p:cNvSpPr txBox="1"/>
-          <p:nvPr/>
-        </p:nvSpPr>
-        <p:spPr>
-          <a:xfrm>
-            <a:off x="1600200" y="2716768"/>
-            <a:ext cx="6096000" cy="769441"/>
-          </a:xfrm>
-          <a:prstGeom prst="rect">
-            <a:avLst/>
-          </a:prstGeom>
-          <a:noFill/>
-        </p:spPr>
-        <p:txBody>
-          <a:bodyPr wrap="square">
-            <a:spAutoFit/>
-          </a:bodyPr>
-          <a:lstStyle/>
-          <a:p>
-            <a:r>
-              <a:rPr lang="en-US" altLang="zh-TW" sz="4400" b="1" i="0" dirty="0" err="1">
-                <a:solidFill>
-                  <a:schemeClr val="bg1">
-                    <a:lumMod val="95000"/>
-                  </a:schemeClr>
-                </a:solidFill>
-                <a:effectLst/>
-                <a:latin typeface="DM Sans"/>
-                <a:hlinkClick r:id="rId2">
-                  <a:extLst>
-                    <a:ext uri="{A12FA001-AC4F-418D-AE19-62706E023703}">
-                      <ahyp:hlinkClr xmlns:ahyp="http://schemas.microsoft.com/office/drawing/2018/hyperlinkcolor" val="tx"/>
-                    </a:ext>
-                  </a:extLst>
-                </a:hlinkClick>
-              </a:rPr>
-              <a:t>Nuxt</a:t>
-            </a:r>
-            <a:r>
-              <a:rPr lang="en-US" altLang="zh-TW" sz="4400" b="1" i="0" dirty="0">
-                <a:solidFill>
-                  <a:schemeClr val="bg1">
-                    <a:lumMod val="95000"/>
-                  </a:schemeClr>
-                </a:solidFill>
-                <a:effectLst/>
-                <a:latin typeface="DM Sans"/>
-                <a:hlinkClick r:id="rId2">
-                  <a:extLst>
-                    <a:ext uri="{A12FA001-AC4F-418D-AE19-62706E023703}">
-                      <ahyp:hlinkClr xmlns:ahyp="http://schemas.microsoft.com/office/drawing/2018/hyperlinkcolor" val="tx"/>
-                    </a:ext>
-                  </a:extLst>
-                </a:hlinkClick>
-              </a:rPr>
-              <a:t> Composition API</a:t>
-            </a:r>
-            <a:endParaRPr lang="zh-TW" altLang="en-US" sz="4400" dirty="0">
-              <a:solidFill>
-                <a:schemeClr val="bg1">
-                  <a:lumMod val="95000"/>
-                </a:schemeClr>
-              </a:solidFill>
-            </a:endParaRPr>
-          </a:p>
-        </p:txBody>
-      </p:sp>
-      <p:sp>
-        <p:nvSpPr>
-          <p:cNvPr id="10" name="文字方塊 9">
-            <a:extLst>
-              <a:ext uri="{FF2B5EF4-FFF2-40B4-BE49-F238E27FC236}">
-                <a16:creationId xmlns:a16="http://schemas.microsoft.com/office/drawing/2014/main" id="{B2D0251C-3868-4768-9599-DD255B834FA7}"/>
-              </a:ext>
-            </a:extLst>
-          </p:cNvPr>
-          <p:cNvSpPr txBox="1"/>
-          <p:nvPr/>
-        </p:nvSpPr>
-        <p:spPr>
-          <a:xfrm>
-            <a:off x="1600200" y="3486209"/>
-            <a:ext cx="6096000" cy="369332"/>
-          </a:xfrm>
-          <a:prstGeom prst="rect">
-            <a:avLst/>
-          </a:prstGeom>
-          <a:noFill/>
-        </p:spPr>
-        <p:txBody>
-          <a:bodyPr wrap="square">
-            <a:spAutoFit/>
-          </a:bodyPr>
-          <a:lstStyle/>
-          <a:p>
-            <a:r>
-              <a:rPr lang="zh-TW" altLang="en-US" dirty="0">
-                <a:solidFill>
-                  <a:schemeClr val="bg1">
-                    <a:lumMod val="95000"/>
-                  </a:schemeClr>
-                </a:solidFill>
-              </a:rPr>
-              <a:t>https://composition-api.nuxtjs.org/</a:t>
-            </a:r>
-          </a:p>
-        </p:txBody>
-      </p:sp>
-    </p:spTree>
-    <p:extLst>
-      <p:ext uri="{BB962C8B-B14F-4D97-AF65-F5344CB8AC3E}">
-        <p14:creationId xmlns:p14="http://schemas.microsoft.com/office/powerpoint/2010/main" val="3068650212"/>
+        <p14:creationId xmlns:p14="http://schemas.microsoft.com/office/powerpoint/2010/main" val="444267755"/>
       </p:ext>
     </p:extLst>
   </p:cSld>
@@ -6008,165 +6317,125 @@
       </p:grpSpPr>
       <p:sp>
         <p:nvSpPr>
-          <p:cNvPr id="2" name="標題 1">
-            <a:extLst>
-              <a:ext uri="{FF2B5EF4-FFF2-40B4-BE49-F238E27FC236}">
-                <a16:creationId xmlns:a16="http://schemas.microsoft.com/office/drawing/2014/main" id="{7B03FB67-E384-4A92-8AA5-993C73C6A628}"/>
-              </a:ext>
-            </a:extLst>
-          </p:cNvPr>
-          <p:cNvSpPr>
-            <a:spLocks noGrp="1"/>
-          </p:cNvSpPr>
-          <p:nvPr>
-            <p:ph type="title"/>
-          </p:nvPr>
+          <p:cNvPr id="8" name="文字方塊 7">
+            <a:extLst>
+              <a:ext uri="{FF2B5EF4-FFF2-40B4-BE49-F238E27FC236}">
+                <a16:creationId xmlns:a16="http://schemas.microsoft.com/office/drawing/2014/main" id="{0CA298E3-E100-412A-A4D8-5D13C7B349EF}"/>
+              </a:ext>
+            </a:extLst>
+          </p:cNvPr>
+          <p:cNvSpPr txBox="1"/>
+          <p:nvPr/>
         </p:nvSpPr>
         <p:spPr>
           <a:xfrm>
-            <a:off x="545942" y="632062"/>
-            <a:ext cx="2427514" cy="549275"/>
+            <a:off x="1600200" y="2716768"/>
+            <a:ext cx="6096000" cy="769441"/>
           </a:xfrm>
+          <a:prstGeom prst="rect">
+            <a:avLst/>
+          </a:prstGeom>
+          <a:noFill/>
         </p:spPr>
         <p:txBody>
-          <a:bodyPr>
-            <a:normAutofit/>
+          <a:bodyPr wrap="square">
+            <a:spAutoFit/>
           </a:bodyPr>
           <a:lstStyle/>
           <a:p>
             <a:r>
-              <a:rPr lang="zh-TW" altLang="en-US" sz="2400" dirty="0">
-                <a:solidFill>
-                  <a:schemeClr val="bg1"/>
-                </a:solidFill>
-                <a:latin typeface="微軟正黑體" panose="020B0604030504040204" pitchFamily="34" charset="-120"/>
-                <a:ea typeface="微軟正黑體" panose="020B0604030504040204" pitchFamily="34" charset="-120"/>
-              </a:rPr>
-              <a:t>課程用</a:t>
-            </a:r>
-            <a:r>
-              <a:rPr lang="en-US" altLang="zh-TW" sz="2400" dirty="0">
-                <a:solidFill>
-                  <a:schemeClr val="bg1"/>
-                </a:solidFill>
-                <a:latin typeface="微軟正黑體" panose="020B0604030504040204" pitchFamily="34" charset="-120"/>
-                <a:ea typeface="微軟正黑體" panose="020B0604030504040204" pitchFamily="34" charset="-120"/>
-              </a:rPr>
-              <a:t>API</a:t>
-            </a:r>
-            <a:endParaRPr lang="zh-TW" altLang="en-US" sz="2400" dirty="0">
+              <a:rPr lang="en-US" altLang="zh-TW" sz="4400" b="1" i="0" dirty="0" err="1">
+                <a:solidFill>
+                  <a:schemeClr val="bg1">
+                    <a:lumMod val="95000"/>
+                  </a:schemeClr>
+                </a:solidFill>
+                <a:effectLst/>
+                <a:latin typeface="DM Sans"/>
+                <a:hlinkClick r:id="rId2">
+                  <a:extLst>
+                    <a:ext uri="{A12FA001-AC4F-418D-AE19-62706E023703}">
+                      <ahyp:hlinkClr xmlns:ahyp="http://schemas.microsoft.com/office/drawing/2018/hyperlinkcolor" val="tx"/>
+                    </a:ext>
+                  </a:extLst>
+                </a:hlinkClick>
+              </a:rPr>
+              <a:t>Nuxt</a:t>
+            </a:r>
+            <a:r>
+              <a:rPr lang="en-US" altLang="zh-TW" sz="4400" b="1" i="0" dirty="0">
+                <a:solidFill>
+                  <a:schemeClr val="bg1">
+                    <a:lumMod val="95000"/>
+                  </a:schemeClr>
+                </a:solidFill>
+                <a:effectLst/>
+                <a:latin typeface="DM Sans"/>
+                <a:hlinkClick r:id="rId2">
+                  <a:extLst>
+                    <a:ext uri="{A12FA001-AC4F-418D-AE19-62706E023703}">
+                      <ahyp:hlinkClr xmlns:ahyp="http://schemas.microsoft.com/office/drawing/2018/hyperlinkcolor" val="tx"/>
+                    </a:ext>
+                  </a:extLst>
+                </a:hlinkClick>
+              </a:rPr>
+              <a:t> Composition API</a:t>
+            </a:r>
+            <a:endParaRPr lang="zh-TW" altLang="en-US" sz="4400" dirty="0">
               <a:solidFill>
-                <a:schemeClr val="bg1"/>
+                <a:schemeClr val="bg1">
+                  <a:lumMod val="95000"/>
+                </a:schemeClr>
               </a:solidFill>
-              <a:latin typeface="微軟正黑體" panose="020B0604030504040204" pitchFamily="34" charset="-120"/>
-              <a:ea typeface="微軟正黑體" panose="020B0604030504040204" pitchFamily="34" charset="-120"/>
             </a:endParaRPr>
           </a:p>
         </p:txBody>
       </p:sp>
       <p:sp>
         <p:nvSpPr>
-          <p:cNvPr id="3" name="內容版面配置區 2">
-            <a:extLst>
-              <a:ext uri="{FF2B5EF4-FFF2-40B4-BE49-F238E27FC236}">
-                <a16:creationId xmlns:a16="http://schemas.microsoft.com/office/drawing/2014/main" id="{6FB7EBD3-4176-4EA9-948B-21B59AB3C36F}"/>
-              </a:ext>
-            </a:extLst>
-          </p:cNvPr>
-          <p:cNvSpPr>
-            <a:spLocks noGrp="1"/>
-          </p:cNvSpPr>
-          <p:nvPr>
-            <p:ph idx="1"/>
-          </p:nvPr>
+          <p:cNvPr id="10" name="文字方塊 9">
+            <a:extLst>
+              <a:ext uri="{FF2B5EF4-FFF2-40B4-BE49-F238E27FC236}">
+                <a16:creationId xmlns:a16="http://schemas.microsoft.com/office/drawing/2014/main" id="{B2D0251C-3868-4768-9599-DD255B834FA7}"/>
+              </a:ext>
+            </a:extLst>
+          </p:cNvPr>
+          <p:cNvSpPr txBox="1"/>
+          <p:nvPr/>
         </p:nvSpPr>
         <p:spPr>
           <a:xfrm>
-            <a:off x="545941" y="1342868"/>
-            <a:ext cx="11100117" cy="957332"/>
+            <a:off x="1600200" y="3486209"/>
+            <a:ext cx="6096000" cy="369332"/>
           </a:xfrm>
+          <a:prstGeom prst="rect">
+            <a:avLst/>
+          </a:prstGeom>
+          <a:noFill/>
         </p:spPr>
         <p:txBody>
-          <a:bodyPr>
-            <a:noAutofit/>
+          <a:bodyPr wrap="square">
+            <a:spAutoFit/>
           </a:bodyPr>
           <a:lstStyle/>
           <a:p>
-            <a:pPr>
-              <a:lnSpc>
-                <a:spcPct val="150000"/>
-              </a:lnSpc>
-            </a:pPr>
-            <a:r>
-              <a:rPr lang="en-US" altLang="zh-TW" sz="2000" b="0" dirty="0">
-                <a:solidFill>
-                  <a:schemeClr val="bg1"/>
-                </a:solidFill>
-                <a:effectLst/>
-                <a:latin typeface="微軟正黑體" panose="020B0604030504040204" pitchFamily="34" charset="-120"/>
-                <a:ea typeface="微軟正黑體" panose="020B0604030504040204" pitchFamily="34" charset="-120"/>
-              </a:rPr>
-              <a:t>https://vue-lessons-api.herokuapp.com/photo/list</a:t>
-            </a:r>
-            <a:r>
-              <a:rPr lang="zh-TW" altLang="en-US" sz="2000" b="1" dirty="0">
-                <a:solidFill>
-                  <a:schemeClr val="bg1"/>
-                </a:solidFill>
-                <a:effectLst/>
-                <a:latin typeface="微軟正黑體" panose="020B0604030504040204" pitchFamily="34" charset="-120"/>
-                <a:ea typeface="微軟正黑體" panose="020B0604030504040204" pitchFamily="34" charset="-120"/>
-              </a:rPr>
-              <a:t>  </a:t>
-            </a:r>
-            <a:r>
-              <a:rPr lang="en-US" altLang="zh-TW" sz="2000" b="1" dirty="0">
-                <a:solidFill>
-                  <a:schemeClr val="bg1"/>
-                </a:solidFill>
-                <a:effectLst/>
-                <a:latin typeface="微軟正黑體" panose="020B0604030504040204" pitchFamily="34" charset="-120"/>
-                <a:ea typeface="微軟正黑體" panose="020B0604030504040204" pitchFamily="34" charset="-120"/>
-              </a:rPr>
-              <a:t>(</a:t>
-            </a:r>
-            <a:r>
-              <a:rPr lang="zh-TW" altLang="en-US" sz="2000" b="1" dirty="0">
-                <a:solidFill>
-                  <a:schemeClr val="bg1"/>
-                </a:solidFill>
-                <a:effectLst/>
-                <a:latin typeface="微軟正黑體" panose="020B0604030504040204" pitchFamily="34" charset="-120"/>
-                <a:ea typeface="微軟正黑體" panose="020B0604030504040204" pitchFamily="34" charset="-120"/>
-              </a:rPr>
-              <a:t>圖片列表</a:t>
-            </a:r>
-            <a:r>
-              <a:rPr lang="en-US" altLang="zh-TW" sz="2000" b="1" dirty="0">
-                <a:solidFill>
-                  <a:schemeClr val="bg1"/>
-                </a:solidFill>
-                <a:effectLst/>
-                <a:latin typeface="微軟正黑體" panose="020B0604030504040204" pitchFamily="34" charset="-120"/>
-                <a:ea typeface="微軟正黑體" panose="020B0604030504040204" pitchFamily="34" charset="-120"/>
-              </a:rPr>
-              <a:t>)</a:t>
-            </a:r>
-            <a:endParaRPr lang="en-US" altLang="zh-TW" sz="2000" b="0" dirty="0">
-              <a:solidFill>
-                <a:schemeClr val="bg1"/>
-              </a:solidFill>
-              <a:effectLst/>
-              <a:latin typeface="微軟正黑體" panose="020B0604030504040204" pitchFamily="34" charset="-120"/>
-              <a:ea typeface="微軟正黑體" panose="020B0604030504040204" pitchFamily="34" charset="-120"/>
-            </a:endParaRPr>
+            <a:r>
+              <a:rPr lang="zh-TW" altLang="en-US" dirty="0">
+                <a:solidFill>
+                  <a:schemeClr val="bg1">
+                    <a:lumMod val="95000"/>
+                  </a:schemeClr>
+                </a:solidFill>
+              </a:rPr>
+              <a:t>https://composition-api.nuxtjs.org/</a:t>
+            </a:r>
           </a:p>
         </p:txBody>
       </p:sp>
     </p:spTree>
     <p:extLst>
       <p:ext uri="{BB962C8B-B14F-4D97-AF65-F5344CB8AC3E}">
-        <p14:creationId xmlns:p14="http://schemas.microsoft.com/office/powerpoint/2010/main" val="2325461017"/>
+        <p14:creationId xmlns:p14="http://schemas.microsoft.com/office/powerpoint/2010/main" val="3068650212"/>
       </p:ext>
     </p:extLst>
   </p:cSld>

--- a/nuxt.pptx
+++ b/nuxt.pptx
@@ -12,9 +12,10 @@
     <p:sldId id="261" r:id="rId6"/>
     <p:sldId id="262" r:id="rId7"/>
     <p:sldId id="264" r:id="rId8"/>
-    <p:sldId id="269" r:id="rId9"/>
-    <p:sldId id="265" r:id="rId10"/>
-    <p:sldId id="268" r:id="rId11"/>
+    <p:sldId id="270" r:id="rId9"/>
+    <p:sldId id="269" r:id="rId10"/>
+    <p:sldId id="265" r:id="rId11"/>
+    <p:sldId id="268" r:id="rId12"/>
   </p:sldIdLst>
   <p:sldSz cx="12192000" cy="6858000"/>
   <p:notesSz cx="6858000" cy="9144000"/>
@@ -125,6 +126,7 @@
             <p14:sldId id="261"/>
             <p14:sldId id="262"/>
             <p14:sldId id="264"/>
+            <p14:sldId id="270"/>
             <p14:sldId id="269"/>
             <p14:sldId id="265"/>
             <p14:sldId id="268"/>
@@ -3604,6 +3606,153 @@
       </p:grpSpPr>
       <p:sp>
         <p:nvSpPr>
+          <p:cNvPr id="8" name="文字方塊 7">
+            <a:extLst>
+              <a:ext uri="{FF2B5EF4-FFF2-40B4-BE49-F238E27FC236}">
+                <a16:creationId xmlns:a16="http://schemas.microsoft.com/office/drawing/2014/main" id="{0CA298E3-E100-412A-A4D8-5D13C7B349EF}"/>
+              </a:ext>
+            </a:extLst>
+          </p:cNvPr>
+          <p:cNvSpPr txBox="1"/>
+          <p:nvPr/>
+        </p:nvSpPr>
+        <p:spPr>
+          <a:xfrm>
+            <a:off x="1600200" y="2716768"/>
+            <a:ext cx="6096000" cy="769441"/>
+          </a:xfrm>
+          <a:prstGeom prst="rect">
+            <a:avLst/>
+          </a:prstGeom>
+          <a:noFill/>
+        </p:spPr>
+        <p:txBody>
+          <a:bodyPr wrap="square">
+            <a:spAutoFit/>
+          </a:bodyPr>
+          <a:lstStyle/>
+          <a:p>
+            <a:r>
+              <a:rPr lang="en-US" altLang="zh-TW" sz="4400" b="1" i="0" dirty="0" err="1">
+                <a:solidFill>
+                  <a:schemeClr val="bg1">
+                    <a:lumMod val="95000"/>
+                  </a:schemeClr>
+                </a:solidFill>
+                <a:effectLst/>
+                <a:latin typeface="DM Sans"/>
+                <a:hlinkClick r:id="rId2">
+                  <a:extLst>
+                    <a:ext uri="{A12FA001-AC4F-418D-AE19-62706E023703}">
+                      <ahyp:hlinkClr xmlns:ahyp="http://schemas.microsoft.com/office/drawing/2018/hyperlinkcolor" val="tx"/>
+                    </a:ext>
+                  </a:extLst>
+                </a:hlinkClick>
+              </a:rPr>
+              <a:t>Nuxt</a:t>
+            </a:r>
+            <a:r>
+              <a:rPr lang="en-US" altLang="zh-TW" sz="4400" b="1" i="0" dirty="0">
+                <a:solidFill>
+                  <a:schemeClr val="bg1">
+                    <a:lumMod val="95000"/>
+                  </a:schemeClr>
+                </a:solidFill>
+                <a:effectLst/>
+                <a:latin typeface="DM Sans"/>
+                <a:hlinkClick r:id="rId2">
+                  <a:extLst>
+                    <a:ext uri="{A12FA001-AC4F-418D-AE19-62706E023703}">
+                      <ahyp:hlinkClr xmlns:ahyp="http://schemas.microsoft.com/office/drawing/2018/hyperlinkcolor" val="tx"/>
+                    </a:ext>
+                  </a:extLst>
+                </a:hlinkClick>
+              </a:rPr>
+              <a:t> Composition API</a:t>
+            </a:r>
+            <a:endParaRPr lang="zh-TW" altLang="en-US" sz="4400" dirty="0">
+              <a:solidFill>
+                <a:schemeClr val="bg1">
+                  <a:lumMod val="95000"/>
+                </a:schemeClr>
+              </a:solidFill>
+            </a:endParaRPr>
+          </a:p>
+        </p:txBody>
+      </p:sp>
+      <p:sp>
+        <p:nvSpPr>
+          <p:cNvPr id="10" name="文字方塊 9">
+            <a:extLst>
+              <a:ext uri="{FF2B5EF4-FFF2-40B4-BE49-F238E27FC236}">
+                <a16:creationId xmlns:a16="http://schemas.microsoft.com/office/drawing/2014/main" id="{B2D0251C-3868-4768-9599-DD255B834FA7}"/>
+              </a:ext>
+            </a:extLst>
+          </p:cNvPr>
+          <p:cNvSpPr txBox="1"/>
+          <p:nvPr/>
+        </p:nvSpPr>
+        <p:spPr>
+          <a:xfrm>
+            <a:off x="1600200" y="3486209"/>
+            <a:ext cx="6096000" cy="369332"/>
+          </a:xfrm>
+          <a:prstGeom prst="rect">
+            <a:avLst/>
+          </a:prstGeom>
+          <a:noFill/>
+        </p:spPr>
+        <p:txBody>
+          <a:bodyPr wrap="square">
+            <a:spAutoFit/>
+          </a:bodyPr>
+          <a:lstStyle/>
+          <a:p>
+            <a:r>
+              <a:rPr lang="zh-TW" altLang="en-US" dirty="0">
+                <a:solidFill>
+                  <a:schemeClr val="bg1">
+                    <a:lumMod val="95000"/>
+                  </a:schemeClr>
+                </a:solidFill>
+              </a:rPr>
+              <a:t>https://composition-api.nuxtjs.org/</a:t>
+            </a:r>
+          </a:p>
+        </p:txBody>
+      </p:sp>
+    </p:spTree>
+    <p:extLst>
+      <p:ext uri="{BB962C8B-B14F-4D97-AF65-F5344CB8AC3E}">
+        <p14:creationId xmlns:p14="http://schemas.microsoft.com/office/powerpoint/2010/main" val="3068650212"/>
+      </p:ext>
+    </p:extLst>
+  </p:cSld>
+  <p:clrMapOvr>
+    <a:masterClrMapping/>
+  </p:clrMapOvr>
+</p:sld>
+</file>
+
+<file path=ppt/slides/slide11.xml><?xml version="1.0" encoding="utf-8"?>
+<p:sld xmlns:a="http://schemas.openxmlformats.org/drawingml/2006/main" xmlns:r="http://schemas.openxmlformats.org/officeDocument/2006/relationships" xmlns:p="http://schemas.openxmlformats.org/presentationml/2006/main">
+  <p:cSld>
+    <p:spTree>
+      <p:nvGrpSpPr>
+        <p:cNvPr id="1" name=""/>
+        <p:cNvGrpSpPr/>
+        <p:nvPr/>
+      </p:nvGrpSpPr>
+      <p:grpSpPr>
+        <a:xfrm>
+          <a:off x="0" y="0"/>
+          <a:ext cx="0" cy="0"/>
+          <a:chOff x="0" y="0"/>
+          <a:chExt cx="0" cy="0"/>
+        </a:xfrm>
+      </p:grpSpPr>
+      <p:sp>
+        <p:nvSpPr>
           <p:cNvPr id="2" name="標題 1">
             <a:extLst>
               <a:ext uri="{FF2B5EF4-FFF2-40B4-BE49-F238E27FC236}">
@@ -5449,6 +5598,716 @@
 </file>
 
 <file path=ppt/slides/slide8.xml><?xml version="1.0" encoding="utf-8"?>
+<p:sld xmlns:a="http://schemas.openxmlformats.org/drawingml/2006/main" xmlns:r="http://schemas.openxmlformats.org/officeDocument/2006/relationships" xmlns:p="http://schemas.openxmlformats.org/presentationml/2006/main">
+  <p:cSld>
+    <p:spTree>
+      <p:nvGrpSpPr>
+        <p:cNvPr id="1" name=""/>
+        <p:cNvGrpSpPr/>
+        <p:nvPr/>
+      </p:nvGrpSpPr>
+      <p:grpSpPr>
+        <a:xfrm>
+          <a:off x="0" y="0"/>
+          <a:ext cx="0" cy="0"/>
+          <a:chOff x="0" y="0"/>
+          <a:chExt cx="0" cy="0"/>
+        </a:xfrm>
+      </p:grpSpPr>
+      <p:sp>
+        <p:nvSpPr>
+          <p:cNvPr id="13" name="矩形 12">
+            <a:extLst>
+              <a:ext uri="{FF2B5EF4-FFF2-40B4-BE49-F238E27FC236}">
+                <a16:creationId xmlns:a16="http://schemas.microsoft.com/office/drawing/2014/main" id="{CAFA6D4A-519C-4CFB-AF6C-65CB06AB0410}"/>
+              </a:ext>
+            </a:extLst>
+          </p:cNvPr>
+          <p:cNvSpPr/>
+          <p:nvPr/>
+        </p:nvSpPr>
+        <p:spPr>
+          <a:xfrm>
+            <a:off x="2784751" y="3678046"/>
+            <a:ext cx="6350000" cy="730250"/>
+          </a:xfrm>
+          <a:prstGeom prst="rect">
+            <a:avLst/>
+          </a:prstGeom>
+        </p:spPr>
+        <p:style>
+          <a:lnRef idx="2">
+            <a:schemeClr val="dk1">
+              <a:shade val="50000"/>
+            </a:schemeClr>
+          </a:lnRef>
+          <a:fillRef idx="1">
+            <a:schemeClr val="dk1"/>
+          </a:fillRef>
+          <a:effectRef idx="0">
+            <a:schemeClr val="dk1"/>
+          </a:effectRef>
+          <a:fontRef idx="minor">
+            <a:schemeClr val="lt1"/>
+          </a:fontRef>
+        </p:style>
+        <p:txBody>
+          <a:bodyPr rtlCol="0" anchor="ctr"/>
+          <a:lstStyle/>
+          <a:p>
+            <a:pPr algn="ctr"/>
+            <a:endParaRPr lang="zh-TW" altLang="en-US"/>
+          </a:p>
+        </p:txBody>
+      </p:sp>
+      <p:sp>
+        <p:nvSpPr>
+          <p:cNvPr id="5" name="矩形 4">
+            <a:extLst>
+              <a:ext uri="{FF2B5EF4-FFF2-40B4-BE49-F238E27FC236}">
+                <a16:creationId xmlns:a16="http://schemas.microsoft.com/office/drawing/2014/main" id="{54D5A94F-0C49-4EC9-A889-1867AD4D0274}"/>
+              </a:ext>
+            </a:extLst>
+          </p:cNvPr>
+          <p:cNvSpPr/>
+          <p:nvPr/>
+        </p:nvSpPr>
+        <p:spPr>
+          <a:xfrm>
+            <a:off x="2809658" y="2109414"/>
+            <a:ext cx="6350000" cy="730250"/>
+          </a:xfrm>
+          <a:prstGeom prst="rect">
+            <a:avLst/>
+          </a:prstGeom>
+        </p:spPr>
+        <p:style>
+          <a:lnRef idx="2">
+            <a:schemeClr val="dk1">
+              <a:shade val="50000"/>
+            </a:schemeClr>
+          </a:lnRef>
+          <a:fillRef idx="1">
+            <a:schemeClr val="dk1"/>
+          </a:fillRef>
+          <a:effectRef idx="0">
+            <a:schemeClr val="dk1"/>
+          </a:effectRef>
+          <a:fontRef idx="minor">
+            <a:schemeClr val="lt1"/>
+          </a:fontRef>
+        </p:style>
+        <p:txBody>
+          <a:bodyPr rtlCol="0" anchor="ctr"/>
+          <a:lstStyle/>
+          <a:p>
+            <a:pPr algn="ctr"/>
+            <a:endParaRPr lang="zh-TW" altLang="en-US"/>
+          </a:p>
+        </p:txBody>
+      </p:sp>
+      <p:sp>
+        <p:nvSpPr>
+          <p:cNvPr id="2" name="標題 1">
+            <a:extLst>
+              <a:ext uri="{FF2B5EF4-FFF2-40B4-BE49-F238E27FC236}">
+                <a16:creationId xmlns:a16="http://schemas.microsoft.com/office/drawing/2014/main" id="{A1079603-FF49-4509-B778-86858F145633}"/>
+              </a:ext>
+            </a:extLst>
+          </p:cNvPr>
+          <p:cNvSpPr>
+            <a:spLocks noGrp="1"/>
+          </p:cNvSpPr>
+          <p:nvPr>
+            <p:ph type="title"/>
+          </p:nvPr>
+        </p:nvSpPr>
+        <p:spPr>
+          <a:xfrm>
+            <a:off x="2784751" y="557707"/>
+            <a:ext cx="6399814" cy="730251"/>
+          </a:xfrm>
+        </p:spPr>
+        <p:txBody>
+          <a:bodyPr>
+            <a:normAutofit/>
+          </a:bodyPr>
+          <a:lstStyle/>
+          <a:p>
+            <a:pPr algn="ctr"/>
+            <a:r>
+              <a:rPr lang="en-US" altLang="zh-TW" sz="3200" b="1" dirty="0" err="1">
+                <a:solidFill>
+                  <a:schemeClr val="bg1"/>
+                </a:solidFill>
+                <a:latin typeface="微軟正黑體" panose="020B0604030504040204" pitchFamily="34" charset="-120"/>
+                <a:ea typeface="微軟正黑體" panose="020B0604030504040204" pitchFamily="34" charset="-120"/>
+              </a:rPr>
+              <a:t>Nuxt</a:t>
+            </a:r>
+            <a:r>
+              <a:rPr lang="en-US" altLang="zh-TW" sz="3200" b="1" dirty="0">
+                <a:solidFill>
+                  <a:schemeClr val="bg1"/>
+                </a:solidFill>
+                <a:latin typeface="微軟正黑體" panose="020B0604030504040204" pitchFamily="34" charset="-120"/>
+                <a:ea typeface="微軟正黑體" panose="020B0604030504040204" pitchFamily="34" charset="-120"/>
+              </a:rPr>
+              <a:t> </a:t>
+            </a:r>
+            <a:r>
+              <a:rPr lang="zh-TW" altLang="en-US" sz="3200" b="1" dirty="0">
+                <a:solidFill>
+                  <a:schemeClr val="bg1"/>
+                </a:solidFill>
+                <a:latin typeface="微軟正黑體" panose="020B0604030504040204" pitchFamily="34" charset="-120"/>
+                <a:ea typeface="微軟正黑體" panose="020B0604030504040204" pitchFamily="34" charset="-120"/>
+              </a:rPr>
+              <a:t>使用 </a:t>
+            </a:r>
+            <a:r>
+              <a:rPr lang="en-US" altLang="zh-TW" sz="3200" b="1" dirty="0">
+                <a:solidFill>
+                  <a:schemeClr val="bg1"/>
+                </a:solidFill>
+                <a:latin typeface="微軟正黑體" panose="020B0604030504040204" pitchFamily="34" charset="-120"/>
+                <a:ea typeface="微軟正黑體" panose="020B0604030504040204" pitchFamily="34" charset="-120"/>
+              </a:rPr>
+              <a:t>Router</a:t>
+            </a:r>
+            <a:endParaRPr lang="zh-TW" altLang="en-US" sz="3200" b="1" dirty="0">
+              <a:solidFill>
+                <a:schemeClr val="bg1"/>
+              </a:solidFill>
+              <a:latin typeface="微軟正黑體" panose="020B0604030504040204" pitchFamily="34" charset="-120"/>
+              <a:ea typeface="微軟正黑體" panose="020B0604030504040204" pitchFamily="34" charset="-120"/>
+            </a:endParaRPr>
+          </a:p>
+        </p:txBody>
+      </p:sp>
+      <p:sp>
+        <p:nvSpPr>
+          <p:cNvPr id="6" name="文字方塊 5">
+            <a:extLst>
+              <a:ext uri="{FF2B5EF4-FFF2-40B4-BE49-F238E27FC236}">
+                <a16:creationId xmlns:a16="http://schemas.microsoft.com/office/drawing/2014/main" id="{7F563338-4366-46D7-B9CD-88E9B992B77B}"/>
+              </a:ext>
+            </a:extLst>
+          </p:cNvPr>
+          <p:cNvSpPr txBox="1"/>
+          <p:nvPr/>
+        </p:nvSpPr>
+        <p:spPr>
+          <a:xfrm>
+            <a:off x="2964227" y="2289873"/>
+            <a:ext cx="5186807" cy="369332"/>
+          </a:xfrm>
+          <a:prstGeom prst="rect">
+            <a:avLst/>
+          </a:prstGeom>
+          <a:noFill/>
+        </p:spPr>
+        <p:txBody>
+          <a:bodyPr wrap="square">
+            <a:spAutoFit/>
+          </a:bodyPr>
+          <a:lstStyle/>
+          <a:p>
+            <a:r>
+              <a:rPr lang="en-US" altLang="zh-TW" b="0" dirty="0">
+                <a:solidFill>
+                  <a:srgbClr val="F8F8F2"/>
+                </a:solidFill>
+                <a:effectLst/>
+                <a:latin typeface="Consolas" panose="020B0609020204030204" pitchFamily="49" charset="0"/>
+              </a:rPr>
+              <a:t> &lt;</a:t>
+            </a:r>
+            <a:r>
+              <a:rPr lang="en-US" altLang="zh-TW" b="0" i="1" dirty="0" err="1">
+                <a:solidFill>
+                  <a:srgbClr val="66D9EF"/>
+                </a:solidFill>
+                <a:effectLst/>
+                <a:latin typeface="Consolas" panose="020B0609020204030204" pitchFamily="49" charset="0"/>
+              </a:rPr>
+              <a:t>Nuxt</a:t>
+            </a:r>
+            <a:r>
+              <a:rPr lang="en-US" altLang="zh-TW" b="0" dirty="0">
+                <a:solidFill>
+                  <a:srgbClr val="F8F8F2"/>
+                </a:solidFill>
+                <a:effectLst/>
+                <a:latin typeface="Consolas" panose="020B0609020204030204" pitchFamily="49" charset="0"/>
+              </a:rPr>
+              <a:t> /&gt;</a:t>
+            </a:r>
+          </a:p>
+        </p:txBody>
+      </p:sp>
+      <p:sp>
+        <p:nvSpPr>
+          <p:cNvPr id="7" name="矩形 6">
+            <a:extLst>
+              <a:ext uri="{FF2B5EF4-FFF2-40B4-BE49-F238E27FC236}">
+                <a16:creationId xmlns:a16="http://schemas.microsoft.com/office/drawing/2014/main" id="{C1EDBC12-6FEB-4915-A634-3B1FDC138B1E}"/>
+              </a:ext>
+            </a:extLst>
+          </p:cNvPr>
+          <p:cNvSpPr/>
+          <p:nvPr/>
+        </p:nvSpPr>
+        <p:spPr>
+          <a:xfrm>
+            <a:off x="2809658" y="5246678"/>
+            <a:ext cx="6350000" cy="730250"/>
+          </a:xfrm>
+          <a:prstGeom prst="rect">
+            <a:avLst/>
+          </a:prstGeom>
+        </p:spPr>
+        <p:style>
+          <a:lnRef idx="2">
+            <a:schemeClr val="dk1">
+              <a:shade val="50000"/>
+            </a:schemeClr>
+          </a:lnRef>
+          <a:fillRef idx="1">
+            <a:schemeClr val="dk1"/>
+          </a:fillRef>
+          <a:effectRef idx="0">
+            <a:schemeClr val="dk1"/>
+          </a:effectRef>
+          <a:fontRef idx="minor">
+            <a:schemeClr val="lt1"/>
+          </a:fontRef>
+        </p:style>
+        <p:txBody>
+          <a:bodyPr rtlCol="0" anchor="ctr"/>
+          <a:lstStyle/>
+          <a:p>
+            <a:pPr algn="ctr"/>
+            <a:endParaRPr lang="zh-TW" altLang="en-US"/>
+          </a:p>
+        </p:txBody>
+      </p:sp>
+      <p:sp>
+        <p:nvSpPr>
+          <p:cNvPr id="8" name="文字方塊 7">
+            <a:extLst>
+              <a:ext uri="{FF2B5EF4-FFF2-40B4-BE49-F238E27FC236}">
+                <a16:creationId xmlns:a16="http://schemas.microsoft.com/office/drawing/2014/main" id="{8F493A46-5FD8-49FA-9F6C-D068EEDB5DA6}"/>
+              </a:ext>
+            </a:extLst>
+          </p:cNvPr>
+          <p:cNvSpPr txBox="1"/>
+          <p:nvPr/>
+        </p:nvSpPr>
+        <p:spPr>
+          <a:xfrm>
+            <a:off x="3053324" y="5427137"/>
+            <a:ext cx="5862668" cy="369332"/>
+          </a:xfrm>
+          <a:prstGeom prst="rect">
+            <a:avLst/>
+          </a:prstGeom>
+          <a:noFill/>
+        </p:spPr>
+        <p:txBody>
+          <a:bodyPr wrap="square">
+            <a:spAutoFit/>
+          </a:bodyPr>
+          <a:lstStyle/>
+          <a:p>
+            <a:r>
+              <a:rPr lang="en-US" altLang="zh-TW" b="0" dirty="0">
+                <a:solidFill>
+                  <a:srgbClr val="F8F8F2"/>
+                </a:solidFill>
+                <a:effectLst/>
+                <a:latin typeface="Consolas" panose="020B0609020204030204" pitchFamily="49" charset="0"/>
+              </a:rPr>
+              <a:t>&lt;</a:t>
+            </a:r>
+            <a:r>
+              <a:rPr lang="en-US" altLang="zh-TW" b="0" i="1" dirty="0" err="1">
+                <a:solidFill>
+                  <a:srgbClr val="66D9EF"/>
+                </a:solidFill>
+                <a:effectLst/>
+                <a:latin typeface="Consolas" panose="020B0609020204030204" pitchFamily="49" charset="0"/>
+              </a:rPr>
+              <a:t>NuxtLink</a:t>
+            </a:r>
+            <a:r>
+              <a:rPr lang="en-US" altLang="zh-TW" b="0" dirty="0">
+                <a:solidFill>
+                  <a:srgbClr val="F8F8F2"/>
+                </a:solidFill>
+                <a:effectLst/>
+                <a:latin typeface="Consolas" panose="020B0609020204030204" pitchFamily="49" charset="0"/>
+              </a:rPr>
+              <a:t> </a:t>
+            </a:r>
+            <a:r>
+              <a:rPr lang="en-US" altLang="zh-TW" b="0" dirty="0">
+                <a:solidFill>
+                  <a:srgbClr val="A6E22E"/>
+                </a:solidFill>
+                <a:effectLst/>
+                <a:latin typeface="Consolas" panose="020B0609020204030204" pitchFamily="49" charset="0"/>
+              </a:rPr>
+              <a:t>to</a:t>
+            </a:r>
+            <a:r>
+              <a:rPr lang="en-US" altLang="zh-TW" b="0" dirty="0">
+                <a:solidFill>
+                  <a:srgbClr val="F8F8F2"/>
+                </a:solidFill>
+                <a:effectLst/>
+                <a:latin typeface="Consolas" panose="020B0609020204030204" pitchFamily="49" charset="0"/>
+              </a:rPr>
+              <a:t>=</a:t>
+            </a:r>
+            <a:r>
+              <a:rPr lang="en-US" altLang="zh-TW" b="0" dirty="0">
+                <a:solidFill>
+                  <a:srgbClr val="FFEE99"/>
+                </a:solidFill>
+                <a:effectLst/>
+                <a:latin typeface="Consolas" panose="020B0609020204030204" pitchFamily="49" charset="0"/>
+              </a:rPr>
+              <a:t>"/about"</a:t>
+            </a:r>
+            <a:r>
+              <a:rPr lang="en-US" altLang="zh-TW" b="0" dirty="0">
+                <a:solidFill>
+                  <a:srgbClr val="F8F8F2"/>
+                </a:solidFill>
+                <a:effectLst/>
+                <a:latin typeface="Consolas" panose="020B0609020204030204" pitchFamily="49" charset="0"/>
+              </a:rPr>
+              <a:t>&gt;about page&lt;/</a:t>
+            </a:r>
+            <a:r>
+              <a:rPr lang="en-US" altLang="zh-TW" b="0" i="1" dirty="0" err="1">
+                <a:solidFill>
+                  <a:srgbClr val="66D9EF"/>
+                </a:solidFill>
+                <a:effectLst/>
+                <a:latin typeface="Consolas" panose="020B0609020204030204" pitchFamily="49" charset="0"/>
+              </a:rPr>
+              <a:t>NuxtLink</a:t>
+            </a:r>
+            <a:r>
+              <a:rPr lang="en-US" altLang="zh-TW" b="0" dirty="0">
+                <a:solidFill>
+                  <a:srgbClr val="F8F8F2"/>
+                </a:solidFill>
+                <a:effectLst/>
+                <a:latin typeface="Consolas" panose="020B0609020204030204" pitchFamily="49" charset="0"/>
+              </a:rPr>
+              <a:t>&gt;</a:t>
+            </a:r>
+          </a:p>
+        </p:txBody>
+      </p:sp>
+      <p:sp>
+        <p:nvSpPr>
+          <p:cNvPr id="9" name="標題 1">
+            <a:extLst>
+              <a:ext uri="{FF2B5EF4-FFF2-40B4-BE49-F238E27FC236}">
+                <a16:creationId xmlns:a16="http://schemas.microsoft.com/office/drawing/2014/main" id="{5D8D5E41-88ED-488C-B92A-7D8C2ED2E238}"/>
+              </a:ext>
+            </a:extLst>
+          </p:cNvPr>
+          <p:cNvSpPr txBox="1">
+            <a:spLocks/>
+          </p:cNvSpPr>
+          <p:nvPr/>
+        </p:nvSpPr>
+        <p:spPr>
+          <a:xfrm>
+            <a:off x="2809658" y="1648422"/>
+            <a:ext cx="5017447" cy="421586"/>
+          </a:xfrm>
+          <a:prstGeom prst="rect">
+            <a:avLst/>
+          </a:prstGeom>
+        </p:spPr>
+        <p:txBody>
+          <a:bodyPr vert="horz" lIns="91440" tIns="45720" rIns="91440" bIns="45720" rtlCol="0" anchor="ctr">
+            <a:normAutofit/>
+          </a:bodyPr>
+          <a:lstStyle>
+            <a:lvl1pPr algn="l" defTabSz="914400" rtl="0" eaLnBrk="1" latinLnBrk="0" hangingPunct="1">
+              <a:lnSpc>
+                <a:spcPct val="90000"/>
+              </a:lnSpc>
+              <a:spcBef>
+                <a:spcPct val="0"/>
+              </a:spcBef>
+              <a:buNone/>
+              <a:defRPr sz="4400" kern="1200">
+                <a:solidFill>
+                  <a:schemeClr val="tx1"/>
+                </a:solidFill>
+                <a:latin typeface="+mj-lt"/>
+                <a:ea typeface="+mj-ea"/>
+                <a:cs typeface="+mj-cs"/>
+              </a:defRPr>
+            </a:lvl1pPr>
+          </a:lstStyle>
+          <a:p>
+            <a:r>
+              <a:rPr lang="en-US" altLang="zh-TW" sz="1800" b="1" dirty="0">
+                <a:solidFill>
+                  <a:schemeClr val="bg1"/>
+                </a:solidFill>
+                <a:latin typeface="微軟正黑體" panose="020B0604030504040204" pitchFamily="34" charset="-120"/>
+                <a:ea typeface="微軟正黑體" panose="020B0604030504040204" pitchFamily="34" charset="-120"/>
+              </a:rPr>
+              <a:t>Router </a:t>
+            </a:r>
+            <a:r>
+              <a:rPr lang="zh-TW" altLang="en-US" sz="1800" b="1" dirty="0">
+                <a:solidFill>
+                  <a:schemeClr val="bg1"/>
+                </a:solidFill>
+                <a:latin typeface="微軟正黑體" panose="020B0604030504040204" pitchFamily="34" charset="-120"/>
+                <a:ea typeface="微軟正黑體" panose="020B0604030504040204" pitchFamily="34" charset="-120"/>
+              </a:rPr>
+              <a:t>更換頁面的進入點</a:t>
+            </a:r>
+          </a:p>
+        </p:txBody>
+      </p:sp>
+      <p:sp>
+        <p:nvSpPr>
+          <p:cNvPr id="10" name="標題 1">
+            <a:extLst>
+              <a:ext uri="{FF2B5EF4-FFF2-40B4-BE49-F238E27FC236}">
+                <a16:creationId xmlns:a16="http://schemas.microsoft.com/office/drawing/2014/main" id="{D9210609-20F6-48EB-97AD-3790FD687410}"/>
+              </a:ext>
+            </a:extLst>
+          </p:cNvPr>
+          <p:cNvSpPr txBox="1">
+            <a:spLocks/>
+          </p:cNvSpPr>
+          <p:nvPr/>
+        </p:nvSpPr>
+        <p:spPr>
+          <a:xfrm>
+            <a:off x="2757596" y="4822129"/>
+            <a:ext cx="5017447" cy="421586"/>
+          </a:xfrm>
+          <a:prstGeom prst="rect">
+            <a:avLst/>
+          </a:prstGeom>
+        </p:spPr>
+        <p:txBody>
+          <a:bodyPr vert="horz" lIns="91440" tIns="45720" rIns="91440" bIns="45720" rtlCol="0" anchor="ctr">
+            <a:normAutofit/>
+          </a:bodyPr>
+          <a:lstStyle>
+            <a:lvl1pPr algn="l" defTabSz="914400" rtl="0" eaLnBrk="1" latinLnBrk="0" hangingPunct="1">
+              <a:lnSpc>
+                <a:spcPct val="90000"/>
+              </a:lnSpc>
+              <a:spcBef>
+                <a:spcPct val="0"/>
+              </a:spcBef>
+              <a:buNone/>
+              <a:defRPr sz="4400" kern="1200">
+                <a:solidFill>
+                  <a:schemeClr val="tx1"/>
+                </a:solidFill>
+                <a:latin typeface="+mj-lt"/>
+                <a:ea typeface="+mj-ea"/>
+                <a:cs typeface="+mj-cs"/>
+              </a:defRPr>
+            </a:lvl1pPr>
+          </a:lstStyle>
+          <a:p>
+            <a:r>
+              <a:rPr lang="en-US" altLang="zh-TW" sz="1800" b="1" dirty="0" err="1">
+                <a:solidFill>
+                  <a:schemeClr val="bg1"/>
+                </a:solidFill>
+                <a:latin typeface="微軟正黑體" panose="020B0604030504040204" pitchFamily="34" charset="-120"/>
+                <a:ea typeface="微軟正黑體" panose="020B0604030504040204" pitchFamily="34" charset="-120"/>
+              </a:rPr>
+              <a:t>Nuxt</a:t>
+            </a:r>
+            <a:r>
+              <a:rPr lang="zh-TW" altLang="en-US" sz="1800" b="1" dirty="0">
+                <a:solidFill>
+                  <a:schemeClr val="bg1"/>
+                </a:solidFill>
+                <a:latin typeface="微軟正黑體" panose="020B0604030504040204" pitchFamily="34" charset="-120"/>
+                <a:ea typeface="微軟正黑體" panose="020B0604030504040204" pitchFamily="34" charset="-120"/>
+              </a:rPr>
+              <a:t> 切換頁面的超連結元件</a:t>
+            </a:r>
+          </a:p>
+        </p:txBody>
+      </p:sp>
+      <p:sp>
+        <p:nvSpPr>
+          <p:cNvPr id="12" name="文字方塊 11">
+            <a:extLst>
+              <a:ext uri="{FF2B5EF4-FFF2-40B4-BE49-F238E27FC236}">
+                <a16:creationId xmlns:a16="http://schemas.microsoft.com/office/drawing/2014/main" id="{20A45A65-5828-4A6B-86DC-289A984A24C4}"/>
+              </a:ext>
+            </a:extLst>
+          </p:cNvPr>
+          <p:cNvSpPr txBox="1"/>
+          <p:nvPr/>
+        </p:nvSpPr>
+        <p:spPr>
+          <a:xfrm>
+            <a:off x="2979865" y="3863166"/>
+            <a:ext cx="6096000" cy="369332"/>
+          </a:xfrm>
+          <a:prstGeom prst="rect">
+            <a:avLst/>
+          </a:prstGeom>
+          <a:noFill/>
+        </p:spPr>
+        <p:txBody>
+          <a:bodyPr wrap="square">
+            <a:spAutoFit/>
+          </a:bodyPr>
+          <a:lstStyle/>
+          <a:p>
+            <a:r>
+              <a:rPr lang="en-US" altLang="zh-TW" b="0" dirty="0">
+                <a:solidFill>
+                  <a:srgbClr val="F8F8F2"/>
+                </a:solidFill>
+                <a:effectLst/>
+                <a:latin typeface="Consolas" panose="020B0609020204030204" pitchFamily="49" charset="0"/>
+              </a:rPr>
+              <a:t>&lt;</a:t>
+            </a:r>
+            <a:r>
+              <a:rPr lang="en-US" altLang="zh-TW" b="0" i="1" dirty="0" err="1">
+                <a:solidFill>
+                  <a:srgbClr val="66D9EF"/>
+                </a:solidFill>
+                <a:effectLst/>
+                <a:latin typeface="Consolas" panose="020B0609020204030204" pitchFamily="49" charset="0"/>
+              </a:rPr>
+              <a:t>NuxtChild</a:t>
+            </a:r>
+            <a:r>
+              <a:rPr lang="en-US" altLang="zh-TW" b="0" dirty="0">
+                <a:solidFill>
+                  <a:srgbClr val="F8F8F2"/>
+                </a:solidFill>
+                <a:effectLst/>
+                <a:latin typeface="Consolas" panose="020B0609020204030204" pitchFamily="49" charset="0"/>
+              </a:rPr>
+              <a:t> /&gt;</a:t>
+            </a:r>
+          </a:p>
+        </p:txBody>
+      </p:sp>
+      <p:sp>
+        <p:nvSpPr>
+          <p:cNvPr id="14" name="標題 1">
+            <a:extLst>
+              <a:ext uri="{FF2B5EF4-FFF2-40B4-BE49-F238E27FC236}">
+                <a16:creationId xmlns:a16="http://schemas.microsoft.com/office/drawing/2014/main" id="{69D0AFD0-E266-4F40-A4A0-664AEAB1CAE7}"/>
+              </a:ext>
+            </a:extLst>
+          </p:cNvPr>
+          <p:cNvSpPr txBox="1">
+            <a:spLocks/>
+          </p:cNvSpPr>
+          <p:nvPr/>
+        </p:nvSpPr>
+        <p:spPr>
+          <a:xfrm>
+            <a:off x="2757596" y="3261121"/>
+            <a:ext cx="5017447" cy="421586"/>
+          </a:xfrm>
+          <a:prstGeom prst="rect">
+            <a:avLst/>
+          </a:prstGeom>
+        </p:spPr>
+        <p:txBody>
+          <a:bodyPr vert="horz" lIns="91440" tIns="45720" rIns="91440" bIns="45720" rtlCol="0" anchor="ctr">
+            <a:normAutofit/>
+          </a:bodyPr>
+          <a:lstStyle>
+            <a:lvl1pPr algn="l" defTabSz="914400" rtl="0" eaLnBrk="1" latinLnBrk="0" hangingPunct="1">
+              <a:lnSpc>
+                <a:spcPct val="90000"/>
+              </a:lnSpc>
+              <a:spcBef>
+                <a:spcPct val="0"/>
+              </a:spcBef>
+              <a:buNone/>
+              <a:defRPr sz="4400" kern="1200">
+                <a:solidFill>
+                  <a:schemeClr val="tx1"/>
+                </a:solidFill>
+                <a:latin typeface="+mj-lt"/>
+                <a:ea typeface="+mj-ea"/>
+                <a:cs typeface="+mj-cs"/>
+              </a:defRPr>
+            </a:lvl1pPr>
+          </a:lstStyle>
+          <a:p>
+            <a:r>
+              <a:rPr lang="zh-TW" altLang="en-US" sz="1800" b="1" dirty="0">
+                <a:solidFill>
+                  <a:schemeClr val="bg1"/>
+                </a:solidFill>
+                <a:latin typeface="微軟正黑體" panose="020B0604030504040204" pitchFamily="34" charset="-120"/>
+                <a:ea typeface="微軟正黑體" panose="020B0604030504040204" pitchFamily="34" charset="-120"/>
+              </a:rPr>
+              <a:t>嵌套 </a:t>
+            </a:r>
+            <a:r>
+              <a:rPr lang="en-US" altLang="zh-TW" sz="1800" b="1" dirty="0">
+                <a:solidFill>
+                  <a:schemeClr val="bg1"/>
+                </a:solidFill>
+                <a:latin typeface="微軟正黑體" panose="020B0604030504040204" pitchFamily="34" charset="-120"/>
+                <a:ea typeface="微軟正黑體" panose="020B0604030504040204" pitchFamily="34" charset="-120"/>
+              </a:rPr>
+              <a:t>router</a:t>
+            </a:r>
+            <a:r>
+              <a:rPr lang="zh-TW" altLang="en-US" sz="1800" b="1" dirty="0">
+                <a:solidFill>
+                  <a:schemeClr val="bg1"/>
+                </a:solidFill>
+                <a:latin typeface="微軟正黑體" panose="020B0604030504040204" pitchFamily="34" charset="-120"/>
+                <a:ea typeface="微軟正黑體" panose="020B0604030504040204" pitchFamily="34" charset="-120"/>
+              </a:rPr>
+              <a:t> 所更換頁面的進入點</a:t>
+            </a:r>
+          </a:p>
+        </p:txBody>
+      </p:sp>
+    </p:spTree>
+    <p:extLst>
+      <p:ext uri="{BB962C8B-B14F-4D97-AF65-F5344CB8AC3E}">
+        <p14:creationId xmlns:p14="http://schemas.microsoft.com/office/powerpoint/2010/main" val="1775119758"/>
+      </p:ext>
+    </p:extLst>
+  </p:cSld>
+  <p:clrMapOvr>
+    <a:masterClrMapping/>
+  </p:clrMapOvr>
+</p:sld>
+</file>
+
+<file path=ppt/slides/slide9.xml><?xml version="1.0" encoding="utf-8"?>
 <p:sld xmlns:a="http://schemas.openxmlformats.org/drawingml/2006/main" xmlns:r="http://schemas.openxmlformats.org/officeDocument/2006/relationships" xmlns:p="http://schemas.openxmlformats.org/presentationml/2006/main">
   <p:cSld>
     <p:spTree>
@@ -6289,153 +7148,6 @@
     <p:extLst>
       <p:ext uri="{BB962C8B-B14F-4D97-AF65-F5344CB8AC3E}">
         <p14:creationId xmlns:p14="http://schemas.microsoft.com/office/powerpoint/2010/main" val="444267755"/>
-      </p:ext>
-    </p:extLst>
-  </p:cSld>
-  <p:clrMapOvr>
-    <a:masterClrMapping/>
-  </p:clrMapOvr>
-</p:sld>
-</file>
-
-<file path=ppt/slides/slide9.xml><?xml version="1.0" encoding="utf-8"?>
-<p:sld xmlns:a="http://schemas.openxmlformats.org/drawingml/2006/main" xmlns:r="http://schemas.openxmlformats.org/officeDocument/2006/relationships" xmlns:p="http://schemas.openxmlformats.org/presentationml/2006/main">
-  <p:cSld>
-    <p:spTree>
-      <p:nvGrpSpPr>
-        <p:cNvPr id="1" name=""/>
-        <p:cNvGrpSpPr/>
-        <p:nvPr/>
-      </p:nvGrpSpPr>
-      <p:grpSpPr>
-        <a:xfrm>
-          <a:off x="0" y="0"/>
-          <a:ext cx="0" cy="0"/>
-          <a:chOff x="0" y="0"/>
-          <a:chExt cx="0" cy="0"/>
-        </a:xfrm>
-      </p:grpSpPr>
-      <p:sp>
-        <p:nvSpPr>
-          <p:cNvPr id="8" name="文字方塊 7">
-            <a:extLst>
-              <a:ext uri="{FF2B5EF4-FFF2-40B4-BE49-F238E27FC236}">
-                <a16:creationId xmlns:a16="http://schemas.microsoft.com/office/drawing/2014/main" id="{0CA298E3-E100-412A-A4D8-5D13C7B349EF}"/>
-              </a:ext>
-            </a:extLst>
-          </p:cNvPr>
-          <p:cNvSpPr txBox="1"/>
-          <p:nvPr/>
-        </p:nvSpPr>
-        <p:spPr>
-          <a:xfrm>
-            <a:off x="1600200" y="2716768"/>
-            <a:ext cx="6096000" cy="769441"/>
-          </a:xfrm>
-          <a:prstGeom prst="rect">
-            <a:avLst/>
-          </a:prstGeom>
-          <a:noFill/>
-        </p:spPr>
-        <p:txBody>
-          <a:bodyPr wrap="square">
-            <a:spAutoFit/>
-          </a:bodyPr>
-          <a:lstStyle/>
-          <a:p>
-            <a:r>
-              <a:rPr lang="en-US" altLang="zh-TW" sz="4400" b="1" i="0" dirty="0" err="1">
-                <a:solidFill>
-                  <a:schemeClr val="bg1">
-                    <a:lumMod val="95000"/>
-                  </a:schemeClr>
-                </a:solidFill>
-                <a:effectLst/>
-                <a:latin typeface="DM Sans"/>
-                <a:hlinkClick r:id="rId2">
-                  <a:extLst>
-                    <a:ext uri="{A12FA001-AC4F-418D-AE19-62706E023703}">
-                      <ahyp:hlinkClr xmlns:ahyp="http://schemas.microsoft.com/office/drawing/2018/hyperlinkcolor" val="tx"/>
-                    </a:ext>
-                  </a:extLst>
-                </a:hlinkClick>
-              </a:rPr>
-              <a:t>Nuxt</a:t>
-            </a:r>
-            <a:r>
-              <a:rPr lang="en-US" altLang="zh-TW" sz="4400" b="1" i="0" dirty="0">
-                <a:solidFill>
-                  <a:schemeClr val="bg1">
-                    <a:lumMod val="95000"/>
-                  </a:schemeClr>
-                </a:solidFill>
-                <a:effectLst/>
-                <a:latin typeface="DM Sans"/>
-                <a:hlinkClick r:id="rId2">
-                  <a:extLst>
-                    <a:ext uri="{A12FA001-AC4F-418D-AE19-62706E023703}">
-                      <ahyp:hlinkClr xmlns:ahyp="http://schemas.microsoft.com/office/drawing/2018/hyperlinkcolor" val="tx"/>
-                    </a:ext>
-                  </a:extLst>
-                </a:hlinkClick>
-              </a:rPr>
-              <a:t> Composition API</a:t>
-            </a:r>
-            <a:endParaRPr lang="zh-TW" altLang="en-US" sz="4400" dirty="0">
-              <a:solidFill>
-                <a:schemeClr val="bg1">
-                  <a:lumMod val="95000"/>
-                </a:schemeClr>
-              </a:solidFill>
-            </a:endParaRPr>
-          </a:p>
-        </p:txBody>
-      </p:sp>
-      <p:sp>
-        <p:nvSpPr>
-          <p:cNvPr id="10" name="文字方塊 9">
-            <a:extLst>
-              <a:ext uri="{FF2B5EF4-FFF2-40B4-BE49-F238E27FC236}">
-                <a16:creationId xmlns:a16="http://schemas.microsoft.com/office/drawing/2014/main" id="{B2D0251C-3868-4768-9599-DD255B834FA7}"/>
-              </a:ext>
-            </a:extLst>
-          </p:cNvPr>
-          <p:cNvSpPr txBox="1"/>
-          <p:nvPr/>
-        </p:nvSpPr>
-        <p:spPr>
-          <a:xfrm>
-            <a:off x="1600200" y="3486209"/>
-            <a:ext cx="6096000" cy="369332"/>
-          </a:xfrm>
-          <a:prstGeom prst="rect">
-            <a:avLst/>
-          </a:prstGeom>
-          <a:noFill/>
-        </p:spPr>
-        <p:txBody>
-          <a:bodyPr wrap="square">
-            <a:spAutoFit/>
-          </a:bodyPr>
-          <a:lstStyle/>
-          <a:p>
-            <a:r>
-              <a:rPr lang="zh-TW" altLang="en-US" dirty="0">
-                <a:solidFill>
-                  <a:schemeClr val="bg1">
-                    <a:lumMod val="95000"/>
-                  </a:schemeClr>
-                </a:solidFill>
-              </a:rPr>
-              <a:t>https://composition-api.nuxtjs.org/</a:t>
-            </a:r>
-          </a:p>
-        </p:txBody>
-      </p:sp>
-    </p:spTree>
-    <p:extLst>
-      <p:ext uri="{BB962C8B-B14F-4D97-AF65-F5344CB8AC3E}">
-        <p14:creationId xmlns:p14="http://schemas.microsoft.com/office/powerpoint/2010/main" val="3068650212"/>
       </p:ext>
     </p:extLst>
   </p:cSld>

--- a/nuxt.pptx
+++ b/nuxt.pptx
@@ -13,9 +13,11 @@
     <p:sldId id="262" r:id="rId7"/>
     <p:sldId id="264" r:id="rId8"/>
     <p:sldId id="270" r:id="rId9"/>
-    <p:sldId id="269" r:id="rId10"/>
-    <p:sldId id="265" r:id="rId11"/>
-    <p:sldId id="268" r:id="rId12"/>
+    <p:sldId id="271" r:id="rId10"/>
+    <p:sldId id="272" r:id="rId11"/>
+    <p:sldId id="269" r:id="rId12"/>
+    <p:sldId id="265" r:id="rId13"/>
+    <p:sldId id="268" r:id="rId14"/>
   </p:sldIdLst>
   <p:sldSz cx="12192000" cy="6858000"/>
   <p:notesSz cx="6858000" cy="9144000"/>
@@ -127,6 +129,8 @@
             <p14:sldId id="262"/>
             <p14:sldId id="264"/>
             <p14:sldId id="270"/>
+            <p14:sldId id="271"/>
+            <p14:sldId id="272"/>
             <p14:sldId id="269"/>
             <p14:sldId id="265"/>
             <p14:sldId id="268"/>
@@ -300,7 +304,7 @@
           <a:p>
             <a:fld id="{55B5673A-2C76-400E-AECF-A7C5CD58B306}" type="datetimeFigureOut">
               <a:rPr lang="zh-TW" altLang="en-US" smtClean="0"/>
-              <a:t>2020/12/11</a:t>
+              <a:t>2020/12/14</a:t>
             </a:fld>
             <a:endParaRPr lang="zh-TW" altLang="en-US"/>
           </a:p>
@@ -498,7 +502,7 @@
           <a:p>
             <a:fld id="{55B5673A-2C76-400E-AECF-A7C5CD58B306}" type="datetimeFigureOut">
               <a:rPr lang="zh-TW" altLang="en-US" smtClean="0"/>
-              <a:t>2020/12/11</a:t>
+              <a:t>2020/12/14</a:t>
             </a:fld>
             <a:endParaRPr lang="zh-TW" altLang="en-US"/>
           </a:p>
@@ -706,7 +710,7 @@
           <a:p>
             <a:fld id="{55B5673A-2C76-400E-AECF-A7C5CD58B306}" type="datetimeFigureOut">
               <a:rPr lang="zh-TW" altLang="en-US" smtClean="0"/>
-              <a:t>2020/12/11</a:t>
+              <a:t>2020/12/14</a:t>
             </a:fld>
             <a:endParaRPr lang="zh-TW" altLang="en-US"/>
           </a:p>
@@ -904,7 +908,7 @@
           <a:p>
             <a:fld id="{55B5673A-2C76-400E-AECF-A7C5CD58B306}" type="datetimeFigureOut">
               <a:rPr lang="zh-TW" altLang="en-US" smtClean="0"/>
-              <a:t>2020/12/11</a:t>
+              <a:t>2020/12/14</a:t>
             </a:fld>
             <a:endParaRPr lang="zh-TW" altLang="en-US"/>
           </a:p>
@@ -1179,7 +1183,7 @@
           <a:p>
             <a:fld id="{55B5673A-2C76-400E-AECF-A7C5CD58B306}" type="datetimeFigureOut">
               <a:rPr lang="zh-TW" altLang="en-US" smtClean="0"/>
-              <a:t>2020/12/11</a:t>
+              <a:t>2020/12/14</a:t>
             </a:fld>
             <a:endParaRPr lang="zh-TW" altLang="en-US"/>
           </a:p>
@@ -1444,7 +1448,7 @@
           <a:p>
             <a:fld id="{55B5673A-2C76-400E-AECF-A7C5CD58B306}" type="datetimeFigureOut">
               <a:rPr lang="zh-TW" altLang="en-US" smtClean="0"/>
-              <a:t>2020/12/11</a:t>
+              <a:t>2020/12/14</a:t>
             </a:fld>
             <a:endParaRPr lang="zh-TW" altLang="en-US"/>
           </a:p>
@@ -1856,7 +1860,7 @@
           <a:p>
             <a:fld id="{55B5673A-2C76-400E-AECF-A7C5CD58B306}" type="datetimeFigureOut">
               <a:rPr lang="zh-TW" altLang="en-US" smtClean="0"/>
-              <a:t>2020/12/11</a:t>
+              <a:t>2020/12/14</a:t>
             </a:fld>
             <a:endParaRPr lang="zh-TW" altLang="en-US"/>
           </a:p>
@@ -1997,7 +2001,7 @@
           <a:p>
             <a:fld id="{55B5673A-2C76-400E-AECF-A7C5CD58B306}" type="datetimeFigureOut">
               <a:rPr lang="zh-TW" altLang="en-US" smtClean="0"/>
-              <a:t>2020/12/11</a:t>
+              <a:t>2020/12/14</a:t>
             </a:fld>
             <a:endParaRPr lang="zh-TW" altLang="en-US"/>
           </a:p>
@@ -2110,7 +2114,7 @@
           <a:p>
             <a:fld id="{55B5673A-2C76-400E-AECF-A7C5CD58B306}" type="datetimeFigureOut">
               <a:rPr lang="zh-TW" altLang="en-US" smtClean="0"/>
-              <a:t>2020/12/11</a:t>
+              <a:t>2020/12/14</a:t>
             </a:fld>
             <a:endParaRPr lang="zh-TW" altLang="en-US"/>
           </a:p>
@@ -2421,7 +2425,7 @@
           <a:p>
             <a:fld id="{55B5673A-2C76-400E-AECF-A7C5CD58B306}" type="datetimeFigureOut">
               <a:rPr lang="zh-TW" altLang="en-US" smtClean="0"/>
-              <a:t>2020/12/11</a:t>
+              <a:t>2020/12/14</a:t>
             </a:fld>
             <a:endParaRPr lang="zh-TW" altLang="en-US"/>
           </a:p>
@@ -2709,7 +2713,7 @@
           <a:p>
             <a:fld id="{55B5673A-2C76-400E-AECF-A7C5CD58B306}" type="datetimeFigureOut">
               <a:rPr lang="zh-TW" altLang="en-US" smtClean="0"/>
-              <a:t>2020/12/11</a:t>
+              <a:t>2020/12/14</a:t>
             </a:fld>
             <a:endParaRPr lang="zh-TW" altLang="en-US"/>
           </a:p>
@@ -2953,7 +2957,7 @@
           <a:p>
             <a:fld id="{55B5673A-2C76-400E-AECF-A7C5CD58B306}" type="datetimeFigureOut">
               <a:rPr lang="zh-TW" altLang="en-US" smtClean="0"/>
-              <a:t>2020/12/11</a:t>
+              <a:t>2020/12/14</a:t>
             </a:fld>
             <a:endParaRPr lang="zh-TW" altLang="en-US"/>
           </a:p>
@@ -3606,125 +3610,102 @@
       </p:grpSpPr>
       <p:sp>
         <p:nvSpPr>
-          <p:cNvPr id="8" name="文字方塊 7">
-            <a:extLst>
-              <a:ext uri="{FF2B5EF4-FFF2-40B4-BE49-F238E27FC236}">
-                <a16:creationId xmlns:a16="http://schemas.microsoft.com/office/drawing/2014/main" id="{0CA298E3-E100-412A-A4D8-5D13C7B349EF}"/>
-              </a:ext>
-            </a:extLst>
-          </p:cNvPr>
-          <p:cNvSpPr txBox="1"/>
-          <p:nvPr/>
+          <p:cNvPr id="2" name="標題 1">
+            <a:extLst>
+              <a:ext uri="{FF2B5EF4-FFF2-40B4-BE49-F238E27FC236}">
+                <a16:creationId xmlns:a16="http://schemas.microsoft.com/office/drawing/2014/main" id="{112BA3E3-9D25-4DE9-B150-F6EE66E14F5C}"/>
+              </a:ext>
+            </a:extLst>
+          </p:cNvPr>
+          <p:cNvSpPr>
+            <a:spLocks noGrp="1"/>
+          </p:cNvSpPr>
+          <p:nvPr>
+            <p:ph type="title"/>
+          </p:nvPr>
         </p:nvSpPr>
         <p:spPr>
           <a:xfrm>
-            <a:off x="1600200" y="2716768"/>
-            <a:ext cx="6096000" cy="769441"/>
+            <a:off x="3118048" y="2773401"/>
+            <a:ext cx="5634540" cy="940994"/>
           </a:xfrm>
-          <a:prstGeom prst="rect">
-            <a:avLst/>
-          </a:prstGeom>
-          <a:noFill/>
         </p:spPr>
         <p:txBody>
-          <a:bodyPr wrap="square">
-            <a:spAutoFit/>
+          <a:bodyPr/>
+          <a:lstStyle/>
+          <a:p>
+            <a:pPr algn="ctr"/>
+            <a:r>
+              <a:rPr lang="en-US" altLang="zh-TW" b="1" dirty="0">
+                <a:solidFill>
+                  <a:schemeClr val="bg1"/>
+                </a:solidFill>
+                <a:latin typeface="微軟正黑體" panose="020B0604030504040204" pitchFamily="34" charset="-120"/>
+                <a:ea typeface="微軟正黑體" panose="020B0604030504040204" pitchFamily="34" charset="-120"/>
+              </a:rPr>
+              <a:t>Error page</a:t>
+            </a:r>
+            <a:endParaRPr lang="zh-TW" altLang="en-US" b="1" dirty="0">
+              <a:solidFill>
+                <a:schemeClr val="bg1"/>
+              </a:solidFill>
+              <a:latin typeface="微軟正黑體" panose="020B0604030504040204" pitchFamily="34" charset="-120"/>
+              <a:ea typeface="微軟正黑體" panose="020B0604030504040204" pitchFamily="34" charset="-120"/>
+            </a:endParaRPr>
+          </a:p>
+        </p:txBody>
+      </p:sp>
+      <p:sp>
+        <p:nvSpPr>
+          <p:cNvPr id="3" name="內容版面配置區 2">
+            <a:extLst>
+              <a:ext uri="{FF2B5EF4-FFF2-40B4-BE49-F238E27FC236}">
+                <a16:creationId xmlns:a16="http://schemas.microsoft.com/office/drawing/2014/main" id="{61A40D72-0C4F-4D4F-9BA3-A762DF919985}"/>
+              </a:ext>
+            </a:extLst>
+          </p:cNvPr>
+          <p:cNvSpPr>
+            <a:spLocks noGrp="1"/>
+          </p:cNvSpPr>
+          <p:nvPr>
+            <p:ph idx="1"/>
+          </p:nvPr>
+        </p:nvSpPr>
+        <p:spPr>
+          <a:xfrm>
+            <a:off x="2018117" y="3714395"/>
+            <a:ext cx="7834401" cy="431642"/>
+          </a:xfrm>
+        </p:spPr>
+        <p:txBody>
+          <a:bodyPr>
+            <a:normAutofit/>
           </a:bodyPr>
           <a:lstStyle/>
           <a:p>
-            <a:r>
-              <a:rPr lang="en-US" altLang="zh-TW" sz="4400" b="1" i="0" dirty="0" err="1">
-                <a:solidFill>
-                  <a:schemeClr val="bg1">
-                    <a:lumMod val="95000"/>
-                  </a:schemeClr>
-                </a:solidFill>
-                <a:effectLst/>
-                <a:latin typeface="DM Sans"/>
-                <a:hlinkClick r:id="rId2">
-                  <a:extLst>
-                    <a:ext uri="{A12FA001-AC4F-418D-AE19-62706E023703}">
-                      <ahyp:hlinkClr xmlns:ahyp="http://schemas.microsoft.com/office/drawing/2018/hyperlinkcolor" val="tx"/>
-                    </a:ext>
-                  </a:extLst>
-                </a:hlinkClick>
-              </a:rPr>
-              <a:t>Nuxt</a:t>
-            </a:r>
-            <a:r>
-              <a:rPr lang="en-US" altLang="zh-TW" sz="4400" b="1" i="0" dirty="0">
-                <a:solidFill>
-                  <a:schemeClr val="bg1">
-                    <a:lumMod val="95000"/>
-                  </a:schemeClr>
-                </a:solidFill>
-                <a:effectLst/>
-                <a:latin typeface="DM Sans"/>
-                <a:hlinkClick r:id="rId2">
-                  <a:extLst>
-                    <a:ext uri="{A12FA001-AC4F-418D-AE19-62706E023703}">
-                      <ahyp:hlinkClr xmlns:ahyp="http://schemas.microsoft.com/office/drawing/2018/hyperlinkcolor" val="tx"/>
-                    </a:ext>
-                  </a:extLst>
-                </a:hlinkClick>
-              </a:rPr>
-              <a:t> Composition API</a:t>
-            </a:r>
-            <a:endParaRPr lang="zh-TW" altLang="en-US" sz="4400" dirty="0">
+            <a:pPr marL="0" indent="0" algn="ctr">
+              <a:buNone/>
+            </a:pPr>
+            <a:r>
+              <a:rPr lang="en-US" altLang="zh-TW" sz="1800" dirty="0">
+                <a:solidFill>
+                  <a:schemeClr val="bg1"/>
+                </a:solidFill>
+              </a:rPr>
+              <a:t>https://nuxtjs.org/docs/2.x/directory-structure/layouts#error-page</a:t>
+            </a:r>
+            <a:endParaRPr lang="zh-TW" altLang="en-US" sz="1800" dirty="0">
               <a:solidFill>
-                <a:schemeClr val="bg1">
-                  <a:lumMod val="95000"/>
-                </a:schemeClr>
+                <a:schemeClr val="bg1"/>
               </a:solidFill>
             </a:endParaRPr>
-          </a:p>
-        </p:txBody>
-      </p:sp>
-      <p:sp>
-        <p:nvSpPr>
-          <p:cNvPr id="10" name="文字方塊 9">
-            <a:extLst>
-              <a:ext uri="{FF2B5EF4-FFF2-40B4-BE49-F238E27FC236}">
-                <a16:creationId xmlns:a16="http://schemas.microsoft.com/office/drawing/2014/main" id="{B2D0251C-3868-4768-9599-DD255B834FA7}"/>
-              </a:ext>
-            </a:extLst>
-          </p:cNvPr>
-          <p:cNvSpPr txBox="1"/>
-          <p:nvPr/>
-        </p:nvSpPr>
-        <p:spPr>
-          <a:xfrm>
-            <a:off x="1600200" y="3486209"/>
-            <a:ext cx="6096000" cy="369332"/>
-          </a:xfrm>
-          <a:prstGeom prst="rect">
-            <a:avLst/>
-          </a:prstGeom>
-          <a:noFill/>
-        </p:spPr>
-        <p:txBody>
-          <a:bodyPr wrap="square">
-            <a:spAutoFit/>
-          </a:bodyPr>
-          <a:lstStyle/>
-          <a:p>
-            <a:r>
-              <a:rPr lang="zh-TW" altLang="en-US" dirty="0">
-                <a:solidFill>
-                  <a:schemeClr val="bg1">
-                    <a:lumMod val="95000"/>
-                  </a:schemeClr>
-                </a:solidFill>
-              </a:rPr>
-              <a:t>https://composition-api.nuxtjs.org/</a:t>
-            </a:r>
           </a:p>
         </p:txBody>
       </p:sp>
     </p:spTree>
     <p:extLst>
       <p:ext uri="{BB962C8B-B14F-4D97-AF65-F5344CB8AC3E}">
-        <p14:creationId xmlns:p14="http://schemas.microsoft.com/office/powerpoint/2010/main" val="3068650212"/>
+        <p14:creationId xmlns:p14="http://schemas.microsoft.com/office/powerpoint/2010/main" val="1197089419"/>
       </p:ext>
     </p:extLst>
   </p:cSld>
@@ -3735,2579 +3716,6 @@
 </file>
 
 <file path=ppt/slides/slide11.xml><?xml version="1.0" encoding="utf-8"?>
-<p:sld xmlns:a="http://schemas.openxmlformats.org/drawingml/2006/main" xmlns:r="http://schemas.openxmlformats.org/officeDocument/2006/relationships" xmlns:p="http://schemas.openxmlformats.org/presentationml/2006/main">
-  <p:cSld>
-    <p:spTree>
-      <p:nvGrpSpPr>
-        <p:cNvPr id="1" name=""/>
-        <p:cNvGrpSpPr/>
-        <p:nvPr/>
-      </p:nvGrpSpPr>
-      <p:grpSpPr>
-        <a:xfrm>
-          <a:off x="0" y="0"/>
-          <a:ext cx="0" cy="0"/>
-          <a:chOff x="0" y="0"/>
-          <a:chExt cx="0" cy="0"/>
-        </a:xfrm>
-      </p:grpSpPr>
-      <p:sp>
-        <p:nvSpPr>
-          <p:cNvPr id="2" name="標題 1">
-            <a:extLst>
-              <a:ext uri="{FF2B5EF4-FFF2-40B4-BE49-F238E27FC236}">
-                <a16:creationId xmlns:a16="http://schemas.microsoft.com/office/drawing/2014/main" id="{7B03FB67-E384-4A92-8AA5-993C73C6A628}"/>
-              </a:ext>
-            </a:extLst>
-          </p:cNvPr>
-          <p:cNvSpPr>
-            <a:spLocks noGrp="1"/>
-          </p:cNvSpPr>
-          <p:nvPr>
-            <p:ph type="title"/>
-          </p:nvPr>
-        </p:nvSpPr>
-        <p:spPr>
-          <a:xfrm>
-            <a:off x="545942" y="632062"/>
-            <a:ext cx="2427514" cy="549275"/>
-          </a:xfrm>
-        </p:spPr>
-        <p:txBody>
-          <a:bodyPr>
-            <a:normAutofit/>
-          </a:bodyPr>
-          <a:lstStyle/>
-          <a:p>
-            <a:r>
-              <a:rPr lang="zh-TW" altLang="en-US" sz="2400" dirty="0">
-                <a:solidFill>
-                  <a:schemeClr val="bg1"/>
-                </a:solidFill>
-                <a:latin typeface="微軟正黑體" panose="020B0604030504040204" pitchFamily="34" charset="-120"/>
-                <a:ea typeface="微軟正黑體" panose="020B0604030504040204" pitchFamily="34" charset="-120"/>
-              </a:rPr>
-              <a:t>課程用</a:t>
-            </a:r>
-            <a:r>
-              <a:rPr lang="en-US" altLang="zh-TW" sz="2400" dirty="0">
-                <a:solidFill>
-                  <a:schemeClr val="bg1"/>
-                </a:solidFill>
-                <a:latin typeface="微軟正黑體" panose="020B0604030504040204" pitchFamily="34" charset="-120"/>
-                <a:ea typeface="微軟正黑體" panose="020B0604030504040204" pitchFamily="34" charset="-120"/>
-              </a:rPr>
-              <a:t>API</a:t>
-            </a:r>
-            <a:endParaRPr lang="zh-TW" altLang="en-US" sz="2400" dirty="0">
-              <a:solidFill>
-                <a:schemeClr val="bg1"/>
-              </a:solidFill>
-              <a:latin typeface="微軟正黑體" panose="020B0604030504040204" pitchFamily="34" charset="-120"/>
-              <a:ea typeface="微軟正黑體" panose="020B0604030504040204" pitchFamily="34" charset="-120"/>
-            </a:endParaRPr>
-          </a:p>
-        </p:txBody>
-      </p:sp>
-      <p:sp>
-        <p:nvSpPr>
-          <p:cNvPr id="3" name="內容版面配置區 2">
-            <a:extLst>
-              <a:ext uri="{FF2B5EF4-FFF2-40B4-BE49-F238E27FC236}">
-                <a16:creationId xmlns:a16="http://schemas.microsoft.com/office/drawing/2014/main" id="{6FB7EBD3-4176-4EA9-948B-21B59AB3C36F}"/>
-              </a:ext>
-            </a:extLst>
-          </p:cNvPr>
-          <p:cNvSpPr>
-            <a:spLocks noGrp="1"/>
-          </p:cNvSpPr>
-          <p:nvPr>
-            <p:ph idx="1"/>
-          </p:nvPr>
-        </p:nvSpPr>
-        <p:spPr>
-          <a:xfrm>
-            <a:off x="545941" y="1342868"/>
-            <a:ext cx="11100117" cy="957332"/>
-          </a:xfrm>
-        </p:spPr>
-        <p:txBody>
-          <a:bodyPr>
-            <a:noAutofit/>
-          </a:bodyPr>
-          <a:lstStyle/>
-          <a:p>
-            <a:pPr>
-              <a:lnSpc>
-                <a:spcPct val="150000"/>
-              </a:lnSpc>
-            </a:pPr>
-            <a:r>
-              <a:rPr lang="en-US" altLang="zh-TW" sz="2000" b="0" dirty="0">
-                <a:solidFill>
-                  <a:schemeClr val="bg1"/>
-                </a:solidFill>
-                <a:effectLst/>
-                <a:latin typeface="微軟正黑體" panose="020B0604030504040204" pitchFamily="34" charset="-120"/>
-                <a:ea typeface="微軟正黑體" panose="020B0604030504040204" pitchFamily="34" charset="-120"/>
-              </a:rPr>
-              <a:t>https://vue-lessons-api.herokuapp.com/photo/list</a:t>
-            </a:r>
-            <a:r>
-              <a:rPr lang="zh-TW" altLang="en-US" sz="2000" b="1" dirty="0">
-                <a:solidFill>
-                  <a:schemeClr val="bg1"/>
-                </a:solidFill>
-                <a:effectLst/>
-                <a:latin typeface="微軟正黑體" panose="020B0604030504040204" pitchFamily="34" charset="-120"/>
-                <a:ea typeface="微軟正黑體" panose="020B0604030504040204" pitchFamily="34" charset="-120"/>
-              </a:rPr>
-              <a:t>  </a:t>
-            </a:r>
-            <a:r>
-              <a:rPr lang="en-US" altLang="zh-TW" sz="2000" b="1" dirty="0">
-                <a:solidFill>
-                  <a:schemeClr val="bg1"/>
-                </a:solidFill>
-                <a:effectLst/>
-                <a:latin typeface="微軟正黑體" panose="020B0604030504040204" pitchFamily="34" charset="-120"/>
-                <a:ea typeface="微軟正黑體" panose="020B0604030504040204" pitchFamily="34" charset="-120"/>
-              </a:rPr>
-              <a:t>(</a:t>
-            </a:r>
-            <a:r>
-              <a:rPr lang="zh-TW" altLang="en-US" sz="2000" b="1" dirty="0">
-                <a:solidFill>
-                  <a:schemeClr val="bg1"/>
-                </a:solidFill>
-                <a:effectLst/>
-                <a:latin typeface="微軟正黑體" panose="020B0604030504040204" pitchFamily="34" charset="-120"/>
-                <a:ea typeface="微軟正黑體" panose="020B0604030504040204" pitchFamily="34" charset="-120"/>
-              </a:rPr>
-              <a:t>圖片列表</a:t>
-            </a:r>
-            <a:r>
-              <a:rPr lang="en-US" altLang="zh-TW" sz="2000" b="1" dirty="0">
-                <a:solidFill>
-                  <a:schemeClr val="bg1"/>
-                </a:solidFill>
-                <a:effectLst/>
-                <a:latin typeface="微軟正黑體" panose="020B0604030504040204" pitchFamily="34" charset="-120"/>
-                <a:ea typeface="微軟正黑體" panose="020B0604030504040204" pitchFamily="34" charset="-120"/>
-              </a:rPr>
-              <a:t>)</a:t>
-            </a:r>
-            <a:endParaRPr lang="en-US" altLang="zh-TW" sz="2000" b="0" dirty="0">
-              <a:solidFill>
-                <a:schemeClr val="bg1"/>
-              </a:solidFill>
-              <a:effectLst/>
-              <a:latin typeface="微軟正黑體" panose="020B0604030504040204" pitchFamily="34" charset="-120"/>
-              <a:ea typeface="微軟正黑體" panose="020B0604030504040204" pitchFamily="34" charset="-120"/>
-            </a:endParaRPr>
-          </a:p>
-        </p:txBody>
-      </p:sp>
-    </p:spTree>
-    <p:extLst>
-      <p:ext uri="{BB962C8B-B14F-4D97-AF65-F5344CB8AC3E}">
-        <p14:creationId xmlns:p14="http://schemas.microsoft.com/office/powerpoint/2010/main" val="2325461017"/>
-      </p:ext>
-    </p:extLst>
-  </p:cSld>
-  <p:clrMapOvr>
-    <a:masterClrMapping/>
-  </p:clrMapOvr>
-</p:sld>
-</file>
-
-<file path=ppt/slides/slide2.xml><?xml version="1.0" encoding="utf-8"?>
-<p:sld xmlns:a="http://schemas.openxmlformats.org/drawingml/2006/main" xmlns:r="http://schemas.openxmlformats.org/officeDocument/2006/relationships" xmlns:p="http://schemas.openxmlformats.org/presentationml/2006/main">
-  <p:cSld>
-    <p:spTree>
-      <p:nvGrpSpPr>
-        <p:cNvPr id="1" name=""/>
-        <p:cNvGrpSpPr/>
-        <p:nvPr/>
-      </p:nvGrpSpPr>
-      <p:grpSpPr>
-        <a:xfrm>
-          <a:off x="0" y="0"/>
-          <a:ext cx="0" cy="0"/>
-          <a:chOff x="0" y="0"/>
-          <a:chExt cx="0" cy="0"/>
-        </a:xfrm>
-      </p:grpSpPr>
-      <p:grpSp>
-        <p:nvGrpSpPr>
-          <p:cNvPr id="8" name="群組 7">
-            <a:extLst>
-              <a:ext uri="{FF2B5EF4-FFF2-40B4-BE49-F238E27FC236}">
-                <a16:creationId xmlns:a16="http://schemas.microsoft.com/office/drawing/2014/main" id="{D29C0126-BCD8-491E-8F28-C8C26014FE20}"/>
-              </a:ext>
-            </a:extLst>
-          </p:cNvPr>
-          <p:cNvGrpSpPr/>
-          <p:nvPr/>
-        </p:nvGrpSpPr>
-        <p:grpSpPr>
-          <a:xfrm>
-            <a:off x="1251263" y="1929591"/>
-            <a:ext cx="4418969" cy="1104534"/>
-            <a:chOff x="1733549" y="1790758"/>
-            <a:chExt cx="4418969" cy="1104534"/>
-          </a:xfrm>
-        </p:grpSpPr>
-        <p:sp>
-          <p:nvSpPr>
-            <p:cNvPr id="9" name="文字方塊 8">
-              <a:extLst>
-                <a:ext uri="{FF2B5EF4-FFF2-40B4-BE49-F238E27FC236}">
-                  <a16:creationId xmlns:a16="http://schemas.microsoft.com/office/drawing/2014/main" id="{FCFBF2C2-1AD2-43CD-B6B4-869C98AC2976}"/>
-                </a:ext>
-              </a:extLst>
-            </p:cNvPr>
-            <p:cNvSpPr txBox="1"/>
-            <p:nvPr/>
-          </p:nvSpPr>
-          <p:spPr>
-            <a:xfrm>
-              <a:off x="1733549" y="1790758"/>
-              <a:ext cx="4418969" cy="830997"/>
-            </a:xfrm>
-            <a:prstGeom prst="rect">
-              <a:avLst/>
-            </a:prstGeom>
-            <a:noFill/>
-          </p:spPr>
-          <p:txBody>
-            <a:bodyPr wrap="square">
-              <a:spAutoFit/>
-            </a:bodyPr>
-            <a:lstStyle/>
-            <a:p>
-              <a:pPr algn="ctr"/>
-              <a:r>
-                <a:rPr lang="zh-TW" altLang="en-US" sz="4800" b="1" i="0" dirty="0">
-                  <a:solidFill>
-                    <a:schemeClr val="bg1"/>
-                  </a:solidFill>
-                  <a:effectLst/>
-                  <a:latin typeface="微軟正黑體" panose="020B0604030504040204" pitchFamily="34" charset="-120"/>
-                  <a:ea typeface="微軟正黑體" panose="020B0604030504040204" pitchFamily="34" charset="-120"/>
-                </a:rPr>
-                <a:t>什麼是</a:t>
-              </a:r>
-              <a:r>
-                <a:rPr lang="en-US" altLang="zh-TW" sz="4800" b="1" i="0" dirty="0">
-                  <a:solidFill>
-                    <a:schemeClr val="bg1"/>
-                  </a:solidFill>
-                  <a:effectLst/>
-                  <a:latin typeface="微軟正黑體" panose="020B0604030504040204" pitchFamily="34" charset="-120"/>
-                  <a:ea typeface="微軟正黑體" panose="020B0604030504040204" pitchFamily="34" charset="-120"/>
-                </a:rPr>
-                <a:t>SPA?</a:t>
-              </a:r>
-              <a:endParaRPr lang="zh-TW" altLang="en-US" sz="4800" b="1" dirty="0">
-                <a:solidFill>
-                  <a:schemeClr val="bg1"/>
-                </a:solidFill>
-                <a:latin typeface="微軟正黑體" panose="020B0604030504040204" pitchFamily="34" charset="-120"/>
-                <a:ea typeface="微軟正黑體" panose="020B0604030504040204" pitchFamily="34" charset="-120"/>
-              </a:endParaRPr>
-            </a:p>
-          </p:txBody>
-        </p:sp>
-        <p:sp>
-          <p:nvSpPr>
-            <p:cNvPr id="11" name="文字方塊 10">
-              <a:extLst>
-                <a:ext uri="{FF2B5EF4-FFF2-40B4-BE49-F238E27FC236}">
-                  <a16:creationId xmlns:a16="http://schemas.microsoft.com/office/drawing/2014/main" id="{FDA8030D-BC83-402F-94A9-D3199D6E674A}"/>
-                </a:ext>
-              </a:extLst>
-            </p:cNvPr>
-            <p:cNvSpPr txBox="1"/>
-            <p:nvPr/>
-          </p:nvSpPr>
-          <p:spPr>
-            <a:xfrm>
-              <a:off x="1923733" y="2525960"/>
-              <a:ext cx="4038600" cy="369332"/>
-            </a:xfrm>
-            <a:prstGeom prst="rect">
-              <a:avLst/>
-            </a:prstGeom>
-            <a:noFill/>
-          </p:spPr>
-          <p:txBody>
-            <a:bodyPr wrap="square">
-              <a:spAutoFit/>
-            </a:bodyPr>
-            <a:lstStyle/>
-            <a:p>
-              <a:pPr algn="ctr"/>
-              <a:r>
-                <a:rPr lang="en-US" altLang="zh-TW" dirty="0">
-                  <a:solidFill>
-                    <a:schemeClr val="bg1"/>
-                  </a:solidFill>
-                </a:rPr>
-                <a:t>SPA demo : </a:t>
-              </a:r>
-              <a:r>
-                <a:rPr lang="zh-TW" altLang="en-US" dirty="0">
-                  <a:solidFill>
-                    <a:schemeClr val="bg1"/>
-                  </a:solidFill>
-                </a:rPr>
-                <a:t>http://www.yixinju.url.tw/</a:t>
-              </a:r>
-            </a:p>
-          </p:txBody>
-        </p:sp>
-      </p:grpSp>
-      <p:grpSp>
-        <p:nvGrpSpPr>
-          <p:cNvPr id="21" name="群組 20">
-            <a:extLst>
-              <a:ext uri="{FF2B5EF4-FFF2-40B4-BE49-F238E27FC236}">
-                <a16:creationId xmlns:a16="http://schemas.microsoft.com/office/drawing/2014/main" id="{22565558-DC8B-4626-BFCA-B220C559C57E}"/>
-              </a:ext>
-            </a:extLst>
-          </p:cNvPr>
-          <p:cNvGrpSpPr/>
-          <p:nvPr/>
-        </p:nvGrpSpPr>
-        <p:grpSpPr>
-          <a:xfrm>
-            <a:off x="1050609" y="3823875"/>
-            <a:ext cx="4820281" cy="1174105"/>
-            <a:chOff x="1469709" y="4096925"/>
-            <a:chExt cx="4820281" cy="1174105"/>
-          </a:xfrm>
-        </p:grpSpPr>
-        <p:sp>
-          <p:nvSpPr>
-            <p:cNvPr id="16" name="文字方塊 15">
-              <a:extLst>
-                <a:ext uri="{FF2B5EF4-FFF2-40B4-BE49-F238E27FC236}">
-                  <a16:creationId xmlns:a16="http://schemas.microsoft.com/office/drawing/2014/main" id="{289B51A2-136A-43BA-A27D-76E6D47885DE}"/>
-                </a:ext>
-              </a:extLst>
-            </p:cNvPr>
-            <p:cNvSpPr txBox="1"/>
-            <p:nvPr/>
-          </p:nvSpPr>
-          <p:spPr>
-            <a:xfrm>
-              <a:off x="1469709" y="4901698"/>
-              <a:ext cx="4820281" cy="369332"/>
-            </a:xfrm>
-            <a:prstGeom prst="rect">
-              <a:avLst/>
-            </a:prstGeom>
-            <a:noFill/>
-          </p:spPr>
-          <p:txBody>
-            <a:bodyPr wrap="square">
-              <a:spAutoFit/>
-            </a:bodyPr>
-            <a:lstStyle/>
-            <a:p>
-              <a:pPr algn="ctr"/>
-              <a:r>
-                <a:rPr lang="en-US" altLang="zh-TW" dirty="0">
-                  <a:solidFill>
-                    <a:schemeClr val="bg1"/>
-                  </a:solidFill>
-                </a:rPr>
-                <a:t>SSR demo : https://v3.vuejs.org/</a:t>
-              </a:r>
-              <a:endParaRPr lang="zh-TW" altLang="en-US" dirty="0">
-                <a:solidFill>
-                  <a:schemeClr val="bg1"/>
-                </a:solidFill>
-              </a:endParaRPr>
-            </a:p>
-          </p:txBody>
-        </p:sp>
-        <p:sp>
-          <p:nvSpPr>
-            <p:cNvPr id="20" name="文字方塊 19">
-              <a:extLst>
-                <a:ext uri="{FF2B5EF4-FFF2-40B4-BE49-F238E27FC236}">
-                  <a16:creationId xmlns:a16="http://schemas.microsoft.com/office/drawing/2014/main" id="{4D37A43B-3602-4C34-9992-26A4C548D145}"/>
-                </a:ext>
-              </a:extLst>
-            </p:cNvPr>
-            <p:cNvSpPr txBox="1"/>
-            <p:nvPr/>
-          </p:nvSpPr>
-          <p:spPr>
-            <a:xfrm>
-              <a:off x="1527489" y="4096925"/>
-              <a:ext cx="4704719" cy="830997"/>
-            </a:xfrm>
-            <a:prstGeom prst="rect">
-              <a:avLst/>
-            </a:prstGeom>
-            <a:noFill/>
-          </p:spPr>
-          <p:txBody>
-            <a:bodyPr wrap="square">
-              <a:spAutoFit/>
-            </a:bodyPr>
-            <a:lstStyle/>
-            <a:p>
-              <a:pPr algn="ctr"/>
-              <a:r>
-                <a:rPr lang="zh-TW" altLang="en-US" sz="4800" b="1" i="0" dirty="0">
-                  <a:solidFill>
-                    <a:schemeClr val="bg1"/>
-                  </a:solidFill>
-                  <a:effectLst/>
-                  <a:latin typeface="微軟正黑體" panose="020B0604030504040204" pitchFamily="34" charset="-120"/>
-                  <a:ea typeface="微軟正黑體" panose="020B0604030504040204" pitchFamily="34" charset="-120"/>
-                </a:rPr>
-                <a:t>什麼是</a:t>
-              </a:r>
-              <a:r>
-                <a:rPr lang="en-US" altLang="zh-TW" sz="4800" b="1" i="0" dirty="0">
-                  <a:solidFill>
-                    <a:schemeClr val="bg1"/>
-                  </a:solidFill>
-                  <a:effectLst/>
-                  <a:latin typeface="微軟正黑體" panose="020B0604030504040204" pitchFamily="34" charset="-120"/>
-                  <a:ea typeface="微軟正黑體" panose="020B0604030504040204" pitchFamily="34" charset="-120"/>
-                </a:rPr>
-                <a:t>SSR?</a:t>
-              </a:r>
-              <a:endParaRPr lang="zh-TW" altLang="en-US" sz="4800" b="1" dirty="0">
-                <a:solidFill>
-                  <a:schemeClr val="bg1"/>
-                </a:solidFill>
-                <a:latin typeface="微軟正黑體" panose="020B0604030504040204" pitchFamily="34" charset="-120"/>
-                <a:ea typeface="微軟正黑體" panose="020B0604030504040204" pitchFamily="34" charset="-120"/>
-              </a:endParaRPr>
-            </a:p>
-          </p:txBody>
-        </p:sp>
-      </p:grpSp>
-    </p:spTree>
-    <p:extLst>
-      <p:ext uri="{BB962C8B-B14F-4D97-AF65-F5344CB8AC3E}">
-        <p14:creationId xmlns:p14="http://schemas.microsoft.com/office/powerpoint/2010/main" val="343185435"/>
-      </p:ext>
-    </p:extLst>
-  </p:cSld>
-  <p:clrMapOvr>
-    <a:masterClrMapping/>
-  </p:clrMapOvr>
-</p:sld>
-</file>
-
-<file path=ppt/slides/slide3.xml><?xml version="1.0" encoding="utf-8"?>
-<p:sld xmlns:a="http://schemas.openxmlformats.org/drawingml/2006/main" xmlns:r="http://schemas.openxmlformats.org/officeDocument/2006/relationships" xmlns:p="http://schemas.openxmlformats.org/presentationml/2006/main">
-  <p:cSld>
-    <p:spTree>
-      <p:nvGrpSpPr>
-        <p:cNvPr id="1" name=""/>
-        <p:cNvGrpSpPr/>
-        <p:nvPr/>
-      </p:nvGrpSpPr>
-      <p:grpSpPr>
-        <a:xfrm>
-          <a:off x="0" y="0"/>
-          <a:ext cx="0" cy="0"/>
-          <a:chOff x="0" y="0"/>
-          <a:chExt cx="0" cy="0"/>
-        </a:xfrm>
-      </p:grpSpPr>
-      <p:sp>
-        <p:nvSpPr>
-          <p:cNvPr id="9" name="文字方塊 8">
-            <a:extLst>
-              <a:ext uri="{FF2B5EF4-FFF2-40B4-BE49-F238E27FC236}">
-                <a16:creationId xmlns:a16="http://schemas.microsoft.com/office/drawing/2014/main" id="{FCFBF2C2-1AD2-43CD-B6B4-869C98AC2976}"/>
-              </a:ext>
-            </a:extLst>
-          </p:cNvPr>
-          <p:cNvSpPr txBox="1"/>
-          <p:nvPr/>
-        </p:nvSpPr>
-        <p:spPr>
-          <a:xfrm>
-            <a:off x="3623876" y="4368221"/>
-            <a:ext cx="5097591" cy="830997"/>
-          </a:xfrm>
-          <a:prstGeom prst="rect">
-            <a:avLst/>
-          </a:prstGeom>
-          <a:noFill/>
-        </p:spPr>
-        <p:txBody>
-          <a:bodyPr wrap="square">
-            <a:spAutoFit/>
-          </a:bodyPr>
-          <a:lstStyle/>
-          <a:p>
-            <a:pPr algn="ctr"/>
-            <a:r>
-              <a:rPr lang="zh-TW" altLang="en-US" sz="4800" b="1" i="0" dirty="0">
-                <a:solidFill>
-                  <a:schemeClr val="bg1"/>
-                </a:solidFill>
-                <a:effectLst/>
-                <a:latin typeface="微軟正黑體" panose="020B0604030504040204" pitchFamily="34" charset="-120"/>
-                <a:ea typeface="微軟正黑體" panose="020B0604030504040204" pitchFamily="34" charset="-120"/>
-              </a:rPr>
-              <a:t>什麼是</a:t>
-            </a:r>
-            <a:r>
-              <a:rPr lang="en-US" altLang="zh-TW" sz="4800" b="1" i="0" dirty="0" err="1">
-                <a:solidFill>
-                  <a:schemeClr val="bg1"/>
-                </a:solidFill>
-                <a:effectLst/>
-                <a:latin typeface="微軟正黑體" panose="020B0604030504040204" pitchFamily="34" charset="-120"/>
-                <a:ea typeface="微軟正黑體" panose="020B0604030504040204" pitchFamily="34" charset="-120"/>
-              </a:rPr>
-              <a:t>Nuxt</a:t>
-            </a:r>
-            <a:r>
-              <a:rPr lang="en-US" altLang="zh-TW" sz="4800" b="1" i="0" dirty="0">
-                <a:solidFill>
-                  <a:schemeClr val="bg1"/>
-                </a:solidFill>
-                <a:effectLst/>
-                <a:latin typeface="微軟正黑體" panose="020B0604030504040204" pitchFamily="34" charset="-120"/>
-                <a:ea typeface="微軟正黑體" panose="020B0604030504040204" pitchFamily="34" charset="-120"/>
-              </a:rPr>
-              <a:t> ?</a:t>
-            </a:r>
-            <a:endParaRPr lang="zh-TW" altLang="en-US" sz="4800" b="1" dirty="0">
-              <a:solidFill>
-                <a:schemeClr val="bg1"/>
-              </a:solidFill>
-              <a:latin typeface="微軟正黑體" panose="020B0604030504040204" pitchFamily="34" charset="-120"/>
-              <a:ea typeface="微軟正黑體" panose="020B0604030504040204" pitchFamily="34" charset="-120"/>
-            </a:endParaRPr>
-          </a:p>
-        </p:txBody>
-      </p:sp>
-      <p:pic>
-        <p:nvPicPr>
-          <p:cNvPr id="3" name="圖片 2">
-            <a:extLst>
-              <a:ext uri="{FF2B5EF4-FFF2-40B4-BE49-F238E27FC236}">
-                <a16:creationId xmlns:a16="http://schemas.microsoft.com/office/drawing/2014/main" id="{23DDF125-F2BE-44FC-AC58-D0C2D640BF91}"/>
-              </a:ext>
-            </a:extLst>
-          </p:cNvPr>
-          <p:cNvPicPr>
-            <a:picLocks noChangeAspect="1"/>
-          </p:cNvPicPr>
-          <p:nvPr/>
-        </p:nvPicPr>
-        <p:blipFill>
-          <a:blip r:embed="rId2">
-            <a:extLst>
-              <a:ext uri="{28A0092B-C50C-407E-A947-70E740481C1C}">
-                <a14:useLocalDpi xmlns:a14="http://schemas.microsoft.com/office/drawing/2010/main" val="0"/>
-              </a:ext>
-            </a:extLst>
-          </a:blip>
-          <a:stretch>
-            <a:fillRect/>
-          </a:stretch>
-        </p:blipFill>
-        <p:spPr>
-          <a:xfrm>
-            <a:off x="4869582" y="1732930"/>
-            <a:ext cx="2146852" cy="2146852"/>
-          </a:xfrm>
-          <a:prstGeom prst="rect">
-            <a:avLst/>
-          </a:prstGeom>
-        </p:spPr>
-      </p:pic>
-      <p:sp>
-        <p:nvSpPr>
-          <p:cNvPr id="5" name="文字方塊 4">
-            <a:extLst>
-              <a:ext uri="{FF2B5EF4-FFF2-40B4-BE49-F238E27FC236}">
-                <a16:creationId xmlns:a16="http://schemas.microsoft.com/office/drawing/2014/main" id="{A9DAACF0-97CF-4FD0-8823-CAE4316FFA1C}"/>
-              </a:ext>
-            </a:extLst>
-          </p:cNvPr>
-          <p:cNvSpPr txBox="1"/>
-          <p:nvPr/>
-        </p:nvSpPr>
-        <p:spPr>
-          <a:xfrm>
-            <a:off x="4684170" y="5137029"/>
-            <a:ext cx="2699184" cy="369332"/>
-          </a:xfrm>
-          <a:prstGeom prst="rect">
-            <a:avLst/>
-          </a:prstGeom>
-          <a:noFill/>
-        </p:spPr>
-        <p:txBody>
-          <a:bodyPr wrap="square">
-            <a:spAutoFit/>
-          </a:bodyPr>
-          <a:lstStyle/>
-          <a:p>
-            <a:pPr algn="ctr"/>
-            <a:r>
-              <a:rPr lang="zh-TW" altLang="en-US" dirty="0">
-                <a:solidFill>
-                  <a:schemeClr val="bg1"/>
-                </a:solidFill>
-              </a:rPr>
-              <a:t>https://nuxtjs.org/</a:t>
-            </a:r>
-          </a:p>
-        </p:txBody>
-      </p:sp>
-    </p:spTree>
-    <p:extLst>
-      <p:ext uri="{BB962C8B-B14F-4D97-AF65-F5344CB8AC3E}">
-        <p14:creationId xmlns:p14="http://schemas.microsoft.com/office/powerpoint/2010/main" val="559781918"/>
-      </p:ext>
-    </p:extLst>
-  </p:cSld>
-  <p:clrMapOvr>
-    <a:masterClrMapping/>
-  </p:clrMapOvr>
-</p:sld>
-</file>
-
-<file path=ppt/slides/slide4.xml><?xml version="1.0" encoding="utf-8"?>
-<p:sld xmlns:a="http://schemas.openxmlformats.org/drawingml/2006/main" xmlns:r="http://schemas.openxmlformats.org/officeDocument/2006/relationships" xmlns:p="http://schemas.openxmlformats.org/presentationml/2006/main">
-  <p:cSld>
-    <p:spTree>
-      <p:nvGrpSpPr>
-        <p:cNvPr id="1" name=""/>
-        <p:cNvGrpSpPr/>
-        <p:nvPr/>
-      </p:nvGrpSpPr>
-      <p:grpSpPr>
-        <a:xfrm>
-          <a:off x="0" y="0"/>
-          <a:ext cx="0" cy="0"/>
-          <a:chOff x="0" y="0"/>
-          <a:chExt cx="0" cy="0"/>
-        </a:xfrm>
-      </p:grpSpPr>
-      <p:sp>
-        <p:nvSpPr>
-          <p:cNvPr id="9" name="文字方塊 8">
-            <a:extLst>
-              <a:ext uri="{FF2B5EF4-FFF2-40B4-BE49-F238E27FC236}">
-                <a16:creationId xmlns:a16="http://schemas.microsoft.com/office/drawing/2014/main" id="{FCFBF2C2-1AD2-43CD-B6B4-869C98AC2976}"/>
-              </a:ext>
-            </a:extLst>
-          </p:cNvPr>
-          <p:cNvSpPr txBox="1"/>
-          <p:nvPr/>
-        </p:nvSpPr>
-        <p:spPr>
-          <a:xfrm>
-            <a:off x="2045331" y="1692701"/>
-            <a:ext cx="8101338" cy="830997"/>
-          </a:xfrm>
-          <a:prstGeom prst="rect">
-            <a:avLst/>
-          </a:prstGeom>
-          <a:noFill/>
-        </p:spPr>
-        <p:txBody>
-          <a:bodyPr wrap="square">
-            <a:spAutoFit/>
-          </a:bodyPr>
-          <a:lstStyle/>
-          <a:p>
-            <a:pPr algn="ctr"/>
-            <a:r>
-              <a:rPr lang="en-US" altLang="zh-TW" sz="4800" b="1" i="0" dirty="0" err="1">
-                <a:solidFill>
-                  <a:schemeClr val="bg1"/>
-                </a:solidFill>
-                <a:effectLst/>
-                <a:latin typeface="微軟正黑體" panose="020B0604030504040204" pitchFamily="34" charset="-120"/>
-                <a:ea typeface="微軟正黑體" panose="020B0604030504040204" pitchFamily="34" charset="-120"/>
-              </a:rPr>
-              <a:t>Nuxt</a:t>
-            </a:r>
-            <a:r>
-              <a:rPr lang="en-US" altLang="zh-TW" sz="4800" b="1" i="0" dirty="0">
-                <a:solidFill>
-                  <a:schemeClr val="bg1"/>
-                </a:solidFill>
-                <a:effectLst/>
-                <a:latin typeface="微軟正黑體" panose="020B0604030504040204" pitchFamily="34" charset="-120"/>
-                <a:ea typeface="微軟正黑體" panose="020B0604030504040204" pitchFamily="34" charset="-120"/>
-              </a:rPr>
-              <a:t> SSR </a:t>
-            </a:r>
-            <a:r>
-              <a:rPr lang="zh-TW" altLang="en-US" sz="4800" b="1" i="0" dirty="0">
-                <a:solidFill>
-                  <a:schemeClr val="bg1"/>
-                </a:solidFill>
-                <a:effectLst/>
-                <a:latin typeface="微軟正黑體" panose="020B0604030504040204" pitchFamily="34" charset="-120"/>
-                <a:ea typeface="微軟正黑體" panose="020B0604030504040204" pitchFamily="34" charset="-120"/>
-              </a:rPr>
-              <a:t>原理解析</a:t>
-            </a:r>
-            <a:endParaRPr lang="zh-TW" altLang="en-US" sz="4800" b="1" dirty="0">
-              <a:solidFill>
-                <a:schemeClr val="bg1"/>
-              </a:solidFill>
-              <a:latin typeface="微軟正黑體" panose="020B0604030504040204" pitchFamily="34" charset="-120"/>
-              <a:ea typeface="微軟正黑體" panose="020B0604030504040204" pitchFamily="34" charset="-120"/>
-            </a:endParaRPr>
-          </a:p>
-        </p:txBody>
-      </p:sp>
-      <p:pic>
-        <p:nvPicPr>
-          <p:cNvPr id="5" name="圖片 4">
-            <a:extLst>
-              <a:ext uri="{FF2B5EF4-FFF2-40B4-BE49-F238E27FC236}">
-                <a16:creationId xmlns:a16="http://schemas.microsoft.com/office/drawing/2014/main" id="{AC632461-B387-48DA-95E7-E177FD8C45F1}"/>
-              </a:ext>
-            </a:extLst>
-          </p:cNvPr>
-          <p:cNvPicPr>
-            <a:picLocks noChangeAspect="1"/>
-          </p:cNvPicPr>
-          <p:nvPr/>
-        </p:nvPicPr>
-        <p:blipFill>
-          <a:blip r:embed="rId2">
-            <a:extLst>
-              <a:ext uri="{28A0092B-C50C-407E-A947-70E740481C1C}">
-                <a14:useLocalDpi xmlns:a14="http://schemas.microsoft.com/office/drawing/2010/main" val="0"/>
-              </a:ext>
-            </a:extLst>
-          </a:blip>
-          <a:stretch>
-            <a:fillRect/>
-          </a:stretch>
-        </p:blipFill>
-        <p:spPr>
-          <a:xfrm>
-            <a:off x="2282825" y="2930098"/>
-            <a:ext cx="7626350" cy="2387689"/>
-          </a:xfrm>
-          <a:prstGeom prst="rect">
-            <a:avLst/>
-          </a:prstGeom>
-        </p:spPr>
-      </p:pic>
-    </p:spTree>
-    <p:extLst>
-      <p:ext uri="{BB962C8B-B14F-4D97-AF65-F5344CB8AC3E}">
-        <p14:creationId xmlns:p14="http://schemas.microsoft.com/office/powerpoint/2010/main" val="2097924990"/>
-      </p:ext>
-    </p:extLst>
-  </p:cSld>
-  <p:clrMapOvr>
-    <a:masterClrMapping/>
-  </p:clrMapOvr>
-</p:sld>
-</file>
-
-<file path=ppt/slides/slide5.xml><?xml version="1.0" encoding="utf-8"?>
-<p:sld xmlns:a="http://schemas.openxmlformats.org/drawingml/2006/main" xmlns:r="http://schemas.openxmlformats.org/officeDocument/2006/relationships" xmlns:p="http://schemas.openxmlformats.org/presentationml/2006/main">
-  <p:cSld>
-    <p:spTree>
-      <p:nvGrpSpPr>
-        <p:cNvPr id="1" name=""/>
-        <p:cNvGrpSpPr/>
-        <p:nvPr/>
-      </p:nvGrpSpPr>
-      <p:grpSpPr>
-        <a:xfrm>
-          <a:off x="0" y="0"/>
-          <a:ext cx="0" cy="0"/>
-          <a:chOff x="0" y="0"/>
-          <a:chExt cx="0" cy="0"/>
-        </a:xfrm>
-      </p:grpSpPr>
-      <p:sp>
-        <p:nvSpPr>
-          <p:cNvPr id="2" name="標題 1">
-            <a:extLst>
-              <a:ext uri="{FF2B5EF4-FFF2-40B4-BE49-F238E27FC236}">
-                <a16:creationId xmlns:a16="http://schemas.microsoft.com/office/drawing/2014/main" id="{906A6655-339A-4F47-B6E2-742DC62D049C}"/>
-              </a:ext>
-            </a:extLst>
-          </p:cNvPr>
-          <p:cNvSpPr>
-            <a:spLocks noGrp="1"/>
-          </p:cNvSpPr>
-          <p:nvPr>
-            <p:ph type="title"/>
-          </p:nvPr>
-        </p:nvSpPr>
-        <p:spPr>
-          <a:xfrm>
-            <a:off x="707571" y="505475"/>
-            <a:ext cx="3313517" cy="747890"/>
-          </a:xfrm>
-        </p:spPr>
-        <p:txBody>
-          <a:bodyPr>
-            <a:normAutofit/>
-          </a:bodyPr>
-          <a:lstStyle/>
-          <a:p>
-            <a:r>
-              <a:rPr lang="en-US" altLang="zh-TW" sz="4000" b="1" dirty="0" err="1">
-                <a:solidFill>
-                  <a:schemeClr val="bg1"/>
-                </a:solidFill>
-              </a:rPr>
-              <a:t>Nuxtjs</a:t>
-            </a:r>
-            <a:r>
-              <a:rPr lang="en-US" altLang="zh-TW" sz="4000" b="1" dirty="0">
-                <a:solidFill>
-                  <a:schemeClr val="bg1"/>
-                </a:solidFill>
-              </a:rPr>
-              <a:t> Install </a:t>
-            </a:r>
-            <a:endParaRPr lang="zh-TW" altLang="en-US" sz="4000" b="1" dirty="0">
-              <a:solidFill>
-                <a:schemeClr val="bg1"/>
-              </a:solidFill>
-            </a:endParaRPr>
-          </a:p>
-        </p:txBody>
-      </p:sp>
-      <p:sp>
-        <p:nvSpPr>
-          <p:cNvPr id="4" name="Rectangle 1">
-            <a:extLst>
-              <a:ext uri="{FF2B5EF4-FFF2-40B4-BE49-F238E27FC236}">
-                <a16:creationId xmlns:a16="http://schemas.microsoft.com/office/drawing/2014/main" id="{548AFBB4-CF69-4D2D-B2BE-3F7942272788}"/>
-              </a:ext>
-            </a:extLst>
-          </p:cNvPr>
-          <p:cNvSpPr>
-            <a:spLocks noChangeArrowheads="1"/>
-          </p:cNvSpPr>
-          <p:nvPr/>
-        </p:nvSpPr>
-        <p:spPr bwMode="auto">
-          <a:xfrm>
-            <a:off x="1772003" y="2674406"/>
-            <a:ext cx="8939539" cy="1815882"/>
-          </a:xfrm>
-          <a:prstGeom prst="rect">
-            <a:avLst/>
-          </a:prstGeom>
-          <a:solidFill>
-            <a:srgbClr val="2F495E"/>
-          </a:solidFill>
-          <a:ln>
-            <a:noFill/>
-          </a:ln>
-          <a:effectLst/>
-          <a:extLst>
-            <a:ext uri="{91240B29-F687-4F45-9708-019B960494DF}">
-              <a14:hiddenLine xmlns:a14="http://schemas.microsoft.com/office/drawing/2010/main" w="9525">
-                <a:solidFill>
-                  <a:schemeClr val="tx1"/>
-                </a:solidFill>
-                <a:miter lim="800000"/>
-                <a:headEnd/>
-                <a:tailEnd/>
-              </a14:hiddenLine>
-            </a:ext>
-            <a:ext uri="{AF507438-7753-43E0-B8FC-AC1667EBCBE1}">
-              <a14:hiddenEffects xmlns:a14="http://schemas.microsoft.com/office/drawing/2010/main">
-                <a:effectLst>
-                  <a:outerShdw dist="35921" dir="2700000" algn="ctr" rotWithShape="0">
-                    <a:schemeClr val="bg2"/>
-                  </a:outerShdw>
-                </a:effectLst>
-              </a14:hiddenEffects>
-            </a:ext>
-          </a:extLst>
-        </p:spPr>
-        <p:txBody>
-          <a:bodyPr vert="horz" wrap="square" lIns="91440" tIns="45720" rIns="91440" bIns="45720" numCol="1" anchor="ctr" anchorCtr="0" compatLnSpc="1">
-            <a:prstTxWarp prst="textNoShape">
-              <a:avLst/>
-            </a:prstTxWarp>
-            <a:spAutoFit/>
-          </a:bodyPr>
-          <a:lstStyle/>
-          <a:p>
-            <a:pPr marL="0" marR="0" lvl="0" indent="0" algn="l" defTabSz="914400" rtl="0" eaLnBrk="0" fontAlgn="base" latinLnBrk="0" hangingPunct="0">
-              <a:spcBef>
-                <a:spcPct val="0"/>
-              </a:spcBef>
-              <a:spcAft>
-                <a:spcPct val="0"/>
-              </a:spcAft>
-              <a:buClrTx/>
-              <a:buSzTx/>
-              <a:buFontTx/>
-              <a:buNone/>
-              <a:tabLst/>
-            </a:pPr>
-            <a:br>
-              <a:rPr kumimoji="0" lang="en-US" altLang="zh-TW" sz="3600" b="0" i="0" u="none" strike="noStrike" cap="none" normalizeH="0" baseline="0" dirty="0">
-                <a:ln>
-                  <a:noFill/>
-                </a:ln>
-                <a:solidFill>
-                  <a:srgbClr val="F5F7FA"/>
-                </a:solidFill>
-                <a:effectLst/>
-                <a:latin typeface="Arial Unicode MS"/>
-                <a:ea typeface="Menlo"/>
-              </a:rPr>
-            </a:br>
-            <a:r>
-              <a:rPr kumimoji="0" lang="en-US" altLang="zh-TW" sz="3600" b="0" i="0" u="none" strike="noStrike" cap="none" normalizeH="0" baseline="0" dirty="0">
-                <a:ln>
-                  <a:noFill/>
-                </a:ln>
-                <a:solidFill>
-                  <a:srgbClr val="F5F7FA"/>
-                </a:solidFill>
-                <a:effectLst/>
-                <a:latin typeface="Arial Unicode MS"/>
-                <a:ea typeface="Menlo"/>
-              </a:rPr>
-              <a:t>    </a:t>
-            </a:r>
-            <a:r>
-              <a:rPr kumimoji="0" lang="zh-TW" altLang="zh-TW" sz="3600" b="0" i="0" u="none" strike="noStrike" cap="none" normalizeH="0" baseline="0" dirty="0">
-                <a:ln>
-                  <a:noFill/>
-                </a:ln>
-                <a:solidFill>
-                  <a:srgbClr val="F5F7FA"/>
-                </a:solidFill>
-                <a:effectLst/>
-                <a:latin typeface="Arial Unicode MS"/>
-                <a:ea typeface="Menlo"/>
-              </a:rPr>
-              <a:t>npx create-nuxt-app </a:t>
-            </a:r>
-            <a:r>
-              <a:rPr kumimoji="0" lang="zh-TW" altLang="zh-TW" sz="3600" b="0" i="0" u="none" strike="noStrike" cap="none" normalizeH="0" baseline="0" dirty="0">
-                <a:ln>
-                  <a:noFill/>
-                </a:ln>
-                <a:solidFill>
-                  <a:srgbClr val="89DDFF"/>
-                </a:solidFill>
-                <a:effectLst/>
-                <a:latin typeface="Arial Unicode MS"/>
-                <a:ea typeface="Menlo"/>
-              </a:rPr>
-              <a:t>&lt;</a:t>
-            </a:r>
-            <a:r>
-              <a:rPr kumimoji="0" lang="zh-TW" altLang="zh-TW" sz="3600" b="0" i="0" u="none" strike="noStrike" cap="none" normalizeH="0" baseline="0" dirty="0">
-                <a:ln>
-                  <a:noFill/>
-                </a:ln>
-                <a:solidFill>
-                  <a:srgbClr val="F5F7FA"/>
-                </a:solidFill>
-                <a:effectLst/>
-                <a:latin typeface="Arial Unicode MS"/>
-                <a:ea typeface="Menlo"/>
-              </a:rPr>
-              <a:t>project-name</a:t>
-            </a:r>
-            <a:r>
-              <a:rPr kumimoji="0" lang="zh-TW" altLang="zh-TW" sz="3600" b="0" i="0" u="none" strike="noStrike" cap="none" normalizeH="0" baseline="0" dirty="0">
-                <a:ln>
-                  <a:noFill/>
-                </a:ln>
-                <a:solidFill>
-                  <a:srgbClr val="89DDFF"/>
-                </a:solidFill>
-                <a:effectLst/>
-                <a:latin typeface="Arial Unicode MS"/>
-                <a:ea typeface="Menlo"/>
-              </a:rPr>
-              <a:t>&gt;</a:t>
-            </a:r>
-            <a:endParaRPr kumimoji="0" lang="en-US" altLang="zh-TW" sz="3600" b="0" i="0" u="none" strike="noStrike" cap="none" normalizeH="0" baseline="0" dirty="0">
-              <a:ln>
-                <a:noFill/>
-              </a:ln>
-              <a:solidFill>
-                <a:srgbClr val="89DDFF"/>
-              </a:solidFill>
-              <a:effectLst/>
-              <a:latin typeface="Arial Unicode MS"/>
-              <a:ea typeface="Menlo"/>
-            </a:endParaRPr>
-          </a:p>
-          <a:p>
-            <a:pPr marL="0" marR="0" lvl="0" indent="0" algn="l" defTabSz="914400" rtl="0" eaLnBrk="0" fontAlgn="base" latinLnBrk="0" hangingPunct="0">
-              <a:spcBef>
-                <a:spcPct val="0"/>
-              </a:spcBef>
-              <a:spcAft>
-                <a:spcPct val="0"/>
-              </a:spcAft>
-              <a:buClrTx/>
-              <a:buSzTx/>
-              <a:buFontTx/>
-              <a:buNone/>
-              <a:tabLst/>
-            </a:pPr>
-            <a:endParaRPr kumimoji="0" lang="en-US" altLang="zh-TW" sz="2000" b="0" i="0" u="none" strike="noStrike" cap="none" normalizeH="0" baseline="0" dirty="0">
-              <a:ln>
-                <a:noFill/>
-              </a:ln>
-              <a:solidFill>
-                <a:schemeClr val="tx1"/>
-              </a:solidFill>
-              <a:effectLst/>
-            </a:endParaRPr>
-          </a:p>
-          <a:p>
-            <a:pPr marL="0" marR="0" lvl="0" indent="0" algn="l" defTabSz="914400" rtl="0" eaLnBrk="0" fontAlgn="base" latinLnBrk="0" hangingPunct="0">
-              <a:spcBef>
-                <a:spcPct val="0"/>
-              </a:spcBef>
-              <a:spcAft>
-                <a:spcPct val="0"/>
-              </a:spcAft>
-              <a:buClrTx/>
-              <a:buSzTx/>
-              <a:buFontTx/>
-              <a:buNone/>
-              <a:tabLst/>
-            </a:pPr>
-            <a:r>
-              <a:rPr kumimoji="0" lang="zh-TW" altLang="zh-TW" sz="2000" b="0" i="0" u="none" strike="noStrike" cap="none" normalizeH="0" baseline="0" dirty="0">
-                <a:ln>
-                  <a:noFill/>
-                </a:ln>
-                <a:solidFill>
-                  <a:schemeClr val="tx1"/>
-                </a:solidFill>
-                <a:effectLst/>
-              </a:rPr>
-              <a:t> </a:t>
-            </a:r>
-            <a:endParaRPr kumimoji="0" lang="zh-TW" altLang="zh-TW" sz="6600" b="0" i="0" u="none" strike="noStrike" cap="none" normalizeH="0" baseline="0" dirty="0">
-              <a:ln>
-                <a:noFill/>
-              </a:ln>
-              <a:solidFill>
-                <a:schemeClr val="tx1"/>
-              </a:solidFill>
-              <a:effectLst/>
-              <a:latin typeface="Arial" panose="020B0604020202020204" pitchFamily="34" charset="0"/>
-            </a:endParaRPr>
-          </a:p>
-        </p:txBody>
-      </p:sp>
-      <p:sp>
-        <p:nvSpPr>
-          <p:cNvPr id="7" name="標題 1">
-            <a:extLst>
-              <a:ext uri="{FF2B5EF4-FFF2-40B4-BE49-F238E27FC236}">
-                <a16:creationId xmlns:a16="http://schemas.microsoft.com/office/drawing/2014/main" id="{02551294-41DD-41DB-AB16-0D6D534B59E7}"/>
-              </a:ext>
-            </a:extLst>
-          </p:cNvPr>
-          <p:cNvSpPr txBox="1">
-            <a:spLocks/>
-          </p:cNvSpPr>
-          <p:nvPr/>
-        </p:nvSpPr>
-        <p:spPr>
-          <a:xfrm>
-            <a:off x="619065" y="1057433"/>
-            <a:ext cx="6233729" cy="445929"/>
-          </a:xfrm>
-          <a:prstGeom prst="rect">
-            <a:avLst/>
-          </a:prstGeom>
-        </p:spPr>
-        <p:txBody>
-          <a:bodyPr vert="horz" lIns="91440" tIns="45720" rIns="91440" bIns="45720" rtlCol="0" anchor="ctr">
-            <a:normAutofit/>
-          </a:bodyPr>
-          <a:lstStyle>
-            <a:lvl1pPr algn="l" defTabSz="914400" rtl="0" eaLnBrk="1" latinLnBrk="0" hangingPunct="1">
-              <a:lnSpc>
-                <a:spcPct val="90000"/>
-              </a:lnSpc>
-              <a:spcBef>
-                <a:spcPct val="0"/>
-              </a:spcBef>
-              <a:buNone/>
-              <a:defRPr sz="4400" kern="1200">
-                <a:solidFill>
-                  <a:schemeClr val="tx1"/>
-                </a:solidFill>
-                <a:latin typeface="+mj-lt"/>
-                <a:ea typeface="+mj-ea"/>
-                <a:cs typeface="+mj-cs"/>
-              </a:defRPr>
-            </a:lvl1pPr>
-          </a:lstStyle>
-          <a:p>
-            <a:r>
-              <a:rPr lang="en-US" altLang="zh-TW" sz="1600" b="1" dirty="0">
-                <a:solidFill>
-                  <a:schemeClr val="bg1"/>
-                </a:solidFill>
-                <a:latin typeface="微軟正黑體" panose="020B0604030504040204" pitchFamily="34" charset="-120"/>
-                <a:ea typeface="微軟正黑體" panose="020B0604030504040204" pitchFamily="34" charset="-120"/>
-              </a:rPr>
-              <a:t>Nodejs  </a:t>
-            </a:r>
-            <a:r>
-              <a:rPr lang="zh-TW" altLang="en-US" sz="1600" b="1" dirty="0">
-                <a:solidFill>
-                  <a:schemeClr val="bg1"/>
-                </a:solidFill>
-                <a:latin typeface="微軟正黑體" panose="020B0604030504040204" pitchFamily="34" charset="-120"/>
-                <a:ea typeface="微軟正黑體" panose="020B0604030504040204" pitchFamily="34" charset="-120"/>
-              </a:rPr>
-              <a:t>最少需要 </a:t>
-            </a:r>
-            <a:r>
-              <a:rPr lang="en-US" altLang="zh-TW" sz="1600" b="1" dirty="0">
-                <a:solidFill>
-                  <a:schemeClr val="bg1"/>
-                </a:solidFill>
-                <a:latin typeface="微軟正黑體" panose="020B0604030504040204" pitchFamily="34" charset="-120"/>
-                <a:ea typeface="微軟正黑體" panose="020B0604030504040204" pitchFamily="34" charset="-120"/>
-              </a:rPr>
-              <a:t>v10.13</a:t>
-            </a:r>
-            <a:r>
-              <a:rPr lang="zh-TW" altLang="en-US" sz="1600" b="1" dirty="0">
-                <a:solidFill>
-                  <a:schemeClr val="bg1"/>
-                </a:solidFill>
-                <a:latin typeface="微軟正黑體" panose="020B0604030504040204" pitchFamily="34" charset="-120"/>
-                <a:ea typeface="微軟正黑體" panose="020B0604030504040204" pitchFamily="34" charset="-120"/>
-              </a:rPr>
-              <a:t>的版本</a:t>
-            </a:r>
-          </a:p>
-        </p:txBody>
-      </p:sp>
-      <p:sp>
-        <p:nvSpPr>
-          <p:cNvPr id="9" name="文字方塊 8">
-            <a:extLst>
-              <a:ext uri="{FF2B5EF4-FFF2-40B4-BE49-F238E27FC236}">
-                <a16:creationId xmlns:a16="http://schemas.microsoft.com/office/drawing/2014/main" id="{D19E17B8-618C-413E-BD61-1D6CD1B44E5E}"/>
-              </a:ext>
-            </a:extLst>
-          </p:cNvPr>
-          <p:cNvSpPr txBox="1"/>
-          <p:nvPr/>
-        </p:nvSpPr>
-        <p:spPr>
-          <a:xfrm>
-            <a:off x="1840394" y="4128446"/>
-            <a:ext cx="3015581" cy="307777"/>
-          </a:xfrm>
-          <a:prstGeom prst="rect">
-            <a:avLst/>
-          </a:prstGeom>
-          <a:noFill/>
-        </p:spPr>
-        <p:txBody>
-          <a:bodyPr wrap="square">
-            <a:spAutoFit/>
-          </a:bodyPr>
-          <a:lstStyle/>
-          <a:p>
-            <a:r>
-              <a:rPr lang="en-US" altLang="zh-TW" sz="1400" b="1" i="0" dirty="0" err="1">
-                <a:solidFill>
-                  <a:schemeClr val="accent1">
-                    <a:lumMod val="60000"/>
-                    <a:lumOff val="40000"/>
-                  </a:schemeClr>
-                </a:solidFill>
-                <a:effectLst/>
-                <a:latin typeface="微軟正黑體" panose="020B0604030504040204" pitchFamily="34" charset="-120"/>
-                <a:ea typeface="微軟正黑體" panose="020B0604030504040204" pitchFamily="34" charset="-120"/>
-              </a:rPr>
-              <a:t>npx</a:t>
-            </a:r>
-            <a:r>
-              <a:rPr lang="zh-TW" altLang="en-US" sz="1400" b="1" i="0" dirty="0">
-                <a:solidFill>
-                  <a:schemeClr val="accent1">
-                    <a:lumMod val="60000"/>
-                    <a:lumOff val="40000"/>
-                  </a:schemeClr>
-                </a:solidFill>
-                <a:effectLst/>
-                <a:latin typeface="微軟正黑體" panose="020B0604030504040204" pitchFamily="34" charset="-120"/>
-                <a:ea typeface="微軟正黑體" panose="020B0604030504040204" pitchFamily="34" charset="-120"/>
-              </a:rPr>
-              <a:t>（</a:t>
-            </a:r>
-            <a:r>
-              <a:rPr lang="en-US" altLang="zh-TW" sz="1400" b="1" i="0" dirty="0">
-                <a:solidFill>
-                  <a:schemeClr val="accent1">
-                    <a:lumMod val="60000"/>
-                    <a:lumOff val="40000"/>
-                  </a:schemeClr>
-                </a:solidFill>
-                <a:effectLst/>
-                <a:latin typeface="微軟正黑體" panose="020B0604030504040204" pitchFamily="34" charset="-120"/>
-                <a:ea typeface="微軟正黑體" panose="020B0604030504040204" pitchFamily="34" charset="-120"/>
-              </a:rPr>
-              <a:t>NPM 5.2.0</a:t>
-            </a:r>
-            <a:r>
-              <a:rPr lang="zh-TW" altLang="en-US" sz="1400" b="1" i="0" dirty="0">
-                <a:solidFill>
-                  <a:schemeClr val="accent1">
-                    <a:lumMod val="60000"/>
-                    <a:lumOff val="40000"/>
-                  </a:schemeClr>
-                </a:solidFill>
-                <a:effectLst/>
-                <a:latin typeface="微軟正黑體" panose="020B0604030504040204" pitchFamily="34" charset="-120"/>
-                <a:ea typeface="微軟正黑體" panose="020B0604030504040204" pitchFamily="34" charset="-120"/>
-              </a:rPr>
-              <a:t>起默認安裝</a:t>
-            </a:r>
-            <a:r>
-              <a:rPr lang="en-US" altLang="zh-TW" sz="1400" b="1" i="0" dirty="0" err="1">
-                <a:solidFill>
-                  <a:schemeClr val="accent1">
-                    <a:lumMod val="60000"/>
-                    <a:lumOff val="40000"/>
-                  </a:schemeClr>
-                </a:solidFill>
-                <a:effectLst/>
-                <a:latin typeface="微軟正黑體" panose="020B0604030504040204" pitchFamily="34" charset="-120"/>
-                <a:ea typeface="微軟正黑體" panose="020B0604030504040204" pitchFamily="34" charset="-120"/>
-              </a:rPr>
-              <a:t>npx</a:t>
-            </a:r>
-            <a:r>
-              <a:rPr lang="zh-TW" altLang="en-US" sz="1400" b="1" i="0" dirty="0">
-                <a:solidFill>
-                  <a:schemeClr val="accent1">
-                    <a:lumMod val="60000"/>
-                    <a:lumOff val="40000"/>
-                  </a:schemeClr>
-                </a:solidFill>
-                <a:effectLst/>
-                <a:latin typeface="微軟正黑體" panose="020B0604030504040204" pitchFamily="34" charset="-120"/>
-                <a:ea typeface="微軟正黑體" panose="020B0604030504040204" pitchFamily="34" charset="-120"/>
-              </a:rPr>
-              <a:t>）</a:t>
-            </a:r>
-            <a:endParaRPr lang="zh-TW" altLang="en-US" sz="1400" b="1" dirty="0">
-              <a:solidFill>
-                <a:schemeClr val="accent1">
-                  <a:lumMod val="60000"/>
-                  <a:lumOff val="40000"/>
-                </a:schemeClr>
-              </a:solidFill>
-              <a:latin typeface="微軟正黑體" panose="020B0604030504040204" pitchFamily="34" charset="-120"/>
-              <a:ea typeface="微軟正黑體" panose="020B0604030504040204" pitchFamily="34" charset="-120"/>
-            </a:endParaRPr>
-          </a:p>
-        </p:txBody>
-      </p:sp>
-    </p:spTree>
-    <p:extLst>
-      <p:ext uri="{BB962C8B-B14F-4D97-AF65-F5344CB8AC3E}">
-        <p14:creationId xmlns:p14="http://schemas.microsoft.com/office/powerpoint/2010/main" val="1160094350"/>
-      </p:ext>
-    </p:extLst>
-  </p:cSld>
-  <p:clrMapOvr>
-    <a:masterClrMapping/>
-  </p:clrMapOvr>
-</p:sld>
-</file>
-
-<file path=ppt/slides/slide6.xml><?xml version="1.0" encoding="utf-8"?>
-<p:sld xmlns:a="http://schemas.openxmlformats.org/drawingml/2006/main" xmlns:r="http://schemas.openxmlformats.org/officeDocument/2006/relationships" xmlns:p="http://schemas.openxmlformats.org/presentationml/2006/main">
-  <p:cSld>
-    <p:spTree>
-      <p:nvGrpSpPr>
-        <p:cNvPr id="1" name=""/>
-        <p:cNvGrpSpPr/>
-        <p:nvPr/>
-      </p:nvGrpSpPr>
-      <p:grpSpPr>
-        <a:xfrm>
-          <a:off x="0" y="0"/>
-          <a:ext cx="0" cy="0"/>
-          <a:chOff x="0" y="0"/>
-          <a:chExt cx="0" cy="0"/>
-        </a:xfrm>
-      </p:grpSpPr>
-      <p:pic>
-        <p:nvPicPr>
-          <p:cNvPr id="5" name="圖片 4">
-            <a:extLst>
-              <a:ext uri="{FF2B5EF4-FFF2-40B4-BE49-F238E27FC236}">
-                <a16:creationId xmlns:a16="http://schemas.microsoft.com/office/drawing/2014/main" id="{D1DDA195-78B3-4E11-B2FB-0F4380DDBCD2}"/>
-              </a:ext>
-            </a:extLst>
-          </p:cNvPr>
-          <p:cNvPicPr>
-            <a:picLocks noChangeAspect="1"/>
-          </p:cNvPicPr>
-          <p:nvPr/>
-        </p:nvPicPr>
-        <p:blipFill>
-          <a:blip r:embed="rId2">
-            <a:extLst>
-              <a:ext uri="{28A0092B-C50C-407E-A947-70E740481C1C}">
-                <a14:useLocalDpi xmlns:a14="http://schemas.microsoft.com/office/drawing/2010/main" val="0"/>
-              </a:ext>
-            </a:extLst>
-          </a:blip>
-          <a:stretch>
-            <a:fillRect/>
-          </a:stretch>
-        </p:blipFill>
-        <p:spPr>
-          <a:xfrm>
-            <a:off x="201426" y="235699"/>
-            <a:ext cx="4256274" cy="6410964"/>
-          </a:xfrm>
-          <a:prstGeom prst="rect">
-            <a:avLst/>
-          </a:prstGeom>
-        </p:spPr>
-      </p:pic>
-      <p:sp>
-        <p:nvSpPr>
-          <p:cNvPr id="7" name="文字方塊 6">
-            <a:extLst>
-              <a:ext uri="{FF2B5EF4-FFF2-40B4-BE49-F238E27FC236}">
-                <a16:creationId xmlns:a16="http://schemas.microsoft.com/office/drawing/2014/main" id="{96C8698A-EB57-4177-9FE3-DAAF9104176F}"/>
-              </a:ext>
-            </a:extLst>
-          </p:cNvPr>
-          <p:cNvSpPr txBox="1"/>
-          <p:nvPr/>
-        </p:nvSpPr>
-        <p:spPr>
-          <a:xfrm>
-            <a:off x="4845052" y="550720"/>
-            <a:ext cx="6096000" cy="3001719"/>
-          </a:xfrm>
-          <a:prstGeom prst="rect">
-            <a:avLst/>
-          </a:prstGeom>
-          <a:noFill/>
-        </p:spPr>
-        <p:txBody>
-          <a:bodyPr wrap="square">
-            <a:spAutoFit/>
-          </a:bodyPr>
-          <a:lstStyle/>
-          <a:p>
-            <a:pPr>
-              <a:lnSpc>
-                <a:spcPct val="150000"/>
-              </a:lnSpc>
-            </a:pPr>
-            <a:r>
-              <a:rPr lang="zh-TW" altLang="en-US" sz="1600" dirty="0">
-                <a:solidFill>
-                  <a:schemeClr val="bg1"/>
-                </a:solidFill>
-                <a:latin typeface="微軟正黑體" panose="020B0604030504040204" pitchFamily="34" charset="-120"/>
-                <a:ea typeface="微軟正黑體" panose="020B0604030504040204" pitchFamily="34" charset="-120"/>
-              </a:rPr>
-              <a:t>assets：需要被打包的資源，例如你的 images 等等</a:t>
-            </a:r>
-          </a:p>
-          <a:p>
-            <a:pPr>
-              <a:lnSpc>
-                <a:spcPct val="150000"/>
-              </a:lnSpc>
-            </a:pPr>
-            <a:r>
-              <a:rPr lang="zh-TW" altLang="en-US" sz="1600" dirty="0">
-                <a:solidFill>
-                  <a:schemeClr val="bg1"/>
-                </a:solidFill>
-                <a:latin typeface="微軟正黑體" panose="020B0604030504040204" pitchFamily="34" charset="-120"/>
-                <a:ea typeface="微軟正黑體" panose="020B0604030504040204" pitchFamily="34" charset="-120"/>
-              </a:rPr>
-              <a:t>components：頁面的最小單位組件</a:t>
-            </a:r>
-          </a:p>
-          <a:p>
-            <a:pPr>
-              <a:lnSpc>
-                <a:spcPct val="150000"/>
-              </a:lnSpc>
-            </a:pPr>
-            <a:r>
-              <a:rPr lang="zh-TW" altLang="en-US" sz="1600" dirty="0">
-                <a:solidFill>
-                  <a:schemeClr val="bg1"/>
-                </a:solidFill>
-                <a:latin typeface="微軟正黑體" panose="020B0604030504040204" pitchFamily="34" charset="-120"/>
-                <a:ea typeface="微軟正黑體" panose="020B0604030504040204" pitchFamily="34" charset="-120"/>
-              </a:rPr>
-              <a:t>layouts：頁面共用的版型，例如 </a:t>
-            </a:r>
-            <a:r>
-              <a:rPr lang="en-US" altLang="zh-TW" sz="1600" dirty="0">
-                <a:solidFill>
-                  <a:schemeClr val="bg1"/>
-                </a:solidFill>
-                <a:latin typeface="微軟正黑體" panose="020B0604030504040204" pitchFamily="34" charset="-120"/>
-                <a:ea typeface="微軟正黑體" panose="020B0604030504040204" pitchFamily="34" charset="-120"/>
-              </a:rPr>
-              <a:t>header</a:t>
-            </a:r>
-            <a:r>
-              <a:rPr lang="zh-TW" altLang="en-US" sz="1600" dirty="0">
-                <a:solidFill>
-                  <a:schemeClr val="bg1"/>
-                </a:solidFill>
-                <a:latin typeface="微軟正黑體" panose="020B0604030504040204" pitchFamily="34" charset="-120"/>
-                <a:ea typeface="微軟正黑體" panose="020B0604030504040204" pitchFamily="34" charset="-120"/>
-              </a:rPr>
-              <a:t>、 footer</a:t>
-            </a:r>
-          </a:p>
-          <a:p>
-            <a:pPr>
-              <a:lnSpc>
-                <a:spcPct val="150000"/>
-              </a:lnSpc>
-            </a:pPr>
-            <a:r>
-              <a:rPr lang="zh-TW" altLang="en-US" sz="1600" dirty="0">
-                <a:solidFill>
-                  <a:schemeClr val="bg1"/>
-                </a:solidFill>
-                <a:latin typeface="微軟正黑體" panose="020B0604030504040204" pitchFamily="34" charset="-120"/>
-                <a:ea typeface="微軟正黑體" panose="020B0604030504040204" pitchFamily="34" charset="-120"/>
-              </a:rPr>
-              <a:t>middleware：進入頁面前需要做的中間層</a:t>
-            </a:r>
-          </a:p>
-          <a:p>
-            <a:pPr>
-              <a:lnSpc>
-                <a:spcPct val="150000"/>
-              </a:lnSpc>
-            </a:pPr>
-            <a:r>
-              <a:rPr lang="zh-TW" altLang="en-US" sz="1600" dirty="0">
-                <a:solidFill>
-                  <a:schemeClr val="bg1"/>
-                </a:solidFill>
-                <a:latin typeface="微軟正黑體" panose="020B0604030504040204" pitchFamily="34" charset="-120"/>
-                <a:ea typeface="微軟正黑體" panose="020B0604030504040204" pitchFamily="34" charset="-120"/>
-              </a:rPr>
-              <a:t>pages：頁面放的地方，一個 .vue 就是一個頁面</a:t>
-            </a:r>
-          </a:p>
-          <a:p>
-            <a:pPr>
-              <a:lnSpc>
-                <a:spcPct val="150000"/>
-              </a:lnSpc>
-            </a:pPr>
-            <a:r>
-              <a:rPr lang="zh-TW" altLang="en-US" sz="1600" dirty="0">
-                <a:solidFill>
-                  <a:schemeClr val="bg1"/>
-                </a:solidFill>
-                <a:latin typeface="微軟正黑體" panose="020B0604030504040204" pitchFamily="34" charset="-120"/>
-                <a:ea typeface="微軟正黑體" panose="020B0604030504040204" pitchFamily="34" charset="-120"/>
-              </a:rPr>
-              <a:t>plugins：自定義的</a:t>
-            </a:r>
-            <a:r>
-              <a:rPr lang="en-US" altLang="zh-TW" sz="1600" dirty="0" err="1">
-                <a:solidFill>
-                  <a:schemeClr val="bg1"/>
-                </a:solidFill>
-                <a:latin typeface="微軟正黑體" panose="020B0604030504040204" pitchFamily="34" charset="-120"/>
-                <a:ea typeface="微軟正黑體" panose="020B0604030504040204" pitchFamily="34" charset="-120"/>
-              </a:rPr>
-              <a:t>nuxt</a:t>
-            </a:r>
-            <a:r>
-              <a:rPr lang="zh-TW" altLang="en-US" sz="1600" dirty="0">
-                <a:solidFill>
-                  <a:schemeClr val="bg1"/>
-                </a:solidFill>
-                <a:latin typeface="微軟正黑體" panose="020B0604030504040204" pitchFamily="34" charset="-120"/>
-                <a:ea typeface="微軟正黑體" panose="020B0604030504040204" pitchFamily="34" charset="-120"/>
-              </a:rPr>
-              <a:t>套件的資料夾</a:t>
-            </a:r>
-            <a:endParaRPr lang="en-US" altLang="zh-TW" sz="1600" dirty="0">
-              <a:solidFill>
-                <a:schemeClr val="bg1"/>
-              </a:solidFill>
-              <a:latin typeface="微軟正黑體" panose="020B0604030504040204" pitchFamily="34" charset="-120"/>
-              <a:ea typeface="微軟正黑體" panose="020B0604030504040204" pitchFamily="34" charset="-120"/>
-            </a:endParaRPr>
-          </a:p>
-          <a:p>
-            <a:pPr>
-              <a:lnSpc>
-                <a:spcPct val="150000"/>
-              </a:lnSpc>
-            </a:pPr>
-            <a:r>
-              <a:rPr lang="zh-TW" altLang="en-US" sz="1600" dirty="0">
-                <a:solidFill>
-                  <a:schemeClr val="bg1"/>
-                </a:solidFill>
-                <a:latin typeface="微軟正黑體" panose="020B0604030504040204" pitchFamily="34" charset="-120"/>
-                <a:ea typeface="微軟正黑體" panose="020B0604030504040204" pitchFamily="34" charset="-120"/>
-              </a:rPr>
-              <a:t>static：靜態資源，不需要被打包的資源</a:t>
-            </a:r>
-          </a:p>
-          <a:p>
-            <a:pPr>
-              <a:lnSpc>
-                <a:spcPct val="150000"/>
-              </a:lnSpc>
-            </a:pPr>
-            <a:r>
-              <a:rPr lang="zh-TW" altLang="en-US" sz="1600" dirty="0">
-                <a:solidFill>
-                  <a:schemeClr val="bg1"/>
-                </a:solidFill>
-                <a:latin typeface="微軟正黑體" panose="020B0604030504040204" pitchFamily="34" charset="-120"/>
-                <a:ea typeface="微軟正黑體" panose="020B0604030504040204" pitchFamily="34" charset="-120"/>
-              </a:rPr>
-              <a:t>store： Vuex所放的資料夾</a:t>
-            </a:r>
-          </a:p>
-        </p:txBody>
-      </p:sp>
-    </p:spTree>
-    <p:extLst>
-      <p:ext uri="{BB962C8B-B14F-4D97-AF65-F5344CB8AC3E}">
-        <p14:creationId xmlns:p14="http://schemas.microsoft.com/office/powerpoint/2010/main" val="2796482703"/>
-      </p:ext>
-    </p:extLst>
-  </p:cSld>
-  <p:clrMapOvr>
-    <a:masterClrMapping/>
-  </p:clrMapOvr>
-</p:sld>
-</file>
-
-<file path=ppt/slides/slide7.xml><?xml version="1.0" encoding="utf-8"?>
-<p:sld xmlns:a="http://schemas.openxmlformats.org/drawingml/2006/main" xmlns:r="http://schemas.openxmlformats.org/officeDocument/2006/relationships" xmlns:p="http://schemas.openxmlformats.org/presentationml/2006/main">
-  <p:cSld>
-    <p:spTree>
-      <p:nvGrpSpPr>
-        <p:cNvPr id="1" name=""/>
-        <p:cNvGrpSpPr/>
-        <p:nvPr/>
-      </p:nvGrpSpPr>
-      <p:grpSpPr>
-        <a:xfrm>
-          <a:off x="0" y="0"/>
-          <a:ext cx="0" cy="0"/>
-          <a:chOff x="0" y="0"/>
-          <a:chExt cx="0" cy="0"/>
-        </a:xfrm>
-      </p:grpSpPr>
-      <p:sp>
-        <p:nvSpPr>
-          <p:cNvPr id="5" name="矩形 4">
-            <a:extLst>
-              <a:ext uri="{FF2B5EF4-FFF2-40B4-BE49-F238E27FC236}">
-                <a16:creationId xmlns:a16="http://schemas.microsoft.com/office/drawing/2014/main" id="{54D5A94F-0C49-4EC9-A889-1867AD4D0274}"/>
-              </a:ext>
-            </a:extLst>
-          </p:cNvPr>
-          <p:cNvSpPr/>
-          <p:nvPr/>
-        </p:nvSpPr>
-        <p:spPr>
-          <a:xfrm>
-            <a:off x="2780314" y="3256545"/>
-            <a:ext cx="6350000" cy="730250"/>
-          </a:xfrm>
-          <a:prstGeom prst="rect">
-            <a:avLst/>
-          </a:prstGeom>
-        </p:spPr>
-        <p:style>
-          <a:lnRef idx="2">
-            <a:schemeClr val="dk1">
-              <a:shade val="50000"/>
-            </a:schemeClr>
-          </a:lnRef>
-          <a:fillRef idx="1">
-            <a:schemeClr val="dk1"/>
-          </a:fillRef>
-          <a:effectRef idx="0">
-            <a:schemeClr val="dk1"/>
-          </a:effectRef>
-          <a:fontRef idx="minor">
-            <a:schemeClr val="lt1"/>
-          </a:fontRef>
-        </p:style>
-        <p:txBody>
-          <a:bodyPr rtlCol="0" anchor="ctr"/>
-          <a:lstStyle/>
-          <a:p>
-            <a:pPr algn="ctr"/>
-            <a:endParaRPr lang="zh-TW" altLang="en-US"/>
-          </a:p>
-        </p:txBody>
-      </p:sp>
-      <p:sp>
-        <p:nvSpPr>
-          <p:cNvPr id="2" name="標題 1">
-            <a:extLst>
-              <a:ext uri="{FF2B5EF4-FFF2-40B4-BE49-F238E27FC236}">
-                <a16:creationId xmlns:a16="http://schemas.microsoft.com/office/drawing/2014/main" id="{A1079603-FF49-4509-B778-86858F145633}"/>
-              </a:ext>
-            </a:extLst>
-          </p:cNvPr>
-          <p:cNvSpPr>
-            <a:spLocks noGrp="1"/>
-          </p:cNvSpPr>
-          <p:nvPr>
-            <p:ph type="title"/>
-          </p:nvPr>
-        </p:nvSpPr>
-        <p:spPr>
-          <a:xfrm>
-            <a:off x="424464" y="2459007"/>
-            <a:ext cx="11061700" cy="730251"/>
-          </a:xfrm>
-        </p:spPr>
-        <p:txBody>
-          <a:bodyPr>
-            <a:normAutofit/>
-          </a:bodyPr>
-          <a:lstStyle/>
-          <a:p>
-            <a:pPr algn="ctr"/>
-            <a:r>
-              <a:rPr lang="en-US" altLang="zh-TW" sz="3200" b="1" dirty="0" err="1">
-                <a:solidFill>
-                  <a:schemeClr val="bg1"/>
-                </a:solidFill>
-                <a:latin typeface="微軟正黑體" panose="020B0604030504040204" pitchFamily="34" charset="-120"/>
-                <a:ea typeface="微軟正黑體" panose="020B0604030504040204" pitchFamily="34" charset="-120"/>
-              </a:rPr>
-              <a:t>Nuxt</a:t>
-            </a:r>
-            <a:r>
-              <a:rPr lang="en-US" altLang="zh-TW" sz="3200" b="1" dirty="0">
-                <a:solidFill>
-                  <a:schemeClr val="bg1"/>
-                </a:solidFill>
-                <a:latin typeface="微軟正黑體" panose="020B0604030504040204" pitchFamily="34" charset="-120"/>
-                <a:ea typeface="微軟正黑體" panose="020B0604030504040204" pitchFamily="34" charset="-120"/>
-              </a:rPr>
-              <a:t> </a:t>
-            </a:r>
-            <a:r>
-              <a:rPr lang="zh-TW" altLang="en-US" sz="3200" b="1" dirty="0">
-                <a:solidFill>
-                  <a:schemeClr val="bg1"/>
-                </a:solidFill>
-                <a:latin typeface="微軟正黑體" panose="020B0604030504040204" pitchFamily="34" charset="-120"/>
-                <a:ea typeface="微軟正黑體" panose="020B0604030504040204" pitchFamily="34" charset="-120"/>
-              </a:rPr>
-              <a:t>使用</a:t>
-            </a:r>
-            <a:r>
-              <a:rPr lang="en-US" altLang="zh-TW" sz="3200" b="1" dirty="0">
-                <a:solidFill>
-                  <a:schemeClr val="bg1"/>
-                </a:solidFill>
-                <a:latin typeface="微軟正黑體" panose="020B0604030504040204" pitchFamily="34" charset="-120"/>
-                <a:ea typeface="微軟正黑體" panose="020B0604030504040204" pitchFamily="34" charset="-120"/>
-              </a:rPr>
-              <a:t>SASS</a:t>
-            </a:r>
-            <a:endParaRPr lang="zh-TW" altLang="en-US" sz="3200" b="1" dirty="0">
-              <a:solidFill>
-                <a:schemeClr val="bg1"/>
-              </a:solidFill>
-              <a:latin typeface="微軟正黑體" panose="020B0604030504040204" pitchFamily="34" charset="-120"/>
-              <a:ea typeface="微軟正黑體" panose="020B0604030504040204" pitchFamily="34" charset="-120"/>
-            </a:endParaRPr>
-          </a:p>
-        </p:txBody>
-      </p:sp>
-      <p:sp>
-        <p:nvSpPr>
-          <p:cNvPr id="4" name="Rectangle 1">
-            <a:extLst>
-              <a:ext uri="{FF2B5EF4-FFF2-40B4-BE49-F238E27FC236}">
-                <a16:creationId xmlns:a16="http://schemas.microsoft.com/office/drawing/2014/main" id="{1526E6E0-773F-498C-AB4B-D4E0439FD2C7}"/>
-              </a:ext>
-            </a:extLst>
-          </p:cNvPr>
-          <p:cNvSpPr>
-            <a:spLocks noChangeArrowheads="1"/>
-          </p:cNvSpPr>
-          <p:nvPr/>
-        </p:nvSpPr>
-        <p:spPr bwMode="auto">
-          <a:xfrm>
-            <a:off x="2780314" y="3491238"/>
-            <a:ext cx="6350000" cy="387901"/>
-          </a:xfrm>
-          <a:prstGeom prst="rect">
-            <a:avLst/>
-          </a:prstGeom>
-          <a:noFill/>
-          <a:ln>
-            <a:noFill/>
-          </a:ln>
-          <a:effectLst/>
-          <a:extLst>
-            <a:ext uri="{909E8E84-426E-40DD-AFC4-6F175D3DCCD1}">
-              <a14:hiddenFill xmlns:a14="http://schemas.microsoft.com/office/drawing/2010/main">
-                <a:solidFill>
-                  <a:schemeClr val="accent1"/>
-                </a:solidFill>
-              </a14:hiddenFill>
-            </a:ext>
-            <a:ext uri="{91240B29-F687-4F45-9708-019B960494DF}">
-              <a14:hiddenLine xmlns:a14="http://schemas.microsoft.com/office/drawing/2010/main" w="9525">
-                <a:solidFill>
-                  <a:schemeClr val="tx1"/>
-                </a:solidFill>
-                <a:miter lim="800000"/>
-                <a:headEnd/>
-                <a:tailEnd/>
-              </a14:hiddenLine>
-            </a:ext>
-            <a:ext uri="{AF507438-7753-43E0-B8FC-AC1667EBCBE1}">
-              <a14:hiddenEffects xmlns:a14="http://schemas.microsoft.com/office/drawing/2010/main">
-                <a:effectLst>
-                  <a:outerShdw dist="35921" dir="2700000" algn="ctr" rotWithShape="0">
-                    <a:schemeClr val="bg2"/>
-                  </a:outerShdw>
-                </a:effectLst>
-              </a14:hiddenEffects>
-            </a:ext>
-          </a:extLst>
-        </p:spPr>
-        <p:txBody>
-          <a:bodyPr vert="horz" wrap="square" lIns="0" tIns="0" rIns="0" bIns="79350" numCol="1" anchor="ctr" anchorCtr="0" compatLnSpc="1">
-            <a:prstTxWarp prst="textNoShape">
-              <a:avLst/>
-            </a:prstTxWarp>
-            <a:spAutoFit/>
-          </a:bodyPr>
-          <a:lstStyle/>
-          <a:p>
-            <a:pPr marL="0" marR="0" lvl="0" indent="0" algn="ctr" defTabSz="914400" rtl="0" eaLnBrk="0" fontAlgn="base" latinLnBrk="0" hangingPunct="0">
-              <a:lnSpc>
-                <a:spcPct val="100000"/>
-              </a:lnSpc>
-              <a:spcBef>
-                <a:spcPct val="0"/>
-              </a:spcBef>
-              <a:spcAft>
-                <a:spcPct val="0"/>
-              </a:spcAft>
-              <a:buClrTx/>
-              <a:buSzTx/>
-              <a:buFontTx/>
-              <a:buNone/>
-              <a:tabLst/>
-            </a:pPr>
-            <a:r>
-              <a:rPr kumimoji="0" lang="en-US" altLang="zh-TW" sz="2000" b="0" i="0" u="none" strike="noStrike" cap="none" normalizeH="0" baseline="0" dirty="0" err="1">
-                <a:ln>
-                  <a:noFill/>
-                </a:ln>
-                <a:solidFill>
-                  <a:schemeClr val="bg1"/>
-                </a:solidFill>
-                <a:effectLst/>
-                <a:latin typeface="微軟正黑體" panose="020B0604030504040204" pitchFamily="34" charset="-120"/>
-                <a:ea typeface="微軟正黑體" panose="020B0604030504040204" pitchFamily="34" charset="-120"/>
-              </a:rPr>
-              <a:t>npm</a:t>
-            </a:r>
-            <a:r>
-              <a:rPr kumimoji="0" lang="en-US" altLang="zh-TW" sz="2000" b="0" i="0" u="none" strike="noStrike" cap="none" normalizeH="0" baseline="0" dirty="0">
-                <a:ln>
-                  <a:noFill/>
-                </a:ln>
-                <a:solidFill>
-                  <a:schemeClr val="bg1"/>
-                </a:solidFill>
-                <a:effectLst/>
-                <a:latin typeface="微軟正黑體" panose="020B0604030504040204" pitchFamily="34" charset="-120"/>
-                <a:ea typeface="微軟正黑體" panose="020B0604030504040204" pitchFamily="34" charset="-120"/>
-              </a:rPr>
-              <a:t> install --save-dev sass sass-loader fibers</a:t>
-            </a:r>
-          </a:p>
-        </p:txBody>
-      </p:sp>
-    </p:spTree>
-    <p:extLst>
-      <p:ext uri="{BB962C8B-B14F-4D97-AF65-F5344CB8AC3E}">
-        <p14:creationId xmlns:p14="http://schemas.microsoft.com/office/powerpoint/2010/main" val="3612001647"/>
-      </p:ext>
-    </p:extLst>
-  </p:cSld>
-  <p:clrMapOvr>
-    <a:masterClrMapping/>
-  </p:clrMapOvr>
-</p:sld>
-</file>
-
-<file path=ppt/slides/slide8.xml><?xml version="1.0" encoding="utf-8"?>
-<p:sld xmlns:a="http://schemas.openxmlformats.org/drawingml/2006/main" xmlns:r="http://schemas.openxmlformats.org/officeDocument/2006/relationships" xmlns:p="http://schemas.openxmlformats.org/presentationml/2006/main">
-  <p:cSld>
-    <p:spTree>
-      <p:nvGrpSpPr>
-        <p:cNvPr id="1" name=""/>
-        <p:cNvGrpSpPr/>
-        <p:nvPr/>
-      </p:nvGrpSpPr>
-      <p:grpSpPr>
-        <a:xfrm>
-          <a:off x="0" y="0"/>
-          <a:ext cx="0" cy="0"/>
-          <a:chOff x="0" y="0"/>
-          <a:chExt cx="0" cy="0"/>
-        </a:xfrm>
-      </p:grpSpPr>
-      <p:sp>
-        <p:nvSpPr>
-          <p:cNvPr id="13" name="矩形 12">
-            <a:extLst>
-              <a:ext uri="{FF2B5EF4-FFF2-40B4-BE49-F238E27FC236}">
-                <a16:creationId xmlns:a16="http://schemas.microsoft.com/office/drawing/2014/main" id="{CAFA6D4A-519C-4CFB-AF6C-65CB06AB0410}"/>
-              </a:ext>
-            </a:extLst>
-          </p:cNvPr>
-          <p:cNvSpPr/>
-          <p:nvPr/>
-        </p:nvSpPr>
-        <p:spPr>
-          <a:xfrm>
-            <a:off x="2784751" y="3678046"/>
-            <a:ext cx="6350000" cy="730250"/>
-          </a:xfrm>
-          <a:prstGeom prst="rect">
-            <a:avLst/>
-          </a:prstGeom>
-        </p:spPr>
-        <p:style>
-          <a:lnRef idx="2">
-            <a:schemeClr val="dk1">
-              <a:shade val="50000"/>
-            </a:schemeClr>
-          </a:lnRef>
-          <a:fillRef idx="1">
-            <a:schemeClr val="dk1"/>
-          </a:fillRef>
-          <a:effectRef idx="0">
-            <a:schemeClr val="dk1"/>
-          </a:effectRef>
-          <a:fontRef idx="minor">
-            <a:schemeClr val="lt1"/>
-          </a:fontRef>
-        </p:style>
-        <p:txBody>
-          <a:bodyPr rtlCol="0" anchor="ctr"/>
-          <a:lstStyle/>
-          <a:p>
-            <a:pPr algn="ctr"/>
-            <a:endParaRPr lang="zh-TW" altLang="en-US"/>
-          </a:p>
-        </p:txBody>
-      </p:sp>
-      <p:sp>
-        <p:nvSpPr>
-          <p:cNvPr id="5" name="矩形 4">
-            <a:extLst>
-              <a:ext uri="{FF2B5EF4-FFF2-40B4-BE49-F238E27FC236}">
-                <a16:creationId xmlns:a16="http://schemas.microsoft.com/office/drawing/2014/main" id="{54D5A94F-0C49-4EC9-A889-1867AD4D0274}"/>
-              </a:ext>
-            </a:extLst>
-          </p:cNvPr>
-          <p:cNvSpPr/>
-          <p:nvPr/>
-        </p:nvSpPr>
-        <p:spPr>
-          <a:xfrm>
-            <a:off x="2809658" y="2109414"/>
-            <a:ext cx="6350000" cy="730250"/>
-          </a:xfrm>
-          <a:prstGeom prst="rect">
-            <a:avLst/>
-          </a:prstGeom>
-        </p:spPr>
-        <p:style>
-          <a:lnRef idx="2">
-            <a:schemeClr val="dk1">
-              <a:shade val="50000"/>
-            </a:schemeClr>
-          </a:lnRef>
-          <a:fillRef idx="1">
-            <a:schemeClr val="dk1"/>
-          </a:fillRef>
-          <a:effectRef idx="0">
-            <a:schemeClr val="dk1"/>
-          </a:effectRef>
-          <a:fontRef idx="minor">
-            <a:schemeClr val="lt1"/>
-          </a:fontRef>
-        </p:style>
-        <p:txBody>
-          <a:bodyPr rtlCol="0" anchor="ctr"/>
-          <a:lstStyle/>
-          <a:p>
-            <a:pPr algn="ctr"/>
-            <a:endParaRPr lang="zh-TW" altLang="en-US"/>
-          </a:p>
-        </p:txBody>
-      </p:sp>
-      <p:sp>
-        <p:nvSpPr>
-          <p:cNvPr id="2" name="標題 1">
-            <a:extLst>
-              <a:ext uri="{FF2B5EF4-FFF2-40B4-BE49-F238E27FC236}">
-                <a16:creationId xmlns:a16="http://schemas.microsoft.com/office/drawing/2014/main" id="{A1079603-FF49-4509-B778-86858F145633}"/>
-              </a:ext>
-            </a:extLst>
-          </p:cNvPr>
-          <p:cNvSpPr>
-            <a:spLocks noGrp="1"/>
-          </p:cNvSpPr>
-          <p:nvPr>
-            <p:ph type="title"/>
-          </p:nvPr>
-        </p:nvSpPr>
-        <p:spPr>
-          <a:xfrm>
-            <a:off x="2784751" y="557707"/>
-            <a:ext cx="6399814" cy="730251"/>
-          </a:xfrm>
-        </p:spPr>
-        <p:txBody>
-          <a:bodyPr>
-            <a:normAutofit/>
-          </a:bodyPr>
-          <a:lstStyle/>
-          <a:p>
-            <a:pPr algn="ctr"/>
-            <a:r>
-              <a:rPr lang="en-US" altLang="zh-TW" sz="3200" b="1" dirty="0" err="1">
-                <a:solidFill>
-                  <a:schemeClr val="bg1"/>
-                </a:solidFill>
-                <a:latin typeface="微軟正黑體" panose="020B0604030504040204" pitchFamily="34" charset="-120"/>
-                <a:ea typeface="微軟正黑體" panose="020B0604030504040204" pitchFamily="34" charset="-120"/>
-              </a:rPr>
-              <a:t>Nuxt</a:t>
-            </a:r>
-            <a:r>
-              <a:rPr lang="en-US" altLang="zh-TW" sz="3200" b="1" dirty="0">
-                <a:solidFill>
-                  <a:schemeClr val="bg1"/>
-                </a:solidFill>
-                <a:latin typeface="微軟正黑體" panose="020B0604030504040204" pitchFamily="34" charset="-120"/>
-                <a:ea typeface="微軟正黑體" panose="020B0604030504040204" pitchFamily="34" charset="-120"/>
-              </a:rPr>
-              <a:t> </a:t>
-            </a:r>
-            <a:r>
-              <a:rPr lang="zh-TW" altLang="en-US" sz="3200" b="1" dirty="0">
-                <a:solidFill>
-                  <a:schemeClr val="bg1"/>
-                </a:solidFill>
-                <a:latin typeface="微軟正黑體" panose="020B0604030504040204" pitchFamily="34" charset="-120"/>
-                <a:ea typeface="微軟正黑體" panose="020B0604030504040204" pitchFamily="34" charset="-120"/>
-              </a:rPr>
-              <a:t>使用 </a:t>
-            </a:r>
-            <a:r>
-              <a:rPr lang="en-US" altLang="zh-TW" sz="3200" b="1" dirty="0">
-                <a:solidFill>
-                  <a:schemeClr val="bg1"/>
-                </a:solidFill>
-                <a:latin typeface="微軟正黑體" panose="020B0604030504040204" pitchFamily="34" charset="-120"/>
-                <a:ea typeface="微軟正黑體" panose="020B0604030504040204" pitchFamily="34" charset="-120"/>
-              </a:rPr>
-              <a:t>Router</a:t>
-            </a:r>
-            <a:endParaRPr lang="zh-TW" altLang="en-US" sz="3200" b="1" dirty="0">
-              <a:solidFill>
-                <a:schemeClr val="bg1"/>
-              </a:solidFill>
-              <a:latin typeface="微軟正黑體" panose="020B0604030504040204" pitchFamily="34" charset="-120"/>
-              <a:ea typeface="微軟正黑體" panose="020B0604030504040204" pitchFamily="34" charset="-120"/>
-            </a:endParaRPr>
-          </a:p>
-        </p:txBody>
-      </p:sp>
-      <p:sp>
-        <p:nvSpPr>
-          <p:cNvPr id="6" name="文字方塊 5">
-            <a:extLst>
-              <a:ext uri="{FF2B5EF4-FFF2-40B4-BE49-F238E27FC236}">
-                <a16:creationId xmlns:a16="http://schemas.microsoft.com/office/drawing/2014/main" id="{7F563338-4366-46D7-B9CD-88E9B992B77B}"/>
-              </a:ext>
-            </a:extLst>
-          </p:cNvPr>
-          <p:cNvSpPr txBox="1"/>
-          <p:nvPr/>
-        </p:nvSpPr>
-        <p:spPr>
-          <a:xfrm>
-            <a:off x="2964227" y="2289873"/>
-            <a:ext cx="5186807" cy="369332"/>
-          </a:xfrm>
-          <a:prstGeom prst="rect">
-            <a:avLst/>
-          </a:prstGeom>
-          <a:noFill/>
-        </p:spPr>
-        <p:txBody>
-          <a:bodyPr wrap="square">
-            <a:spAutoFit/>
-          </a:bodyPr>
-          <a:lstStyle/>
-          <a:p>
-            <a:r>
-              <a:rPr lang="en-US" altLang="zh-TW" b="0" dirty="0">
-                <a:solidFill>
-                  <a:srgbClr val="F8F8F2"/>
-                </a:solidFill>
-                <a:effectLst/>
-                <a:latin typeface="Consolas" panose="020B0609020204030204" pitchFamily="49" charset="0"/>
-              </a:rPr>
-              <a:t> &lt;</a:t>
-            </a:r>
-            <a:r>
-              <a:rPr lang="en-US" altLang="zh-TW" b="0" i="1" dirty="0" err="1">
-                <a:solidFill>
-                  <a:srgbClr val="66D9EF"/>
-                </a:solidFill>
-                <a:effectLst/>
-                <a:latin typeface="Consolas" panose="020B0609020204030204" pitchFamily="49" charset="0"/>
-              </a:rPr>
-              <a:t>Nuxt</a:t>
-            </a:r>
-            <a:r>
-              <a:rPr lang="en-US" altLang="zh-TW" b="0" dirty="0">
-                <a:solidFill>
-                  <a:srgbClr val="F8F8F2"/>
-                </a:solidFill>
-                <a:effectLst/>
-                <a:latin typeface="Consolas" panose="020B0609020204030204" pitchFamily="49" charset="0"/>
-              </a:rPr>
-              <a:t> /&gt;</a:t>
-            </a:r>
-          </a:p>
-        </p:txBody>
-      </p:sp>
-      <p:sp>
-        <p:nvSpPr>
-          <p:cNvPr id="7" name="矩形 6">
-            <a:extLst>
-              <a:ext uri="{FF2B5EF4-FFF2-40B4-BE49-F238E27FC236}">
-                <a16:creationId xmlns:a16="http://schemas.microsoft.com/office/drawing/2014/main" id="{C1EDBC12-6FEB-4915-A634-3B1FDC138B1E}"/>
-              </a:ext>
-            </a:extLst>
-          </p:cNvPr>
-          <p:cNvSpPr/>
-          <p:nvPr/>
-        </p:nvSpPr>
-        <p:spPr>
-          <a:xfrm>
-            <a:off x="2809658" y="5246678"/>
-            <a:ext cx="6350000" cy="730250"/>
-          </a:xfrm>
-          <a:prstGeom prst="rect">
-            <a:avLst/>
-          </a:prstGeom>
-        </p:spPr>
-        <p:style>
-          <a:lnRef idx="2">
-            <a:schemeClr val="dk1">
-              <a:shade val="50000"/>
-            </a:schemeClr>
-          </a:lnRef>
-          <a:fillRef idx="1">
-            <a:schemeClr val="dk1"/>
-          </a:fillRef>
-          <a:effectRef idx="0">
-            <a:schemeClr val="dk1"/>
-          </a:effectRef>
-          <a:fontRef idx="minor">
-            <a:schemeClr val="lt1"/>
-          </a:fontRef>
-        </p:style>
-        <p:txBody>
-          <a:bodyPr rtlCol="0" anchor="ctr"/>
-          <a:lstStyle/>
-          <a:p>
-            <a:pPr algn="ctr"/>
-            <a:endParaRPr lang="zh-TW" altLang="en-US"/>
-          </a:p>
-        </p:txBody>
-      </p:sp>
-      <p:sp>
-        <p:nvSpPr>
-          <p:cNvPr id="8" name="文字方塊 7">
-            <a:extLst>
-              <a:ext uri="{FF2B5EF4-FFF2-40B4-BE49-F238E27FC236}">
-                <a16:creationId xmlns:a16="http://schemas.microsoft.com/office/drawing/2014/main" id="{8F493A46-5FD8-49FA-9F6C-D068EEDB5DA6}"/>
-              </a:ext>
-            </a:extLst>
-          </p:cNvPr>
-          <p:cNvSpPr txBox="1"/>
-          <p:nvPr/>
-        </p:nvSpPr>
-        <p:spPr>
-          <a:xfrm>
-            <a:off x="3053324" y="5427137"/>
-            <a:ext cx="5862668" cy="369332"/>
-          </a:xfrm>
-          <a:prstGeom prst="rect">
-            <a:avLst/>
-          </a:prstGeom>
-          <a:noFill/>
-        </p:spPr>
-        <p:txBody>
-          <a:bodyPr wrap="square">
-            <a:spAutoFit/>
-          </a:bodyPr>
-          <a:lstStyle/>
-          <a:p>
-            <a:r>
-              <a:rPr lang="en-US" altLang="zh-TW" b="0" dirty="0">
-                <a:solidFill>
-                  <a:srgbClr val="F8F8F2"/>
-                </a:solidFill>
-                <a:effectLst/>
-                <a:latin typeface="Consolas" panose="020B0609020204030204" pitchFamily="49" charset="0"/>
-              </a:rPr>
-              <a:t>&lt;</a:t>
-            </a:r>
-            <a:r>
-              <a:rPr lang="en-US" altLang="zh-TW" b="0" i="1" dirty="0" err="1">
-                <a:solidFill>
-                  <a:srgbClr val="66D9EF"/>
-                </a:solidFill>
-                <a:effectLst/>
-                <a:latin typeface="Consolas" panose="020B0609020204030204" pitchFamily="49" charset="0"/>
-              </a:rPr>
-              <a:t>NuxtLink</a:t>
-            </a:r>
-            <a:r>
-              <a:rPr lang="en-US" altLang="zh-TW" b="0" dirty="0">
-                <a:solidFill>
-                  <a:srgbClr val="F8F8F2"/>
-                </a:solidFill>
-                <a:effectLst/>
-                <a:latin typeface="Consolas" panose="020B0609020204030204" pitchFamily="49" charset="0"/>
-              </a:rPr>
-              <a:t> </a:t>
-            </a:r>
-            <a:r>
-              <a:rPr lang="en-US" altLang="zh-TW" b="0" dirty="0">
-                <a:solidFill>
-                  <a:srgbClr val="A6E22E"/>
-                </a:solidFill>
-                <a:effectLst/>
-                <a:latin typeface="Consolas" panose="020B0609020204030204" pitchFamily="49" charset="0"/>
-              </a:rPr>
-              <a:t>to</a:t>
-            </a:r>
-            <a:r>
-              <a:rPr lang="en-US" altLang="zh-TW" b="0" dirty="0">
-                <a:solidFill>
-                  <a:srgbClr val="F8F8F2"/>
-                </a:solidFill>
-                <a:effectLst/>
-                <a:latin typeface="Consolas" panose="020B0609020204030204" pitchFamily="49" charset="0"/>
-              </a:rPr>
-              <a:t>=</a:t>
-            </a:r>
-            <a:r>
-              <a:rPr lang="en-US" altLang="zh-TW" b="0" dirty="0">
-                <a:solidFill>
-                  <a:srgbClr val="FFEE99"/>
-                </a:solidFill>
-                <a:effectLst/>
-                <a:latin typeface="Consolas" panose="020B0609020204030204" pitchFamily="49" charset="0"/>
-              </a:rPr>
-              <a:t>"/about"</a:t>
-            </a:r>
-            <a:r>
-              <a:rPr lang="en-US" altLang="zh-TW" b="0" dirty="0">
-                <a:solidFill>
-                  <a:srgbClr val="F8F8F2"/>
-                </a:solidFill>
-                <a:effectLst/>
-                <a:latin typeface="Consolas" panose="020B0609020204030204" pitchFamily="49" charset="0"/>
-              </a:rPr>
-              <a:t>&gt;about page&lt;/</a:t>
-            </a:r>
-            <a:r>
-              <a:rPr lang="en-US" altLang="zh-TW" b="0" i="1" dirty="0" err="1">
-                <a:solidFill>
-                  <a:srgbClr val="66D9EF"/>
-                </a:solidFill>
-                <a:effectLst/>
-                <a:latin typeface="Consolas" panose="020B0609020204030204" pitchFamily="49" charset="0"/>
-              </a:rPr>
-              <a:t>NuxtLink</a:t>
-            </a:r>
-            <a:r>
-              <a:rPr lang="en-US" altLang="zh-TW" b="0" dirty="0">
-                <a:solidFill>
-                  <a:srgbClr val="F8F8F2"/>
-                </a:solidFill>
-                <a:effectLst/>
-                <a:latin typeface="Consolas" panose="020B0609020204030204" pitchFamily="49" charset="0"/>
-              </a:rPr>
-              <a:t>&gt;</a:t>
-            </a:r>
-          </a:p>
-        </p:txBody>
-      </p:sp>
-      <p:sp>
-        <p:nvSpPr>
-          <p:cNvPr id="9" name="標題 1">
-            <a:extLst>
-              <a:ext uri="{FF2B5EF4-FFF2-40B4-BE49-F238E27FC236}">
-                <a16:creationId xmlns:a16="http://schemas.microsoft.com/office/drawing/2014/main" id="{5D8D5E41-88ED-488C-B92A-7D8C2ED2E238}"/>
-              </a:ext>
-            </a:extLst>
-          </p:cNvPr>
-          <p:cNvSpPr txBox="1">
-            <a:spLocks/>
-          </p:cNvSpPr>
-          <p:nvPr/>
-        </p:nvSpPr>
-        <p:spPr>
-          <a:xfrm>
-            <a:off x="2809658" y="1648422"/>
-            <a:ext cx="5017447" cy="421586"/>
-          </a:xfrm>
-          <a:prstGeom prst="rect">
-            <a:avLst/>
-          </a:prstGeom>
-        </p:spPr>
-        <p:txBody>
-          <a:bodyPr vert="horz" lIns="91440" tIns="45720" rIns="91440" bIns="45720" rtlCol="0" anchor="ctr">
-            <a:normAutofit/>
-          </a:bodyPr>
-          <a:lstStyle>
-            <a:lvl1pPr algn="l" defTabSz="914400" rtl="0" eaLnBrk="1" latinLnBrk="0" hangingPunct="1">
-              <a:lnSpc>
-                <a:spcPct val="90000"/>
-              </a:lnSpc>
-              <a:spcBef>
-                <a:spcPct val="0"/>
-              </a:spcBef>
-              <a:buNone/>
-              <a:defRPr sz="4400" kern="1200">
-                <a:solidFill>
-                  <a:schemeClr val="tx1"/>
-                </a:solidFill>
-                <a:latin typeface="+mj-lt"/>
-                <a:ea typeface="+mj-ea"/>
-                <a:cs typeface="+mj-cs"/>
-              </a:defRPr>
-            </a:lvl1pPr>
-          </a:lstStyle>
-          <a:p>
-            <a:r>
-              <a:rPr lang="en-US" altLang="zh-TW" sz="1800" b="1" dirty="0">
-                <a:solidFill>
-                  <a:schemeClr val="bg1"/>
-                </a:solidFill>
-                <a:latin typeface="微軟正黑體" panose="020B0604030504040204" pitchFamily="34" charset="-120"/>
-                <a:ea typeface="微軟正黑體" panose="020B0604030504040204" pitchFamily="34" charset="-120"/>
-              </a:rPr>
-              <a:t>Router </a:t>
-            </a:r>
-            <a:r>
-              <a:rPr lang="zh-TW" altLang="en-US" sz="1800" b="1" dirty="0">
-                <a:solidFill>
-                  <a:schemeClr val="bg1"/>
-                </a:solidFill>
-                <a:latin typeface="微軟正黑體" panose="020B0604030504040204" pitchFamily="34" charset="-120"/>
-                <a:ea typeface="微軟正黑體" panose="020B0604030504040204" pitchFamily="34" charset="-120"/>
-              </a:rPr>
-              <a:t>更換頁面的進入點</a:t>
-            </a:r>
-          </a:p>
-        </p:txBody>
-      </p:sp>
-      <p:sp>
-        <p:nvSpPr>
-          <p:cNvPr id="10" name="標題 1">
-            <a:extLst>
-              <a:ext uri="{FF2B5EF4-FFF2-40B4-BE49-F238E27FC236}">
-                <a16:creationId xmlns:a16="http://schemas.microsoft.com/office/drawing/2014/main" id="{D9210609-20F6-48EB-97AD-3790FD687410}"/>
-              </a:ext>
-            </a:extLst>
-          </p:cNvPr>
-          <p:cNvSpPr txBox="1">
-            <a:spLocks/>
-          </p:cNvSpPr>
-          <p:nvPr/>
-        </p:nvSpPr>
-        <p:spPr>
-          <a:xfrm>
-            <a:off x="2757596" y="4822129"/>
-            <a:ext cx="5017447" cy="421586"/>
-          </a:xfrm>
-          <a:prstGeom prst="rect">
-            <a:avLst/>
-          </a:prstGeom>
-        </p:spPr>
-        <p:txBody>
-          <a:bodyPr vert="horz" lIns="91440" tIns="45720" rIns="91440" bIns="45720" rtlCol="0" anchor="ctr">
-            <a:normAutofit/>
-          </a:bodyPr>
-          <a:lstStyle>
-            <a:lvl1pPr algn="l" defTabSz="914400" rtl="0" eaLnBrk="1" latinLnBrk="0" hangingPunct="1">
-              <a:lnSpc>
-                <a:spcPct val="90000"/>
-              </a:lnSpc>
-              <a:spcBef>
-                <a:spcPct val="0"/>
-              </a:spcBef>
-              <a:buNone/>
-              <a:defRPr sz="4400" kern="1200">
-                <a:solidFill>
-                  <a:schemeClr val="tx1"/>
-                </a:solidFill>
-                <a:latin typeface="+mj-lt"/>
-                <a:ea typeface="+mj-ea"/>
-                <a:cs typeface="+mj-cs"/>
-              </a:defRPr>
-            </a:lvl1pPr>
-          </a:lstStyle>
-          <a:p>
-            <a:r>
-              <a:rPr lang="en-US" altLang="zh-TW" sz="1800" b="1" dirty="0" err="1">
-                <a:solidFill>
-                  <a:schemeClr val="bg1"/>
-                </a:solidFill>
-                <a:latin typeface="微軟正黑體" panose="020B0604030504040204" pitchFamily="34" charset="-120"/>
-                <a:ea typeface="微軟正黑體" panose="020B0604030504040204" pitchFamily="34" charset="-120"/>
-              </a:rPr>
-              <a:t>Nuxt</a:t>
-            </a:r>
-            <a:r>
-              <a:rPr lang="zh-TW" altLang="en-US" sz="1800" b="1" dirty="0">
-                <a:solidFill>
-                  <a:schemeClr val="bg1"/>
-                </a:solidFill>
-                <a:latin typeface="微軟正黑體" panose="020B0604030504040204" pitchFamily="34" charset="-120"/>
-                <a:ea typeface="微軟正黑體" panose="020B0604030504040204" pitchFamily="34" charset="-120"/>
-              </a:rPr>
-              <a:t> 切換頁面的超連結元件</a:t>
-            </a:r>
-          </a:p>
-        </p:txBody>
-      </p:sp>
-      <p:sp>
-        <p:nvSpPr>
-          <p:cNvPr id="12" name="文字方塊 11">
-            <a:extLst>
-              <a:ext uri="{FF2B5EF4-FFF2-40B4-BE49-F238E27FC236}">
-                <a16:creationId xmlns:a16="http://schemas.microsoft.com/office/drawing/2014/main" id="{20A45A65-5828-4A6B-86DC-289A984A24C4}"/>
-              </a:ext>
-            </a:extLst>
-          </p:cNvPr>
-          <p:cNvSpPr txBox="1"/>
-          <p:nvPr/>
-        </p:nvSpPr>
-        <p:spPr>
-          <a:xfrm>
-            <a:off x="2979865" y="3863166"/>
-            <a:ext cx="6096000" cy="369332"/>
-          </a:xfrm>
-          <a:prstGeom prst="rect">
-            <a:avLst/>
-          </a:prstGeom>
-          <a:noFill/>
-        </p:spPr>
-        <p:txBody>
-          <a:bodyPr wrap="square">
-            <a:spAutoFit/>
-          </a:bodyPr>
-          <a:lstStyle/>
-          <a:p>
-            <a:r>
-              <a:rPr lang="en-US" altLang="zh-TW" b="0" dirty="0">
-                <a:solidFill>
-                  <a:srgbClr val="F8F8F2"/>
-                </a:solidFill>
-                <a:effectLst/>
-                <a:latin typeface="Consolas" panose="020B0609020204030204" pitchFamily="49" charset="0"/>
-              </a:rPr>
-              <a:t>&lt;</a:t>
-            </a:r>
-            <a:r>
-              <a:rPr lang="en-US" altLang="zh-TW" b="0" i="1" dirty="0" err="1">
-                <a:solidFill>
-                  <a:srgbClr val="66D9EF"/>
-                </a:solidFill>
-                <a:effectLst/>
-                <a:latin typeface="Consolas" panose="020B0609020204030204" pitchFamily="49" charset="0"/>
-              </a:rPr>
-              <a:t>NuxtChild</a:t>
-            </a:r>
-            <a:r>
-              <a:rPr lang="en-US" altLang="zh-TW" b="0" dirty="0">
-                <a:solidFill>
-                  <a:srgbClr val="F8F8F2"/>
-                </a:solidFill>
-                <a:effectLst/>
-                <a:latin typeface="Consolas" panose="020B0609020204030204" pitchFamily="49" charset="0"/>
-              </a:rPr>
-              <a:t> /&gt;</a:t>
-            </a:r>
-          </a:p>
-        </p:txBody>
-      </p:sp>
-      <p:sp>
-        <p:nvSpPr>
-          <p:cNvPr id="14" name="標題 1">
-            <a:extLst>
-              <a:ext uri="{FF2B5EF4-FFF2-40B4-BE49-F238E27FC236}">
-                <a16:creationId xmlns:a16="http://schemas.microsoft.com/office/drawing/2014/main" id="{69D0AFD0-E266-4F40-A4A0-664AEAB1CAE7}"/>
-              </a:ext>
-            </a:extLst>
-          </p:cNvPr>
-          <p:cNvSpPr txBox="1">
-            <a:spLocks/>
-          </p:cNvSpPr>
-          <p:nvPr/>
-        </p:nvSpPr>
-        <p:spPr>
-          <a:xfrm>
-            <a:off x="2757596" y="3261121"/>
-            <a:ext cx="5017447" cy="421586"/>
-          </a:xfrm>
-          <a:prstGeom prst="rect">
-            <a:avLst/>
-          </a:prstGeom>
-        </p:spPr>
-        <p:txBody>
-          <a:bodyPr vert="horz" lIns="91440" tIns="45720" rIns="91440" bIns="45720" rtlCol="0" anchor="ctr">
-            <a:normAutofit/>
-          </a:bodyPr>
-          <a:lstStyle>
-            <a:lvl1pPr algn="l" defTabSz="914400" rtl="0" eaLnBrk="1" latinLnBrk="0" hangingPunct="1">
-              <a:lnSpc>
-                <a:spcPct val="90000"/>
-              </a:lnSpc>
-              <a:spcBef>
-                <a:spcPct val="0"/>
-              </a:spcBef>
-              <a:buNone/>
-              <a:defRPr sz="4400" kern="1200">
-                <a:solidFill>
-                  <a:schemeClr val="tx1"/>
-                </a:solidFill>
-                <a:latin typeface="+mj-lt"/>
-                <a:ea typeface="+mj-ea"/>
-                <a:cs typeface="+mj-cs"/>
-              </a:defRPr>
-            </a:lvl1pPr>
-          </a:lstStyle>
-          <a:p>
-            <a:r>
-              <a:rPr lang="zh-TW" altLang="en-US" sz="1800" b="1" dirty="0">
-                <a:solidFill>
-                  <a:schemeClr val="bg1"/>
-                </a:solidFill>
-                <a:latin typeface="微軟正黑體" panose="020B0604030504040204" pitchFamily="34" charset="-120"/>
-                <a:ea typeface="微軟正黑體" panose="020B0604030504040204" pitchFamily="34" charset="-120"/>
-              </a:rPr>
-              <a:t>嵌套 </a:t>
-            </a:r>
-            <a:r>
-              <a:rPr lang="en-US" altLang="zh-TW" sz="1800" b="1" dirty="0">
-                <a:solidFill>
-                  <a:schemeClr val="bg1"/>
-                </a:solidFill>
-                <a:latin typeface="微軟正黑體" panose="020B0604030504040204" pitchFamily="34" charset="-120"/>
-                <a:ea typeface="微軟正黑體" panose="020B0604030504040204" pitchFamily="34" charset="-120"/>
-              </a:rPr>
-              <a:t>router</a:t>
-            </a:r>
-            <a:r>
-              <a:rPr lang="zh-TW" altLang="en-US" sz="1800" b="1" dirty="0">
-                <a:solidFill>
-                  <a:schemeClr val="bg1"/>
-                </a:solidFill>
-                <a:latin typeface="微軟正黑體" panose="020B0604030504040204" pitchFamily="34" charset="-120"/>
-                <a:ea typeface="微軟正黑體" panose="020B0604030504040204" pitchFamily="34" charset="-120"/>
-              </a:rPr>
-              <a:t> 所更換頁面的進入點</a:t>
-            </a:r>
-          </a:p>
-        </p:txBody>
-      </p:sp>
-    </p:spTree>
-    <p:extLst>
-      <p:ext uri="{BB962C8B-B14F-4D97-AF65-F5344CB8AC3E}">
-        <p14:creationId xmlns:p14="http://schemas.microsoft.com/office/powerpoint/2010/main" val="1775119758"/>
-      </p:ext>
-    </p:extLst>
-  </p:cSld>
-  <p:clrMapOvr>
-    <a:masterClrMapping/>
-  </p:clrMapOvr>
-</p:sld>
-</file>
-
-<file path=ppt/slides/slide9.xml><?xml version="1.0" encoding="utf-8"?>
 <p:sld xmlns:a="http://schemas.openxmlformats.org/drawingml/2006/main" xmlns:r="http://schemas.openxmlformats.org/officeDocument/2006/relationships" xmlns:p="http://schemas.openxmlformats.org/presentationml/2006/main">
   <p:cSld>
     <p:spTree>
@@ -7148,6 +4556,2860 @@
     <p:extLst>
       <p:ext uri="{BB962C8B-B14F-4D97-AF65-F5344CB8AC3E}">
         <p14:creationId xmlns:p14="http://schemas.microsoft.com/office/powerpoint/2010/main" val="444267755"/>
+      </p:ext>
+    </p:extLst>
+  </p:cSld>
+  <p:clrMapOvr>
+    <a:masterClrMapping/>
+  </p:clrMapOvr>
+</p:sld>
+</file>
+
+<file path=ppt/slides/slide12.xml><?xml version="1.0" encoding="utf-8"?>
+<p:sld xmlns:a="http://schemas.openxmlformats.org/drawingml/2006/main" xmlns:r="http://schemas.openxmlformats.org/officeDocument/2006/relationships" xmlns:p="http://schemas.openxmlformats.org/presentationml/2006/main">
+  <p:cSld>
+    <p:spTree>
+      <p:nvGrpSpPr>
+        <p:cNvPr id="1" name=""/>
+        <p:cNvGrpSpPr/>
+        <p:nvPr/>
+      </p:nvGrpSpPr>
+      <p:grpSpPr>
+        <a:xfrm>
+          <a:off x="0" y="0"/>
+          <a:ext cx="0" cy="0"/>
+          <a:chOff x="0" y="0"/>
+          <a:chExt cx="0" cy="0"/>
+        </a:xfrm>
+      </p:grpSpPr>
+      <p:sp>
+        <p:nvSpPr>
+          <p:cNvPr id="8" name="文字方塊 7">
+            <a:extLst>
+              <a:ext uri="{FF2B5EF4-FFF2-40B4-BE49-F238E27FC236}">
+                <a16:creationId xmlns:a16="http://schemas.microsoft.com/office/drawing/2014/main" id="{0CA298E3-E100-412A-A4D8-5D13C7B349EF}"/>
+              </a:ext>
+            </a:extLst>
+          </p:cNvPr>
+          <p:cNvSpPr txBox="1"/>
+          <p:nvPr/>
+        </p:nvSpPr>
+        <p:spPr>
+          <a:xfrm>
+            <a:off x="1600200" y="2716768"/>
+            <a:ext cx="6096000" cy="769441"/>
+          </a:xfrm>
+          <a:prstGeom prst="rect">
+            <a:avLst/>
+          </a:prstGeom>
+          <a:noFill/>
+        </p:spPr>
+        <p:txBody>
+          <a:bodyPr wrap="square">
+            <a:spAutoFit/>
+          </a:bodyPr>
+          <a:lstStyle/>
+          <a:p>
+            <a:r>
+              <a:rPr lang="en-US" altLang="zh-TW" sz="4400" b="1" i="0" dirty="0" err="1">
+                <a:solidFill>
+                  <a:schemeClr val="bg1">
+                    <a:lumMod val="95000"/>
+                  </a:schemeClr>
+                </a:solidFill>
+                <a:effectLst/>
+                <a:latin typeface="DM Sans"/>
+                <a:hlinkClick r:id="rId2">
+                  <a:extLst>
+                    <a:ext uri="{A12FA001-AC4F-418D-AE19-62706E023703}">
+                      <ahyp:hlinkClr xmlns:ahyp="http://schemas.microsoft.com/office/drawing/2018/hyperlinkcolor" val="tx"/>
+                    </a:ext>
+                  </a:extLst>
+                </a:hlinkClick>
+              </a:rPr>
+              <a:t>Nuxt</a:t>
+            </a:r>
+            <a:r>
+              <a:rPr lang="en-US" altLang="zh-TW" sz="4400" b="1" i="0" dirty="0">
+                <a:solidFill>
+                  <a:schemeClr val="bg1">
+                    <a:lumMod val="95000"/>
+                  </a:schemeClr>
+                </a:solidFill>
+                <a:effectLst/>
+                <a:latin typeface="DM Sans"/>
+                <a:hlinkClick r:id="rId2">
+                  <a:extLst>
+                    <a:ext uri="{A12FA001-AC4F-418D-AE19-62706E023703}">
+                      <ahyp:hlinkClr xmlns:ahyp="http://schemas.microsoft.com/office/drawing/2018/hyperlinkcolor" val="tx"/>
+                    </a:ext>
+                  </a:extLst>
+                </a:hlinkClick>
+              </a:rPr>
+              <a:t> Composition API</a:t>
+            </a:r>
+            <a:endParaRPr lang="zh-TW" altLang="en-US" sz="4400" dirty="0">
+              <a:solidFill>
+                <a:schemeClr val="bg1">
+                  <a:lumMod val="95000"/>
+                </a:schemeClr>
+              </a:solidFill>
+            </a:endParaRPr>
+          </a:p>
+        </p:txBody>
+      </p:sp>
+      <p:sp>
+        <p:nvSpPr>
+          <p:cNvPr id="10" name="文字方塊 9">
+            <a:extLst>
+              <a:ext uri="{FF2B5EF4-FFF2-40B4-BE49-F238E27FC236}">
+                <a16:creationId xmlns:a16="http://schemas.microsoft.com/office/drawing/2014/main" id="{B2D0251C-3868-4768-9599-DD255B834FA7}"/>
+              </a:ext>
+            </a:extLst>
+          </p:cNvPr>
+          <p:cNvSpPr txBox="1"/>
+          <p:nvPr/>
+        </p:nvSpPr>
+        <p:spPr>
+          <a:xfrm>
+            <a:off x="1600200" y="3486209"/>
+            <a:ext cx="6096000" cy="369332"/>
+          </a:xfrm>
+          <a:prstGeom prst="rect">
+            <a:avLst/>
+          </a:prstGeom>
+          <a:noFill/>
+        </p:spPr>
+        <p:txBody>
+          <a:bodyPr wrap="square">
+            <a:spAutoFit/>
+          </a:bodyPr>
+          <a:lstStyle/>
+          <a:p>
+            <a:r>
+              <a:rPr lang="zh-TW" altLang="en-US" dirty="0">
+                <a:solidFill>
+                  <a:schemeClr val="bg1">
+                    <a:lumMod val="95000"/>
+                  </a:schemeClr>
+                </a:solidFill>
+              </a:rPr>
+              <a:t>https://composition-api.nuxtjs.org/</a:t>
+            </a:r>
+          </a:p>
+        </p:txBody>
+      </p:sp>
+    </p:spTree>
+    <p:extLst>
+      <p:ext uri="{BB962C8B-B14F-4D97-AF65-F5344CB8AC3E}">
+        <p14:creationId xmlns:p14="http://schemas.microsoft.com/office/powerpoint/2010/main" val="3068650212"/>
+      </p:ext>
+    </p:extLst>
+  </p:cSld>
+  <p:clrMapOvr>
+    <a:masterClrMapping/>
+  </p:clrMapOvr>
+</p:sld>
+</file>
+
+<file path=ppt/slides/slide13.xml><?xml version="1.0" encoding="utf-8"?>
+<p:sld xmlns:a="http://schemas.openxmlformats.org/drawingml/2006/main" xmlns:r="http://schemas.openxmlformats.org/officeDocument/2006/relationships" xmlns:p="http://schemas.openxmlformats.org/presentationml/2006/main">
+  <p:cSld>
+    <p:spTree>
+      <p:nvGrpSpPr>
+        <p:cNvPr id="1" name=""/>
+        <p:cNvGrpSpPr/>
+        <p:nvPr/>
+      </p:nvGrpSpPr>
+      <p:grpSpPr>
+        <a:xfrm>
+          <a:off x="0" y="0"/>
+          <a:ext cx="0" cy="0"/>
+          <a:chOff x="0" y="0"/>
+          <a:chExt cx="0" cy="0"/>
+        </a:xfrm>
+      </p:grpSpPr>
+      <p:sp>
+        <p:nvSpPr>
+          <p:cNvPr id="2" name="標題 1">
+            <a:extLst>
+              <a:ext uri="{FF2B5EF4-FFF2-40B4-BE49-F238E27FC236}">
+                <a16:creationId xmlns:a16="http://schemas.microsoft.com/office/drawing/2014/main" id="{7B03FB67-E384-4A92-8AA5-993C73C6A628}"/>
+              </a:ext>
+            </a:extLst>
+          </p:cNvPr>
+          <p:cNvSpPr>
+            <a:spLocks noGrp="1"/>
+          </p:cNvSpPr>
+          <p:nvPr>
+            <p:ph type="title"/>
+          </p:nvPr>
+        </p:nvSpPr>
+        <p:spPr>
+          <a:xfrm>
+            <a:off x="545942" y="632062"/>
+            <a:ext cx="2427514" cy="549275"/>
+          </a:xfrm>
+        </p:spPr>
+        <p:txBody>
+          <a:bodyPr>
+            <a:normAutofit/>
+          </a:bodyPr>
+          <a:lstStyle/>
+          <a:p>
+            <a:r>
+              <a:rPr lang="zh-TW" altLang="en-US" sz="2400" dirty="0">
+                <a:solidFill>
+                  <a:schemeClr val="bg1"/>
+                </a:solidFill>
+                <a:latin typeface="微軟正黑體" panose="020B0604030504040204" pitchFamily="34" charset="-120"/>
+                <a:ea typeface="微軟正黑體" panose="020B0604030504040204" pitchFamily="34" charset="-120"/>
+              </a:rPr>
+              <a:t>課程用</a:t>
+            </a:r>
+            <a:r>
+              <a:rPr lang="en-US" altLang="zh-TW" sz="2400" dirty="0">
+                <a:solidFill>
+                  <a:schemeClr val="bg1"/>
+                </a:solidFill>
+                <a:latin typeface="微軟正黑體" panose="020B0604030504040204" pitchFamily="34" charset="-120"/>
+                <a:ea typeface="微軟正黑體" panose="020B0604030504040204" pitchFamily="34" charset="-120"/>
+              </a:rPr>
+              <a:t>API</a:t>
+            </a:r>
+            <a:endParaRPr lang="zh-TW" altLang="en-US" sz="2400" dirty="0">
+              <a:solidFill>
+                <a:schemeClr val="bg1"/>
+              </a:solidFill>
+              <a:latin typeface="微軟正黑體" panose="020B0604030504040204" pitchFamily="34" charset="-120"/>
+              <a:ea typeface="微軟正黑體" panose="020B0604030504040204" pitchFamily="34" charset="-120"/>
+            </a:endParaRPr>
+          </a:p>
+        </p:txBody>
+      </p:sp>
+      <p:sp>
+        <p:nvSpPr>
+          <p:cNvPr id="3" name="內容版面配置區 2">
+            <a:extLst>
+              <a:ext uri="{FF2B5EF4-FFF2-40B4-BE49-F238E27FC236}">
+                <a16:creationId xmlns:a16="http://schemas.microsoft.com/office/drawing/2014/main" id="{6FB7EBD3-4176-4EA9-948B-21B59AB3C36F}"/>
+              </a:ext>
+            </a:extLst>
+          </p:cNvPr>
+          <p:cNvSpPr>
+            <a:spLocks noGrp="1"/>
+          </p:cNvSpPr>
+          <p:nvPr>
+            <p:ph idx="1"/>
+          </p:nvPr>
+        </p:nvSpPr>
+        <p:spPr>
+          <a:xfrm>
+            <a:off x="545941" y="1342868"/>
+            <a:ext cx="11100117" cy="957332"/>
+          </a:xfrm>
+        </p:spPr>
+        <p:txBody>
+          <a:bodyPr>
+            <a:noAutofit/>
+          </a:bodyPr>
+          <a:lstStyle/>
+          <a:p>
+            <a:pPr>
+              <a:lnSpc>
+                <a:spcPct val="150000"/>
+              </a:lnSpc>
+            </a:pPr>
+            <a:r>
+              <a:rPr lang="en-US" altLang="zh-TW" sz="2000" b="0" dirty="0">
+                <a:solidFill>
+                  <a:schemeClr val="bg1"/>
+                </a:solidFill>
+                <a:effectLst/>
+                <a:latin typeface="微軟正黑體" panose="020B0604030504040204" pitchFamily="34" charset="-120"/>
+                <a:ea typeface="微軟正黑體" panose="020B0604030504040204" pitchFamily="34" charset="-120"/>
+              </a:rPr>
+              <a:t>https://vue-lessons-api.herokuapp.com/photo/list</a:t>
+            </a:r>
+            <a:r>
+              <a:rPr lang="zh-TW" altLang="en-US" sz="2000" b="1" dirty="0">
+                <a:solidFill>
+                  <a:schemeClr val="bg1"/>
+                </a:solidFill>
+                <a:effectLst/>
+                <a:latin typeface="微軟正黑體" panose="020B0604030504040204" pitchFamily="34" charset="-120"/>
+                <a:ea typeface="微軟正黑體" panose="020B0604030504040204" pitchFamily="34" charset="-120"/>
+              </a:rPr>
+              <a:t>  </a:t>
+            </a:r>
+            <a:r>
+              <a:rPr lang="en-US" altLang="zh-TW" sz="2000" b="1" dirty="0">
+                <a:solidFill>
+                  <a:schemeClr val="bg1"/>
+                </a:solidFill>
+                <a:effectLst/>
+                <a:latin typeface="微軟正黑體" panose="020B0604030504040204" pitchFamily="34" charset="-120"/>
+                <a:ea typeface="微軟正黑體" panose="020B0604030504040204" pitchFamily="34" charset="-120"/>
+              </a:rPr>
+              <a:t>(</a:t>
+            </a:r>
+            <a:r>
+              <a:rPr lang="zh-TW" altLang="en-US" sz="2000" b="1" dirty="0">
+                <a:solidFill>
+                  <a:schemeClr val="bg1"/>
+                </a:solidFill>
+                <a:effectLst/>
+                <a:latin typeface="微軟正黑體" panose="020B0604030504040204" pitchFamily="34" charset="-120"/>
+                <a:ea typeface="微軟正黑體" panose="020B0604030504040204" pitchFamily="34" charset="-120"/>
+              </a:rPr>
+              <a:t>圖片列表</a:t>
+            </a:r>
+            <a:r>
+              <a:rPr lang="en-US" altLang="zh-TW" sz="2000" b="1" dirty="0">
+                <a:solidFill>
+                  <a:schemeClr val="bg1"/>
+                </a:solidFill>
+                <a:effectLst/>
+                <a:latin typeface="微軟正黑體" panose="020B0604030504040204" pitchFamily="34" charset="-120"/>
+                <a:ea typeface="微軟正黑體" panose="020B0604030504040204" pitchFamily="34" charset="-120"/>
+              </a:rPr>
+              <a:t>)</a:t>
+            </a:r>
+            <a:endParaRPr lang="en-US" altLang="zh-TW" sz="2000" b="0" dirty="0">
+              <a:solidFill>
+                <a:schemeClr val="bg1"/>
+              </a:solidFill>
+              <a:effectLst/>
+              <a:latin typeface="微軟正黑體" panose="020B0604030504040204" pitchFamily="34" charset="-120"/>
+              <a:ea typeface="微軟正黑體" panose="020B0604030504040204" pitchFamily="34" charset="-120"/>
+            </a:endParaRPr>
+          </a:p>
+        </p:txBody>
+      </p:sp>
+    </p:spTree>
+    <p:extLst>
+      <p:ext uri="{BB962C8B-B14F-4D97-AF65-F5344CB8AC3E}">
+        <p14:creationId xmlns:p14="http://schemas.microsoft.com/office/powerpoint/2010/main" val="2325461017"/>
+      </p:ext>
+    </p:extLst>
+  </p:cSld>
+  <p:clrMapOvr>
+    <a:masterClrMapping/>
+  </p:clrMapOvr>
+</p:sld>
+</file>
+
+<file path=ppt/slides/slide2.xml><?xml version="1.0" encoding="utf-8"?>
+<p:sld xmlns:a="http://schemas.openxmlformats.org/drawingml/2006/main" xmlns:r="http://schemas.openxmlformats.org/officeDocument/2006/relationships" xmlns:p="http://schemas.openxmlformats.org/presentationml/2006/main">
+  <p:cSld>
+    <p:spTree>
+      <p:nvGrpSpPr>
+        <p:cNvPr id="1" name=""/>
+        <p:cNvGrpSpPr/>
+        <p:nvPr/>
+      </p:nvGrpSpPr>
+      <p:grpSpPr>
+        <a:xfrm>
+          <a:off x="0" y="0"/>
+          <a:ext cx="0" cy="0"/>
+          <a:chOff x="0" y="0"/>
+          <a:chExt cx="0" cy="0"/>
+        </a:xfrm>
+      </p:grpSpPr>
+      <p:grpSp>
+        <p:nvGrpSpPr>
+          <p:cNvPr id="8" name="群組 7">
+            <a:extLst>
+              <a:ext uri="{FF2B5EF4-FFF2-40B4-BE49-F238E27FC236}">
+                <a16:creationId xmlns:a16="http://schemas.microsoft.com/office/drawing/2014/main" id="{D29C0126-BCD8-491E-8F28-C8C26014FE20}"/>
+              </a:ext>
+            </a:extLst>
+          </p:cNvPr>
+          <p:cNvGrpSpPr/>
+          <p:nvPr/>
+        </p:nvGrpSpPr>
+        <p:grpSpPr>
+          <a:xfrm>
+            <a:off x="1251263" y="1929591"/>
+            <a:ext cx="4418969" cy="1104534"/>
+            <a:chOff x="1733549" y="1790758"/>
+            <a:chExt cx="4418969" cy="1104534"/>
+          </a:xfrm>
+        </p:grpSpPr>
+        <p:sp>
+          <p:nvSpPr>
+            <p:cNvPr id="9" name="文字方塊 8">
+              <a:extLst>
+                <a:ext uri="{FF2B5EF4-FFF2-40B4-BE49-F238E27FC236}">
+                  <a16:creationId xmlns:a16="http://schemas.microsoft.com/office/drawing/2014/main" id="{FCFBF2C2-1AD2-43CD-B6B4-869C98AC2976}"/>
+                </a:ext>
+              </a:extLst>
+            </p:cNvPr>
+            <p:cNvSpPr txBox="1"/>
+            <p:nvPr/>
+          </p:nvSpPr>
+          <p:spPr>
+            <a:xfrm>
+              <a:off x="1733549" y="1790758"/>
+              <a:ext cx="4418969" cy="830997"/>
+            </a:xfrm>
+            <a:prstGeom prst="rect">
+              <a:avLst/>
+            </a:prstGeom>
+            <a:noFill/>
+          </p:spPr>
+          <p:txBody>
+            <a:bodyPr wrap="square">
+              <a:spAutoFit/>
+            </a:bodyPr>
+            <a:lstStyle/>
+            <a:p>
+              <a:pPr algn="ctr"/>
+              <a:r>
+                <a:rPr lang="zh-TW" altLang="en-US" sz="4800" b="1" i="0" dirty="0">
+                  <a:solidFill>
+                    <a:schemeClr val="bg1"/>
+                  </a:solidFill>
+                  <a:effectLst/>
+                  <a:latin typeface="微軟正黑體" panose="020B0604030504040204" pitchFamily="34" charset="-120"/>
+                  <a:ea typeface="微軟正黑體" panose="020B0604030504040204" pitchFamily="34" charset="-120"/>
+                </a:rPr>
+                <a:t>什麼是</a:t>
+              </a:r>
+              <a:r>
+                <a:rPr lang="en-US" altLang="zh-TW" sz="4800" b="1" i="0" dirty="0">
+                  <a:solidFill>
+                    <a:schemeClr val="bg1"/>
+                  </a:solidFill>
+                  <a:effectLst/>
+                  <a:latin typeface="微軟正黑體" panose="020B0604030504040204" pitchFamily="34" charset="-120"/>
+                  <a:ea typeface="微軟正黑體" panose="020B0604030504040204" pitchFamily="34" charset="-120"/>
+                </a:rPr>
+                <a:t>SPA?</a:t>
+              </a:r>
+              <a:endParaRPr lang="zh-TW" altLang="en-US" sz="4800" b="1" dirty="0">
+                <a:solidFill>
+                  <a:schemeClr val="bg1"/>
+                </a:solidFill>
+                <a:latin typeface="微軟正黑體" panose="020B0604030504040204" pitchFamily="34" charset="-120"/>
+                <a:ea typeface="微軟正黑體" panose="020B0604030504040204" pitchFamily="34" charset="-120"/>
+              </a:endParaRPr>
+            </a:p>
+          </p:txBody>
+        </p:sp>
+        <p:sp>
+          <p:nvSpPr>
+            <p:cNvPr id="11" name="文字方塊 10">
+              <a:extLst>
+                <a:ext uri="{FF2B5EF4-FFF2-40B4-BE49-F238E27FC236}">
+                  <a16:creationId xmlns:a16="http://schemas.microsoft.com/office/drawing/2014/main" id="{FDA8030D-BC83-402F-94A9-D3199D6E674A}"/>
+                </a:ext>
+              </a:extLst>
+            </p:cNvPr>
+            <p:cNvSpPr txBox="1"/>
+            <p:nvPr/>
+          </p:nvSpPr>
+          <p:spPr>
+            <a:xfrm>
+              <a:off x="1923733" y="2525960"/>
+              <a:ext cx="4038600" cy="369332"/>
+            </a:xfrm>
+            <a:prstGeom prst="rect">
+              <a:avLst/>
+            </a:prstGeom>
+            <a:noFill/>
+          </p:spPr>
+          <p:txBody>
+            <a:bodyPr wrap="square">
+              <a:spAutoFit/>
+            </a:bodyPr>
+            <a:lstStyle/>
+            <a:p>
+              <a:pPr algn="ctr"/>
+              <a:r>
+                <a:rPr lang="en-US" altLang="zh-TW" dirty="0">
+                  <a:solidFill>
+                    <a:schemeClr val="bg1"/>
+                  </a:solidFill>
+                </a:rPr>
+                <a:t>SPA demo : </a:t>
+              </a:r>
+              <a:r>
+                <a:rPr lang="zh-TW" altLang="en-US" dirty="0">
+                  <a:solidFill>
+                    <a:schemeClr val="bg1"/>
+                  </a:solidFill>
+                </a:rPr>
+                <a:t>http://www.yixinju.url.tw/</a:t>
+              </a:r>
+            </a:p>
+          </p:txBody>
+        </p:sp>
+      </p:grpSp>
+      <p:grpSp>
+        <p:nvGrpSpPr>
+          <p:cNvPr id="21" name="群組 20">
+            <a:extLst>
+              <a:ext uri="{FF2B5EF4-FFF2-40B4-BE49-F238E27FC236}">
+                <a16:creationId xmlns:a16="http://schemas.microsoft.com/office/drawing/2014/main" id="{22565558-DC8B-4626-BFCA-B220C559C57E}"/>
+              </a:ext>
+            </a:extLst>
+          </p:cNvPr>
+          <p:cNvGrpSpPr/>
+          <p:nvPr/>
+        </p:nvGrpSpPr>
+        <p:grpSpPr>
+          <a:xfrm>
+            <a:off x="1050609" y="3823875"/>
+            <a:ext cx="4820281" cy="1174105"/>
+            <a:chOff x="1469709" y="4096925"/>
+            <a:chExt cx="4820281" cy="1174105"/>
+          </a:xfrm>
+        </p:grpSpPr>
+        <p:sp>
+          <p:nvSpPr>
+            <p:cNvPr id="16" name="文字方塊 15">
+              <a:extLst>
+                <a:ext uri="{FF2B5EF4-FFF2-40B4-BE49-F238E27FC236}">
+                  <a16:creationId xmlns:a16="http://schemas.microsoft.com/office/drawing/2014/main" id="{289B51A2-136A-43BA-A27D-76E6D47885DE}"/>
+                </a:ext>
+              </a:extLst>
+            </p:cNvPr>
+            <p:cNvSpPr txBox="1"/>
+            <p:nvPr/>
+          </p:nvSpPr>
+          <p:spPr>
+            <a:xfrm>
+              <a:off x="1469709" y="4901698"/>
+              <a:ext cx="4820281" cy="369332"/>
+            </a:xfrm>
+            <a:prstGeom prst="rect">
+              <a:avLst/>
+            </a:prstGeom>
+            <a:noFill/>
+          </p:spPr>
+          <p:txBody>
+            <a:bodyPr wrap="square">
+              <a:spAutoFit/>
+            </a:bodyPr>
+            <a:lstStyle/>
+            <a:p>
+              <a:pPr algn="ctr"/>
+              <a:r>
+                <a:rPr lang="en-US" altLang="zh-TW" dirty="0">
+                  <a:solidFill>
+                    <a:schemeClr val="bg1"/>
+                  </a:solidFill>
+                </a:rPr>
+                <a:t>SSR demo : https://v3.vuejs.org/</a:t>
+              </a:r>
+              <a:endParaRPr lang="zh-TW" altLang="en-US" dirty="0">
+                <a:solidFill>
+                  <a:schemeClr val="bg1"/>
+                </a:solidFill>
+              </a:endParaRPr>
+            </a:p>
+          </p:txBody>
+        </p:sp>
+        <p:sp>
+          <p:nvSpPr>
+            <p:cNvPr id="20" name="文字方塊 19">
+              <a:extLst>
+                <a:ext uri="{FF2B5EF4-FFF2-40B4-BE49-F238E27FC236}">
+                  <a16:creationId xmlns:a16="http://schemas.microsoft.com/office/drawing/2014/main" id="{4D37A43B-3602-4C34-9992-26A4C548D145}"/>
+                </a:ext>
+              </a:extLst>
+            </p:cNvPr>
+            <p:cNvSpPr txBox="1"/>
+            <p:nvPr/>
+          </p:nvSpPr>
+          <p:spPr>
+            <a:xfrm>
+              <a:off x="1527489" y="4096925"/>
+              <a:ext cx="4704719" cy="830997"/>
+            </a:xfrm>
+            <a:prstGeom prst="rect">
+              <a:avLst/>
+            </a:prstGeom>
+            <a:noFill/>
+          </p:spPr>
+          <p:txBody>
+            <a:bodyPr wrap="square">
+              <a:spAutoFit/>
+            </a:bodyPr>
+            <a:lstStyle/>
+            <a:p>
+              <a:pPr algn="ctr"/>
+              <a:r>
+                <a:rPr lang="zh-TW" altLang="en-US" sz="4800" b="1" i="0" dirty="0">
+                  <a:solidFill>
+                    <a:schemeClr val="bg1"/>
+                  </a:solidFill>
+                  <a:effectLst/>
+                  <a:latin typeface="微軟正黑體" panose="020B0604030504040204" pitchFamily="34" charset="-120"/>
+                  <a:ea typeface="微軟正黑體" panose="020B0604030504040204" pitchFamily="34" charset="-120"/>
+                </a:rPr>
+                <a:t>什麼是</a:t>
+              </a:r>
+              <a:r>
+                <a:rPr lang="en-US" altLang="zh-TW" sz="4800" b="1" i="0" dirty="0">
+                  <a:solidFill>
+                    <a:schemeClr val="bg1"/>
+                  </a:solidFill>
+                  <a:effectLst/>
+                  <a:latin typeface="微軟正黑體" panose="020B0604030504040204" pitchFamily="34" charset="-120"/>
+                  <a:ea typeface="微軟正黑體" panose="020B0604030504040204" pitchFamily="34" charset="-120"/>
+                </a:rPr>
+                <a:t>SSR?</a:t>
+              </a:r>
+              <a:endParaRPr lang="zh-TW" altLang="en-US" sz="4800" b="1" dirty="0">
+                <a:solidFill>
+                  <a:schemeClr val="bg1"/>
+                </a:solidFill>
+                <a:latin typeface="微軟正黑體" panose="020B0604030504040204" pitchFamily="34" charset="-120"/>
+                <a:ea typeface="微軟正黑體" panose="020B0604030504040204" pitchFamily="34" charset="-120"/>
+              </a:endParaRPr>
+            </a:p>
+          </p:txBody>
+        </p:sp>
+      </p:grpSp>
+    </p:spTree>
+    <p:extLst>
+      <p:ext uri="{BB962C8B-B14F-4D97-AF65-F5344CB8AC3E}">
+        <p14:creationId xmlns:p14="http://schemas.microsoft.com/office/powerpoint/2010/main" val="343185435"/>
+      </p:ext>
+    </p:extLst>
+  </p:cSld>
+  <p:clrMapOvr>
+    <a:masterClrMapping/>
+  </p:clrMapOvr>
+</p:sld>
+</file>
+
+<file path=ppt/slides/slide3.xml><?xml version="1.0" encoding="utf-8"?>
+<p:sld xmlns:a="http://schemas.openxmlformats.org/drawingml/2006/main" xmlns:r="http://schemas.openxmlformats.org/officeDocument/2006/relationships" xmlns:p="http://schemas.openxmlformats.org/presentationml/2006/main">
+  <p:cSld>
+    <p:spTree>
+      <p:nvGrpSpPr>
+        <p:cNvPr id="1" name=""/>
+        <p:cNvGrpSpPr/>
+        <p:nvPr/>
+      </p:nvGrpSpPr>
+      <p:grpSpPr>
+        <a:xfrm>
+          <a:off x="0" y="0"/>
+          <a:ext cx="0" cy="0"/>
+          <a:chOff x="0" y="0"/>
+          <a:chExt cx="0" cy="0"/>
+        </a:xfrm>
+      </p:grpSpPr>
+      <p:sp>
+        <p:nvSpPr>
+          <p:cNvPr id="9" name="文字方塊 8">
+            <a:extLst>
+              <a:ext uri="{FF2B5EF4-FFF2-40B4-BE49-F238E27FC236}">
+                <a16:creationId xmlns:a16="http://schemas.microsoft.com/office/drawing/2014/main" id="{FCFBF2C2-1AD2-43CD-B6B4-869C98AC2976}"/>
+              </a:ext>
+            </a:extLst>
+          </p:cNvPr>
+          <p:cNvSpPr txBox="1"/>
+          <p:nvPr/>
+        </p:nvSpPr>
+        <p:spPr>
+          <a:xfrm>
+            <a:off x="3623876" y="4368221"/>
+            <a:ext cx="5097591" cy="830997"/>
+          </a:xfrm>
+          <a:prstGeom prst="rect">
+            <a:avLst/>
+          </a:prstGeom>
+          <a:noFill/>
+        </p:spPr>
+        <p:txBody>
+          <a:bodyPr wrap="square">
+            <a:spAutoFit/>
+          </a:bodyPr>
+          <a:lstStyle/>
+          <a:p>
+            <a:pPr algn="ctr"/>
+            <a:r>
+              <a:rPr lang="zh-TW" altLang="en-US" sz="4800" b="1" i="0" dirty="0">
+                <a:solidFill>
+                  <a:schemeClr val="bg1"/>
+                </a:solidFill>
+                <a:effectLst/>
+                <a:latin typeface="微軟正黑體" panose="020B0604030504040204" pitchFamily="34" charset="-120"/>
+                <a:ea typeface="微軟正黑體" panose="020B0604030504040204" pitchFamily="34" charset="-120"/>
+              </a:rPr>
+              <a:t>什麼是</a:t>
+            </a:r>
+            <a:r>
+              <a:rPr lang="en-US" altLang="zh-TW" sz="4800" b="1" i="0" dirty="0" err="1">
+                <a:solidFill>
+                  <a:schemeClr val="bg1"/>
+                </a:solidFill>
+                <a:effectLst/>
+                <a:latin typeface="微軟正黑體" panose="020B0604030504040204" pitchFamily="34" charset="-120"/>
+                <a:ea typeface="微軟正黑體" panose="020B0604030504040204" pitchFamily="34" charset="-120"/>
+              </a:rPr>
+              <a:t>Nuxt</a:t>
+            </a:r>
+            <a:r>
+              <a:rPr lang="en-US" altLang="zh-TW" sz="4800" b="1" i="0" dirty="0">
+                <a:solidFill>
+                  <a:schemeClr val="bg1"/>
+                </a:solidFill>
+                <a:effectLst/>
+                <a:latin typeface="微軟正黑體" panose="020B0604030504040204" pitchFamily="34" charset="-120"/>
+                <a:ea typeface="微軟正黑體" panose="020B0604030504040204" pitchFamily="34" charset="-120"/>
+              </a:rPr>
+              <a:t> ?</a:t>
+            </a:r>
+            <a:endParaRPr lang="zh-TW" altLang="en-US" sz="4800" b="1" dirty="0">
+              <a:solidFill>
+                <a:schemeClr val="bg1"/>
+              </a:solidFill>
+              <a:latin typeface="微軟正黑體" panose="020B0604030504040204" pitchFamily="34" charset="-120"/>
+              <a:ea typeface="微軟正黑體" panose="020B0604030504040204" pitchFamily="34" charset="-120"/>
+            </a:endParaRPr>
+          </a:p>
+        </p:txBody>
+      </p:sp>
+      <p:pic>
+        <p:nvPicPr>
+          <p:cNvPr id="3" name="圖片 2">
+            <a:extLst>
+              <a:ext uri="{FF2B5EF4-FFF2-40B4-BE49-F238E27FC236}">
+                <a16:creationId xmlns:a16="http://schemas.microsoft.com/office/drawing/2014/main" id="{23DDF125-F2BE-44FC-AC58-D0C2D640BF91}"/>
+              </a:ext>
+            </a:extLst>
+          </p:cNvPr>
+          <p:cNvPicPr>
+            <a:picLocks noChangeAspect="1"/>
+          </p:cNvPicPr>
+          <p:nvPr/>
+        </p:nvPicPr>
+        <p:blipFill>
+          <a:blip r:embed="rId2">
+            <a:extLst>
+              <a:ext uri="{28A0092B-C50C-407E-A947-70E740481C1C}">
+                <a14:useLocalDpi xmlns:a14="http://schemas.microsoft.com/office/drawing/2010/main" val="0"/>
+              </a:ext>
+            </a:extLst>
+          </a:blip>
+          <a:stretch>
+            <a:fillRect/>
+          </a:stretch>
+        </p:blipFill>
+        <p:spPr>
+          <a:xfrm>
+            <a:off x="4869582" y="1732930"/>
+            <a:ext cx="2146852" cy="2146852"/>
+          </a:xfrm>
+          <a:prstGeom prst="rect">
+            <a:avLst/>
+          </a:prstGeom>
+        </p:spPr>
+      </p:pic>
+      <p:sp>
+        <p:nvSpPr>
+          <p:cNvPr id="5" name="文字方塊 4">
+            <a:extLst>
+              <a:ext uri="{FF2B5EF4-FFF2-40B4-BE49-F238E27FC236}">
+                <a16:creationId xmlns:a16="http://schemas.microsoft.com/office/drawing/2014/main" id="{A9DAACF0-97CF-4FD0-8823-CAE4316FFA1C}"/>
+              </a:ext>
+            </a:extLst>
+          </p:cNvPr>
+          <p:cNvSpPr txBox="1"/>
+          <p:nvPr/>
+        </p:nvSpPr>
+        <p:spPr>
+          <a:xfrm>
+            <a:off x="4684170" y="5137029"/>
+            <a:ext cx="2699184" cy="369332"/>
+          </a:xfrm>
+          <a:prstGeom prst="rect">
+            <a:avLst/>
+          </a:prstGeom>
+          <a:noFill/>
+        </p:spPr>
+        <p:txBody>
+          <a:bodyPr wrap="square">
+            <a:spAutoFit/>
+          </a:bodyPr>
+          <a:lstStyle/>
+          <a:p>
+            <a:pPr algn="ctr"/>
+            <a:r>
+              <a:rPr lang="zh-TW" altLang="en-US" dirty="0">
+                <a:solidFill>
+                  <a:schemeClr val="bg1"/>
+                </a:solidFill>
+              </a:rPr>
+              <a:t>https://nuxtjs.org/</a:t>
+            </a:r>
+          </a:p>
+        </p:txBody>
+      </p:sp>
+    </p:spTree>
+    <p:extLst>
+      <p:ext uri="{BB962C8B-B14F-4D97-AF65-F5344CB8AC3E}">
+        <p14:creationId xmlns:p14="http://schemas.microsoft.com/office/powerpoint/2010/main" val="559781918"/>
+      </p:ext>
+    </p:extLst>
+  </p:cSld>
+  <p:clrMapOvr>
+    <a:masterClrMapping/>
+  </p:clrMapOvr>
+</p:sld>
+</file>
+
+<file path=ppt/slides/slide4.xml><?xml version="1.0" encoding="utf-8"?>
+<p:sld xmlns:a="http://schemas.openxmlformats.org/drawingml/2006/main" xmlns:r="http://schemas.openxmlformats.org/officeDocument/2006/relationships" xmlns:p="http://schemas.openxmlformats.org/presentationml/2006/main">
+  <p:cSld>
+    <p:spTree>
+      <p:nvGrpSpPr>
+        <p:cNvPr id="1" name=""/>
+        <p:cNvGrpSpPr/>
+        <p:nvPr/>
+      </p:nvGrpSpPr>
+      <p:grpSpPr>
+        <a:xfrm>
+          <a:off x="0" y="0"/>
+          <a:ext cx="0" cy="0"/>
+          <a:chOff x="0" y="0"/>
+          <a:chExt cx="0" cy="0"/>
+        </a:xfrm>
+      </p:grpSpPr>
+      <p:sp>
+        <p:nvSpPr>
+          <p:cNvPr id="9" name="文字方塊 8">
+            <a:extLst>
+              <a:ext uri="{FF2B5EF4-FFF2-40B4-BE49-F238E27FC236}">
+                <a16:creationId xmlns:a16="http://schemas.microsoft.com/office/drawing/2014/main" id="{FCFBF2C2-1AD2-43CD-B6B4-869C98AC2976}"/>
+              </a:ext>
+            </a:extLst>
+          </p:cNvPr>
+          <p:cNvSpPr txBox="1"/>
+          <p:nvPr/>
+        </p:nvSpPr>
+        <p:spPr>
+          <a:xfrm>
+            <a:off x="2045331" y="1692701"/>
+            <a:ext cx="8101338" cy="830997"/>
+          </a:xfrm>
+          <a:prstGeom prst="rect">
+            <a:avLst/>
+          </a:prstGeom>
+          <a:noFill/>
+        </p:spPr>
+        <p:txBody>
+          <a:bodyPr wrap="square">
+            <a:spAutoFit/>
+          </a:bodyPr>
+          <a:lstStyle/>
+          <a:p>
+            <a:pPr algn="ctr"/>
+            <a:r>
+              <a:rPr lang="en-US" altLang="zh-TW" sz="4800" b="1" i="0" dirty="0" err="1">
+                <a:solidFill>
+                  <a:schemeClr val="bg1"/>
+                </a:solidFill>
+                <a:effectLst/>
+                <a:latin typeface="微軟正黑體" panose="020B0604030504040204" pitchFamily="34" charset="-120"/>
+                <a:ea typeface="微軟正黑體" panose="020B0604030504040204" pitchFamily="34" charset="-120"/>
+              </a:rPr>
+              <a:t>Nuxt</a:t>
+            </a:r>
+            <a:r>
+              <a:rPr lang="en-US" altLang="zh-TW" sz="4800" b="1" i="0" dirty="0">
+                <a:solidFill>
+                  <a:schemeClr val="bg1"/>
+                </a:solidFill>
+                <a:effectLst/>
+                <a:latin typeface="微軟正黑體" panose="020B0604030504040204" pitchFamily="34" charset="-120"/>
+                <a:ea typeface="微軟正黑體" panose="020B0604030504040204" pitchFamily="34" charset="-120"/>
+              </a:rPr>
+              <a:t> SSR </a:t>
+            </a:r>
+            <a:r>
+              <a:rPr lang="zh-TW" altLang="en-US" sz="4800" b="1" i="0" dirty="0">
+                <a:solidFill>
+                  <a:schemeClr val="bg1"/>
+                </a:solidFill>
+                <a:effectLst/>
+                <a:latin typeface="微軟正黑體" panose="020B0604030504040204" pitchFamily="34" charset="-120"/>
+                <a:ea typeface="微軟正黑體" panose="020B0604030504040204" pitchFamily="34" charset="-120"/>
+              </a:rPr>
+              <a:t>原理解析</a:t>
+            </a:r>
+            <a:endParaRPr lang="zh-TW" altLang="en-US" sz="4800" b="1" dirty="0">
+              <a:solidFill>
+                <a:schemeClr val="bg1"/>
+              </a:solidFill>
+              <a:latin typeface="微軟正黑體" panose="020B0604030504040204" pitchFamily="34" charset="-120"/>
+              <a:ea typeface="微軟正黑體" panose="020B0604030504040204" pitchFamily="34" charset="-120"/>
+            </a:endParaRPr>
+          </a:p>
+        </p:txBody>
+      </p:sp>
+      <p:pic>
+        <p:nvPicPr>
+          <p:cNvPr id="5" name="圖片 4">
+            <a:extLst>
+              <a:ext uri="{FF2B5EF4-FFF2-40B4-BE49-F238E27FC236}">
+                <a16:creationId xmlns:a16="http://schemas.microsoft.com/office/drawing/2014/main" id="{AC632461-B387-48DA-95E7-E177FD8C45F1}"/>
+              </a:ext>
+            </a:extLst>
+          </p:cNvPr>
+          <p:cNvPicPr>
+            <a:picLocks noChangeAspect="1"/>
+          </p:cNvPicPr>
+          <p:nvPr/>
+        </p:nvPicPr>
+        <p:blipFill>
+          <a:blip r:embed="rId2">
+            <a:extLst>
+              <a:ext uri="{28A0092B-C50C-407E-A947-70E740481C1C}">
+                <a14:useLocalDpi xmlns:a14="http://schemas.microsoft.com/office/drawing/2010/main" val="0"/>
+              </a:ext>
+            </a:extLst>
+          </a:blip>
+          <a:stretch>
+            <a:fillRect/>
+          </a:stretch>
+        </p:blipFill>
+        <p:spPr>
+          <a:xfrm>
+            <a:off x="2282825" y="2930098"/>
+            <a:ext cx="7626350" cy="2387689"/>
+          </a:xfrm>
+          <a:prstGeom prst="rect">
+            <a:avLst/>
+          </a:prstGeom>
+        </p:spPr>
+      </p:pic>
+    </p:spTree>
+    <p:extLst>
+      <p:ext uri="{BB962C8B-B14F-4D97-AF65-F5344CB8AC3E}">
+        <p14:creationId xmlns:p14="http://schemas.microsoft.com/office/powerpoint/2010/main" val="2097924990"/>
+      </p:ext>
+    </p:extLst>
+  </p:cSld>
+  <p:clrMapOvr>
+    <a:masterClrMapping/>
+  </p:clrMapOvr>
+</p:sld>
+</file>
+
+<file path=ppt/slides/slide5.xml><?xml version="1.0" encoding="utf-8"?>
+<p:sld xmlns:a="http://schemas.openxmlformats.org/drawingml/2006/main" xmlns:r="http://schemas.openxmlformats.org/officeDocument/2006/relationships" xmlns:p="http://schemas.openxmlformats.org/presentationml/2006/main">
+  <p:cSld>
+    <p:spTree>
+      <p:nvGrpSpPr>
+        <p:cNvPr id="1" name=""/>
+        <p:cNvGrpSpPr/>
+        <p:nvPr/>
+      </p:nvGrpSpPr>
+      <p:grpSpPr>
+        <a:xfrm>
+          <a:off x="0" y="0"/>
+          <a:ext cx="0" cy="0"/>
+          <a:chOff x="0" y="0"/>
+          <a:chExt cx="0" cy="0"/>
+        </a:xfrm>
+      </p:grpSpPr>
+      <p:sp>
+        <p:nvSpPr>
+          <p:cNvPr id="2" name="標題 1">
+            <a:extLst>
+              <a:ext uri="{FF2B5EF4-FFF2-40B4-BE49-F238E27FC236}">
+                <a16:creationId xmlns:a16="http://schemas.microsoft.com/office/drawing/2014/main" id="{906A6655-339A-4F47-B6E2-742DC62D049C}"/>
+              </a:ext>
+            </a:extLst>
+          </p:cNvPr>
+          <p:cNvSpPr>
+            <a:spLocks noGrp="1"/>
+          </p:cNvSpPr>
+          <p:nvPr>
+            <p:ph type="title"/>
+          </p:nvPr>
+        </p:nvSpPr>
+        <p:spPr>
+          <a:xfrm>
+            <a:off x="707571" y="505475"/>
+            <a:ext cx="3313517" cy="747890"/>
+          </a:xfrm>
+        </p:spPr>
+        <p:txBody>
+          <a:bodyPr>
+            <a:normAutofit/>
+          </a:bodyPr>
+          <a:lstStyle/>
+          <a:p>
+            <a:r>
+              <a:rPr lang="en-US" altLang="zh-TW" sz="4000" b="1" dirty="0" err="1">
+                <a:solidFill>
+                  <a:schemeClr val="bg1"/>
+                </a:solidFill>
+              </a:rPr>
+              <a:t>Nuxtjs</a:t>
+            </a:r>
+            <a:r>
+              <a:rPr lang="en-US" altLang="zh-TW" sz="4000" b="1" dirty="0">
+                <a:solidFill>
+                  <a:schemeClr val="bg1"/>
+                </a:solidFill>
+              </a:rPr>
+              <a:t> Install </a:t>
+            </a:r>
+            <a:endParaRPr lang="zh-TW" altLang="en-US" sz="4000" b="1" dirty="0">
+              <a:solidFill>
+                <a:schemeClr val="bg1"/>
+              </a:solidFill>
+            </a:endParaRPr>
+          </a:p>
+        </p:txBody>
+      </p:sp>
+      <p:sp>
+        <p:nvSpPr>
+          <p:cNvPr id="4" name="Rectangle 1">
+            <a:extLst>
+              <a:ext uri="{FF2B5EF4-FFF2-40B4-BE49-F238E27FC236}">
+                <a16:creationId xmlns:a16="http://schemas.microsoft.com/office/drawing/2014/main" id="{548AFBB4-CF69-4D2D-B2BE-3F7942272788}"/>
+              </a:ext>
+            </a:extLst>
+          </p:cNvPr>
+          <p:cNvSpPr>
+            <a:spLocks noChangeArrowheads="1"/>
+          </p:cNvSpPr>
+          <p:nvPr/>
+        </p:nvSpPr>
+        <p:spPr bwMode="auto">
+          <a:xfrm>
+            <a:off x="1772003" y="2674406"/>
+            <a:ext cx="8939539" cy="1815882"/>
+          </a:xfrm>
+          <a:prstGeom prst="rect">
+            <a:avLst/>
+          </a:prstGeom>
+          <a:solidFill>
+            <a:srgbClr val="2F495E"/>
+          </a:solidFill>
+          <a:ln>
+            <a:noFill/>
+          </a:ln>
+          <a:effectLst/>
+          <a:extLst>
+            <a:ext uri="{91240B29-F687-4F45-9708-019B960494DF}">
+              <a14:hiddenLine xmlns:a14="http://schemas.microsoft.com/office/drawing/2010/main" w="9525">
+                <a:solidFill>
+                  <a:schemeClr val="tx1"/>
+                </a:solidFill>
+                <a:miter lim="800000"/>
+                <a:headEnd/>
+                <a:tailEnd/>
+              </a14:hiddenLine>
+            </a:ext>
+            <a:ext uri="{AF507438-7753-43E0-B8FC-AC1667EBCBE1}">
+              <a14:hiddenEffects xmlns:a14="http://schemas.microsoft.com/office/drawing/2010/main">
+                <a:effectLst>
+                  <a:outerShdw dist="35921" dir="2700000" algn="ctr" rotWithShape="0">
+                    <a:schemeClr val="bg2"/>
+                  </a:outerShdw>
+                </a:effectLst>
+              </a14:hiddenEffects>
+            </a:ext>
+          </a:extLst>
+        </p:spPr>
+        <p:txBody>
+          <a:bodyPr vert="horz" wrap="square" lIns="91440" tIns="45720" rIns="91440" bIns="45720" numCol="1" anchor="ctr" anchorCtr="0" compatLnSpc="1">
+            <a:prstTxWarp prst="textNoShape">
+              <a:avLst/>
+            </a:prstTxWarp>
+            <a:spAutoFit/>
+          </a:bodyPr>
+          <a:lstStyle/>
+          <a:p>
+            <a:pPr marL="0" marR="0" lvl="0" indent="0" algn="l" defTabSz="914400" rtl="0" eaLnBrk="0" fontAlgn="base" latinLnBrk="0" hangingPunct="0">
+              <a:spcBef>
+                <a:spcPct val="0"/>
+              </a:spcBef>
+              <a:spcAft>
+                <a:spcPct val="0"/>
+              </a:spcAft>
+              <a:buClrTx/>
+              <a:buSzTx/>
+              <a:buFontTx/>
+              <a:buNone/>
+              <a:tabLst/>
+            </a:pPr>
+            <a:br>
+              <a:rPr kumimoji="0" lang="en-US" altLang="zh-TW" sz="3600" b="0" i="0" u="none" strike="noStrike" cap="none" normalizeH="0" baseline="0" dirty="0">
+                <a:ln>
+                  <a:noFill/>
+                </a:ln>
+                <a:solidFill>
+                  <a:srgbClr val="F5F7FA"/>
+                </a:solidFill>
+                <a:effectLst/>
+                <a:latin typeface="Arial Unicode MS"/>
+                <a:ea typeface="Menlo"/>
+              </a:rPr>
+            </a:br>
+            <a:r>
+              <a:rPr kumimoji="0" lang="en-US" altLang="zh-TW" sz="3600" b="0" i="0" u="none" strike="noStrike" cap="none" normalizeH="0" baseline="0" dirty="0">
+                <a:ln>
+                  <a:noFill/>
+                </a:ln>
+                <a:solidFill>
+                  <a:srgbClr val="F5F7FA"/>
+                </a:solidFill>
+                <a:effectLst/>
+                <a:latin typeface="Arial Unicode MS"/>
+                <a:ea typeface="Menlo"/>
+              </a:rPr>
+              <a:t>    </a:t>
+            </a:r>
+            <a:r>
+              <a:rPr kumimoji="0" lang="zh-TW" altLang="zh-TW" sz="3600" b="0" i="0" u="none" strike="noStrike" cap="none" normalizeH="0" baseline="0" dirty="0">
+                <a:ln>
+                  <a:noFill/>
+                </a:ln>
+                <a:solidFill>
+                  <a:srgbClr val="F5F7FA"/>
+                </a:solidFill>
+                <a:effectLst/>
+                <a:latin typeface="Arial Unicode MS"/>
+                <a:ea typeface="Menlo"/>
+              </a:rPr>
+              <a:t>npx create-nuxt-app </a:t>
+            </a:r>
+            <a:r>
+              <a:rPr kumimoji="0" lang="zh-TW" altLang="zh-TW" sz="3600" b="0" i="0" u="none" strike="noStrike" cap="none" normalizeH="0" baseline="0" dirty="0">
+                <a:ln>
+                  <a:noFill/>
+                </a:ln>
+                <a:solidFill>
+                  <a:srgbClr val="89DDFF"/>
+                </a:solidFill>
+                <a:effectLst/>
+                <a:latin typeface="Arial Unicode MS"/>
+                <a:ea typeface="Menlo"/>
+              </a:rPr>
+              <a:t>&lt;</a:t>
+            </a:r>
+            <a:r>
+              <a:rPr kumimoji="0" lang="zh-TW" altLang="zh-TW" sz="3600" b="0" i="0" u="none" strike="noStrike" cap="none" normalizeH="0" baseline="0" dirty="0">
+                <a:ln>
+                  <a:noFill/>
+                </a:ln>
+                <a:solidFill>
+                  <a:srgbClr val="F5F7FA"/>
+                </a:solidFill>
+                <a:effectLst/>
+                <a:latin typeface="Arial Unicode MS"/>
+                <a:ea typeface="Menlo"/>
+              </a:rPr>
+              <a:t>project-name</a:t>
+            </a:r>
+            <a:r>
+              <a:rPr kumimoji="0" lang="zh-TW" altLang="zh-TW" sz="3600" b="0" i="0" u="none" strike="noStrike" cap="none" normalizeH="0" baseline="0" dirty="0">
+                <a:ln>
+                  <a:noFill/>
+                </a:ln>
+                <a:solidFill>
+                  <a:srgbClr val="89DDFF"/>
+                </a:solidFill>
+                <a:effectLst/>
+                <a:latin typeface="Arial Unicode MS"/>
+                <a:ea typeface="Menlo"/>
+              </a:rPr>
+              <a:t>&gt;</a:t>
+            </a:r>
+            <a:endParaRPr kumimoji="0" lang="en-US" altLang="zh-TW" sz="3600" b="0" i="0" u="none" strike="noStrike" cap="none" normalizeH="0" baseline="0" dirty="0">
+              <a:ln>
+                <a:noFill/>
+              </a:ln>
+              <a:solidFill>
+                <a:srgbClr val="89DDFF"/>
+              </a:solidFill>
+              <a:effectLst/>
+              <a:latin typeface="Arial Unicode MS"/>
+              <a:ea typeface="Menlo"/>
+            </a:endParaRPr>
+          </a:p>
+          <a:p>
+            <a:pPr marL="0" marR="0" lvl="0" indent="0" algn="l" defTabSz="914400" rtl="0" eaLnBrk="0" fontAlgn="base" latinLnBrk="0" hangingPunct="0">
+              <a:spcBef>
+                <a:spcPct val="0"/>
+              </a:spcBef>
+              <a:spcAft>
+                <a:spcPct val="0"/>
+              </a:spcAft>
+              <a:buClrTx/>
+              <a:buSzTx/>
+              <a:buFontTx/>
+              <a:buNone/>
+              <a:tabLst/>
+            </a:pPr>
+            <a:endParaRPr kumimoji="0" lang="en-US" altLang="zh-TW" sz="2000" b="0" i="0" u="none" strike="noStrike" cap="none" normalizeH="0" baseline="0" dirty="0">
+              <a:ln>
+                <a:noFill/>
+              </a:ln>
+              <a:solidFill>
+                <a:schemeClr val="tx1"/>
+              </a:solidFill>
+              <a:effectLst/>
+            </a:endParaRPr>
+          </a:p>
+          <a:p>
+            <a:pPr marL="0" marR="0" lvl="0" indent="0" algn="l" defTabSz="914400" rtl="0" eaLnBrk="0" fontAlgn="base" latinLnBrk="0" hangingPunct="0">
+              <a:spcBef>
+                <a:spcPct val="0"/>
+              </a:spcBef>
+              <a:spcAft>
+                <a:spcPct val="0"/>
+              </a:spcAft>
+              <a:buClrTx/>
+              <a:buSzTx/>
+              <a:buFontTx/>
+              <a:buNone/>
+              <a:tabLst/>
+            </a:pPr>
+            <a:r>
+              <a:rPr kumimoji="0" lang="zh-TW" altLang="zh-TW" sz="2000" b="0" i="0" u="none" strike="noStrike" cap="none" normalizeH="0" baseline="0" dirty="0">
+                <a:ln>
+                  <a:noFill/>
+                </a:ln>
+                <a:solidFill>
+                  <a:schemeClr val="tx1"/>
+                </a:solidFill>
+                <a:effectLst/>
+              </a:rPr>
+              <a:t> </a:t>
+            </a:r>
+            <a:endParaRPr kumimoji="0" lang="zh-TW" altLang="zh-TW" sz="6600" b="0" i="0" u="none" strike="noStrike" cap="none" normalizeH="0" baseline="0" dirty="0">
+              <a:ln>
+                <a:noFill/>
+              </a:ln>
+              <a:solidFill>
+                <a:schemeClr val="tx1"/>
+              </a:solidFill>
+              <a:effectLst/>
+              <a:latin typeface="Arial" panose="020B0604020202020204" pitchFamily="34" charset="0"/>
+            </a:endParaRPr>
+          </a:p>
+        </p:txBody>
+      </p:sp>
+      <p:sp>
+        <p:nvSpPr>
+          <p:cNvPr id="7" name="標題 1">
+            <a:extLst>
+              <a:ext uri="{FF2B5EF4-FFF2-40B4-BE49-F238E27FC236}">
+                <a16:creationId xmlns:a16="http://schemas.microsoft.com/office/drawing/2014/main" id="{02551294-41DD-41DB-AB16-0D6D534B59E7}"/>
+              </a:ext>
+            </a:extLst>
+          </p:cNvPr>
+          <p:cNvSpPr txBox="1">
+            <a:spLocks/>
+          </p:cNvSpPr>
+          <p:nvPr/>
+        </p:nvSpPr>
+        <p:spPr>
+          <a:xfrm>
+            <a:off x="619065" y="1057433"/>
+            <a:ext cx="6233729" cy="445929"/>
+          </a:xfrm>
+          <a:prstGeom prst="rect">
+            <a:avLst/>
+          </a:prstGeom>
+        </p:spPr>
+        <p:txBody>
+          <a:bodyPr vert="horz" lIns="91440" tIns="45720" rIns="91440" bIns="45720" rtlCol="0" anchor="ctr">
+            <a:normAutofit/>
+          </a:bodyPr>
+          <a:lstStyle>
+            <a:lvl1pPr algn="l" defTabSz="914400" rtl="0" eaLnBrk="1" latinLnBrk="0" hangingPunct="1">
+              <a:lnSpc>
+                <a:spcPct val="90000"/>
+              </a:lnSpc>
+              <a:spcBef>
+                <a:spcPct val="0"/>
+              </a:spcBef>
+              <a:buNone/>
+              <a:defRPr sz="4400" kern="1200">
+                <a:solidFill>
+                  <a:schemeClr val="tx1"/>
+                </a:solidFill>
+                <a:latin typeface="+mj-lt"/>
+                <a:ea typeface="+mj-ea"/>
+                <a:cs typeface="+mj-cs"/>
+              </a:defRPr>
+            </a:lvl1pPr>
+          </a:lstStyle>
+          <a:p>
+            <a:r>
+              <a:rPr lang="en-US" altLang="zh-TW" sz="1600" b="1" dirty="0">
+                <a:solidFill>
+                  <a:schemeClr val="bg1"/>
+                </a:solidFill>
+                <a:latin typeface="微軟正黑體" panose="020B0604030504040204" pitchFamily="34" charset="-120"/>
+                <a:ea typeface="微軟正黑體" panose="020B0604030504040204" pitchFamily="34" charset="-120"/>
+              </a:rPr>
+              <a:t>Nodejs  </a:t>
+            </a:r>
+            <a:r>
+              <a:rPr lang="zh-TW" altLang="en-US" sz="1600" b="1" dirty="0">
+                <a:solidFill>
+                  <a:schemeClr val="bg1"/>
+                </a:solidFill>
+                <a:latin typeface="微軟正黑體" panose="020B0604030504040204" pitchFamily="34" charset="-120"/>
+                <a:ea typeface="微軟正黑體" panose="020B0604030504040204" pitchFamily="34" charset="-120"/>
+              </a:rPr>
+              <a:t>最少需要 </a:t>
+            </a:r>
+            <a:r>
+              <a:rPr lang="en-US" altLang="zh-TW" sz="1600" b="1" dirty="0">
+                <a:solidFill>
+                  <a:schemeClr val="bg1"/>
+                </a:solidFill>
+                <a:latin typeface="微軟正黑體" panose="020B0604030504040204" pitchFamily="34" charset="-120"/>
+                <a:ea typeface="微軟正黑體" panose="020B0604030504040204" pitchFamily="34" charset="-120"/>
+              </a:rPr>
+              <a:t>v10.13</a:t>
+            </a:r>
+            <a:r>
+              <a:rPr lang="zh-TW" altLang="en-US" sz="1600" b="1" dirty="0">
+                <a:solidFill>
+                  <a:schemeClr val="bg1"/>
+                </a:solidFill>
+                <a:latin typeface="微軟正黑體" panose="020B0604030504040204" pitchFamily="34" charset="-120"/>
+                <a:ea typeface="微軟正黑體" panose="020B0604030504040204" pitchFamily="34" charset="-120"/>
+              </a:rPr>
+              <a:t>的版本</a:t>
+            </a:r>
+          </a:p>
+        </p:txBody>
+      </p:sp>
+      <p:sp>
+        <p:nvSpPr>
+          <p:cNvPr id="9" name="文字方塊 8">
+            <a:extLst>
+              <a:ext uri="{FF2B5EF4-FFF2-40B4-BE49-F238E27FC236}">
+                <a16:creationId xmlns:a16="http://schemas.microsoft.com/office/drawing/2014/main" id="{D19E17B8-618C-413E-BD61-1D6CD1B44E5E}"/>
+              </a:ext>
+            </a:extLst>
+          </p:cNvPr>
+          <p:cNvSpPr txBox="1"/>
+          <p:nvPr/>
+        </p:nvSpPr>
+        <p:spPr>
+          <a:xfrm>
+            <a:off x="1840394" y="4128446"/>
+            <a:ext cx="3015581" cy="307777"/>
+          </a:xfrm>
+          <a:prstGeom prst="rect">
+            <a:avLst/>
+          </a:prstGeom>
+          <a:noFill/>
+        </p:spPr>
+        <p:txBody>
+          <a:bodyPr wrap="square">
+            <a:spAutoFit/>
+          </a:bodyPr>
+          <a:lstStyle/>
+          <a:p>
+            <a:r>
+              <a:rPr lang="en-US" altLang="zh-TW" sz="1400" b="1" i="0" dirty="0" err="1">
+                <a:solidFill>
+                  <a:schemeClr val="accent1">
+                    <a:lumMod val="60000"/>
+                    <a:lumOff val="40000"/>
+                  </a:schemeClr>
+                </a:solidFill>
+                <a:effectLst/>
+                <a:latin typeface="微軟正黑體" panose="020B0604030504040204" pitchFamily="34" charset="-120"/>
+                <a:ea typeface="微軟正黑體" panose="020B0604030504040204" pitchFamily="34" charset="-120"/>
+              </a:rPr>
+              <a:t>npx</a:t>
+            </a:r>
+            <a:r>
+              <a:rPr lang="zh-TW" altLang="en-US" sz="1400" b="1" i="0" dirty="0">
+                <a:solidFill>
+                  <a:schemeClr val="accent1">
+                    <a:lumMod val="60000"/>
+                    <a:lumOff val="40000"/>
+                  </a:schemeClr>
+                </a:solidFill>
+                <a:effectLst/>
+                <a:latin typeface="微軟正黑體" panose="020B0604030504040204" pitchFamily="34" charset="-120"/>
+                <a:ea typeface="微軟正黑體" panose="020B0604030504040204" pitchFamily="34" charset="-120"/>
+              </a:rPr>
+              <a:t>（</a:t>
+            </a:r>
+            <a:r>
+              <a:rPr lang="en-US" altLang="zh-TW" sz="1400" b="1" i="0" dirty="0">
+                <a:solidFill>
+                  <a:schemeClr val="accent1">
+                    <a:lumMod val="60000"/>
+                    <a:lumOff val="40000"/>
+                  </a:schemeClr>
+                </a:solidFill>
+                <a:effectLst/>
+                <a:latin typeface="微軟正黑體" panose="020B0604030504040204" pitchFamily="34" charset="-120"/>
+                <a:ea typeface="微軟正黑體" panose="020B0604030504040204" pitchFamily="34" charset="-120"/>
+              </a:rPr>
+              <a:t>NPM 5.2.0</a:t>
+            </a:r>
+            <a:r>
+              <a:rPr lang="zh-TW" altLang="en-US" sz="1400" b="1" i="0" dirty="0">
+                <a:solidFill>
+                  <a:schemeClr val="accent1">
+                    <a:lumMod val="60000"/>
+                    <a:lumOff val="40000"/>
+                  </a:schemeClr>
+                </a:solidFill>
+                <a:effectLst/>
+                <a:latin typeface="微軟正黑體" panose="020B0604030504040204" pitchFamily="34" charset="-120"/>
+                <a:ea typeface="微軟正黑體" panose="020B0604030504040204" pitchFamily="34" charset="-120"/>
+              </a:rPr>
+              <a:t>起默認安裝</a:t>
+            </a:r>
+            <a:r>
+              <a:rPr lang="en-US" altLang="zh-TW" sz="1400" b="1" i="0" dirty="0" err="1">
+                <a:solidFill>
+                  <a:schemeClr val="accent1">
+                    <a:lumMod val="60000"/>
+                    <a:lumOff val="40000"/>
+                  </a:schemeClr>
+                </a:solidFill>
+                <a:effectLst/>
+                <a:latin typeface="微軟正黑體" panose="020B0604030504040204" pitchFamily="34" charset="-120"/>
+                <a:ea typeface="微軟正黑體" panose="020B0604030504040204" pitchFamily="34" charset="-120"/>
+              </a:rPr>
+              <a:t>npx</a:t>
+            </a:r>
+            <a:r>
+              <a:rPr lang="zh-TW" altLang="en-US" sz="1400" b="1" i="0" dirty="0">
+                <a:solidFill>
+                  <a:schemeClr val="accent1">
+                    <a:lumMod val="60000"/>
+                    <a:lumOff val="40000"/>
+                  </a:schemeClr>
+                </a:solidFill>
+                <a:effectLst/>
+                <a:latin typeface="微軟正黑體" panose="020B0604030504040204" pitchFamily="34" charset="-120"/>
+                <a:ea typeface="微軟正黑體" panose="020B0604030504040204" pitchFamily="34" charset="-120"/>
+              </a:rPr>
+              <a:t>）</a:t>
+            </a:r>
+            <a:endParaRPr lang="zh-TW" altLang="en-US" sz="1400" b="1" dirty="0">
+              <a:solidFill>
+                <a:schemeClr val="accent1">
+                  <a:lumMod val="60000"/>
+                  <a:lumOff val="40000"/>
+                </a:schemeClr>
+              </a:solidFill>
+              <a:latin typeface="微軟正黑體" panose="020B0604030504040204" pitchFamily="34" charset="-120"/>
+              <a:ea typeface="微軟正黑體" panose="020B0604030504040204" pitchFamily="34" charset="-120"/>
+            </a:endParaRPr>
+          </a:p>
+        </p:txBody>
+      </p:sp>
+    </p:spTree>
+    <p:extLst>
+      <p:ext uri="{BB962C8B-B14F-4D97-AF65-F5344CB8AC3E}">
+        <p14:creationId xmlns:p14="http://schemas.microsoft.com/office/powerpoint/2010/main" val="1160094350"/>
+      </p:ext>
+    </p:extLst>
+  </p:cSld>
+  <p:clrMapOvr>
+    <a:masterClrMapping/>
+  </p:clrMapOvr>
+</p:sld>
+</file>
+
+<file path=ppt/slides/slide6.xml><?xml version="1.0" encoding="utf-8"?>
+<p:sld xmlns:a="http://schemas.openxmlformats.org/drawingml/2006/main" xmlns:r="http://schemas.openxmlformats.org/officeDocument/2006/relationships" xmlns:p="http://schemas.openxmlformats.org/presentationml/2006/main">
+  <p:cSld>
+    <p:spTree>
+      <p:nvGrpSpPr>
+        <p:cNvPr id="1" name=""/>
+        <p:cNvGrpSpPr/>
+        <p:nvPr/>
+      </p:nvGrpSpPr>
+      <p:grpSpPr>
+        <a:xfrm>
+          <a:off x="0" y="0"/>
+          <a:ext cx="0" cy="0"/>
+          <a:chOff x="0" y="0"/>
+          <a:chExt cx="0" cy="0"/>
+        </a:xfrm>
+      </p:grpSpPr>
+      <p:pic>
+        <p:nvPicPr>
+          <p:cNvPr id="5" name="圖片 4">
+            <a:extLst>
+              <a:ext uri="{FF2B5EF4-FFF2-40B4-BE49-F238E27FC236}">
+                <a16:creationId xmlns:a16="http://schemas.microsoft.com/office/drawing/2014/main" id="{D1DDA195-78B3-4E11-B2FB-0F4380DDBCD2}"/>
+              </a:ext>
+            </a:extLst>
+          </p:cNvPr>
+          <p:cNvPicPr>
+            <a:picLocks noChangeAspect="1"/>
+          </p:cNvPicPr>
+          <p:nvPr/>
+        </p:nvPicPr>
+        <p:blipFill>
+          <a:blip r:embed="rId2">
+            <a:extLst>
+              <a:ext uri="{28A0092B-C50C-407E-A947-70E740481C1C}">
+                <a14:useLocalDpi xmlns:a14="http://schemas.microsoft.com/office/drawing/2010/main" val="0"/>
+              </a:ext>
+            </a:extLst>
+          </a:blip>
+          <a:stretch>
+            <a:fillRect/>
+          </a:stretch>
+        </p:blipFill>
+        <p:spPr>
+          <a:xfrm>
+            <a:off x="201426" y="235699"/>
+            <a:ext cx="4256274" cy="6410964"/>
+          </a:xfrm>
+          <a:prstGeom prst="rect">
+            <a:avLst/>
+          </a:prstGeom>
+        </p:spPr>
+      </p:pic>
+      <p:sp>
+        <p:nvSpPr>
+          <p:cNvPr id="7" name="文字方塊 6">
+            <a:extLst>
+              <a:ext uri="{FF2B5EF4-FFF2-40B4-BE49-F238E27FC236}">
+                <a16:creationId xmlns:a16="http://schemas.microsoft.com/office/drawing/2014/main" id="{96C8698A-EB57-4177-9FE3-DAAF9104176F}"/>
+              </a:ext>
+            </a:extLst>
+          </p:cNvPr>
+          <p:cNvSpPr txBox="1"/>
+          <p:nvPr/>
+        </p:nvSpPr>
+        <p:spPr>
+          <a:xfrm>
+            <a:off x="4845052" y="550720"/>
+            <a:ext cx="6096000" cy="3001719"/>
+          </a:xfrm>
+          <a:prstGeom prst="rect">
+            <a:avLst/>
+          </a:prstGeom>
+          <a:noFill/>
+        </p:spPr>
+        <p:txBody>
+          <a:bodyPr wrap="square">
+            <a:spAutoFit/>
+          </a:bodyPr>
+          <a:lstStyle/>
+          <a:p>
+            <a:pPr>
+              <a:lnSpc>
+                <a:spcPct val="150000"/>
+              </a:lnSpc>
+            </a:pPr>
+            <a:r>
+              <a:rPr lang="zh-TW" altLang="en-US" sz="1600" dirty="0">
+                <a:solidFill>
+                  <a:schemeClr val="bg1"/>
+                </a:solidFill>
+                <a:latin typeface="微軟正黑體" panose="020B0604030504040204" pitchFamily="34" charset="-120"/>
+                <a:ea typeface="微軟正黑體" panose="020B0604030504040204" pitchFamily="34" charset="-120"/>
+              </a:rPr>
+              <a:t>assets：需要被打包的資源，例如你的 images 等等</a:t>
+            </a:r>
+          </a:p>
+          <a:p>
+            <a:pPr>
+              <a:lnSpc>
+                <a:spcPct val="150000"/>
+              </a:lnSpc>
+            </a:pPr>
+            <a:r>
+              <a:rPr lang="zh-TW" altLang="en-US" sz="1600" dirty="0">
+                <a:solidFill>
+                  <a:schemeClr val="bg1"/>
+                </a:solidFill>
+                <a:latin typeface="微軟正黑體" panose="020B0604030504040204" pitchFamily="34" charset="-120"/>
+                <a:ea typeface="微軟正黑體" panose="020B0604030504040204" pitchFamily="34" charset="-120"/>
+              </a:rPr>
+              <a:t>components：頁面的最小單位組件</a:t>
+            </a:r>
+          </a:p>
+          <a:p>
+            <a:pPr>
+              <a:lnSpc>
+                <a:spcPct val="150000"/>
+              </a:lnSpc>
+            </a:pPr>
+            <a:r>
+              <a:rPr lang="zh-TW" altLang="en-US" sz="1600" dirty="0">
+                <a:solidFill>
+                  <a:schemeClr val="bg1"/>
+                </a:solidFill>
+                <a:latin typeface="微軟正黑體" panose="020B0604030504040204" pitchFamily="34" charset="-120"/>
+                <a:ea typeface="微軟正黑體" panose="020B0604030504040204" pitchFamily="34" charset="-120"/>
+              </a:rPr>
+              <a:t>layouts：頁面共用的版型，例如 </a:t>
+            </a:r>
+            <a:r>
+              <a:rPr lang="en-US" altLang="zh-TW" sz="1600" dirty="0">
+                <a:solidFill>
+                  <a:schemeClr val="bg1"/>
+                </a:solidFill>
+                <a:latin typeface="微軟正黑體" panose="020B0604030504040204" pitchFamily="34" charset="-120"/>
+                <a:ea typeface="微軟正黑體" panose="020B0604030504040204" pitchFamily="34" charset="-120"/>
+              </a:rPr>
+              <a:t>header</a:t>
+            </a:r>
+            <a:r>
+              <a:rPr lang="zh-TW" altLang="en-US" sz="1600" dirty="0">
+                <a:solidFill>
+                  <a:schemeClr val="bg1"/>
+                </a:solidFill>
+                <a:latin typeface="微軟正黑體" panose="020B0604030504040204" pitchFamily="34" charset="-120"/>
+                <a:ea typeface="微軟正黑體" panose="020B0604030504040204" pitchFamily="34" charset="-120"/>
+              </a:rPr>
+              <a:t>、 footer</a:t>
+            </a:r>
+          </a:p>
+          <a:p>
+            <a:pPr>
+              <a:lnSpc>
+                <a:spcPct val="150000"/>
+              </a:lnSpc>
+            </a:pPr>
+            <a:r>
+              <a:rPr lang="zh-TW" altLang="en-US" sz="1600" dirty="0">
+                <a:solidFill>
+                  <a:schemeClr val="bg1"/>
+                </a:solidFill>
+                <a:latin typeface="微軟正黑體" panose="020B0604030504040204" pitchFamily="34" charset="-120"/>
+                <a:ea typeface="微軟正黑體" panose="020B0604030504040204" pitchFamily="34" charset="-120"/>
+              </a:rPr>
+              <a:t>middleware：進入頁面前需要做的中間層</a:t>
+            </a:r>
+          </a:p>
+          <a:p>
+            <a:pPr>
+              <a:lnSpc>
+                <a:spcPct val="150000"/>
+              </a:lnSpc>
+            </a:pPr>
+            <a:r>
+              <a:rPr lang="zh-TW" altLang="en-US" sz="1600" dirty="0">
+                <a:solidFill>
+                  <a:schemeClr val="bg1"/>
+                </a:solidFill>
+                <a:latin typeface="微軟正黑體" panose="020B0604030504040204" pitchFamily="34" charset="-120"/>
+                <a:ea typeface="微軟正黑體" panose="020B0604030504040204" pitchFamily="34" charset="-120"/>
+              </a:rPr>
+              <a:t>pages：頁面放的地方，一個 .vue 就是一個頁面</a:t>
+            </a:r>
+          </a:p>
+          <a:p>
+            <a:pPr>
+              <a:lnSpc>
+                <a:spcPct val="150000"/>
+              </a:lnSpc>
+            </a:pPr>
+            <a:r>
+              <a:rPr lang="zh-TW" altLang="en-US" sz="1600" dirty="0">
+                <a:solidFill>
+                  <a:schemeClr val="bg1"/>
+                </a:solidFill>
+                <a:latin typeface="微軟正黑體" panose="020B0604030504040204" pitchFamily="34" charset="-120"/>
+                <a:ea typeface="微軟正黑體" panose="020B0604030504040204" pitchFamily="34" charset="-120"/>
+              </a:rPr>
+              <a:t>plugins：自定義的</a:t>
+            </a:r>
+            <a:r>
+              <a:rPr lang="en-US" altLang="zh-TW" sz="1600" dirty="0" err="1">
+                <a:solidFill>
+                  <a:schemeClr val="bg1"/>
+                </a:solidFill>
+                <a:latin typeface="微軟正黑體" panose="020B0604030504040204" pitchFamily="34" charset="-120"/>
+                <a:ea typeface="微軟正黑體" panose="020B0604030504040204" pitchFamily="34" charset="-120"/>
+              </a:rPr>
+              <a:t>nuxt</a:t>
+            </a:r>
+            <a:r>
+              <a:rPr lang="zh-TW" altLang="en-US" sz="1600" dirty="0">
+                <a:solidFill>
+                  <a:schemeClr val="bg1"/>
+                </a:solidFill>
+                <a:latin typeface="微軟正黑體" panose="020B0604030504040204" pitchFamily="34" charset="-120"/>
+                <a:ea typeface="微軟正黑體" panose="020B0604030504040204" pitchFamily="34" charset="-120"/>
+              </a:rPr>
+              <a:t>套件的資料夾</a:t>
+            </a:r>
+            <a:endParaRPr lang="en-US" altLang="zh-TW" sz="1600" dirty="0">
+              <a:solidFill>
+                <a:schemeClr val="bg1"/>
+              </a:solidFill>
+              <a:latin typeface="微軟正黑體" panose="020B0604030504040204" pitchFamily="34" charset="-120"/>
+              <a:ea typeface="微軟正黑體" panose="020B0604030504040204" pitchFamily="34" charset="-120"/>
+            </a:endParaRPr>
+          </a:p>
+          <a:p>
+            <a:pPr>
+              <a:lnSpc>
+                <a:spcPct val="150000"/>
+              </a:lnSpc>
+            </a:pPr>
+            <a:r>
+              <a:rPr lang="zh-TW" altLang="en-US" sz="1600" dirty="0">
+                <a:solidFill>
+                  <a:schemeClr val="bg1"/>
+                </a:solidFill>
+                <a:latin typeface="微軟正黑體" panose="020B0604030504040204" pitchFamily="34" charset="-120"/>
+                <a:ea typeface="微軟正黑體" panose="020B0604030504040204" pitchFamily="34" charset="-120"/>
+              </a:rPr>
+              <a:t>static：靜態資源，不需要被打包的資源</a:t>
+            </a:r>
+          </a:p>
+          <a:p>
+            <a:pPr>
+              <a:lnSpc>
+                <a:spcPct val="150000"/>
+              </a:lnSpc>
+            </a:pPr>
+            <a:r>
+              <a:rPr lang="zh-TW" altLang="en-US" sz="1600" dirty="0">
+                <a:solidFill>
+                  <a:schemeClr val="bg1"/>
+                </a:solidFill>
+                <a:latin typeface="微軟正黑體" panose="020B0604030504040204" pitchFamily="34" charset="-120"/>
+                <a:ea typeface="微軟正黑體" panose="020B0604030504040204" pitchFamily="34" charset="-120"/>
+              </a:rPr>
+              <a:t>store： Vuex所放的資料夾</a:t>
+            </a:r>
+          </a:p>
+        </p:txBody>
+      </p:sp>
+    </p:spTree>
+    <p:extLst>
+      <p:ext uri="{BB962C8B-B14F-4D97-AF65-F5344CB8AC3E}">
+        <p14:creationId xmlns:p14="http://schemas.microsoft.com/office/powerpoint/2010/main" val="2796482703"/>
+      </p:ext>
+    </p:extLst>
+  </p:cSld>
+  <p:clrMapOvr>
+    <a:masterClrMapping/>
+  </p:clrMapOvr>
+</p:sld>
+</file>
+
+<file path=ppt/slides/slide7.xml><?xml version="1.0" encoding="utf-8"?>
+<p:sld xmlns:a="http://schemas.openxmlformats.org/drawingml/2006/main" xmlns:r="http://schemas.openxmlformats.org/officeDocument/2006/relationships" xmlns:p="http://schemas.openxmlformats.org/presentationml/2006/main">
+  <p:cSld>
+    <p:spTree>
+      <p:nvGrpSpPr>
+        <p:cNvPr id="1" name=""/>
+        <p:cNvGrpSpPr/>
+        <p:nvPr/>
+      </p:nvGrpSpPr>
+      <p:grpSpPr>
+        <a:xfrm>
+          <a:off x="0" y="0"/>
+          <a:ext cx="0" cy="0"/>
+          <a:chOff x="0" y="0"/>
+          <a:chExt cx="0" cy="0"/>
+        </a:xfrm>
+      </p:grpSpPr>
+      <p:sp>
+        <p:nvSpPr>
+          <p:cNvPr id="5" name="矩形 4">
+            <a:extLst>
+              <a:ext uri="{FF2B5EF4-FFF2-40B4-BE49-F238E27FC236}">
+                <a16:creationId xmlns:a16="http://schemas.microsoft.com/office/drawing/2014/main" id="{54D5A94F-0C49-4EC9-A889-1867AD4D0274}"/>
+              </a:ext>
+            </a:extLst>
+          </p:cNvPr>
+          <p:cNvSpPr/>
+          <p:nvPr/>
+        </p:nvSpPr>
+        <p:spPr>
+          <a:xfrm>
+            <a:off x="2780314" y="3256545"/>
+            <a:ext cx="6350000" cy="730250"/>
+          </a:xfrm>
+          <a:prstGeom prst="rect">
+            <a:avLst/>
+          </a:prstGeom>
+        </p:spPr>
+        <p:style>
+          <a:lnRef idx="2">
+            <a:schemeClr val="dk1">
+              <a:shade val="50000"/>
+            </a:schemeClr>
+          </a:lnRef>
+          <a:fillRef idx="1">
+            <a:schemeClr val="dk1"/>
+          </a:fillRef>
+          <a:effectRef idx="0">
+            <a:schemeClr val="dk1"/>
+          </a:effectRef>
+          <a:fontRef idx="minor">
+            <a:schemeClr val="lt1"/>
+          </a:fontRef>
+        </p:style>
+        <p:txBody>
+          <a:bodyPr rtlCol="0" anchor="ctr"/>
+          <a:lstStyle/>
+          <a:p>
+            <a:pPr algn="ctr"/>
+            <a:endParaRPr lang="zh-TW" altLang="en-US"/>
+          </a:p>
+        </p:txBody>
+      </p:sp>
+      <p:sp>
+        <p:nvSpPr>
+          <p:cNvPr id="2" name="標題 1">
+            <a:extLst>
+              <a:ext uri="{FF2B5EF4-FFF2-40B4-BE49-F238E27FC236}">
+                <a16:creationId xmlns:a16="http://schemas.microsoft.com/office/drawing/2014/main" id="{A1079603-FF49-4509-B778-86858F145633}"/>
+              </a:ext>
+            </a:extLst>
+          </p:cNvPr>
+          <p:cNvSpPr>
+            <a:spLocks noGrp="1"/>
+          </p:cNvSpPr>
+          <p:nvPr>
+            <p:ph type="title"/>
+          </p:nvPr>
+        </p:nvSpPr>
+        <p:spPr>
+          <a:xfrm>
+            <a:off x="424464" y="2459007"/>
+            <a:ext cx="11061700" cy="730251"/>
+          </a:xfrm>
+        </p:spPr>
+        <p:txBody>
+          <a:bodyPr>
+            <a:normAutofit/>
+          </a:bodyPr>
+          <a:lstStyle/>
+          <a:p>
+            <a:pPr algn="ctr"/>
+            <a:r>
+              <a:rPr lang="en-US" altLang="zh-TW" sz="3200" b="1" dirty="0" err="1">
+                <a:solidFill>
+                  <a:schemeClr val="bg1"/>
+                </a:solidFill>
+                <a:latin typeface="微軟正黑體" panose="020B0604030504040204" pitchFamily="34" charset="-120"/>
+                <a:ea typeface="微軟正黑體" panose="020B0604030504040204" pitchFamily="34" charset="-120"/>
+              </a:rPr>
+              <a:t>Nuxt</a:t>
+            </a:r>
+            <a:r>
+              <a:rPr lang="en-US" altLang="zh-TW" sz="3200" b="1" dirty="0">
+                <a:solidFill>
+                  <a:schemeClr val="bg1"/>
+                </a:solidFill>
+                <a:latin typeface="微軟正黑體" panose="020B0604030504040204" pitchFamily="34" charset="-120"/>
+                <a:ea typeface="微軟正黑體" panose="020B0604030504040204" pitchFamily="34" charset="-120"/>
+              </a:rPr>
+              <a:t> </a:t>
+            </a:r>
+            <a:r>
+              <a:rPr lang="zh-TW" altLang="en-US" sz="3200" b="1" dirty="0">
+                <a:solidFill>
+                  <a:schemeClr val="bg1"/>
+                </a:solidFill>
+                <a:latin typeface="微軟正黑體" panose="020B0604030504040204" pitchFamily="34" charset="-120"/>
+                <a:ea typeface="微軟正黑體" panose="020B0604030504040204" pitchFamily="34" charset="-120"/>
+              </a:rPr>
+              <a:t>使用</a:t>
+            </a:r>
+            <a:r>
+              <a:rPr lang="en-US" altLang="zh-TW" sz="3200" b="1" dirty="0">
+                <a:solidFill>
+                  <a:schemeClr val="bg1"/>
+                </a:solidFill>
+                <a:latin typeface="微軟正黑體" panose="020B0604030504040204" pitchFamily="34" charset="-120"/>
+                <a:ea typeface="微軟正黑體" panose="020B0604030504040204" pitchFamily="34" charset="-120"/>
+              </a:rPr>
+              <a:t>SASS</a:t>
+            </a:r>
+            <a:endParaRPr lang="zh-TW" altLang="en-US" sz="3200" b="1" dirty="0">
+              <a:solidFill>
+                <a:schemeClr val="bg1"/>
+              </a:solidFill>
+              <a:latin typeface="微軟正黑體" panose="020B0604030504040204" pitchFamily="34" charset="-120"/>
+              <a:ea typeface="微軟正黑體" panose="020B0604030504040204" pitchFamily="34" charset="-120"/>
+            </a:endParaRPr>
+          </a:p>
+        </p:txBody>
+      </p:sp>
+      <p:sp>
+        <p:nvSpPr>
+          <p:cNvPr id="4" name="Rectangle 1">
+            <a:extLst>
+              <a:ext uri="{FF2B5EF4-FFF2-40B4-BE49-F238E27FC236}">
+                <a16:creationId xmlns:a16="http://schemas.microsoft.com/office/drawing/2014/main" id="{1526E6E0-773F-498C-AB4B-D4E0439FD2C7}"/>
+              </a:ext>
+            </a:extLst>
+          </p:cNvPr>
+          <p:cNvSpPr>
+            <a:spLocks noChangeArrowheads="1"/>
+          </p:cNvSpPr>
+          <p:nvPr/>
+        </p:nvSpPr>
+        <p:spPr bwMode="auto">
+          <a:xfrm>
+            <a:off x="2780314" y="3491238"/>
+            <a:ext cx="6350000" cy="387901"/>
+          </a:xfrm>
+          <a:prstGeom prst="rect">
+            <a:avLst/>
+          </a:prstGeom>
+          <a:noFill/>
+          <a:ln>
+            <a:noFill/>
+          </a:ln>
+          <a:effectLst/>
+          <a:extLst>
+            <a:ext uri="{909E8E84-426E-40DD-AFC4-6F175D3DCCD1}">
+              <a14:hiddenFill xmlns:a14="http://schemas.microsoft.com/office/drawing/2010/main">
+                <a:solidFill>
+                  <a:schemeClr val="accent1"/>
+                </a:solidFill>
+              </a14:hiddenFill>
+            </a:ext>
+            <a:ext uri="{91240B29-F687-4F45-9708-019B960494DF}">
+              <a14:hiddenLine xmlns:a14="http://schemas.microsoft.com/office/drawing/2010/main" w="9525">
+                <a:solidFill>
+                  <a:schemeClr val="tx1"/>
+                </a:solidFill>
+                <a:miter lim="800000"/>
+                <a:headEnd/>
+                <a:tailEnd/>
+              </a14:hiddenLine>
+            </a:ext>
+            <a:ext uri="{AF507438-7753-43E0-B8FC-AC1667EBCBE1}">
+              <a14:hiddenEffects xmlns:a14="http://schemas.microsoft.com/office/drawing/2010/main">
+                <a:effectLst>
+                  <a:outerShdw dist="35921" dir="2700000" algn="ctr" rotWithShape="0">
+                    <a:schemeClr val="bg2"/>
+                  </a:outerShdw>
+                </a:effectLst>
+              </a14:hiddenEffects>
+            </a:ext>
+          </a:extLst>
+        </p:spPr>
+        <p:txBody>
+          <a:bodyPr vert="horz" wrap="square" lIns="0" tIns="0" rIns="0" bIns="79350" numCol="1" anchor="ctr" anchorCtr="0" compatLnSpc="1">
+            <a:prstTxWarp prst="textNoShape">
+              <a:avLst/>
+            </a:prstTxWarp>
+            <a:spAutoFit/>
+          </a:bodyPr>
+          <a:lstStyle/>
+          <a:p>
+            <a:pPr marL="0" marR="0" lvl="0" indent="0" algn="ctr" defTabSz="914400" rtl="0" eaLnBrk="0" fontAlgn="base" latinLnBrk="0" hangingPunct="0">
+              <a:lnSpc>
+                <a:spcPct val="100000"/>
+              </a:lnSpc>
+              <a:spcBef>
+                <a:spcPct val="0"/>
+              </a:spcBef>
+              <a:spcAft>
+                <a:spcPct val="0"/>
+              </a:spcAft>
+              <a:buClrTx/>
+              <a:buSzTx/>
+              <a:buFontTx/>
+              <a:buNone/>
+              <a:tabLst/>
+            </a:pPr>
+            <a:r>
+              <a:rPr kumimoji="0" lang="en-US" altLang="zh-TW" sz="2000" b="0" i="0" u="none" strike="noStrike" cap="none" normalizeH="0" baseline="0" dirty="0" err="1">
+                <a:ln>
+                  <a:noFill/>
+                </a:ln>
+                <a:solidFill>
+                  <a:schemeClr val="bg1"/>
+                </a:solidFill>
+                <a:effectLst/>
+                <a:latin typeface="微軟正黑體" panose="020B0604030504040204" pitchFamily="34" charset="-120"/>
+                <a:ea typeface="微軟正黑體" panose="020B0604030504040204" pitchFamily="34" charset="-120"/>
+              </a:rPr>
+              <a:t>npm</a:t>
+            </a:r>
+            <a:r>
+              <a:rPr kumimoji="0" lang="en-US" altLang="zh-TW" sz="2000" b="0" i="0" u="none" strike="noStrike" cap="none" normalizeH="0" baseline="0" dirty="0">
+                <a:ln>
+                  <a:noFill/>
+                </a:ln>
+                <a:solidFill>
+                  <a:schemeClr val="bg1"/>
+                </a:solidFill>
+                <a:effectLst/>
+                <a:latin typeface="微軟正黑體" panose="020B0604030504040204" pitchFamily="34" charset="-120"/>
+                <a:ea typeface="微軟正黑體" panose="020B0604030504040204" pitchFamily="34" charset="-120"/>
+              </a:rPr>
+              <a:t> install --save-dev sass sass-loader fibers</a:t>
+            </a:r>
+          </a:p>
+        </p:txBody>
+      </p:sp>
+    </p:spTree>
+    <p:extLst>
+      <p:ext uri="{BB962C8B-B14F-4D97-AF65-F5344CB8AC3E}">
+        <p14:creationId xmlns:p14="http://schemas.microsoft.com/office/powerpoint/2010/main" val="3612001647"/>
+      </p:ext>
+    </p:extLst>
+  </p:cSld>
+  <p:clrMapOvr>
+    <a:masterClrMapping/>
+  </p:clrMapOvr>
+</p:sld>
+</file>
+
+<file path=ppt/slides/slide8.xml><?xml version="1.0" encoding="utf-8"?>
+<p:sld xmlns:a="http://schemas.openxmlformats.org/drawingml/2006/main" xmlns:r="http://schemas.openxmlformats.org/officeDocument/2006/relationships" xmlns:p="http://schemas.openxmlformats.org/presentationml/2006/main">
+  <p:cSld>
+    <p:spTree>
+      <p:nvGrpSpPr>
+        <p:cNvPr id="1" name=""/>
+        <p:cNvGrpSpPr/>
+        <p:nvPr/>
+      </p:nvGrpSpPr>
+      <p:grpSpPr>
+        <a:xfrm>
+          <a:off x="0" y="0"/>
+          <a:ext cx="0" cy="0"/>
+          <a:chOff x="0" y="0"/>
+          <a:chExt cx="0" cy="0"/>
+        </a:xfrm>
+      </p:grpSpPr>
+      <p:sp>
+        <p:nvSpPr>
+          <p:cNvPr id="13" name="矩形 12">
+            <a:extLst>
+              <a:ext uri="{FF2B5EF4-FFF2-40B4-BE49-F238E27FC236}">
+                <a16:creationId xmlns:a16="http://schemas.microsoft.com/office/drawing/2014/main" id="{CAFA6D4A-519C-4CFB-AF6C-65CB06AB0410}"/>
+              </a:ext>
+            </a:extLst>
+          </p:cNvPr>
+          <p:cNvSpPr/>
+          <p:nvPr/>
+        </p:nvSpPr>
+        <p:spPr>
+          <a:xfrm>
+            <a:off x="2784751" y="3678046"/>
+            <a:ext cx="6350000" cy="730250"/>
+          </a:xfrm>
+          <a:prstGeom prst="rect">
+            <a:avLst/>
+          </a:prstGeom>
+        </p:spPr>
+        <p:style>
+          <a:lnRef idx="2">
+            <a:schemeClr val="dk1">
+              <a:shade val="50000"/>
+            </a:schemeClr>
+          </a:lnRef>
+          <a:fillRef idx="1">
+            <a:schemeClr val="dk1"/>
+          </a:fillRef>
+          <a:effectRef idx="0">
+            <a:schemeClr val="dk1"/>
+          </a:effectRef>
+          <a:fontRef idx="minor">
+            <a:schemeClr val="lt1"/>
+          </a:fontRef>
+        </p:style>
+        <p:txBody>
+          <a:bodyPr rtlCol="0" anchor="ctr"/>
+          <a:lstStyle/>
+          <a:p>
+            <a:pPr algn="ctr"/>
+            <a:endParaRPr lang="zh-TW" altLang="en-US"/>
+          </a:p>
+        </p:txBody>
+      </p:sp>
+      <p:sp>
+        <p:nvSpPr>
+          <p:cNvPr id="5" name="矩形 4">
+            <a:extLst>
+              <a:ext uri="{FF2B5EF4-FFF2-40B4-BE49-F238E27FC236}">
+                <a16:creationId xmlns:a16="http://schemas.microsoft.com/office/drawing/2014/main" id="{54D5A94F-0C49-4EC9-A889-1867AD4D0274}"/>
+              </a:ext>
+            </a:extLst>
+          </p:cNvPr>
+          <p:cNvSpPr/>
+          <p:nvPr/>
+        </p:nvSpPr>
+        <p:spPr>
+          <a:xfrm>
+            <a:off x="2809658" y="2109414"/>
+            <a:ext cx="6350000" cy="730250"/>
+          </a:xfrm>
+          <a:prstGeom prst="rect">
+            <a:avLst/>
+          </a:prstGeom>
+        </p:spPr>
+        <p:style>
+          <a:lnRef idx="2">
+            <a:schemeClr val="dk1">
+              <a:shade val="50000"/>
+            </a:schemeClr>
+          </a:lnRef>
+          <a:fillRef idx="1">
+            <a:schemeClr val="dk1"/>
+          </a:fillRef>
+          <a:effectRef idx="0">
+            <a:schemeClr val="dk1"/>
+          </a:effectRef>
+          <a:fontRef idx="minor">
+            <a:schemeClr val="lt1"/>
+          </a:fontRef>
+        </p:style>
+        <p:txBody>
+          <a:bodyPr rtlCol="0" anchor="ctr"/>
+          <a:lstStyle/>
+          <a:p>
+            <a:pPr algn="ctr"/>
+            <a:endParaRPr lang="zh-TW" altLang="en-US"/>
+          </a:p>
+        </p:txBody>
+      </p:sp>
+      <p:sp>
+        <p:nvSpPr>
+          <p:cNvPr id="2" name="標題 1">
+            <a:extLst>
+              <a:ext uri="{FF2B5EF4-FFF2-40B4-BE49-F238E27FC236}">
+                <a16:creationId xmlns:a16="http://schemas.microsoft.com/office/drawing/2014/main" id="{A1079603-FF49-4509-B778-86858F145633}"/>
+              </a:ext>
+            </a:extLst>
+          </p:cNvPr>
+          <p:cNvSpPr>
+            <a:spLocks noGrp="1"/>
+          </p:cNvSpPr>
+          <p:nvPr>
+            <p:ph type="title"/>
+          </p:nvPr>
+        </p:nvSpPr>
+        <p:spPr>
+          <a:xfrm>
+            <a:off x="2784751" y="557707"/>
+            <a:ext cx="6399814" cy="730251"/>
+          </a:xfrm>
+        </p:spPr>
+        <p:txBody>
+          <a:bodyPr>
+            <a:normAutofit/>
+          </a:bodyPr>
+          <a:lstStyle/>
+          <a:p>
+            <a:pPr algn="ctr"/>
+            <a:r>
+              <a:rPr lang="en-US" altLang="zh-TW" sz="3200" b="1" dirty="0" err="1">
+                <a:solidFill>
+                  <a:schemeClr val="bg1"/>
+                </a:solidFill>
+                <a:latin typeface="微軟正黑體" panose="020B0604030504040204" pitchFamily="34" charset="-120"/>
+                <a:ea typeface="微軟正黑體" panose="020B0604030504040204" pitchFamily="34" charset="-120"/>
+              </a:rPr>
+              <a:t>Nuxt</a:t>
+            </a:r>
+            <a:r>
+              <a:rPr lang="en-US" altLang="zh-TW" sz="3200" b="1" dirty="0">
+                <a:solidFill>
+                  <a:schemeClr val="bg1"/>
+                </a:solidFill>
+                <a:latin typeface="微軟正黑體" panose="020B0604030504040204" pitchFamily="34" charset="-120"/>
+                <a:ea typeface="微軟正黑體" panose="020B0604030504040204" pitchFamily="34" charset="-120"/>
+              </a:rPr>
+              <a:t> </a:t>
+            </a:r>
+            <a:r>
+              <a:rPr lang="zh-TW" altLang="en-US" sz="3200" b="1" dirty="0">
+                <a:solidFill>
+                  <a:schemeClr val="bg1"/>
+                </a:solidFill>
+                <a:latin typeface="微軟正黑體" panose="020B0604030504040204" pitchFamily="34" charset="-120"/>
+                <a:ea typeface="微軟正黑體" panose="020B0604030504040204" pitchFamily="34" charset="-120"/>
+              </a:rPr>
+              <a:t>使用 </a:t>
+            </a:r>
+            <a:r>
+              <a:rPr lang="en-US" altLang="zh-TW" sz="3200" b="1" dirty="0">
+                <a:solidFill>
+                  <a:schemeClr val="bg1"/>
+                </a:solidFill>
+                <a:latin typeface="微軟正黑體" panose="020B0604030504040204" pitchFamily="34" charset="-120"/>
+                <a:ea typeface="微軟正黑體" panose="020B0604030504040204" pitchFamily="34" charset="-120"/>
+              </a:rPr>
+              <a:t>Router</a:t>
+            </a:r>
+            <a:endParaRPr lang="zh-TW" altLang="en-US" sz="3200" b="1" dirty="0">
+              <a:solidFill>
+                <a:schemeClr val="bg1"/>
+              </a:solidFill>
+              <a:latin typeface="微軟正黑體" panose="020B0604030504040204" pitchFamily="34" charset="-120"/>
+              <a:ea typeface="微軟正黑體" panose="020B0604030504040204" pitchFamily="34" charset="-120"/>
+            </a:endParaRPr>
+          </a:p>
+        </p:txBody>
+      </p:sp>
+      <p:sp>
+        <p:nvSpPr>
+          <p:cNvPr id="6" name="文字方塊 5">
+            <a:extLst>
+              <a:ext uri="{FF2B5EF4-FFF2-40B4-BE49-F238E27FC236}">
+                <a16:creationId xmlns:a16="http://schemas.microsoft.com/office/drawing/2014/main" id="{7F563338-4366-46D7-B9CD-88E9B992B77B}"/>
+              </a:ext>
+            </a:extLst>
+          </p:cNvPr>
+          <p:cNvSpPr txBox="1"/>
+          <p:nvPr/>
+        </p:nvSpPr>
+        <p:spPr>
+          <a:xfrm>
+            <a:off x="2964227" y="2289873"/>
+            <a:ext cx="5186807" cy="369332"/>
+          </a:xfrm>
+          <a:prstGeom prst="rect">
+            <a:avLst/>
+          </a:prstGeom>
+          <a:noFill/>
+        </p:spPr>
+        <p:txBody>
+          <a:bodyPr wrap="square">
+            <a:spAutoFit/>
+          </a:bodyPr>
+          <a:lstStyle/>
+          <a:p>
+            <a:r>
+              <a:rPr lang="en-US" altLang="zh-TW" b="0" dirty="0">
+                <a:solidFill>
+                  <a:srgbClr val="F8F8F2"/>
+                </a:solidFill>
+                <a:effectLst/>
+                <a:latin typeface="Consolas" panose="020B0609020204030204" pitchFamily="49" charset="0"/>
+              </a:rPr>
+              <a:t> &lt;</a:t>
+            </a:r>
+            <a:r>
+              <a:rPr lang="en-US" altLang="zh-TW" b="0" i="1" dirty="0" err="1">
+                <a:solidFill>
+                  <a:srgbClr val="66D9EF"/>
+                </a:solidFill>
+                <a:effectLst/>
+                <a:latin typeface="Consolas" panose="020B0609020204030204" pitchFamily="49" charset="0"/>
+              </a:rPr>
+              <a:t>Nuxt</a:t>
+            </a:r>
+            <a:r>
+              <a:rPr lang="en-US" altLang="zh-TW" b="0" dirty="0">
+                <a:solidFill>
+                  <a:srgbClr val="F8F8F2"/>
+                </a:solidFill>
+                <a:effectLst/>
+                <a:latin typeface="Consolas" panose="020B0609020204030204" pitchFamily="49" charset="0"/>
+              </a:rPr>
+              <a:t> /&gt;</a:t>
+            </a:r>
+          </a:p>
+        </p:txBody>
+      </p:sp>
+      <p:sp>
+        <p:nvSpPr>
+          <p:cNvPr id="7" name="矩形 6">
+            <a:extLst>
+              <a:ext uri="{FF2B5EF4-FFF2-40B4-BE49-F238E27FC236}">
+                <a16:creationId xmlns:a16="http://schemas.microsoft.com/office/drawing/2014/main" id="{C1EDBC12-6FEB-4915-A634-3B1FDC138B1E}"/>
+              </a:ext>
+            </a:extLst>
+          </p:cNvPr>
+          <p:cNvSpPr/>
+          <p:nvPr/>
+        </p:nvSpPr>
+        <p:spPr>
+          <a:xfrm>
+            <a:off x="2809658" y="5246678"/>
+            <a:ext cx="6350000" cy="730250"/>
+          </a:xfrm>
+          <a:prstGeom prst="rect">
+            <a:avLst/>
+          </a:prstGeom>
+        </p:spPr>
+        <p:style>
+          <a:lnRef idx="2">
+            <a:schemeClr val="dk1">
+              <a:shade val="50000"/>
+            </a:schemeClr>
+          </a:lnRef>
+          <a:fillRef idx="1">
+            <a:schemeClr val="dk1"/>
+          </a:fillRef>
+          <a:effectRef idx="0">
+            <a:schemeClr val="dk1"/>
+          </a:effectRef>
+          <a:fontRef idx="minor">
+            <a:schemeClr val="lt1"/>
+          </a:fontRef>
+        </p:style>
+        <p:txBody>
+          <a:bodyPr rtlCol="0" anchor="ctr"/>
+          <a:lstStyle/>
+          <a:p>
+            <a:pPr algn="ctr"/>
+            <a:endParaRPr lang="zh-TW" altLang="en-US"/>
+          </a:p>
+        </p:txBody>
+      </p:sp>
+      <p:sp>
+        <p:nvSpPr>
+          <p:cNvPr id="8" name="文字方塊 7">
+            <a:extLst>
+              <a:ext uri="{FF2B5EF4-FFF2-40B4-BE49-F238E27FC236}">
+                <a16:creationId xmlns:a16="http://schemas.microsoft.com/office/drawing/2014/main" id="{8F493A46-5FD8-49FA-9F6C-D068EEDB5DA6}"/>
+              </a:ext>
+            </a:extLst>
+          </p:cNvPr>
+          <p:cNvSpPr txBox="1"/>
+          <p:nvPr/>
+        </p:nvSpPr>
+        <p:spPr>
+          <a:xfrm>
+            <a:off x="3053324" y="5427137"/>
+            <a:ext cx="5862668" cy="369332"/>
+          </a:xfrm>
+          <a:prstGeom prst="rect">
+            <a:avLst/>
+          </a:prstGeom>
+          <a:noFill/>
+        </p:spPr>
+        <p:txBody>
+          <a:bodyPr wrap="square">
+            <a:spAutoFit/>
+          </a:bodyPr>
+          <a:lstStyle/>
+          <a:p>
+            <a:r>
+              <a:rPr lang="en-US" altLang="zh-TW" b="0" dirty="0">
+                <a:solidFill>
+                  <a:srgbClr val="F8F8F2"/>
+                </a:solidFill>
+                <a:effectLst/>
+                <a:latin typeface="Consolas" panose="020B0609020204030204" pitchFamily="49" charset="0"/>
+              </a:rPr>
+              <a:t>&lt;</a:t>
+            </a:r>
+            <a:r>
+              <a:rPr lang="en-US" altLang="zh-TW" b="0" i="1" dirty="0" err="1">
+                <a:solidFill>
+                  <a:srgbClr val="66D9EF"/>
+                </a:solidFill>
+                <a:effectLst/>
+                <a:latin typeface="Consolas" panose="020B0609020204030204" pitchFamily="49" charset="0"/>
+              </a:rPr>
+              <a:t>NuxtLink</a:t>
+            </a:r>
+            <a:r>
+              <a:rPr lang="en-US" altLang="zh-TW" b="0" dirty="0">
+                <a:solidFill>
+                  <a:srgbClr val="F8F8F2"/>
+                </a:solidFill>
+                <a:effectLst/>
+                <a:latin typeface="Consolas" panose="020B0609020204030204" pitchFamily="49" charset="0"/>
+              </a:rPr>
+              <a:t> </a:t>
+            </a:r>
+            <a:r>
+              <a:rPr lang="en-US" altLang="zh-TW" b="0" dirty="0">
+                <a:solidFill>
+                  <a:srgbClr val="A6E22E"/>
+                </a:solidFill>
+                <a:effectLst/>
+                <a:latin typeface="Consolas" panose="020B0609020204030204" pitchFamily="49" charset="0"/>
+              </a:rPr>
+              <a:t>to</a:t>
+            </a:r>
+            <a:r>
+              <a:rPr lang="en-US" altLang="zh-TW" b="0" dirty="0">
+                <a:solidFill>
+                  <a:srgbClr val="F8F8F2"/>
+                </a:solidFill>
+                <a:effectLst/>
+                <a:latin typeface="Consolas" panose="020B0609020204030204" pitchFamily="49" charset="0"/>
+              </a:rPr>
+              <a:t>=</a:t>
+            </a:r>
+            <a:r>
+              <a:rPr lang="en-US" altLang="zh-TW" b="0" dirty="0">
+                <a:solidFill>
+                  <a:srgbClr val="FFEE99"/>
+                </a:solidFill>
+                <a:effectLst/>
+                <a:latin typeface="Consolas" panose="020B0609020204030204" pitchFamily="49" charset="0"/>
+              </a:rPr>
+              <a:t>"/about"</a:t>
+            </a:r>
+            <a:r>
+              <a:rPr lang="en-US" altLang="zh-TW" b="0" dirty="0">
+                <a:solidFill>
+                  <a:srgbClr val="F8F8F2"/>
+                </a:solidFill>
+                <a:effectLst/>
+                <a:latin typeface="Consolas" panose="020B0609020204030204" pitchFamily="49" charset="0"/>
+              </a:rPr>
+              <a:t>&gt;about page&lt;/</a:t>
+            </a:r>
+            <a:r>
+              <a:rPr lang="en-US" altLang="zh-TW" b="0" i="1" dirty="0" err="1">
+                <a:solidFill>
+                  <a:srgbClr val="66D9EF"/>
+                </a:solidFill>
+                <a:effectLst/>
+                <a:latin typeface="Consolas" panose="020B0609020204030204" pitchFamily="49" charset="0"/>
+              </a:rPr>
+              <a:t>NuxtLink</a:t>
+            </a:r>
+            <a:r>
+              <a:rPr lang="en-US" altLang="zh-TW" b="0" dirty="0">
+                <a:solidFill>
+                  <a:srgbClr val="F8F8F2"/>
+                </a:solidFill>
+                <a:effectLst/>
+                <a:latin typeface="Consolas" panose="020B0609020204030204" pitchFamily="49" charset="0"/>
+              </a:rPr>
+              <a:t>&gt;</a:t>
+            </a:r>
+          </a:p>
+        </p:txBody>
+      </p:sp>
+      <p:sp>
+        <p:nvSpPr>
+          <p:cNvPr id="9" name="標題 1">
+            <a:extLst>
+              <a:ext uri="{FF2B5EF4-FFF2-40B4-BE49-F238E27FC236}">
+                <a16:creationId xmlns:a16="http://schemas.microsoft.com/office/drawing/2014/main" id="{5D8D5E41-88ED-488C-B92A-7D8C2ED2E238}"/>
+              </a:ext>
+            </a:extLst>
+          </p:cNvPr>
+          <p:cNvSpPr txBox="1">
+            <a:spLocks/>
+          </p:cNvSpPr>
+          <p:nvPr/>
+        </p:nvSpPr>
+        <p:spPr>
+          <a:xfrm>
+            <a:off x="2809658" y="1648422"/>
+            <a:ext cx="5017447" cy="421586"/>
+          </a:xfrm>
+          <a:prstGeom prst="rect">
+            <a:avLst/>
+          </a:prstGeom>
+        </p:spPr>
+        <p:txBody>
+          <a:bodyPr vert="horz" lIns="91440" tIns="45720" rIns="91440" bIns="45720" rtlCol="0" anchor="ctr">
+            <a:normAutofit/>
+          </a:bodyPr>
+          <a:lstStyle>
+            <a:lvl1pPr algn="l" defTabSz="914400" rtl="0" eaLnBrk="1" latinLnBrk="0" hangingPunct="1">
+              <a:lnSpc>
+                <a:spcPct val="90000"/>
+              </a:lnSpc>
+              <a:spcBef>
+                <a:spcPct val="0"/>
+              </a:spcBef>
+              <a:buNone/>
+              <a:defRPr sz="4400" kern="1200">
+                <a:solidFill>
+                  <a:schemeClr val="tx1"/>
+                </a:solidFill>
+                <a:latin typeface="+mj-lt"/>
+                <a:ea typeface="+mj-ea"/>
+                <a:cs typeface="+mj-cs"/>
+              </a:defRPr>
+            </a:lvl1pPr>
+          </a:lstStyle>
+          <a:p>
+            <a:r>
+              <a:rPr lang="en-US" altLang="zh-TW" sz="1800" b="1" dirty="0">
+                <a:solidFill>
+                  <a:schemeClr val="bg1"/>
+                </a:solidFill>
+                <a:latin typeface="微軟正黑體" panose="020B0604030504040204" pitchFamily="34" charset="-120"/>
+                <a:ea typeface="微軟正黑體" panose="020B0604030504040204" pitchFamily="34" charset="-120"/>
+              </a:rPr>
+              <a:t>Router </a:t>
+            </a:r>
+            <a:r>
+              <a:rPr lang="zh-TW" altLang="en-US" sz="1800" b="1" dirty="0">
+                <a:solidFill>
+                  <a:schemeClr val="bg1"/>
+                </a:solidFill>
+                <a:latin typeface="微軟正黑體" panose="020B0604030504040204" pitchFamily="34" charset="-120"/>
+                <a:ea typeface="微軟正黑體" panose="020B0604030504040204" pitchFamily="34" charset="-120"/>
+              </a:rPr>
+              <a:t>更換頁面的進入點</a:t>
+            </a:r>
+          </a:p>
+        </p:txBody>
+      </p:sp>
+      <p:sp>
+        <p:nvSpPr>
+          <p:cNvPr id="10" name="標題 1">
+            <a:extLst>
+              <a:ext uri="{FF2B5EF4-FFF2-40B4-BE49-F238E27FC236}">
+                <a16:creationId xmlns:a16="http://schemas.microsoft.com/office/drawing/2014/main" id="{D9210609-20F6-48EB-97AD-3790FD687410}"/>
+              </a:ext>
+            </a:extLst>
+          </p:cNvPr>
+          <p:cNvSpPr txBox="1">
+            <a:spLocks/>
+          </p:cNvSpPr>
+          <p:nvPr/>
+        </p:nvSpPr>
+        <p:spPr>
+          <a:xfrm>
+            <a:off x="2757596" y="4822129"/>
+            <a:ext cx="5017447" cy="421586"/>
+          </a:xfrm>
+          <a:prstGeom prst="rect">
+            <a:avLst/>
+          </a:prstGeom>
+        </p:spPr>
+        <p:txBody>
+          <a:bodyPr vert="horz" lIns="91440" tIns="45720" rIns="91440" bIns="45720" rtlCol="0" anchor="ctr">
+            <a:normAutofit/>
+          </a:bodyPr>
+          <a:lstStyle>
+            <a:lvl1pPr algn="l" defTabSz="914400" rtl="0" eaLnBrk="1" latinLnBrk="0" hangingPunct="1">
+              <a:lnSpc>
+                <a:spcPct val="90000"/>
+              </a:lnSpc>
+              <a:spcBef>
+                <a:spcPct val="0"/>
+              </a:spcBef>
+              <a:buNone/>
+              <a:defRPr sz="4400" kern="1200">
+                <a:solidFill>
+                  <a:schemeClr val="tx1"/>
+                </a:solidFill>
+                <a:latin typeface="+mj-lt"/>
+                <a:ea typeface="+mj-ea"/>
+                <a:cs typeface="+mj-cs"/>
+              </a:defRPr>
+            </a:lvl1pPr>
+          </a:lstStyle>
+          <a:p>
+            <a:r>
+              <a:rPr lang="en-US" altLang="zh-TW" sz="1800" b="1" dirty="0" err="1">
+                <a:solidFill>
+                  <a:schemeClr val="bg1"/>
+                </a:solidFill>
+                <a:latin typeface="微軟正黑體" panose="020B0604030504040204" pitchFamily="34" charset="-120"/>
+                <a:ea typeface="微軟正黑體" panose="020B0604030504040204" pitchFamily="34" charset="-120"/>
+              </a:rPr>
+              <a:t>Nuxt</a:t>
+            </a:r>
+            <a:r>
+              <a:rPr lang="zh-TW" altLang="en-US" sz="1800" b="1" dirty="0">
+                <a:solidFill>
+                  <a:schemeClr val="bg1"/>
+                </a:solidFill>
+                <a:latin typeface="微軟正黑體" panose="020B0604030504040204" pitchFamily="34" charset="-120"/>
+                <a:ea typeface="微軟正黑體" panose="020B0604030504040204" pitchFamily="34" charset="-120"/>
+              </a:rPr>
+              <a:t> 切換頁面的超連結元件</a:t>
+            </a:r>
+          </a:p>
+        </p:txBody>
+      </p:sp>
+      <p:sp>
+        <p:nvSpPr>
+          <p:cNvPr id="12" name="文字方塊 11">
+            <a:extLst>
+              <a:ext uri="{FF2B5EF4-FFF2-40B4-BE49-F238E27FC236}">
+                <a16:creationId xmlns:a16="http://schemas.microsoft.com/office/drawing/2014/main" id="{20A45A65-5828-4A6B-86DC-289A984A24C4}"/>
+              </a:ext>
+            </a:extLst>
+          </p:cNvPr>
+          <p:cNvSpPr txBox="1"/>
+          <p:nvPr/>
+        </p:nvSpPr>
+        <p:spPr>
+          <a:xfrm>
+            <a:off x="2979865" y="3863166"/>
+            <a:ext cx="6096000" cy="369332"/>
+          </a:xfrm>
+          <a:prstGeom prst="rect">
+            <a:avLst/>
+          </a:prstGeom>
+          <a:noFill/>
+        </p:spPr>
+        <p:txBody>
+          <a:bodyPr wrap="square">
+            <a:spAutoFit/>
+          </a:bodyPr>
+          <a:lstStyle/>
+          <a:p>
+            <a:r>
+              <a:rPr lang="en-US" altLang="zh-TW" b="0" dirty="0">
+                <a:solidFill>
+                  <a:srgbClr val="F8F8F2"/>
+                </a:solidFill>
+                <a:effectLst/>
+                <a:latin typeface="Consolas" panose="020B0609020204030204" pitchFamily="49" charset="0"/>
+              </a:rPr>
+              <a:t>&lt;</a:t>
+            </a:r>
+            <a:r>
+              <a:rPr lang="en-US" altLang="zh-TW" b="0" i="1" dirty="0" err="1">
+                <a:solidFill>
+                  <a:srgbClr val="66D9EF"/>
+                </a:solidFill>
+                <a:effectLst/>
+                <a:latin typeface="Consolas" panose="020B0609020204030204" pitchFamily="49" charset="0"/>
+              </a:rPr>
+              <a:t>NuxtChild</a:t>
+            </a:r>
+            <a:r>
+              <a:rPr lang="en-US" altLang="zh-TW" b="0" dirty="0">
+                <a:solidFill>
+                  <a:srgbClr val="F8F8F2"/>
+                </a:solidFill>
+                <a:effectLst/>
+                <a:latin typeface="Consolas" panose="020B0609020204030204" pitchFamily="49" charset="0"/>
+              </a:rPr>
+              <a:t> /&gt;</a:t>
+            </a:r>
+          </a:p>
+        </p:txBody>
+      </p:sp>
+      <p:sp>
+        <p:nvSpPr>
+          <p:cNvPr id="14" name="標題 1">
+            <a:extLst>
+              <a:ext uri="{FF2B5EF4-FFF2-40B4-BE49-F238E27FC236}">
+                <a16:creationId xmlns:a16="http://schemas.microsoft.com/office/drawing/2014/main" id="{69D0AFD0-E266-4F40-A4A0-664AEAB1CAE7}"/>
+              </a:ext>
+            </a:extLst>
+          </p:cNvPr>
+          <p:cNvSpPr txBox="1">
+            <a:spLocks/>
+          </p:cNvSpPr>
+          <p:nvPr/>
+        </p:nvSpPr>
+        <p:spPr>
+          <a:xfrm>
+            <a:off x="2757596" y="3261121"/>
+            <a:ext cx="5017447" cy="421586"/>
+          </a:xfrm>
+          <a:prstGeom prst="rect">
+            <a:avLst/>
+          </a:prstGeom>
+        </p:spPr>
+        <p:txBody>
+          <a:bodyPr vert="horz" lIns="91440" tIns="45720" rIns="91440" bIns="45720" rtlCol="0" anchor="ctr">
+            <a:normAutofit/>
+          </a:bodyPr>
+          <a:lstStyle>
+            <a:lvl1pPr algn="l" defTabSz="914400" rtl="0" eaLnBrk="1" latinLnBrk="0" hangingPunct="1">
+              <a:lnSpc>
+                <a:spcPct val="90000"/>
+              </a:lnSpc>
+              <a:spcBef>
+                <a:spcPct val="0"/>
+              </a:spcBef>
+              <a:buNone/>
+              <a:defRPr sz="4400" kern="1200">
+                <a:solidFill>
+                  <a:schemeClr val="tx1"/>
+                </a:solidFill>
+                <a:latin typeface="+mj-lt"/>
+                <a:ea typeface="+mj-ea"/>
+                <a:cs typeface="+mj-cs"/>
+              </a:defRPr>
+            </a:lvl1pPr>
+          </a:lstStyle>
+          <a:p>
+            <a:r>
+              <a:rPr lang="zh-TW" altLang="en-US" sz="1800" b="1" dirty="0">
+                <a:solidFill>
+                  <a:schemeClr val="bg1"/>
+                </a:solidFill>
+                <a:latin typeface="微軟正黑體" panose="020B0604030504040204" pitchFamily="34" charset="-120"/>
+                <a:ea typeface="微軟正黑體" panose="020B0604030504040204" pitchFamily="34" charset="-120"/>
+              </a:rPr>
+              <a:t>嵌套 </a:t>
+            </a:r>
+            <a:r>
+              <a:rPr lang="en-US" altLang="zh-TW" sz="1800" b="1" dirty="0">
+                <a:solidFill>
+                  <a:schemeClr val="bg1"/>
+                </a:solidFill>
+                <a:latin typeface="微軟正黑體" panose="020B0604030504040204" pitchFamily="34" charset="-120"/>
+                <a:ea typeface="微軟正黑體" panose="020B0604030504040204" pitchFamily="34" charset="-120"/>
+              </a:rPr>
+              <a:t>router</a:t>
+            </a:r>
+            <a:r>
+              <a:rPr lang="zh-TW" altLang="en-US" sz="1800" b="1" dirty="0">
+                <a:solidFill>
+                  <a:schemeClr val="bg1"/>
+                </a:solidFill>
+                <a:latin typeface="微軟正黑體" panose="020B0604030504040204" pitchFamily="34" charset="-120"/>
+                <a:ea typeface="微軟正黑體" panose="020B0604030504040204" pitchFamily="34" charset="-120"/>
+              </a:rPr>
+              <a:t> 所更換頁面的進入點</a:t>
+            </a:r>
+          </a:p>
+        </p:txBody>
+      </p:sp>
+    </p:spTree>
+    <p:extLst>
+      <p:ext uri="{BB962C8B-B14F-4D97-AF65-F5344CB8AC3E}">
+        <p14:creationId xmlns:p14="http://schemas.microsoft.com/office/powerpoint/2010/main" val="1775119758"/>
+      </p:ext>
+    </p:extLst>
+  </p:cSld>
+  <p:clrMapOvr>
+    <a:masterClrMapping/>
+  </p:clrMapOvr>
+</p:sld>
+</file>
+
+<file path=ppt/slides/slide9.xml><?xml version="1.0" encoding="utf-8"?>
+<p:sld xmlns:a="http://schemas.openxmlformats.org/drawingml/2006/main" xmlns:r="http://schemas.openxmlformats.org/officeDocument/2006/relationships" xmlns:p="http://schemas.openxmlformats.org/presentationml/2006/main">
+  <p:cSld>
+    <p:spTree>
+      <p:nvGrpSpPr>
+        <p:cNvPr id="1" name=""/>
+        <p:cNvGrpSpPr/>
+        <p:nvPr/>
+      </p:nvGrpSpPr>
+      <p:grpSpPr>
+        <a:xfrm>
+          <a:off x="0" y="0"/>
+          <a:ext cx="0" cy="0"/>
+          <a:chOff x="0" y="0"/>
+          <a:chExt cx="0" cy="0"/>
+        </a:xfrm>
+      </p:grpSpPr>
+      <p:sp>
+        <p:nvSpPr>
+          <p:cNvPr id="2" name="標題 1">
+            <a:extLst>
+              <a:ext uri="{FF2B5EF4-FFF2-40B4-BE49-F238E27FC236}">
+                <a16:creationId xmlns:a16="http://schemas.microsoft.com/office/drawing/2014/main" id="{112BA3E3-9D25-4DE9-B150-F6EE66E14F5C}"/>
+              </a:ext>
+            </a:extLst>
+          </p:cNvPr>
+          <p:cNvSpPr>
+            <a:spLocks noGrp="1"/>
+          </p:cNvSpPr>
+          <p:nvPr>
+            <p:ph type="title"/>
+          </p:nvPr>
+        </p:nvSpPr>
+        <p:spPr>
+          <a:xfrm>
+            <a:off x="3118048" y="2773401"/>
+            <a:ext cx="5634540" cy="940994"/>
+          </a:xfrm>
+        </p:spPr>
+        <p:txBody>
+          <a:bodyPr/>
+          <a:lstStyle/>
+          <a:p>
+            <a:pPr algn="ctr"/>
+            <a:r>
+              <a:rPr lang="zh-TW" altLang="en-US" b="1" dirty="0">
+                <a:solidFill>
+                  <a:schemeClr val="bg1"/>
+                </a:solidFill>
+                <a:latin typeface="微軟正黑體" panose="020B0604030504040204" pitchFamily="34" charset="-120"/>
+                <a:ea typeface="微軟正黑體" panose="020B0604030504040204" pitchFamily="34" charset="-120"/>
+              </a:rPr>
+              <a:t>客制化</a:t>
+            </a:r>
+            <a:r>
+              <a:rPr lang="en-US" altLang="zh-TW" b="1" dirty="0">
+                <a:solidFill>
+                  <a:schemeClr val="bg1"/>
+                </a:solidFill>
+                <a:latin typeface="微軟正黑體" panose="020B0604030504040204" pitchFamily="34" charset="-120"/>
+                <a:ea typeface="微軟正黑體" panose="020B0604030504040204" pitchFamily="34" charset="-120"/>
+              </a:rPr>
+              <a:t>Loading</a:t>
+            </a:r>
+            <a:endParaRPr lang="zh-TW" altLang="en-US" b="1" dirty="0">
+              <a:solidFill>
+                <a:schemeClr val="bg1"/>
+              </a:solidFill>
+              <a:latin typeface="微軟正黑體" panose="020B0604030504040204" pitchFamily="34" charset="-120"/>
+              <a:ea typeface="微軟正黑體" panose="020B0604030504040204" pitchFamily="34" charset="-120"/>
+            </a:endParaRPr>
+          </a:p>
+        </p:txBody>
+      </p:sp>
+      <p:sp>
+        <p:nvSpPr>
+          <p:cNvPr id="3" name="內容版面配置區 2">
+            <a:extLst>
+              <a:ext uri="{FF2B5EF4-FFF2-40B4-BE49-F238E27FC236}">
+                <a16:creationId xmlns:a16="http://schemas.microsoft.com/office/drawing/2014/main" id="{61A40D72-0C4F-4D4F-9BA3-A762DF919985}"/>
+              </a:ext>
+            </a:extLst>
+          </p:cNvPr>
+          <p:cNvSpPr>
+            <a:spLocks noGrp="1"/>
+          </p:cNvSpPr>
+          <p:nvPr>
+            <p:ph idx="1"/>
+          </p:nvPr>
+        </p:nvSpPr>
+        <p:spPr>
+          <a:xfrm>
+            <a:off x="2018117" y="3714395"/>
+            <a:ext cx="7834401" cy="431642"/>
+          </a:xfrm>
+        </p:spPr>
+        <p:txBody>
+          <a:bodyPr>
+            <a:normAutofit/>
+          </a:bodyPr>
+          <a:lstStyle/>
+          <a:p>
+            <a:pPr marL="0" indent="0" algn="ctr">
+              <a:buNone/>
+            </a:pPr>
+            <a:r>
+              <a:rPr lang="en-US" altLang="zh-TW" sz="1800" dirty="0">
+                <a:solidFill>
+                  <a:schemeClr val="bg1"/>
+                </a:solidFill>
+              </a:rPr>
+              <a:t>https://nuxtjs.org/docs/2.x/configuration-glossary/configuration-loading</a:t>
+            </a:r>
+            <a:endParaRPr lang="zh-TW" altLang="en-US" sz="1800" dirty="0">
+              <a:solidFill>
+                <a:schemeClr val="bg1"/>
+              </a:solidFill>
+            </a:endParaRPr>
+          </a:p>
+        </p:txBody>
+      </p:sp>
+    </p:spTree>
+    <p:extLst>
+      <p:ext uri="{BB962C8B-B14F-4D97-AF65-F5344CB8AC3E}">
+        <p14:creationId xmlns:p14="http://schemas.microsoft.com/office/powerpoint/2010/main" val="3238687708"/>
       </p:ext>
     </p:extLst>
   </p:cSld>

--- a/nuxt.pptx
+++ b/nuxt.pptx
@@ -15,9 +15,11 @@
     <p:sldId id="270" r:id="rId9"/>
     <p:sldId id="271" r:id="rId10"/>
     <p:sldId id="272" r:id="rId11"/>
-    <p:sldId id="269" r:id="rId12"/>
-    <p:sldId id="265" r:id="rId13"/>
-    <p:sldId id="268" r:id="rId14"/>
+    <p:sldId id="273" r:id="rId12"/>
+    <p:sldId id="274" r:id="rId13"/>
+    <p:sldId id="269" r:id="rId14"/>
+    <p:sldId id="265" r:id="rId15"/>
+    <p:sldId id="268" r:id="rId16"/>
   </p:sldIdLst>
   <p:sldSz cx="12192000" cy="6858000"/>
   <p:notesSz cx="6858000" cy="9144000"/>
@@ -131,6 +133,8 @@
             <p14:sldId id="270"/>
             <p14:sldId id="271"/>
             <p14:sldId id="272"/>
+            <p14:sldId id="273"/>
+            <p14:sldId id="274"/>
             <p14:sldId id="269"/>
             <p14:sldId id="265"/>
             <p14:sldId id="268"/>
@@ -3734,6 +3738,455 @@
       </p:grpSpPr>
       <p:sp>
         <p:nvSpPr>
+          <p:cNvPr id="2" name="標題 1">
+            <a:extLst>
+              <a:ext uri="{FF2B5EF4-FFF2-40B4-BE49-F238E27FC236}">
+                <a16:creationId xmlns:a16="http://schemas.microsoft.com/office/drawing/2014/main" id="{112BA3E3-9D25-4DE9-B150-F6EE66E14F5C}"/>
+              </a:ext>
+            </a:extLst>
+          </p:cNvPr>
+          <p:cNvSpPr>
+            <a:spLocks noGrp="1"/>
+          </p:cNvSpPr>
+          <p:nvPr>
+            <p:ph type="title"/>
+          </p:nvPr>
+        </p:nvSpPr>
+        <p:spPr>
+          <a:xfrm>
+            <a:off x="3118048" y="2773401"/>
+            <a:ext cx="5634540" cy="940994"/>
+          </a:xfrm>
+        </p:spPr>
+        <p:txBody>
+          <a:bodyPr/>
+          <a:lstStyle/>
+          <a:p>
+            <a:pPr algn="ctr"/>
+            <a:r>
+              <a:rPr lang="en-US" altLang="zh-TW" b="1" dirty="0">
+                <a:solidFill>
+                  <a:schemeClr val="bg1"/>
+                </a:solidFill>
+                <a:latin typeface="Quicksand"/>
+              </a:rPr>
+              <a:t>P</a:t>
+            </a:r>
+            <a:r>
+              <a:rPr lang="en-US" altLang="zh-TW" b="1" i="0" dirty="0">
+                <a:solidFill>
+                  <a:schemeClr val="bg1"/>
+                </a:solidFill>
+                <a:effectLst/>
+                <a:latin typeface="Quicksand"/>
+              </a:rPr>
+              <a:t>lugins</a:t>
+            </a:r>
+          </a:p>
+        </p:txBody>
+      </p:sp>
+      <p:sp>
+        <p:nvSpPr>
+          <p:cNvPr id="3" name="內容版面配置區 2">
+            <a:extLst>
+              <a:ext uri="{FF2B5EF4-FFF2-40B4-BE49-F238E27FC236}">
+                <a16:creationId xmlns:a16="http://schemas.microsoft.com/office/drawing/2014/main" id="{61A40D72-0C4F-4D4F-9BA3-A762DF919985}"/>
+              </a:ext>
+            </a:extLst>
+          </p:cNvPr>
+          <p:cNvSpPr>
+            <a:spLocks noGrp="1"/>
+          </p:cNvSpPr>
+          <p:nvPr>
+            <p:ph idx="1"/>
+          </p:nvPr>
+        </p:nvSpPr>
+        <p:spPr>
+          <a:xfrm>
+            <a:off x="2018117" y="3714395"/>
+            <a:ext cx="7834401" cy="431642"/>
+          </a:xfrm>
+        </p:spPr>
+        <p:txBody>
+          <a:bodyPr>
+            <a:normAutofit/>
+          </a:bodyPr>
+          <a:lstStyle/>
+          <a:p>
+            <a:pPr marL="0" indent="0" algn="ctr">
+              <a:buNone/>
+            </a:pPr>
+            <a:r>
+              <a:rPr lang="en-US" altLang="zh-TW" sz="1800" dirty="0">
+                <a:solidFill>
+                  <a:schemeClr val="bg1"/>
+                </a:solidFill>
+              </a:rPr>
+              <a:t>https://nuxtjs.org/docs/2.x/directory-structure/plugins</a:t>
+            </a:r>
+            <a:endParaRPr lang="zh-TW" altLang="en-US" sz="1800" dirty="0">
+              <a:solidFill>
+                <a:schemeClr val="bg1"/>
+              </a:solidFill>
+            </a:endParaRPr>
+          </a:p>
+        </p:txBody>
+      </p:sp>
+    </p:spTree>
+    <p:extLst>
+      <p:ext uri="{BB962C8B-B14F-4D97-AF65-F5344CB8AC3E}">
+        <p14:creationId xmlns:p14="http://schemas.microsoft.com/office/powerpoint/2010/main" val="3474339371"/>
+      </p:ext>
+    </p:extLst>
+  </p:cSld>
+  <p:clrMapOvr>
+    <a:masterClrMapping/>
+  </p:clrMapOvr>
+</p:sld>
+</file>
+
+<file path=ppt/slides/slide12.xml><?xml version="1.0" encoding="utf-8"?>
+<p:sld xmlns:a="http://schemas.openxmlformats.org/drawingml/2006/main" xmlns:r="http://schemas.openxmlformats.org/officeDocument/2006/relationships" xmlns:p="http://schemas.openxmlformats.org/presentationml/2006/main">
+  <p:cSld>
+    <p:spTree>
+      <p:nvGrpSpPr>
+        <p:cNvPr id="1" name=""/>
+        <p:cNvGrpSpPr/>
+        <p:nvPr/>
+      </p:nvGrpSpPr>
+      <p:grpSpPr>
+        <a:xfrm>
+          <a:off x="0" y="0"/>
+          <a:ext cx="0" cy="0"/>
+          <a:chOff x="0" y="0"/>
+          <a:chExt cx="0" cy="0"/>
+        </a:xfrm>
+      </p:grpSpPr>
+      <p:sp>
+        <p:nvSpPr>
+          <p:cNvPr id="10" name="矩形 9">
+            <a:extLst>
+              <a:ext uri="{FF2B5EF4-FFF2-40B4-BE49-F238E27FC236}">
+                <a16:creationId xmlns:a16="http://schemas.microsoft.com/office/drawing/2014/main" id="{40E9189E-9975-4676-99BC-E20427CF1B96}"/>
+              </a:ext>
+            </a:extLst>
+          </p:cNvPr>
+          <p:cNvSpPr/>
+          <p:nvPr/>
+        </p:nvSpPr>
+        <p:spPr>
+          <a:xfrm>
+            <a:off x="3259088" y="2839750"/>
+            <a:ext cx="5673824" cy="2090057"/>
+          </a:xfrm>
+          <a:prstGeom prst="rect">
+            <a:avLst/>
+          </a:prstGeom>
+        </p:spPr>
+        <p:style>
+          <a:lnRef idx="2">
+            <a:schemeClr val="dk1">
+              <a:shade val="50000"/>
+            </a:schemeClr>
+          </a:lnRef>
+          <a:fillRef idx="1">
+            <a:schemeClr val="dk1"/>
+          </a:fillRef>
+          <a:effectRef idx="0">
+            <a:schemeClr val="dk1"/>
+          </a:effectRef>
+          <a:fontRef idx="minor">
+            <a:schemeClr val="lt1"/>
+          </a:fontRef>
+        </p:style>
+        <p:txBody>
+          <a:bodyPr rtlCol="0" anchor="ctr"/>
+          <a:lstStyle/>
+          <a:p>
+            <a:pPr algn="ctr"/>
+            <a:endParaRPr lang="zh-TW" altLang="en-US"/>
+          </a:p>
+        </p:txBody>
+      </p:sp>
+      <p:sp>
+        <p:nvSpPr>
+          <p:cNvPr id="7" name="標題 1">
+            <a:extLst>
+              <a:ext uri="{FF2B5EF4-FFF2-40B4-BE49-F238E27FC236}">
+                <a16:creationId xmlns:a16="http://schemas.microsoft.com/office/drawing/2014/main" id="{F4E8A01D-7D4E-424E-A20F-D7C4D3A50C5E}"/>
+              </a:ext>
+            </a:extLst>
+          </p:cNvPr>
+          <p:cNvSpPr>
+            <a:spLocks noGrp="1"/>
+          </p:cNvSpPr>
+          <p:nvPr>
+            <p:ph type="title"/>
+          </p:nvPr>
+        </p:nvSpPr>
+        <p:spPr>
+          <a:xfrm>
+            <a:off x="2746983" y="1728779"/>
+            <a:ext cx="6395121" cy="940994"/>
+          </a:xfrm>
+        </p:spPr>
+        <p:txBody>
+          <a:bodyPr>
+            <a:normAutofit/>
+          </a:bodyPr>
+          <a:lstStyle/>
+          <a:p>
+            <a:pPr algn="ctr"/>
+            <a:r>
+              <a:rPr lang="zh-TW" altLang="en-US" sz="3600" b="1" dirty="0">
+                <a:solidFill>
+                  <a:schemeClr val="bg1"/>
+                </a:solidFill>
+                <a:latin typeface="微軟正黑體" panose="020B0604030504040204" pitchFamily="34" charset="-120"/>
+                <a:ea typeface="微軟正黑體" panose="020B0604030504040204" pitchFamily="34" charset="-120"/>
+              </a:rPr>
+              <a:t>自己撰寫 </a:t>
+            </a:r>
+            <a:r>
+              <a:rPr lang="en-US" altLang="zh-TW" sz="3600" b="1" dirty="0">
+                <a:solidFill>
+                  <a:schemeClr val="bg1"/>
+                </a:solidFill>
+                <a:latin typeface="微軟正黑體" panose="020B0604030504040204" pitchFamily="34" charset="-120"/>
+                <a:ea typeface="微軟正黑體" panose="020B0604030504040204" pitchFamily="34" charset="-120"/>
+              </a:rPr>
+              <a:t>P</a:t>
+            </a:r>
+            <a:r>
+              <a:rPr lang="en-US" altLang="zh-TW" sz="3600" b="1" i="0" dirty="0">
+                <a:solidFill>
+                  <a:schemeClr val="bg1"/>
+                </a:solidFill>
+                <a:effectLst/>
+                <a:latin typeface="微軟正黑體" panose="020B0604030504040204" pitchFamily="34" charset="-120"/>
+                <a:ea typeface="微軟正黑體" panose="020B0604030504040204" pitchFamily="34" charset="-120"/>
+              </a:rPr>
+              <a:t>lugins</a:t>
+            </a:r>
+            <a:r>
+              <a:rPr lang="zh-TW" altLang="en-US" sz="3600" b="1" i="0" dirty="0">
+                <a:solidFill>
+                  <a:schemeClr val="bg1"/>
+                </a:solidFill>
+                <a:effectLst/>
+                <a:latin typeface="微軟正黑體" panose="020B0604030504040204" pitchFamily="34" charset="-120"/>
+                <a:ea typeface="微軟正黑體" panose="020B0604030504040204" pitchFamily="34" charset="-120"/>
+              </a:rPr>
+              <a:t> 起手式</a:t>
+            </a:r>
+            <a:endParaRPr lang="en-US" altLang="zh-TW" sz="3600" b="1" i="0" dirty="0">
+              <a:solidFill>
+                <a:schemeClr val="bg1"/>
+              </a:solidFill>
+              <a:effectLst/>
+              <a:latin typeface="微軟正黑體" panose="020B0604030504040204" pitchFamily="34" charset="-120"/>
+              <a:ea typeface="微軟正黑體" panose="020B0604030504040204" pitchFamily="34" charset="-120"/>
+            </a:endParaRPr>
+          </a:p>
+        </p:txBody>
+      </p:sp>
+      <p:sp>
+        <p:nvSpPr>
+          <p:cNvPr id="9" name="文字方塊 8">
+            <a:extLst>
+              <a:ext uri="{FF2B5EF4-FFF2-40B4-BE49-F238E27FC236}">
+                <a16:creationId xmlns:a16="http://schemas.microsoft.com/office/drawing/2014/main" id="{6314FCDF-06C5-4997-B39E-81AD84EB1DBD}"/>
+              </a:ext>
+            </a:extLst>
+          </p:cNvPr>
+          <p:cNvSpPr txBox="1"/>
+          <p:nvPr/>
+        </p:nvSpPr>
+        <p:spPr>
+          <a:xfrm>
+            <a:off x="3682445" y="3441448"/>
+            <a:ext cx="5124331" cy="923330"/>
+          </a:xfrm>
+          <a:prstGeom prst="rect">
+            <a:avLst/>
+          </a:prstGeom>
+          <a:noFill/>
+        </p:spPr>
+        <p:txBody>
+          <a:bodyPr wrap="square">
+            <a:spAutoFit/>
+          </a:bodyPr>
+          <a:lstStyle/>
+          <a:p>
+            <a:r>
+              <a:rPr lang="en-US" altLang="zh-TW" b="0" dirty="0">
+                <a:solidFill>
+                  <a:srgbClr val="F92672"/>
+                </a:solidFill>
+                <a:effectLst/>
+                <a:latin typeface="Consolas" panose="020B0609020204030204" pitchFamily="49" charset="0"/>
+              </a:rPr>
+              <a:t>export</a:t>
+            </a:r>
+            <a:r>
+              <a:rPr lang="en-US" altLang="zh-TW" b="0" dirty="0">
+                <a:solidFill>
+                  <a:srgbClr val="F8F8F2"/>
+                </a:solidFill>
+                <a:effectLst/>
+                <a:latin typeface="Consolas" panose="020B0609020204030204" pitchFamily="49" charset="0"/>
+              </a:rPr>
+              <a:t> </a:t>
+            </a:r>
+            <a:r>
+              <a:rPr lang="en-US" altLang="zh-TW" b="0" dirty="0">
+                <a:solidFill>
+                  <a:srgbClr val="F92672"/>
+                </a:solidFill>
+                <a:effectLst/>
+                <a:latin typeface="Consolas" panose="020B0609020204030204" pitchFamily="49" charset="0"/>
+              </a:rPr>
+              <a:t>default</a:t>
+            </a:r>
+            <a:r>
+              <a:rPr lang="en-US" altLang="zh-TW" b="0" dirty="0">
+                <a:solidFill>
+                  <a:srgbClr val="F8F8F2"/>
+                </a:solidFill>
+                <a:effectLst/>
+                <a:latin typeface="Consolas" panose="020B0609020204030204" pitchFamily="49" charset="0"/>
+              </a:rPr>
+              <a:t> ({ app }, inject) </a:t>
+            </a:r>
+            <a:r>
+              <a:rPr lang="en-US" altLang="zh-TW" b="0" i="1" dirty="0">
+                <a:solidFill>
+                  <a:srgbClr val="66D9EF"/>
+                </a:solidFill>
+                <a:effectLst/>
+                <a:latin typeface="Consolas" panose="020B0609020204030204" pitchFamily="49" charset="0"/>
+              </a:rPr>
+              <a:t>=&gt;</a:t>
+            </a:r>
+            <a:r>
+              <a:rPr lang="en-US" altLang="zh-TW" b="0" dirty="0">
+                <a:solidFill>
+                  <a:srgbClr val="F8F8F2"/>
+                </a:solidFill>
+                <a:effectLst/>
+                <a:latin typeface="Consolas" panose="020B0609020204030204" pitchFamily="49" charset="0"/>
+              </a:rPr>
+              <a:t> {</a:t>
+            </a:r>
+          </a:p>
+          <a:p>
+            <a:r>
+              <a:rPr lang="en-US" altLang="zh-TW" b="0" dirty="0">
+                <a:solidFill>
+                  <a:srgbClr val="F8F8F2"/>
+                </a:solidFill>
+                <a:effectLst/>
+                <a:latin typeface="Consolas" panose="020B0609020204030204" pitchFamily="49" charset="0"/>
+              </a:rPr>
+              <a:t>  </a:t>
+            </a:r>
+            <a:r>
+              <a:rPr lang="en-US" altLang="zh-TW" b="0" dirty="0">
+                <a:solidFill>
+                  <a:srgbClr val="A6E22E"/>
+                </a:solidFill>
+                <a:effectLst/>
+                <a:latin typeface="Consolas" panose="020B0609020204030204" pitchFamily="49" charset="0"/>
+              </a:rPr>
+              <a:t>inject</a:t>
+            </a:r>
+            <a:r>
+              <a:rPr lang="en-US" altLang="zh-TW" b="0" dirty="0">
+                <a:solidFill>
+                  <a:srgbClr val="F8F8F2"/>
+                </a:solidFill>
+                <a:effectLst/>
+                <a:latin typeface="Consolas" panose="020B0609020204030204" pitchFamily="49" charset="0"/>
+              </a:rPr>
+              <a:t>(</a:t>
+            </a:r>
+            <a:r>
+              <a:rPr lang="en-US" altLang="zh-TW" b="0" dirty="0">
+                <a:solidFill>
+                  <a:srgbClr val="FFEE99"/>
+                </a:solidFill>
+                <a:effectLst/>
+                <a:latin typeface="Consolas" panose="020B0609020204030204" pitchFamily="49" charset="0"/>
+              </a:rPr>
+              <a:t>"Event Name"</a:t>
+            </a:r>
+            <a:r>
+              <a:rPr lang="en-US" altLang="zh-TW" b="0" dirty="0">
+                <a:solidFill>
+                  <a:schemeClr val="bg1"/>
+                </a:solidFill>
+                <a:effectLst/>
+                <a:latin typeface="Consolas" panose="020B0609020204030204" pitchFamily="49" charset="0"/>
+              </a:rPr>
+              <a:t>, {}</a:t>
+            </a:r>
+            <a:r>
+              <a:rPr lang="en-US" altLang="zh-TW" b="0" dirty="0">
+                <a:solidFill>
+                  <a:srgbClr val="F8F8F2"/>
+                </a:solidFill>
+                <a:effectLst/>
+                <a:latin typeface="Consolas" panose="020B0609020204030204" pitchFamily="49" charset="0"/>
+              </a:rPr>
+              <a:t>);</a:t>
+            </a:r>
+          </a:p>
+          <a:p>
+            <a:r>
+              <a:rPr lang="en-US" altLang="zh-TW" b="0" dirty="0">
+                <a:solidFill>
+                  <a:srgbClr val="F8F8F2"/>
+                </a:solidFill>
+                <a:effectLst/>
+                <a:latin typeface="Consolas" panose="020B0609020204030204" pitchFamily="49" charset="0"/>
+              </a:rPr>
+              <a:t>};</a:t>
+            </a:r>
+          </a:p>
+        </p:txBody>
+      </p:sp>
+    </p:spTree>
+    <p:extLst>
+      <p:ext uri="{BB962C8B-B14F-4D97-AF65-F5344CB8AC3E}">
+        <p14:creationId xmlns:p14="http://schemas.microsoft.com/office/powerpoint/2010/main" val="3082671055"/>
+      </p:ext>
+    </p:extLst>
+  </p:cSld>
+  <p:clrMapOvr>
+    <a:masterClrMapping/>
+  </p:clrMapOvr>
+</p:sld>
+</file>
+
+<file path=ppt/slides/slide13.xml><?xml version="1.0" encoding="utf-8"?>
+<p:sld xmlns:a="http://schemas.openxmlformats.org/drawingml/2006/main" xmlns:r="http://schemas.openxmlformats.org/officeDocument/2006/relationships" xmlns:p="http://schemas.openxmlformats.org/presentationml/2006/main">
+  <p:cSld>
+    <p:spTree>
+      <p:nvGrpSpPr>
+        <p:cNvPr id="1" name=""/>
+        <p:cNvGrpSpPr/>
+        <p:nvPr/>
+      </p:nvGrpSpPr>
+      <p:grpSpPr>
+        <a:xfrm>
+          <a:off x="0" y="0"/>
+          <a:ext cx="0" cy="0"/>
+          <a:chOff x="0" y="0"/>
+          <a:chExt cx="0" cy="0"/>
+        </a:xfrm>
+      </p:grpSpPr>
+      <p:sp>
+        <p:nvSpPr>
           <p:cNvPr id="8" name="矩形 7">
             <a:extLst>
               <a:ext uri="{FF2B5EF4-FFF2-40B4-BE49-F238E27FC236}">
@@ -4565,7 +5018,7 @@
 </p:sld>
 </file>
 
-<file path=ppt/slides/slide12.xml><?xml version="1.0" encoding="utf-8"?>
+<file path=ppt/slides/slide14.xml><?xml version="1.0" encoding="utf-8"?>
 <p:sld xmlns:a="http://schemas.openxmlformats.org/drawingml/2006/main" xmlns:r="http://schemas.openxmlformats.org/officeDocument/2006/relationships" xmlns:p="http://schemas.openxmlformats.org/presentationml/2006/main">
   <p:cSld>
     <p:spTree>
@@ -4712,7 +5165,7 @@
 </p:sld>
 </file>
 
-<file path=ppt/slides/slide13.xml><?xml version="1.0" encoding="utf-8"?>
+<file path=ppt/slides/slide15.xml><?xml version="1.0" encoding="utf-8"?>
 <p:sld xmlns:a="http://schemas.openxmlformats.org/drawingml/2006/main" xmlns:r="http://schemas.openxmlformats.org/officeDocument/2006/relationships" xmlns:p="http://schemas.openxmlformats.org/presentationml/2006/main">
   <p:cSld>
     <p:spTree>
@@ -4805,8 +5258,8 @@
         </p:nvSpPr>
         <p:spPr>
           <a:xfrm>
-            <a:off x="545941" y="1342868"/>
-            <a:ext cx="11100117" cy="957332"/>
+            <a:off x="545941" y="1342867"/>
+            <a:ext cx="11100117" cy="2942529"/>
           </a:xfrm>
         </p:spPr>
         <p:txBody>
@@ -4821,7 +5274,7 @@
               </a:lnSpc>
             </a:pPr>
             <a:r>
-              <a:rPr lang="en-US" altLang="zh-TW" sz="2000" b="0" dirty="0">
+              <a:rPr lang="en-US" altLang="zh-TW" sz="2000" dirty="0">
                 <a:solidFill>
                   <a:schemeClr val="bg1"/>
                 </a:solidFill>
@@ -4832,7 +5285,7 @@
               <a:t>https://vue-lessons-api.herokuapp.com/photo/list</a:t>
             </a:r>
             <a:r>
-              <a:rPr lang="zh-TW" altLang="en-US" sz="2000" b="1" dirty="0">
+              <a:rPr lang="zh-TW" altLang="en-US" sz="2000" dirty="0">
                 <a:solidFill>
                   <a:schemeClr val="bg1"/>
                 </a:solidFill>
@@ -4843,7 +5296,7 @@
               <a:t>  </a:t>
             </a:r>
             <a:r>
-              <a:rPr lang="en-US" altLang="zh-TW" sz="2000" b="1" dirty="0">
+              <a:rPr lang="en-US" altLang="zh-TW" sz="2000" dirty="0">
                 <a:solidFill>
                   <a:schemeClr val="bg1"/>
                 </a:solidFill>
@@ -4854,7 +5307,7 @@
               <a:t>(</a:t>
             </a:r>
             <a:r>
-              <a:rPr lang="zh-TW" altLang="en-US" sz="2000" b="1" dirty="0">
+              <a:rPr lang="zh-TW" altLang="en-US" sz="2000" dirty="0">
                 <a:solidFill>
                   <a:schemeClr val="bg1"/>
                 </a:solidFill>
@@ -4865,7 +5318,7 @@
               <a:t>圖片列表</a:t>
             </a:r>
             <a:r>
-              <a:rPr lang="en-US" altLang="zh-TW" sz="2000" b="1" dirty="0">
+              <a:rPr lang="en-US" altLang="zh-TW" sz="2000" dirty="0">
                 <a:solidFill>
                   <a:schemeClr val="bg1"/>
                 </a:solidFill>
@@ -4875,14 +5328,130 @@
               </a:rPr>
               <a:t>)</a:t>
             </a:r>
-            <a:endParaRPr lang="en-US" altLang="zh-TW" sz="2000" b="0" dirty="0">
-              <a:solidFill>
-                <a:schemeClr val="bg1"/>
-              </a:solidFill>
-              <a:effectLst/>
-              <a:latin typeface="微軟正黑體" panose="020B0604030504040204" pitchFamily="34" charset="-120"/>
-              <a:ea typeface="微軟正黑體" panose="020B0604030504040204" pitchFamily="34" charset="-120"/>
-            </a:endParaRPr>
+          </a:p>
+          <a:p>
+            <a:pPr>
+              <a:lnSpc>
+                <a:spcPct val="150000"/>
+              </a:lnSpc>
+            </a:pPr>
+            <a:r>
+              <a:rPr lang="en-US" altLang="zh-TW" sz="2000" dirty="0">
+                <a:solidFill>
+                  <a:schemeClr val="bg1"/>
+                </a:solidFill>
+                <a:effectLst/>
+                <a:latin typeface="微軟正黑體" panose="020B0604030504040204" pitchFamily="34" charset="-120"/>
+                <a:ea typeface="微軟正黑體" panose="020B0604030504040204" pitchFamily="34" charset="-120"/>
+              </a:rPr>
+              <a:t>https://vue-lessons-api.herokuapp.com/courses/list</a:t>
+            </a:r>
+            <a:r>
+              <a:rPr lang="zh-TW" altLang="en-US" sz="2000" dirty="0">
+                <a:solidFill>
+                  <a:schemeClr val="bg1"/>
+                </a:solidFill>
+                <a:effectLst/>
+                <a:latin typeface="微軟正黑體" panose="020B0604030504040204" pitchFamily="34" charset="-120"/>
+                <a:ea typeface="微軟正黑體" panose="020B0604030504040204" pitchFamily="34" charset="-120"/>
+              </a:rPr>
+              <a:t> </a:t>
+            </a:r>
+            <a:r>
+              <a:rPr lang="en-US" altLang="zh-TW" sz="2000" dirty="0">
+                <a:solidFill>
+                  <a:schemeClr val="bg1"/>
+                </a:solidFill>
+                <a:effectLst/>
+                <a:latin typeface="微軟正黑體" panose="020B0604030504040204" pitchFamily="34" charset="-120"/>
+                <a:ea typeface="微軟正黑體" panose="020B0604030504040204" pitchFamily="34" charset="-120"/>
+              </a:rPr>
+              <a:t>(</a:t>
+            </a:r>
+            <a:r>
+              <a:rPr lang="zh-TW" altLang="en-US" sz="2000" dirty="0">
+                <a:solidFill>
+                  <a:schemeClr val="bg1"/>
+                </a:solidFill>
+                <a:effectLst/>
+                <a:latin typeface="微軟正黑體" panose="020B0604030504040204" pitchFamily="34" charset="-120"/>
+                <a:ea typeface="微軟正黑體" panose="020B0604030504040204" pitchFamily="34" charset="-120"/>
+              </a:rPr>
+              <a:t>課程列表</a:t>
+            </a:r>
+            <a:r>
+              <a:rPr lang="en-US" altLang="zh-TW" sz="2000" dirty="0">
+                <a:solidFill>
+                  <a:schemeClr val="bg1"/>
+                </a:solidFill>
+                <a:effectLst/>
+                <a:latin typeface="微軟正黑體" panose="020B0604030504040204" pitchFamily="34" charset="-120"/>
+                <a:ea typeface="微軟正黑體" panose="020B0604030504040204" pitchFamily="34" charset="-120"/>
+              </a:rPr>
+              <a:t>)</a:t>
+            </a:r>
+          </a:p>
+          <a:p>
+            <a:pPr>
+              <a:lnSpc>
+                <a:spcPct val="150000"/>
+              </a:lnSpc>
+            </a:pPr>
+            <a:r>
+              <a:rPr lang="en-US" altLang="zh-TW" sz="2000" dirty="0">
+                <a:solidFill>
+                  <a:schemeClr val="bg1"/>
+                </a:solidFill>
+                <a:effectLst/>
+                <a:latin typeface="微軟正黑體" panose="020B0604030504040204" pitchFamily="34" charset="-120"/>
+                <a:ea typeface="微軟正黑體" panose="020B0604030504040204" pitchFamily="34" charset="-120"/>
+              </a:rPr>
+              <a:t>https://vue-lessons-api.herokuapp.com/courses/{id}</a:t>
+            </a:r>
+            <a:r>
+              <a:rPr lang="zh-TW" altLang="en-US" sz="2000" dirty="0">
+                <a:solidFill>
+                  <a:schemeClr val="bg1"/>
+                </a:solidFill>
+                <a:effectLst/>
+                <a:latin typeface="微軟正黑體" panose="020B0604030504040204" pitchFamily="34" charset="-120"/>
+                <a:ea typeface="微軟正黑體" panose="020B0604030504040204" pitchFamily="34" charset="-120"/>
+              </a:rPr>
+              <a:t>  </a:t>
+            </a:r>
+            <a:r>
+              <a:rPr lang="en-US" altLang="zh-TW" sz="2000" dirty="0">
+                <a:solidFill>
+                  <a:schemeClr val="bg1"/>
+                </a:solidFill>
+                <a:effectLst/>
+                <a:latin typeface="微軟正黑體" panose="020B0604030504040204" pitchFamily="34" charset="-120"/>
+                <a:ea typeface="微軟正黑體" panose="020B0604030504040204" pitchFamily="34" charset="-120"/>
+              </a:rPr>
+              <a:t>(</a:t>
+            </a:r>
+            <a:r>
+              <a:rPr lang="zh-TW" altLang="en-US" sz="2000" dirty="0">
+                <a:solidFill>
+                  <a:schemeClr val="bg1"/>
+                </a:solidFill>
+                <a:effectLst/>
+                <a:latin typeface="微軟正黑體" panose="020B0604030504040204" pitchFamily="34" charset="-120"/>
+                <a:ea typeface="微軟正黑體" panose="020B0604030504040204" pitchFamily="34" charset="-120"/>
+              </a:rPr>
+              <a:t>課程內容</a:t>
+            </a:r>
+            <a:r>
+              <a:rPr lang="en-US" altLang="zh-TW" sz="2000" dirty="0">
+                <a:solidFill>
+                  <a:schemeClr val="bg1"/>
+                </a:solidFill>
+                <a:effectLst/>
+                <a:latin typeface="微軟正黑體" panose="020B0604030504040204" pitchFamily="34" charset="-120"/>
+                <a:ea typeface="微軟正黑體" panose="020B0604030504040204" pitchFamily="34" charset="-120"/>
+              </a:rPr>
+              <a:t>)</a:t>
+            </a:r>
           </a:p>
         </p:txBody>
       </p:sp>

--- a/nuxt.pptx
+++ b/nuxt.pptx
@@ -17,9 +17,10 @@
     <p:sldId id="272" r:id="rId11"/>
     <p:sldId id="273" r:id="rId12"/>
     <p:sldId id="274" r:id="rId13"/>
-    <p:sldId id="269" r:id="rId14"/>
-    <p:sldId id="265" r:id="rId15"/>
-    <p:sldId id="268" r:id="rId16"/>
+    <p:sldId id="275" r:id="rId14"/>
+    <p:sldId id="269" r:id="rId15"/>
+    <p:sldId id="265" r:id="rId16"/>
+    <p:sldId id="268" r:id="rId17"/>
   </p:sldIdLst>
   <p:sldSz cx="12192000" cy="6858000"/>
   <p:notesSz cx="6858000" cy="9144000"/>
@@ -135,6 +136,7 @@
             <p14:sldId id="272"/>
             <p14:sldId id="273"/>
             <p14:sldId id="274"/>
+            <p14:sldId id="275"/>
             <p14:sldId id="269"/>
             <p14:sldId id="265"/>
             <p14:sldId id="268"/>
@@ -308,7 +310,7 @@
           <a:p>
             <a:fld id="{55B5673A-2C76-400E-AECF-A7C5CD58B306}" type="datetimeFigureOut">
               <a:rPr lang="zh-TW" altLang="en-US" smtClean="0"/>
-              <a:t>2020/12/14</a:t>
+              <a:t>2020/12/15</a:t>
             </a:fld>
             <a:endParaRPr lang="zh-TW" altLang="en-US"/>
           </a:p>
@@ -506,7 +508,7 @@
           <a:p>
             <a:fld id="{55B5673A-2C76-400E-AECF-A7C5CD58B306}" type="datetimeFigureOut">
               <a:rPr lang="zh-TW" altLang="en-US" smtClean="0"/>
-              <a:t>2020/12/14</a:t>
+              <a:t>2020/12/15</a:t>
             </a:fld>
             <a:endParaRPr lang="zh-TW" altLang="en-US"/>
           </a:p>
@@ -714,7 +716,7 @@
           <a:p>
             <a:fld id="{55B5673A-2C76-400E-AECF-A7C5CD58B306}" type="datetimeFigureOut">
               <a:rPr lang="zh-TW" altLang="en-US" smtClean="0"/>
-              <a:t>2020/12/14</a:t>
+              <a:t>2020/12/15</a:t>
             </a:fld>
             <a:endParaRPr lang="zh-TW" altLang="en-US"/>
           </a:p>
@@ -912,7 +914,7 @@
           <a:p>
             <a:fld id="{55B5673A-2C76-400E-AECF-A7C5CD58B306}" type="datetimeFigureOut">
               <a:rPr lang="zh-TW" altLang="en-US" smtClean="0"/>
-              <a:t>2020/12/14</a:t>
+              <a:t>2020/12/15</a:t>
             </a:fld>
             <a:endParaRPr lang="zh-TW" altLang="en-US"/>
           </a:p>
@@ -1187,7 +1189,7 @@
           <a:p>
             <a:fld id="{55B5673A-2C76-400E-AECF-A7C5CD58B306}" type="datetimeFigureOut">
               <a:rPr lang="zh-TW" altLang="en-US" smtClean="0"/>
-              <a:t>2020/12/14</a:t>
+              <a:t>2020/12/15</a:t>
             </a:fld>
             <a:endParaRPr lang="zh-TW" altLang="en-US"/>
           </a:p>
@@ -1452,7 +1454,7 @@
           <a:p>
             <a:fld id="{55B5673A-2C76-400E-AECF-A7C5CD58B306}" type="datetimeFigureOut">
               <a:rPr lang="zh-TW" altLang="en-US" smtClean="0"/>
-              <a:t>2020/12/14</a:t>
+              <a:t>2020/12/15</a:t>
             </a:fld>
             <a:endParaRPr lang="zh-TW" altLang="en-US"/>
           </a:p>
@@ -1864,7 +1866,7 @@
           <a:p>
             <a:fld id="{55B5673A-2C76-400E-AECF-A7C5CD58B306}" type="datetimeFigureOut">
               <a:rPr lang="zh-TW" altLang="en-US" smtClean="0"/>
-              <a:t>2020/12/14</a:t>
+              <a:t>2020/12/15</a:t>
             </a:fld>
             <a:endParaRPr lang="zh-TW" altLang="en-US"/>
           </a:p>
@@ -2005,7 +2007,7 @@
           <a:p>
             <a:fld id="{55B5673A-2C76-400E-AECF-A7C5CD58B306}" type="datetimeFigureOut">
               <a:rPr lang="zh-TW" altLang="en-US" smtClean="0"/>
-              <a:t>2020/12/14</a:t>
+              <a:t>2020/12/15</a:t>
             </a:fld>
             <a:endParaRPr lang="zh-TW" altLang="en-US"/>
           </a:p>
@@ -2118,7 +2120,7 @@
           <a:p>
             <a:fld id="{55B5673A-2C76-400E-AECF-A7C5CD58B306}" type="datetimeFigureOut">
               <a:rPr lang="zh-TW" altLang="en-US" smtClean="0"/>
-              <a:t>2020/12/14</a:t>
+              <a:t>2020/12/15</a:t>
             </a:fld>
             <a:endParaRPr lang="zh-TW" altLang="en-US"/>
           </a:p>
@@ -2429,7 +2431,7 @@
           <a:p>
             <a:fld id="{55B5673A-2C76-400E-AECF-A7C5CD58B306}" type="datetimeFigureOut">
               <a:rPr lang="zh-TW" altLang="en-US" smtClean="0"/>
-              <a:t>2020/12/14</a:t>
+              <a:t>2020/12/15</a:t>
             </a:fld>
             <a:endParaRPr lang="zh-TW" altLang="en-US"/>
           </a:p>
@@ -2717,7 +2719,7 @@
           <a:p>
             <a:fld id="{55B5673A-2C76-400E-AECF-A7C5CD58B306}" type="datetimeFigureOut">
               <a:rPr lang="zh-TW" altLang="en-US" smtClean="0"/>
-              <a:t>2020/12/14</a:t>
+              <a:t>2020/12/15</a:t>
             </a:fld>
             <a:endParaRPr lang="zh-TW" altLang="en-US"/>
           </a:p>
@@ -2961,7 +2963,7 @@
           <a:p>
             <a:fld id="{55B5673A-2C76-400E-AECF-A7C5CD58B306}" type="datetimeFigureOut">
               <a:rPr lang="zh-TW" altLang="en-US" smtClean="0"/>
-              <a:t>2020/12/14</a:t>
+              <a:t>2020/12/15</a:t>
             </a:fld>
             <a:endParaRPr lang="zh-TW" altLang="en-US"/>
           </a:p>
@@ -4187,6 +4189,138 @@
       </p:grpSpPr>
       <p:sp>
         <p:nvSpPr>
+          <p:cNvPr id="7" name="標題 1">
+            <a:extLst>
+              <a:ext uri="{FF2B5EF4-FFF2-40B4-BE49-F238E27FC236}">
+                <a16:creationId xmlns:a16="http://schemas.microsoft.com/office/drawing/2014/main" id="{F4E8A01D-7D4E-424E-A20F-D7C4D3A50C5E}"/>
+              </a:ext>
+            </a:extLst>
+          </p:cNvPr>
+          <p:cNvSpPr>
+            <a:spLocks noGrp="1"/>
+          </p:cNvSpPr>
+          <p:nvPr>
+            <p:ph type="title"/>
+          </p:nvPr>
+        </p:nvSpPr>
+        <p:spPr>
+          <a:xfrm>
+            <a:off x="3070714" y="3097540"/>
+            <a:ext cx="6395121" cy="940994"/>
+          </a:xfrm>
+        </p:spPr>
+        <p:txBody>
+          <a:bodyPr>
+            <a:normAutofit/>
+          </a:bodyPr>
+          <a:lstStyle/>
+          <a:p>
+            <a:pPr algn="ctr"/>
+            <a:r>
+              <a:rPr lang="en-US" altLang="zh-TW" sz="4800" b="1" i="0" dirty="0">
+                <a:solidFill>
+                  <a:schemeClr val="bg1"/>
+                </a:solidFill>
+                <a:effectLst/>
+                <a:latin typeface="-apple-system"/>
+              </a:rPr>
+              <a:t>Vue.js notifications</a:t>
+            </a:r>
+          </a:p>
+        </p:txBody>
+      </p:sp>
+      <p:sp>
+        <p:nvSpPr>
+          <p:cNvPr id="5" name="標題 1">
+            <a:extLst>
+              <a:ext uri="{FF2B5EF4-FFF2-40B4-BE49-F238E27FC236}">
+                <a16:creationId xmlns:a16="http://schemas.microsoft.com/office/drawing/2014/main" id="{16CC3BA6-2AC2-4447-B7FD-A12B9AA927B3}"/>
+              </a:ext>
+            </a:extLst>
+          </p:cNvPr>
+          <p:cNvSpPr txBox="1">
+            <a:spLocks/>
+          </p:cNvSpPr>
+          <p:nvPr/>
+        </p:nvSpPr>
+        <p:spPr>
+          <a:xfrm>
+            <a:off x="2109931" y="3652328"/>
+            <a:ext cx="8442585" cy="940994"/>
+          </a:xfrm>
+          <a:prstGeom prst="rect">
+            <a:avLst/>
+          </a:prstGeom>
+        </p:spPr>
+        <p:txBody>
+          <a:bodyPr vert="horz" lIns="91440" tIns="45720" rIns="91440" bIns="45720" rtlCol="0" anchor="ctr">
+            <a:normAutofit/>
+          </a:bodyPr>
+          <a:lstStyle>
+            <a:lvl1pPr algn="l" defTabSz="914400" rtl="0" eaLnBrk="1" latinLnBrk="0" hangingPunct="1">
+              <a:lnSpc>
+                <a:spcPct val="90000"/>
+              </a:lnSpc>
+              <a:spcBef>
+                <a:spcPct val="0"/>
+              </a:spcBef>
+              <a:buNone/>
+              <a:defRPr sz="4400" kern="1200">
+                <a:solidFill>
+                  <a:schemeClr val="tx1"/>
+                </a:solidFill>
+                <a:latin typeface="+mj-lt"/>
+                <a:ea typeface="+mj-ea"/>
+                <a:cs typeface="+mj-cs"/>
+              </a:defRPr>
+            </a:lvl1pPr>
+          </a:lstStyle>
+          <a:p>
+            <a:pPr algn="ctr"/>
+            <a:r>
+              <a:rPr lang="en-US" altLang="zh-TW" sz="2400" dirty="0">
+                <a:solidFill>
+                  <a:schemeClr val="bg1"/>
+                </a:solidFill>
+                <a:latin typeface="-apple-system"/>
+              </a:rPr>
+              <a:t>https://github.com/euvl/vue-notification#readme</a:t>
+            </a:r>
+          </a:p>
+        </p:txBody>
+      </p:sp>
+    </p:spTree>
+    <p:extLst>
+      <p:ext uri="{BB962C8B-B14F-4D97-AF65-F5344CB8AC3E}">
+        <p14:creationId xmlns:p14="http://schemas.microsoft.com/office/powerpoint/2010/main" val="2923912277"/>
+      </p:ext>
+    </p:extLst>
+  </p:cSld>
+  <p:clrMapOvr>
+    <a:masterClrMapping/>
+  </p:clrMapOvr>
+</p:sld>
+</file>
+
+<file path=ppt/slides/slide14.xml><?xml version="1.0" encoding="utf-8"?>
+<p:sld xmlns:a="http://schemas.openxmlformats.org/drawingml/2006/main" xmlns:r="http://schemas.openxmlformats.org/officeDocument/2006/relationships" xmlns:p="http://schemas.openxmlformats.org/presentationml/2006/main">
+  <p:cSld>
+    <p:spTree>
+      <p:nvGrpSpPr>
+        <p:cNvPr id="1" name=""/>
+        <p:cNvGrpSpPr/>
+        <p:nvPr/>
+      </p:nvGrpSpPr>
+      <p:grpSpPr>
+        <a:xfrm>
+          <a:off x="0" y="0"/>
+          <a:ext cx="0" cy="0"/>
+          <a:chOff x="0" y="0"/>
+          <a:chExt cx="0" cy="0"/>
+        </a:xfrm>
+      </p:grpSpPr>
+      <p:sp>
+        <p:nvSpPr>
           <p:cNvPr id="8" name="矩形 7">
             <a:extLst>
               <a:ext uri="{FF2B5EF4-FFF2-40B4-BE49-F238E27FC236}">
@@ -5018,7 +5152,7 @@
 </p:sld>
 </file>
 
-<file path=ppt/slides/slide14.xml><?xml version="1.0" encoding="utf-8"?>
+<file path=ppt/slides/slide15.xml><?xml version="1.0" encoding="utf-8"?>
 <p:sld xmlns:a="http://schemas.openxmlformats.org/drawingml/2006/main" xmlns:r="http://schemas.openxmlformats.org/officeDocument/2006/relationships" xmlns:p="http://schemas.openxmlformats.org/presentationml/2006/main">
   <p:cSld>
     <p:spTree>
@@ -5165,7 +5299,7 @@
 </p:sld>
 </file>
 
-<file path=ppt/slides/slide15.xml><?xml version="1.0" encoding="utf-8"?>
+<file path=ppt/slides/slide16.xml><?xml version="1.0" encoding="utf-8"?>
 <p:sld xmlns:a="http://schemas.openxmlformats.org/drawingml/2006/main" xmlns:r="http://schemas.openxmlformats.org/officeDocument/2006/relationships" xmlns:p="http://schemas.openxmlformats.org/presentationml/2006/main">
   <p:cSld>
     <p:spTree>

--- a/nuxt.pptx
+++ b/nuxt.pptx
@@ -18,9 +18,11 @@
     <p:sldId id="273" r:id="rId12"/>
     <p:sldId id="274" r:id="rId13"/>
     <p:sldId id="275" r:id="rId14"/>
-    <p:sldId id="269" r:id="rId15"/>
-    <p:sldId id="265" r:id="rId16"/>
-    <p:sldId id="268" r:id="rId17"/>
+    <p:sldId id="276" r:id="rId15"/>
+    <p:sldId id="277" r:id="rId16"/>
+    <p:sldId id="269" r:id="rId17"/>
+    <p:sldId id="265" r:id="rId18"/>
+    <p:sldId id="268" r:id="rId19"/>
   </p:sldIdLst>
   <p:sldSz cx="12192000" cy="6858000"/>
   <p:notesSz cx="6858000" cy="9144000"/>
@@ -137,6 +139,8 @@
             <p14:sldId id="273"/>
             <p14:sldId id="274"/>
             <p14:sldId id="275"/>
+            <p14:sldId id="276"/>
+            <p14:sldId id="277"/>
             <p14:sldId id="269"/>
             <p14:sldId id="265"/>
             <p14:sldId id="268"/>
@@ -4321,6 +4325,2723 @@
       </p:grpSpPr>
       <p:sp>
         <p:nvSpPr>
+          <p:cNvPr id="6" name="矩形 5">
+            <a:extLst>
+              <a:ext uri="{FF2B5EF4-FFF2-40B4-BE49-F238E27FC236}">
+                <a16:creationId xmlns:a16="http://schemas.microsoft.com/office/drawing/2014/main" id="{7EC0EE49-AF4B-4BCE-939C-5DDA4AC34160}"/>
+              </a:ext>
+            </a:extLst>
+          </p:cNvPr>
+          <p:cNvSpPr/>
+          <p:nvPr/>
+        </p:nvSpPr>
+        <p:spPr>
+          <a:xfrm>
+            <a:off x="0" y="0"/>
+            <a:ext cx="7734300" cy="6858000"/>
+          </a:xfrm>
+          <a:prstGeom prst="rect">
+            <a:avLst/>
+          </a:prstGeom>
+        </p:spPr>
+        <p:style>
+          <a:lnRef idx="2">
+            <a:schemeClr val="dk1">
+              <a:shade val="50000"/>
+            </a:schemeClr>
+          </a:lnRef>
+          <a:fillRef idx="1">
+            <a:schemeClr val="dk1"/>
+          </a:fillRef>
+          <a:effectRef idx="0">
+            <a:schemeClr val="dk1"/>
+          </a:effectRef>
+          <a:fontRef idx="minor">
+            <a:schemeClr val="lt1"/>
+          </a:fontRef>
+        </p:style>
+        <p:txBody>
+          <a:bodyPr rtlCol="0" anchor="ctr"/>
+          <a:lstStyle/>
+          <a:p>
+            <a:pPr algn="ctr"/>
+            <a:endParaRPr lang="zh-TW" altLang="en-US"/>
+          </a:p>
+        </p:txBody>
+      </p:sp>
+      <p:sp>
+        <p:nvSpPr>
+          <p:cNvPr id="5" name="文字方塊 4">
+            <a:extLst>
+              <a:ext uri="{FF2B5EF4-FFF2-40B4-BE49-F238E27FC236}">
+                <a16:creationId xmlns:a16="http://schemas.microsoft.com/office/drawing/2014/main" id="{BE1BF7CD-F54C-46B4-B620-AE69B7AD67C3}"/>
+              </a:ext>
+            </a:extLst>
+          </p:cNvPr>
+          <p:cNvSpPr txBox="1"/>
+          <p:nvPr/>
+        </p:nvSpPr>
+        <p:spPr>
+          <a:xfrm>
+            <a:off x="431110" y="1286917"/>
+            <a:ext cx="6872080" cy="4401205"/>
+          </a:xfrm>
+          <a:prstGeom prst="rect">
+            <a:avLst/>
+          </a:prstGeom>
+          <a:noFill/>
+        </p:spPr>
+        <p:txBody>
+          <a:bodyPr wrap="square">
+            <a:spAutoFit/>
+          </a:bodyPr>
+          <a:lstStyle/>
+          <a:p>
+            <a:r>
+              <a:rPr lang="en-US" altLang="zh-TW" sz="1400" b="0" dirty="0">
+                <a:solidFill>
+                  <a:srgbClr val="F92672"/>
+                </a:solidFill>
+                <a:effectLst/>
+                <a:latin typeface="Consolas" panose="020B0609020204030204" pitchFamily="49" charset="0"/>
+              </a:rPr>
+              <a:t>export</a:t>
+            </a:r>
+            <a:r>
+              <a:rPr lang="en-US" altLang="zh-TW" sz="1400" b="0" dirty="0">
+                <a:solidFill>
+                  <a:srgbClr val="F8F8F2"/>
+                </a:solidFill>
+                <a:effectLst/>
+                <a:latin typeface="Consolas" panose="020B0609020204030204" pitchFamily="49" charset="0"/>
+              </a:rPr>
+              <a:t> </a:t>
+            </a:r>
+            <a:r>
+              <a:rPr lang="en-US" altLang="zh-TW" sz="1400" b="0" dirty="0">
+                <a:solidFill>
+                  <a:srgbClr val="F92672"/>
+                </a:solidFill>
+                <a:effectLst/>
+                <a:latin typeface="Consolas" panose="020B0609020204030204" pitchFamily="49" charset="0"/>
+              </a:rPr>
+              <a:t>default</a:t>
+            </a:r>
+            <a:r>
+              <a:rPr lang="en-US" altLang="zh-TW" sz="1400" b="0" dirty="0">
+                <a:solidFill>
+                  <a:srgbClr val="F8F8F2"/>
+                </a:solidFill>
+                <a:effectLst/>
+                <a:latin typeface="Consolas" panose="020B0609020204030204" pitchFamily="49" charset="0"/>
+              </a:rPr>
+              <a:t> ({ app }, inject) </a:t>
+            </a:r>
+            <a:r>
+              <a:rPr lang="en-US" altLang="zh-TW" sz="1400" b="0" i="1" dirty="0">
+                <a:solidFill>
+                  <a:srgbClr val="66D9EF"/>
+                </a:solidFill>
+                <a:effectLst/>
+                <a:latin typeface="Consolas" panose="020B0609020204030204" pitchFamily="49" charset="0"/>
+              </a:rPr>
+              <a:t>=&gt;</a:t>
+            </a:r>
+            <a:r>
+              <a:rPr lang="en-US" altLang="zh-TW" sz="1400" b="0" dirty="0">
+                <a:solidFill>
+                  <a:srgbClr val="F8F8F2"/>
+                </a:solidFill>
+                <a:effectLst/>
+                <a:latin typeface="Consolas" panose="020B0609020204030204" pitchFamily="49" charset="0"/>
+              </a:rPr>
+              <a:t> {</a:t>
+            </a:r>
+          </a:p>
+          <a:p>
+            <a:r>
+              <a:rPr lang="en-US" altLang="zh-TW" sz="1400" b="0" dirty="0">
+                <a:solidFill>
+                  <a:srgbClr val="F8F8F2"/>
+                </a:solidFill>
+                <a:effectLst/>
+                <a:latin typeface="Consolas" panose="020B0609020204030204" pitchFamily="49" charset="0"/>
+              </a:rPr>
+              <a:t>  </a:t>
+            </a:r>
+            <a:r>
+              <a:rPr lang="en-US" altLang="zh-TW" sz="1400" b="0" dirty="0">
+                <a:solidFill>
+                  <a:srgbClr val="A6E22E"/>
+                </a:solidFill>
+                <a:effectLst/>
+                <a:latin typeface="Consolas" panose="020B0609020204030204" pitchFamily="49" charset="0"/>
+              </a:rPr>
+              <a:t>inject</a:t>
+            </a:r>
+            <a:r>
+              <a:rPr lang="en-US" altLang="zh-TW" sz="1400" b="0" dirty="0">
+                <a:solidFill>
+                  <a:srgbClr val="F8F8F2"/>
+                </a:solidFill>
+                <a:effectLst/>
+                <a:latin typeface="Consolas" panose="020B0609020204030204" pitchFamily="49" charset="0"/>
+              </a:rPr>
+              <a:t>(</a:t>
+            </a:r>
+            <a:r>
+              <a:rPr lang="en-US" altLang="zh-TW" sz="1400" b="0" dirty="0">
+                <a:solidFill>
+                  <a:srgbClr val="FFEE99"/>
+                </a:solidFill>
+                <a:effectLst/>
+                <a:latin typeface="Consolas" panose="020B0609020204030204" pitchFamily="49" charset="0"/>
+              </a:rPr>
+              <a:t>"</a:t>
+            </a:r>
+            <a:r>
+              <a:rPr lang="en-US" altLang="zh-TW" sz="1400" b="0" dirty="0" err="1">
+                <a:solidFill>
+                  <a:srgbClr val="FFEE99"/>
+                </a:solidFill>
+                <a:effectLst/>
+                <a:latin typeface="Consolas" panose="020B0609020204030204" pitchFamily="49" charset="0"/>
+              </a:rPr>
+              <a:t>localStorage</a:t>
+            </a:r>
+            <a:r>
+              <a:rPr lang="en-US" altLang="zh-TW" sz="1400" b="0" dirty="0">
+                <a:solidFill>
+                  <a:srgbClr val="FFEE99"/>
+                </a:solidFill>
+                <a:effectLst/>
+                <a:latin typeface="Consolas" panose="020B0609020204030204" pitchFamily="49" charset="0"/>
+              </a:rPr>
+              <a:t>"</a:t>
+            </a:r>
+            <a:r>
+              <a:rPr lang="en-US" altLang="zh-TW" sz="1400" b="0" dirty="0">
+                <a:solidFill>
+                  <a:srgbClr val="F8F8F2"/>
+                </a:solidFill>
+                <a:effectLst/>
+                <a:latin typeface="Consolas" panose="020B0609020204030204" pitchFamily="49" charset="0"/>
+              </a:rPr>
+              <a:t>, {</a:t>
+            </a:r>
+          </a:p>
+          <a:p>
+            <a:r>
+              <a:rPr lang="en-US" altLang="zh-TW" sz="1400" b="0" dirty="0">
+                <a:solidFill>
+                  <a:srgbClr val="F8F8F2"/>
+                </a:solidFill>
+                <a:effectLst/>
+                <a:latin typeface="Consolas" panose="020B0609020204030204" pitchFamily="49" charset="0"/>
+              </a:rPr>
+              <a:t>    </a:t>
+            </a:r>
+            <a:r>
+              <a:rPr lang="en-US" altLang="zh-TW" sz="1400" b="0" dirty="0">
+                <a:solidFill>
+                  <a:srgbClr val="A6E22E"/>
+                </a:solidFill>
+                <a:effectLst/>
+                <a:latin typeface="Consolas" panose="020B0609020204030204" pitchFamily="49" charset="0"/>
+              </a:rPr>
+              <a:t>set</a:t>
+            </a:r>
+            <a:r>
+              <a:rPr lang="en-US" altLang="zh-TW" sz="1400" b="0" dirty="0">
+                <a:solidFill>
+                  <a:srgbClr val="F8F8F2"/>
+                </a:solidFill>
+                <a:effectLst/>
+                <a:latin typeface="Consolas" panose="020B0609020204030204" pitchFamily="49" charset="0"/>
+              </a:rPr>
+              <a:t>(key </a:t>
+            </a:r>
+            <a:r>
+              <a:rPr lang="en-US" altLang="zh-TW" sz="1400" b="0" dirty="0">
+                <a:solidFill>
+                  <a:srgbClr val="F92672"/>
+                </a:solidFill>
+                <a:effectLst/>
+                <a:latin typeface="Consolas" panose="020B0609020204030204" pitchFamily="49" charset="0"/>
+              </a:rPr>
+              <a:t>=</a:t>
+            </a:r>
+            <a:r>
+              <a:rPr lang="en-US" altLang="zh-TW" sz="1400" b="0" dirty="0">
+                <a:solidFill>
+                  <a:srgbClr val="F8F8F2"/>
+                </a:solidFill>
+                <a:effectLst/>
+                <a:latin typeface="Consolas" panose="020B0609020204030204" pitchFamily="49" charset="0"/>
+              </a:rPr>
+              <a:t> </a:t>
+            </a:r>
+            <a:r>
+              <a:rPr lang="en-US" altLang="zh-TW" sz="1400" b="0" dirty="0">
+                <a:solidFill>
+                  <a:srgbClr val="FFEE99"/>
+                </a:solidFill>
+                <a:effectLst/>
+                <a:latin typeface="Consolas" panose="020B0609020204030204" pitchFamily="49" charset="0"/>
+              </a:rPr>
+              <a:t>""</a:t>
+            </a:r>
+            <a:r>
+              <a:rPr lang="en-US" altLang="zh-TW" sz="1400" b="0" dirty="0">
+                <a:solidFill>
+                  <a:srgbClr val="F8F8F2"/>
+                </a:solidFill>
+                <a:effectLst/>
+                <a:latin typeface="Consolas" panose="020B0609020204030204" pitchFamily="49" charset="0"/>
+              </a:rPr>
+              <a:t>, </a:t>
+            </a:r>
+            <a:r>
+              <a:rPr lang="en-US" altLang="zh-TW" sz="1400" b="0" dirty="0" err="1">
+                <a:solidFill>
+                  <a:srgbClr val="F8F8F2"/>
+                </a:solidFill>
+                <a:effectLst/>
+                <a:latin typeface="Consolas" panose="020B0609020204030204" pitchFamily="49" charset="0"/>
+              </a:rPr>
+              <a:t>val</a:t>
+            </a:r>
+            <a:r>
+              <a:rPr lang="en-US" altLang="zh-TW" sz="1400" b="0" dirty="0">
+                <a:solidFill>
+                  <a:srgbClr val="F8F8F2"/>
+                </a:solidFill>
+                <a:effectLst/>
+                <a:latin typeface="Consolas" panose="020B0609020204030204" pitchFamily="49" charset="0"/>
+              </a:rPr>
+              <a:t> </a:t>
+            </a:r>
+            <a:r>
+              <a:rPr lang="en-US" altLang="zh-TW" sz="1400" b="0" dirty="0">
+                <a:solidFill>
+                  <a:srgbClr val="F92672"/>
+                </a:solidFill>
+                <a:effectLst/>
+                <a:latin typeface="Consolas" panose="020B0609020204030204" pitchFamily="49" charset="0"/>
+              </a:rPr>
+              <a:t>=</a:t>
+            </a:r>
+            <a:r>
+              <a:rPr lang="en-US" altLang="zh-TW" sz="1400" b="0" dirty="0">
+                <a:solidFill>
+                  <a:srgbClr val="F8F8F2"/>
+                </a:solidFill>
+                <a:effectLst/>
+                <a:latin typeface="Consolas" panose="020B0609020204030204" pitchFamily="49" charset="0"/>
+              </a:rPr>
+              <a:t> {}) {</a:t>
+            </a:r>
+          </a:p>
+          <a:p>
+            <a:r>
+              <a:rPr lang="en-US" altLang="zh-TW" sz="1400" b="0" dirty="0">
+                <a:solidFill>
+                  <a:srgbClr val="F8F8F2"/>
+                </a:solidFill>
+                <a:effectLst/>
+                <a:latin typeface="Consolas" panose="020B0609020204030204" pitchFamily="49" charset="0"/>
+              </a:rPr>
+              <a:t>      </a:t>
+            </a:r>
+            <a:r>
+              <a:rPr lang="en-US" altLang="zh-TW" sz="1400" b="0" dirty="0" err="1">
+                <a:solidFill>
+                  <a:srgbClr val="F8F8F2"/>
+                </a:solidFill>
+                <a:effectLst/>
+                <a:latin typeface="Consolas" panose="020B0609020204030204" pitchFamily="49" charset="0"/>
+              </a:rPr>
+              <a:t>localStorage</a:t>
+            </a:r>
+            <a:r>
+              <a:rPr lang="en-US" altLang="zh-TW" sz="1400" b="0" dirty="0" err="1">
+                <a:solidFill>
+                  <a:srgbClr val="F92672"/>
+                </a:solidFill>
+                <a:effectLst/>
+                <a:latin typeface="Consolas" panose="020B0609020204030204" pitchFamily="49" charset="0"/>
+              </a:rPr>
+              <a:t>.</a:t>
+            </a:r>
+            <a:r>
+              <a:rPr lang="en-US" altLang="zh-TW" sz="1400" b="0" dirty="0" err="1">
+                <a:solidFill>
+                  <a:srgbClr val="A6E22E"/>
+                </a:solidFill>
+                <a:effectLst/>
+                <a:latin typeface="Consolas" panose="020B0609020204030204" pitchFamily="49" charset="0"/>
+              </a:rPr>
+              <a:t>setItem</a:t>
+            </a:r>
+            <a:r>
+              <a:rPr lang="en-US" altLang="zh-TW" sz="1400" b="0" dirty="0">
+                <a:solidFill>
+                  <a:srgbClr val="F8F8F2"/>
+                </a:solidFill>
+                <a:effectLst/>
+                <a:latin typeface="Consolas" panose="020B0609020204030204" pitchFamily="49" charset="0"/>
+              </a:rPr>
+              <a:t>(key, </a:t>
+            </a:r>
+            <a:r>
+              <a:rPr lang="en-US" altLang="zh-TW" sz="1400" b="0" i="1" dirty="0" err="1">
+                <a:solidFill>
+                  <a:srgbClr val="66D9EF"/>
+                </a:solidFill>
+                <a:effectLst/>
+                <a:latin typeface="Consolas" panose="020B0609020204030204" pitchFamily="49" charset="0"/>
+              </a:rPr>
+              <a:t>JSON</a:t>
+            </a:r>
+            <a:r>
+              <a:rPr lang="en-US" altLang="zh-TW" sz="1400" b="0" dirty="0" err="1">
+                <a:solidFill>
+                  <a:srgbClr val="F92672"/>
+                </a:solidFill>
+                <a:effectLst/>
+                <a:latin typeface="Consolas" panose="020B0609020204030204" pitchFamily="49" charset="0"/>
+              </a:rPr>
+              <a:t>.</a:t>
+            </a:r>
+            <a:r>
+              <a:rPr lang="en-US" altLang="zh-TW" sz="1400" b="0" dirty="0" err="1">
+                <a:solidFill>
+                  <a:srgbClr val="A6E22E"/>
+                </a:solidFill>
+                <a:effectLst/>
+                <a:latin typeface="Consolas" panose="020B0609020204030204" pitchFamily="49" charset="0"/>
+              </a:rPr>
+              <a:t>stringify</a:t>
+            </a:r>
+            <a:r>
+              <a:rPr lang="en-US" altLang="zh-TW" sz="1400" b="0" dirty="0">
+                <a:solidFill>
+                  <a:srgbClr val="F8F8F2"/>
+                </a:solidFill>
+                <a:effectLst/>
+                <a:latin typeface="Consolas" panose="020B0609020204030204" pitchFamily="49" charset="0"/>
+              </a:rPr>
+              <a:t>(</a:t>
+            </a:r>
+            <a:r>
+              <a:rPr lang="en-US" altLang="zh-TW" sz="1400" b="0" dirty="0" err="1">
+                <a:solidFill>
+                  <a:srgbClr val="F8F8F2"/>
+                </a:solidFill>
+                <a:effectLst/>
+                <a:latin typeface="Consolas" panose="020B0609020204030204" pitchFamily="49" charset="0"/>
+              </a:rPr>
+              <a:t>val</a:t>
+            </a:r>
+            <a:r>
+              <a:rPr lang="en-US" altLang="zh-TW" sz="1400" b="0" dirty="0">
+                <a:solidFill>
+                  <a:srgbClr val="F8F8F2"/>
+                </a:solidFill>
+                <a:effectLst/>
+                <a:latin typeface="Consolas" panose="020B0609020204030204" pitchFamily="49" charset="0"/>
+              </a:rPr>
+              <a:t>));</a:t>
+            </a:r>
+          </a:p>
+          <a:p>
+            <a:r>
+              <a:rPr lang="en-US" altLang="zh-TW" sz="1400" b="0" dirty="0">
+                <a:solidFill>
+                  <a:srgbClr val="F8F8F2"/>
+                </a:solidFill>
+                <a:effectLst/>
+                <a:latin typeface="Consolas" panose="020B0609020204030204" pitchFamily="49" charset="0"/>
+              </a:rPr>
+              <a:t>    },</a:t>
+            </a:r>
+          </a:p>
+          <a:p>
+            <a:r>
+              <a:rPr lang="en-US" altLang="zh-TW" sz="1400" b="0" dirty="0">
+                <a:solidFill>
+                  <a:srgbClr val="F8F8F2"/>
+                </a:solidFill>
+                <a:effectLst/>
+                <a:latin typeface="Consolas" panose="020B0609020204030204" pitchFamily="49" charset="0"/>
+              </a:rPr>
+              <a:t>    </a:t>
+            </a:r>
+            <a:r>
+              <a:rPr lang="en-US" altLang="zh-TW" sz="1400" b="0" dirty="0">
+                <a:solidFill>
+                  <a:srgbClr val="A6E22E"/>
+                </a:solidFill>
+                <a:effectLst/>
+                <a:latin typeface="Consolas" panose="020B0609020204030204" pitchFamily="49" charset="0"/>
+              </a:rPr>
+              <a:t>get</a:t>
+            </a:r>
+            <a:r>
+              <a:rPr lang="en-US" altLang="zh-TW" sz="1400" b="0" dirty="0">
+                <a:solidFill>
+                  <a:srgbClr val="F8F8F2"/>
+                </a:solidFill>
+                <a:effectLst/>
+                <a:latin typeface="Consolas" panose="020B0609020204030204" pitchFamily="49" charset="0"/>
+              </a:rPr>
+              <a:t>(key </a:t>
+            </a:r>
+            <a:r>
+              <a:rPr lang="en-US" altLang="zh-TW" sz="1400" b="0" dirty="0">
+                <a:solidFill>
+                  <a:srgbClr val="F92672"/>
+                </a:solidFill>
+                <a:effectLst/>
+                <a:latin typeface="Consolas" panose="020B0609020204030204" pitchFamily="49" charset="0"/>
+              </a:rPr>
+              <a:t>=</a:t>
+            </a:r>
+            <a:r>
+              <a:rPr lang="en-US" altLang="zh-TW" sz="1400" b="0" dirty="0">
+                <a:solidFill>
+                  <a:srgbClr val="F8F8F2"/>
+                </a:solidFill>
+                <a:effectLst/>
+                <a:latin typeface="Consolas" panose="020B0609020204030204" pitchFamily="49" charset="0"/>
+              </a:rPr>
+              <a:t> </a:t>
+            </a:r>
+            <a:r>
+              <a:rPr lang="en-US" altLang="zh-TW" sz="1400" b="0" dirty="0">
+                <a:solidFill>
+                  <a:srgbClr val="FFEE99"/>
+                </a:solidFill>
+                <a:effectLst/>
+                <a:latin typeface="Consolas" panose="020B0609020204030204" pitchFamily="49" charset="0"/>
+              </a:rPr>
+              <a:t>""</a:t>
+            </a:r>
+            <a:r>
+              <a:rPr lang="en-US" altLang="zh-TW" sz="1400" b="0" dirty="0">
+                <a:solidFill>
+                  <a:srgbClr val="F8F8F2"/>
+                </a:solidFill>
+                <a:effectLst/>
+                <a:latin typeface="Consolas" panose="020B0609020204030204" pitchFamily="49" charset="0"/>
+              </a:rPr>
+              <a:t>) {</a:t>
+            </a:r>
+          </a:p>
+          <a:p>
+            <a:r>
+              <a:rPr lang="en-US" altLang="zh-TW" sz="1400" b="0" dirty="0">
+                <a:solidFill>
+                  <a:srgbClr val="F8F8F2"/>
+                </a:solidFill>
+                <a:effectLst/>
+                <a:latin typeface="Consolas" panose="020B0609020204030204" pitchFamily="49" charset="0"/>
+              </a:rPr>
+              <a:t>      </a:t>
+            </a:r>
+            <a:r>
+              <a:rPr lang="en-US" altLang="zh-TW" sz="1400" b="0" i="1" dirty="0">
+                <a:solidFill>
+                  <a:srgbClr val="66D9EF"/>
+                </a:solidFill>
+                <a:effectLst/>
+                <a:latin typeface="Consolas" panose="020B0609020204030204" pitchFamily="49" charset="0"/>
+              </a:rPr>
+              <a:t>const</a:t>
+            </a:r>
+            <a:r>
+              <a:rPr lang="en-US" altLang="zh-TW" sz="1400" b="0" dirty="0">
+                <a:solidFill>
+                  <a:srgbClr val="F8F8F2"/>
+                </a:solidFill>
+                <a:effectLst/>
+                <a:latin typeface="Consolas" panose="020B0609020204030204" pitchFamily="49" charset="0"/>
+              </a:rPr>
+              <a:t> obj </a:t>
+            </a:r>
+            <a:r>
+              <a:rPr lang="en-US" altLang="zh-TW" sz="1400" b="0" dirty="0">
+                <a:solidFill>
+                  <a:srgbClr val="F92672"/>
+                </a:solidFill>
+                <a:effectLst/>
+                <a:latin typeface="Consolas" panose="020B0609020204030204" pitchFamily="49" charset="0"/>
+              </a:rPr>
+              <a:t>=</a:t>
+            </a:r>
+            <a:r>
+              <a:rPr lang="en-US" altLang="zh-TW" sz="1400" b="0" dirty="0">
+                <a:solidFill>
+                  <a:srgbClr val="F8F8F2"/>
+                </a:solidFill>
+                <a:effectLst/>
+                <a:latin typeface="Consolas" panose="020B0609020204030204" pitchFamily="49" charset="0"/>
+              </a:rPr>
+              <a:t> </a:t>
+            </a:r>
+            <a:r>
+              <a:rPr lang="en-US" altLang="zh-TW" sz="1400" b="0" i="1" dirty="0" err="1">
+                <a:solidFill>
+                  <a:srgbClr val="66D9EF"/>
+                </a:solidFill>
+                <a:effectLst/>
+                <a:latin typeface="Consolas" panose="020B0609020204030204" pitchFamily="49" charset="0"/>
+              </a:rPr>
+              <a:t>JSON</a:t>
+            </a:r>
+            <a:r>
+              <a:rPr lang="en-US" altLang="zh-TW" sz="1400" b="0" dirty="0" err="1">
+                <a:solidFill>
+                  <a:srgbClr val="F92672"/>
+                </a:solidFill>
+                <a:effectLst/>
+                <a:latin typeface="Consolas" panose="020B0609020204030204" pitchFamily="49" charset="0"/>
+              </a:rPr>
+              <a:t>.</a:t>
+            </a:r>
+            <a:r>
+              <a:rPr lang="en-US" altLang="zh-TW" sz="1400" b="0" dirty="0" err="1">
+                <a:solidFill>
+                  <a:srgbClr val="A6E22E"/>
+                </a:solidFill>
+                <a:effectLst/>
+                <a:latin typeface="Consolas" panose="020B0609020204030204" pitchFamily="49" charset="0"/>
+              </a:rPr>
+              <a:t>parse</a:t>
+            </a:r>
+            <a:r>
+              <a:rPr lang="en-US" altLang="zh-TW" sz="1400" b="0" dirty="0">
+                <a:solidFill>
+                  <a:srgbClr val="F8F8F2"/>
+                </a:solidFill>
+                <a:effectLst/>
+                <a:latin typeface="Consolas" panose="020B0609020204030204" pitchFamily="49" charset="0"/>
+              </a:rPr>
+              <a:t>(</a:t>
+            </a:r>
+            <a:r>
+              <a:rPr lang="en-US" altLang="zh-TW" sz="1400" b="0" dirty="0" err="1">
+                <a:solidFill>
+                  <a:srgbClr val="F8F8F2"/>
+                </a:solidFill>
+                <a:effectLst/>
+                <a:latin typeface="Consolas" panose="020B0609020204030204" pitchFamily="49" charset="0"/>
+              </a:rPr>
+              <a:t>localStorage</a:t>
+            </a:r>
+            <a:r>
+              <a:rPr lang="en-US" altLang="zh-TW" sz="1400" b="0" dirty="0" err="1">
+                <a:solidFill>
+                  <a:srgbClr val="F92672"/>
+                </a:solidFill>
+                <a:effectLst/>
+                <a:latin typeface="Consolas" panose="020B0609020204030204" pitchFamily="49" charset="0"/>
+              </a:rPr>
+              <a:t>.</a:t>
+            </a:r>
+            <a:r>
+              <a:rPr lang="en-US" altLang="zh-TW" sz="1400" b="0" dirty="0" err="1">
+                <a:solidFill>
+                  <a:srgbClr val="A6E22E"/>
+                </a:solidFill>
+                <a:effectLst/>
+                <a:latin typeface="Consolas" panose="020B0609020204030204" pitchFamily="49" charset="0"/>
+              </a:rPr>
+              <a:t>getItem</a:t>
+            </a:r>
+            <a:r>
+              <a:rPr lang="en-US" altLang="zh-TW" sz="1400" b="0" dirty="0">
+                <a:solidFill>
+                  <a:srgbClr val="F8F8F2"/>
+                </a:solidFill>
+                <a:effectLst/>
+                <a:latin typeface="Consolas" panose="020B0609020204030204" pitchFamily="49" charset="0"/>
+              </a:rPr>
+              <a:t>(key));</a:t>
+            </a:r>
+          </a:p>
+          <a:p>
+            <a:r>
+              <a:rPr lang="en-US" altLang="zh-TW" sz="1400" b="0" dirty="0">
+                <a:solidFill>
+                  <a:srgbClr val="F8F8F2"/>
+                </a:solidFill>
+                <a:effectLst/>
+                <a:latin typeface="Consolas" panose="020B0609020204030204" pitchFamily="49" charset="0"/>
+              </a:rPr>
+              <a:t>      </a:t>
+            </a:r>
+            <a:r>
+              <a:rPr lang="en-US" altLang="zh-TW" sz="1400" b="0" dirty="0">
+                <a:solidFill>
+                  <a:srgbClr val="F92672"/>
+                </a:solidFill>
+                <a:effectLst/>
+                <a:latin typeface="Consolas" panose="020B0609020204030204" pitchFamily="49" charset="0"/>
+              </a:rPr>
+              <a:t>if</a:t>
+            </a:r>
+            <a:r>
+              <a:rPr lang="en-US" altLang="zh-TW" sz="1400" b="0" dirty="0">
+                <a:solidFill>
+                  <a:srgbClr val="F8F8F2"/>
+                </a:solidFill>
+                <a:effectLst/>
+                <a:latin typeface="Consolas" panose="020B0609020204030204" pitchFamily="49" charset="0"/>
+              </a:rPr>
+              <a:t> (</a:t>
+            </a:r>
+            <a:r>
+              <a:rPr lang="en-US" altLang="zh-TW" sz="1400" b="0" dirty="0">
+                <a:solidFill>
+                  <a:srgbClr val="F92672"/>
+                </a:solidFill>
+                <a:effectLst/>
+                <a:latin typeface="Consolas" panose="020B0609020204030204" pitchFamily="49" charset="0"/>
+              </a:rPr>
+              <a:t>!</a:t>
+            </a:r>
+            <a:r>
+              <a:rPr lang="en-US" altLang="zh-TW" sz="1400" b="0" dirty="0">
+                <a:solidFill>
+                  <a:srgbClr val="F8F8F2"/>
+                </a:solidFill>
+                <a:effectLst/>
+                <a:latin typeface="Consolas" panose="020B0609020204030204" pitchFamily="49" charset="0"/>
+              </a:rPr>
+              <a:t>obj) </a:t>
+            </a:r>
+            <a:r>
+              <a:rPr lang="en-US" altLang="zh-TW" sz="1400" b="0" dirty="0">
+                <a:solidFill>
+                  <a:srgbClr val="F92672"/>
+                </a:solidFill>
+                <a:effectLst/>
+                <a:latin typeface="Consolas" panose="020B0609020204030204" pitchFamily="49" charset="0"/>
+              </a:rPr>
+              <a:t>return</a:t>
+            </a:r>
+            <a:r>
+              <a:rPr lang="en-US" altLang="zh-TW" sz="1400" b="0" dirty="0">
+                <a:solidFill>
+                  <a:srgbClr val="F8F8F2"/>
+                </a:solidFill>
+                <a:effectLst/>
+                <a:latin typeface="Consolas" panose="020B0609020204030204" pitchFamily="49" charset="0"/>
+              </a:rPr>
+              <a:t> {};</a:t>
+            </a:r>
+          </a:p>
+          <a:p>
+            <a:r>
+              <a:rPr lang="en-US" altLang="zh-TW" sz="1400" b="0" dirty="0">
+                <a:solidFill>
+                  <a:srgbClr val="F8F8F2"/>
+                </a:solidFill>
+                <a:effectLst/>
+                <a:latin typeface="Consolas" panose="020B0609020204030204" pitchFamily="49" charset="0"/>
+              </a:rPr>
+              <a:t>      </a:t>
+            </a:r>
+            <a:r>
+              <a:rPr lang="en-US" altLang="zh-TW" sz="1400" b="0" dirty="0">
+                <a:solidFill>
+                  <a:srgbClr val="F92672"/>
+                </a:solidFill>
+                <a:effectLst/>
+                <a:latin typeface="Consolas" panose="020B0609020204030204" pitchFamily="49" charset="0"/>
+              </a:rPr>
+              <a:t>return</a:t>
+            </a:r>
+            <a:r>
+              <a:rPr lang="en-US" altLang="zh-TW" sz="1400" b="0" dirty="0">
+                <a:solidFill>
+                  <a:srgbClr val="F8F8F2"/>
+                </a:solidFill>
+                <a:effectLst/>
+                <a:latin typeface="Consolas" panose="020B0609020204030204" pitchFamily="49" charset="0"/>
+              </a:rPr>
+              <a:t> obj;</a:t>
+            </a:r>
+          </a:p>
+          <a:p>
+            <a:r>
+              <a:rPr lang="en-US" altLang="zh-TW" sz="1400" b="0" dirty="0">
+                <a:solidFill>
+                  <a:srgbClr val="F8F8F2"/>
+                </a:solidFill>
+                <a:effectLst/>
+                <a:latin typeface="Consolas" panose="020B0609020204030204" pitchFamily="49" charset="0"/>
+              </a:rPr>
+              <a:t>    },</a:t>
+            </a:r>
+          </a:p>
+          <a:p>
+            <a:r>
+              <a:rPr lang="en-US" altLang="zh-TW" sz="1400" b="0" dirty="0">
+                <a:solidFill>
+                  <a:srgbClr val="F8F8F2"/>
+                </a:solidFill>
+                <a:effectLst/>
+                <a:latin typeface="Consolas" panose="020B0609020204030204" pitchFamily="49" charset="0"/>
+              </a:rPr>
+              <a:t>    </a:t>
+            </a:r>
+            <a:r>
+              <a:rPr lang="en-US" altLang="zh-TW" sz="1400" b="0" dirty="0">
+                <a:solidFill>
+                  <a:srgbClr val="A6E22E"/>
+                </a:solidFill>
+                <a:effectLst/>
+                <a:latin typeface="Consolas" panose="020B0609020204030204" pitchFamily="49" charset="0"/>
+              </a:rPr>
+              <a:t>remove</a:t>
+            </a:r>
+            <a:r>
+              <a:rPr lang="en-US" altLang="zh-TW" sz="1400" b="0" dirty="0">
+                <a:solidFill>
+                  <a:srgbClr val="F8F8F2"/>
+                </a:solidFill>
+                <a:effectLst/>
+                <a:latin typeface="Consolas" panose="020B0609020204030204" pitchFamily="49" charset="0"/>
+              </a:rPr>
+              <a:t>(key </a:t>
+            </a:r>
+            <a:r>
+              <a:rPr lang="en-US" altLang="zh-TW" sz="1400" b="0" dirty="0">
+                <a:solidFill>
+                  <a:srgbClr val="F92672"/>
+                </a:solidFill>
+                <a:effectLst/>
+                <a:latin typeface="Consolas" panose="020B0609020204030204" pitchFamily="49" charset="0"/>
+              </a:rPr>
+              <a:t>=</a:t>
+            </a:r>
+            <a:r>
+              <a:rPr lang="en-US" altLang="zh-TW" sz="1400" b="0" dirty="0">
+                <a:solidFill>
+                  <a:srgbClr val="F8F8F2"/>
+                </a:solidFill>
+                <a:effectLst/>
+                <a:latin typeface="Consolas" panose="020B0609020204030204" pitchFamily="49" charset="0"/>
+              </a:rPr>
+              <a:t> </a:t>
+            </a:r>
+            <a:r>
+              <a:rPr lang="en-US" altLang="zh-TW" sz="1400" b="0" dirty="0">
+                <a:solidFill>
+                  <a:srgbClr val="FFEE99"/>
+                </a:solidFill>
+                <a:effectLst/>
+                <a:latin typeface="Consolas" panose="020B0609020204030204" pitchFamily="49" charset="0"/>
+              </a:rPr>
+              <a:t>""</a:t>
+            </a:r>
+            <a:r>
+              <a:rPr lang="en-US" altLang="zh-TW" sz="1400" b="0" dirty="0">
+                <a:solidFill>
+                  <a:srgbClr val="F8F8F2"/>
+                </a:solidFill>
+                <a:effectLst/>
+                <a:latin typeface="Consolas" panose="020B0609020204030204" pitchFamily="49" charset="0"/>
+              </a:rPr>
+              <a:t>) {</a:t>
+            </a:r>
+          </a:p>
+          <a:p>
+            <a:r>
+              <a:rPr lang="en-US" altLang="zh-TW" sz="1400" b="0" dirty="0">
+                <a:solidFill>
+                  <a:srgbClr val="F8F8F2"/>
+                </a:solidFill>
+                <a:effectLst/>
+                <a:latin typeface="Consolas" panose="020B0609020204030204" pitchFamily="49" charset="0"/>
+              </a:rPr>
+              <a:t>      </a:t>
+            </a:r>
+            <a:r>
+              <a:rPr lang="en-US" altLang="zh-TW" sz="1400" b="0" dirty="0" err="1">
+                <a:solidFill>
+                  <a:srgbClr val="F8F8F2"/>
+                </a:solidFill>
+                <a:effectLst/>
+                <a:latin typeface="Consolas" panose="020B0609020204030204" pitchFamily="49" charset="0"/>
+              </a:rPr>
+              <a:t>localStorage</a:t>
+            </a:r>
+            <a:r>
+              <a:rPr lang="en-US" altLang="zh-TW" sz="1400" b="0" dirty="0" err="1">
+                <a:solidFill>
+                  <a:srgbClr val="F92672"/>
+                </a:solidFill>
+                <a:effectLst/>
+                <a:latin typeface="Consolas" panose="020B0609020204030204" pitchFamily="49" charset="0"/>
+              </a:rPr>
+              <a:t>.</a:t>
+            </a:r>
+            <a:r>
+              <a:rPr lang="en-US" altLang="zh-TW" sz="1400" b="0" dirty="0" err="1">
+                <a:solidFill>
+                  <a:srgbClr val="A6E22E"/>
+                </a:solidFill>
+                <a:effectLst/>
+                <a:latin typeface="Consolas" panose="020B0609020204030204" pitchFamily="49" charset="0"/>
+              </a:rPr>
+              <a:t>removeItem</a:t>
+            </a:r>
+            <a:r>
+              <a:rPr lang="en-US" altLang="zh-TW" sz="1400" b="0" dirty="0">
+                <a:solidFill>
+                  <a:srgbClr val="F8F8F2"/>
+                </a:solidFill>
+                <a:effectLst/>
+                <a:latin typeface="Consolas" panose="020B0609020204030204" pitchFamily="49" charset="0"/>
+              </a:rPr>
+              <a:t>(key);</a:t>
+            </a:r>
+          </a:p>
+          <a:p>
+            <a:r>
+              <a:rPr lang="en-US" altLang="zh-TW" sz="1400" b="0" dirty="0">
+                <a:solidFill>
+                  <a:srgbClr val="F8F8F2"/>
+                </a:solidFill>
+                <a:effectLst/>
+                <a:latin typeface="Consolas" panose="020B0609020204030204" pitchFamily="49" charset="0"/>
+              </a:rPr>
+              <a:t>    },</a:t>
+            </a:r>
+          </a:p>
+          <a:p>
+            <a:r>
+              <a:rPr lang="en-US" altLang="zh-TW" sz="1400" b="0" dirty="0">
+                <a:solidFill>
+                  <a:srgbClr val="F8F8F2"/>
+                </a:solidFill>
+                <a:effectLst/>
+                <a:latin typeface="Consolas" panose="020B0609020204030204" pitchFamily="49" charset="0"/>
+              </a:rPr>
+              <a:t>    </a:t>
+            </a:r>
+            <a:r>
+              <a:rPr lang="en-US" altLang="zh-TW" sz="1400" b="0" dirty="0" err="1">
+                <a:solidFill>
+                  <a:srgbClr val="A6E22E"/>
+                </a:solidFill>
+                <a:effectLst/>
+                <a:latin typeface="Consolas" panose="020B0609020204030204" pitchFamily="49" charset="0"/>
+              </a:rPr>
+              <a:t>removeAll</a:t>
+            </a:r>
+            <a:r>
+              <a:rPr lang="en-US" altLang="zh-TW" sz="1400" b="0" dirty="0">
+                <a:solidFill>
+                  <a:srgbClr val="F8F8F2"/>
+                </a:solidFill>
+                <a:effectLst/>
+                <a:latin typeface="Consolas" panose="020B0609020204030204" pitchFamily="49" charset="0"/>
+              </a:rPr>
+              <a:t>() {</a:t>
+            </a:r>
+          </a:p>
+          <a:p>
+            <a:r>
+              <a:rPr lang="en-US" altLang="zh-TW" sz="1400" b="0" dirty="0">
+                <a:solidFill>
+                  <a:srgbClr val="F8F8F2"/>
+                </a:solidFill>
+                <a:effectLst/>
+                <a:latin typeface="Consolas" panose="020B0609020204030204" pitchFamily="49" charset="0"/>
+              </a:rPr>
+              <a:t>      </a:t>
+            </a:r>
+            <a:r>
+              <a:rPr lang="en-US" altLang="zh-TW" sz="1400" b="0" dirty="0" err="1">
+                <a:solidFill>
+                  <a:srgbClr val="F8F8F2"/>
+                </a:solidFill>
+                <a:effectLst/>
+                <a:latin typeface="Consolas" panose="020B0609020204030204" pitchFamily="49" charset="0"/>
+              </a:rPr>
+              <a:t>localStorage</a:t>
+            </a:r>
+            <a:r>
+              <a:rPr lang="en-US" altLang="zh-TW" sz="1400" b="0" dirty="0" err="1">
+                <a:solidFill>
+                  <a:srgbClr val="F92672"/>
+                </a:solidFill>
+                <a:effectLst/>
+                <a:latin typeface="Consolas" panose="020B0609020204030204" pitchFamily="49" charset="0"/>
+              </a:rPr>
+              <a:t>.</a:t>
+            </a:r>
+            <a:r>
+              <a:rPr lang="en-US" altLang="zh-TW" sz="1400" b="0" dirty="0" err="1">
+                <a:solidFill>
+                  <a:srgbClr val="A6E22E"/>
+                </a:solidFill>
+                <a:effectLst/>
+                <a:latin typeface="Consolas" panose="020B0609020204030204" pitchFamily="49" charset="0"/>
+              </a:rPr>
+              <a:t>clear</a:t>
+            </a:r>
+            <a:r>
+              <a:rPr lang="en-US" altLang="zh-TW" sz="1400" b="0" dirty="0">
+                <a:solidFill>
+                  <a:srgbClr val="F8F8F2"/>
+                </a:solidFill>
+                <a:effectLst/>
+                <a:latin typeface="Consolas" panose="020B0609020204030204" pitchFamily="49" charset="0"/>
+              </a:rPr>
+              <a:t>();</a:t>
+            </a:r>
+          </a:p>
+          <a:p>
+            <a:r>
+              <a:rPr lang="en-US" altLang="zh-TW" sz="1400" b="0" dirty="0">
+                <a:solidFill>
+                  <a:srgbClr val="F8F8F2"/>
+                </a:solidFill>
+                <a:effectLst/>
+                <a:latin typeface="Consolas" panose="020B0609020204030204" pitchFamily="49" charset="0"/>
+              </a:rPr>
+              <a:t>    }</a:t>
+            </a:r>
+          </a:p>
+          <a:p>
+            <a:r>
+              <a:rPr lang="en-US" altLang="zh-TW" sz="1400" b="0" dirty="0">
+                <a:solidFill>
+                  <a:srgbClr val="F8F8F2"/>
+                </a:solidFill>
+                <a:effectLst/>
+                <a:latin typeface="Consolas" panose="020B0609020204030204" pitchFamily="49" charset="0"/>
+              </a:rPr>
+              <a:t>  });</a:t>
+            </a:r>
+          </a:p>
+          <a:p>
+            <a:r>
+              <a:rPr lang="en-US" altLang="zh-TW" sz="1400" b="0" dirty="0">
+                <a:solidFill>
+                  <a:srgbClr val="F8F8F2"/>
+                </a:solidFill>
+                <a:effectLst/>
+                <a:latin typeface="Consolas" panose="020B0609020204030204" pitchFamily="49" charset="0"/>
+              </a:rPr>
+              <a:t>};</a:t>
+            </a:r>
+          </a:p>
+          <a:p>
+            <a:br>
+              <a:rPr lang="en-US" altLang="zh-TW" sz="1400" b="0" dirty="0">
+                <a:solidFill>
+                  <a:srgbClr val="F8F8F2"/>
+                </a:solidFill>
+                <a:effectLst/>
+                <a:latin typeface="Consolas" panose="020B0609020204030204" pitchFamily="49" charset="0"/>
+              </a:rPr>
+            </a:br>
+            <a:endParaRPr lang="en-US" altLang="zh-TW" sz="1400" b="0" dirty="0">
+              <a:solidFill>
+                <a:srgbClr val="F8F8F2"/>
+              </a:solidFill>
+              <a:effectLst/>
+              <a:latin typeface="Consolas" panose="020B0609020204030204" pitchFamily="49" charset="0"/>
+            </a:endParaRPr>
+          </a:p>
+        </p:txBody>
+      </p:sp>
+      <p:sp>
+        <p:nvSpPr>
+          <p:cNvPr id="8" name="文字方塊 7">
+            <a:extLst>
+              <a:ext uri="{FF2B5EF4-FFF2-40B4-BE49-F238E27FC236}">
+                <a16:creationId xmlns:a16="http://schemas.microsoft.com/office/drawing/2014/main" id="{75F1DAEF-80C8-492E-A1AB-B58760197BD5}"/>
+              </a:ext>
+            </a:extLst>
+          </p:cNvPr>
+          <p:cNvSpPr txBox="1"/>
+          <p:nvPr/>
+        </p:nvSpPr>
+        <p:spPr>
+          <a:xfrm>
+            <a:off x="7942470" y="240784"/>
+            <a:ext cx="4078080" cy="584775"/>
+          </a:xfrm>
+          <a:prstGeom prst="rect">
+            <a:avLst/>
+          </a:prstGeom>
+          <a:noFill/>
+        </p:spPr>
+        <p:txBody>
+          <a:bodyPr wrap="square">
+            <a:spAutoFit/>
+          </a:bodyPr>
+          <a:lstStyle/>
+          <a:p>
+            <a:r>
+              <a:rPr lang="zh-TW" altLang="en-US" sz="3200" b="1" dirty="0">
+                <a:solidFill>
+                  <a:schemeClr val="bg1"/>
+                </a:solidFill>
+                <a:effectLst/>
+                <a:latin typeface="微軟正黑體" panose="020B0604030504040204" pitchFamily="34" charset="-120"/>
+                <a:ea typeface="微軟正黑體" panose="020B0604030504040204" pitchFamily="34" charset="-120"/>
+              </a:rPr>
+              <a:t>包裝 </a:t>
+            </a:r>
+            <a:r>
+              <a:rPr lang="en-US" altLang="zh-TW" sz="3200" b="1" dirty="0" err="1">
+                <a:solidFill>
+                  <a:schemeClr val="bg1"/>
+                </a:solidFill>
+                <a:effectLst/>
+                <a:latin typeface="微軟正黑體" panose="020B0604030504040204" pitchFamily="34" charset="-120"/>
+                <a:ea typeface="微軟正黑體" panose="020B0604030504040204" pitchFamily="34" charset="-120"/>
+              </a:rPr>
+              <a:t>localStorage</a:t>
+            </a:r>
+            <a:endParaRPr lang="zh-TW" altLang="en-US" sz="3200" b="1" dirty="0">
+              <a:solidFill>
+                <a:schemeClr val="bg1"/>
+              </a:solidFill>
+              <a:latin typeface="微軟正黑體" panose="020B0604030504040204" pitchFamily="34" charset="-120"/>
+              <a:ea typeface="微軟正黑體" panose="020B0604030504040204" pitchFamily="34" charset="-120"/>
+            </a:endParaRPr>
+          </a:p>
+        </p:txBody>
+      </p:sp>
+    </p:spTree>
+    <p:extLst>
+      <p:ext uri="{BB962C8B-B14F-4D97-AF65-F5344CB8AC3E}">
+        <p14:creationId xmlns:p14="http://schemas.microsoft.com/office/powerpoint/2010/main" val="895204740"/>
+      </p:ext>
+    </p:extLst>
+  </p:cSld>
+  <p:clrMapOvr>
+    <a:masterClrMapping/>
+  </p:clrMapOvr>
+</p:sld>
+</file>
+
+<file path=ppt/slides/slide15.xml><?xml version="1.0" encoding="utf-8"?>
+<p:sld xmlns:a="http://schemas.openxmlformats.org/drawingml/2006/main" xmlns:r="http://schemas.openxmlformats.org/officeDocument/2006/relationships" xmlns:p="http://schemas.openxmlformats.org/presentationml/2006/main">
+  <p:cSld>
+    <p:spTree>
+      <p:nvGrpSpPr>
+        <p:cNvPr id="1" name=""/>
+        <p:cNvGrpSpPr/>
+        <p:nvPr/>
+      </p:nvGrpSpPr>
+      <p:grpSpPr>
+        <a:xfrm>
+          <a:off x="0" y="0"/>
+          <a:ext cx="0" cy="0"/>
+          <a:chOff x="0" y="0"/>
+          <a:chExt cx="0" cy="0"/>
+        </a:xfrm>
+      </p:grpSpPr>
+      <p:sp>
+        <p:nvSpPr>
+          <p:cNvPr id="6" name="矩形 5">
+            <a:extLst>
+              <a:ext uri="{FF2B5EF4-FFF2-40B4-BE49-F238E27FC236}">
+                <a16:creationId xmlns:a16="http://schemas.microsoft.com/office/drawing/2014/main" id="{7EC0EE49-AF4B-4BCE-939C-5DDA4AC34160}"/>
+              </a:ext>
+            </a:extLst>
+          </p:cNvPr>
+          <p:cNvSpPr/>
+          <p:nvPr/>
+        </p:nvSpPr>
+        <p:spPr>
+          <a:xfrm>
+            <a:off x="0" y="0"/>
+            <a:ext cx="7734300" cy="6858000"/>
+          </a:xfrm>
+          <a:prstGeom prst="rect">
+            <a:avLst/>
+          </a:prstGeom>
+        </p:spPr>
+        <p:style>
+          <a:lnRef idx="2">
+            <a:schemeClr val="dk1">
+              <a:shade val="50000"/>
+            </a:schemeClr>
+          </a:lnRef>
+          <a:fillRef idx="1">
+            <a:schemeClr val="dk1"/>
+          </a:fillRef>
+          <a:effectRef idx="0">
+            <a:schemeClr val="dk1"/>
+          </a:effectRef>
+          <a:fontRef idx="minor">
+            <a:schemeClr val="lt1"/>
+          </a:fontRef>
+        </p:style>
+        <p:txBody>
+          <a:bodyPr rtlCol="0" anchor="ctr"/>
+          <a:lstStyle/>
+          <a:p>
+            <a:pPr algn="ctr"/>
+            <a:endParaRPr lang="zh-TW" altLang="en-US"/>
+          </a:p>
+        </p:txBody>
+      </p:sp>
+      <p:sp>
+        <p:nvSpPr>
+          <p:cNvPr id="5" name="文字方塊 4">
+            <a:extLst>
+              <a:ext uri="{FF2B5EF4-FFF2-40B4-BE49-F238E27FC236}">
+                <a16:creationId xmlns:a16="http://schemas.microsoft.com/office/drawing/2014/main" id="{BE1BF7CD-F54C-46B4-B620-AE69B7AD67C3}"/>
+              </a:ext>
+            </a:extLst>
+          </p:cNvPr>
+          <p:cNvSpPr txBox="1"/>
+          <p:nvPr/>
+        </p:nvSpPr>
+        <p:spPr>
+          <a:xfrm>
+            <a:off x="252620" y="582067"/>
+            <a:ext cx="7399129" cy="5693866"/>
+          </a:xfrm>
+          <a:prstGeom prst="rect">
+            <a:avLst/>
+          </a:prstGeom>
+          <a:noFill/>
+        </p:spPr>
+        <p:txBody>
+          <a:bodyPr wrap="square">
+            <a:spAutoFit/>
+          </a:bodyPr>
+          <a:lstStyle/>
+          <a:p>
+            <a:r>
+              <a:rPr lang="en-US" altLang="zh-TW" sz="1400" b="0" dirty="0">
+                <a:solidFill>
+                  <a:srgbClr val="F92672"/>
+                </a:solidFill>
+                <a:effectLst/>
+                <a:latin typeface="Consolas" panose="020B0609020204030204" pitchFamily="49" charset="0"/>
+              </a:rPr>
+              <a:t>import</a:t>
+            </a:r>
+            <a:r>
+              <a:rPr lang="en-US" altLang="zh-TW" sz="1400" b="0" dirty="0">
+                <a:solidFill>
+                  <a:srgbClr val="F8F8F2"/>
+                </a:solidFill>
+                <a:effectLst/>
+                <a:latin typeface="Consolas" panose="020B0609020204030204" pitchFamily="49" charset="0"/>
+              </a:rPr>
+              <a:t> Cookies </a:t>
+            </a:r>
+            <a:r>
+              <a:rPr lang="en-US" altLang="zh-TW" sz="1400" b="0" dirty="0">
+                <a:solidFill>
+                  <a:srgbClr val="F92672"/>
+                </a:solidFill>
+                <a:effectLst/>
+                <a:latin typeface="Consolas" panose="020B0609020204030204" pitchFamily="49" charset="0"/>
+              </a:rPr>
+              <a:t>from</a:t>
+            </a:r>
+            <a:r>
+              <a:rPr lang="en-US" altLang="zh-TW" sz="1400" b="0" dirty="0">
+                <a:solidFill>
+                  <a:srgbClr val="F8F8F2"/>
+                </a:solidFill>
+                <a:effectLst/>
+                <a:latin typeface="Consolas" panose="020B0609020204030204" pitchFamily="49" charset="0"/>
+              </a:rPr>
+              <a:t> </a:t>
+            </a:r>
+            <a:r>
+              <a:rPr lang="en-US" altLang="zh-TW" sz="1400" b="0" dirty="0">
+                <a:solidFill>
+                  <a:srgbClr val="FFEE99"/>
+                </a:solidFill>
+                <a:effectLst/>
+                <a:latin typeface="Consolas" panose="020B0609020204030204" pitchFamily="49" charset="0"/>
+              </a:rPr>
+              <a:t>'</a:t>
+            </a:r>
+            <a:r>
+              <a:rPr lang="en-US" altLang="zh-TW" sz="1400" b="0" dirty="0" err="1">
+                <a:solidFill>
+                  <a:srgbClr val="FFEE99"/>
+                </a:solidFill>
+                <a:effectLst/>
+                <a:latin typeface="Consolas" panose="020B0609020204030204" pitchFamily="49" charset="0"/>
+              </a:rPr>
+              <a:t>js</a:t>
+            </a:r>
+            <a:r>
+              <a:rPr lang="en-US" altLang="zh-TW" sz="1400" b="0" dirty="0">
+                <a:solidFill>
+                  <a:srgbClr val="FFEE99"/>
+                </a:solidFill>
+                <a:effectLst/>
+                <a:latin typeface="Consolas" panose="020B0609020204030204" pitchFamily="49" charset="0"/>
+              </a:rPr>
+              <a:t>-cookie'</a:t>
+            </a:r>
+            <a:endParaRPr lang="en-US" altLang="zh-TW" sz="1400" b="0" dirty="0">
+              <a:solidFill>
+                <a:srgbClr val="F8F8F2"/>
+              </a:solidFill>
+              <a:effectLst/>
+              <a:latin typeface="Consolas" panose="020B0609020204030204" pitchFamily="49" charset="0"/>
+            </a:endParaRPr>
+          </a:p>
+          <a:p>
+            <a:r>
+              <a:rPr lang="en-US" altLang="zh-TW" sz="1400" b="0" dirty="0">
+                <a:solidFill>
+                  <a:srgbClr val="F92672"/>
+                </a:solidFill>
+                <a:effectLst/>
+                <a:latin typeface="Consolas" panose="020B0609020204030204" pitchFamily="49" charset="0"/>
+              </a:rPr>
+              <a:t>export</a:t>
+            </a:r>
+            <a:r>
+              <a:rPr lang="en-US" altLang="zh-TW" sz="1400" b="0" dirty="0">
+                <a:solidFill>
+                  <a:srgbClr val="F8F8F2"/>
+                </a:solidFill>
+                <a:effectLst/>
+                <a:latin typeface="Consolas" panose="020B0609020204030204" pitchFamily="49" charset="0"/>
+              </a:rPr>
+              <a:t> </a:t>
+            </a:r>
+            <a:r>
+              <a:rPr lang="en-US" altLang="zh-TW" sz="1400" b="0" dirty="0">
+                <a:solidFill>
+                  <a:srgbClr val="F92672"/>
+                </a:solidFill>
+                <a:effectLst/>
+                <a:latin typeface="Consolas" panose="020B0609020204030204" pitchFamily="49" charset="0"/>
+              </a:rPr>
+              <a:t>default</a:t>
+            </a:r>
+            <a:r>
+              <a:rPr lang="en-US" altLang="zh-TW" sz="1400" b="0" dirty="0">
+                <a:solidFill>
+                  <a:srgbClr val="F8F8F2"/>
+                </a:solidFill>
+                <a:effectLst/>
+                <a:latin typeface="Consolas" panose="020B0609020204030204" pitchFamily="49" charset="0"/>
+              </a:rPr>
+              <a:t> ({ app }, inject) </a:t>
+            </a:r>
+            <a:r>
+              <a:rPr lang="en-US" altLang="zh-TW" sz="1400" b="0" i="1" dirty="0">
+                <a:solidFill>
+                  <a:srgbClr val="66D9EF"/>
+                </a:solidFill>
+                <a:effectLst/>
+                <a:latin typeface="Consolas" panose="020B0609020204030204" pitchFamily="49" charset="0"/>
+              </a:rPr>
+              <a:t>=&gt;</a:t>
+            </a:r>
+            <a:r>
+              <a:rPr lang="en-US" altLang="zh-TW" sz="1400" b="0" dirty="0">
+                <a:solidFill>
+                  <a:srgbClr val="F8F8F2"/>
+                </a:solidFill>
+                <a:effectLst/>
+                <a:latin typeface="Consolas" panose="020B0609020204030204" pitchFamily="49" charset="0"/>
+              </a:rPr>
+              <a:t> {</a:t>
+            </a:r>
+          </a:p>
+          <a:p>
+            <a:r>
+              <a:rPr lang="en-US" altLang="zh-TW" sz="1400" b="0" dirty="0">
+                <a:solidFill>
+                  <a:srgbClr val="F8F8F2"/>
+                </a:solidFill>
+                <a:effectLst/>
+                <a:latin typeface="Consolas" panose="020B0609020204030204" pitchFamily="49" charset="0"/>
+              </a:rPr>
+              <a:t>  </a:t>
+            </a:r>
+            <a:r>
+              <a:rPr lang="en-US" altLang="zh-TW" sz="1400" b="0" dirty="0">
+                <a:solidFill>
+                  <a:srgbClr val="A6E22E"/>
+                </a:solidFill>
+                <a:effectLst/>
+                <a:latin typeface="Consolas" panose="020B0609020204030204" pitchFamily="49" charset="0"/>
+              </a:rPr>
+              <a:t>inject</a:t>
+            </a:r>
+            <a:r>
+              <a:rPr lang="en-US" altLang="zh-TW" sz="1400" b="0" dirty="0">
+                <a:solidFill>
+                  <a:srgbClr val="F8F8F2"/>
+                </a:solidFill>
+                <a:effectLst/>
+                <a:latin typeface="Consolas" panose="020B0609020204030204" pitchFamily="49" charset="0"/>
+              </a:rPr>
+              <a:t>(</a:t>
+            </a:r>
+            <a:r>
+              <a:rPr lang="en-US" altLang="zh-TW" sz="1400" b="0" dirty="0">
+                <a:solidFill>
+                  <a:srgbClr val="FFEE99"/>
+                </a:solidFill>
+                <a:effectLst/>
+                <a:latin typeface="Consolas" panose="020B0609020204030204" pitchFamily="49" charset="0"/>
+              </a:rPr>
+              <a:t>'cookies'</a:t>
+            </a:r>
+            <a:r>
+              <a:rPr lang="en-US" altLang="zh-TW" sz="1400" b="0" dirty="0">
+                <a:solidFill>
+                  <a:srgbClr val="F8F8F2"/>
+                </a:solidFill>
+                <a:effectLst/>
+                <a:latin typeface="Consolas" panose="020B0609020204030204" pitchFamily="49" charset="0"/>
+              </a:rPr>
+              <a:t>, {</a:t>
+            </a:r>
+          </a:p>
+          <a:p>
+            <a:r>
+              <a:rPr lang="en-US" altLang="zh-TW" sz="1400" b="0" dirty="0">
+                <a:solidFill>
+                  <a:srgbClr val="F8F8F2"/>
+                </a:solidFill>
+                <a:effectLst/>
+                <a:latin typeface="Consolas" panose="020B0609020204030204" pitchFamily="49" charset="0"/>
+              </a:rPr>
+              <a:t>      </a:t>
+            </a:r>
+            <a:r>
+              <a:rPr lang="en-US" altLang="zh-TW" sz="1400" b="0" dirty="0">
+                <a:solidFill>
+                  <a:srgbClr val="A6E22E"/>
+                </a:solidFill>
+                <a:effectLst/>
+                <a:latin typeface="Consolas" panose="020B0609020204030204" pitchFamily="49" charset="0"/>
+              </a:rPr>
+              <a:t>set</a:t>
+            </a:r>
+            <a:r>
+              <a:rPr lang="en-US" altLang="zh-TW" sz="1400" b="0" dirty="0">
+                <a:solidFill>
+                  <a:srgbClr val="F8F8F2"/>
+                </a:solidFill>
+                <a:effectLst/>
+                <a:latin typeface="Consolas" panose="020B0609020204030204" pitchFamily="49" charset="0"/>
+              </a:rPr>
+              <a:t>: (name, value </a:t>
+            </a:r>
+            <a:r>
+              <a:rPr lang="en-US" altLang="zh-TW" sz="1400" b="0" dirty="0">
+                <a:solidFill>
+                  <a:srgbClr val="F92672"/>
+                </a:solidFill>
+                <a:effectLst/>
+                <a:latin typeface="Consolas" panose="020B0609020204030204" pitchFamily="49" charset="0"/>
+              </a:rPr>
+              <a:t>=</a:t>
+            </a:r>
+            <a:r>
+              <a:rPr lang="en-US" altLang="zh-TW" sz="1400" b="0" dirty="0">
+                <a:solidFill>
+                  <a:srgbClr val="F8F8F2"/>
+                </a:solidFill>
+                <a:effectLst/>
+                <a:latin typeface="Consolas" panose="020B0609020204030204" pitchFamily="49" charset="0"/>
+              </a:rPr>
+              <a:t> {}, expires </a:t>
+            </a:r>
+            <a:r>
+              <a:rPr lang="en-US" altLang="zh-TW" sz="1400" b="0" dirty="0">
+                <a:solidFill>
+                  <a:srgbClr val="F92672"/>
+                </a:solidFill>
+                <a:effectLst/>
+                <a:latin typeface="Consolas" panose="020B0609020204030204" pitchFamily="49" charset="0"/>
+              </a:rPr>
+              <a:t>=</a:t>
+            </a:r>
+            <a:r>
+              <a:rPr lang="en-US" altLang="zh-TW" sz="1400" b="0" dirty="0">
+                <a:solidFill>
+                  <a:srgbClr val="F8F8F2"/>
+                </a:solidFill>
+                <a:effectLst/>
+                <a:latin typeface="Consolas" panose="020B0609020204030204" pitchFamily="49" charset="0"/>
+              </a:rPr>
+              <a:t> { </a:t>
+            </a:r>
+            <a:r>
+              <a:rPr lang="en-US" altLang="zh-TW" sz="1400" b="0" dirty="0">
+                <a:solidFill>
+                  <a:srgbClr val="FFEE99"/>
+                </a:solidFill>
+                <a:effectLst/>
+                <a:latin typeface="Consolas" panose="020B0609020204030204" pitchFamily="49" charset="0"/>
+              </a:rPr>
+              <a:t>expires</a:t>
+            </a:r>
+            <a:r>
+              <a:rPr lang="en-US" altLang="zh-TW" sz="1400" b="0" dirty="0">
+                <a:solidFill>
+                  <a:srgbClr val="F8F8F2"/>
+                </a:solidFill>
+                <a:effectLst/>
+                <a:latin typeface="Consolas" panose="020B0609020204030204" pitchFamily="49" charset="0"/>
+              </a:rPr>
+              <a:t>: </a:t>
+            </a:r>
+            <a:r>
+              <a:rPr lang="en-US" altLang="zh-TW" sz="1400" b="0" dirty="0">
+                <a:solidFill>
+                  <a:srgbClr val="FF80F4"/>
+                </a:solidFill>
+                <a:effectLst/>
+                <a:latin typeface="Consolas" panose="020B0609020204030204" pitchFamily="49" charset="0"/>
+              </a:rPr>
+              <a:t>365</a:t>
+            </a:r>
+            <a:r>
+              <a:rPr lang="en-US" altLang="zh-TW" sz="1400" b="0" dirty="0">
+                <a:solidFill>
+                  <a:srgbClr val="F8F8F2"/>
+                </a:solidFill>
+                <a:effectLst/>
+                <a:latin typeface="Consolas" panose="020B0609020204030204" pitchFamily="49" charset="0"/>
+              </a:rPr>
+              <a:t> }) </a:t>
+            </a:r>
+            <a:r>
+              <a:rPr lang="en-US" altLang="zh-TW" sz="1400" b="0" i="1" dirty="0">
+                <a:solidFill>
+                  <a:srgbClr val="66D9EF"/>
+                </a:solidFill>
+                <a:effectLst/>
+                <a:latin typeface="Consolas" panose="020B0609020204030204" pitchFamily="49" charset="0"/>
+              </a:rPr>
+              <a:t>=&gt;</a:t>
+            </a:r>
+            <a:r>
+              <a:rPr lang="en-US" altLang="zh-TW" sz="1400" b="0" dirty="0">
+                <a:solidFill>
+                  <a:srgbClr val="F8F8F2"/>
+                </a:solidFill>
+                <a:effectLst/>
+                <a:latin typeface="Consolas" panose="020B0609020204030204" pitchFamily="49" charset="0"/>
+              </a:rPr>
+              <a:t> {</a:t>
+            </a:r>
+          </a:p>
+          <a:p>
+            <a:r>
+              <a:rPr lang="en-US" altLang="zh-TW" sz="1400" b="0" dirty="0">
+                <a:solidFill>
+                  <a:srgbClr val="F8F8F2"/>
+                </a:solidFill>
+                <a:effectLst/>
+                <a:latin typeface="Consolas" panose="020B0609020204030204" pitchFamily="49" charset="0"/>
+              </a:rPr>
+              <a:t>        </a:t>
+            </a:r>
+            <a:r>
+              <a:rPr lang="en-US" altLang="zh-TW" sz="1400" b="0" dirty="0" err="1">
+                <a:solidFill>
+                  <a:srgbClr val="F8F8F2"/>
+                </a:solidFill>
+                <a:effectLst/>
+                <a:latin typeface="Consolas" panose="020B0609020204030204" pitchFamily="49" charset="0"/>
+              </a:rPr>
+              <a:t>Cookies</a:t>
+            </a:r>
+            <a:r>
+              <a:rPr lang="en-US" altLang="zh-TW" sz="1400" b="0" dirty="0" err="1">
+                <a:solidFill>
+                  <a:srgbClr val="F92672"/>
+                </a:solidFill>
+                <a:effectLst/>
+                <a:latin typeface="Consolas" panose="020B0609020204030204" pitchFamily="49" charset="0"/>
+              </a:rPr>
+              <a:t>.</a:t>
+            </a:r>
+            <a:r>
+              <a:rPr lang="en-US" altLang="zh-TW" sz="1400" b="0" dirty="0" err="1">
+                <a:solidFill>
+                  <a:srgbClr val="A6E22E"/>
+                </a:solidFill>
+                <a:effectLst/>
+                <a:latin typeface="Consolas" panose="020B0609020204030204" pitchFamily="49" charset="0"/>
+              </a:rPr>
+              <a:t>set</a:t>
+            </a:r>
+            <a:r>
+              <a:rPr lang="en-US" altLang="zh-TW" sz="1400" b="0" dirty="0">
+                <a:solidFill>
+                  <a:srgbClr val="F8F8F2"/>
+                </a:solidFill>
+                <a:effectLst/>
+                <a:latin typeface="Consolas" panose="020B0609020204030204" pitchFamily="49" charset="0"/>
+              </a:rPr>
+              <a:t>(name, value, expires)</a:t>
+            </a:r>
+          </a:p>
+          <a:p>
+            <a:r>
+              <a:rPr lang="en-US" altLang="zh-TW" sz="1400" b="0" dirty="0">
+                <a:solidFill>
+                  <a:srgbClr val="F8F8F2"/>
+                </a:solidFill>
+                <a:effectLst/>
+                <a:latin typeface="Consolas" panose="020B0609020204030204" pitchFamily="49" charset="0"/>
+              </a:rPr>
+              <a:t>      },</a:t>
+            </a:r>
+          </a:p>
+          <a:p>
+            <a:r>
+              <a:rPr lang="en-US" altLang="zh-TW" sz="1400" b="0" dirty="0">
+                <a:solidFill>
+                  <a:srgbClr val="F8F8F2"/>
+                </a:solidFill>
+                <a:effectLst/>
+                <a:latin typeface="Consolas" panose="020B0609020204030204" pitchFamily="49" charset="0"/>
+              </a:rPr>
+              <a:t>      </a:t>
+            </a:r>
+            <a:r>
+              <a:rPr lang="en-US" altLang="zh-TW" sz="1400" b="0" dirty="0">
+                <a:solidFill>
+                  <a:srgbClr val="A6E22E"/>
+                </a:solidFill>
+                <a:effectLst/>
+                <a:latin typeface="Consolas" panose="020B0609020204030204" pitchFamily="49" charset="0"/>
+              </a:rPr>
+              <a:t>get</a:t>
+            </a:r>
+            <a:r>
+              <a:rPr lang="en-US" altLang="zh-TW" sz="1400" b="0" dirty="0">
+                <a:solidFill>
+                  <a:srgbClr val="F92672"/>
+                </a:solidFill>
+                <a:effectLst/>
+                <a:latin typeface="Consolas" panose="020B0609020204030204" pitchFamily="49" charset="0"/>
+              </a:rPr>
+              <a:t>:</a:t>
+            </a:r>
+            <a:r>
+              <a:rPr lang="en-US" altLang="zh-TW" sz="1400" b="0" dirty="0">
+                <a:solidFill>
+                  <a:srgbClr val="F8F8F2"/>
+                </a:solidFill>
+                <a:effectLst/>
+                <a:latin typeface="Consolas" panose="020B0609020204030204" pitchFamily="49" charset="0"/>
+              </a:rPr>
+              <a:t> name </a:t>
+            </a:r>
+            <a:r>
+              <a:rPr lang="en-US" altLang="zh-TW" sz="1400" b="0" i="1" dirty="0">
+                <a:solidFill>
+                  <a:srgbClr val="66D9EF"/>
+                </a:solidFill>
+                <a:effectLst/>
+                <a:latin typeface="Consolas" panose="020B0609020204030204" pitchFamily="49" charset="0"/>
+              </a:rPr>
+              <a:t>=&gt;</a:t>
+            </a:r>
+            <a:r>
+              <a:rPr lang="en-US" altLang="zh-TW" sz="1400" b="0" dirty="0">
+                <a:solidFill>
+                  <a:srgbClr val="F8F8F2"/>
+                </a:solidFill>
+                <a:effectLst/>
+                <a:latin typeface="Consolas" panose="020B0609020204030204" pitchFamily="49" charset="0"/>
+              </a:rPr>
+              <a:t> {</a:t>
+            </a:r>
+          </a:p>
+          <a:p>
+            <a:r>
+              <a:rPr lang="en-US" altLang="zh-TW" sz="1400" b="0" dirty="0">
+                <a:solidFill>
+                  <a:srgbClr val="F8F8F2"/>
+                </a:solidFill>
+                <a:effectLst/>
+                <a:latin typeface="Consolas" panose="020B0609020204030204" pitchFamily="49" charset="0"/>
+              </a:rPr>
+              <a:t>        </a:t>
+            </a:r>
+            <a:r>
+              <a:rPr lang="en-US" altLang="zh-TW" sz="1400" b="0" i="1" dirty="0">
+                <a:solidFill>
+                  <a:srgbClr val="66D9EF"/>
+                </a:solidFill>
+                <a:effectLst/>
+                <a:latin typeface="Consolas" panose="020B0609020204030204" pitchFamily="49" charset="0"/>
+              </a:rPr>
+              <a:t>const</a:t>
+            </a:r>
+            <a:r>
+              <a:rPr lang="en-US" altLang="zh-TW" sz="1400" b="0" dirty="0">
+                <a:solidFill>
+                  <a:srgbClr val="F8F8F2"/>
+                </a:solidFill>
+                <a:effectLst/>
+                <a:latin typeface="Consolas" panose="020B0609020204030204" pitchFamily="49" charset="0"/>
+              </a:rPr>
+              <a:t> </a:t>
+            </a:r>
+            <a:r>
+              <a:rPr lang="en-US" altLang="zh-TW" sz="1400" b="0" dirty="0" err="1">
+                <a:solidFill>
+                  <a:srgbClr val="F8F8F2"/>
+                </a:solidFill>
+                <a:effectLst/>
+                <a:latin typeface="Consolas" panose="020B0609020204030204" pitchFamily="49" charset="0"/>
+              </a:rPr>
+              <a:t>val</a:t>
+            </a:r>
+            <a:r>
+              <a:rPr lang="en-US" altLang="zh-TW" sz="1400" b="0" dirty="0">
+                <a:solidFill>
+                  <a:srgbClr val="F8F8F2"/>
+                </a:solidFill>
+                <a:effectLst/>
+                <a:latin typeface="Consolas" panose="020B0609020204030204" pitchFamily="49" charset="0"/>
+              </a:rPr>
+              <a:t> </a:t>
+            </a:r>
+            <a:r>
+              <a:rPr lang="en-US" altLang="zh-TW" sz="1400" b="0" dirty="0">
+                <a:solidFill>
+                  <a:srgbClr val="F92672"/>
+                </a:solidFill>
+                <a:effectLst/>
+                <a:latin typeface="Consolas" panose="020B0609020204030204" pitchFamily="49" charset="0"/>
+              </a:rPr>
+              <a:t>=</a:t>
+            </a:r>
+            <a:r>
+              <a:rPr lang="en-US" altLang="zh-TW" sz="1400" b="0" dirty="0">
+                <a:solidFill>
+                  <a:srgbClr val="F8F8F2"/>
+                </a:solidFill>
+                <a:effectLst/>
+                <a:latin typeface="Consolas" panose="020B0609020204030204" pitchFamily="49" charset="0"/>
+              </a:rPr>
+              <a:t> </a:t>
+            </a:r>
+            <a:r>
+              <a:rPr lang="en-US" altLang="zh-TW" sz="1400" b="0" dirty="0" err="1">
+                <a:solidFill>
+                  <a:srgbClr val="F8F8F2"/>
+                </a:solidFill>
+                <a:effectLst/>
+                <a:latin typeface="Consolas" panose="020B0609020204030204" pitchFamily="49" charset="0"/>
+              </a:rPr>
+              <a:t>Cookies</a:t>
+            </a:r>
+            <a:r>
+              <a:rPr lang="en-US" altLang="zh-TW" sz="1400" b="0" dirty="0" err="1">
+                <a:solidFill>
+                  <a:srgbClr val="F92672"/>
+                </a:solidFill>
+                <a:effectLst/>
+                <a:latin typeface="Consolas" panose="020B0609020204030204" pitchFamily="49" charset="0"/>
+              </a:rPr>
+              <a:t>.</a:t>
+            </a:r>
+            <a:r>
+              <a:rPr lang="en-US" altLang="zh-TW" sz="1400" b="0" dirty="0" err="1">
+                <a:solidFill>
+                  <a:srgbClr val="A6E22E"/>
+                </a:solidFill>
+                <a:effectLst/>
+                <a:latin typeface="Consolas" panose="020B0609020204030204" pitchFamily="49" charset="0"/>
+              </a:rPr>
+              <a:t>get</a:t>
+            </a:r>
+            <a:r>
+              <a:rPr lang="en-US" altLang="zh-TW" sz="1400" b="0" dirty="0">
+                <a:solidFill>
+                  <a:srgbClr val="F8F8F2"/>
+                </a:solidFill>
+                <a:effectLst/>
+                <a:latin typeface="Consolas" panose="020B0609020204030204" pitchFamily="49" charset="0"/>
+              </a:rPr>
+              <a:t>(name)</a:t>
+            </a:r>
+          </a:p>
+          <a:p>
+            <a:r>
+              <a:rPr lang="en-US" altLang="zh-TW" sz="1400" b="0" dirty="0">
+                <a:solidFill>
+                  <a:srgbClr val="F8F8F2"/>
+                </a:solidFill>
+                <a:effectLst/>
+                <a:latin typeface="Consolas" panose="020B0609020204030204" pitchFamily="49" charset="0"/>
+              </a:rPr>
+              <a:t>        </a:t>
+            </a:r>
+            <a:r>
+              <a:rPr lang="en-US" altLang="zh-TW" sz="1400" b="0" dirty="0">
+                <a:solidFill>
+                  <a:srgbClr val="F92672"/>
+                </a:solidFill>
+                <a:effectLst/>
+                <a:latin typeface="Consolas" panose="020B0609020204030204" pitchFamily="49" charset="0"/>
+              </a:rPr>
+              <a:t>try</a:t>
+            </a:r>
+            <a:r>
+              <a:rPr lang="en-US" altLang="zh-TW" sz="1400" b="0" dirty="0">
+                <a:solidFill>
+                  <a:srgbClr val="F8F8F2"/>
+                </a:solidFill>
+                <a:effectLst/>
+                <a:latin typeface="Consolas" panose="020B0609020204030204" pitchFamily="49" charset="0"/>
+              </a:rPr>
+              <a:t> {</a:t>
+            </a:r>
+          </a:p>
+          <a:p>
+            <a:r>
+              <a:rPr lang="en-US" altLang="zh-TW" sz="1400" b="0" dirty="0">
+                <a:solidFill>
+                  <a:srgbClr val="F8F8F2"/>
+                </a:solidFill>
+                <a:effectLst/>
+                <a:latin typeface="Consolas" panose="020B0609020204030204" pitchFamily="49" charset="0"/>
+              </a:rPr>
+              <a:t>          </a:t>
+            </a:r>
+            <a:r>
+              <a:rPr lang="en-US" altLang="zh-TW" sz="1400" b="0" dirty="0">
+                <a:solidFill>
+                  <a:srgbClr val="F92672"/>
+                </a:solidFill>
+                <a:effectLst/>
+                <a:latin typeface="Consolas" panose="020B0609020204030204" pitchFamily="49" charset="0"/>
+              </a:rPr>
+              <a:t>return</a:t>
+            </a:r>
+            <a:r>
+              <a:rPr lang="en-US" altLang="zh-TW" sz="1400" b="0" dirty="0">
+                <a:solidFill>
+                  <a:srgbClr val="F8F8F2"/>
+                </a:solidFill>
+                <a:effectLst/>
+                <a:latin typeface="Consolas" panose="020B0609020204030204" pitchFamily="49" charset="0"/>
+              </a:rPr>
+              <a:t> </a:t>
+            </a:r>
+            <a:r>
+              <a:rPr lang="en-US" altLang="zh-TW" sz="1400" b="0" i="1" dirty="0" err="1">
+                <a:solidFill>
+                  <a:srgbClr val="66D9EF"/>
+                </a:solidFill>
+                <a:effectLst/>
+                <a:latin typeface="Consolas" panose="020B0609020204030204" pitchFamily="49" charset="0"/>
+              </a:rPr>
+              <a:t>JSON</a:t>
+            </a:r>
+            <a:r>
+              <a:rPr lang="en-US" altLang="zh-TW" sz="1400" b="0" dirty="0" err="1">
+                <a:solidFill>
+                  <a:srgbClr val="F92672"/>
+                </a:solidFill>
+                <a:effectLst/>
+                <a:latin typeface="Consolas" panose="020B0609020204030204" pitchFamily="49" charset="0"/>
+              </a:rPr>
+              <a:t>.</a:t>
+            </a:r>
+            <a:r>
+              <a:rPr lang="en-US" altLang="zh-TW" sz="1400" b="0" dirty="0" err="1">
+                <a:solidFill>
+                  <a:srgbClr val="A6E22E"/>
+                </a:solidFill>
+                <a:effectLst/>
+                <a:latin typeface="Consolas" panose="020B0609020204030204" pitchFamily="49" charset="0"/>
+              </a:rPr>
+              <a:t>parse</a:t>
+            </a:r>
+            <a:r>
+              <a:rPr lang="en-US" altLang="zh-TW" sz="1400" b="0" dirty="0">
+                <a:solidFill>
+                  <a:srgbClr val="F8F8F2"/>
+                </a:solidFill>
+                <a:effectLst/>
+                <a:latin typeface="Consolas" panose="020B0609020204030204" pitchFamily="49" charset="0"/>
+              </a:rPr>
+              <a:t>(</a:t>
+            </a:r>
+            <a:r>
+              <a:rPr lang="en-US" altLang="zh-TW" sz="1400" b="0" dirty="0" err="1">
+                <a:solidFill>
+                  <a:srgbClr val="F8F8F2"/>
+                </a:solidFill>
+                <a:effectLst/>
+                <a:latin typeface="Consolas" panose="020B0609020204030204" pitchFamily="49" charset="0"/>
+              </a:rPr>
+              <a:t>val</a:t>
+            </a:r>
+            <a:r>
+              <a:rPr lang="en-US" altLang="zh-TW" sz="1400" b="0" dirty="0">
+                <a:solidFill>
+                  <a:srgbClr val="F8F8F2"/>
+                </a:solidFill>
+                <a:effectLst/>
+                <a:latin typeface="Consolas" panose="020B0609020204030204" pitchFamily="49" charset="0"/>
+              </a:rPr>
+              <a:t>)</a:t>
+            </a:r>
+          </a:p>
+          <a:p>
+            <a:r>
+              <a:rPr lang="en-US" altLang="zh-TW" sz="1400" b="0" dirty="0">
+                <a:solidFill>
+                  <a:srgbClr val="F8F8F2"/>
+                </a:solidFill>
+                <a:effectLst/>
+                <a:latin typeface="Consolas" panose="020B0609020204030204" pitchFamily="49" charset="0"/>
+              </a:rPr>
+              <a:t>        } </a:t>
+            </a:r>
+            <a:r>
+              <a:rPr lang="en-US" altLang="zh-TW" sz="1400" b="0" dirty="0">
+                <a:solidFill>
+                  <a:srgbClr val="F92672"/>
+                </a:solidFill>
+                <a:effectLst/>
+                <a:latin typeface="Consolas" panose="020B0609020204030204" pitchFamily="49" charset="0"/>
+              </a:rPr>
+              <a:t>catch</a:t>
+            </a:r>
+            <a:r>
+              <a:rPr lang="en-US" altLang="zh-TW" sz="1400" b="0" dirty="0">
+                <a:solidFill>
+                  <a:srgbClr val="F8F8F2"/>
+                </a:solidFill>
+                <a:effectLst/>
+                <a:latin typeface="Consolas" panose="020B0609020204030204" pitchFamily="49" charset="0"/>
+              </a:rPr>
+              <a:t> (err) {</a:t>
+            </a:r>
+          </a:p>
+          <a:p>
+            <a:r>
+              <a:rPr lang="en-US" altLang="zh-TW" sz="1400" b="0" dirty="0">
+                <a:solidFill>
+                  <a:srgbClr val="F8F8F2"/>
+                </a:solidFill>
+                <a:effectLst/>
+                <a:latin typeface="Consolas" panose="020B0609020204030204" pitchFamily="49" charset="0"/>
+              </a:rPr>
+              <a:t>          </a:t>
+            </a:r>
+            <a:r>
+              <a:rPr lang="en-US" altLang="zh-TW" sz="1400" b="0" dirty="0">
+                <a:solidFill>
+                  <a:srgbClr val="F92672"/>
+                </a:solidFill>
+                <a:effectLst/>
+                <a:latin typeface="Consolas" panose="020B0609020204030204" pitchFamily="49" charset="0"/>
+              </a:rPr>
+              <a:t>return</a:t>
+            </a:r>
+            <a:r>
+              <a:rPr lang="en-US" altLang="zh-TW" sz="1400" b="0" dirty="0">
+                <a:solidFill>
+                  <a:srgbClr val="F8F8F2"/>
+                </a:solidFill>
+                <a:effectLst/>
+                <a:latin typeface="Consolas" panose="020B0609020204030204" pitchFamily="49" charset="0"/>
+              </a:rPr>
+              <a:t> </a:t>
+            </a:r>
+            <a:r>
+              <a:rPr lang="en-US" altLang="zh-TW" sz="1400" b="0" dirty="0">
+                <a:solidFill>
+                  <a:srgbClr val="FF80F4"/>
+                </a:solidFill>
+                <a:effectLst/>
+                <a:latin typeface="Consolas" panose="020B0609020204030204" pitchFamily="49" charset="0"/>
+              </a:rPr>
+              <a:t>undefined</a:t>
+            </a:r>
+            <a:endParaRPr lang="en-US" altLang="zh-TW" sz="1400" b="0" dirty="0">
+              <a:solidFill>
+                <a:srgbClr val="F8F8F2"/>
+              </a:solidFill>
+              <a:effectLst/>
+              <a:latin typeface="Consolas" panose="020B0609020204030204" pitchFamily="49" charset="0"/>
+            </a:endParaRPr>
+          </a:p>
+          <a:p>
+            <a:r>
+              <a:rPr lang="en-US" altLang="zh-TW" sz="1400" b="0" dirty="0">
+                <a:solidFill>
+                  <a:srgbClr val="F8F8F2"/>
+                </a:solidFill>
+                <a:effectLst/>
+                <a:latin typeface="Consolas" panose="020B0609020204030204" pitchFamily="49" charset="0"/>
+              </a:rPr>
+              <a:t>        }</a:t>
+            </a:r>
+          </a:p>
+          <a:p>
+            <a:r>
+              <a:rPr lang="en-US" altLang="zh-TW" sz="1400" b="0" dirty="0">
+                <a:solidFill>
+                  <a:srgbClr val="F8F8F2"/>
+                </a:solidFill>
+                <a:effectLst/>
+                <a:latin typeface="Consolas" panose="020B0609020204030204" pitchFamily="49" charset="0"/>
+              </a:rPr>
+              <a:t>      },</a:t>
+            </a:r>
+          </a:p>
+          <a:p>
+            <a:r>
+              <a:rPr lang="en-US" altLang="zh-TW" sz="1400" b="0" dirty="0">
+                <a:solidFill>
+                  <a:srgbClr val="F8F8F2"/>
+                </a:solidFill>
+                <a:effectLst/>
+                <a:latin typeface="Consolas" panose="020B0609020204030204" pitchFamily="49" charset="0"/>
+              </a:rPr>
+              <a:t>      </a:t>
+            </a:r>
+            <a:r>
+              <a:rPr lang="en-US" altLang="zh-TW" sz="1400" b="0" dirty="0">
+                <a:solidFill>
+                  <a:srgbClr val="A6E22E"/>
+                </a:solidFill>
+                <a:effectLst/>
+                <a:latin typeface="Consolas" panose="020B0609020204030204" pitchFamily="49" charset="0"/>
+              </a:rPr>
+              <a:t>remove</a:t>
+            </a:r>
+            <a:r>
+              <a:rPr lang="en-US" altLang="zh-TW" sz="1400" b="0" dirty="0">
+                <a:solidFill>
+                  <a:srgbClr val="F92672"/>
+                </a:solidFill>
+                <a:effectLst/>
+                <a:latin typeface="Consolas" panose="020B0609020204030204" pitchFamily="49" charset="0"/>
+              </a:rPr>
+              <a:t>:</a:t>
+            </a:r>
+            <a:r>
+              <a:rPr lang="en-US" altLang="zh-TW" sz="1400" b="0" dirty="0">
+                <a:solidFill>
+                  <a:srgbClr val="F8F8F2"/>
+                </a:solidFill>
+                <a:effectLst/>
+                <a:latin typeface="Consolas" panose="020B0609020204030204" pitchFamily="49" charset="0"/>
+              </a:rPr>
+              <a:t> name </a:t>
+            </a:r>
+            <a:r>
+              <a:rPr lang="en-US" altLang="zh-TW" sz="1400" b="0" i="1" dirty="0">
+                <a:solidFill>
+                  <a:srgbClr val="66D9EF"/>
+                </a:solidFill>
+                <a:effectLst/>
+                <a:latin typeface="Consolas" panose="020B0609020204030204" pitchFamily="49" charset="0"/>
+              </a:rPr>
+              <a:t>=&gt;</a:t>
+            </a:r>
+            <a:r>
+              <a:rPr lang="en-US" altLang="zh-TW" sz="1400" b="0" dirty="0">
+                <a:solidFill>
+                  <a:srgbClr val="F8F8F2"/>
+                </a:solidFill>
+                <a:effectLst/>
+                <a:latin typeface="Consolas" panose="020B0609020204030204" pitchFamily="49" charset="0"/>
+              </a:rPr>
+              <a:t> {</a:t>
+            </a:r>
+          </a:p>
+          <a:p>
+            <a:r>
+              <a:rPr lang="en-US" altLang="zh-TW" sz="1400" b="0" dirty="0">
+                <a:solidFill>
+                  <a:srgbClr val="F8F8F2"/>
+                </a:solidFill>
+                <a:effectLst/>
+                <a:latin typeface="Consolas" panose="020B0609020204030204" pitchFamily="49" charset="0"/>
+              </a:rPr>
+              <a:t>        </a:t>
+            </a:r>
+            <a:r>
+              <a:rPr lang="en-US" altLang="zh-TW" sz="1400" b="0" dirty="0" err="1">
+                <a:solidFill>
+                  <a:srgbClr val="F8F8F2"/>
+                </a:solidFill>
+                <a:effectLst/>
+                <a:latin typeface="Consolas" panose="020B0609020204030204" pitchFamily="49" charset="0"/>
+              </a:rPr>
+              <a:t>Cookies</a:t>
+            </a:r>
+            <a:r>
+              <a:rPr lang="en-US" altLang="zh-TW" sz="1400" b="0" dirty="0" err="1">
+                <a:solidFill>
+                  <a:srgbClr val="F92672"/>
+                </a:solidFill>
+                <a:effectLst/>
+                <a:latin typeface="Consolas" panose="020B0609020204030204" pitchFamily="49" charset="0"/>
+              </a:rPr>
+              <a:t>.</a:t>
+            </a:r>
+            <a:r>
+              <a:rPr lang="en-US" altLang="zh-TW" sz="1400" b="0" dirty="0" err="1">
+                <a:solidFill>
+                  <a:srgbClr val="A6E22E"/>
+                </a:solidFill>
+                <a:effectLst/>
+                <a:latin typeface="Consolas" panose="020B0609020204030204" pitchFamily="49" charset="0"/>
+              </a:rPr>
+              <a:t>remove</a:t>
+            </a:r>
+            <a:r>
+              <a:rPr lang="en-US" altLang="zh-TW" sz="1400" b="0" dirty="0">
+                <a:solidFill>
+                  <a:srgbClr val="F8F8F2"/>
+                </a:solidFill>
+                <a:effectLst/>
+                <a:latin typeface="Consolas" panose="020B0609020204030204" pitchFamily="49" charset="0"/>
+              </a:rPr>
+              <a:t>(name)</a:t>
+            </a:r>
+          </a:p>
+          <a:p>
+            <a:r>
+              <a:rPr lang="en-US" altLang="zh-TW" sz="1400" b="0" dirty="0">
+                <a:solidFill>
+                  <a:srgbClr val="F8F8F2"/>
+                </a:solidFill>
+                <a:effectLst/>
+                <a:latin typeface="Consolas" panose="020B0609020204030204" pitchFamily="49" charset="0"/>
+              </a:rPr>
+              <a:t>      },</a:t>
+            </a:r>
+          </a:p>
+          <a:p>
+            <a:r>
+              <a:rPr lang="en-US" altLang="zh-TW" sz="1400" b="0" dirty="0">
+                <a:solidFill>
+                  <a:srgbClr val="F8F8F2"/>
+                </a:solidFill>
+                <a:effectLst/>
+                <a:latin typeface="Consolas" panose="020B0609020204030204" pitchFamily="49" charset="0"/>
+              </a:rPr>
+              <a:t>      </a:t>
+            </a:r>
+            <a:r>
+              <a:rPr lang="en-US" altLang="zh-TW" sz="1400" b="0" dirty="0" err="1">
+                <a:solidFill>
+                  <a:srgbClr val="A6E22E"/>
+                </a:solidFill>
+                <a:effectLst/>
+                <a:latin typeface="Consolas" panose="020B0609020204030204" pitchFamily="49" charset="0"/>
+              </a:rPr>
+              <a:t>removeAll</a:t>
+            </a:r>
+            <a:r>
+              <a:rPr lang="en-US" altLang="zh-TW" sz="1400" b="0" dirty="0">
+                <a:solidFill>
+                  <a:srgbClr val="F8F8F2"/>
+                </a:solidFill>
+                <a:effectLst/>
+                <a:latin typeface="Consolas" panose="020B0609020204030204" pitchFamily="49" charset="0"/>
+              </a:rPr>
+              <a:t>: () </a:t>
+            </a:r>
+            <a:r>
+              <a:rPr lang="en-US" altLang="zh-TW" sz="1400" b="0" i="1" dirty="0">
+                <a:solidFill>
+                  <a:srgbClr val="66D9EF"/>
+                </a:solidFill>
+                <a:effectLst/>
+                <a:latin typeface="Consolas" panose="020B0609020204030204" pitchFamily="49" charset="0"/>
+              </a:rPr>
+              <a:t>=&gt;</a:t>
+            </a:r>
+            <a:r>
+              <a:rPr lang="en-US" altLang="zh-TW" sz="1400" b="0" dirty="0">
+                <a:solidFill>
+                  <a:srgbClr val="F8F8F2"/>
+                </a:solidFill>
+                <a:effectLst/>
+                <a:latin typeface="Consolas" panose="020B0609020204030204" pitchFamily="49" charset="0"/>
+              </a:rPr>
+              <a:t> {</a:t>
+            </a:r>
+          </a:p>
+          <a:p>
+            <a:r>
+              <a:rPr lang="en-US" altLang="zh-TW" sz="1400" b="0" dirty="0">
+                <a:solidFill>
+                  <a:srgbClr val="F8F8F2"/>
+                </a:solidFill>
+                <a:effectLst/>
+                <a:latin typeface="Consolas" panose="020B0609020204030204" pitchFamily="49" charset="0"/>
+              </a:rPr>
+              <a:t>        </a:t>
+            </a:r>
+            <a:r>
+              <a:rPr lang="en-US" altLang="zh-TW" sz="1400" b="0" i="1" dirty="0">
+                <a:solidFill>
+                  <a:srgbClr val="66D9EF"/>
+                </a:solidFill>
+                <a:effectLst/>
+                <a:latin typeface="Consolas" panose="020B0609020204030204" pitchFamily="49" charset="0"/>
+              </a:rPr>
+              <a:t>const</a:t>
+            </a:r>
+            <a:r>
+              <a:rPr lang="en-US" altLang="zh-TW" sz="1400" b="0" dirty="0">
+                <a:solidFill>
+                  <a:srgbClr val="F8F8F2"/>
+                </a:solidFill>
+                <a:effectLst/>
+                <a:latin typeface="Consolas" panose="020B0609020204030204" pitchFamily="49" charset="0"/>
+              </a:rPr>
+              <a:t> </a:t>
+            </a:r>
+            <a:r>
+              <a:rPr lang="en-US" altLang="zh-TW" sz="1400" b="0" dirty="0" err="1">
+                <a:solidFill>
+                  <a:srgbClr val="F8F8F2"/>
+                </a:solidFill>
+                <a:effectLst/>
+                <a:latin typeface="Consolas" panose="020B0609020204030204" pitchFamily="49" charset="0"/>
+              </a:rPr>
+              <a:t>NodeList</a:t>
+            </a:r>
+            <a:r>
+              <a:rPr lang="en-US" altLang="zh-TW" sz="1400" b="0" dirty="0">
+                <a:solidFill>
+                  <a:srgbClr val="F8F8F2"/>
+                </a:solidFill>
+                <a:effectLst/>
+                <a:latin typeface="Consolas" panose="020B0609020204030204" pitchFamily="49" charset="0"/>
+              </a:rPr>
+              <a:t> </a:t>
+            </a:r>
+            <a:r>
+              <a:rPr lang="en-US" altLang="zh-TW" sz="1400" b="0" dirty="0">
+                <a:solidFill>
+                  <a:srgbClr val="F92672"/>
+                </a:solidFill>
+                <a:effectLst/>
+                <a:latin typeface="Consolas" panose="020B0609020204030204" pitchFamily="49" charset="0"/>
+              </a:rPr>
+              <a:t>=</a:t>
+            </a:r>
+            <a:r>
+              <a:rPr lang="en-US" altLang="zh-TW" sz="1400" b="0" dirty="0">
+                <a:solidFill>
+                  <a:srgbClr val="F8F8F2"/>
+                </a:solidFill>
+                <a:effectLst/>
+                <a:latin typeface="Consolas" panose="020B0609020204030204" pitchFamily="49" charset="0"/>
+              </a:rPr>
+              <a:t> </a:t>
+            </a:r>
+            <a:r>
+              <a:rPr lang="en-US" altLang="zh-TW" sz="1400" b="0" i="1" dirty="0" err="1">
+                <a:solidFill>
+                  <a:srgbClr val="66D9EF"/>
+                </a:solidFill>
+                <a:effectLst/>
+                <a:latin typeface="Consolas" panose="020B0609020204030204" pitchFamily="49" charset="0"/>
+              </a:rPr>
+              <a:t>Object</a:t>
+            </a:r>
+            <a:r>
+              <a:rPr lang="en-US" altLang="zh-TW" sz="1400" b="0" dirty="0" err="1">
+                <a:solidFill>
+                  <a:srgbClr val="F92672"/>
+                </a:solidFill>
+                <a:effectLst/>
+                <a:latin typeface="Consolas" panose="020B0609020204030204" pitchFamily="49" charset="0"/>
+              </a:rPr>
+              <a:t>.</a:t>
+            </a:r>
+            <a:r>
+              <a:rPr lang="en-US" altLang="zh-TW" sz="1400" b="0" dirty="0" err="1">
+                <a:solidFill>
+                  <a:srgbClr val="A6E22E"/>
+                </a:solidFill>
+                <a:effectLst/>
+                <a:latin typeface="Consolas" panose="020B0609020204030204" pitchFamily="49" charset="0"/>
+              </a:rPr>
+              <a:t>keys</a:t>
+            </a:r>
+            <a:r>
+              <a:rPr lang="en-US" altLang="zh-TW" sz="1400" b="0" dirty="0">
+                <a:solidFill>
+                  <a:srgbClr val="F8F8F2"/>
+                </a:solidFill>
+                <a:effectLst/>
+                <a:latin typeface="Consolas" panose="020B0609020204030204" pitchFamily="49" charset="0"/>
+              </a:rPr>
+              <a:t>(</a:t>
+            </a:r>
+            <a:r>
+              <a:rPr lang="en-US" altLang="zh-TW" sz="1400" b="0" dirty="0" err="1">
+                <a:solidFill>
+                  <a:srgbClr val="F8F8F2"/>
+                </a:solidFill>
+                <a:effectLst/>
+                <a:latin typeface="Consolas" panose="020B0609020204030204" pitchFamily="49" charset="0"/>
+              </a:rPr>
+              <a:t>Cookies</a:t>
+            </a:r>
+            <a:r>
+              <a:rPr lang="en-US" altLang="zh-TW" sz="1400" b="0" dirty="0" err="1">
+                <a:solidFill>
+                  <a:srgbClr val="F92672"/>
+                </a:solidFill>
+                <a:effectLst/>
+                <a:latin typeface="Consolas" panose="020B0609020204030204" pitchFamily="49" charset="0"/>
+              </a:rPr>
+              <a:t>.</a:t>
+            </a:r>
+            <a:r>
+              <a:rPr lang="en-US" altLang="zh-TW" sz="1400" b="0" dirty="0" err="1">
+                <a:solidFill>
+                  <a:srgbClr val="A6E22E"/>
+                </a:solidFill>
+                <a:effectLst/>
+                <a:latin typeface="Consolas" panose="020B0609020204030204" pitchFamily="49" charset="0"/>
+              </a:rPr>
+              <a:t>get</a:t>
+            </a:r>
+            <a:r>
+              <a:rPr lang="en-US" altLang="zh-TW" sz="1400" b="0" dirty="0">
+                <a:solidFill>
+                  <a:srgbClr val="F8F8F2"/>
+                </a:solidFill>
+                <a:effectLst/>
+                <a:latin typeface="Consolas" panose="020B0609020204030204" pitchFamily="49" charset="0"/>
+              </a:rPr>
+              <a:t>())</a:t>
+            </a:r>
+          </a:p>
+          <a:p>
+            <a:r>
+              <a:rPr lang="en-US" altLang="zh-TW" sz="1400" b="0" dirty="0">
+                <a:solidFill>
+                  <a:srgbClr val="F8F8F2"/>
+                </a:solidFill>
+                <a:effectLst/>
+                <a:latin typeface="Consolas" panose="020B0609020204030204" pitchFamily="49" charset="0"/>
+              </a:rPr>
+              <a:t>        </a:t>
+            </a:r>
+            <a:r>
+              <a:rPr lang="en-US" altLang="zh-TW" sz="1400" b="0" dirty="0" err="1">
+                <a:solidFill>
+                  <a:srgbClr val="F8F8F2"/>
+                </a:solidFill>
+                <a:effectLst/>
+                <a:latin typeface="Consolas" panose="020B0609020204030204" pitchFamily="49" charset="0"/>
+              </a:rPr>
+              <a:t>NodeList</a:t>
+            </a:r>
+            <a:r>
+              <a:rPr lang="en-US" altLang="zh-TW" sz="1400" b="0" dirty="0" err="1">
+                <a:solidFill>
+                  <a:srgbClr val="F92672"/>
+                </a:solidFill>
+                <a:effectLst/>
+                <a:latin typeface="Consolas" panose="020B0609020204030204" pitchFamily="49" charset="0"/>
+              </a:rPr>
+              <a:t>.</a:t>
+            </a:r>
+            <a:r>
+              <a:rPr lang="en-US" altLang="zh-TW" sz="1400" b="0" dirty="0" err="1">
+                <a:solidFill>
+                  <a:srgbClr val="A6E22E"/>
+                </a:solidFill>
+                <a:effectLst/>
+                <a:latin typeface="Consolas" panose="020B0609020204030204" pitchFamily="49" charset="0"/>
+              </a:rPr>
+              <a:t>forEach</a:t>
+            </a:r>
+            <a:r>
+              <a:rPr lang="en-US" altLang="zh-TW" sz="1400" b="0" dirty="0">
+                <a:solidFill>
+                  <a:srgbClr val="F8F8F2"/>
+                </a:solidFill>
+                <a:effectLst/>
+                <a:latin typeface="Consolas" panose="020B0609020204030204" pitchFamily="49" charset="0"/>
+              </a:rPr>
+              <a:t>(el </a:t>
+            </a:r>
+            <a:r>
+              <a:rPr lang="en-US" altLang="zh-TW" sz="1400" b="0" i="1" dirty="0">
+                <a:solidFill>
+                  <a:srgbClr val="66D9EF"/>
+                </a:solidFill>
+                <a:effectLst/>
+                <a:latin typeface="Consolas" panose="020B0609020204030204" pitchFamily="49" charset="0"/>
+              </a:rPr>
+              <a:t>=&gt;</a:t>
+            </a:r>
+            <a:r>
+              <a:rPr lang="en-US" altLang="zh-TW" sz="1400" b="0" dirty="0">
+                <a:solidFill>
+                  <a:srgbClr val="F8F8F2"/>
+                </a:solidFill>
+                <a:effectLst/>
+                <a:latin typeface="Consolas" panose="020B0609020204030204" pitchFamily="49" charset="0"/>
+              </a:rPr>
+              <a:t> </a:t>
+            </a:r>
+            <a:r>
+              <a:rPr lang="en-US" altLang="zh-TW" sz="1400" b="0" dirty="0" err="1">
+                <a:solidFill>
+                  <a:srgbClr val="F8F8F2"/>
+                </a:solidFill>
+                <a:effectLst/>
+                <a:latin typeface="Consolas" panose="020B0609020204030204" pitchFamily="49" charset="0"/>
+              </a:rPr>
+              <a:t>Cookies</a:t>
+            </a:r>
+            <a:r>
+              <a:rPr lang="en-US" altLang="zh-TW" sz="1400" b="0" dirty="0" err="1">
+                <a:solidFill>
+                  <a:srgbClr val="F92672"/>
+                </a:solidFill>
+                <a:effectLst/>
+                <a:latin typeface="Consolas" panose="020B0609020204030204" pitchFamily="49" charset="0"/>
+              </a:rPr>
+              <a:t>.</a:t>
+            </a:r>
+            <a:r>
+              <a:rPr lang="en-US" altLang="zh-TW" sz="1400" b="0" dirty="0" err="1">
+                <a:solidFill>
+                  <a:srgbClr val="A6E22E"/>
+                </a:solidFill>
+                <a:effectLst/>
+                <a:latin typeface="Consolas" panose="020B0609020204030204" pitchFamily="49" charset="0"/>
+              </a:rPr>
+              <a:t>remove</a:t>
+            </a:r>
+            <a:r>
+              <a:rPr lang="en-US" altLang="zh-TW" sz="1400" b="0" dirty="0">
+                <a:solidFill>
+                  <a:srgbClr val="F8F8F2"/>
+                </a:solidFill>
+                <a:effectLst/>
+                <a:latin typeface="Consolas" panose="020B0609020204030204" pitchFamily="49" charset="0"/>
+              </a:rPr>
+              <a:t>(el))</a:t>
+            </a:r>
+          </a:p>
+          <a:p>
+            <a:r>
+              <a:rPr lang="en-US" altLang="zh-TW" sz="1400" b="0" dirty="0">
+                <a:solidFill>
+                  <a:srgbClr val="F8F8F2"/>
+                </a:solidFill>
+                <a:effectLst/>
+                <a:latin typeface="Consolas" panose="020B0609020204030204" pitchFamily="49" charset="0"/>
+              </a:rPr>
+              <a:t>        </a:t>
+            </a:r>
+            <a:r>
+              <a:rPr lang="en-US" altLang="zh-TW" sz="1400" b="0" i="1" dirty="0" err="1">
+                <a:solidFill>
+                  <a:srgbClr val="66D9EF"/>
+                </a:solidFill>
+                <a:effectLst/>
+                <a:latin typeface="Consolas" panose="020B0609020204030204" pitchFamily="49" charset="0"/>
+              </a:rPr>
+              <a:t>window</a:t>
+            </a:r>
+            <a:r>
+              <a:rPr lang="en-US" altLang="zh-TW" sz="1400" b="0" dirty="0" err="1">
+                <a:solidFill>
+                  <a:srgbClr val="F92672"/>
+                </a:solidFill>
+                <a:effectLst/>
+                <a:latin typeface="Consolas" panose="020B0609020204030204" pitchFamily="49" charset="0"/>
+              </a:rPr>
+              <a:t>.</a:t>
+            </a:r>
+            <a:r>
+              <a:rPr lang="en-US" altLang="zh-TW" sz="1400" b="0" dirty="0" err="1">
+                <a:solidFill>
+                  <a:srgbClr val="F8F8F2"/>
+                </a:solidFill>
+                <a:effectLst/>
+                <a:latin typeface="Consolas" panose="020B0609020204030204" pitchFamily="49" charset="0"/>
+              </a:rPr>
+              <a:t>location</a:t>
+            </a:r>
+            <a:r>
+              <a:rPr lang="en-US" altLang="zh-TW" sz="1400" b="0" dirty="0" err="1">
+                <a:solidFill>
+                  <a:srgbClr val="F92672"/>
+                </a:solidFill>
+                <a:effectLst/>
+                <a:latin typeface="Consolas" panose="020B0609020204030204" pitchFamily="49" charset="0"/>
+              </a:rPr>
+              <a:t>.</a:t>
+            </a:r>
+            <a:r>
+              <a:rPr lang="en-US" altLang="zh-TW" sz="1400" b="0" dirty="0" err="1">
+                <a:solidFill>
+                  <a:srgbClr val="A6E22E"/>
+                </a:solidFill>
+                <a:effectLst/>
+                <a:latin typeface="Consolas" panose="020B0609020204030204" pitchFamily="49" charset="0"/>
+              </a:rPr>
+              <a:t>replace</a:t>
+            </a:r>
+            <a:r>
+              <a:rPr lang="en-US" altLang="zh-TW" sz="1400" b="0" dirty="0">
+                <a:solidFill>
+                  <a:srgbClr val="F8F8F2"/>
+                </a:solidFill>
+                <a:effectLst/>
+                <a:latin typeface="Consolas" panose="020B0609020204030204" pitchFamily="49" charset="0"/>
+              </a:rPr>
+              <a:t>(</a:t>
+            </a:r>
+            <a:r>
+              <a:rPr lang="en-US" altLang="zh-TW" sz="1400" b="0" dirty="0">
+                <a:solidFill>
+                  <a:srgbClr val="FFEE99"/>
+                </a:solidFill>
+                <a:effectLst/>
+                <a:latin typeface="Consolas" panose="020B0609020204030204" pitchFamily="49" charset="0"/>
+              </a:rPr>
+              <a:t>'/'</a:t>
+            </a:r>
+            <a:r>
+              <a:rPr lang="en-US" altLang="zh-TW" sz="1400" b="0" dirty="0">
+                <a:solidFill>
+                  <a:srgbClr val="F8F8F2"/>
+                </a:solidFill>
+                <a:effectLst/>
+                <a:latin typeface="Consolas" panose="020B0609020204030204" pitchFamily="49" charset="0"/>
+              </a:rPr>
+              <a:t>)</a:t>
+            </a:r>
+          </a:p>
+          <a:p>
+            <a:r>
+              <a:rPr lang="en-US" altLang="zh-TW" sz="1400" b="0" dirty="0">
+                <a:solidFill>
+                  <a:srgbClr val="F8F8F2"/>
+                </a:solidFill>
+                <a:effectLst/>
+                <a:latin typeface="Consolas" panose="020B0609020204030204" pitchFamily="49" charset="0"/>
+              </a:rPr>
+              <a:t>      }</a:t>
+            </a:r>
+          </a:p>
+          <a:p>
+            <a:r>
+              <a:rPr lang="en-US" altLang="zh-TW" sz="1400" b="0" dirty="0">
+                <a:solidFill>
+                  <a:srgbClr val="F8F8F2"/>
+                </a:solidFill>
+                <a:effectLst/>
+                <a:latin typeface="Consolas" panose="020B0609020204030204" pitchFamily="49" charset="0"/>
+              </a:rPr>
+              <a:t>    }</a:t>
+            </a:r>
+          </a:p>
+          <a:p>
+            <a:r>
+              <a:rPr lang="en-US" altLang="zh-TW" sz="1400" b="0" dirty="0">
+                <a:solidFill>
+                  <a:srgbClr val="F8F8F2"/>
+                </a:solidFill>
+                <a:effectLst/>
+                <a:latin typeface="Consolas" panose="020B0609020204030204" pitchFamily="49" charset="0"/>
+              </a:rPr>
+              <a:t>  )</a:t>
+            </a:r>
+          </a:p>
+          <a:p>
+            <a:r>
+              <a:rPr lang="en-US" altLang="zh-TW" sz="1400" b="0" dirty="0">
+                <a:solidFill>
+                  <a:srgbClr val="F8F8F2"/>
+                </a:solidFill>
+                <a:effectLst/>
+                <a:latin typeface="Consolas" panose="020B0609020204030204" pitchFamily="49" charset="0"/>
+              </a:rPr>
+              <a:t>}</a:t>
+            </a:r>
+          </a:p>
+        </p:txBody>
+      </p:sp>
+      <p:sp>
+        <p:nvSpPr>
+          <p:cNvPr id="8" name="文字方塊 7">
+            <a:extLst>
+              <a:ext uri="{FF2B5EF4-FFF2-40B4-BE49-F238E27FC236}">
+                <a16:creationId xmlns:a16="http://schemas.microsoft.com/office/drawing/2014/main" id="{75F1DAEF-80C8-492E-A1AB-B58760197BD5}"/>
+              </a:ext>
+            </a:extLst>
+          </p:cNvPr>
+          <p:cNvSpPr txBox="1"/>
+          <p:nvPr/>
+        </p:nvSpPr>
+        <p:spPr>
+          <a:xfrm>
+            <a:off x="7898020" y="221734"/>
+            <a:ext cx="2895600" cy="584775"/>
+          </a:xfrm>
+          <a:prstGeom prst="rect">
+            <a:avLst/>
+          </a:prstGeom>
+          <a:noFill/>
+        </p:spPr>
+        <p:txBody>
+          <a:bodyPr wrap="square">
+            <a:spAutoFit/>
+          </a:bodyPr>
+          <a:lstStyle/>
+          <a:p>
+            <a:r>
+              <a:rPr lang="zh-TW" altLang="en-US" sz="3200" b="1" dirty="0">
+                <a:solidFill>
+                  <a:schemeClr val="bg1"/>
+                </a:solidFill>
+                <a:effectLst/>
+                <a:latin typeface="微軟正黑體" panose="020B0604030504040204" pitchFamily="34" charset="-120"/>
+                <a:ea typeface="微軟正黑體" panose="020B0604030504040204" pitchFamily="34" charset="-120"/>
+              </a:rPr>
+              <a:t>包裝 </a:t>
+            </a:r>
+            <a:r>
+              <a:rPr lang="en-US" altLang="zh-TW" sz="3200" b="1" dirty="0">
+                <a:solidFill>
+                  <a:schemeClr val="bg1"/>
+                </a:solidFill>
+                <a:effectLst/>
+                <a:latin typeface="微軟正黑體" panose="020B0604030504040204" pitchFamily="34" charset="-120"/>
+                <a:ea typeface="微軟正黑體" panose="020B0604030504040204" pitchFamily="34" charset="-120"/>
+              </a:rPr>
+              <a:t>Cookies</a:t>
+            </a:r>
+            <a:endParaRPr lang="zh-TW" altLang="en-US" sz="3200" b="1" dirty="0">
+              <a:solidFill>
+                <a:schemeClr val="bg1"/>
+              </a:solidFill>
+              <a:latin typeface="微軟正黑體" panose="020B0604030504040204" pitchFamily="34" charset="-120"/>
+              <a:ea typeface="微軟正黑體" panose="020B0604030504040204" pitchFamily="34" charset="-120"/>
+            </a:endParaRPr>
+          </a:p>
+        </p:txBody>
+      </p:sp>
+      <p:sp>
+        <p:nvSpPr>
+          <p:cNvPr id="10" name="文字方塊 9">
+            <a:extLst>
+              <a:ext uri="{FF2B5EF4-FFF2-40B4-BE49-F238E27FC236}">
+                <a16:creationId xmlns:a16="http://schemas.microsoft.com/office/drawing/2014/main" id="{3C92AE6E-3353-404C-AC0E-6646A0C56272}"/>
+              </a:ext>
+            </a:extLst>
+          </p:cNvPr>
+          <p:cNvSpPr txBox="1"/>
+          <p:nvPr/>
+        </p:nvSpPr>
+        <p:spPr>
+          <a:xfrm>
+            <a:off x="7955170" y="1364734"/>
+            <a:ext cx="4078080" cy="738664"/>
+          </a:xfrm>
+          <a:prstGeom prst="rect">
+            <a:avLst/>
+          </a:prstGeom>
+          <a:noFill/>
+        </p:spPr>
+        <p:txBody>
+          <a:bodyPr wrap="square">
+            <a:spAutoFit/>
+          </a:bodyPr>
+          <a:lstStyle/>
+          <a:p>
+            <a:r>
+              <a:rPr lang="en-US" altLang="zh-TW" sz="2400" b="1" dirty="0">
+                <a:solidFill>
+                  <a:schemeClr val="bg1"/>
+                </a:solidFill>
+              </a:rPr>
+              <a:t>Js-cookie: </a:t>
+            </a:r>
+          </a:p>
+          <a:p>
+            <a:r>
+              <a:rPr lang="zh-TW" altLang="en-US" dirty="0">
+                <a:solidFill>
+                  <a:schemeClr val="bg1"/>
+                </a:solidFill>
+              </a:rPr>
+              <a:t>https://github.com/js-cookie/js-cookie</a:t>
+            </a:r>
+          </a:p>
+        </p:txBody>
+      </p:sp>
+    </p:spTree>
+    <p:extLst>
+      <p:ext uri="{BB962C8B-B14F-4D97-AF65-F5344CB8AC3E}">
+        <p14:creationId xmlns:p14="http://schemas.microsoft.com/office/powerpoint/2010/main" val="3812794544"/>
+      </p:ext>
+    </p:extLst>
+  </p:cSld>
+  <p:clrMapOvr>
+    <a:masterClrMapping/>
+  </p:clrMapOvr>
+</p:sld>
+</file>
+
+<file path=ppt/slides/slide16.xml><?xml version="1.0" encoding="utf-8"?>
+<p:sld xmlns:a="http://schemas.openxmlformats.org/drawingml/2006/main" xmlns:r="http://schemas.openxmlformats.org/officeDocument/2006/relationships" xmlns:p="http://schemas.openxmlformats.org/presentationml/2006/main">
+  <p:cSld>
+    <p:spTree>
+      <p:nvGrpSpPr>
+        <p:cNvPr id="1" name=""/>
+        <p:cNvGrpSpPr/>
+        <p:nvPr/>
+      </p:nvGrpSpPr>
+      <p:grpSpPr>
+        <a:xfrm>
+          <a:off x="0" y="0"/>
+          <a:ext cx="0" cy="0"/>
+          <a:chOff x="0" y="0"/>
+          <a:chExt cx="0" cy="0"/>
+        </a:xfrm>
+      </p:grpSpPr>
+      <p:sp>
+        <p:nvSpPr>
           <p:cNvPr id="8" name="矩形 7">
             <a:extLst>
               <a:ext uri="{FF2B5EF4-FFF2-40B4-BE49-F238E27FC236}">
@@ -5152,7 +7873,7 @@
 </p:sld>
 </file>
 
-<file path=ppt/slides/slide15.xml><?xml version="1.0" encoding="utf-8"?>
+<file path=ppt/slides/slide17.xml><?xml version="1.0" encoding="utf-8"?>
 <p:sld xmlns:a="http://schemas.openxmlformats.org/drawingml/2006/main" xmlns:r="http://schemas.openxmlformats.org/officeDocument/2006/relationships" xmlns:p="http://schemas.openxmlformats.org/presentationml/2006/main">
   <p:cSld>
     <p:spTree>
@@ -5299,7 +8020,7 @@
 </p:sld>
 </file>
 
-<file path=ppt/slides/slide16.xml><?xml version="1.0" encoding="utf-8"?>
+<file path=ppt/slides/slide18.xml><?xml version="1.0" encoding="utf-8"?>
 <p:sld xmlns:a="http://schemas.openxmlformats.org/drawingml/2006/main" xmlns:r="http://schemas.openxmlformats.org/officeDocument/2006/relationships" xmlns:p="http://schemas.openxmlformats.org/presentationml/2006/main">
   <p:cSld>
     <p:spTree>

--- a/nuxt.pptx
+++ b/nuxt.pptx
@@ -20,9 +20,11 @@
     <p:sldId id="275" r:id="rId14"/>
     <p:sldId id="276" r:id="rId15"/>
     <p:sldId id="277" r:id="rId16"/>
-    <p:sldId id="269" r:id="rId17"/>
-    <p:sldId id="265" r:id="rId18"/>
-    <p:sldId id="268" r:id="rId19"/>
+    <p:sldId id="278" r:id="rId17"/>
+    <p:sldId id="279" r:id="rId18"/>
+    <p:sldId id="269" r:id="rId19"/>
+    <p:sldId id="265" r:id="rId20"/>
+    <p:sldId id="268" r:id="rId21"/>
   </p:sldIdLst>
   <p:sldSz cx="12192000" cy="6858000"/>
   <p:notesSz cx="6858000" cy="9144000"/>
@@ -141,6 +143,8 @@
             <p14:sldId id="275"/>
             <p14:sldId id="276"/>
             <p14:sldId id="277"/>
+            <p14:sldId id="278"/>
+            <p14:sldId id="279"/>
             <p14:sldId id="269"/>
             <p14:sldId id="265"/>
             <p14:sldId id="268"/>
@@ -314,7 +318,7 @@
           <a:p>
             <a:fld id="{55B5673A-2C76-400E-AECF-A7C5CD58B306}" type="datetimeFigureOut">
               <a:rPr lang="zh-TW" altLang="en-US" smtClean="0"/>
-              <a:t>2020/12/15</a:t>
+              <a:t>2020/12/16</a:t>
             </a:fld>
             <a:endParaRPr lang="zh-TW" altLang="en-US"/>
           </a:p>
@@ -512,7 +516,7 @@
           <a:p>
             <a:fld id="{55B5673A-2C76-400E-AECF-A7C5CD58B306}" type="datetimeFigureOut">
               <a:rPr lang="zh-TW" altLang="en-US" smtClean="0"/>
-              <a:t>2020/12/15</a:t>
+              <a:t>2020/12/16</a:t>
             </a:fld>
             <a:endParaRPr lang="zh-TW" altLang="en-US"/>
           </a:p>
@@ -720,7 +724,7 @@
           <a:p>
             <a:fld id="{55B5673A-2C76-400E-AECF-A7C5CD58B306}" type="datetimeFigureOut">
               <a:rPr lang="zh-TW" altLang="en-US" smtClean="0"/>
-              <a:t>2020/12/15</a:t>
+              <a:t>2020/12/16</a:t>
             </a:fld>
             <a:endParaRPr lang="zh-TW" altLang="en-US"/>
           </a:p>
@@ -918,7 +922,7 @@
           <a:p>
             <a:fld id="{55B5673A-2C76-400E-AECF-A7C5CD58B306}" type="datetimeFigureOut">
               <a:rPr lang="zh-TW" altLang="en-US" smtClean="0"/>
-              <a:t>2020/12/15</a:t>
+              <a:t>2020/12/16</a:t>
             </a:fld>
             <a:endParaRPr lang="zh-TW" altLang="en-US"/>
           </a:p>
@@ -1193,7 +1197,7 @@
           <a:p>
             <a:fld id="{55B5673A-2C76-400E-AECF-A7C5CD58B306}" type="datetimeFigureOut">
               <a:rPr lang="zh-TW" altLang="en-US" smtClean="0"/>
-              <a:t>2020/12/15</a:t>
+              <a:t>2020/12/16</a:t>
             </a:fld>
             <a:endParaRPr lang="zh-TW" altLang="en-US"/>
           </a:p>
@@ -1458,7 +1462,7 @@
           <a:p>
             <a:fld id="{55B5673A-2C76-400E-AECF-A7C5CD58B306}" type="datetimeFigureOut">
               <a:rPr lang="zh-TW" altLang="en-US" smtClean="0"/>
-              <a:t>2020/12/15</a:t>
+              <a:t>2020/12/16</a:t>
             </a:fld>
             <a:endParaRPr lang="zh-TW" altLang="en-US"/>
           </a:p>
@@ -1870,7 +1874,7 @@
           <a:p>
             <a:fld id="{55B5673A-2C76-400E-AECF-A7C5CD58B306}" type="datetimeFigureOut">
               <a:rPr lang="zh-TW" altLang="en-US" smtClean="0"/>
-              <a:t>2020/12/15</a:t>
+              <a:t>2020/12/16</a:t>
             </a:fld>
             <a:endParaRPr lang="zh-TW" altLang="en-US"/>
           </a:p>
@@ -2011,7 +2015,7 @@
           <a:p>
             <a:fld id="{55B5673A-2C76-400E-AECF-A7C5CD58B306}" type="datetimeFigureOut">
               <a:rPr lang="zh-TW" altLang="en-US" smtClean="0"/>
-              <a:t>2020/12/15</a:t>
+              <a:t>2020/12/16</a:t>
             </a:fld>
             <a:endParaRPr lang="zh-TW" altLang="en-US"/>
           </a:p>
@@ -2124,7 +2128,7 @@
           <a:p>
             <a:fld id="{55B5673A-2C76-400E-AECF-A7C5CD58B306}" type="datetimeFigureOut">
               <a:rPr lang="zh-TW" altLang="en-US" smtClean="0"/>
-              <a:t>2020/12/15</a:t>
+              <a:t>2020/12/16</a:t>
             </a:fld>
             <a:endParaRPr lang="zh-TW" altLang="en-US"/>
           </a:p>
@@ -2435,7 +2439,7 @@
           <a:p>
             <a:fld id="{55B5673A-2C76-400E-AECF-A7C5CD58B306}" type="datetimeFigureOut">
               <a:rPr lang="zh-TW" altLang="en-US" smtClean="0"/>
-              <a:t>2020/12/15</a:t>
+              <a:t>2020/12/16</a:t>
             </a:fld>
             <a:endParaRPr lang="zh-TW" altLang="en-US"/>
           </a:p>
@@ -2723,7 +2727,7 @@
           <a:p>
             <a:fld id="{55B5673A-2C76-400E-AECF-A7C5CD58B306}" type="datetimeFigureOut">
               <a:rPr lang="zh-TW" altLang="en-US" smtClean="0"/>
-              <a:t>2020/12/15</a:t>
+              <a:t>2020/12/16</a:t>
             </a:fld>
             <a:endParaRPr lang="zh-TW" altLang="en-US"/>
           </a:p>
@@ -2967,7 +2971,7 @@
           <a:p>
             <a:fld id="{55B5673A-2C76-400E-AECF-A7C5CD58B306}" type="datetimeFigureOut">
               <a:rPr lang="zh-TW" altLang="en-US" smtClean="0"/>
-              <a:t>2020/12/15</a:t>
+              <a:t>2020/12/16</a:t>
             </a:fld>
             <a:endParaRPr lang="zh-TW" altLang="en-US"/>
           </a:p>
@@ -7040,6 +7044,2051 @@
           <a:chExt cx="0" cy="0"/>
         </a:xfrm>
       </p:grpSpPr>
+      <p:grpSp>
+        <p:nvGrpSpPr>
+          <p:cNvPr id="8" name="群組 7">
+            <a:extLst>
+              <a:ext uri="{FF2B5EF4-FFF2-40B4-BE49-F238E27FC236}">
+                <a16:creationId xmlns:a16="http://schemas.microsoft.com/office/drawing/2014/main" id="{8A728177-16DD-425A-BDFD-F1BED7006524}"/>
+              </a:ext>
+            </a:extLst>
+          </p:cNvPr>
+          <p:cNvGrpSpPr/>
+          <p:nvPr/>
+        </p:nvGrpSpPr>
+        <p:grpSpPr>
+          <a:xfrm>
+            <a:off x="1720889" y="1019470"/>
+            <a:ext cx="4202833" cy="4924129"/>
+            <a:chOff x="3663279" y="914400"/>
+            <a:chExt cx="4202833" cy="4924129"/>
+          </a:xfrm>
+        </p:grpSpPr>
+        <p:sp>
+          <p:nvSpPr>
+            <p:cNvPr id="6" name="矩形 5">
+              <a:extLst>
+                <a:ext uri="{FF2B5EF4-FFF2-40B4-BE49-F238E27FC236}">
+                  <a16:creationId xmlns:a16="http://schemas.microsoft.com/office/drawing/2014/main" id="{B06B33A0-7547-4D98-A584-C675B4F2A562}"/>
+                </a:ext>
+              </a:extLst>
+            </p:cNvPr>
+            <p:cNvSpPr/>
+            <p:nvPr/>
+          </p:nvSpPr>
+          <p:spPr>
+            <a:xfrm>
+              <a:off x="3663279" y="914400"/>
+              <a:ext cx="4202833" cy="4924129"/>
+            </a:xfrm>
+            <a:prstGeom prst="rect">
+              <a:avLst/>
+            </a:prstGeom>
+          </p:spPr>
+          <p:style>
+            <a:lnRef idx="2">
+              <a:schemeClr val="dk1">
+                <a:shade val="50000"/>
+              </a:schemeClr>
+            </a:lnRef>
+            <a:fillRef idx="1">
+              <a:schemeClr val="dk1"/>
+            </a:fillRef>
+            <a:effectRef idx="0">
+              <a:schemeClr val="dk1"/>
+            </a:effectRef>
+            <a:fontRef idx="minor">
+              <a:schemeClr val="lt1"/>
+            </a:fontRef>
+          </p:style>
+          <p:txBody>
+            <a:bodyPr rtlCol="0" anchor="ctr"/>
+            <a:lstStyle/>
+            <a:p>
+              <a:pPr algn="ctr"/>
+              <a:endParaRPr lang="zh-TW" altLang="en-US"/>
+            </a:p>
+          </p:txBody>
+        </p:sp>
+        <p:sp>
+          <p:nvSpPr>
+            <p:cNvPr id="5" name="文字方塊 4">
+              <a:extLst>
+                <a:ext uri="{FF2B5EF4-FFF2-40B4-BE49-F238E27FC236}">
+                  <a16:creationId xmlns:a16="http://schemas.microsoft.com/office/drawing/2014/main" id="{2000A652-95E4-40D7-A574-1429FCDEC449}"/>
+                </a:ext>
+              </a:extLst>
+            </p:cNvPr>
+            <p:cNvSpPr txBox="1"/>
+            <p:nvPr/>
+          </p:nvSpPr>
+          <p:spPr>
+            <a:xfrm>
+              <a:off x="4240223" y="1182772"/>
+              <a:ext cx="3239683" cy="4185761"/>
+            </a:xfrm>
+            <a:prstGeom prst="rect">
+              <a:avLst/>
+            </a:prstGeom>
+            <a:noFill/>
+          </p:spPr>
+          <p:txBody>
+            <a:bodyPr wrap="square">
+              <a:spAutoFit/>
+            </a:bodyPr>
+            <a:lstStyle/>
+            <a:p>
+              <a:r>
+                <a:rPr lang="en-US" altLang="zh-TW" sz="1400" b="0" dirty="0">
+                  <a:solidFill>
+                    <a:srgbClr val="8C8C8C"/>
+                  </a:solidFill>
+                  <a:effectLst/>
+                  <a:latin typeface="Consolas" panose="020B0609020204030204" pitchFamily="49" charset="0"/>
+                </a:rPr>
+                <a:t>// state</a:t>
+              </a:r>
+              <a:endParaRPr lang="en-US" altLang="zh-TW" sz="1400" b="0" dirty="0">
+                <a:solidFill>
+                  <a:srgbClr val="F8F8F2"/>
+                </a:solidFill>
+                <a:effectLst/>
+                <a:latin typeface="Consolas" panose="020B0609020204030204" pitchFamily="49" charset="0"/>
+              </a:endParaRPr>
+            </a:p>
+            <a:p>
+              <a:r>
+                <a:rPr lang="en-US" altLang="zh-TW" sz="1400" b="0" dirty="0">
+                  <a:solidFill>
+                    <a:srgbClr val="F92672"/>
+                  </a:solidFill>
+                  <a:effectLst/>
+                  <a:latin typeface="Consolas" panose="020B0609020204030204" pitchFamily="49" charset="0"/>
+                </a:rPr>
+                <a:t>export</a:t>
+              </a:r>
+              <a:r>
+                <a:rPr lang="en-US" altLang="zh-TW" sz="1400" b="0" dirty="0">
+                  <a:solidFill>
+                    <a:srgbClr val="F8F8F2"/>
+                  </a:solidFill>
+                  <a:effectLst/>
+                  <a:latin typeface="Consolas" panose="020B0609020204030204" pitchFamily="49" charset="0"/>
+                </a:rPr>
+                <a:t> </a:t>
+              </a:r>
+              <a:r>
+                <a:rPr lang="en-US" altLang="zh-TW" sz="1400" b="0" i="1" dirty="0">
+                  <a:solidFill>
+                    <a:srgbClr val="66D9EF"/>
+                  </a:solidFill>
+                  <a:effectLst/>
+                  <a:latin typeface="Consolas" panose="020B0609020204030204" pitchFamily="49" charset="0"/>
+                </a:rPr>
+                <a:t>const</a:t>
+              </a:r>
+              <a:r>
+                <a:rPr lang="en-US" altLang="zh-TW" sz="1400" b="0" dirty="0">
+                  <a:solidFill>
+                    <a:srgbClr val="F8F8F2"/>
+                  </a:solidFill>
+                  <a:effectLst/>
+                  <a:latin typeface="Consolas" panose="020B0609020204030204" pitchFamily="49" charset="0"/>
+                </a:rPr>
+                <a:t> </a:t>
+              </a:r>
+              <a:r>
+                <a:rPr lang="en-US" altLang="zh-TW" sz="1400" b="0" dirty="0">
+                  <a:solidFill>
+                    <a:srgbClr val="A6E22E"/>
+                  </a:solidFill>
+                  <a:effectLst/>
+                  <a:latin typeface="Consolas" panose="020B0609020204030204" pitchFamily="49" charset="0"/>
+                </a:rPr>
+                <a:t>state</a:t>
+              </a:r>
+              <a:r>
+                <a:rPr lang="en-US" altLang="zh-TW" sz="1400" b="0" dirty="0">
+                  <a:solidFill>
+                    <a:srgbClr val="F8F8F2"/>
+                  </a:solidFill>
+                  <a:effectLst/>
+                  <a:latin typeface="Consolas" panose="020B0609020204030204" pitchFamily="49" charset="0"/>
+                </a:rPr>
+                <a:t> </a:t>
+              </a:r>
+              <a:r>
+                <a:rPr lang="en-US" altLang="zh-TW" sz="1400" b="0" dirty="0">
+                  <a:solidFill>
+                    <a:srgbClr val="F92672"/>
+                  </a:solidFill>
+                  <a:effectLst/>
+                  <a:latin typeface="Consolas" panose="020B0609020204030204" pitchFamily="49" charset="0"/>
+                </a:rPr>
+                <a:t>=</a:t>
+              </a:r>
+              <a:r>
+                <a:rPr lang="en-US" altLang="zh-TW" sz="1400" b="0" dirty="0">
+                  <a:solidFill>
+                    <a:srgbClr val="F8F8F2"/>
+                  </a:solidFill>
+                  <a:effectLst/>
+                  <a:latin typeface="Consolas" panose="020B0609020204030204" pitchFamily="49" charset="0"/>
+                </a:rPr>
+                <a:t> () </a:t>
+              </a:r>
+              <a:r>
+                <a:rPr lang="en-US" altLang="zh-TW" sz="1400" b="0" i="1" dirty="0">
+                  <a:solidFill>
+                    <a:srgbClr val="66D9EF"/>
+                  </a:solidFill>
+                  <a:effectLst/>
+                  <a:latin typeface="Consolas" panose="020B0609020204030204" pitchFamily="49" charset="0"/>
+                </a:rPr>
+                <a:t>=&gt;</a:t>
+              </a:r>
+              <a:r>
+                <a:rPr lang="en-US" altLang="zh-TW" sz="1400" b="0" dirty="0">
+                  <a:solidFill>
+                    <a:srgbClr val="F8F8F2"/>
+                  </a:solidFill>
+                  <a:effectLst/>
+                  <a:latin typeface="Consolas" panose="020B0609020204030204" pitchFamily="49" charset="0"/>
+                </a:rPr>
+                <a:t> ({</a:t>
+              </a:r>
+            </a:p>
+            <a:p>
+              <a:r>
+                <a:rPr lang="en-US" altLang="zh-TW" sz="1400" b="0" dirty="0">
+                  <a:solidFill>
+                    <a:srgbClr val="F8F8F2"/>
+                  </a:solidFill>
+                  <a:effectLst/>
+                  <a:latin typeface="Consolas" panose="020B0609020204030204" pitchFamily="49" charset="0"/>
+                </a:rPr>
+                <a:t>  </a:t>
+              </a:r>
+            </a:p>
+            <a:p>
+              <a:r>
+                <a:rPr lang="en-US" altLang="zh-TW" sz="1400" b="0" dirty="0">
+                  <a:solidFill>
+                    <a:srgbClr val="F8F8F2"/>
+                  </a:solidFill>
+                  <a:effectLst/>
+                  <a:latin typeface="Consolas" panose="020B0609020204030204" pitchFamily="49" charset="0"/>
+                </a:rPr>
+                <a:t>})</a:t>
+              </a:r>
+            </a:p>
+            <a:p>
+              <a:br>
+                <a:rPr lang="en-US" altLang="zh-TW" sz="1400" b="0" dirty="0">
+                  <a:solidFill>
+                    <a:srgbClr val="F8F8F2"/>
+                  </a:solidFill>
+                  <a:effectLst/>
+                  <a:latin typeface="Consolas" panose="020B0609020204030204" pitchFamily="49" charset="0"/>
+                </a:rPr>
+              </a:br>
+              <a:r>
+                <a:rPr lang="en-US" altLang="zh-TW" sz="1400" b="0" dirty="0">
+                  <a:solidFill>
+                    <a:srgbClr val="8C8C8C"/>
+                  </a:solidFill>
+                  <a:effectLst/>
+                  <a:latin typeface="Consolas" panose="020B0609020204030204" pitchFamily="49" charset="0"/>
+                </a:rPr>
+                <a:t>// actions</a:t>
+              </a:r>
+              <a:endParaRPr lang="en-US" altLang="zh-TW" sz="1400" b="0" dirty="0">
+                <a:solidFill>
+                  <a:srgbClr val="F8F8F2"/>
+                </a:solidFill>
+                <a:effectLst/>
+                <a:latin typeface="Consolas" panose="020B0609020204030204" pitchFamily="49" charset="0"/>
+              </a:endParaRPr>
+            </a:p>
+            <a:p>
+              <a:r>
+                <a:rPr lang="en-US" altLang="zh-TW" sz="1400" b="0" dirty="0">
+                  <a:solidFill>
+                    <a:srgbClr val="F92672"/>
+                  </a:solidFill>
+                  <a:effectLst/>
+                  <a:latin typeface="Consolas" panose="020B0609020204030204" pitchFamily="49" charset="0"/>
+                </a:rPr>
+                <a:t>export</a:t>
+              </a:r>
+              <a:r>
+                <a:rPr lang="en-US" altLang="zh-TW" sz="1400" b="0" dirty="0">
+                  <a:solidFill>
+                    <a:srgbClr val="F8F8F2"/>
+                  </a:solidFill>
+                  <a:effectLst/>
+                  <a:latin typeface="Consolas" panose="020B0609020204030204" pitchFamily="49" charset="0"/>
+                </a:rPr>
+                <a:t> </a:t>
+              </a:r>
+              <a:r>
+                <a:rPr lang="en-US" altLang="zh-TW" sz="1400" b="0" i="1" dirty="0">
+                  <a:solidFill>
+                    <a:srgbClr val="66D9EF"/>
+                  </a:solidFill>
+                  <a:effectLst/>
+                  <a:latin typeface="Consolas" panose="020B0609020204030204" pitchFamily="49" charset="0"/>
+                </a:rPr>
+                <a:t>const</a:t>
+              </a:r>
+              <a:r>
+                <a:rPr lang="en-US" altLang="zh-TW" sz="1400" b="0" dirty="0">
+                  <a:solidFill>
+                    <a:srgbClr val="F8F8F2"/>
+                  </a:solidFill>
+                  <a:effectLst/>
+                  <a:latin typeface="Consolas" panose="020B0609020204030204" pitchFamily="49" charset="0"/>
+                </a:rPr>
+                <a:t> actions </a:t>
+              </a:r>
+              <a:r>
+                <a:rPr lang="en-US" altLang="zh-TW" sz="1400" b="0" dirty="0">
+                  <a:solidFill>
+                    <a:srgbClr val="F92672"/>
+                  </a:solidFill>
+                  <a:effectLst/>
+                  <a:latin typeface="Consolas" panose="020B0609020204030204" pitchFamily="49" charset="0"/>
+                </a:rPr>
+                <a:t>=</a:t>
+              </a:r>
+              <a:r>
+                <a:rPr lang="en-US" altLang="zh-TW" sz="1400" b="0" dirty="0">
+                  <a:solidFill>
+                    <a:srgbClr val="F8F8F2"/>
+                  </a:solidFill>
+                  <a:effectLst/>
+                  <a:latin typeface="Consolas" panose="020B0609020204030204" pitchFamily="49" charset="0"/>
+                </a:rPr>
+                <a:t> {</a:t>
+              </a:r>
+            </a:p>
+            <a:p>
+              <a:r>
+                <a:rPr lang="en-US" altLang="zh-TW" sz="1400" b="0" dirty="0">
+                  <a:solidFill>
+                    <a:srgbClr val="F8F8F2"/>
+                  </a:solidFill>
+                  <a:effectLst/>
+                  <a:latin typeface="Consolas" panose="020B0609020204030204" pitchFamily="49" charset="0"/>
+                </a:rPr>
+                <a:t>  </a:t>
+              </a:r>
+            </a:p>
+            <a:p>
+              <a:r>
+                <a:rPr lang="en-US" altLang="zh-TW" sz="1400" b="0" dirty="0">
+                  <a:solidFill>
+                    <a:srgbClr val="F8F8F2"/>
+                  </a:solidFill>
+                  <a:effectLst/>
+                  <a:latin typeface="Consolas" panose="020B0609020204030204" pitchFamily="49" charset="0"/>
+                </a:rPr>
+                <a:t>}</a:t>
+              </a:r>
+            </a:p>
+            <a:p>
+              <a:br>
+                <a:rPr lang="en-US" altLang="zh-TW" sz="1400" b="0" dirty="0">
+                  <a:solidFill>
+                    <a:srgbClr val="F8F8F2"/>
+                  </a:solidFill>
+                  <a:effectLst/>
+                  <a:latin typeface="Consolas" panose="020B0609020204030204" pitchFamily="49" charset="0"/>
+                </a:rPr>
+              </a:br>
+              <a:r>
+                <a:rPr lang="en-US" altLang="zh-TW" sz="1400" b="0" dirty="0">
+                  <a:solidFill>
+                    <a:srgbClr val="8C8C8C"/>
+                  </a:solidFill>
+                  <a:effectLst/>
+                  <a:latin typeface="Consolas" panose="020B0609020204030204" pitchFamily="49" charset="0"/>
+                </a:rPr>
+                <a:t>// mutations</a:t>
+              </a:r>
+              <a:endParaRPr lang="en-US" altLang="zh-TW" sz="1400" b="0" dirty="0">
+                <a:solidFill>
+                  <a:srgbClr val="F8F8F2"/>
+                </a:solidFill>
+                <a:effectLst/>
+                <a:latin typeface="Consolas" panose="020B0609020204030204" pitchFamily="49" charset="0"/>
+              </a:endParaRPr>
+            </a:p>
+            <a:p>
+              <a:r>
+                <a:rPr lang="en-US" altLang="zh-TW" sz="1400" b="0" dirty="0">
+                  <a:solidFill>
+                    <a:srgbClr val="F92672"/>
+                  </a:solidFill>
+                  <a:effectLst/>
+                  <a:latin typeface="Consolas" panose="020B0609020204030204" pitchFamily="49" charset="0"/>
+                </a:rPr>
+                <a:t>export</a:t>
+              </a:r>
+              <a:r>
+                <a:rPr lang="en-US" altLang="zh-TW" sz="1400" b="0" dirty="0">
+                  <a:solidFill>
+                    <a:srgbClr val="F8F8F2"/>
+                  </a:solidFill>
+                  <a:effectLst/>
+                  <a:latin typeface="Consolas" panose="020B0609020204030204" pitchFamily="49" charset="0"/>
+                </a:rPr>
+                <a:t> </a:t>
+              </a:r>
+              <a:r>
+                <a:rPr lang="en-US" altLang="zh-TW" sz="1400" b="0" i="1" dirty="0">
+                  <a:solidFill>
+                    <a:srgbClr val="66D9EF"/>
+                  </a:solidFill>
+                  <a:effectLst/>
+                  <a:latin typeface="Consolas" panose="020B0609020204030204" pitchFamily="49" charset="0"/>
+                </a:rPr>
+                <a:t>const</a:t>
+              </a:r>
+              <a:r>
+                <a:rPr lang="en-US" altLang="zh-TW" sz="1400" b="0" dirty="0">
+                  <a:solidFill>
+                    <a:srgbClr val="F8F8F2"/>
+                  </a:solidFill>
+                  <a:effectLst/>
+                  <a:latin typeface="Consolas" panose="020B0609020204030204" pitchFamily="49" charset="0"/>
+                </a:rPr>
+                <a:t> mutations </a:t>
+              </a:r>
+              <a:r>
+                <a:rPr lang="en-US" altLang="zh-TW" sz="1400" b="0" dirty="0">
+                  <a:solidFill>
+                    <a:srgbClr val="F92672"/>
+                  </a:solidFill>
+                  <a:effectLst/>
+                  <a:latin typeface="Consolas" panose="020B0609020204030204" pitchFamily="49" charset="0"/>
+                </a:rPr>
+                <a:t>=</a:t>
+              </a:r>
+              <a:r>
+                <a:rPr lang="en-US" altLang="zh-TW" sz="1400" b="0" dirty="0">
+                  <a:solidFill>
+                    <a:srgbClr val="F8F8F2"/>
+                  </a:solidFill>
+                  <a:effectLst/>
+                  <a:latin typeface="Consolas" panose="020B0609020204030204" pitchFamily="49" charset="0"/>
+                </a:rPr>
+                <a:t> {</a:t>
+              </a:r>
+            </a:p>
+            <a:p>
+              <a:r>
+                <a:rPr lang="en-US" altLang="zh-TW" sz="1400" b="0" dirty="0">
+                  <a:solidFill>
+                    <a:srgbClr val="F8F8F2"/>
+                  </a:solidFill>
+                  <a:effectLst/>
+                  <a:latin typeface="Consolas" panose="020B0609020204030204" pitchFamily="49" charset="0"/>
+                </a:rPr>
+                <a:t>  </a:t>
+              </a:r>
+            </a:p>
+            <a:p>
+              <a:r>
+                <a:rPr lang="en-US" altLang="zh-TW" sz="1400" b="0" dirty="0">
+                  <a:solidFill>
+                    <a:srgbClr val="F8F8F2"/>
+                  </a:solidFill>
+                  <a:effectLst/>
+                  <a:latin typeface="Consolas" panose="020B0609020204030204" pitchFamily="49" charset="0"/>
+                </a:rPr>
+                <a:t>}</a:t>
+              </a:r>
+            </a:p>
+            <a:p>
+              <a:br>
+                <a:rPr lang="en-US" altLang="zh-TW" sz="1400" b="0" dirty="0">
+                  <a:solidFill>
+                    <a:srgbClr val="F8F8F2"/>
+                  </a:solidFill>
+                  <a:effectLst/>
+                  <a:latin typeface="Consolas" panose="020B0609020204030204" pitchFamily="49" charset="0"/>
+                </a:rPr>
+              </a:br>
+              <a:r>
+                <a:rPr lang="en-US" altLang="zh-TW" sz="1400" b="0" dirty="0">
+                  <a:solidFill>
+                    <a:srgbClr val="8C8C8C"/>
+                  </a:solidFill>
+                  <a:effectLst/>
+                  <a:latin typeface="Consolas" panose="020B0609020204030204" pitchFamily="49" charset="0"/>
+                </a:rPr>
+                <a:t>// getters</a:t>
+              </a:r>
+              <a:endParaRPr lang="en-US" altLang="zh-TW" sz="1400" b="0" dirty="0">
+                <a:solidFill>
+                  <a:srgbClr val="F8F8F2"/>
+                </a:solidFill>
+                <a:effectLst/>
+                <a:latin typeface="Consolas" panose="020B0609020204030204" pitchFamily="49" charset="0"/>
+              </a:endParaRPr>
+            </a:p>
+            <a:p>
+              <a:r>
+                <a:rPr lang="en-US" altLang="zh-TW" sz="1400" b="0" dirty="0">
+                  <a:solidFill>
+                    <a:srgbClr val="F92672"/>
+                  </a:solidFill>
+                  <a:effectLst/>
+                  <a:latin typeface="Consolas" panose="020B0609020204030204" pitchFamily="49" charset="0"/>
+                </a:rPr>
+                <a:t>export</a:t>
+              </a:r>
+              <a:r>
+                <a:rPr lang="en-US" altLang="zh-TW" sz="1400" b="0" dirty="0">
+                  <a:solidFill>
+                    <a:srgbClr val="F8F8F2"/>
+                  </a:solidFill>
+                  <a:effectLst/>
+                  <a:latin typeface="Consolas" panose="020B0609020204030204" pitchFamily="49" charset="0"/>
+                </a:rPr>
+                <a:t> </a:t>
+              </a:r>
+              <a:r>
+                <a:rPr lang="en-US" altLang="zh-TW" sz="1400" b="0" i="1" dirty="0">
+                  <a:solidFill>
+                    <a:srgbClr val="66D9EF"/>
+                  </a:solidFill>
+                  <a:effectLst/>
+                  <a:latin typeface="Consolas" panose="020B0609020204030204" pitchFamily="49" charset="0"/>
+                </a:rPr>
+                <a:t>const</a:t>
+              </a:r>
+              <a:r>
+                <a:rPr lang="en-US" altLang="zh-TW" sz="1400" b="0" dirty="0">
+                  <a:solidFill>
+                    <a:srgbClr val="F8F8F2"/>
+                  </a:solidFill>
+                  <a:effectLst/>
+                  <a:latin typeface="Consolas" panose="020B0609020204030204" pitchFamily="49" charset="0"/>
+                </a:rPr>
+                <a:t> getters </a:t>
+              </a:r>
+              <a:r>
+                <a:rPr lang="en-US" altLang="zh-TW" sz="1400" b="0" dirty="0">
+                  <a:solidFill>
+                    <a:srgbClr val="F92672"/>
+                  </a:solidFill>
+                  <a:effectLst/>
+                  <a:latin typeface="Consolas" panose="020B0609020204030204" pitchFamily="49" charset="0"/>
+                </a:rPr>
+                <a:t>=</a:t>
+              </a:r>
+              <a:r>
+                <a:rPr lang="en-US" altLang="zh-TW" sz="1400" b="0" dirty="0">
+                  <a:solidFill>
+                    <a:srgbClr val="F8F8F2"/>
+                  </a:solidFill>
+                  <a:effectLst/>
+                  <a:latin typeface="Consolas" panose="020B0609020204030204" pitchFamily="49" charset="0"/>
+                </a:rPr>
+                <a:t> {</a:t>
+              </a:r>
+            </a:p>
+            <a:p>
+              <a:r>
+                <a:rPr lang="en-US" altLang="zh-TW" sz="1400" b="0" dirty="0">
+                  <a:solidFill>
+                    <a:srgbClr val="F8F8F2"/>
+                  </a:solidFill>
+                  <a:effectLst/>
+                  <a:latin typeface="Consolas" panose="020B0609020204030204" pitchFamily="49" charset="0"/>
+                </a:rPr>
+                <a:t>  </a:t>
+              </a:r>
+            </a:p>
+            <a:p>
+              <a:r>
+                <a:rPr lang="en-US" altLang="zh-TW" sz="1400" b="0" dirty="0">
+                  <a:solidFill>
+                    <a:srgbClr val="F8F8F2"/>
+                  </a:solidFill>
+                  <a:effectLst/>
+                  <a:latin typeface="Consolas" panose="020B0609020204030204" pitchFamily="49" charset="0"/>
+                </a:rPr>
+                <a:t>}</a:t>
+              </a:r>
+            </a:p>
+          </p:txBody>
+        </p:sp>
+      </p:grpSp>
+      <p:sp>
+        <p:nvSpPr>
+          <p:cNvPr id="7" name="標題 1">
+            <a:extLst>
+              <a:ext uri="{FF2B5EF4-FFF2-40B4-BE49-F238E27FC236}">
+                <a16:creationId xmlns:a16="http://schemas.microsoft.com/office/drawing/2014/main" id="{07814A41-285F-462E-97E9-D8BCBDB43F4D}"/>
+              </a:ext>
+            </a:extLst>
+          </p:cNvPr>
+          <p:cNvSpPr>
+            <a:spLocks noGrp="1"/>
+          </p:cNvSpPr>
+          <p:nvPr>
+            <p:ph type="title"/>
+          </p:nvPr>
+        </p:nvSpPr>
+        <p:spPr>
+          <a:xfrm>
+            <a:off x="6694236" y="1287842"/>
+            <a:ext cx="3534549" cy="772819"/>
+          </a:xfrm>
+        </p:spPr>
+        <p:txBody>
+          <a:bodyPr>
+            <a:normAutofit/>
+          </a:bodyPr>
+          <a:lstStyle/>
+          <a:p>
+            <a:pPr algn="ctr"/>
+            <a:r>
+              <a:rPr lang="en-US" altLang="zh-TW" sz="3600" b="1" i="0" dirty="0" err="1">
+                <a:solidFill>
+                  <a:schemeClr val="bg1"/>
+                </a:solidFill>
+                <a:effectLst/>
+                <a:latin typeface="微軟正黑體" panose="020B0604030504040204" pitchFamily="34" charset="-120"/>
+                <a:ea typeface="微軟正黑體" panose="020B0604030504040204" pitchFamily="34" charset="-120"/>
+              </a:rPr>
+              <a:t>Vuex</a:t>
+            </a:r>
+            <a:r>
+              <a:rPr lang="zh-TW" altLang="en-US" sz="3600" b="1" i="0" dirty="0">
+                <a:solidFill>
+                  <a:schemeClr val="bg1"/>
+                </a:solidFill>
+                <a:effectLst/>
+                <a:latin typeface="微軟正黑體" panose="020B0604030504040204" pitchFamily="34" charset="-120"/>
+                <a:ea typeface="微軟正黑體" panose="020B0604030504040204" pitchFamily="34" charset="-120"/>
+              </a:rPr>
+              <a:t> 起手式</a:t>
+            </a:r>
+            <a:endParaRPr lang="en-US" altLang="zh-TW" sz="3600" b="1" i="0" dirty="0">
+              <a:solidFill>
+                <a:schemeClr val="bg1"/>
+              </a:solidFill>
+              <a:effectLst/>
+              <a:latin typeface="微軟正黑體" panose="020B0604030504040204" pitchFamily="34" charset="-120"/>
+              <a:ea typeface="微軟正黑體" panose="020B0604030504040204" pitchFamily="34" charset="-120"/>
+            </a:endParaRPr>
+          </a:p>
+        </p:txBody>
+      </p:sp>
+    </p:spTree>
+    <p:extLst>
+      <p:ext uri="{BB962C8B-B14F-4D97-AF65-F5344CB8AC3E}">
+        <p14:creationId xmlns:p14="http://schemas.microsoft.com/office/powerpoint/2010/main" val="4246287546"/>
+      </p:ext>
+    </p:extLst>
+  </p:cSld>
+  <p:clrMapOvr>
+    <a:masterClrMapping/>
+  </p:clrMapOvr>
+</p:sld>
+</file>
+
+<file path=ppt/slides/slide17.xml><?xml version="1.0" encoding="utf-8"?>
+<p:sld xmlns:a="http://schemas.openxmlformats.org/drawingml/2006/main" xmlns:r="http://schemas.openxmlformats.org/officeDocument/2006/relationships" xmlns:p="http://schemas.openxmlformats.org/presentationml/2006/main">
+  <p:cSld>
+    <p:spTree>
+      <p:nvGrpSpPr>
+        <p:cNvPr id="1" name=""/>
+        <p:cNvGrpSpPr/>
+        <p:nvPr/>
+      </p:nvGrpSpPr>
+      <p:grpSpPr>
+        <a:xfrm>
+          <a:off x="0" y="0"/>
+          <a:ext cx="0" cy="0"/>
+          <a:chOff x="0" y="0"/>
+          <a:chExt cx="0" cy="0"/>
+        </a:xfrm>
+      </p:grpSpPr>
+      <p:sp>
+        <p:nvSpPr>
+          <p:cNvPr id="6" name="矩形 5">
+            <a:extLst>
+              <a:ext uri="{FF2B5EF4-FFF2-40B4-BE49-F238E27FC236}">
+                <a16:creationId xmlns:a16="http://schemas.microsoft.com/office/drawing/2014/main" id="{20D33F2B-5FC8-49AA-832A-C01892345651}"/>
+              </a:ext>
+            </a:extLst>
+          </p:cNvPr>
+          <p:cNvSpPr/>
+          <p:nvPr/>
+        </p:nvSpPr>
+        <p:spPr>
+          <a:xfrm>
+            <a:off x="522514" y="538132"/>
+            <a:ext cx="6832442" cy="5781735"/>
+          </a:xfrm>
+          <a:prstGeom prst="rect">
+            <a:avLst/>
+          </a:prstGeom>
+        </p:spPr>
+        <p:style>
+          <a:lnRef idx="2">
+            <a:schemeClr val="dk1">
+              <a:shade val="50000"/>
+            </a:schemeClr>
+          </a:lnRef>
+          <a:fillRef idx="1">
+            <a:schemeClr val="dk1"/>
+          </a:fillRef>
+          <a:effectRef idx="0">
+            <a:schemeClr val="dk1"/>
+          </a:effectRef>
+          <a:fontRef idx="minor">
+            <a:schemeClr val="lt1"/>
+          </a:fontRef>
+        </p:style>
+        <p:txBody>
+          <a:bodyPr rtlCol="0" anchor="ctr"/>
+          <a:lstStyle/>
+          <a:p>
+            <a:pPr algn="ctr"/>
+            <a:endParaRPr lang="zh-TW" altLang="en-US"/>
+          </a:p>
+        </p:txBody>
+      </p:sp>
+      <p:sp>
+        <p:nvSpPr>
+          <p:cNvPr id="2" name="標題 1">
+            <a:extLst>
+              <a:ext uri="{FF2B5EF4-FFF2-40B4-BE49-F238E27FC236}">
+                <a16:creationId xmlns:a16="http://schemas.microsoft.com/office/drawing/2014/main" id="{1B383B88-8A8F-421D-90C4-CAF67F6963BC}"/>
+              </a:ext>
+            </a:extLst>
+          </p:cNvPr>
+          <p:cNvSpPr>
+            <a:spLocks noGrp="1"/>
+          </p:cNvSpPr>
+          <p:nvPr>
+            <p:ph type="title"/>
+          </p:nvPr>
+        </p:nvSpPr>
+        <p:spPr>
+          <a:xfrm>
+            <a:off x="7721757" y="538132"/>
+            <a:ext cx="2569502" cy="541491"/>
+          </a:xfrm>
+        </p:spPr>
+        <p:txBody>
+          <a:bodyPr>
+            <a:normAutofit/>
+          </a:bodyPr>
+          <a:lstStyle/>
+          <a:p>
+            <a:pPr algn="ctr"/>
+            <a:r>
+              <a:rPr lang="en-US" altLang="zh-TW" sz="3200" b="1" dirty="0">
+                <a:solidFill>
+                  <a:schemeClr val="bg1"/>
+                </a:solidFill>
+                <a:latin typeface="微軟正黑體" panose="020B0604030504040204" pitchFamily="34" charset="-120"/>
+                <a:ea typeface="微軟正黑體" panose="020B0604030504040204" pitchFamily="34" charset="-120"/>
+              </a:rPr>
+              <a:t>API</a:t>
+            </a:r>
+            <a:r>
+              <a:rPr lang="zh-TW" altLang="en-US" sz="3200" b="1" dirty="0">
+                <a:solidFill>
+                  <a:schemeClr val="bg1"/>
+                </a:solidFill>
+                <a:latin typeface="微軟正黑體" panose="020B0604030504040204" pitchFamily="34" charset="-120"/>
+                <a:ea typeface="微軟正黑體" panose="020B0604030504040204" pitchFamily="34" charset="-120"/>
+              </a:rPr>
+              <a:t> 拆分</a:t>
+            </a:r>
+          </a:p>
+        </p:txBody>
+      </p:sp>
+      <p:sp>
+        <p:nvSpPr>
+          <p:cNvPr id="5" name="文字方塊 4">
+            <a:extLst>
+              <a:ext uri="{FF2B5EF4-FFF2-40B4-BE49-F238E27FC236}">
+                <a16:creationId xmlns:a16="http://schemas.microsoft.com/office/drawing/2014/main" id="{D3D4DDDC-AA86-4725-98EF-64D6812BC0EA}"/>
+              </a:ext>
+            </a:extLst>
+          </p:cNvPr>
+          <p:cNvSpPr txBox="1"/>
+          <p:nvPr/>
+        </p:nvSpPr>
+        <p:spPr>
+          <a:xfrm>
+            <a:off x="952736" y="982175"/>
+            <a:ext cx="6096946" cy="4893647"/>
+          </a:xfrm>
+          <a:prstGeom prst="rect">
+            <a:avLst/>
+          </a:prstGeom>
+          <a:noFill/>
+        </p:spPr>
+        <p:txBody>
+          <a:bodyPr wrap="square">
+            <a:spAutoFit/>
+          </a:bodyPr>
+          <a:lstStyle/>
+          <a:p>
+            <a:r>
+              <a:rPr lang="en-US" altLang="zh-TW" sz="1200" b="0" dirty="0">
+                <a:solidFill>
+                  <a:srgbClr val="F92672"/>
+                </a:solidFill>
+                <a:effectLst/>
+                <a:latin typeface="Consolas" panose="020B0609020204030204" pitchFamily="49" charset="0"/>
+              </a:rPr>
+              <a:t>import</a:t>
+            </a:r>
+            <a:r>
+              <a:rPr lang="en-US" altLang="zh-TW" sz="1200" b="0" dirty="0">
+                <a:solidFill>
+                  <a:srgbClr val="F8F8F2"/>
+                </a:solidFill>
+                <a:effectLst/>
+                <a:latin typeface="Consolas" panose="020B0609020204030204" pitchFamily="49" charset="0"/>
+              </a:rPr>
+              <a:t> </a:t>
+            </a:r>
+            <a:r>
+              <a:rPr lang="en-US" altLang="zh-TW" sz="1200" b="0" dirty="0" err="1">
+                <a:solidFill>
+                  <a:srgbClr val="F8F8F2"/>
+                </a:solidFill>
+                <a:effectLst/>
+                <a:latin typeface="Consolas" panose="020B0609020204030204" pitchFamily="49" charset="0"/>
+              </a:rPr>
+              <a:t>axios</a:t>
+            </a:r>
+            <a:r>
+              <a:rPr lang="en-US" altLang="zh-TW" sz="1200" b="0" dirty="0">
+                <a:solidFill>
+                  <a:srgbClr val="F8F8F2"/>
+                </a:solidFill>
+                <a:effectLst/>
+                <a:latin typeface="Consolas" panose="020B0609020204030204" pitchFamily="49" charset="0"/>
+              </a:rPr>
+              <a:t> </a:t>
+            </a:r>
+            <a:r>
+              <a:rPr lang="en-US" altLang="zh-TW" sz="1200" b="0" dirty="0">
+                <a:solidFill>
+                  <a:srgbClr val="F92672"/>
+                </a:solidFill>
+                <a:effectLst/>
+                <a:latin typeface="Consolas" panose="020B0609020204030204" pitchFamily="49" charset="0"/>
+              </a:rPr>
+              <a:t>from</a:t>
+            </a:r>
+            <a:r>
+              <a:rPr lang="en-US" altLang="zh-TW" sz="1200" b="0" dirty="0">
+                <a:solidFill>
+                  <a:srgbClr val="F8F8F2"/>
+                </a:solidFill>
+                <a:effectLst/>
+                <a:latin typeface="Consolas" panose="020B0609020204030204" pitchFamily="49" charset="0"/>
+              </a:rPr>
+              <a:t> </a:t>
+            </a:r>
+            <a:r>
+              <a:rPr lang="en-US" altLang="zh-TW" sz="1200" b="0" dirty="0">
+                <a:solidFill>
+                  <a:srgbClr val="FFEE99"/>
+                </a:solidFill>
+                <a:effectLst/>
+                <a:latin typeface="Consolas" panose="020B0609020204030204" pitchFamily="49" charset="0"/>
+              </a:rPr>
+              <a:t>"</a:t>
+            </a:r>
+            <a:r>
+              <a:rPr lang="en-US" altLang="zh-TW" sz="1200" b="0" dirty="0" err="1">
+                <a:solidFill>
+                  <a:srgbClr val="FFEE99"/>
+                </a:solidFill>
+                <a:effectLst/>
+                <a:latin typeface="Consolas" panose="020B0609020204030204" pitchFamily="49" charset="0"/>
+              </a:rPr>
+              <a:t>axios</a:t>
+            </a:r>
+            <a:r>
+              <a:rPr lang="en-US" altLang="zh-TW" sz="1200" b="0" dirty="0">
+                <a:solidFill>
+                  <a:srgbClr val="FFEE99"/>
+                </a:solidFill>
+                <a:effectLst/>
+                <a:latin typeface="Consolas" panose="020B0609020204030204" pitchFamily="49" charset="0"/>
+              </a:rPr>
+              <a:t>"</a:t>
+            </a:r>
+            <a:r>
+              <a:rPr lang="en-US" altLang="zh-TW" sz="1200" b="0" dirty="0">
+                <a:solidFill>
+                  <a:srgbClr val="F8F8F2"/>
+                </a:solidFill>
+                <a:effectLst/>
+                <a:latin typeface="Consolas" panose="020B0609020204030204" pitchFamily="49" charset="0"/>
+              </a:rPr>
+              <a:t>;</a:t>
+            </a:r>
+          </a:p>
+          <a:p>
+            <a:br>
+              <a:rPr lang="en-US" altLang="zh-TW" sz="1200" b="0" dirty="0">
+                <a:solidFill>
+                  <a:srgbClr val="F8F8F2"/>
+                </a:solidFill>
+                <a:effectLst/>
+                <a:latin typeface="Consolas" panose="020B0609020204030204" pitchFamily="49" charset="0"/>
+              </a:rPr>
+            </a:br>
+            <a:r>
+              <a:rPr lang="en-US" altLang="zh-TW" sz="1200" b="0" i="1" dirty="0">
+                <a:solidFill>
+                  <a:srgbClr val="66D9EF"/>
+                </a:solidFill>
+                <a:effectLst/>
+                <a:latin typeface="Consolas" panose="020B0609020204030204" pitchFamily="49" charset="0"/>
+              </a:rPr>
+              <a:t>const</a:t>
+            </a:r>
+            <a:r>
+              <a:rPr lang="en-US" altLang="zh-TW" sz="1200" b="0" dirty="0">
+                <a:solidFill>
+                  <a:srgbClr val="F8F8F2"/>
+                </a:solidFill>
+                <a:effectLst/>
+                <a:latin typeface="Consolas" panose="020B0609020204030204" pitchFamily="49" charset="0"/>
+              </a:rPr>
+              <a:t> </a:t>
+            </a:r>
+            <a:r>
+              <a:rPr lang="en-US" altLang="zh-TW" sz="1200" b="0" dirty="0" err="1">
+                <a:solidFill>
+                  <a:srgbClr val="F8F8F2"/>
+                </a:solidFill>
+                <a:effectLst/>
+                <a:latin typeface="Consolas" panose="020B0609020204030204" pitchFamily="49" charset="0"/>
+              </a:rPr>
+              <a:t>photoRequest</a:t>
+            </a:r>
+            <a:r>
+              <a:rPr lang="en-US" altLang="zh-TW" sz="1200" b="0" dirty="0">
+                <a:solidFill>
+                  <a:srgbClr val="F8F8F2"/>
+                </a:solidFill>
+                <a:effectLst/>
+                <a:latin typeface="Consolas" panose="020B0609020204030204" pitchFamily="49" charset="0"/>
+              </a:rPr>
+              <a:t> </a:t>
+            </a:r>
+            <a:r>
+              <a:rPr lang="en-US" altLang="zh-TW" sz="1200" b="0" dirty="0">
+                <a:solidFill>
+                  <a:srgbClr val="F92672"/>
+                </a:solidFill>
+                <a:effectLst/>
+                <a:latin typeface="Consolas" panose="020B0609020204030204" pitchFamily="49" charset="0"/>
+              </a:rPr>
+              <a:t>=</a:t>
+            </a:r>
+            <a:r>
+              <a:rPr lang="en-US" altLang="zh-TW" sz="1200" b="0" dirty="0">
+                <a:solidFill>
+                  <a:srgbClr val="F8F8F2"/>
+                </a:solidFill>
+                <a:effectLst/>
+                <a:latin typeface="Consolas" panose="020B0609020204030204" pitchFamily="49" charset="0"/>
+              </a:rPr>
+              <a:t> </a:t>
+            </a:r>
+            <a:r>
+              <a:rPr lang="en-US" altLang="zh-TW" sz="1200" b="0" dirty="0" err="1">
+                <a:solidFill>
+                  <a:srgbClr val="F8F8F2"/>
+                </a:solidFill>
+                <a:effectLst/>
+                <a:latin typeface="Consolas" panose="020B0609020204030204" pitchFamily="49" charset="0"/>
+              </a:rPr>
+              <a:t>axios</a:t>
+            </a:r>
+            <a:r>
+              <a:rPr lang="en-US" altLang="zh-TW" sz="1200" b="0" dirty="0" err="1">
+                <a:solidFill>
+                  <a:srgbClr val="F92672"/>
+                </a:solidFill>
+                <a:effectLst/>
+                <a:latin typeface="Consolas" panose="020B0609020204030204" pitchFamily="49" charset="0"/>
+              </a:rPr>
+              <a:t>.</a:t>
+            </a:r>
+            <a:r>
+              <a:rPr lang="en-US" altLang="zh-TW" sz="1200" b="0" dirty="0" err="1">
+                <a:solidFill>
+                  <a:srgbClr val="A6E22E"/>
+                </a:solidFill>
+                <a:effectLst/>
+                <a:latin typeface="Consolas" panose="020B0609020204030204" pitchFamily="49" charset="0"/>
+              </a:rPr>
+              <a:t>create</a:t>
+            </a:r>
+            <a:r>
+              <a:rPr lang="en-US" altLang="zh-TW" sz="1200" b="0" dirty="0">
+                <a:solidFill>
+                  <a:srgbClr val="F8F8F2"/>
+                </a:solidFill>
+                <a:effectLst/>
+                <a:latin typeface="Consolas" panose="020B0609020204030204" pitchFamily="49" charset="0"/>
+              </a:rPr>
+              <a:t>({</a:t>
+            </a:r>
+          </a:p>
+          <a:p>
+            <a:r>
+              <a:rPr lang="en-US" altLang="zh-TW" sz="1200" b="0" dirty="0">
+                <a:solidFill>
+                  <a:srgbClr val="F8F8F2"/>
+                </a:solidFill>
+                <a:effectLst/>
+                <a:latin typeface="Consolas" panose="020B0609020204030204" pitchFamily="49" charset="0"/>
+              </a:rPr>
+              <a:t>  </a:t>
+            </a:r>
+            <a:r>
+              <a:rPr lang="en-US" altLang="zh-TW" sz="1200" b="0" dirty="0" err="1">
+                <a:solidFill>
+                  <a:srgbClr val="FFEE99"/>
+                </a:solidFill>
+                <a:effectLst/>
+                <a:latin typeface="Consolas" panose="020B0609020204030204" pitchFamily="49" charset="0"/>
+              </a:rPr>
+              <a:t>baseURL</a:t>
+            </a:r>
+            <a:r>
+              <a:rPr lang="en-US" altLang="zh-TW" sz="1200" b="0" dirty="0">
+                <a:solidFill>
+                  <a:srgbClr val="F8F8F2"/>
+                </a:solidFill>
+                <a:effectLst/>
+                <a:latin typeface="Consolas" panose="020B0609020204030204" pitchFamily="49" charset="0"/>
+              </a:rPr>
+              <a:t>: </a:t>
+            </a:r>
+            <a:r>
+              <a:rPr lang="en-US" altLang="zh-TW" sz="1200" b="0" dirty="0">
+                <a:solidFill>
+                  <a:srgbClr val="FFEE99"/>
+                </a:solidFill>
+                <a:effectLst/>
+                <a:latin typeface="Consolas" panose="020B0609020204030204" pitchFamily="49" charset="0"/>
+              </a:rPr>
+              <a:t>"https://vue-lessons-api.herokuapp.com/"</a:t>
+            </a:r>
+            <a:r>
+              <a:rPr lang="en-US" altLang="zh-TW" sz="1200" b="0" dirty="0">
+                <a:solidFill>
+                  <a:srgbClr val="F8F8F2"/>
+                </a:solidFill>
+                <a:effectLst/>
+                <a:latin typeface="Consolas" panose="020B0609020204030204" pitchFamily="49" charset="0"/>
+              </a:rPr>
+              <a:t>,</a:t>
+            </a:r>
+          </a:p>
+          <a:p>
+            <a:r>
+              <a:rPr lang="en-US" altLang="zh-TW" sz="1200" b="0" dirty="0">
+                <a:solidFill>
+                  <a:srgbClr val="F8F8F2"/>
+                </a:solidFill>
+                <a:effectLst/>
+                <a:latin typeface="Consolas" panose="020B0609020204030204" pitchFamily="49" charset="0"/>
+              </a:rPr>
+              <a:t>});</a:t>
+            </a:r>
+          </a:p>
+          <a:p>
+            <a:br>
+              <a:rPr lang="en-US" altLang="zh-TW" sz="1200" b="0" dirty="0">
+                <a:solidFill>
+                  <a:srgbClr val="F8F8F2"/>
+                </a:solidFill>
+                <a:effectLst/>
+                <a:latin typeface="Consolas" panose="020B0609020204030204" pitchFamily="49" charset="0"/>
+              </a:rPr>
+            </a:br>
+            <a:r>
+              <a:rPr lang="en-US" altLang="zh-TW" sz="1200" b="0" dirty="0" err="1">
+                <a:solidFill>
+                  <a:srgbClr val="F8F8F2"/>
+                </a:solidFill>
+                <a:effectLst/>
+                <a:latin typeface="Consolas" panose="020B0609020204030204" pitchFamily="49" charset="0"/>
+              </a:rPr>
+              <a:t>photoRequest</a:t>
+            </a:r>
+            <a:r>
+              <a:rPr lang="en-US" altLang="zh-TW" sz="1200" b="0" dirty="0" err="1">
+                <a:solidFill>
+                  <a:srgbClr val="F92672"/>
+                </a:solidFill>
+                <a:effectLst/>
+                <a:latin typeface="Consolas" panose="020B0609020204030204" pitchFamily="49" charset="0"/>
+              </a:rPr>
+              <a:t>.</a:t>
+            </a:r>
+            <a:r>
+              <a:rPr lang="en-US" altLang="zh-TW" sz="1200" b="0" dirty="0" err="1">
+                <a:solidFill>
+                  <a:srgbClr val="F8F8F2"/>
+                </a:solidFill>
+                <a:effectLst/>
+                <a:latin typeface="Consolas" panose="020B0609020204030204" pitchFamily="49" charset="0"/>
+              </a:rPr>
+              <a:t>interceptors</a:t>
+            </a:r>
+            <a:r>
+              <a:rPr lang="en-US" altLang="zh-TW" sz="1200" b="0" dirty="0" err="1">
+                <a:solidFill>
+                  <a:srgbClr val="F92672"/>
+                </a:solidFill>
+                <a:effectLst/>
+                <a:latin typeface="Consolas" panose="020B0609020204030204" pitchFamily="49" charset="0"/>
+              </a:rPr>
+              <a:t>.</a:t>
+            </a:r>
+            <a:r>
+              <a:rPr lang="en-US" altLang="zh-TW" sz="1200" b="0" dirty="0" err="1">
+                <a:solidFill>
+                  <a:srgbClr val="F8F8F2"/>
+                </a:solidFill>
+                <a:effectLst/>
+                <a:latin typeface="Consolas" panose="020B0609020204030204" pitchFamily="49" charset="0"/>
+              </a:rPr>
+              <a:t>request</a:t>
+            </a:r>
+            <a:r>
+              <a:rPr lang="en-US" altLang="zh-TW" sz="1200" b="0" dirty="0" err="1">
+                <a:solidFill>
+                  <a:srgbClr val="F92672"/>
+                </a:solidFill>
+                <a:effectLst/>
+                <a:latin typeface="Consolas" panose="020B0609020204030204" pitchFamily="49" charset="0"/>
+              </a:rPr>
+              <a:t>.</a:t>
+            </a:r>
+            <a:r>
+              <a:rPr lang="en-US" altLang="zh-TW" sz="1200" b="0" dirty="0" err="1">
+                <a:solidFill>
+                  <a:srgbClr val="A6E22E"/>
+                </a:solidFill>
+                <a:effectLst/>
+                <a:latin typeface="Consolas" panose="020B0609020204030204" pitchFamily="49" charset="0"/>
+              </a:rPr>
+              <a:t>use</a:t>
+            </a:r>
+            <a:r>
+              <a:rPr lang="en-US" altLang="zh-TW" sz="1200" b="0" dirty="0">
+                <a:solidFill>
+                  <a:srgbClr val="F8F8F2"/>
+                </a:solidFill>
+                <a:effectLst/>
+                <a:latin typeface="Consolas" panose="020B0609020204030204" pitchFamily="49" charset="0"/>
+              </a:rPr>
+              <a:t>(</a:t>
+            </a:r>
+          </a:p>
+          <a:p>
+            <a:r>
+              <a:rPr lang="en-US" altLang="zh-TW" sz="1200" b="0" dirty="0">
+                <a:solidFill>
+                  <a:srgbClr val="F8F8F2"/>
+                </a:solidFill>
+                <a:effectLst/>
+                <a:latin typeface="Consolas" panose="020B0609020204030204" pitchFamily="49" charset="0"/>
+              </a:rPr>
+              <a:t>  (config) </a:t>
+            </a:r>
+            <a:r>
+              <a:rPr lang="en-US" altLang="zh-TW" sz="1200" b="0" i="1" dirty="0">
+                <a:solidFill>
+                  <a:srgbClr val="66D9EF"/>
+                </a:solidFill>
+                <a:effectLst/>
+                <a:latin typeface="Consolas" panose="020B0609020204030204" pitchFamily="49" charset="0"/>
+              </a:rPr>
+              <a:t>=&gt;</a:t>
+            </a:r>
+            <a:r>
+              <a:rPr lang="en-US" altLang="zh-TW" sz="1200" b="0" dirty="0">
+                <a:solidFill>
+                  <a:srgbClr val="F8F8F2"/>
+                </a:solidFill>
+                <a:effectLst/>
+                <a:latin typeface="Consolas" panose="020B0609020204030204" pitchFamily="49" charset="0"/>
+              </a:rPr>
+              <a:t> {</a:t>
+            </a:r>
+          </a:p>
+          <a:p>
+            <a:r>
+              <a:rPr lang="en-US" altLang="zh-TW" sz="1200" b="0" dirty="0">
+                <a:solidFill>
+                  <a:srgbClr val="F8F8F2"/>
+                </a:solidFill>
+                <a:effectLst/>
+                <a:latin typeface="Consolas" panose="020B0609020204030204" pitchFamily="49" charset="0"/>
+              </a:rPr>
+              <a:t>    </a:t>
+            </a:r>
+            <a:r>
+              <a:rPr lang="en-US" altLang="zh-TW" sz="1200" b="0" i="1" dirty="0">
+                <a:solidFill>
+                  <a:srgbClr val="66D9EF"/>
+                </a:solidFill>
+                <a:effectLst/>
+                <a:latin typeface="Consolas" panose="020B0609020204030204" pitchFamily="49" charset="0"/>
+              </a:rPr>
+              <a:t>console</a:t>
+            </a:r>
+            <a:r>
+              <a:rPr lang="en-US" altLang="zh-TW" sz="1200" b="0" dirty="0">
+                <a:solidFill>
+                  <a:srgbClr val="F92672"/>
+                </a:solidFill>
+                <a:effectLst/>
+                <a:latin typeface="Consolas" panose="020B0609020204030204" pitchFamily="49" charset="0"/>
+              </a:rPr>
+              <a:t>.</a:t>
+            </a:r>
+            <a:r>
+              <a:rPr lang="en-US" altLang="zh-TW" sz="1200" b="0" dirty="0">
+                <a:solidFill>
+                  <a:srgbClr val="66D9EF"/>
+                </a:solidFill>
+                <a:effectLst/>
+                <a:latin typeface="Consolas" panose="020B0609020204030204" pitchFamily="49" charset="0"/>
+              </a:rPr>
+              <a:t>log</a:t>
+            </a:r>
+            <a:r>
+              <a:rPr lang="en-US" altLang="zh-TW" sz="1200" b="0" dirty="0">
+                <a:solidFill>
+                  <a:srgbClr val="F8F8F2"/>
+                </a:solidFill>
+                <a:effectLst/>
+                <a:latin typeface="Consolas" panose="020B0609020204030204" pitchFamily="49" charset="0"/>
+              </a:rPr>
+              <a:t>(</a:t>
+            </a:r>
+            <a:r>
+              <a:rPr lang="en-US" altLang="zh-TW" sz="1200" b="0" dirty="0">
+                <a:solidFill>
+                  <a:srgbClr val="FFEE99"/>
+                </a:solidFill>
+                <a:effectLst/>
+                <a:latin typeface="Consolas" panose="020B0609020204030204" pitchFamily="49" charset="0"/>
+              </a:rPr>
+              <a:t>"</a:t>
+            </a:r>
+            <a:r>
+              <a:rPr lang="zh-TW" altLang="en-US" sz="1200" b="0" dirty="0">
+                <a:solidFill>
+                  <a:srgbClr val="FFEE99"/>
+                </a:solidFill>
+                <a:effectLst/>
+                <a:latin typeface="Consolas" panose="020B0609020204030204" pitchFamily="49" charset="0"/>
+              </a:rPr>
+              <a:t>請求發起前</a:t>
+            </a:r>
+            <a:r>
+              <a:rPr lang="en-US" altLang="zh-TW" sz="1200" b="0" dirty="0">
+                <a:solidFill>
+                  <a:srgbClr val="FFEE99"/>
+                </a:solidFill>
+                <a:effectLst/>
+                <a:latin typeface="Consolas" panose="020B0609020204030204" pitchFamily="49" charset="0"/>
+              </a:rPr>
+              <a:t>"</a:t>
+            </a:r>
+            <a:r>
+              <a:rPr lang="en-US" altLang="zh-TW" sz="1200" b="0" dirty="0">
+                <a:solidFill>
+                  <a:srgbClr val="F8F8F2"/>
+                </a:solidFill>
+                <a:effectLst/>
+                <a:latin typeface="Consolas" panose="020B0609020204030204" pitchFamily="49" charset="0"/>
+              </a:rPr>
+              <a:t>);</a:t>
+            </a:r>
+          </a:p>
+          <a:p>
+            <a:r>
+              <a:rPr lang="en-US" altLang="zh-TW" sz="1200" b="0" dirty="0">
+                <a:solidFill>
+                  <a:srgbClr val="F8F8F2"/>
+                </a:solidFill>
+                <a:effectLst/>
+                <a:latin typeface="Consolas" panose="020B0609020204030204" pitchFamily="49" charset="0"/>
+              </a:rPr>
+              <a:t>    </a:t>
+            </a:r>
+            <a:r>
+              <a:rPr lang="en-US" altLang="zh-TW" sz="1200" b="0" dirty="0">
+                <a:solidFill>
+                  <a:srgbClr val="F92672"/>
+                </a:solidFill>
+                <a:effectLst/>
+                <a:latin typeface="Consolas" panose="020B0609020204030204" pitchFamily="49" charset="0"/>
+              </a:rPr>
+              <a:t>return</a:t>
+            </a:r>
+            <a:r>
+              <a:rPr lang="en-US" altLang="zh-TW" sz="1200" b="0" dirty="0">
+                <a:solidFill>
+                  <a:srgbClr val="F8F8F2"/>
+                </a:solidFill>
+                <a:effectLst/>
+                <a:latin typeface="Consolas" panose="020B0609020204030204" pitchFamily="49" charset="0"/>
+              </a:rPr>
+              <a:t> config;</a:t>
+            </a:r>
+          </a:p>
+          <a:p>
+            <a:r>
+              <a:rPr lang="en-US" altLang="zh-TW" sz="1200" b="0" dirty="0">
+                <a:solidFill>
+                  <a:srgbClr val="F8F8F2"/>
+                </a:solidFill>
+                <a:effectLst/>
+                <a:latin typeface="Consolas" panose="020B0609020204030204" pitchFamily="49" charset="0"/>
+              </a:rPr>
+              <a:t>  },</a:t>
+            </a:r>
+          </a:p>
+          <a:p>
+            <a:r>
+              <a:rPr lang="en-US" altLang="zh-TW" sz="1200" b="0" dirty="0">
+                <a:solidFill>
+                  <a:srgbClr val="F8F8F2"/>
+                </a:solidFill>
+                <a:effectLst/>
+                <a:latin typeface="Consolas" panose="020B0609020204030204" pitchFamily="49" charset="0"/>
+              </a:rPr>
+              <a:t>  (error) </a:t>
+            </a:r>
+            <a:r>
+              <a:rPr lang="en-US" altLang="zh-TW" sz="1200" b="0" i="1" dirty="0">
+                <a:solidFill>
+                  <a:srgbClr val="66D9EF"/>
+                </a:solidFill>
+                <a:effectLst/>
+                <a:latin typeface="Consolas" panose="020B0609020204030204" pitchFamily="49" charset="0"/>
+              </a:rPr>
+              <a:t>=&gt;</a:t>
+            </a:r>
+            <a:r>
+              <a:rPr lang="en-US" altLang="zh-TW" sz="1200" b="0" dirty="0">
+                <a:solidFill>
+                  <a:srgbClr val="F8F8F2"/>
+                </a:solidFill>
+                <a:effectLst/>
+                <a:latin typeface="Consolas" panose="020B0609020204030204" pitchFamily="49" charset="0"/>
+              </a:rPr>
+              <a:t> {</a:t>
+            </a:r>
+          </a:p>
+          <a:p>
+            <a:r>
+              <a:rPr lang="en-US" altLang="zh-TW" sz="1200" b="0" dirty="0">
+                <a:solidFill>
+                  <a:srgbClr val="F8F8F2"/>
+                </a:solidFill>
+                <a:effectLst/>
+                <a:latin typeface="Consolas" panose="020B0609020204030204" pitchFamily="49" charset="0"/>
+              </a:rPr>
+              <a:t>    </a:t>
+            </a:r>
+            <a:r>
+              <a:rPr lang="en-US" altLang="zh-TW" sz="1200" b="0" dirty="0">
+                <a:solidFill>
+                  <a:srgbClr val="F92672"/>
+                </a:solidFill>
+                <a:effectLst/>
+                <a:latin typeface="Consolas" panose="020B0609020204030204" pitchFamily="49" charset="0"/>
+              </a:rPr>
+              <a:t>return</a:t>
+            </a:r>
+            <a:r>
+              <a:rPr lang="en-US" altLang="zh-TW" sz="1200" b="0" dirty="0">
+                <a:solidFill>
+                  <a:srgbClr val="F8F8F2"/>
+                </a:solidFill>
+                <a:effectLst/>
+                <a:latin typeface="Consolas" panose="020B0609020204030204" pitchFamily="49" charset="0"/>
+              </a:rPr>
+              <a:t> </a:t>
+            </a:r>
+            <a:r>
+              <a:rPr lang="en-US" altLang="zh-TW" sz="1200" b="0" i="1" dirty="0" err="1">
+                <a:solidFill>
+                  <a:srgbClr val="66D9EF"/>
+                </a:solidFill>
+                <a:effectLst/>
+                <a:latin typeface="Consolas" panose="020B0609020204030204" pitchFamily="49" charset="0"/>
+              </a:rPr>
+              <a:t>Promise</a:t>
+            </a:r>
+            <a:r>
+              <a:rPr lang="en-US" altLang="zh-TW" sz="1200" b="0" dirty="0" err="1">
+                <a:solidFill>
+                  <a:srgbClr val="F92672"/>
+                </a:solidFill>
+                <a:effectLst/>
+                <a:latin typeface="Consolas" panose="020B0609020204030204" pitchFamily="49" charset="0"/>
+              </a:rPr>
+              <a:t>.</a:t>
+            </a:r>
+            <a:r>
+              <a:rPr lang="en-US" altLang="zh-TW" sz="1200" b="0" dirty="0" err="1">
+                <a:solidFill>
+                  <a:srgbClr val="A6E22E"/>
+                </a:solidFill>
+                <a:effectLst/>
+                <a:latin typeface="Consolas" panose="020B0609020204030204" pitchFamily="49" charset="0"/>
+              </a:rPr>
+              <a:t>reject</a:t>
+            </a:r>
+            <a:r>
+              <a:rPr lang="en-US" altLang="zh-TW" sz="1200" b="0" dirty="0">
+                <a:solidFill>
+                  <a:srgbClr val="F8F8F2"/>
+                </a:solidFill>
+                <a:effectLst/>
+                <a:latin typeface="Consolas" panose="020B0609020204030204" pitchFamily="49" charset="0"/>
+              </a:rPr>
+              <a:t>(error);</a:t>
+            </a:r>
+          </a:p>
+          <a:p>
+            <a:r>
+              <a:rPr lang="en-US" altLang="zh-TW" sz="1200" b="0" dirty="0">
+                <a:solidFill>
+                  <a:srgbClr val="F8F8F2"/>
+                </a:solidFill>
+                <a:effectLst/>
+                <a:latin typeface="Consolas" panose="020B0609020204030204" pitchFamily="49" charset="0"/>
+              </a:rPr>
+              <a:t>  }</a:t>
+            </a:r>
+          </a:p>
+          <a:p>
+            <a:r>
+              <a:rPr lang="en-US" altLang="zh-TW" sz="1200" b="0" dirty="0">
+                <a:solidFill>
+                  <a:srgbClr val="F8F8F2"/>
+                </a:solidFill>
+                <a:effectLst/>
+                <a:latin typeface="Consolas" panose="020B0609020204030204" pitchFamily="49" charset="0"/>
+              </a:rPr>
+              <a:t>);</a:t>
+            </a:r>
+          </a:p>
+          <a:p>
+            <a:r>
+              <a:rPr lang="en-US" altLang="zh-TW" sz="1200" b="0" dirty="0" err="1">
+                <a:solidFill>
+                  <a:srgbClr val="F8F8F2"/>
+                </a:solidFill>
+                <a:effectLst/>
+                <a:latin typeface="Consolas" panose="020B0609020204030204" pitchFamily="49" charset="0"/>
+              </a:rPr>
+              <a:t>photoRequest</a:t>
+            </a:r>
+            <a:r>
+              <a:rPr lang="en-US" altLang="zh-TW" sz="1200" b="0" dirty="0" err="1">
+                <a:solidFill>
+                  <a:srgbClr val="F92672"/>
+                </a:solidFill>
+                <a:effectLst/>
+                <a:latin typeface="Consolas" panose="020B0609020204030204" pitchFamily="49" charset="0"/>
+              </a:rPr>
+              <a:t>.</a:t>
+            </a:r>
+            <a:r>
+              <a:rPr lang="en-US" altLang="zh-TW" sz="1200" b="0" dirty="0" err="1">
+                <a:solidFill>
+                  <a:srgbClr val="F8F8F2"/>
+                </a:solidFill>
+                <a:effectLst/>
+                <a:latin typeface="Consolas" panose="020B0609020204030204" pitchFamily="49" charset="0"/>
+              </a:rPr>
+              <a:t>interceptors</a:t>
+            </a:r>
+            <a:r>
+              <a:rPr lang="en-US" altLang="zh-TW" sz="1200" b="0" dirty="0" err="1">
+                <a:solidFill>
+                  <a:srgbClr val="F92672"/>
+                </a:solidFill>
+                <a:effectLst/>
+                <a:latin typeface="Consolas" panose="020B0609020204030204" pitchFamily="49" charset="0"/>
+              </a:rPr>
+              <a:t>.</a:t>
+            </a:r>
+            <a:r>
+              <a:rPr lang="en-US" altLang="zh-TW" sz="1200" b="0" dirty="0" err="1">
+                <a:solidFill>
+                  <a:srgbClr val="F8F8F2"/>
+                </a:solidFill>
+                <a:effectLst/>
+                <a:latin typeface="Consolas" panose="020B0609020204030204" pitchFamily="49" charset="0"/>
+              </a:rPr>
+              <a:t>response</a:t>
+            </a:r>
+            <a:r>
+              <a:rPr lang="en-US" altLang="zh-TW" sz="1200" b="0" dirty="0" err="1">
+                <a:solidFill>
+                  <a:srgbClr val="F92672"/>
+                </a:solidFill>
+                <a:effectLst/>
+                <a:latin typeface="Consolas" panose="020B0609020204030204" pitchFamily="49" charset="0"/>
+              </a:rPr>
+              <a:t>.</a:t>
+            </a:r>
+            <a:r>
+              <a:rPr lang="en-US" altLang="zh-TW" sz="1200" b="0" dirty="0" err="1">
+                <a:solidFill>
+                  <a:srgbClr val="A6E22E"/>
+                </a:solidFill>
+                <a:effectLst/>
+                <a:latin typeface="Consolas" panose="020B0609020204030204" pitchFamily="49" charset="0"/>
+              </a:rPr>
+              <a:t>use</a:t>
+            </a:r>
+            <a:r>
+              <a:rPr lang="en-US" altLang="zh-TW" sz="1200" b="0" dirty="0">
+                <a:solidFill>
+                  <a:srgbClr val="F8F8F2"/>
+                </a:solidFill>
+                <a:effectLst/>
+                <a:latin typeface="Consolas" panose="020B0609020204030204" pitchFamily="49" charset="0"/>
+              </a:rPr>
+              <a:t>(</a:t>
+            </a:r>
+          </a:p>
+          <a:p>
+            <a:r>
+              <a:rPr lang="en-US" altLang="zh-TW" sz="1200" b="0" dirty="0">
+                <a:solidFill>
+                  <a:srgbClr val="F8F8F2"/>
+                </a:solidFill>
+                <a:effectLst/>
+                <a:latin typeface="Consolas" panose="020B0609020204030204" pitchFamily="49" charset="0"/>
+              </a:rPr>
+              <a:t>  (response) </a:t>
+            </a:r>
+            <a:r>
+              <a:rPr lang="en-US" altLang="zh-TW" sz="1200" b="0" i="1" dirty="0">
+                <a:solidFill>
+                  <a:srgbClr val="66D9EF"/>
+                </a:solidFill>
+                <a:effectLst/>
+                <a:latin typeface="Consolas" panose="020B0609020204030204" pitchFamily="49" charset="0"/>
+              </a:rPr>
+              <a:t>=&gt;</a:t>
+            </a:r>
+            <a:r>
+              <a:rPr lang="en-US" altLang="zh-TW" sz="1200" b="0" dirty="0">
+                <a:solidFill>
+                  <a:srgbClr val="F8F8F2"/>
+                </a:solidFill>
+                <a:effectLst/>
+                <a:latin typeface="Consolas" panose="020B0609020204030204" pitchFamily="49" charset="0"/>
+              </a:rPr>
+              <a:t> {</a:t>
+            </a:r>
+          </a:p>
+          <a:p>
+            <a:r>
+              <a:rPr lang="en-US" altLang="zh-TW" sz="1200" b="0" dirty="0">
+                <a:solidFill>
+                  <a:srgbClr val="F8F8F2"/>
+                </a:solidFill>
+                <a:effectLst/>
+                <a:latin typeface="Consolas" panose="020B0609020204030204" pitchFamily="49" charset="0"/>
+              </a:rPr>
+              <a:t>    </a:t>
+            </a:r>
+            <a:r>
+              <a:rPr lang="en-US" altLang="zh-TW" sz="1200" b="0" i="1" dirty="0">
+                <a:solidFill>
+                  <a:srgbClr val="66D9EF"/>
+                </a:solidFill>
+                <a:effectLst/>
+                <a:latin typeface="Consolas" panose="020B0609020204030204" pitchFamily="49" charset="0"/>
+              </a:rPr>
+              <a:t>console</a:t>
+            </a:r>
+            <a:r>
+              <a:rPr lang="en-US" altLang="zh-TW" sz="1200" b="0" dirty="0">
+                <a:solidFill>
+                  <a:srgbClr val="F92672"/>
+                </a:solidFill>
+                <a:effectLst/>
+                <a:latin typeface="Consolas" panose="020B0609020204030204" pitchFamily="49" charset="0"/>
+              </a:rPr>
+              <a:t>.</a:t>
+            </a:r>
+            <a:r>
+              <a:rPr lang="en-US" altLang="zh-TW" sz="1200" b="0" dirty="0">
+                <a:solidFill>
+                  <a:srgbClr val="66D9EF"/>
+                </a:solidFill>
+                <a:effectLst/>
+                <a:latin typeface="Consolas" panose="020B0609020204030204" pitchFamily="49" charset="0"/>
+              </a:rPr>
+              <a:t>log</a:t>
+            </a:r>
+            <a:r>
+              <a:rPr lang="en-US" altLang="zh-TW" sz="1200" b="0" dirty="0">
+                <a:solidFill>
+                  <a:srgbClr val="F8F8F2"/>
+                </a:solidFill>
+                <a:effectLst/>
+                <a:latin typeface="Consolas" panose="020B0609020204030204" pitchFamily="49" charset="0"/>
+              </a:rPr>
+              <a:t>(</a:t>
+            </a:r>
+            <a:r>
+              <a:rPr lang="en-US" altLang="zh-TW" sz="1200" b="0" dirty="0">
+                <a:solidFill>
+                  <a:srgbClr val="FFEE99"/>
+                </a:solidFill>
+                <a:effectLst/>
+                <a:latin typeface="Consolas" panose="020B0609020204030204" pitchFamily="49" charset="0"/>
+              </a:rPr>
+              <a:t>"</a:t>
+            </a:r>
+            <a:r>
+              <a:rPr lang="zh-TW" altLang="en-US" sz="1200" b="0" dirty="0">
+                <a:solidFill>
+                  <a:srgbClr val="FFEE99"/>
+                </a:solidFill>
+                <a:effectLst/>
+                <a:latin typeface="Consolas" panose="020B0609020204030204" pitchFamily="49" charset="0"/>
+              </a:rPr>
+              <a:t>請求發起後</a:t>
+            </a:r>
+            <a:r>
+              <a:rPr lang="en-US" altLang="zh-TW" sz="1200" b="0" dirty="0">
+                <a:solidFill>
+                  <a:srgbClr val="FFEE99"/>
+                </a:solidFill>
+                <a:effectLst/>
+                <a:latin typeface="Consolas" panose="020B0609020204030204" pitchFamily="49" charset="0"/>
+              </a:rPr>
+              <a:t>"</a:t>
+            </a:r>
+            <a:r>
+              <a:rPr lang="en-US" altLang="zh-TW" sz="1200" b="0" dirty="0">
+                <a:solidFill>
+                  <a:srgbClr val="F8F8F2"/>
+                </a:solidFill>
+                <a:effectLst/>
+                <a:latin typeface="Consolas" panose="020B0609020204030204" pitchFamily="49" charset="0"/>
+              </a:rPr>
+              <a:t>);</a:t>
+            </a:r>
+          </a:p>
+          <a:p>
+            <a:r>
+              <a:rPr lang="en-US" altLang="zh-TW" sz="1200" b="0" dirty="0">
+                <a:solidFill>
+                  <a:srgbClr val="F8F8F2"/>
+                </a:solidFill>
+                <a:effectLst/>
+                <a:latin typeface="Consolas" panose="020B0609020204030204" pitchFamily="49" charset="0"/>
+              </a:rPr>
+              <a:t>    </a:t>
+            </a:r>
+            <a:r>
+              <a:rPr lang="en-US" altLang="zh-TW" sz="1200" b="0" dirty="0">
+                <a:solidFill>
+                  <a:srgbClr val="F92672"/>
+                </a:solidFill>
+                <a:effectLst/>
+                <a:latin typeface="Consolas" panose="020B0609020204030204" pitchFamily="49" charset="0"/>
+              </a:rPr>
+              <a:t>return</a:t>
+            </a:r>
+            <a:r>
+              <a:rPr lang="en-US" altLang="zh-TW" sz="1200" b="0" dirty="0">
+                <a:solidFill>
+                  <a:srgbClr val="F8F8F2"/>
+                </a:solidFill>
+                <a:effectLst/>
+                <a:latin typeface="Consolas" panose="020B0609020204030204" pitchFamily="49" charset="0"/>
+              </a:rPr>
+              <a:t> response;</a:t>
+            </a:r>
+          </a:p>
+          <a:p>
+            <a:r>
+              <a:rPr lang="en-US" altLang="zh-TW" sz="1200" b="0" dirty="0">
+                <a:solidFill>
+                  <a:srgbClr val="F8F8F2"/>
+                </a:solidFill>
+                <a:effectLst/>
+                <a:latin typeface="Consolas" panose="020B0609020204030204" pitchFamily="49" charset="0"/>
+              </a:rPr>
+              <a:t>  },</a:t>
+            </a:r>
+          </a:p>
+          <a:p>
+            <a:r>
+              <a:rPr lang="en-US" altLang="zh-TW" sz="1200" b="0" dirty="0">
+                <a:solidFill>
+                  <a:srgbClr val="F8F8F2"/>
+                </a:solidFill>
+                <a:effectLst/>
+                <a:latin typeface="Consolas" panose="020B0609020204030204" pitchFamily="49" charset="0"/>
+              </a:rPr>
+              <a:t>  (error) </a:t>
+            </a:r>
+            <a:r>
+              <a:rPr lang="en-US" altLang="zh-TW" sz="1200" b="0" i="1" dirty="0">
+                <a:solidFill>
+                  <a:srgbClr val="66D9EF"/>
+                </a:solidFill>
+                <a:effectLst/>
+                <a:latin typeface="Consolas" panose="020B0609020204030204" pitchFamily="49" charset="0"/>
+              </a:rPr>
+              <a:t>=&gt;</a:t>
+            </a:r>
+            <a:r>
+              <a:rPr lang="en-US" altLang="zh-TW" sz="1200" b="0" dirty="0">
+                <a:solidFill>
+                  <a:srgbClr val="F8F8F2"/>
+                </a:solidFill>
+                <a:effectLst/>
+                <a:latin typeface="Consolas" panose="020B0609020204030204" pitchFamily="49" charset="0"/>
+              </a:rPr>
+              <a:t> {</a:t>
+            </a:r>
+          </a:p>
+          <a:p>
+            <a:r>
+              <a:rPr lang="en-US" altLang="zh-TW" sz="1200" b="0" dirty="0">
+                <a:solidFill>
+                  <a:srgbClr val="F8F8F2"/>
+                </a:solidFill>
+                <a:effectLst/>
+                <a:latin typeface="Consolas" panose="020B0609020204030204" pitchFamily="49" charset="0"/>
+              </a:rPr>
+              <a:t>    </a:t>
+            </a:r>
+            <a:r>
+              <a:rPr lang="en-US" altLang="zh-TW" sz="1200" b="0" dirty="0">
+                <a:solidFill>
+                  <a:srgbClr val="F92672"/>
+                </a:solidFill>
+                <a:effectLst/>
+                <a:latin typeface="Consolas" panose="020B0609020204030204" pitchFamily="49" charset="0"/>
+              </a:rPr>
+              <a:t>return</a:t>
+            </a:r>
+            <a:r>
+              <a:rPr lang="en-US" altLang="zh-TW" sz="1200" b="0" dirty="0">
+                <a:solidFill>
+                  <a:srgbClr val="F8F8F2"/>
+                </a:solidFill>
+                <a:effectLst/>
+                <a:latin typeface="Consolas" panose="020B0609020204030204" pitchFamily="49" charset="0"/>
+              </a:rPr>
+              <a:t> </a:t>
+            </a:r>
+            <a:r>
+              <a:rPr lang="en-US" altLang="zh-TW" sz="1200" b="0" i="1" dirty="0" err="1">
+                <a:solidFill>
+                  <a:srgbClr val="66D9EF"/>
+                </a:solidFill>
+                <a:effectLst/>
+                <a:latin typeface="Consolas" panose="020B0609020204030204" pitchFamily="49" charset="0"/>
+              </a:rPr>
+              <a:t>Promise</a:t>
+            </a:r>
+            <a:r>
+              <a:rPr lang="en-US" altLang="zh-TW" sz="1200" b="0" dirty="0" err="1">
+                <a:solidFill>
+                  <a:srgbClr val="F92672"/>
+                </a:solidFill>
+                <a:effectLst/>
+                <a:latin typeface="Consolas" panose="020B0609020204030204" pitchFamily="49" charset="0"/>
+              </a:rPr>
+              <a:t>.</a:t>
+            </a:r>
+            <a:r>
+              <a:rPr lang="en-US" altLang="zh-TW" sz="1200" b="0" dirty="0" err="1">
+                <a:solidFill>
+                  <a:srgbClr val="A6E22E"/>
+                </a:solidFill>
+                <a:effectLst/>
+                <a:latin typeface="Consolas" panose="020B0609020204030204" pitchFamily="49" charset="0"/>
+              </a:rPr>
+              <a:t>reject</a:t>
+            </a:r>
+            <a:r>
+              <a:rPr lang="en-US" altLang="zh-TW" sz="1200" b="0" dirty="0">
+                <a:solidFill>
+                  <a:srgbClr val="F8F8F2"/>
+                </a:solidFill>
+                <a:effectLst/>
+                <a:latin typeface="Consolas" panose="020B0609020204030204" pitchFamily="49" charset="0"/>
+              </a:rPr>
+              <a:t>(error);</a:t>
+            </a:r>
+          </a:p>
+          <a:p>
+            <a:r>
+              <a:rPr lang="en-US" altLang="zh-TW" sz="1200" b="0" dirty="0">
+                <a:solidFill>
+                  <a:srgbClr val="F8F8F2"/>
+                </a:solidFill>
+                <a:effectLst/>
+                <a:latin typeface="Consolas" panose="020B0609020204030204" pitchFamily="49" charset="0"/>
+              </a:rPr>
+              <a:t>  }</a:t>
+            </a:r>
+          </a:p>
+          <a:p>
+            <a:r>
+              <a:rPr lang="en-US" altLang="zh-TW" sz="1200" b="0" dirty="0">
+                <a:solidFill>
+                  <a:srgbClr val="F8F8F2"/>
+                </a:solidFill>
+                <a:effectLst/>
+                <a:latin typeface="Consolas" panose="020B0609020204030204" pitchFamily="49" charset="0"/>
+              </a:rPr>
+              <a:t>);</a:t>
+            </a:r>
+          </a:p>
+          <a:p>
+            <a:br>
+              <a:rPr lang="en-US" altLang="zh-TW" sz="1200" b="0" dirty="0">
+                <a:solidFill>
+                  <a:srgbClr val="F8F8F2"/>
+                </a:solidFill>
+                <a:effectLst/>
+                <a:latin typeface="Consolas" panose="020B0609020204030204" pitchFamily="49" charset="0"/>
+              </a:rPr>
+            </a:br>
+            <a:r>
+              <a:rPr lang="en-US" altLang="zh-TW" sz="1200" b="0" dirty="0">
+                <a:solidFill>
+                  <a:srgbClr val="F92672"/>
+                </a:solidFill>
+                <a:effectLst/>
+                <a:latin typeface="Consolas" panose="020B0609020204030204" pitchFamily="49" charset="0"/>
+              </a:rPr>
+              <a:t>export</a:t>
+            </a:r>
+            <a:r>
+              <a:rPr lang="en-US" altLang="zh-TW" sz="1200" b="0" dirty="0">
+                <a:solidFill>
+                  <a:srgbClr val="F8F8F2"/>
+                </a:solidFill>
+                <a:effectLst/>
+                <a:latin typeface="Consolas" panose="020B0609020204030204" pitchFamily="49" charset="0"/>
+              </a:rPr>
+              <a:t> </a:t>
+            </a:r>
+            <a:r>
+              <a:rPr lang="en-US" altLang="zh-TW" sz="1200" b="0" i="1" dirty="0">
+                <a:solidFill>
+                  <a:srgbClr val="66D9EF"/>
+                </a:solidFill>
+                <a:effectLst/>
+                <a:latin typeface="Consolas" panose="020B0609020204030204" pitchFamily="49" charset="0"/>
+              </a:rPr>
+              <a:t>const</a:t>
+            </a:r>
+            <a:r>
+              <a:rPr lang="en-US" altLang="zh-TW" sz="1200" b="0" dirty="0">
+                <a:solidFill>
+                  <a:srgbClr val="F8F8F2"/>
+                </a:solidFill>
+                <a:effectLst/>
+                <a:latin typeface="Consolas" panose="020B0609020204030204" pitchFamily="49" charset="0"/>
+              </a:rPr>
+              <a:t> </a:t>
+            </a:r>
+            <a:r>
+              <a:rPr lang="en-US" altLang="zh-TW" sz="1200" b="0" dirty="0" err="1">
+                <a:solidFill>
+                  <a:srgbClr val="A6E22E"/>
+                </a:solidFill>
+                <a:effectLst/>
+                <a:latin typeface="Consolas" panose="020B0609020204030204" pitchFamily="49" charset="0"/>
+              </a:rPr>
+              <a:t>getPhotoRequest</a:t>
+            </a:r>
+            <a:r>
+              <a:rPr lang="en-US" altLang="zh-TW" sz="1200" b="0" dirty="0">
+                <a:solidFill>
+                  <a:srgbClr val="F8F8F2"/>
+                </a:solidFill>
+                <a:effectLst/>
+                <a:latin typeface="Consolas" panose="020B0609020204030204" pitchFamily="49" charset="0"/>
+              </a:rPr>
+              <a:t> </a:t>
+            </a:r>
+            <a:r>
+              <a:rPr lang="en-US" altLang="zh-TW" sz="1200" b="0" dirty="0">
+                <a:solidFill>
+                  <a:srgbClr val="F92672"/>
+                </a:solidFill>
+                <a:effectLst/>
+                <a:latin typeface="Consolas" panose="020B0609020204030204" pitchFamily="49" charset="0"/>
+              </a:rPr>
+              <a:t>=</a:t>
+            </a:r>
+            <a:r>
+              <a:rPr lang="en-US" altLang="zh-TW" sz="1200" b="0" dirty="0">
+                <a:solidFill>
+                  <a:srgbClr val="F8F8F2"/>
+                </a:solidFill>
+                <a:effectLst/>
+                <a:latin typeface="Consolas" panose="020B0609020204030204" pitchFamily="49" charset="0"/>
+              </a:rPr>
+              <a:t> () </a:t>
+            </a:r>
+            <a:r>
+              <a:rPr lang="en-US" altLang="zh-TW" sz="1200" b="0" i="1" dirty="0">
+                <a:solidFill>
+                  <a:srgbClr val="66D9EF"/>
+                </a:solidFill>
+                <a:effectLst/>
+                <a:latin typeface="Consolas" panose="020B0609020204030204" pitchFamily="49" charset="0"/>
+              </a:rPr>
+              <a:t>=&gt;</a:t>
+            </a:r>
+            <a:r>
+              <a:rPr lang="en-US" altLang="zh-TW" sz="1200" b="0" dirty="0">
+                <a:solidFill>
+                  <a:srgbClr val="F8F8F2"/>
+                </a:solidFill>
+                <a:effectLst/>
+                <a:latin typeface="Consolas" panose="020B0609020204030204" pitchFamily="49" charset="0"/>
+              </a:rPr>
+              <a:t> </a:t>
+            </a:r>
+            <a:r>
+              <a:rPr lang="en-US" altLang="zh-TW" sz="1200" b="0" dirty="0" err="1">
+                <a:solidFill>
+                  <a:srgbClr val="F8F8F2"/>
+                </a:solidFill>
+                <a:effectLst/>
+                <a:latin typeface="Consolas" panose="020B0609020204030204" pitchFamily="49" charset="0"/>
+              </a:rPr>
+              <a:t>photoRequest</a:t>
+            </a:r>
+            <a:r>
+              <a:rPr lang="en-US" altLang="zh-TW" sz="1200" b="0" dirty="0" err="1">
+                <a:solidFill>
+                  <a:srgbClr val="F92672"/>
+                </a:solidFill>
+                <a:effectLst/>
+                <a:latin typeface="Consolas" panose="020B0609020204030204" pitchFamily="49" charset="0"/>
+              </a:rPr>
+              <a:t>.</a:t>
+            </a:r>
+            <a:r>
+              <a:rPr lang="en-US" altLang="zh-TW" sz="1200" b="0" dirty="0" err="1">
+                <a:solidFill>
+                  <a:srgbClr val="A6E22E"/>
+                </a:solidFill>
+                <a:effectLst/>
+                <a:latin typeface="Consolas" panose="020B0609020204030204" pitchFamily="49" charset="0"/>
+              </a:rPr>
+              <a:t>get</a:t>
+            </a:r>
+            <a:r>
+              <a:rPr lang="en-US" altLang="zh-TW" sz="1200" b="0" dirty="0">
+                <a:solidFill>
+                  <a:srgbClr val="F8F8F2"/>
+                </a:solidFill>
+                <a:effectLst/>
+                <a:latin typeface="Consolas" panose="020B0609020204030204" pitchFamily="49" charset="0"/>
+              </a:rPr>
+              <a:t>(</a:t>
+            </a:r>
+            <a:r>
+              <a:rPr lang="en-US" altLang="zh-TW" sz="1200" b="0" dirty="0">
+                <a:solidFill>
+                  <a:srgbClr val="FFEE99"/>
+                </a:solidFill>
+                <a:effectLst/>
+                <a:latin typeface="Consolas" panose="020B0609020204030204" pitchFamily="49" charset="0"/>
+              </a:rPr>
+              <a:t>"/photo/list"</a:t>
+            </a:r>
+            <a:r>
+              <a:rPr lang="en-US" altLang="zh-TW" sz="1200" b="0" dirty="0">
+                <a:solidFill>
+                  <a:srgbClr val="F8F8F2"/>
+                </a:solidFill>
+                <a:effectLst/>
+                <a:latin typeface="Consolas" panose="020B0609020204030204" pitchFamily="49" charset="0"/>
+              </a:rPr>
+              <a:t>);</a:t>
+            </a:r>
+          </a:p>
+        </p:txBody>
+      </p:sp>
+    </p:spTree>
+    <p:extLst>
+      <p:ext uri="{BB962C8B-B14F-4D97-AF65-F5344CB8AC3E}">
+        <p14:creationId xmlns:p14="http://schemas.microsoft.com/office/powerpoint/2010/main" val="4264067513"/>
+      </p:ext>
+    </p:extLst>
+  </p:cSld>
+  <p:clrMapOvr>
+    <a:masterClrMapping/>
+  </p:clrMapOvr>
+</p:sld>
+</file>
+
+<file path=ppt/slides/slide18.xml><?xml version="1.0" encoding="utf-8"?>
+<p:sld xmlns:a="http://schemas.openxmlformats.org/drawingml/2006/main" xmlns:r="http://schemas.openxmlformats.org/officeDocument/2006/relationships" xmlns:p="http://schemas.openxmlformats.org/presentationml/2006/main">
+  <p:cSld>
+    <p:spTree>
+      <p:nvGrpSpPr>
+        <p:cNvPr id="1" name=""/>
+        <p:cNvGrpSpPr/>
+        <p:nvPr/>
+      </p:nvGrpSpPr>
+      <p:grpSpPr>
+        <a:xfrm>
+          <a:off x="0" y="0"/>
+          <a:ext cx="0" cy="0"/>
+          <a:chOff x="0" y="0"/>
+          <a:chExt cx="0" cy="0"/>
+        </a:xfrm>
+      </p:grpSpPr>
       <p:sp>
         <p:nvSpPr>
           <p:cNvPr id="8" name="矩形 7">
@@ -7873,7 +9922,7 @@
 </p:sld>
 </file>
 
-<file path=ppt/slides/slide17.xml><?xml version="1.0" encoding="utf-8"?>
+<file path=ppt/slides/slide19.xml><?xml version="1.0" encoding="utf-8"?>
 <p:sld xmlns:a="http://schemas.openxmlformats.org/drawingml/2006/main" xmlns:r="http://schemas.openxmlformats.org/officeDocument/2006/relationships" xmlns:p="http://schemas.openxmlformats.org/presentationml/2006/main">
   <p:cSld>
     <p:spTree>
@@ -8011,309 +10060,6 @@
     <p:extLst>
       <p:ext uri="{BB962C8B-B14F-4D97-AF65-F5344CB8AC3E}">
         <p14:creationId xmlns:p14="http://schemas.microsoft.com/office/powerpoint/2010/main" val="3068650212"/>
-      </p:ext>
-    </p:extLst>
-  </p:cSld>
-  <p:clrMapOvr>
-    <a:masterClrMapping/>
-  </p:clrMapOvr>
-</p:sld>
-</file>
-
-<file path=ppt/slides/slide18.xml><?xml version="1.0" encoding="utf-8"?>
-<p:sld xmlns:a="http://schemas.openxmlformats.org/drawingml/2006/main" xmlns:r="http://schemas.openxmlformats.org/officeDocument/2006/relationships" xmlns:p="http://schemas.openxmlformats.org/presentationml/2006/main">
-  <p:cSld>
-    <p:spTree>
-      <p:nvGrpSpPr>
-        <p:cNvPr id="1" name=""/>
-        <p:cNvGrpSpPr/>
-        <p:nvPr/>
-      </p:nvGrpSpPr>
-      <p:grpSpPr>
-        <a:xfrm>
-          <a:off x="0" y="0"/>
-          <a:ext cx="0" cy="0"/>
-          <a:chOff x="0" y="0"/>
-          <a:chExt cx="0" cy="0"/>
-        </a:xfrm>
-      </p:grpSpPr>
-      <p:sp>
-        <p:nvSpPr>
-          <p:cNvPr id="2" name="標題 1">
-            <a:extLst>
-              <a:ext uri="{FF2B5EF4-FFF2-40B4-BE49-F238E27FC236}">
-                <a16:creationId xmlns:a16="http://schemas.microsoft.com/office/drawing/2014/main" id="{7B03FB67-E384-4A92-8AA5-993C73C6A628}"/>
-              </a:ext>
-            </a:extLst>
-          </p:cNvPr>
-          <p:cNvSpPr>
-            <a:spLocks noGrp="1"/>
-          </p:cNvSpPr>
-          <p:nvPr>
-            <p:ph type="title"/>
-          </p:nvPr>
-        </p:nvSpPr>
-        <p:spPr>
-          <a:xfrm>
-            <a:off x="545942" y="632062"/>
-            <a:ext cx="2427514" cy="549275"/>
-          </a:xfrm>
-        </p:spPr>
-        <p:txBody>
-          <a:bodyPr>
-            <a:normAutofit/>
-          </a:bodyPr>
-          <a:lstStyle/>
-          <a:p>
-            <a:r>
-              <a:rPr lang="zh-TW" altLang="en-US" sz="2400" dirty="0">
-                <a:solidFill>
-                  <a:schemeClr val="bg1"/>
-                </a:solidFill>
-                <a:latin typeface="微軟正黑體" panose="020B0604030504040204" pitchFamily="34" charset="-120"/>
-                <a:ea typeface="微軟正黑體" panose="020B0604030504040204" pitchFamily="34" charset="-120"/>
-              </a:rPr>
-              <a:t>課程用</a:t>
-            </a:r>
-            <a:r>
-              <a:rPr lang="en-US" altLang="zh-TW" sz="2400" dirty="0">
-                <a:solidFill>
-                  <a:schemeClr val="bg1"/>
-                </a:solidFill>
-                <a:latin typeface="微軟正黑體" panose="020B0604030504040204" pitchFamily="34" charset="-120"/>
-                <a:ea typeface="微軟正黑體" panose="020B0604030504040204" pitchFamily="34" charset="-120"/>
-              </a:rPr>
-              <a:t>API</a:t>
-            </a:r>
-            <a:endParaRPr lang="zh-TW" altLang="en-US" sz="2400" dirty="0">
-              <a:solidFill>
-                <a:schemeClr val="bg1"/>
-              </a:solidFill>
-              <a:latin typeface="微軟正黑體" panose="020B0604030504040204" pitchFamily="34" charset="-120"/>
-              <a:ea typeface="微軟正黑體" panose="020B0604030504040204" pitchFamily="34" charset="-120"/>
-            </a:endParaRPr>
-          </a:p>
-        </p:txBody>
-      </p:sp>
-      <p:sp>
-        <p:nvSpPr>
-          <p:cNvPr id="3" name="內容版面配置區 2">
-            <a:extLst>
-              <a:ext uri="{FF2B5EF4-FFF2-40B4-BE49-F238E27FC236}">
-                <a16:creationId xmlns:a16="http://schemas.microsoft.com/office/drawing/2014/main" id="{6FB7EBD3-4176-4EA9-948B-21B59AB3C36F}"/>
-              </a:ext>
-            </a:extLst>
-          </p:cNvPr>
-          <p:cNvSpPr>
-            <a:spLocks noGrp="1"/>
-          </p:cNvSpPr>
-          <p:nvPr>
-            <p:ph idx="1"/>
-          </p:nvPr>
-        </p:nvSpPr>
-        <p:spPr>
-          <a:xfrm>
-            <a:off x="545941" y="1342867"/>
-            <a:ext cx="11100117" cy="2942529"/>
-          </a:xfrm>
-        </p:spPr>
-        <p:txBody>
-          <a:bodyPr>
-            <a:noAutofit/>
-          </a:bodyPr>
-          <a:lstStyle/>
-          <a:p>
-            <a:pPr>
-              <a:lnSpc>
-                <a:spcPct val="150000"/>
-              </a:lnSpc>
-            </a:pPr>
-            <a:r>
-              <a:rPr lang="en-US" altLang="zh-TW" sz="2000" dirty="0">
-                <a:solidFill>
-                  <a:schemeClr val="bg1"/>
-                </a:solidFill>
-                <a:effectLst/>
-                <a:latin typeface="微軟正黑體" panose="020B0604030504040204" pitchFamily="34" charset="-120"/>
-                <a:ea typeface="微軟正黑體" panose="020B0604030504040204" pitchFamily="34" charset="-120"/>
-              </a:rPr>
-              <a:t>https://vue-lessons-api.herokuapp.com/photo/list</a:t>
-            </a:r>
-            <a:r>
-              <a:rPr lang="zh-TW" altLang="en-US" sz="2000" dirty="0">
-                <a:solidFill>
-                  <a:schemeClr val="bg1"/>
-                </a:solidFill>
-                <a:effectLst/>
-                <a:latin typeface="微軟正黑體" panose="020B0604030504040204" pitchFamily="34" charset="-120"/>
-                <a:ea typeface="微軟正黑體" panose="020B0604030504040204" pitchFamily="34" charset="-120"/>
-              </a:rPr>
-              <a:t>  </a:t>
-            </a:r>
-            <a:r>
-              <a:rPr lang="en-US" altLang="zh-TW" sz="2000" dirty="0">
-                <a:solidFill>
-                  <a:schemeClr val="bg1"/>
-                </a:solidFill>
-                <a:effectLst/>
-                <a:latin typeface="微軟正黑體" panose="020B0604030504040204" pitchFamily="34" charset="-120"/>
-                <a:ea typeface="微軟正黑體" panose="020B0604030504040204" pitchFamily="34" charset="-120"/>
-              </a:rPr>
-              <a:t>(</a:t>
-            </a:r>
-            <a:r>
-              <a:rPr lang="zh-TW" altLang="en-US" sz="2000" dirty="0">
-                <a:solidFill>
-                  <a:schemeClr val="bg1"/>
-                </a:solidFill>
-                <a:effectLst/>
-                <a:latin typeface="微軟正黑體" panose="020B0604030504040204" pitchFamily="34" charset="-120"/>
-                <a:ea typeface="微軟正黑體" panose="020B0604030504040204" pitchFamily="34" charset="-120"/>
-              </a:rPr>
-              <a:t>圖片列表</a:t>
-            </a:r>
-            <a:r>
-              <a:rPr lang="en-US" altLang="zh-TW" sz="2000" dirty="0">
-                <a:solidFill>
-                  <a:schemeClr val="bg1"/>
-                </a:solidFill>
-                <a:effectLst/>
-                <a:latin typeface="微軟正黑體" panose="020B0604030504040204" pitchFamily="34" charset="-120"/>
-                <a:ea typeface="微軟正黑體" panose="020B0604030504040204" pitchFamily="34" charset="-120"/>
-              </a:rPr>
-              <a:t>)</a:t>
-            </a:r>
-          </a:p>
-          <a:p>
-            <a:pPr>
-              <a:lnSpc>
-                <a:spcPct val="150000"/>
-              </a:lnSpc>
-            </a:pPr>
-            <a:r>
-              <a:rPr lang="en-US" altLang="zh-TW" sz="2000" dirty="0">
-                <a:solidFill>
-                  <a:schemeClr val="bg1"/>
-                </a:solidFill>
-                <a:effectLst/>
-                <a:latin typeface="微軟正黑體" panose="020B0604030504040204" pitchFamily="34" charset="-120"/>
-                <a:ea typeface="微軟正黑體" panose="020B0604030504040204" pitchFamily="34" charset="-120"/>
-              </a:rPr>
-              <a:t>https://vue-lessons-api.herokuapp.com/courses/list</a:t>
-            </a:r>
-            <a:r>
-              <a:rPr lang="zh-TW" altLang="en-US" sz="2000" dirty="0">
-                <a:solidFill>
-                  <a:schemeClr val="bg1"/>
-                </a:solidFill>
-                <a:effectLst/>
-                <a:latin typeface="微軟正黑體" panose="020B0604030504040204" pitchFamily="34" charset="-120"/>
-                <a:ea typeface="微軟正黑體" panose="020B0604030504040204" pitchFamily="34" charset="-120"/>
-              </a:rPr>
-              <a:t> </a:t>
-            </a:r>
-            <a:r>
-              <a:rPr lang="en-US" altLang="zh-TW" sz="2000" dirty="0">
-                <a:solidFill>
-                  <a:schemeClr val="bg1"/>
-                </a:solidFill>
-                <a:effectLst/>
-                <a:latin typeface="微軟正黑體" panose="020B0604030504040204" pitchFamily="34" charset="-120"/>
-                <a:ea typeface="微軟正黑體" panose="020B0604030504040204" pitchFamily="34" charset="-120"/>
-              </a:rPr>
-              <a:t>(</a:t>
-            </a:r>
-            <a:r>
-              <a:rPr lang="zh-TW" altLang="en-US" sz="2000" dirty="0">
-                <a:solidFill>
-                  <a:schemeClr val="bg1"/>
-                </a:solidFill>
-                <a:effectLst/>
-                <a:latin typeface="微軟正黑體" panose="020B0604030504040204" pitchFamily="34" charset="-120"/>
-                <a:ea typeface="微軟正黑體" panose="020B0604030504040204" pitchFamily="34" charset="-120"/>
-              </a:rPr>
-              <a:t>課程列表</a:t>
-            </a:r>
-            <a:r>
-              <a:rPr lang="en-US" altLang="zh-TW" sz="2000" dirty="0">
-                <a:solidFill>
-                  <a:schemeClr val="bg1"/>
-                </a:solidFill>
-                <a:effectLst/>
-                <a:latin typeface="微軟正黑體" panose="020B0604030504040204" pitchFamily="34" charset="-120"/>
-                <a:ea typeface="微軟正黑體" panose="020B0604030504040204" pitchFamily="34" charset="-120"/>
-              </a:rPr>
-              <a:t>)</a:t>
-            </a:r>
-          </a:p>
-          <a:p>
-            <a:pPr>
-              <a:lnSpc>
-                <a:spcPct val="150000"/>
-              </a:lnSpc>
-            </a:pPr>
-            <a:r>
-              <a:rPr lang="en-US" altLang="zh-TW" sz="2000" dirty="0">
-                <a:solidFill>
-                  <a:schemeClr val="bg1"/>
-                </a:solidFill>
-                <a:effectLst/>
-                <a:latin typeface="微軟正黑體" panose="020B0604030504040204" pitchFamily="34" charset="-120"/>
-                <a:ea typeface="微軟正黑體" panose="020B0604030504040204" pitchFamily="34" charset="-120"/>
-              </a:rPr>
-              <a:t>https://vue-lessons-api.herokuapp.com/courses/{id}</a:t>
-            </a:r>
-            <a:r>
-              <a:rPr lang="zh-TW" altLang="en-US" sz="2000" dirty="0">
-                <a:solidFill>
-                  <a:schemeClr val="bg1"/>
-                </a:solidFill>
-                <a:effectLst/>
-                <a:latin typeface="微軟正黑體" panose="020B0604030504040204" pitchFamily="34" charset="-120"/>
-                <a:ea typeface="微軟正黑體" panose="020B0604030504040204" pitchFamily="34" charset="-120"/>
-              </a:rPr>
-              <a:t>  </a:t>
-            </a:r>
-            <a:r>
-              <a:rPr lang="en-US" altLang="zh-TW" sz="2000" dirty="0">
-                <a:solidFill>
-                  <a:schemeClr val="bg1"/>
-                </a:solidFill>
-                <a:effectLst/>
-                <a:latin typeface="微軟正黑體" panose="020B0604030504040204" pitchFamily="34" charset="-120"/>
-                <a:ea typeface="微軟正黑體" panose="020B0604030504040204" pitchFamily="34" charset="-120"/>
-              </a:rPr>
-              <a:t>(</a:t>
-            </a:r>
-            <a:r>
-              <a:rPr lang="zh-TW" altLang="en-US" sz="2000" dirty="0">
-                <a:solidFill>
-                  <a:schemeClr val="bg1"/>
-                </a:solidFill>
-                <a:effectLst/>
-                <a:latin typeface="微軟正黑體" panose="020B0604030504040204" pitchFamily="34" charset="-120"/>
-                <a:ea typeface="微軟正黑體" panose="020B0604030504040204" pitchFamily="34" charset="-120"/>
-              </a:rPr>
-              <a:t>課程內容</a:t>
-            </a:r>
-            <a:r>
-              <a:rPr lang="en-US" altLang="zh-TW" sz="2000" dirty="0">
-                <a:solidFill>
-                  <a:schemeClr val="bg1"/>
-                </a:solidFill>
-                <a:effectLst/>
-                <a:latin typeface="微軟正黑體" panose="020B0604030504040204" pitchFamily="34" charset="-120"/>
-                <a:ea typeface="微軟正黑體" panose="020B0604030504040204" pitchFamily="34" charset="-120"/>
-              </a:rPr>
-              <a:t>)</a:t>
-            </a:r>
-          </a:p>
-        </p:txBody>
-      </p:sp>
-    </p:spTree>
-    <p:extLst>
-      <p:ext uri="{BB962C8B-B14F-4D97-AF65-F5344CB8AC3E}">
-        <p14:creationId xmlns:p14="http://schemas.microsoft.com/office/powerpoint/2010/main" val="2325461017"/>
       </p:ext>
     </p:extLst>
   </p:cSld>
@@ -8601,6 +10347,309 @@
     <p:extLst>
       <p:ext uri="{BB962C8B-B14F-4D97-AF65-F5344CB8AC3E}">
         <p14:creationId xmlns:p14="http://schemas.microsoft.com/office/powerpoint/2010/main" val="343185435"/>
+      </p:ext>
+    </p:extLst>
+  </p:cSld>
+  <p:clrMapOvr>
+    <a:masterClrMapping/>
+  </p:clrMapOvr>
+</p:sld>
+</file>
+
+<file path=ppt/slides/slide20.xml><?xml version="1.0" encoding="utf-8"?>
+<p:sld xmlns:a="http://schemas.openxmlformats.org/drawingml/2006/main" xmlns:r="http://schemas.openxmlformats.org/officeDocument/2006/relationships" xmlns:p="http://schemas.openxmlformats.org/presentationml/2006/main">
+  <p:cSld>
+    <p:spTree>
+      <p:nvGrpSpPr>
+        <p:cNvPr id="1" name=""/>
+        <p:cNvGrpSpPr/>
+        <p:nvPr/>
+      </p:nvGrpSpPr>
+      <p:grpSpPr>
+        <a:xfrm>
+          <a:off x="0" y="0"/>
+          <a:ext cx="0" cy="0"/>
+          <a:chOff x="0" y="0"/>
+          <a:chExt cx="0" cy="0"/>
+        </a:xfrm>
+      </p:grpSpPr>
+      <p:sp>
+        <p:nvSpPr>
+          <p:cNvPr id="2" name="標題 1">
+            <a:extLst>
+              <a:ext uri="{FF2B5EF4-FFF2-40B4-BE49-F238E27FC236}">
+                <a16:creationId xmlns:a16="http://schemas.microsoft.com/office/drawing/2014/main" id="{7B03FB67-E384-4A92-8AA5-993C73C6A628}"/>
+              </a:ext>
+            </a:extLst>
+          </p:cNvPr>
+          <p:cNvSpPr>
+            <a:spLocks noGrp="1"/>
+          </p:cNvSpPr>
+          <p:nvPr>
+            <p:ph type="title"/>
+          </p:nvPr>
+        </p:nvSpPr>
+        <p:spPr>
+          <a:xfrm>
+            <a:off x="545942" y="632062"/>
+            <a:ext cx="2427514" cy="549275"/>
+          </a:xfrm>
+        </p:spPr>
+        <p:txBody>
+          <a:bodyPr>
+            <a:normAutofit/>
+          </a:bodyPr>
+          <a:lstStyle/>
+          <a:p>
+            <a:r>
+              <a:rPr lang="zh-TW" altLang="en-US" sz="2400" dirty="0">
+                <a:solidFill>
+                  <a:schemeClr val="bg1"/>
+                </a:solidFill>
+                <a:latin typeface="微軟正黑體" panose="020B0604030504040204" pitchFamily="34" charset="-120"/>
+                <a:ea typeface="微軟正黑體" panose="020B0604030504040204" pitchFamily="34" charset="-120"/>
+              </a:rPr>
+              <a:t>課程用</a:t>
+            </a:r>
+            <a:r>
+              <a:rPr lang="en-US" altLang="zh-TW" sz="2400" dirty="0">
+                <a:solidFill>
+                  <a:schemeClr val="bg1"/>
+                </a:solidFill>
+                <a:latin typeface="微軟正黑體" panose="020B0604030504040204" pitchFamily="34" charset="-120"/>
+                <a:ea typeface="微軟正黑體" panose="020B0604030504040204" pitchFamily="34" charset="-120"/>
+              </a:rPr>
+              <a:t>API</a:t>
+            </a:r>
+            <a:endParaRPr lang="zh-TW" altLang="en-US" sz="2400" dirty="0">
+              <a:solidFill>
+                <a:schemeClr val="bg1"/>
+              </a:solidFill>
+              <a:latin typeface="微軟正黑體" panose="020B0604030504040204" pitchFamily="34" charset="-120"/>
+              <a:ea typeface="微軟正黑體" panose="020B0604030504040204" pitchFamily="34" charset="-120"/>
+            </a:endParaRPr>
+          </a:p>
+        </p:txBody>
+      </p:sp>
+      <p:sp>
+        <p:nvSpPr>
+          <p:cNvPr id="3" name="內容版面配置區 2">
+            <a:extLst>
+              <a:ext uri="{FF2B5EF4-FFF2-40B4-BE49-F238E27FC236}">
+                <a16:creationId xmlns:a16="http://schemas.microsoft.com/office/drawing/2014/main" id="{6FB7EBD3-4176-4EA9-948B-21B59AB3C36F}"/>
+              </a:ext>
+            </a:extLst>
+          </p:cNvPr>
+          <p:cNvSpPr>
+            <a:spLocks noGrp="1"/>
+          </p:cNvSpPr>
+          <p:nvPr>
+            <p:ph idx="1"/>
+          </p:nvPr>
+        </p:nvSpPr>
+        <p:spPr>
+          <a:xfrm>
+            <a:off x="545941" y="1342867"/>
+            <a:ext cx="11100117" cy="2942529"/>
+          </a:xfrm>
+        </p:spPr>
+        <p:txBody>
+          <a:bodyPr>
+            <a:noAutofit/>
+          </a:bodyPr>
+          <a:lstStyle/>
+          <a:p>
+            <a:pPr>
+              <a:lnSpc>
+                <a:spcPct val="150000"/>
+              </a:lnSpc>
+            </a:pPr>
+            <a:r>
+              <a:rPr lang="en-US" altLang="zh-TW" sz="2000" dirty="0">
+                <a:solidFill>
+                  <a:schemeClr val="bg1"/>
+                </a:solidFill>
+                <a:effectLst/>
+                <a:latin typeface="微軟正黑體" panose="020B0604030504040204" pitchFamily="34" charset="-120"/>
+                <a:ea typeface="微軟正黑體" panose="020B0604030504040204" pitchFamily="34" charset="-120"/>
+              </a:rPr>
+              <a:t>https://vue-lessons-api.herokuapp.com/photo/list</a:t>
+            </a:r>
+            <a:r>
+              <a:rPr lang="zh-TW" altLang="en-US" sz="2000" dirty="0">
+                <a:solidFill>
+                  <a:schemeClr val="bg1"/>
+                </a:solidFill>
+                <a:effectLst/>
+                <a:latin typeface="微軟正黑體" panose="020B0604030504040204" pitchFamily="34" charset="-120"/>
+                <a:ea typeface="微軟正黑體" panose="020B0604030504040204" pitchFamily="34" charset="-120"/>
+              </a:rPr>
+              <a:t>  </a:t>
+            </a:r>
+            <a:r>
+              <a:rPr lang="en-US" altLang="zh-TW" sz="2000" dirty="0">
+                <a:solidFill>
+                  <a:schemeClr val="bg1"/>
+                </a:solidFill>
+                <a:effectLst/>
+                <a:latin typeface="微軟正黑體" panose="020B0604030504040204" pitchFamily="34" charset="-120"/>
+                <a:ea typeface="微軟正黑體" panose="020B0604030504040204" pitchFamily="34" charset="-120"/>
+              </a:rPr>
+              <a:t>(</a:t>
+            </a:r>
+            <a:r>
+              <a:rPr lang="zh-TW" altLang="en-US" sz="2000" dirty="0">
+                <a:solidFill>
+                  <a:schemeClr val="bg1"/>
+                </a:solidFill>
+                <a:effectLst/>
+                <a:latin typeface="微軟正黑體" panose="020B0604030504040204" pitchFamily="34" charset="-120"/>
+                <a:ea typeface="微軟正黑體" panose="020B0604030504040204" pitchFamily="34" charset="-120"/>
+              </a:rPr>
+              <a:t>圖片列表</a:t>
+            </a:r>
+            <a:r>
+              <a:rPr lang="en-US" altLang="zh-TW" sz="2000" dirty="0">
+                <a:solidFill>
+                  <a:schemeClr val="bg1"/>
+                </a:solidFill>
+                <a:effectLst/>
+                <a:latin typeface="微軟正黑體" panose="020B0604030504040204" pitchFamily="34" charset="-120"/>
+                <a:ea typeface="微軟正黑體" panose="020B0604030504040204" pitchFamily="34" charset="-120"/>
+              </a:rPr>
+              <a:t>)</a:t>
+            </a:r>
+          </a:p>
+          <a:p>
+            <a:pPr>
+              <a:lnSpc>
+                <a:spcPct val="150000"/>
+              </a:lnSpc>
+            </a:pPr>
+            <a:r>
+              <a:rPr lang="en-US" altLang="zh-TW" sz="2000" dirty="0">
+                <a:solidFill>
+                  <a:schemeClr val="bg1"/>
+                </a:solidFill>
+                <a:effectLst/>
+                <a:latin typeface="微軟正黑體" panose="020B0604030504040204" pitchFamily="34" charset="-120"/>
+                <a:ea typeface="微軟正黑體" panose="020B0604030504040204" pitchFamily="34" charset="-120"/>
+              </a:rPr>
+              <a:t>https://vue-lessons-api.herokuapp.com/courses/list</a:t>
+            </a:r>
+            <a:r>
+              <a:rPr lang="zh-TW" altLang="en-US" sz="2000" dirty="0">
+                <a:solidFill>
+                  <a:schemeClr val="bg1"/>
+                </a:solidFill>
+                <a:effectLst/>
+                <a:latin typeface="微軟正黑體" panose="020B0604030504040204" pitchFamily="34" charset="-120"/>
+                <a:ea typeface="微軟正黑體" panose="020B0604030504040204" pitchFamily="34" charset="-120"/>
+              </a:rPr>
+              <a:t> </a:t>
+            </a:r>
+            <a:r>
+              <a:rPr lang="en-US" altLang="zh-TW" sz="2000" dirty="0">
+                <a:solidFill>
+                  <a:schemeClr val="bg1"/>
+                </a:solidFill>
+                <a:effectLst/>
+                <a:latin typeface="微軟正黑體" panose="020B0604030504040204" pitchFamily="34" charset="-120"/>
+                <a:ea typeface="微軟正黑體" panose="020B0604030504040204" pitchFamily="34" charset="-120"/>
+              </a:rPr>
+              <a:t>(</a:t>
+            </a:r>
+            <a:r>
+              <a:rPr lang="zh-TW" altLang="en-US" sz="2000" dirty="0">
+                <a:solidFill>
+                  <a:schemeClr val="bg1"/>
+                </a:solidFill>
+                <a:effectLst/>
+                <a:latin typeface="微軟正黑體" panose="020B0604030504040204" pitchFamily="34" charset="-120"/>
+                <a:ea typeface="微軟正黑體" panose="020B0604030504040204" pitchFamily="34" charset="-120"/>
+              </a:rPr>
+              <a:t>課程列表</a:t>
+            </a:r>
+            <a:r>
+              <a:rPr lang="en-US" altLang="zh-TW" sz="2000" dirty="0">
+                <a:solidFill>
+                  <a:schemeClr val="bg1"/>
+                </a:solidFill>
+                <a:effectLst/>
+                <a:latin typeface="微軟正黑體" panose="020B0604030504040204" pitchFamily="34" charset="-120"/>
+                <a:ea typeface="微軟正黑體" panose="020B0604030504040204" pitchFamily="34" charset="-120"/>
+              </a:rPr>
+              <a:t>)</a:t>
+            </a:r>
+          </a:p>
+          <a:p>
+            <a:pPr>
+              <a:lnSpc>
+                <a:spcPct val="150000"/>
+              </a:lnSpc>
+            </a:pPr>
+            <a:r>
+              <a:rPr lang="en-US" altLang="zh-TW" sz="2000" dirty="0">
+                <a:solidFill>
+                  <a:schemeClr val="bg1"/>
+                </a:solidFill>
+                <a:effectLst/>
+                <a:latin typeface="微軟正黑體" panose="020B0604030504040204" pitchFamily="34" charset="-120"/>
+                <a:ea typeface="微軟正黑體" panose="020B0604030504040204" pitchFamily="34" charset="-120"/>
+              </a:rPr>
+              <a:t>https://vue-lessons-api.herokuapp.com/courses/{id}</a:t>
+            </a:r>
+            <a:r>
+              <a:rPr lang="zh-TW" altLang="en-US" sz="2000" dirty="0">
+                <a:solidFill>
+                  <a:schemeClr val="bg1"/>
+                </a:solidFill>
+                <a:effectLst/>
+                <a:latin typeface="微軟正黑體" panose="020B0604030504040204" pitchFamily="34" charset="-120"/>
+                <a:ea typeface="微軟正黑體" panose="020B0604030504040204" pitchFamily="34" charset="-120"/>
+              </a:rPr>
+              <a:t>  </a:t>
+            </a:r>
+            <a:r>
+              <a:rPr lang="en-US" altLang="zh-TW" sz="2000" dirty="0">
+                <a:solidFill>
+                  <a:schemeClr val="bg1"/>
+                </a:solidFill>
+                <a:effectLst/>
+                <a:latin typeface="微軟正黑體" panose="020B0604030504040204" pitchFamily="34" charset="-120"/>
+                <a:ea typeface="微軟正黑體" panose="020B0604030504040204" pitchFamily="34" charset="-120"/>
+              </a:rPr>
+              <a:t>(</a:t>
+            </a:r>
+            <a:r>
+              <a:rPr lang="zh-TW" altLang="en-US" sz="2000" dirty="0">
+                <a:solidFill>
+                  <a:schemeClr val="bg1"/>
+                </a:solidFill>
+                <a:effectLst/>
+                <a:latin typeface="微軟正黑體" panose="020B0604030504040204" pitchFamily="34" charset="-120"/>
+                <a:ea typeface="微軟正黑體" panose="020B0604030504040204" pitchFamily="34" charset="-120"/>
+              </a:rPr>
+              <a:t>課程內容</a:t>
+            </a:r>
+            <a:r>
+              <a:rPr lang="en-US" altLang="zh-TW" sz="2000" dirty="0">
+                <a:solidFill>
+                  <a:schemeClr val="bg1"/>
+                </a:solidFill>
+                <a:effectLst/>
+                <a:latin typeface="微軟正黑體" panose="020B0604030504040204" pitchFamily="34" charset="-120"/>
+                <a:ea typeface="微軟正黑體" panose="020B0604030504040204" pitchFamily="34" charset="-120"/>
+              </a:rPr>
+              <a:t>)</a:t>
+            </a:r>
+          </a:p>
+        </p:txBody>
+      </p:sp>
+    </p:spTree>
+    <p:extLst>
+      <p:ext uri="{BB962C8B-B14F-4D97-AF65-F5344CB8AC3E}">
+        <p14:creationId xmlns:p14="http://schemas.microsoft.com/office/powerpoint/2010/main" val="2325461017"/>
       </p:ext>
     </p:extLst>
   </p:cSld>

--- a/nuxt.pptx
+++ b/nuxt.pptx
@@ -22,9 +22,11 @@
     <p:sldId id="277" r:id="rId16"/>
     <p:sldId id="278" r:id="rId17"/>
     <p:sldId id="279" r:id="rId18"/>
-    <p:sldId id="269" r:id="rId19"/>
-    <p:sldId id="265" r:id="rId20"/>
-    <p:sldId id="268" r:id="rId21"/>
+    <p:sldId id="281" r:id="rId19"/>
+    <p:sldId id="280" r:id="rId20"/>
+    <p:sldId id="269" r:id="rId21"/>
+    <p:sldId id="265" r:id="rId22"/>
+    <p:sldId id="268" r:id="rId23"/>
   </p:sldIdLst>
   <p:sldSz cx="12192000" cy="6858000"/>
   <p:notesSz cx="6858000" cy="9144000"/>
@@ -145,6 +147,8 @@
             <p14:sldId id="277"/>
             <p14:sldId id="278"/>
             <p14:sldId id="279"/>
+            <p14:sldId id="281"/>
+            <p14:sldId id="280"/>
             <p14:sldId id="269"/>
             <p14:sldId id="265"/>
             <p14:sldId id="268"/>
@@ -9091,6 +9095,1951 @@
       </p:grpSpPr>
       <p:sp>
         <p:nvSpPr>
+          <p:cNvPr id="15" name="矩形 14">
+            <a:extLst>
+              <a:ext uri="{FF2B5EF4-FFF2-40B4-BE49-F238E27FC236}">
+                <a16:creationId xmlns:a16="http://schemas.microsoft.com/office/drawing/2014/main" id="{9511F509-5DB1-46ED-AB0A-66650CE7BA8D}"/>
+              </a:ext>
+            </a:extLst>
+          </p:cNvPr>
+          <p:cNvSpPr/>
+          <p:nvPr/>
+        </p:nvSpPr>
+        <p:spPr>
+          <a:xfrm>
+            <a:off x="5952118" y="3013298"/>
+            <a:ext cx="5931440" cy="2298173"/>
+          </a:xfrm>
+          <a:prstGeom prst="rect">
+            <a:avLst/>
+          </a:prstGeom>
+        </p:spPr>
+        <p:style>
+          <a:lnRef idx="2">
+            <a:schemeClr val="dk1">
+              <a:shade val="50000"/>
+            </a:schemeClr>
+          </a:lnRef>
+          <a:fillRef idx="1">
+            <a:schemeClr val="dk1"/>
+          </a:fillRef>
+          <a:effectRef idx="0">
+            <a:schemeClr val="dk1"/>
+          </a:effectRef>
+          <a:fontRef idx="minor">
+            <a:schemeClr val="lt1"/>
+          </a:fontRef>
+        </p:style>
+        <p:txBody>
+          <a:bodyPr rtlCol="0" anchor="ctr"/>
+          <a:lstStyle/>
+          <a:p>
+            <a:pPr algn="ctr"/>
+            <a:endParaRPr lang="zh-TW" altLang="en-US"/>
+          </a:p>
+        </p:txBody>
+      </p:sp>
+      <p:sp>
+        <p:nvSpPr>
+          <p:cNvPr id="11" name="矩形 10">
+            <a:extLst>
+              <a:ext uri="{FF2B5EF4-FFF2-40B4-BE49-F238E27FC236}">
+                <a16:creationId xmlns:a16="http://schemas.microsoft.com/office/drawing/2014/main" id="{7B64085B-57CE-4B72-8314-CC1E74062E59}"/>
+              </a:ext>
+            </a:extLst>
+          </p:cNvPr>
+          <p:cNvSpPr/>
+          <p:nvPr/>
+        </p:nvSpPr>
+        <p:spPr>
+          <a:xfrm>
+            <a:off x="363015" y="3013298"/>
+            <a:ext cx="5560708" cy="2298173"/>
+          </a:xfrm>
+          <a:prstGeom prst="rect">
+            <a:avLst/>
+          </a:prstGeom>
+        </p:spPr>
+        <p:style>
+          <a:lnRef idx="2">
+            <a:schemeClr val="dk1">
+              <a:shade val="50000"/>
+            </a:schemeClr>
+          </a:lnRef>
+          <a:fillRef idx="1">
+            <a:schemeClr val="dk1"/>
+          </a:fillRef>
+          <a:effectRef idx="0">
+            <a:schemeClr val="dk1"/>
+          </a:effectRef>
+          <a:fontRef idx="minor">
+            <a:schemeClr val="lt1"/>
+          </a:fontRef>
+        </p:style>
+        <p:txBody>
+          <a:bodyPr rtlCol="0" anchor="ctr"/>
+          <a:lstStyle/>
+          <a:p>
+            <a:pPr algn="ctr"/>
+            <a:endParaRPr lang="zh-TW" altLang="en-US"/>
+          </a:p>
+        </p:txBody>
+      </p:sp>
+      <p:sp>
+        <p:nvSpPr>
+          <p:cNvPr id="9" name="矩形 8">
+            <a:extLst>
+              <a:ext uri="{FF2B5EF4-FFF2-40B4-BE49-F238E27FC236}">
+                <a16:creationId xmlns:a16="http://schemas.microsoft.com/office/drawing/2014/main" id="{C7CCEC33-6DDA-46ED-A302-1544EE462219}"/>
+              </a:ext>
+            </a:extLst>
+          </p:cNvPr>
+          <p:cNvSpPr/>
+          <p:nvPr/>
+        </p:nvSpPr>
+        <p:spPr>
+          <a:xfrm>
+            <a:off x="4461816" y="2029906"/>
+            <a:ext cx="2980603" cy="781148"/>
+          </a:xfrm>
+          <a:prstGeom prst="rect">
+            <a:avLst/>
+          </a:prstGeom>
+        </p:spPr>
+        <p:style>
+          <a:lnRef idx="2">
+            <a:schemeClr val="dk1">
+              <a:shade val="50000"/>
+            </a:schemeClr>
+          </a:lnRef>
+          <a:fillRef idx="1">
+            <a:schemeClr val="dk1"/>
+          </a:fillRef>
+          <a:effectRef idx="0">
+            <a:schemeClr val="dk1"/>
+          </a:effectRef>
+          <a:fontRef idx="minor">
+            <a:schemeClr val="lt1"/>
+          </a:fontRef>
+        </p:style>
+        <p:txBody>
+          <a:bodyPr rtlCol="0" anchor="ctr"/>
+          <a:lstStyle/>
+          <a:p>
+            <a:pPr algn="ctr"/>
+            <a:endParaRPr lang="zh-TW" altLang="en-US"/>
+          </a:p>
+        </p:txBody>
+      </p:sp>
+      <p:sp>
+        <p:nvSpPr>
+          <p:cNvPr id="2" name="標題 1">
+            <a:extLst>
+              <a:ext uri="{FF2B5EF4-FFF2-40B4-BE49-F238E27FC236}">
+                <a16:creationId xmlns:a16="http://schemas.microsoft.com/office/drawing/2014/main" id="{0A48F53E-0876-4B37-83DC-04506A1ED8AE}"/>
+              </a:ext>
+            </a:extLst>
+          </p:cNvPr>
+          <p:cNvSpPr>
+            <a:spLocks noGrp="1"/>
+          </p:cNvSpPr>
+          <p:nvPr>
+            <p:ph type="title"/>
+          </p:nvPr>
+        </p:nvSpPr>
+        <p:spPr>
+          <a:xfrm>
+            <a:off x="838200" y="986758"/>
+            <a:ext cx="10515600" cy="781149"/>
+          </a:xfrm>
+        </p:spPr>
+        <p:txBody>
+          <a:bodyPr/>
+          <a:lstStyle/>
+          <a:p>
+            <a:pPr algn="ctr"/>
+            <a:r>
+              <a:rPr lang="en-US" altLang="zh-TW" b="1" dirty="0">
+                <a:solidFill>
+                  <a:schemeClr val="bg1"/>
+                </a:solidFill>
+                <a:latin typeface="微軟正黑體" panose="020B0604030504040204" pitchFamily="34" charset="-120"/>
+                <a:ea typeface="微軟正黑體" panose="020B0604030504040204" pitchFamily="34" charset="-120"/>
+              </a:rPr>
+              <a:t>CORS</a:t>
+            </a:r>
+            <a:r>
+              <a:rPr lang="zh-TW" altLang="en-US" b="1" dirty="0">
+                <a:solidFill>
+                  <a:schemeClr val="bg1"/>
+                </a:solidFill>
+                <a:latin typeface="微軟正黑體" panose="020B0604030504040204" pitchFamily="34" charset="-120"/>
+                <a:ea typeface="微軟正黑體" panose="020B0604030504040204" pitchFamily="34" charset="-120"/>
+              </a:rPr>
+              <a:t> 跨網域處理</a:t>
+            </a:r>
+          </a:p>
+        </p:txBody>
+      </p:sp>
+      <p:sp>
+        <p:nvSpPr>
+          <p:cNvPr id="7" name="文字方塊 6">
+            <a:extLst>
+              <a:ext uri="{FF2B5EF4-FFF2-40B4-BE49-F238E27FC236}">
+                <a16:creationId xmlns:a16="http://schemas.microsoft.com/office/drawing/2014/main" id="{212A5416-A06B-442E-A34B-AD861DA0DC9D}"/>
+              </a:ext>
+            </a:extLst>
+          </p:cNvPr>
+          <p:cNvSpPr txBox="1"/>
+          <p:nvPr/>
+        </p:nvSpPr>
+        <p:spPr>
+          <a:xfrm>
+            <a:off x="4616487" y="2243765"/>
+            <a:ext cx="2671261" cy="369332"/>
+          </a:xfrm>
+          <a:prstGeom prst="rect">
+            <a:avLst/>
+          </a:prstGeom>
+          <a:noFill/>
+        </p:spPr>
+        <p:txBody>
+          <a:bodyPr wrap="square">
+            <a:spAutoFit/>
+          </a:bodyPr>
+          <a:lstStyle/>
+          <a:p>
+            <a:pPr algn="ctr"/>
+            <a:r>
+              <a:rPr lang="zh-TW" altLang="en-US" dirty="0">
+                <a:solidFill>
+                  <a:schemeClr val="bg1"/>
+                </a:solidFill>
+              </a:rPr>
+              <a:t>npm i @nuxtjs/proxy -D</a:t>
+            </a:r>
+          </a:p>
+        </p:txBody>
+      </p:sp>
+      <p:sp>
+        <p:nvSpPr>
+          <p:cNvPr id="10" name="文字方塊 9">
+            <a:extLst>
+              <a:ext uri="{FF2B5EF4-FFF2-40B4-BE49-F238E27FC236}">
+                <a16:creationId xmlns:a16="http://schemas.microsoft.com/office/drawing/2014/main" id="{D93DAB2A-C7CA-4FE8-913F-C5BE3446F2D7}"/>
+              </a:ext>
+            </a:extLst>
+          </p:cNvPr>
+          <p:cNvSpPr txBox="1"/>
+          <p:nvPr/>
+        </p:nvSpPr>
+        <p:spPr>
+          <a:xfrm>
+            <a:off x="626494" y="3151329"/>
+            <a:ext cx="4963273" cy="2031325"/>
+          </a:xfrm>
+          <a:prstGeom prst="rect">
+            <a:avLst/>
+          </a:prstGeom>
+          <a:noFill/>
+        </p:spPr>
+        <p:txBody>
+          <a:bodyPr wrap="square">
+            <a:spAutoFit/>
+          </a:bodyPr>
+          <a:lstStyle/>
+          <a:p>
+            <a:r>
+              <a:rPr lang="en-US" altLang="zh-TW" sz="1400" b="0" dirty="0">
+                <a:solidFill>
+                  <a:srgbClr val="FFEE99"/>
+                </a:solidFill>
+                <a:effectLst/>
+                <a:latin typeface="Consolas" panose="020B0609020204030204" pitchFamily="49" charset="0"/>
+              </a:rPr>
+              <a:t>modules</a:t>
+            </a:r>
+            <a:r>
+              <a:rPr lang="en-US" altLang="zh-TW" sz="1400" b="0" dirty="0">
+                <a:solidFill>
+                  <a:srgbClr val="F8F8F2"/>
+                </a:solidFill>
+                <a:effectLst/>
+                <a:latin typeface="Consolas" panose="020B0609020204030204" pitchFamily="49" charset="0"/>
+              </a:rPr>
+              <a:t>: [</a:t>
+            </a:r>
+          </a:p>
+          <a:p>
+            <a:r>
+              <a:rPr lang="en-US" altLang="zh-TW" sz="1400" b="0" dirty="0">
+                <a:solidFill>
+                  <a:srgbClr val="F8F8F2"/>
+                </a:solidFill>
+                <a:effectLst/>
+                <a:latin typeface="Consolas" panose="020B0609020204030204" pitchFamily="49" charset="0"/>
+              </a:rPr>
+              <a:t>   </a:t>
+            </a:r>
+            <a:r>
+              <a:rPr lang="en-US" altLang="zh-TW" sz="1400" b="0" dirty="0">
+                <a:solidFill>
+                  <a:srgbClr val="FFEE99"/>
+                </a:solidFill>
+                <a:effectLst/>
+                <a:latin typeface="Consolas" panose="020B0609020204030204" pitchFamily="49" charset="0"/>
+              </a:rPr>
+              <a:t>"@</a:t>
+            </a:r>
+            <a:r>
+              <a:rPr lang="en-US" altLang="zh-TW" sz="1400" b="0" dirty="0" err="1">
+                <a:solidFill>
+                  <a:srgbClr val="FFEE99"/>
+                </a:solidFill>
+                <a:effectLst/>
+                <a:latin typeface="Consolas" panose="020B0609020204030204" pitchFamily="49" charset="0"/>
+              </a:rPr>
+              <a:t>nuxtjs</a:t>
+            </a:r>
+            <a:r>
+              <a:rPr lang="en-US" altLang="zh-TW" sz="1400" b="0" dirty="0">
+                <a:solidFill>
+                  <a:srgbClr val="FFEE99"/>
+                </a:solidFill>
+                <a:effectLst/>
+                <a:latin typeface="Consolas" panose="020B0609020204030204" pitchFamily="49" charset="0"/>
+              </a:rPr>
+              <a:t>/proxy"</a:t>
+            </a:r>
+            <a:endParaRPr lang="en-US" altLang="zh-TW" sz="1400" b="0" dirty="0">
+              <a:solidFill>
+                <a:srgbClr val="F8F8F2"/>
+              </a:solidFill>
+              <a:effectLst/>
+              <a:latin typeface="Consolas" panose="020B0609020204030204" pitchFamily="49" charset="0"/>
+            </a:endParaRPr>
+          </a:p>
+          <a:p>
+            <a:r>
+              <a:rPr lang="en-US" altLang="zh-TW" sz="1400" b="0" dirty="0">
+                <a:solidFill>
+                  <a:srgbClr val="F8F8F2"/>
+                </a:solidFill>
+                <a:effectLst/>
+                <a:latin typeface="Consolas" panose="020B0609020204030204" pitchFamily="49" charset="0"/>
+              </a:rPr>
+              <a:t>],</a:t>
+            </a:r>
+          </a:p>
+          <a:p>
+            <a:r>
+              <a:rPr lang="en-US" altLang="zh-TW" sz="1400" b="0" dirty="0">
+                <a:solidFill>
+                  <a:srgbClr val="FFEE99"/>
+                </a:solidFill>
+                <a:effectLst/>
+                <a:latin typeface="Consolas" panose="020B0609020204030204" pitchFamily="49" charset="0"/>
+              </a:rPr>
+              <a:t>proxy</a:t>
+            </a:r>
+            <a:r>
+              <a:rPr lang="en-US" altLang="zh-TW" sz="1400" b="0" dirty="0">
+                <a:solidFill>
+                  <a:srgbClr val="F8F8F2"/>
+                </a:solidFill>
+                <a:effectLst/>
+                <a:latin typeface="Consolas" panose="020B0609020204030204" pitchFamily="49" charset="0"/>
+              </a:rPr>
+              <a:t>: {</a:t>
+            </a:r>
+          </a:p>
+          <a:p>
+            <a:r>
+              <a:rPr lang="en-US" altLang="zh-TW" sz="1400" b="0" dirty="0">
+                <a:solidFill>
+                  <a:srgbClr val="F8F8F2"/>
+                </a:solidFill>
+                <a:effectLst/>
+                <a:latin typeface="Consolas" panose="020B0609020204030204" pitchFamily="49" charset="0"/>
+              </a:rPr>
+              <a:t>  </a:t>
+            </a:r>
+            <a:r>
+              <a:rPr lang="en-US" altLang="zh-TW" sz="1400" b="0" dirty="0">
+                <a:solidFill>
+                  <a:srgbClr val="FFEE99"/>
+                </a:solidFill>
+                <a:effectLst/>
+                <a:latin typeface="Consolas" panose="020B0609020204030204" pitchFamily="49" charset="0"/>
+              </a:rPr>
+              <a:t>"/</a:t>
+            </a:r>
+            <a:r>
+              <a:rPr lang="en-US" altLang="zh-TW" sz="1400" b="0" dirty="0" err="1">
+                <a:solidFill>
+                  <a:srgbClr val="FFEE99"/>
+                </a:solidFill>
+                <a:effectLst/>
+                <a:latin typeface="Consolas" panose="020B0609020204030204" pitchFamily="49" charset="0"/>
+              </a:rPr>
+              <a:t>api</a:t>
+            </a:r>
+            <a:r>
+              <a:rPr lang="en-US" altLang="zh-TW" sz="1400" b="0" dirty="0">
+                <a:solidFill>
+                  <a:srgbClr val="FFEE99"/>
+                </a:solidFill>
+                <a:effectLst/>
+                <a:latin typeface="Consolas" panose="020B0609020204030204" pitchFamily="49" charset="0"/>
+              </a:rPr>
+              <a:t>/*"</a:t>
+            </a:r>
+            <a:r>
+              <a:rPr lang="en-US" altLang="zh-TW" sz="1400" b="0" dirty="0">
+                <a:solidFill>
+                  <a:srgbClr val="F8F8F2"/>
+                </a:solidFill>
+                <a:effectLst/>
+                <a:latin typeface="Consolas" panose="020B0609020204030204" pitchFamily="49" charset="0"/>
+              </a:rPr>
+              <a:t>: {</a:t>
+            </a:r>
+          </a:p>
+          <a:p>
+            <a:r>
+              <a:rPr lang="en-US" altLang="zh-TW" sz="1400" b="0" dirty="0">
+                <a:solidFill>
+                  <a:srgbClr val="F8F8F2"/>
+                </a:solidFill>
+                <a:effectLst/>
+                <a:latin typeface="Consolas" panose="020B0609020204030204" pitchFamily="49" charset="0"/>
+              </a:rPr>
+              <a:t>    </a:t>
+            </a:r>
+            <a:r>
+              <a:rPr lang="en-US" altLang="zh-TW" sz="1400" b="0" dirty="0">
+                <a:solidFill>
+                  <a:srgbClr val="FFEE99"/>
+                </a:solidFill>
+                <a:effectLst/>
+                <a:latin typeface="Consolas" panose="020B0609020204030204" pitchFamily="49" charset="0"/>
+              </a:rPr>
+              <a:t>target</a:t>
+            </a:r>
+            <a:r>
+              <a:rPr lang="en-US" altLang="zh-TW" sz="1400" b="0" dirty="0">
+                <a:solidFill>
+                  <a:srgbClr val="F8F8F2"/>
+                </a:solidFill>
+                <a:effectLst/>
+                <a:latin typeface="Consolas" panose="020B0609020204030204" pitchFamily="49" charset="0"/>
+              </a:rPr>
+              <a:t>: </a:t>
+            </a:r>
+            <a:r>
+              <a:rPr lang="en-US" altLang="zh-TW" sz="1400" b="0" dirty="0">
+                <a:solidFill>
+                  <a:srgbClr val="FFEE99"/>
+                </a:solidFill>
+                <a:effectLst/>
+                <a:latin typeface="Consolas" panose="020B0609020204030204" pitchFamily="49" charset="0"/>
+              </a:rPr>
+              <a:t>"http://www.vscinemas.com.tw/VsWeb/"</a:t>
+            </a:r>
+            <a:r>
+              <a:rPr lang="en-US" altLang="zh-TW" sz="1400" b="0" dirty="0">
+                <a:solidFill>
+                  <a:srgbClr val="F8F8F2"/>
+                </a:solidFill>
+                <a:effectLst/>
+                <a:latin typeface="Consolas" panose="020B0609020204030204" pitchFamily="49" charset="0"/>
+              </a:rPr>
+              <a:t>,</a:t>
+            </a:r>
+          </a:p>
+          <a:p>
+            <a:r>
+              <a:rPr lang="en-US" altLang="zh-TW" sz="1400" b="0" dirty="0">
+                <a:solidFill>
+                  <a:srgbClr val="F8F8F2"/>
+                </a:solidFill>
+                <a:effectLst/>
+                <a:latin typeface="Consolas" panose="020B0609020204030204" pitchFamily="49" charset="0"/>
+              </a:rPr>
+              <a:t>    </a:t>
+            </a:r>
+            <a:r>
+              <a:rPr lang="en-US" altLang="zh-TW" sz="1400" b="0" dirty="0" err="1">
+                <a:solidFill>
+                  <a:srgbClr val="FFEE99"/>
+                </a:solidFill>
+                <a:effectLst/>
+                <a:latin typeface="Consolas" panose="020B0609020204030204" pitchFamily="49" charset="0"/>
+              </a:rPr>
+              <a:t>changeOrigin</a:t>
+            </a:r>
+            <a:r>
+              <a:rPr lang="en-US" altLang="zh-TW" sz="1400" b="0" dirty="0">
+                <a:solidFill>
+                  <a:srgbClr val="F8F8F2"/>
+                </a:solidFill>
+                <a:effectLst/>
+                <a:latin typeface="Consolas" panose="020B0609020204030204" pitchFamily="49" charset="0"/>
+              </a:rPr>
+              <a:t>: </a:t>
+            </a:r>
+            <a:r>
+              <a:rPr lang="en-US" altLang="zh-TW" sz="1400" b="0" dirty="0">
+                <a:solidFill>
+                  <a:srgbClr val="FF80F4"/>
+                </a:solidFill>
+                <a:effectLst/>
+                <a:latin typeface="Consolas" panose="020B0609020204030204" pitchFamily="49" charset="0"/>
+              </a:rPr>
+              <a:t>true</a:t>
+            </a:r>
+            <a:endParaRPr lang="en-US" altLang="zh-TW" sz="1400" b="0" dirty="0">
+              <a:solidFill>
+                <a:srgbClr val="F8F8F2"/>
+              </a:solidFill>
+              <a:effectLst/>
+              <a:latin typeface="Consolas" panose="020B0609020204030204" pitchFamily="49" charset="0"/>
+            </a:endParaRPr>
+          </a:p>
+          <a:p>
+            <a:r>
+              <a:rPr lang="en-US" altLang="zh-TW" sz="1400" b="0" dirty="0">
+                <a:solidFill>
+                  <a:srgbClr val="F8F8F2"/>
+                </a:solidFill>
+                <a:effectLst/>
+                <a:latin typeface="Consolas" panose="020B0609020204030204" pitchFamily="49" charset="0"/>
+              </a:rPr>
+              <a:t>  }</a:t>
+            </a:r>
+          </a:p>
+          <a:p>
+            <a:r>
+              <a:rPr lang="en-US" altLang="zh-TW" sz="1400" b="0" dirty="0">
+                <a:solidFill>
+                  <a:srgbClr val="F8F8F2"/>
+                </a:solidFill>
+                <a:effectLst/>
+                <a:latin typeface="Consolas" panose="020B0609020204030204" pitchFamily="49" charset="0"/>
+              </a:rPr>
+              <a:t>}</a:t>
+            </a:r>
+          </a:p>
+        </p:txBody>
+      </p:sp>
+      <p:sp>
+        <p:nvSpPr>
+          <p:cNvPr id="14" name="文字方塊 13">
+            <a:extLst>
+              <a:ext uri="{FF2B5EF4-FFF2-40B4-BE49-F238E27FC236}">
+                <a16:creationId xmlns:a16="http://schemas.microsoft.com/office/drawing/2014/main" id="{C5AD2C10-E35C-4CC3-8870-D887C4E4E88B}"/>
+              </a:ext>
+            </a:extLst>
+          </p:cNvPr>
+          <p:cNvSpPr txBox="1"/>
+          <p:nvPr/>
+        </p:nvSpPr>
+        <p:spPr>
+          <a:xfrm>
+            <a:off x="6187202" y="3746885"/>
+            <a:ext cx="5596631" cy="830997"/>
+          </a:xfrm>
+          <a:prstGeom prst="rect">
+            <a:avLst/>
+          </a:prstGeom>
+          <a:noFill/>
+        </p:spPr>
+        <p:txBody>
+          <a:bodyPr wrap="square">
+            <a:spAutoFit/>
+          </a:bodyPr>
+          <a:lstStyle/>
+          <a:p>
+            <a:r>
+              <a:rPr lang="en-US" altLang="zh-TW" sz="1600" b="0" dirty="0" err="1">
+                <a:solidFill>
+                  <a:srgbClr val="F8F8F2"/>
+                </a:solidFill>
+                <a:effectLst/>
+                <a:latin typeface="Consolas" panose="020B0609020204030204" pitchFamily="49" charset="0"/>
+              </a:rPr>
+              <a:t>axios</a:t>
+            </a:r>
+            <a:r>
+              <a:rPr lang="en-US" altLang="zh-TW" sz="1600" b="0" dirty="0" err="1">
+                <a:solidFill>
+                  <a:srgbClr val="F92672"/>
+                </a:solidFill>
+                <a:effectLst/>
+                <a:latin typeface="Consolas" panose="020B0609020204030204" pitchFamily="49" charset="0"/>
+              </a:rPr>
+              <a:t>.</a:t>
+            </a:r>
+            <a:r>
+              <a:rPr lang="en-US" altLang="zh-TW" sz="1600" b="0" dirty="0" err="1">
+                <a:solidFill>
+                  <a:srgbClr val="A6E22E"/>
+                </a:solidFill>
+                <a:effectLst/>
+                <a:latin typeface="Consolas" panose="020B0609020204030204" pitchFamily="49" charset="0"/>
+              </a:rPr>
+              <a:t>get</a:t>
+            </a:r>
+            <a:r>
+              <a:rPr lang="en-US" altLang="zh-TW" sz="1600" b="0" dirty="0">
+                <a:solidFill>
+                  <a:srgbClr val="F8F8F2"/>
+                </a:solidFill>
+                <a:effectLst/>
+                <a:latin typeface="Consolas" panose="020B0609020204030204" pitchFamily="49" charset="0"/>
+              </a:rPr>
+              <a:t>(</a:t>
+            </a:r>
+            <a:r>
+              <a:rPr lang="en-US" altLang="zh-TW" sz="1600" b="0" dirty="0">
+                <a:solidFill>
+                  <a:srgbClr val="FFEE99"/>
+                </a:solidFill>
+                <a:effectLst/>
+                <a:latin typeface="Consolas" panose="020B0609020204030204" pitchFamily="49" charset="0"/>
+              </a:rPr>
+              <a:t>"/</a:t>
+            </a:r>
+            <a:r>
+              <a:rPr lang="en-US" altLang="zh-TW" sz="1600" b="0" dirty="0" err="1">
+                <a:solidFill>
+                  <a:srgbClr val="FFEE99"/>
+                </a:solidFill>
+                <a:effectLst/>
+                <a:latin typeface="Consolas" panose="020B0609020204030204" pitchFamily="49" charset="0"/>
+              </a:rPr>
+              <a:t>api</a:t>
+            </a:r>
+            <a:r>
+              <a:rPr lang="en-US" altLang="zh-TW" sz="1600" b="0" dirty="0">
+                <a:solidFill>
+                  <a:srgbClr val="FFEE99"/>
+                </a:solidFill>
+                <a:effectLst/>
+                <a:latin typeface="Consolas" panose="020B0609020204030204" pitchFamily="49" charset="0"/>
+              </a:rPr>
+              <a:t>/</a:t>
+            </a:r>
+            <a:r>
+              <a:rPr lang="en-US" altLang="zh-TW" sz="1600" b="0" dirty="0" err="1">
+                <a:solidFill>
+                  <a:srgbClr val="FFEE99"/>
+                </a:solidFill>
+                <a:effectLst/>
+                <a:latin typeface="Consolas" panose="020B0609020204030204" pitchFamily="49" charset="0"/>
+              </a:rPr>
+              <a:t>GetLstDicCinema</a:t>
+            </a:r>
+            <a:r>
+              <a:rPr lang="en-US" altLang="zh-TW" sz="1600" b="0" dirty="0">
+                <a:solidFill>
+                  <a:srgbClr val="FFEE99"/>
+                </a:solidFill>
+                <a:effectLst/>
+                <a:latin typeface="Consolas" panose="020B0609020204030204" pitchFamily="49" charset="0"/>
+              </a:rPr>
+              <a:t>"</a:t>
+            </a:r>
+            <a:r>
+              <a:rPr lang="en-US" altLang="zh-TW" sz="1600" b="0" dirty="0">
+                <a:solidFill>
+                  <a:srgbClr val="F8F8F2"/>
+                </a:solidFill>
+                <a:effectLst/>
+                <a:latin typeface="Consolas" panose="020B0609020204030204" pitchFamily="49" charset="0"/>
+              </a:rPr>
+              <a:t>)</a:t>
+            </a:r>
+            <a:r>
+              <a:rPr lang="en-US" altLang="zh-TW" sz="1600" b="0" dirty="0">
+                <a:solidFill>
+                  <a:srgbClr val="F92672"/>
+                </a:solidFill>
+                <a:effectLst/>
+                <a:latin typeface="Consolas" panose="020B0609020204030204" pitchFamily="49" charset="0"/>
+              </a:rPr>
+              <a:t>.</a:t>
+            </a:r>
+            <a:r>
+              <a:rPr lang="en-US" altLang="zh-TW" sz="1600" b="0" dirty="0">
+                <a:solidFill>
+                  <a:srgbClr val="A6E22E"/>
+                </a:solidFill>
+                <a:effectLst/>
+                <a:latin typeface="Consolas" panose="020B0609020204030204" pitchFamily="49" charset="0"/>
+              </a:rPr>
+              <a:t>then</a:t>
+            </a:r>
+            <a:r>
+              <a:rPr lang="en-US" altLang="zh-TW" sz="1600" b="0" dirty="0">
+                <a:solidFill>
+                  <a:srgbClr val="F8F8F2"/>
+                </a:solidFill>
+                <a:effectLst/>
+                <a:latin typeface="Consolas" panose="020B0609020204030204" pitchFamily="49" charset="0"/>
+              </a:rPr>
+              <a:t>(res </a:t>
+            </a:r>
+            <a:r>
+              <a:rPr lang="en-US" altLang="zh-TW" sz="1600" b="0" i="1" dirty="0">
+                <a:solidFill>
+                  <a:srgbClr val="66D9EF"/>
+                </a:solidFill>
+                <a:effectLst/>
+                <a:latin typeface="Consolas" panose="020B0609020204030204" pitchFamily="49" charset="0"/>
+              </a:rPr>
+              <a:t>=&gt;</a:t>
+            </a:r>
+            <a:r>
+              <a:rPr lang="en-US" altLang="zh-TW" sz="1600" b="0" dirty="0">
+                <a:solidFill>
+                  <a:srgbClr val="F8F8F2"/>
+                </a:solidFill>
+                <a:effectLst/>
+                <a:latin typeface="Consolas" panose="020B0609020204030204" pitchFamily="49" charset="0"/>
+              </a:rPr>
+              <a:t> {</a:t>
+            </a:r>
+          </a:p>
+          <a:p>
+            <a:r>
+              <a:rPr lang="en-US" altLang="zh-TW" sz="1600" b="0" dirty="0">
+                <a:solidFill>
+                  <a:srgbClr val="F8F8F2"/>
+                </a:solidFill>
+                <a:effectLst/>
+                <a:latin typeface="Consolas" panose="020B0609020204030204" pitchFamily="49" charset="0"/>
+              </a:rPr>
+              <a:t> </a:t>
+            </a:r>
+            <a:r>
+              <a:rPr lang="zh-TW" altLang="en-US" sz="1600" b="0" dirty="0">
+                <a:solidFill>
+                  <a:srgbClr val="F8F8F2"/>
+                </a:solidFill>
+                <a:effectLst/>
+                <a:latin typeface="Consolas" panose="020B0609020204030204" pitchFamily="49" charset="0"/>
+              </a:rPr>
+              <a:t>  </a:t>
+            </a:r>
+            <a:r>
+              <a:rPr lang="en-US" altLang="zh-TW" sz="1600" b="0" i="1" dirty="0">
+                <a:solidFill>
+                  <a:srgbClr val="66D9EF"/>
+                </a:solidFill>
+                <a:effectLst/>
+                <a:latin typeface="Consolas" panose="020B0609020204030204" pitchFamily="49" charset="0"/>
+              </a:rPr>
+              <a:t>console</a:t>
+            </a:r>
+            <a:r>
+              <a:rPr lang="en-US" altLang="zh-TW" sz="1600" b="0" dirty="0">
+                <a:solidFill>
+                  <a:srgbClr val="F92672"/>
+                </a:solidFill>
+                <a:effectLst/>
+                <a:latin typeface="Consolas" panose="020B0609020204030204" pitchFamily="49" charset="0"/>
+              </a:rPr>
+              <a:t>.</a:t>
+            </a:r>
+            <a:r>
+              <a:rPr lang="en-US" altLang="zh-TW" sz="1600" b="0" dirty="0">
+                <a:solidFill>
+                  <a:srgbClr val="66D9EF"/>
+                </a:solidFill>
+                <a:effectLst/>
+                <a:latin typeface="Consolas" panose="020B0609020204030204" pitchFamily="49" charset="0"/>
+              </a:rPr>
+              <a:t>log</a:t>
+            </a:r>
+            <a:r>
+              <a:rPr lang="en-US" altLang="zh-TW" sz="1600" b="0" dirty="0">
+                <a:solidFill>
+                  <a:srgbClr val="F8F8F2"/>
+                </a:solidFill>
+                <a:effectLst/>
+                <a:latin typeface="Consolas" panose="020B0609020204030204" pitchFamily="49" charset="0"/>
+              </a:rPr>
+              <a:t>(</a:t>
+            </a:r>
+            <a:r>
+              <a:rPr lang="en-US" altLang="zh-TW" sz="1600" b="0" dirty="0" err="1">
+                <a:solidFill>
+                  <a:srgbClr val="F8F8F2"/>
+                </a:solidFill>
+                <a:effectLst/>
+                <a:latin typeface="Consolas" panose="020B0609020204030204" pitchFamily="49" charset="0"/>
+              </a:rPr>
+              <a:t>res</a:t>
+            </a:r>
+            <a:r>
+              <a:rPr lang="en-US" altLang="zh-TW" sz="1600" b="0" dirty="0" err="1">
+                <a:solidFill>
+                  <a:srgbClr val="F92672"/>
+                </a:solidFill>
+                <a:effectLst/>
+                <a:latin typeface="Consolas" panose="020B0609020204030204" pitchFamily="49" charset="0"/>
+              </a:rPr>
+              <a:t>.</a:t>
+            </a:r>
+            <a:r>
+              <a:rPr lang="en-US" altLang="zh-TW" sz="1600" b="0" dirty="0" err="1">
+                <a:solidFill>
+                  <a:srgbClr val="F8F8F2"/>
+                </a:solidFill>
+                <a:effectLst/>
+                <a:latin typeface="Consolas" panose="020B0609020204030204" pitchFamily="49" charset="0"/>
+              </a:rPr>
+              <a:t>data</a:t>
+            </a:r>
+            <a:r>
+              <a:rPr lang="en-US" altLang="zh-TW" sz="1600" b="0" dirty="0">
+                <a:solidFill>
+                  <a:srgbClr val="F8F8F2"/>
+                </a:solidFill>
+                <a:effectLst/>
+                <a:latin typeface="Consolas" panose="020B0609020204030204" pitchFamily="49" charset="0"/>
+              </a:rPr>
+              <a:t>);</a:t>
+            </a:r>
+          </a:p>
+          <a:p>
+            <a:r>
+              <a:rPr lang="en-US" altLang="zh-TW" sz="1600" b="0" dirty="0">
+                <a:solidFill>
+                  <a:srgbClr val="F8F8F2"/>
+                </a:solidFill>
+                <a:effectLst/>
+                <a:latin typeface="Consolas" panose="020B0609020204030204" pitchFamily="49" charset="0"/>
+              </a:rPr>
+              <a:t>});</a:t>
+            </a:r>
+          </a:p>
+        </p:txBody>
+      </p:sp>
+    </p:spTree>
+    <p:extLst>
+      <p:ext uri="{BB962C8B-B14F-4D97-AF65-F5344CB8AC3E}">
+        <p14:creationId xmlns:p14="http://schemas.microsoft.com/office/powerpoint/2010/main" val="434894563"/>
+      </p:ext>
+    </p:extLst>
+  </p:cSld>
+  <p:clrMapOvr>
+    <a:masterClrMapping/>
+  </p:clrMapOvr>
+</p:sld>
+</file>
+
+<file path=ppt/slides/slide19.xml><?xml version="1.0" encoding="utf-8"?>
+<p:sld xmlns:a="http://schemas.openxmlformats.org/drawingml/2006/main" xmlns:r="http://schemas.openxmlformats.org/officeDocument/2006/relationships" xmlns:p="http://schemas.openxmlformats.org/presentationml/2006/main">
+  <p:cSld>
+    <p:spTree>
+      <p:nvGrpSpPr>
+        <p:cNvPr id="1" name=""/>
+        <p:cNvGrpSpPr/>
+        <p:nvPr/>
+      </p:nvGrpSpPr>
+      <p:grpSpPr>
+        <a:xfrm>
+          <a:off x="0" y="0"/>
+          <a:ext cx="0" cy="0"/>
+          <a:chOff x="0" y="0"/>
+          <a:chExt cx="0" cy="0"/>
+        </a:xfrm>
+      </p:grpSpPr>
+      <p:sp>
+        <p:nvSpPr>
+          <p:cNvPr id="9" name="矩形 8">
+            <a:extLst>
+              <a:ext uri="{FF2B5EF4-FFF2-40B4-BE49-F238E27FC236}">
+                <a16:creationId xmlns:a16="http://schemas.microsoft.com/office/drawing/2014/main" id="{C7CCEC33-6DDA-46ED-A302-1544EE462219}"/>
+              </a:ext>
+            </a:extLst>
+          </p:cNvPr>
+          <p:cNvSpPr/>
+          <p:nvPr/>
+        </p:nvSpPr>
+        <p:spPr>
+          <a:xfrm>
+            <a:off x="2243404" y="2743471"/>
+            <a:ext cx="7491266" cy="2731570"/>
+          </a:xfrm>
+          <a:prstGeom prst="rect">
+            <a:avLst/>
+          </a:prstGeom>
+        </p:spPr>
+        <p:style>
+          <a:lnRef idx="2">
+            <a:schemeClr val="dk1">
+              <a:shade val="50000"/>
+            </a:schemeClr>
+          </a:lnRef>
+          <a:fillRef idx="1">
+            <a:schemeClr val="dk1"/>
+          </a:fillRef>
+          <a:effectRef idx="0">
+            <a:schemeClr val="dk1"/>
+          </a:effectRef>
+          <a:fontRef idx="minor">
+            <a:schemeClr val="lt1"/>
+          </a:fontRef>
+        </p:style>
+        <p:txBody>
+          <a:bodyPr rtlCol="0" anchor="ctr"/>
+          <a:lstStyle/>
+          <a:p>
+            <a:pPr algn="ctr"/>
+            <a:endParaRPr lang="zh-TW" altLang="en-US"/>
+          </a:p>
+        </p:txBody>
+      </p:sp>
+      <p:sp>
+        <p:nvSpPr>
+          <p:cNvPr id="2" name="標題 1">
+            <a:extLst>
+              <a:ext uri="{FF2B5EF4-FFF2-40B4-BE49-F238E27FC236}">
+                <a16:creationId xmlns:a16="http://schemas.microsoft.com/office/drawing/2014/main" id="{0A48F53E-0876-4B37-83DC-04506A1ED8AE}"/>
+              </a:ext>
+            </a:extLst>
+          </p:cNvPr>
+          <p:cNvSpPr>
+            <a:spLocks noGrp="1"/>
+          </p:cNvSpPr>
+          <p:nvPr>
+            <p:ph type="title"/>
+          </p:nvPr>
+        </p:nvSpPr>
+        <p:spPr>
+          <a:xfrm>
+            <a:off x="838200" y="875929"/>
+            <a:ext cx="10515600" cy="1325563"/>
+          </a:xfrm>
+        </p:spPr>
+        <p:txBody>
+          <a:bodyPr/>
+          <a:lstStyle/>
+          <a:p>
+            <a:pPr algn="ctr"/>
+            <a:r>
+              <a:rPr lang="zh-TW" altLang="en-US" b="1" dirty="0">
+                <a:solidFill>
+                  <a:schemeClr val="bg1"/>
+                </a:solidFill>
+                <a:latin typeface="微軟正黑體" panose="020B0604030504040204" pitchFamily="34" charset="-120"/>
+                <a:ea typeface="微軟正黑體" panose="020B0604030504040204" pitchFamily="34" charset="-120"/>
+              </a:rPr>
+              <a:t>如何使用 </a:t>
+            </a:r>
+            <a:r>
+              <a:rPr lang="en-US" altLang="zh-TW" b="1" dirty="0">
+                <a:solidFill>
+                  <a:schemeClr val="bg1"/>
+                </a:solidFill>
+                <a:latin typeface="微軟正黑體" panose="020B0604030504040204" pitchFamily="34" charset="-120"/>
+                <a:ea typeface="微軟正黑體" panose="020B0604030504040204" pitchFamily="34" charset="-120"/>
+              </a:rPr>
+              <a:t>https</a:t>
+            </a:r>
+            <a:endParaRPr lang="zh-TW" altLang="en-US" b="1" dirty="0">
+              <a:solidFill>
+                <a:schemeClr val="bg1"/>
+              </a:solidFill>
+              <a:latin typeface="微軟正黑體" panose="020B0604030504040204" pitchFamily="34" charset="-120"/>
+              <a:ea typeface="微軟正黑體" panose="020B0604030504040204" pitchFamily="34" charset="-120"/>
+            </a:endParaRPr>
+          </a:p>
+        </p:txBody>
+      </p:sp>
+      <p:sp>
+        <p:nvSpPr>
+          <p:cNvPr id="5" name="文字方塊 4">
+            <a:extLst>
+              <a:ext uri="{FF2B5EF4-FFF2-40B4-BE49-F238E27FC236}">
+                <a16:creationId xmlns:a16="http://schemas.microsoft.com/office/drawing/2014/main" id="{8B9264A1-31A2-4335-BCE0-2E9C13E465CE}"/>
+              </a:ext>
+            </a:extLst>
+          </p:cNvPr>
+          <p:cNvSpPr txBox="1"/>
+          <p:nvPr/>
+        </p:nvSpPr>
+        <p:spPr>
+          <a:xfrm>
+            <a:off x="907300" y="1832160"/>
+            <a:ext cx="10690246" cy="369332"/>
+          </a:xfrm>
+          <a:prstGeom prst="rect">
+            <a:avLst/>
+          </a:prstGeom>
+          <a:noFill/>
+        </p:spPr>
+        <p:txBody>
+          <a:bodyPr wrap="square">
+            <a:spAutoFit/>
+          </a:bodyPr>
+          <a:lstStyle/>
+          <a:p>
+            <a:r>
+              <a:rPr lang="zh-TW" altLang="en-US" b="1" dirty="0">
+                <a:solidFill>
+                  <a:schemeClr val="bg1"/>
+                </a:solidFill>
+              </a:rPr>
+              <a:t>https://nuxtjs.org/docs/2.x/configuration-glossary/configuration-server#example-using-https-configuration</a:t>
+            </a:r>
+          </a:p>
+        </p:txBody>
+      </p:sp>
+      <p:sp>
+        <p:nvSpPr>
+          <p:cNvPr id="8" name="文字方塊 7">
+            <a:extLst>
+              <a:ext uri="{FF2B5EF4-FFF2-40B4-BE49-F238E27FC236}">
+                <a16:creationId xmlns:a16="http://schemas.microsoft.com/office/drawing/2014/main" id="{9C786941-3965-4E20-80BB-2F78EFE424DE}"/>
+              </a:ext>
+            </a:extLst>
+          </p:cNvPr>
+          <p:cNvSpPr txBox="1"/>
+          <p:nvPr/>
+        </p:nvSpPr>
+        <p:spPr>
+          <a:xfrm>
+            <a:off x="2653866" y="3047427"/>
+            <a:ext cx="6666199" cy="2123658"/>
+          </a:xfrm>
+          <a:prstGeom prst="rect">
+            <a:avLst/>
+          </a:prstGeom>
+          <a:noFill/>
+        </p:spPr>
+        <p:txBody>
+          <a:bodyPr wrap="square">
+            <a:spAutoFit/>
+          </a:bodyPr>
+          <a:lstStyle/>
+          <a:p>
+            <a:r>
+              <a:rPr lang="en-US" altLang="zh-TW" sz="1200" b="0" dirty="0">
+                <a:solidFill>
+                  <a:srgbClr val="F92672"/>
+                </a:solidFill>
+                <a:effectLst/>
+                <a:latin typeface="Consolas" panose="020B0609020204030204" pitchFamily="49" charset="0"/>
+              </a:rPr>
+              <a:t>import</a:t>
+            </a:r>
+            <a:r>
+              <a:rPr lang="en-US" altLang="zh-TW" sz="1200" b="0" dirty="0">
+                <a:solidFill>
+                  <a:srgbClr val="F8F8F2"/>
+                </a:solidFill>
+                <a:effectLst/>
+                <a:latin typeface="Consolas" panose="020B0609020204030204" pitchFamily="49" charset="0"/>
+              </a:rPr>
+              <a:t> path </a:t>
+            </a:r>
+            <a:r>
+              <a:rPr lang="en-US" altLang="zh-TW" sz="1200" b="0" dirty="0">
+                <a:solidFill>
+                  <a:srgbClr val="F92672"/>
+                </a:solidFill>
+                <a:effectLst/>
+                <a:latin typeface="Consolas" panose="020B0609020204030204" pitchFamily="49" charset="0"/>
+              </a:rPr>
+              <a:t>from</a:t>
+            </a:r>
+            <a:r>
+              <a:rPr lang="en-US" altLang="zh-TW" sz="1200" b="0" dirty="0">
+                <a:solidFill>
+                  <a:srgbClr val="F8F8F2"/>
+                </a:solidFill>
+                <a:effectLst/>
+                <a:latin typeface="Consolas" panose="020B0609020204030204" pitchFamily="49" charset="0"/>
+              </a:rPr>
+              <a:t> </a:t>
+            </a:r>
+            <a:r>
+              <a:rPr lang="en-US" altLang="zh-TW" sz="1200" b="0" dirty="0">
+                <a:solidFill>
+                  <a:srgbClr val="FFEE99"/>
+                </a:solidFill>
+                <a:effectLst/>
+                <a:latin typeface="Consolas" panose="020B0609020204030204" pitchFamily="49" charset="0"/>
+              </a:rPr>
+              <a:t>'path'</a:t>
+            </a:r>
+            <a:endParaRPr lang="en-US" altLang="zh-TW" sz="1200" b="0" dirty="0">
+              <a:solidFill>
+                <a:srgbClr val="F8F8F2"/>
+              </a:solidFill>
+              <a:effectLst/>
+              <a:latin typeface="Consolas" panose="020B0609020204030204" pitchFamily="49" charset="0"/>
+            </a:endParaRPr>
+          </a:p>
+          <a:p>
+            <a:r>
+              <a:rPr lang="en-US" altLang="zh-TW" sz="1200" b="0" dirty="0">
+                <a:solidFill>
+                  <a:srgbClr val="F92672"/>
+                </a:solidFill>
+                <a:effectLst/>
+                <a:latin typeface="Consolas" panose="020B0609020204030204" pitchFamily="49" charset="0"/>
+              </a:rPr>
+              <a:t>import</a:t>
+            </a:r>
+            <a:r>
+              <a:rPr lang="en-US" altLang="zh-TW" sz="1200" b="0" dirty="0">
+                <a:solidFill>
+                  <a:srgbClr val="F8F8F2"/>
+                </a:solidFill>
+                <a:effectLst/>
+                <a:latin typeface="Consolas" panose="020B0609020204030204" pitchFamily="49" charset="0"/>
+              </a:rPr>
+              <a:t> fs </a:t>
+            </a:r>
+            <a:r>
+              <a:rPr lang="en-US" altLang="zh-TW" sz="1200" b="0" dirty="0">
+                <a:solidFill>
+                  <a:srgbClr val="F92672"/>
+                </a:solidFill>
+                <a:effectLst/>
+                <a:latin typeface="Consolas" panose="020B0609020204030204" pitchFamily="49" charset="0"/>
+              </a:rPr>
+              <a:t>from</a:t>
+            </a:r>
+            <a:r>
+              <a:rPr lang="en-US" altLang="zh-TW" sz="1200" b="0" dirty="0">
+                <a:solidFill>
+                  <a:srgbClr val="F8F8F2"/>
+                </a:solidFill>
+                <a:effectLst/>
+                <a:latin typeface="Consolas" panose="020B0609020204030204" pitchFamily="49" charset="0"/>
+              </a:rPr>
+              <a:t> </a:t>
+            </a:r>
+            <a:r>
+              <a:rPr lang="en-US" altLang="zh-TW" sz="1200" b="0" dirty="0">
+                <a:solidFill>
+                  <a:srgbClr val="FFEE99"/>
+                </a:solidFill>
+                <a:effectLst/>
+                <a:latin typeface="Consolas" panose="020B0609020204030204" pitchFamily="49" charset="0"/>
+              </a:rPr>
+              <a:t>'fs'</a:t>
+            </a:r>
+            <a:endParaRPr lang="en-US" altLang="zh-TW" sz="1200" b="0" dirty="0">
+              <a:solidFill>
+                <a:srgbClr val="F8F8F2"/>
+              </a:solidFill>
+              <a:effectLst/>
+              <a:latin typeface="Consolas" panose="020B0609020204030204" pitchFamily="49" charset="0"/>
+            </a:endParaRPr>
+          </a:p>
+          <a:p>
+            <a:br>
+              <a:rPr lang="en-US" altLang="zh-TW" sz="1200" b="0" dirty="0">
+                <a:solidFill>
+                  <a:srgbClr val="F8F8F2"/>
+                </a:solidFill>
+                <a:effectLst/>
+                <a:latin typeface="Consolas" panose="020B0609020204030204" pitchFamily="49" charset="0"/>
+              </a:rPr>
+            </a:br>
+            <a:r>
+              <a:rPr lang="en-US" altLang="zh-TW" sz="1200" b="0" dirty="0">
+                <a:solidFill>
+                  <a:srgbClr val="F92672"/>
+                </a:solidFill>
+                <a:effectLst/>
+                <a:latin typeface="Consolas" panose="020B0609020204030204" pitchFamily="49" charset="0"/>
+              </a:rPr>
+              <a:t>export</a:t>
+            </a:r>
+            <a:r>
+              <a:rPr lang="en-US" altLang="zh-TW" sz="1200" b="0" dirty="0">
+                <a:solidFill>
+                  <a:srgbClr val="F8F8F2"/>
+                </a:solidFill>
+                <a:effectLst/>
+                <a:latin typeface="Consolas" panose="020B0609020204030204" pitchFamily="49" charset="0"/>
+              </a:rPr>
+              <a:t> </a:t>
+            </a:r>
+            <a:r>
+              <a:rPr lang="en-US" altLang="zh-TW" sz="1200" b="0" dirty="0">
+                <a:solidFill>
+                  <a:srgbClr val="F92672"/>
+                </a:solidFill>
+                <a:effectLst/>
+                <a:latin typeface="Consolas" panose="020B0609020204030204" pitchFamily="49" charset="0"/>
+              </a:rPr>
+              <a:t>default</a:t>
+            </a:r>
+            <a:r>
+              <a:rPr lang="en-US" altLang="zh-TW" sz="1200" b="0" dirty="0">
+                <a:solidFill>
+                  <a:srgbClr val="F8F8F2"/>
+                </a:solidFill>
+                <a:effectLst/>
+                <a:latin typeface="Consolas" panose="020B0609020204030204" pitchFamily="49" charset="0"/>
+              </a:rPr>
+              <a:t> {</a:t>
+            </a:r>
+          </a:p>
+          <a:p>
+            <a:r>
+              <a:rPr lang="en-US" altLang="zh-TW" sz="1200" b="0" dirty="0">
+                <a:solidFill>
+                  <a:srgbClr val="F8F8F2"/>
+                </a:solidFill>
+                <a:effectLst/>
+                <a:latin typeface="Consolas" panose="020B0609020204030204" pitchFamily="49" charset="0"/>
+              </a:rPr>
+              <a:t>  </a:t>
+            </a:r>
+            <a:r>
+              <a:rPr lang="en-US" altLang="zh-TW" sz="1200" b="0" dirty="0">
+                <a:solidFill>
+                  <a:srgbClr val="FFEE99"/>
+                </a:solidFill>
+                <a:effectLst/>
+                <a:latin typeface="Consolas" panose="020B0609020204030204" pitchFamily="49" charset="0"/>
+              </a:rPr>
+              <a:t>server</a:t>
+            </a:r>
+            <a:r>
+              <a:rPr lang="en-US" altLang="zh-TW" sz="1200" b="0" dirty="0">
+                <a:solidFill>
+                  <a:srgbClr val="F8F8F2"/>
+                </a:solidFill>
+                <a:effectLst/>
+                <a:latin typeface="Consolas" panose="020B0609020204030204" pitchFamily="49" charset="0"/>
+              </a:rPr>
+              <a:t>: {</a:t>
+            </a:r>
+          </a:p>
+          <a:p>
+            <a:r>
+              <a:rPr lang="en-US" altLang="zh-TW" sz="1200" b="0" dirty="0">
+                <a:solidFill>
+                  <a:srgbClr val="F8F8F2"/>
+                </a:solidFill>
+                <a:effectLst/>
+                <a:latin typeface="Consolas" panose="020B0609020204030204" pitchFamily="49" charset="0"/>
+              </a:rPr>
+              <a:t>    </a:t>
+            </a:r>
+            <a:r>
+              <a:rPr lang="en-US" altLang="zh-TW" sz="1200" b="0" dirty="0">
+                <a:solidFill>
+                  <a:srgbClr val="FFEE99"/>
+                </a:solidFill>
+                <a:effectLst/>
+                <a:latin typeface="Consolas" panose="020B0609020204030204" pitchFamily="49" charset="0"/>
+              </a:rPr>
+              <a:t>https</a:t>
+            </a:r>
+            <a:r>
+              <a:rPr lang="en-US" altLang="zh-TW" sz="1200" b="0" dirty="0">
+                <a:solidFill>
+                  <a:srgbClr val="F8F8F2"/>
+                </a:solidFill>
+                <a:effectLst/>
+                <a:latin typeface="Consolas" panose="020B0609020204030204" pitchFamily="49" charset="0"/>
+              </a:rPr>
+              <a:t>: {</a:t>
+            </a:r>
+          </a:p>
+          <a:p>
+            <a:r>
+              <a:rPr lang="en-US" altLang="zh-TW" sz="1200" b="0" dirty="0">
+                <a:solidFill>
+                  <a:srgbClr val="F8F8F2"/>
+                </a:solidFill>
+                <a:effectLst/>
+                <a:latin typeface="Consolas" panose="020B0609020204030204" pitchFamily="49" charset="0"/>
+              </a:rPr>
+              <a:t>      </a:t>
+            </a:r>
+            <a:r>
+              <a:rPr lang="en-US" altLang="zh-TW" sz="1200" b="0" dirty="0">
+                <a:solidFill>
+                  <a:srgbClr val="FFEE99"/>
+                </a:solidFill>
+                <a:effectLst/>
+                <a:latin typeface="Consolas" panose="020B0609020204030204" pitchFamily="49" charset="0"/>
+              </a:rPr>
+              <a:t>key</a:t>
+            </a:r>
+            <a:r>
+              <a:rPr lang="en-US" altLang="zh-TW" sz="1200" b="0" dirty="0">
+                <a:solidFill>
+                  <a:srgbClr val="F8F8F2"/>
+                </a:solidFill>
+                <a:effectLst/>
+                <a:latin typeface="Consolas" panose="020B0609020204030204" pitchFamily="49" charset="0"/>
+              </a:rPr>
+              <a:t>: </a:t>
+            </a:r>
+            <a:r>
+              <a:rPr lang="en-US" altLang="zh-TW" sz="1200" b="0" dirty="0" err="1">
+                <a:solidFill>
+                  <a:srgbClr val="F8F8F2"/>
+                </a:solidFill>
+                <a:effectLst/>
+                <a:latin typeface="Consolas" panose="020B0609020204030204" pitchFamily="49" charset="0"/>
+              </a:rPr>
+              <a:t>fs</a:t>
+            </a:r>
+            <a:r>
+              <a:rPr lang="en-US" altLang="zh-TW" sz="1200" b="0" dirty="0" err="1">
+                <a:solidFill>
+                  <a:srgbClr val="F92672"/>
+                </a:solidFill>
+                <a:effectLst/>
+                <a:latin typeface="Consolas" panose="020B0609020204030204" pitchFamily="49" charset="0"/>
+              </a:rPr>
+              <a:t>.</a:t>
+            </a:r>
+            <a:r>
+              <a:rPr lang="en-US" altLang="zh-TW" sz="1200" b="0" dirty="0" err="1">
+                <a:solidFill>
+                  <a:srgbClr val="A6E22E"/>
+                </a:solidFill>
+                <a:effectLst/>
+                <a:latin typeface="Consolas" panose="020B0609020204030204" pitchFamily="49" charset="0"/>
+              </a:rPr>
+              <a:t>readFileSync</a:t>
+            </a:r>
+            <a:r>
+              <a:rPr lang="en-US" altLang="zh-TW" sz="1200" b="0" dirty="0">
+                <a:solidFill>
+                  <a:srgbClr val="F8F8F2"/>
+                </a:solidFill>
+                <a:effectLst/>
+                <a:latin typeface="Consolas" panose="020B0609020204030204" pitchFamily="49" charset="0"/>
+              </a:rPr>
+              <a:t>(</a:t>
+            </a:r>
+            <a:r>
+              <a:rPr lang="en-US" altLang="zh-TW" sz="1200" b="0" dirty="0" err="1">
+                <a:solidFill>
+                  <a:srgbClr val="F8F8F2"/>
+                </a:solidFill>
+                <a:effectLst/>
+                <a:latin typeface="Consolas" panose="020B0609020204030204" pitchFamily="49" charset="0"/>
+              </a:rPr>
+              <a:t>path</a:t>
+            </a:r>
+            <a:r>
+              <a:rPr lang="en-US" altLang="zh-TW" sz="1200" b="0" dirty="0" err="1">
+                <a:solidFill>
+                  <a:srgbClr val="F92672"/>
+                </a:solidFill>
+                <a:effectLst/>
+                <a:latin typeface="Consolas" panose="020B0609020204030204" pitchFamily="49" charset="0"/>
+              </a:rPr>
+              <a:t>.</a:t>
+            </a:r>
+            <a:r>
+              <a:rPr lang="en-US" altLang="zh-TW" sz="1200" b="0" dirty="0" err="1">
+                <a:solidFill>
+                  <a:srgbClr val="A6E22E"/>
+                </a:solidFill>
+                <a:effectLst/>
+                <a:latin typeface="Consolas" panose="020B0609020204030204" pitchFamily="49" charset="0"/>
+              </a:rPr>
+              <a:t>resolve</a:t>
+            </a:r>
+            <a:r>
+              <a:rPr lang="en-US" altLang="zh-TW" sz="1200" b="0" dirty="0">
+                <a:solidFill>
+                  <a:srgbClr val="F8F8F2"/>
+                </a:solidFill>
+                <a:effectLst/>
+                <a:latin typeface="Consolas" panose="020B0609020204030204" pitchFamily="49" charset="0"/>
+              </a:rPr>
+              <a:t>(</a:t>
+            </a:r>
+            <a:r>
+              <a:rPr lang="en-US" altLang="zh-TW" sz="1200" b="0" i="1" dirty="0">
+                <a:solidFill>
+                  <a:srgbClr val="66D9EF"/>
+                </a:solidFill>
+                <a:effectLst/>
+                <a:latin typeface="Consolas" panose="020B0609020204030204" pitchFamily="49" charset="0"/>
+              </a:rPr>
+              <a:t>__</a:t>
+            </a:r>
+            <a:r>
+              <a:rPr lang="en-US" altLang="zh-TW" sz="1200" b="0" i="1" dirty="0" err="1">
+                <a:solidFill>
+                  <a:srgbClr val="66D9EF"/>
+                </a:solidFill>
+                <a:effectLst/>
+                <a:latin typeface="Consolas" panose="020B0609020204030204" pitchFamily="49" charset="0"/>
+              </a:rPr>
+              <a:t>dirname</a:t>
+            </a:r>
+            <a:r>
+              <a:rPr lang="en-US" altLang="zh-TW" sz="1200" b="0" dirty="0">
+                <a:solidFill>
+                  <a:srgbClr val="F8F8F2"/>
+                </a:solidFill>
+                <a:effectLst/>
+                <a:latin typeface="Consolas" panose="020B0609020204030204" pitchFamily="49" charset="0"/>
+              </a:rPr>
+              <a:t>, </a:t>
+            </a:r>
+            <a:r>
+              <a:rPr lang="en-US" altLang="zh-TW" sz="1200" b="0" dirty="0">
+                <a:solidFill>
+                  <a:srgbClr val="FFEE99"/>
+                </a:solidFill>
+                <a:effectLst/>
+                <a:latin typeface="Consolas" panose="020B0609020204030204" pitchFamily="49" charset="0"/>
+              </a:rPr>
+              <a:t>"localhost+2-key.pem"</a:t>
+            </a:r>
+            <a:r>
+              <a:rPr lang="en-US" altLang="zh-TW" sz="1200" b="0" dirty="0">
+                <a:solidFill>
+                  <a:srgbClr val="F8F8F2"/>
+                </a:solidFill>
+                <a:effectLst/>
+                <a:latin typeface="Consolas" panose="020B0609020204030204" pitchFamily="49" charset="0"/>
+              </a:rPr>
+              <a:t>)),</a:t>
+            </a:r>
+          </a:p>
+          <a:p>
+            <a:r>
+              <a:rPr lang="en-US" altLang="zh-TW" sz="1200" b="0" dirty="0">
+                <a:solidFill>
+                  <a:srgbClr val="F8F8F2"/>
+                </a:solidFill>
+                <a:effectLst/>
+                <a:latin typeface="Consolas" panose="020B0609020204030204" pitchFamily="49" charset="0"/>
+              </a:rPr>
+              <a:t>      </a:t>
+            </a:r>
+            <a:r>
+              <a:rPr lang="en-US" altLang="zh-TW" sz="1200" b="0" dirty="0">
+                <a:solidFill>
+                  <a:srgbClr val="FFEE99"/>
+                </a:solidFill>
+                <a:effectLst/>
+                <a:latin typeface="Consolas" panose="020B0609020204030204" pitchFamily="49" charset="0"/>
+              </a:rPr>
+              <a:t>cert</a:t>
+            </a:r>
+            <a:r>
+              <a:rPr lang="en-US" altLang="zh-TW" sz="1200" b="0" dirty="0">
+                <a:solidFill>
+                  <a:srgbClr val="F8F8F2"/>
+                </a:solidFill>
+                <a:effectLst/>
+                <a:latin typeface="Consolas" panose="020B0609020204030204" pitchFamily="49" charset="0"/>
+              </a:rPr>
+              <a:t>: </a:t>
+            </a:r>
+            <a:r>
+              <a:rPr lang="en-US" altLang="zh-TW" sz="1200" b="0" dirty="0" err="1">
+                <a:solidFill>
+                  <a:srgbClr val="F8F8F2"/>
+                </a:solidFill>
+                <a:effectLst/>
+                <a:latin typeface="Consolas" panose="020B0609020204030204" pitchFamily="49" charset="0"/>
+              </a:rPr>
+              <a:t>fs</a:t>
+            </a:r>
+            <a:r>
+              <a:rPr lang="en-US" altLang="zh-TW" sz="1200" b="0" dirty="0" err="1">
+                <a:solidFill>
+                  <a:srgbClr val="F92672"/>
+                </a:solidFill>
+                <a:effectLst/>
+                <a:latin typeface="Consolas" panose="020B0609020204030204" pitchFamily="49" charset="0"/>
+              </a:rPr>
+              <a:t>.</a:t>
+            </a:r>
+            <a:r>
+              <a:rPr lang="en-US" altLang="zh-TW" sz="1200" b="0" dirty="0" err="1">
+                <a:solidFill>
+                  <a:srgbClr val="A6E22E"/>
+                </a:solidFill>
+                <a:effectLst/>
+                <a:latin typeface="Consolas" panose="020B0609020204030204" pitchFamily="49" charset="0"/>
+              </a:rPr>
+              <a:t>readFileSync</a:t>
+            </a:r>
+            <a:r>
+              <a:rPr lang="en-US" altLang="zh-TW" sz="1200" b="0" dirty="0">
+                <a:solidFill>
+                  <a:srgbClr val="F8F8F2"/>
+                </a:solidFill>
+                <a:effectLst/>
+                <a:latin typeface="Consolas" panose="020B0609020204030204" pitchFamily="49" charset="0"/>
+              </a:rPr>
+              <a:t>(</a:t>
+            </a:r>
+            <a:r>
+              <a:rPr lang="en-US" altLang="zh-TW" sz="1200" b="0" dirty="0" err="1">
+                <a:solidFill>
+                  <a:srgbClr val="F8F8F2"/>
+                </a:solidFill>
+                <a:effectLst/>
+                <a:latin typeface="Consolas" panose="020B0609020204030204" pitchFamily="49" charset="0"/>
+              </a:rPr>
+              <a:t>path</a:t>
+            </a:r>
+            <a:r>
+              <a:rPr lang="en-US" altLang="zh-TW" sz="1200" b="0" dirty="0" err="1">
+                <a:solidFill>
+                  <a:srgbClr val="F92672"/>
+                </a:solidFill>
+                <a:effectLst/>
+                <a:latin typeface="Consolas" panose="020B0609020204030204" pitchFamily="49" charset="0"/>
+              </a:rPr>
+              <a:t>.</a:t>
+            </a:r>
+            <a:r>
+              <a:rPr lang="en-US" altLang="zh-TW" sz="1200" b="0" dirty="0" err="1">
+                <a:solidFill>
+                  <a:srgbClr val="A6E22E"/>
+                </a:solidFill>
+                <a:effectLst/>
+                <a:latin typeface="Consolas" panose="020B0609020204030204" pitchFamily="49" charset="0"/>
+              </a:rPr>
+              <a:t>resolve</a:t>
+            </a:r>
+            <a:r>
+              <a:rPr lang="en-US" altLang="zh-TW" sz="1200" b="0" dirty="0">
+                <a:solidFill>
+                  <a:srgbClr val="F8F8F2"/>
+                </a:solidFill>
+                <a:effectLst/>
+                <a:latin typeface="Consolas" panose="020B0609020204030204" pitchFamily="49" charset="0"/>
+              </a:rPr>
+              <a:t>(</a:t>
+            </a:r>
+            <a:r>
+              <a:rPr lang="en-US" altLang="zh-TW" sz="1200" b="0" i="1" dirty="0">
+                <a:solidFill>
+                  <a:srgbClr val="66D9EF"/>
+                </a:solidFill>
+                <a:effectLst/>
+                <a:latin typeface="Consolas" panose="020B0609020204030204" pitchFamily="49" charset="0"/>
+              </a:rPr>
+              <a:t>__</a:t>
+            </a:r>
+            <a:r>
+              <a:rPr lang="en-US" altLang="zh-TW" sz="1200" b="0" i="1" dirty="0" err="1">
+                <a:solidFill>
+                  <a:srgbClr val="66D9EF"/>
+                </a:solidFill>
+                <a:effectLst/>
+                <a:latin typeface="Consolas" panose="020B0609020204030204" pitchFamily="49" charset="0"/>
+              </a:rPr>
+              <a:t>dirname</a:t>
+            </a:r>
+            <a:r>
+              <a:rPr lang="en-US" altLang="zh-TW" sz="1200" b="0" dirty="0">
+                <a:solidFill>
+                  <a:srgbClr val="F8F8F2"/>
+                </a:solidFill>
+                <a:effectLst/>
+                <a:latin typeface="Consolas" panose="020B0609020204030204" pitchFamily="49" charset="0"/>
+              </a:rPr>
+              <a:t>, </a:t>
+            </a:r>
+            <a:r>
+              <a:rPr lang="en-US" altLang="zh-TW" sz="1200" b="0" dirty="0">
+                <a:solidFill>
+                  <a:srgbClr val="FFEE99"/>
+                </a:solidFill>
+                <a:effectLst/>
+                <a:latin typeface="Consolas" panose="020B0609020204030204" pitchFamily="49" charset="0"/>
+              </a:rPr>
+              <a:t>"localhost+2.pem"</a:t>
+            </a:r>
+            <a:r>
+              <a:rPr lang="en-US" altLang="zh-TW" sz="1200" b="0" dirty="0">
+                <a:solidFill>
+                  <a:srgbClr val="F8F8F2"/>
+                </a:solidFill>
+                <a:effectLst/>
+                <a:latin typeface="Consolas" panose="020B0609020204030204" pitchFamily="49" charset="0"/>
+              </a:rPr>
+              <a:t>))</a:t>
+            </a:r>
+          </a:p>
+          <a:p>
+            <a:r>
+              <a:rPr lang="en-US" altLang="zh-TW" sz="1200" b="0" dirty="0">
+                <a:solidFill>
+                  <a:srgbClr val="F8F8F2"/>
+                </a:solidFill>
+                <a:effectLst/>
+                <a:latin typeface="Consolas" panose="020B0609020204030204" pitchFamily="49" charset="0"/>
+              </a:rPr>
+              <a:t>    }</a:t>
+            </a:r>
+          </a:p>
+          <a:p>
+            <a:r>
+              <a:rPr lang="en-US" altLang="zh-TW" sz="1200" b="0" dirty="0">
+                <a:solidFill>
+                  <a:srgbClr val="F8F8F2"/>
+                </a:solidFill>
+                <a:effectLst/>
+                <a:latin typeface="Consolas" panose="020B0609020204030204" pitchFamily="49" charset="0"/>
+              </a:rPr>
+              <a:t>  }</a:t>
+            </a:r>
+          </a:p>
+          <a:p>
+            <a:r>
+              <a:rPr lang="en-US" altLang="zh-TW" sz="1200" b="0" dirty="0">
+                <a:solidFill>
+                  <a:srgbClr val="F8F8F2"/>
+                </a:solidFill>
+                <a:effectLst/>
+                <a:latin typeface="Consolas" panose="020B0609020204030204" pitchFamily="49" charset="0"/>
+              </a:rPr>
+              <a:t>}</a:t>
+            </a:r>
+          </a:p>
+        </p:txBody>
+      </p:sp>
+    </p:spTree>
+    <p:extLst>
+      <p:ext uri="{BB962C8B-B14F-4D97-AF65-F5344CB8AC3E}">
+        <p14:creationId xmlns:p14="http://schemas.microsoft.com/office/powerpoint/2010/main" val="470358214"/>
+      </p:ext>
+    </p:extLst>
+  </p:cSld>
+  <p:clrMapOvr>
+    <a:masterClrMapping/>
+  </p:clrMapOvr>
+</p:sld>
+</file>
+
+<file path=ppt/slides/slide2.xml><?xml version="1.0" encoding="utf-8"?>
+<p:sld xmlns:a="http://schemas.openxmlformats.org/drawingml/2006/main" xmlns:r="http://schemas.openxmlformats.org/officeDocument/2006/relationships" xmlns:p="http://schemas.openxmlformats.org/presentationml/2006/main">
+  <p:cSld>
+    <p:spTree>
+      <p:nvGrpSpPr>
+        <p:cNvPr id="1" name=""/>
+        <p:cNvGrpSpPr/>
+        <p:nvPr/>
+      </p:nvGrpSpPr>
+      <p:grpSpPr>
+        <a:xfrm>
+          <a:off x="0" y="0"/>
+          <a:ext cx="0" cy="0"/>
+          <a:chOff x="0" y="0"/>
+          <a:chExt cx="0" cy="0"/>
+        </a:xfrm>
+      </p:grpSpPr>
+      <p:grpSp>
+        <p:nvGrpSpPr>
+          <p:cNvPr id="8" name="群組 7">
+            <a:extLst>
+              <a:ext uri="{FF2B5EF4-FFF2-40B4-BE49-F238E27FC236}">
+                <a16:creationId xmlns:a16="http://schemas.microsoft.com/office/drawing/2014/main" id="{D29C0126-BCD8-491E-8F28-C8C26014FE20}"/>
+              </a:ext>
+            </a:extLst>
+          </p:cNvPr>
+          <p:cNvGrpSpPr/>
+          <p:nvPr/>
+        </p:nvGrpSpPr>
+        <p:grpSpPr>
+          <a:xfrm>
+            <a:off x="1251263" y="1929591"/>
+            <a:ext cx="4418969" cy="1104534"/>
+            <a:chOff x="1733549" y="1790758"/>
+            <a:chExt cx="4418969" cy="1104534"/>
+          </a:xfrm>
+        </p:grpSpPr>
+        <p:sp>
+          <p:nvSpPr>
+            <p:cNvPr id="9" name="文字方塊 8">
+              <a:extLst>
+                <a:ext uri="{FF2B5EF4-FFF2-40B4-BE49-F238E27FC236}">
+                  <a16:creationId xmlns:a16="http://schemas.microsoft.com/office/drawing/2014/main" id="{FCFBF2C2-1AD2-43CD-B6B4-869C98AC2976}"/>
+                </a:ext>
+              </a:extLst>
+            </p:cNvPr>
+            <p:cNvSpPr txBox="1"/>
+            <p:nvPr/>
+          </p:nvSpPr>
+          <p:spPr>
+            <a:xfrm>
+              <a:off x="1733549" y="1790758"/>
+              <a:ext cx="4418969" cy="830997"/>
+            </a:xfrm>
+            <a:prstGeom prst="rect">
+              <a:avLst/>
+            </a:prstGeom>
+            <a:noFill/>
+          </p:spPr>
+          <p:txBody>
+            <a:bodyPr wrap="square">
+              <a:spAutoFit/>
+            </a:bodyPr>
+            <a:lstStyle/>
+            <a:p>
+              <a:pPr algn="ctr"/>
+              <a:r>
+                <a:rPr lang="zh-TW" altLang="en-US" sz="4800" b="1" i="0" dirty="0">
+                  <a:solidFill>
+                    <a:schemeClr val="bg1"/>
+                  </a:solidFill>
+                  <a:effectLst/>
+                  <a:latin typeface="微軟正黑體" panose="020B0604030504040204" pitchFamily="34" charset="-120"/>
+                  <a:ea typeface="微軟正黑體" panose="020B0604030504040204" pitchFamily="34" charset="-120"/>
+                </a:rPr>
+                <a:t>什麼是</a:t>
+              </a:r>
+              <a:r>
+                <a:rPr lang="en-US" altLang="zh-TW" sz="4800" b="1" i="0" dirty="0">
+                  <a:solidFill>
+                    <a:schemeClr val="bg1"/>
+                  </a:solidFill>
+                  <a:effectLst/>
+                  <a:latin typeface="微軟正黑體" panose="020B0604030504040204" pitchFamily="34" charset="-120"/>
+                  <a:ea typeface="微軟正黑體" panose="020B0604030504040204" pitchFamily="34" charset="-120"/>
+                </a:rPr>
+                <a:t>SPA?</a:t>
+              </a:r>
+              <a:endParaRPr lang="zh-TW" altLang="en-US" sz="4800" b="1" dirty="0">
+                <a:solidFill>
+                  <a:schemeClr val="bg1"/>
+                </a:solidFill>
+                <a:latin typeface="微軟正黑體" panose="020B0604030504040204" pitchFamily="34" charset="-120"/>
+                <a:ea typeface="微軟正黑體" panose="020B0604030504040204" pitchFamily="34" charset="-120"/>
+              </a:endParaRPr>
+            </a:p>
+          </p:txBody>
+        </p:sp>
+        <p:sp>
+          <p:nvSpPr>
+            <p:cNvPr id="11" name="文字方塊 10">
+              <a:extLst>
+                <a:ext uri="{FF2B5EF4-FFF2-40B4-BE49-F238E27FC236}">
+                  <a16:creationId xmlns:a16="http://schemas.microsoft.com/office/drawing/2014/main" id="{FDA8030D-BC83-402F-94A9-D3199D6E674A}"/>
+                </a:ext>
+              </a:extLst>
+            </p:cNvPr>
+            <p:cNvSpPr txBox="1"/>
+            <p:nvPr/>
+          </p:nvSpPr>
+          <p:spPr>
+            <a:xfrm>
+              <a:off x="1923733" y="2525960"/>
+              <a:ext cx="4038600" cy="369332"/>
+            </a:xfrm>
+            <a:prstGeom prst="rect">
+              <a:avLst/>
+            </a:prstGeom>
+            <a:noFill/>
+          </p:spPr>
+          <p:txBody>
+            <a:bodyPr wrap="square">
+              <a:spAutoFit/>
+            </a:bodyPr>
+            <a:lstStyle/>
+            <a:p>
+              <a:pPr algn="ctr"/>
+              <a:r>
+                <a:rPr lang="en-US" altLang="zh-TW" dirty="0">
+                  <a:solidFill>
+                    <a:schemeClr val="bg1"/>
+                  </a:solidFill>
+                </a:rPr>
+                <a:t>SPA demo : </a:t>
+              </a:r>
+              <a:r>
+                <a:rPr lang="zh-TW" altLang="en-US" dirty="0">
+                  <a:solidFill>
+                    <a:schemeClr val="bg1"/>
+                  </a:solidFill>
+                </a:rPr>
+                <a:t>http://www.yixinju.url.tw/</a:t>
+              </a:r>
+            </a:p>
+          </p:txBody>
+        </p:sp>
+      </p:grpSp>
+      <p:grpSp>
+        <p:nvGrpSpPr>
+          <p:cNvPr id="21" name="群組 20">
+            <a:extLst>
+              <a:ext uri="{FF2B5EF4-FFF2-40B4-BE49-F238E27FC236}">
+                <a16:creationId xmlns:a16="http://schemas.microsoft.com/office/drawing/2014/main" id="{22565558-DC8B-4626-BFCA-B220C559C57E}"/>
+              </a:ext>
+            </a:extLst>
+          </p:cNvPr>
+          <p:cNvGrpSpPr/>
+          <p:nvPr/>
+        </p:nvGrpSpPr>
+        <p:grpSpPr>
+          <a:xfrm>
+            <a:off x="1050609" y="3823875"/>
+            <a:ext cx="4820281" cy="1174105"/>
+            <a:chOff x="1469709" y="4096925"/>
+            <a:chExt cx="4820281" cy="1174105"/>
+          </a:xfrm>
+        </p:grpSpPr>
+        <p:sp>
+          <p:nvSpPr>
+            <p:cNvPr id="16" name="文字方塊 15">
+              <a:extLst>
+                <a:ext uri="{FF2B5EF4-FFF2-40B4-BE49-F238E27FC236}">
+                  <a16:creationId xmlns:a16="http://schemas.microsoft.com/office/drawing/2014/main" id="{289B51A2-136A-43BA-A27D-76E6D47885DE}"/>
+                </a:ext>
+              </a:extLst>
+            </p:cNvPr>
+            <p:cNvSpPr txBox="1"/>
+            <p:nvPr/>
+          </p:nvSpPr>
+          <p:spPr>
+            <a:xfrm>
+              <a:off x="1469709" y="4901698"/>
+              <a:ext cx="4820281" cy="369332"/>
+            </a:xfrm>
+            <a:prstGeom prst="rect">
+              <a:avLst/>
+            </a:prstGeom>
+            <a:noFill/>
+          </p:spPr>
+          <p:txBody>
+            <a:bodyPr wrap="square">
+              <a:spAutoFit/>
+            </a:bodyPr>
+            <a:lstStyle/>
+            <a:p>
+              <a:pPr algn="ctr"/>
+              <a:r>
+                <a:rPr lang="en-US" altLang="zh-TW" dirty="0">
+                  <a:solidFill>
+                    <a:schemeClr val="bg1"/>
+                  </a:solidFill>
+                </a:rPr>
+                <a:t>SSR demo : https://v3.vuejs.org/</a:t>
+              </a:r>
+              <a:endParaRPr lang="zh-TW" altLang="en-US" dirty="0">
+                <a:solidFill>
+                  <a:schemeClr val="bg1"/>
+                </a:solidFill>
+              </a:endParaRPr>
+            </a:p>
+          </p:txBody>
+        </p:sp>
+        <p:sp>
+          <p:nvSpPr>
+            <p:cNvPr id="20" name="文字方塊 19">
+              <a:extLst>
+                <a:ext uri="{FF2B5EF4-FFF2-40B4-BE49-F238E27FC236}">
+                  <a16:creationId xmlns:a16="http://schemas.microsoft.com/office/drawing/2014/main" id="{4D37A43B-3602-4C34-9992-26A4C548D145}"/>
+                </a:ext>
+              </a:extLst>
+            </p:cNvPr>
+            <p:cNvSpPr txBox="1"/>
+            <p:nvPr/>
+          </p:nvSpPr>
+          <p:spPr>
+            <a:xfrm>
+              <a:off x="1527489" y="4096925"/>
+              <a:ext cx="4704719" cy="830997"/>
+            </a:xfrm>
+            <a:prstGeom prst="rect">
+              <a:avLst/>
+            </a:prstGeom>
+            <a:noFill/>
+          </p:spPr>
+          <p:txBody>
+            <a:bodyPr wrap="square">
+              <a:spAutoFit/>
+            </a:bodyPr>
+            <a:lstStyle/>
+            <a:p>
+              <a:pPr algn="ctr"/>
+              <a:r>
+                <a:rPr lang="zh-TW" altLang="en-US" sz="4800" b="1" i="0" dirty="0">
+                  <a:solidFill>
+                    <a:schemeClr val="bg1"/>
+                  </a:solidFill>
+                  <a:effectLst/>
+                  <a:latin typeface="微軟正黑體" panose="020B0604030504040204" pitchFamily="34" charset="-120"/>
+                  <a:ea typeface="微軟正黑體" panose="020B0604030504040204" pitchFamily="34" charset="-120"/>
+                </a:rPr>
+                <a:t>什麼是</a:t>
+              </a:r>
+              <a:r>
+                <a:rPr lang="en-US" altLang="zh-TW" sz="4800" b="1" i="0" dirty="0">
+                  <a:solidFill>
+                    <a:schemeClr val="bg1"/>
+                  </a:solidFill>
+                  <a:effectLst/>
+                  <a:latin typeface="微軟正黑體" panose="020B0604030504040204" pitchFamily="34" charset="-120"/>
+                  <a:ea typeface="微軟正黑體" panose="020B0604030504040204" pitchFamily="34" charset="-120"/>
+                </a:rPr>
+                <a:t>SSR?</a:t>
+              </a:r>
+              <a:endParaRPr lang="zh-TW" altLang="en-US" sz="4800" b="1" dirty="0">
+                <a:solidFill>
+                  <a:schemeClr val="bg1"/>
+                </a:solidFill>
+                <a:latin typeface="微軟正黑體" panose="020B0604030504040204" pitchFamily="34" charset="-120"/>
+                <a:ea typeface="微軟正黑體" panose="020B0604030504040204" pitchFamily="34" charset="-120"/>
+              </a:endParaRPr>
+            </a:p>
+          </p:txBody>
+        </p:sp>
+      </p:grpSp>
+    </p:spTree>
+    <p:extLst>
+      <p:ext uri="{BB962C8B-B14F-4D97-AF65-F5344CB8AC3E}">
+        <p14:creationId xmlns:p14="http://schemas.microsoft.com/office/powerpoint/2010/main" val="343185435"/>
+      </p:ext>
+    </p:extLst>
+  </p:cSld>
+  <p:clrMapOvr>
+    <a:masterClrMapping/>
+  </p:clrMapOvr>
+</p:sld>
+</file>
+
+<file path=ppt/slides/slide20.xml><?xml version="1.0" encoding="utf-8"?>
+<p:sld xmlns:a="http://schemas.openxmlformats.org/drawingml/2006/main" xmlns:r="http://schemas.openxmlformats.org/officeDocument/2006/relationships" xmlns:p="http://schemas.openxmlformats.org/presentationml/2006/main">
+  <p:cSld>
+    <p:spTree>
+      <p:nvGrpSpPr>
+        <p:cNvPr id="1" name=""/>
+        <p:cNvGrpSpPr/>
+        <p:nvPr/>
+      </p:nvGrpSpPr>
+      <p:grpSpPr>
+        <a:xfrm>
+          <a:off x="0" y="0"/>
+          <a:ext cx="0" cy="0"/>
+          <a:chOff x="0" y="0"/>
+          <a:chExt cx="0" cy="0"/>
+        </a:xfrm>
+      </p:grpSpPr>
+      <p:sp>
+        <p:nvSpPr>
           <p:cNvPr id="8" name="矩形 7">
             <a:extLst>
               <a:ext uri="{FF2B5EF4-FFF2-40B4-BE49-F238E27FC236}">
@@ -9922,7 +11871,7 @@
 </p:sld>
 </file>
 
-<file path=ppt/slides/slide19.xml><?xml version="1.0" encoding="utf-8"?>
+<file path=ppt/slides/slide21.xml><?xml version="1.0" encoding="utf-8"?>
 <p:sld xmlns:a="http://schemas.openxmlformats.org/drawingml/2006/main" xmlns:r="http://schemas.openxmlformats.org/officeDocument/2006/relationships" xmlns:p="http://schemas.openxmlformats.org/presentationml/2006/main">
   <p:cSld>
     <p:spTree>
@@ -10069,294 +12018,7 @@
 </p:sld>
 </file>
 
-<file path=ppt/slides/slide2.xml><?xml version="1.0" encoding="utf-8"?>
-<p:sld xmlns:a="http://schemas.openxmlformats.org/drawingml/2006/main" xmlns:r="http://schemas.openxmlformats.org/officeDocument/2006/relationships" xmlns:p="http://schemas.openxmlformats.org/presentationml/2006/main">
-  <p:cSld>
-    <p:spTree>
-      <p:nvGrpSpPr>
-        <p:cNvPr id="1" name=""/>
-        <p:cNvGrpSpPr/>
-        <p:nvPr/>
-      </p:nvGrpSpPr>
-      <p:grpSpPr>
-        <a:xfrm>
-          <a:off x="0" y="0"/>
-          <a:ext cx="0" cy="0"/>
-          <a:chOff x="0" y="0"/>
-          <a:chExt cx="0" cy="0"/>
-        </a:xfrm>
-      </p:grpSpPr>
-      <p:grpSp>
-        <p:nvGrpSpPr>
-          <p:cNvPr id="8" name="群組 7">
-            <a:extLst>
-              <a:ext uri="{FF2B5EF4-FFF2-40B4-BE49-F238E27FC236}">
-                <a16:creationId xmlns:a16="http://schemas.microsoft.com/office/drawing/2014/main" id="{D29C0126-BCD8-491E-8F28-C8C26014FE20}"/>
-              </a:ext>
-            </a:extLst>
-          </p:cNvPr>
-          <p:cNvGrpSpPr/>
-          <p:nvPr/>
-        </p:nvGrpSpPr>
-        <p:grpSpPr>
-          <a:xfrm>
-            <a:off x="1251263" y="1929591"/>
-            <a:ext cx="4418969" cy="1104534"/>
-            <a:chOff x="1733549" y="1790758"/>
-            <a:chExt cx="4418969" cy="1104534"/>
-          </a:xfrm>
-        </p:grpSpPr>
-        <p:sp>
-          <p:nvSpPr>
-            <p:cNvPr id="9" name="文字方塊 8">
-              <a:extLst>
-                <a:ext uri="{FF2B5EF4-FFF2-40B4-BE49-F238E27FC236}">
-                  <a16:creationId xmlns:a16="http://schemas.microsoft.com/office/drawing/2014/main" id="{FCFBF2C2-1AD2-43CD-B6B4-869C98AC2976}"/>
-                </a:ext>
-              </a:extLst>
-            </p:cNvPr>
-            <p:cNvSpPr txBox="1"/>
-            <p:nvPr/>
-          </p:nvSpPr>
-          <p:spPr>
-            <a:xfrm>
-              <a:off x="1733549" y="1790758"/>
-              <a:ext cx="4418969" cy="830997"/>
-            </a:xfrm>
-            <a:prstGeom prst="rect">
-              <a:avLst/>
-            </a:prstGeom>
-            <a:noFill/>
-          </p:spPr>
-          <p:txBody>
-            <a:bodyPr wrap="square">
-              <a:spAutoFit/>
-            </a:bodyPr>
-            <a:lstStyle/>
-            <a:p>
-              <a:pPr algn="ctr"/>
-              <a:r>
-                <a:rPr lang="zh-TW" altLang="en-US" sz="4800" b="1" i="0" dirty="0">
-                  <a:solidFill>
-                    <a:schemeClr val="bg1"/>
-                  </a:solidFill>
-                  <a:effectLst/>
-                  <a:latin typeface="微軟正黑體" panose="020B0604030504040204" pitchFamily="34" charset="-120"/>
-                  <a:ea typeface="微軟正黑體" panose="020B0604030504040204" pitchFamily="34" charset="-120"/>
-                </a:rPr>
-                <a:t>什麼是</a:t>
-              </a:r>
-              <a:r>
-                <a:rPr lang="en-US" altLang="zh-TW" sz="4800" b="1" i="0" dirty="0">
-                  <a:solidFill>
-                    <a:schemeClr val="bg1"/>
-                  </a:solidFill>
-                  <a:effectLst/>
-                  <a:latin typeface="微軟正黑體" panose="020B0604030504040204" pitchFamily="34" charset="-120"/>
-                  <a:ea typeface="微軟正黑體" panose="020B0604030504040204" pitchFamily="34" charset="-120"/>
-                </a:rPr>
-                <a:t>SPA?</a:t>
-              </a:r>
-              <a:endParaRPr lang="zh-TW" altLang="en-US" sz="4800" b="1" dirty="0">
-                <a:solidFill>
-                  <a:schemeClr val="bg1"/>
-                </a:solidFill>
-                <a:latin typeface="微軟正黑體" panose="020B0604030504040204" pitchFamily="34" charset="-120"/>
-                <a:ea typeface="微軟正黑體" panose="020B0604030504040204" pitchFamily="34" charset="-120"/>
-              </a:endParaRPr>
-            </a:p>
-          </p:txBody>
-        </p:sp>
-        <p:sp>
-          <p:nvSpPr>
-            <p:cNvPr id="11" name="文字方塊 10">
-              <a:extLst>
-                <a:ext uri="{FF2B5EF4-FFF2-40B4-BE49-F238E27FC236}">
-                  <a16:creationId xmlns:a16="http://schemas.microsoft.com/office/drawing/2014/main" id="{FDA8030D-BC83-402F-94A9-D3199D6E674A}"/>
-                </a:ext>
-              </a:extLst>
-            </p:cNvPr>
-            <p:cNvSpPr txBox="1"/>
-            <p:nvPr/>
-          </p:nvSpPr>
-          <p:spPr>
-            <a:xfrm>
-              <a:off x="1923733" y="2525960"/>
-              <a:ext cx="4038600" cy="369332"/>
-            </a:xfrm>
-            <a:prstGeom prst="rect">
-              <a:avLst/>
-            </a:prstGeom>
-            <a:noFill/>
-          </p:spPr>
-          <p:txBody>
-            <a:bodyPr wrap="square">
-              <a:spAutoFit/>
-            </a:bodyPr>
-            <a:lstStyle/>
-            <a:p>
-              <a:pPr algn="ctr"/>
-              <a:r>
-                <a:rPr lang="en-US" altLang="zh-TW" dirty="0">
-                  <a:solidFill>
-                    <a:schemeClr val="bg1"/>
-                  </a:solidFill>
-                </a:rPr>
-                <a:t>SPA demo : </a:t>
-              </a:r>
-              <a:r>
-                <a:rPr lang="zh-TW" altLang="en-US" dirty="0">
-                  <a:solidFill>
-                    <a:schemeClr val="bg1"/>
-                  </a:solidFill>
-                </a:rPr>
-                <a:t>http://www.yixinju.url.tw/</a:t>
-              </a:r>
-            </a:p>
-          </p:txBody>
-        </p:sp>
-      </p:grpSp>
-      <p:grpSp>
-        <p:nvGrpSpPr>
-          <p:cNvPr id="21" name="群組 20">
-            <a:extLst>
-              <a:ext uri="{FF2B5EF4-FFF2-40B4-BE49-F238E27FC236}">
-                <a16:creationId xmlns:a16="http://schemas.microsoft.com/office/drawing/2014/main" id="{22565558-DC8B-4626-BFCA-B220C559C57E}"/>
-              </a:ext>
-            </a:extLst>
-          </p:cNvPr>
-          <p:cNvGrpSpPr/>
-          <p:nvPr/>
-        </p:nvGrpSpPr>
-        <p:grpSpPr>
-          <a:xfrm>
-            <a:off x="1050609" y="3823875"/>
-            <a:ext cx="4820281" cy="1174105"/>
-            <a:chOff x="1469709" y="4096925"/>
-            <a:chExt cx="4820281" cy="1174105"/>
-          </a:xfrm>
-        </p:grpSpPr>
-        <p:sp>
-          <p:nvSpPr>
-            <p:cNvPr id="16" name="文字方塊 15">
-              <a:extLst>
-                <a:ext uri="{FF2B5EF4-FFF2-40B4-BE49-F238E27FC236}">
-                  <a16:creationId xmlns:a16="http://schemas.microsoft.com/office/drawing/2014/main" id="{289B51A2-136A-43BA-A27D-76E6D47885DE}"/>
-                </a:ext>
-              </a:extLst>
-            </p:cNvPr>
-            <p:cNvSpPr txBox="1"/>
-            <p:nvPr/>
-          </p:nvSpPr>
-          <p:spPr>
-            <a:xfrm>
-              <a:off x="1469709" y="4901698"/>
-              <a:ext cx="4820281" cy="369332"/>
-            </a:xfrm>
-            <a:prstGeom prst="rect">
-              <a:avLst/>
-            </a:prstGeom>
-            <a:noFill/>
-          </p:spPr>
-          <p:txBody>
-            <a:bodyPr wrap="square">
-              <a:spAutoFit/>
-            </a:bodyPr>
-            <a:lstStyle/>
-            <a:p>
-              <a:pPr algn="ctr"/>
-              <a:r>
-                <a:rPr lang="en-US" altLang="zh-TW" dirty="0">
-                  <a:solidFill>
-                    <a:schemeClr val="bg1"/>
-                  </a:solidFill>
-                </a:rPr>
-                <a:t>SSR demo : https://v3.vuejs.org/</a:t>
-              </a:r>
-              <a:endParaRPr lang="zh-TW" altLang="en-US" dirty="0">
-                <a:solidFill>
-                  <a:schemeClr val="bg1"/>
-                </a:solidFill>
-              </a:endParaRPr>
-            </a:p>
-          </p:txBody>
-        </p:sp>
-        <p:sp>
-          <p:nvSpPr>
-            <p:cNvPr id="20" name="文字方塊 19">
-              <a:extLst>
-                <a:ext uri="{FF2B5EF4-FFF2-40B4-BE49-F238E27FC236}">
-                  <a16:creationId xmlns:a16="http://schemas.microsoft.com/office/drawing/2014/main" id="{4D37A43B-3602-4C34-9992-26A4C548D145}"/>
-                </a:ext>
-              </a:extLst>
-            </p:cNvPr>
-            <p:cNvSpPr txBox="1"/>
-            <p:nvPr/>
-          </p:nvSpPr>
-          <p:spPr>
-            <a:xfrm>
-              <a:off x="1527489" y="4096925"/>
-              <a:ext cx="4704719" cy="830997"/>
-            </a:xfrm>
-            <a:prstGeom prst="rect">
-              <a:avLst/>
-            </a:prstGeom>
-            <a:noFill/>
-          </p:spPr>
-          <p:txBody>
-            <a:bodyPr wrap="square">
-              <a:spAutoFit/>
-            </a:bodyPr>
-            <a:lstStyle/>
-            <a:p>
-              <a:pPr algn="ctr"/>
-              <a:r>
-                <a:rPr lang="zh-TW" altLang="en-US" sz="4800" b="1" i="0" dirty="0">
-                  <a:solidFill>
-                    <a:schemeClr val="bg1"/>
-                  </a:solidFill>
-                  <a:effectLst/>
-                  <a:latin typeface="微軟正黑體" panose="020B0604030504040204" pitchFamily="34" charset="-120"/>
-                  <a:ea typeface="微軟正黑體" panose="020B0604030504040204" pitchFamily="34" charset="-120"/>
-                </a:rPr>
-                <a:t>什麼是</a:t>
-              </a:r>
-              <a:r>
-                <a:rPr lang="en-US" altLang="zh-TW" sz="4800" b="1" i="0" dirty="0">
-                  <a:solidFill>
-                    <a:schemeClr val="bg1"/>
-                  </a:solidFill>
-                  <a:effectLst/>
-                  <a:latin typeface="微軟正黑體" panose="020B0604030504040204" pitchFamily="34" charset="-120"/>
-                  <a:ea typeface="微軟正黑體" panose="020B0604030504040204" pitchFamily="34" charset="-120"/>
-                </a:rPr>
-                <a:t>SSR?</a:t>
-              </a:r>
-              <a:endParaRPr lang="zh-TW" altLang="en-US" sz="4800" b="1" dirty="0">
-                <a:solidFill>
-                  <a:schemeClr val="bg1"/>
-                </a:solidFill>
-                <a:latin typeface="微軟正黑體" panose="020B0604030504040204" pitchFamily="34" charset="-120"/>
-                <a:ea typeface="微軟正黑體" panose="020B0604030504040204" pitchFamily="34" charset="-120"/>
-              </a:endParaRPr>
-            </a:p>
-          </p:txBody>
-        </p:sp>
-      </p:grpSp>
-    </p:spTree>
-    <p:extLst>
-      <p:ext uri="{BB962C8B-B14F-4D97-AF65-F5344CB8AC3E}">
-        <p14:creationId xmlns:p14="http://schemas.microsoft.com/office/powerpoint/2010/main" val="343185435"/>
-      </p:ext>
-    </p:extLst>
-  </p:cSld>
-  <p:clrMapOvr>
-    <a:masterClrMapping/>
-  </p:clrMapOvr>
-</p:sld>
-</file>
-
-<file path=ppt/slides/slide20.xml><?xml version="1.0" encoding="utf-8"?>
+<file path=ppt/slides/slide22.xml><?xml version="1.0" encoding="utf-8"?>
 <p:sld xmlns:a="http://schemas.openxmlformats.org/drawingml/2006/main" xmlns:r="http://schemas.openxmlformats.org/officeDocument/2006/relationships" xmlns:p="http://schemas.openxmlformats.org/presentationml/2006/main">
   <p:cSld>
     <p:spTree>
@@ -10631,6 +12293,68 @@
                 <a:ea typeface="微軟正黑體" panose="020B0604030504040204" pitchFamily="34" charset="-120"/>
               </a:rPr>
               <a:t>課程內容</a:t>
+            </a:r>
+            <a:r>
+              <a:rPr lang="en-US" altLang="zh-TW" sz="2000" dirty="0">
+                <a:solidFill>
+                  <a:schemeClr val="bg1"/>
+                </a:solidFill>
+                <a:effectLst/>
+                <a:latin typeface="微軟正黑體" panose="020B0604030504040204" pitchFamily="34" charset="-120"/>
+                <a:ea typeface="微軟正黑體" panose="020B0604030504040204" pitchFamily="34" charset="-120"/>
+              </a:rPr>
+              <a:t>)</a:t>
+            </a:r>
+          </a:p>
+          <a:p>
+            <a:pPr>
+              <a:lnSpc>
+                <a:spcPct val="150000"/>
+              </a:lnSpc>
+            </a:pPr>
+            <a:r>
+              <a:rPr lang="en-US" altLang="zh-TW" sz="2000" dirty="0">
+                <a:solidFill>
+                  <a:schemeClr val="bg1"/>
+                </a:solidFill>
+                <a:effectLst/>
+                <a:latin typeface="微軟正黑體" panose="020B0604030504040204" pitchFamily="34" charset="-120"/>
+                <a:ea typeface="微軟正黑體" panose="020B0604030504040204" pitchFamily="34" charset="-120"/>
+              </a:rPr>
+              <a:t>http://www.vscinemas.com.tw/VsWeb/api/GetLstDicCinema</a:t>
+            </a:r>
+            <a:r>
+              <a:rPr lang="zh-TW" altLang="en-US" sz="2000" dirty="0">
+                <a:solidFill>
+                  <a:schemeClr val="bg1"/>
+                </a:solidFill>
+                <a:effectLst/>
+                <a:latin typeface="微軟正黑體" panose="020B0604030504040204" pitchFamily="34" charset="-120"/>
+                <a:ea typeface="微軟正黑體" panose="020B0604030504040204" pitchFamily="34" charset="-120"/>
+              </a:rPr>
+              <a:t>  </a:t>
+            </a:r>
+            <a:r>
+              <a:rPr lang="en-US" altLang="zh-TW" sz="2000" dirty="0">
+                <a:solidFill>
+                  <a:schemeClr val="bg1"/>
+                </a:solidFill>
+                <a:effectLst/>
+                <a:latin typeface="微軟正黑體" panose="020B0604030504040204" pitchFamily="34" charset="-120"/>
+                <a:ea typeface="微軟正黑體" panose="020B0604030504040204" pitchFamily="34" charset="-120"/>
+              </a:rPr>
+              <a:t>(</a:t>
+            </a:r>
+            <a:r>
+              <a:rPr lang="zh-TW" altLang="en-US" sz="2000" dirty="0">
+                <a:solidFill>
+                  <a:schemeClr val="bg1"/>
+                </a:solidFill>
+                <a:effectLst/>
+                <a:latin typeface="微軟正黑體" panose="020B0604030504040204" pitchFamily="34" charset="-120"/>
+                <a:ea typeface="微軟正黑體" panose="020B0604030504040204" pitchFamily="34" charset="-120"/>
+              </a:rPr>
+              <a:t>電影院列表</a:t>
             </a:r>
             <a:r>
               <a:rPr lang="en-US" altLang="zh-TW" sz="2000" dirty="0">

--- a/nuxt.pptx
+++ b/nuxt.pptx
@@ -322,7 +322,7 @@
           <a:p>
             <a:fld id="{55B5673A-2C76-400E-AECF-A7C5CD58B306}" type="datetimeFigureOut">
               <a:rPr lang="zh-TW" altLang="en-US" smtClean="0"/>
-              <a:t>2020/12/16</a:t>
+              <a:t>2020/12/17</a:t>
             </a:fld>
             <a:endParaRPr lang="zh-TW" altLang="en-US"/>
           </a:p>
@@ -520,7 +520,7 @@
           <a:p>
             <a:fld id="{55B5673A-2C76-400E-AECF-A7C5CD58B306}" type="datetimeFigureOut">
               <a:rPr lang="zh-TW" altLang="en-US" smtClean="0"/>
-              <a:t>2020/12/16</a:t>
+              <a:t>2020/12/17</a:t>
             </a:fld>
             <a:endParaRPr lang="zh-TW" altLang="en-US"/>
           </a:p>
@@ -728,7 +728,7 @@
           <a:p>
             <a:fld id="{55B5673A-2C76-400E-AECF-A7C5CD58B306}" type="datetimeFigureOut">
               <a:rPr lang="zh-TW" altLang="en-US" smtClean="0"/>
-              <a:t>2020/12/16</a:t>
+              <a:t>2020/12/17</a:t>
             </a:fld>
             <a:endParaRPr lang="zh-TW" altLang="en-US"/>
           </a:p>
@@ -926,7 +926,7 @@
           <a:p>
             <a:fld id="{55B5673A-2C76-400E-AECF-A7C5CD58B306}" type="datetimeFigureOut">
               <a:rPr lang="zh-TW" altLang="en-US" smtClean="0"/>
-              <a:t>2020/12/16</a:t>
+              <a:t>2020/12/17</a:t>
             </a:fld>
             <a:endParaRPr lang="zh-TW" altLang="en-US"/>
           </a:p>
@@ -1201,7 +1201,7 @@
           <a:p>
             <a:fld id="{55B5673A-2C76-400E-AECF-A7C5CD58B306}" type="datetimeFigureOut">
               <a:rPr lang="zh-TW" altLang="en-US" smtClean="0"/>
-              <a:t>2020/12/16</a:t>
+              <a:t>2020/12/17</a:t>
             </a:fld>
             <a:endParaRPr lang="zh-TW" altLang="en-US"/>
           </a:p>
@@ -1466,7 +1466,7 @@
           <a:p>
             <a:fld id="{55B5673A-2C76-400E-AECF-A7C5CD58B306}" type="datetimeFigureOut">
               <a:rPr lang="zh-TW" altLang="en-US" smtClean="0"/>
-              <a:t>2020/12/16</a:t>
+              <a:t>2020/12/17</a:t>
             </a:fld>
             <a:endParaRPr lang="zh-TW" altLang="en-US"/>
           </a:p>
@@ -1878,7 +1878,7 @@
           <a:p>
             <a:fld id="{55B5673A-2C76-400E-AECF-A7C5CD58B306}" type="datetimeFigureOut">
               <a:rPr lang="zh-TW" altLang="en-US" smtClean="0"/>
-              <a:t>2020/12/16</a:t>
+              <a:t>2020/12/17</a:t>
             </a:fld>
             <a:endParaRPr lang="zh-TW" altLang="en-US"/>
           </a:p>
@@ -2019,7 +2019,7 @@
           <a:p>
             <a:fld id="{55B5673A-2C76-400E-AECF-A7C5CD58B306}" type="datetimeFigureOut">
               <a:rPr lang="zh-TW" altLang="en-US" smtClean="0"/>
-              <a:t>2020/12/16</a:t>
+              <a:t>2020/12/17</a:t>
             </a:fld>
             <a:endParaRPr lang="zh-TW" altLang="en-US"/>
           </a:p>
@@ -2132,7 +2132,7 @@
           <a:p>
             <a:fld id="{55B5673A-2C76-400E-AECF-A7C5CD58B306}" type="datetimeFigureOut">
               <a:rPr lang="zh-TW" altLang="en-US" smtClean="0"/>
-              <a:t>2020/12/16</a:t>
+              <a:t>2020/12/17</a:t>
             </a:fld>
             <a:endParaRPr lang="zh-TW" altLang="en-US"/>
           </a:p>
@@ -2443,7 +2443,7 @@
           <a:p>
             <a:fld id="{55B5673A-2C76-400E-AECF-A7C5CD58B306}" type="datetimeFigureOut">
               <a:rPr lang="zh-TW" altLang="en-US" smtClean="0"/>
-              <a:t>2020/12/16</a:t>
+              <a:t>2020/12/17</a:t>
             </a:fld>
             <a:endParaRPr lang="zh-TW" altLang="en-US"/>
           </a:p>
@@ -2731,7 +2731,7 @@
           <a:p>
             <a:fld id="{55B5673A-2C76-400E-AECF-A7C5CD58B306}" type="datetimeFigureOut">
               <a:rPr lang="zh-TW" altLang="en-US" smtClean="0"/>
-              <a:t>2020/12/16</a:t>
+              <a:t>2020/12/17</a:t>
             </a:fld>
             <a:endParaRPr lang="zh-TW" altLang="en-US"/>
           </a:p>
@@ -2975,7 +2975,7 @@
           <a:p>
             <a:fld id="{55B5673A-2C76-400E-AECF-A7C5CD58B306}" type="datetimeFigureOut">
               <a:rPr lang="zh-TW" altLang="en-US" smtClean="0"/>
-              <a:t>2020/12/16</a:t>
+              <a:t>2020/12/17</a:t>
             </a:fld>
             <a:endParaRPr lang="zh-TW" altLang="en-US"/>
           </a:p>
@@ -9107,8 +9107,8 @@
         </p:nvSpPr>
         <p:spPr>
           <a:xfrm>
-            <a:off x="5952118" y="3013298"/>
-            <a:ext cx="5931440" cy="2298173"/>
+            <a:off x="5494351" y="3013298"/>
+            <a:ext cx="6389207" cy="2298173"/>
           </a:xfrm>
           <a:prstGeom prst="rect">
             <a:avLst/>
@@ -9154,7 +9154,7 @@
         <p:spPr>
           <a:xfrm>
             <a:off x="363015" y="3013298"/>
-            <a:ext cx="5560708" cy="2298173"/>
+            <a:ext cx="5035921" cy="2298173"/>
           </a:xfrm>
           <a:prstGeom prst="rect">
             <a:avLst/>
@@ -9335,8 +9335,8 @@
         </p:nvSpPr>
         <p:spPr>
           <a:xfrm>
-            <a:off x="626494" y="3151329"/>
-            <a:ext cx="4963273" cy="2031325"/>
+            <a:off x="626495" y="3151329"/>
+            <a:ext cx="4541854" cy="2031325"/>
           </a:xfrm>
           <a:prstGeom prst="rect">
             <a:avLst/>
@@ -9472,7 +9472,7 @@
                 <a:effectLst/>
                 <a:latin typeface="Consolas" panose="020B0609020204030204" pitchFamily="49" charset="0"/>
               </a:rPr>
-              <a:t>"/</a:t>
+              <a:t>“/</a:t>
             </a:r>
             <a:r>
               <a:rPr lang="en-US" altLang="zh-TW" sz="1400" b="0" dirty="0" err="1">
@@ -9482,6 +9482,26 @@
                 <a:effectLst/>
                 <a:latin typeface="Consolas" panose="020B0609020204030204" pitchFamily="49" charset="0"/>
               </a:rPr>
+              <a:t>VsWeb</a:t>
+            </a:r>
+            <a:r>
+              <a:rPr lang="en-US" altLang="zh-TW" sz="1400" b="0" dirty="0">
+                <a:solidFill>
+                  <a:srgbClr val="FFEE99"/>
+                </a:solidFill>
+                <a:effectLst/>
+                <a:latin typeface="Consolas" panose="020B0609020204030204" pitchFamily="49" charset="0"/>
+              </a:rPr>
+              <a:t>/</a:t>
+            </a:r>
+            <a:r>
+              <a:rPr lang="en-US" altLang="zh-TW" sz="1400" b="0" dirty="0" err="1">
+                <a:solidFill>
+                  <a:srgbClr val="FFEE99"/>
+                </a:solidFill>
+                <a:effectLst/>
+                <a:latin typeface="Consolas" panose="020B0609020204030204" pitchFamily="49" charset="0"/>
+              </a:rPr>
               <a:t>api</a:t>
             </a:r>
             <a:r>
@@ -9544,7 +9564,7 @@
                 <a:effectLst/>
                 <a:latin typeface="Consolas" panose="020B0609020204030204" pitchFamily="49" charset="0"/>
               </a:rPr>
-              <a:t>"http://www.vscinemas.com.tw/VsWeb/"</a:t>
+              <a:t>"http://www.vscinemas.com.tw/"</a:t>
             </a:r>
             <a:r>
               <a:rPr lang="en-US" altLang="zh-TW" sz="1400" b="0" dirty="0">
@@ -9646,8 +9666,8 @@
         </p:nvSpPr>
         <p:spPr>
           <a:xfrm>
-            <a:off x="6187202" y="3746885"/>
-            <a:ext cx="5596631" cy="830997"/>
+            <a:off x="5662416" y="3746885"/>
+            <a:ext cx="6121417" cy="830997"/>
           </a:xfrm>
           <a:prstGeom prst="rect">
             <a:avLst/>
@@ -9709,6 +9729,26 @@
                 <a:latin typeface="Consolas" panose="020B0609020204030204" pitchFamily="49" charset="0"/>
               </a:rPr>
               <a:t>"/</a:t>
+            </a:r>
+            <a:r>
+              <a:rPr lang="en-US" altLang="zh-TW" sz="1600" b="0" dirty="0" err="1">
+                <a:solidFill>
+                  <a:srgbClr val="FFEE99"/>
+                </a:solidFill>
+                <a:effectLst/>
+                <a:latin typeface="Consolas" panose="020B0609020204030204" pitchFamily="49" charset="0"/>
+              </a:rPr>
+              <a:t>VsWeb</a:t>
+            </a:r>
+            <a:r>
+              <a:rPr lang="en-US" altLang="zh-TW" sz="1600" b="0" dirty="0">
+                <a:solidFill>
+                  <a:srgbClr val="FFEE99"/>
+                </a:solidFill>
+                <a:effectLst/>
+                <a:latin typeface="Consolas" panose="020B0609020204030204" pitchFamily="49" charset="0"/>
+              </a:rPr>
+              <a:t>/</a:t>
             </a:r>
             <a:r>
               <a:rPr lang="en-US" altLang="zh-TW" sz="1600" b="0" dirty="0" err="1">

--- a/nuxt.pptx
+++ b/nuxt.pptx
@@ -9455,7 +9455,7 @@
           </a:p>
           <a:p>
             <a:r>
-              <a:rPr lang="en-US" altLang="zh-TW" sz="1400" b="0" dirty="0">
+              <a:rPr lang="en-US" altLang="zh-TW" sz="1400" b="0">
                 <a:solidFill>
                   <a:srgbClr val="F8F8F2"/>
                 </a:solidFill>
@@ -9465,14 +9465,14 @@
               <a:t>  </a:t>
             </a:r>
             <a:r>
-              <a:rPr lang="en-US" altLang="zh-TW" sz="1400" b="0" dirty="0">
+              <a:rPr lang="en-US" altLang="zh-TW" sz="1400" b="0">
                 <a:solidFill>
                   <a:srgbClr val="FFEE99"/>
                 </a:solidFill>
                 <a:effectLst/>
                 <a:latin typeface="Consolas" panose="020B0609020204030204" pitchFamily="49" charset="0"/>
               </a:rPr>
-              <a:t>“/</a:t>
+              <a:t>"/</a:t>
             </a:r>
             <a:r>
               <a:rPr lang="en-US" altLang="zh-TW" sz="1400" b="0" dirty="0" err="1">

--- a/nuxt.pptx
+++ b/nuxt.pptx
@@ -11,22 +11,25 @@
     <p:sldId id="259" r:id="rId5"/>
     <p:sldId id="261" r:id="rId6"/>
     <p:sldId id="262" r:id="rId7"/>
-    <p:sldId id="264" r:id="rId8"/>
-    <p:sldId id="270" r:id="rId9"/>
-    <p:sldId id="271" r:id="rId10"/>
-    <p:sldId id="272" r:id="rId11"/>
-    <p:sldId id="273" r:id="rId12"/>
-    <p:sldId id="274" r:id="rId13"/>
-    <p:sldId id="275" r:id="rId14"/>
-    <p:sldId id="276" r:id="rId15"/>
-    <p:sldId id="277" r:id="rId16"/>
-    <p:sldId id="278" r:id="rId17"/>
-    <p:sldId id="279" r:id="rId18"/>
-    <p:sldId id="281" r:id="rId19"/>
-    <p:sldId id="280" r:id="rId20"/>
-    <p:sldId id="269" r:id="rId21"/>
-    <p:sldId id="265" r:id="rId22"/>
-    <p:sldId id="268" r:id="rId23"/>
+    <p:sldId id="282" r:id="rId8"/>
+    <p:sldId id="284" r:id="rId9"/>
+    <p:sldId id="283" r:id="rId10"/>
+    <p:sldId id="264" r:id="rId11"/>
+    <p:sldId id="270" r:id="rId12"/>
+    <p:sldId id="271" r:id="rId13"/>
+    <p:sldId id="272" r:id="rId14"/>
+    <p:sldId id="273" r:id="rId15"/>
+    <p:sldId id="274" r:id="rId16"/>
+    <p:sldId id="275" r:id="rId17"/>
+    <p:sldId id="276" r:id="rId18"/>
+    <p:sldId id="277" r:id="rId19"/>
+    <p:sldId id="278" r:id="rId20"/>
+    <p:sldId id="279" r:id="rId21"/>
+    <p:sldId id="281" r:id="rId22"/>
+    <p:sldId id="280" r:id="rId23"/>
+    <p:sldId id="269" r:id="rId24"/>
+    <p:sldId id="265" r:id="rId25"/>
+    <p:sldId id="268" r:id="rId26"/>
   </p:sldIdLst>
   <p:sldSz cx="12192000" cy="6858000"/>
   <p:notesSz cx="6858000" cy="9144000"/>
@@ -136,6 +139,9 @@
             <p14:sldId id="259"/>
             <p14:sldId id="261"/>
             <p14:sldId id="262"/>
+            <p14:sldId id="282"/>
+            <p14:sldId id="284"/>
+            <p14:sldId id="283"/>
             <p14:sldId id="264"/>
             <p14:sldId id="270"/>
             <p14:sldId id="271"/>
@@ -322,7 +328,7 @@
           <a:p>
             <a:fld id="{55B5673A-2C76-400E-AECF-A7C5CD58B306}" type="datetimeFigureOut">
               <a:rPr lang="zh-TW" altLang="en-US" smtClean="0"/>
-              <a:t>2020/12/17</a:t>
+              <a:t>2020/12/20</a:t>
             </a:fld>
             <a:endParaRPr lang="zh-TW" altLang="en-US"/>
           </a:p>
@@ -520,7 +526,7 @@
           <a:p>
             <a:fld id="{55B5673A-2C76-400E-AECF-A7C5CD58B306}" type="datetimeFigureOut">
               <a:rPr lang="zh-TW" altLang="en-US" smtClean="0"/>
-              <a:t>2020/12/17</a:t>
+              <a:t>2020/12/20</a:t>
             </a:fld>
             <a:endParaRPr lang="zh-TW" altLang="en-US"/>
           </a:p>
@@ -728,7 +734,7 @@
           <a:p>
             <a:fld id="{55B5673A-2C76-400E-AECF-A7C5CD58B306}" type="datetimeFigureOut">
               <a:rPr lang="zh-TW" altLang="en-US" smtClean="0"/>
-              <a:t>2020/12/17</a:t>
+              <a:t>2020/12/20</a:t>
             </a:fld>
             <a:endParaRPr lang="zh-TW" altLang="en-US"/>
           </a:p>
@@ -926,7 +932,7 @@
           <a:p>
             <a:fld id="{55B5673A-2C76-400E-AECF-A7C5CD58B306}" type="datetimeFigureOut">
               <a:rPr lang="zh-TW" altLang="en-US" smtClean="0"/>
-              <a:t>2020/12/17</a:t>
+              <a:t>2020/12/20</a:t>
             </a:fld>
             <a:endParaRPr lang="zh-TW" altLang="en-US"/>
           </a:p>
@@ -1201,7 +1207,7 @@
           <a:p>
             <a:fld id="{55B5673A-2C76-400E-AECF-A7C5CD58B306}" type="datetimeFigureOut">
               <a:rPr lang="zh-TW" altLang="en-US" smtClean="0"/>
-              <a:t>2020/12/17</a:t>
+              <a:t>2020/12/20</a:t>
             </a:fld>
             <a:endParaRPr lang="zh-TW" altLang="en-US"/>
           </a:p>
@@ -1466,7 +1472,7 @@
           <a:p>
             <a:fld id="{55B5673A-2C76-400E-AECF-A7C5CD58B306}" type="datetimeFigureOut">
               <a:rPr lang="zh-TW" altLang="en-US" smtClean="0"/>
-              <a:t>2020/12/17</a:t>
+              <a:t>2020/12/20</a:t>
             </a:fld>
             <a:endParaRPr lang="zh-TW" altLang="en-US"/>
           </a:p>
@@ -1878,7 +1884,7 @@
           <a:p>
             <a:fld id="{55B5673A-2C76-400E-AECF-A7C5CD58B306}" type="datetimeFigureOut">
               <a:rPr lang="zh-TW" altLang="en-US" smtClean="0"/>
-              <a:t>2020/12/17</a:t>
+              <a:t>2020/12/20</a:t>
             </a:fld>
             <a:endParaRPr lang="zh-TW" altLang="en-US"/>
           </a:p>
@@ -2019,7 +2025,7 @@
           <a:p>
             <a:fld id="{55B5673A-2C76-400E-AECF-A7C5CD58B306}" type="datetimeFigureOut">
               <a:rPr lang="zh-TW" altLang="en-US" smtClean="0"/>
-              <a:t>2020/12/17</a:t>
+              <a:t>2020/12/20</a:t>
             </a:fld>
             <a:endParaRPr lang="zh-TW" altLang="en-US"/>
           </a:p>
@@ -2132,7 +2138,7 @@
           <a:p>
             <a:fld id="{55B5673A-2C76-400E-AECF-A7C5CD58B306}" type="datetimeFigureOut">
               <a:rPr lang="zh-TW" altLang="en-US" smtClean="0"/>
-              <a:t>2020/12/17</a:t>
+              <a:t>2020/12/20</a:t>
             </a:fld>
             <a:endParaRPr lang="zh-TW" altLang="en-US"/>
           </a:p>
@@ -2443,7 +2449,7 @@
           <a:p>
             <a:fld id="{55B5673A-2C76-400E-AECF-A7C5CD58B306}" type="datetimeFigureOut">
               <a:rPr lang="zh-TW" altLang="en-US" smtClean="0"/>
-              <a:t>2020/12/17</a:t>
+              <a:t>2020/12/20</a:t>
             </a:fld>
             <a:endParaRPr lang="zh-TW" altLang="en-US"/>
           </a:p>
@@ -2731,7 +2737,7 @@
           <a:p>
             <a:fld id="{55B5673A-2C76-400E-AECF-A7C5CD58B306}" type="datetimeFigureOut">
               <a:rPr lang="zh-TW" altLang="en-US" smtClean="0"/>
-              <a:t>2020/12/17</a:t>
+              <a:t>2020/12/20</a:t>
             </a:fld>
             <a:endParaRPr lang="zh-TW" altLang="en-US"/>
           </a:p>
@@ -2975,7 +2981,7 @@
           <a:p>
             <a:fld id="{55B5673A-2C76-400E-AECF-A7C5CD58B306}" type="datetimeFigureOut">
               <a:rPr lang="zh-TW" altLang="en-US" smtClean="0"/>
-              <a:t>2020/12/17</a:t>
+              <a:t>2020/12/20</a:t>
             </a:fld>
             <a:endParaRPr lang="zh-TW" altLang="en-US"/>
           </a:p>
@@ -3628,10 +3634,56 @@
       </p:grpSpPr>
       <p:sp>
         <p:nvSpPr>
+          <p:cNvPr id="5" name="矩形 4">
+            <a:extLst>
+              <a:ext uri="{FF2B5EF4-FFF2-40B4-BE49-F238E27FC236}">
+                <a16:creationId xmlns:a16="http://schemas.microsoft.com/office/drawing/2014/main" id="{54D5A94F-0C49-4EC9-A889-1867AD4D0274}"/>
+              </a:ext>
+            </a:extLst>
+          </p:cNvPr>
+          <p:cNvSpPr/>
+          <p:nvPr/>
+        </p:nvSpPr>
+        <p:spPr>
+          <a:xfrm>
+            <a:off x="2780314" y="3256545"/>
+            <a:ext cx="6350000" cy="730250"/>
+          </a:xfrm>
+          <a:prstGeom prst="rect">
+            <a:avLst/>
+          </a:prstGeom>
+        </p:spPr>
+        <p:style>
+          <a:lnRef idx="2">
+            <a:schemeClr val="dk1">
+              <a:shade val="50000"/>
+            </a:schemeClr>
+          </a:lnRef>
+          <a:fillRef idx="1">
+            <a:schemeClr val="dk1"/>
+          </a:fillRef>
+          <a:effectRef idx="0">
+            <a:schemeClr val="dk1"/>
+          </a:effectRef>
+          <a:fontRef idx="minor">
+            <a:schemeClr val="lt1"/>
+          </a:fontRef>
+        </p:style>
+        <p:txBody>
+          <a:bodyPr rtlCol="0" anchor="ctr"/>
+          <a:lstStyle/>
+          <a:p>
+            <a:pPr algn="ctr"/>
+            <a:endParaRPr lang="zh-TW" altLang="en-US"/>
+          </a:p>
+        </p:txBody>
+      </p:sp>
+      <p:sp>
+        <p:nvSpPr>
           <p:cNvPr id="2" name="標題 1">
             <a:extLst>
               <a:ext uri="{FF2B5EF4-FFF2-40B4-BE49-F238E27FC236}">
-                <a16:creationId xmlns:a16="http://schemas.microsoft.com/office/drawing/2014/main" id="{112BA3E3-9D25-4DE9-B150-F6EE66E14F5C}"/>
+                <a16:creationId xmlns:a16="http://schemas.microsoft.com/office/drawing/2014/main" id="{A1079603-FF49-4509-B778-86858F145633}"/>
               </a:ext>
             </a:extLst>
           </p:cNvPr>
@@ -3644,55 +3696,8 @@
         </p:nvSpPr>
         <p:spPr>
           <a:xfrm>
-            <a:off x="3118048" y="2773401"/>
-            <a:ext cx="5634540" cy="940994"/>
-          </a:xfrm>
-        </p:spPr>
-        <p:txBody>
-          <a:bodyPr/>
-          <a:lstStyle/>
-          <a:p>
-            <a:pPr algn="ctr"/>
-            <a:r>
-              <a:rPr lang="en-US" altLang="zh-TW" b="1" dirty="0">
-                <a:solidFill>
-                  <a:schemeClr val="bg1"/>
-                </a:solidFill>
-                <a:latin typeface="微軟正黑體" panose="020B0604030504040204" pitchFamily="34" charset="-120"/>
-                <a:ea typeface="微軟正黑體" panose="020B0604030504040204" pitchFamily="34" charset="-120"/>
-              </a:rPr>
-              <a:t>Error page</a:t>
-            </a:r>
-            <a:endParaRPr lang="zh-TW" altLang="en-US" b="1" dirty="0">
-              <a:solidFill>
-                <a:schemeClr val="bg1"/>
-              </a:solidFill>
-              <a:latin typeface="微軟正黑體" panose="020B0604030504040204" pitchFamily="34" charset="-120"/>
-              <a:ea typeface="微軟正黑體" panose="020B0604030504040204" pitchFamily="34" charset="-120"/>
-            </a:endParaRPr>
-          </a:p>
-        </p:txBody>
-      </p:sp>
-      <p:sp>
-        <p:nvSpPr>
-          <p:cNvPr id="3" name="內容版面配置區 2">
-            <a:extLst>
-              <a:ext uri="{FF2B5EF4-FFF2-40B4-BE49-F238E27FC236}">
-                <a16:creationId xmlns:a16="http://schemas.microsoft.com/office/drawing/2014/main" id="{61A40D72-0C4F-4D4F-9BA3-A762DF919985}"/>
-              </a:ext>
-            </a:extLst>
-          </p:cNvPr>
-          <p:cNvSpPr>
-            <a:spLocks noGrp="1"/>
-          </p:cNvSpPr>
-          <p:nvPr>
-            <p:ph idx="1"/>
-          </p:nvPr>
-        </p:nvSpPr>
-        <p:spPr>
-          <a:xfrm>
-            <a:off x="2018117" y="3714395"/>
-            <a:ext cx="7834401" cy="431642"/>
+            <a:off x="424464" y="2459007"/>
+            <a:ext cx="11061700" cy="730251"/>
           </a:xfrm>
         </p:spPr>
         <p:txBody>
@@ -3701,29 +3706,173 @@
           </a:bodyPr>
           <a:lstStyle/>
           <a:p>
-            <a:pPr marL="0" indent="0" algn="ctr">
-              <a:buNone/>
-            </a:pPr>
-            <a:r>
-              <a:rPr lang="en-US" altLang="zh-TW" sz="1800" dirty="0">
+            <a:pPr algn="ctr"/>
+            <a:r>
+              <a:rPr lang="en-US" altLang="zh-TW" sz="3200" b="1" dirty="0" err="1">
                 <a:solidFill>
                   <a:schemeClr val="bg1"/>
                 </a:solidFill>
-              </a:rPr>
-              <a:t>https://nuxtjs.org/docs/2.x/directory-structure/layouts#error-page</a:t>
-            </a:r>
-            <a:endParaRPr lang="zh-TW" altLang="en-US" sz="1800" dirty="0">
+                <a:latin typeface="微軟正黑體" panose="020B0604030504040204" pitchFamily="34" charset="-120"/>
+                <a:ea typeface="微軟正黑體" panose="020B0604030504040204" pitchFamily="34" charset="-120"/>
+              </a:rPr>
+              <a:t>Nuxt</a:t>
+            </a:r>
+            <a:r>
+              <a:rPr lang="en-US" altLang="zh-TW" sz="3200" b="1" dirty="0">
+                <a:solidFill>
+                  <a:schemeClr val="bg1"/>
+                </a:solidFill>
+                <a:latin typeface="微軟正黑體" panose="020B0604030504040204" pitchFamily="34" charset="-120"/>
+                <a:ea typeface="微軟正黑體" panose="020B0604030504040204" pitchFamily="34" charset="-120"/>
+              </a:rPr>
+              <a:t> </a:t>
+            </a:r>
+            <a:r>
+              <a:rPr lang="zh-TW" altLang="en-US" sz="3200" b="1" dirty="0">
+                <a:solidFill>
+                  <a:schemeClr val="bg1"/>
+                </a:solidFill>
+                <a:latin typeface="微軟正黑體" panose="020B0604030504040204" pitchFamily="34" charset="-120"/>
+                <a:ea typeface="微軟正黑體" panose="020B0604030504040204" pitchFamily="34" charset="-120"/>
+              </a:rPr>
+              <a:t>使用</a:t>
+            </a:r>
+            <a:r>
+              <a:rPr lang="en-US" altLang="zh-TW" sz="3200" b="1" dirty="0">
+                <a:solidFill>
+                  <a:schemeClr val="bg1"/>
+                </a:solidFill>
+                <a:latin typeface="微軟正黑體" panose="020B0604030504040204" pitchFamily="34" charset="-120"/>
+                <a:ea typeface="微軟正黑體" panose="020B0604030504040204" pitchFamily="34" charset="-120"/>
+              </a:rPr>
+              <a:t>SASS</a:t>
+            </a:r>
+            <a:endParaRPr lang="zh-TW" altLang="en-US" sz="3200" b="1" dirty="0">
               <a:solidFill>
                 <a:schemeClr val="bg1"/>
               </a:solidFill>
+              <a:latin typeface="微軟正黑體" panose="020B0604030504040204" pitchFamily="34" charset="-120"/>
+              <a:ea typeface="微軟正黑體" panose="020B0604030504040204" pitchFamily="34" charset="-120"/>
             </a:endParaRPr>
+          </a:p>
+        </p:txBody>
+      </p:sp>
+      <p:sp>
+        <p:nvSpPr>
+          <p:cNvPr id="4" name="Rectangle 1">
+            <a:extLst>
+              <a:ext uri="{FF2B5EF4-FFF2-40B4-BE49-F238E27FC236}">
+                <a16:creationId xmlns:a16="http://schemas.microsoft.com/office/drawing/2014/main" id="{1526E6E0-773F-498C-AB4B-D4E0439FD2C7}"/>
+              </a:ext>
+            </a:extLst>
+          </p:cNvPr>
+          <p:cNvSpPr>
+            <a:spLocks noChangeArrowheads="1"/>
+          </p:cNvSpPr>
+          <p:nvPr/>
+        </p:nvSpPr>
+        <p:spPr bwMode="auto">
+          <a:xfrm>
+            <a:off x="2780314" y="3491238"/>
+            <a:ext cx="6350000" cy="387901"/>
+          </a:xfrm>
+          <a:prstGeom prst="rect">
+            <a:avLst/>
+          </a:prstGeom>
+          <a:noFill/>
+          <a:ln>
+            <a:noFill/>
+          </a:ln>
+          <a:effectLst/>
+          <a:extLst>
+            <a:ext uri="{909E8E84-426E-40DD-AFC4-6F175D3DCCD1}">
+              <a14:hiddenFill xmlns:a14="http://schemas.microsoft.com/office/drawing/2010/main">
+                <a:solidFill>
+                  <a:schemeClr val="accent1"/>
+                </a:solidFill>
+              </a14:hiddenFill>
+            </a:ext>
+            <a:ext uri="{91240B29-F687-4F45-9708-019B960494DF}">
+              <a14:hiddenLine xmlns:a14="http://schemas.microsoft.com/office/drawing/2010/main" w="9525">
+                <a:solidFill>
+                  <a:schemeClr val="tx1"/>
+                </a:solidFill>
+                <a:miter lim="800000"/>
+                <a:headEnd/>
+                <a:tailEnd/>
+              </a14:hiddenLine>
+            </a:ext>
+            <a:ext uri="{AF507438-7753-43E0-B8FC-AC1667EBCBE1}">
+              <a14:hiddenEffects xmlns:a14="http://schemas.microsoft.com/office/drawing/2010/main">
+                <a:effectLst>
+                  <a:outerShdw dist="35921" dir="2700000" algn="ctr" rotWithShape="0">
+                    <a:schemeClr val="bg2"/>
+                  </a:outerShdw>
+                </a:effectLst>
+              </a14:hiddenEffects>
+            </a:ext>
+          </a:extLst>
+        </p:spPr>
+        <p:txBody>
+          <a:bodyPr vert="horz" wrap="square" lIns="0" tIns="0" rIns="0" bIns="79350" numCol="1" anchor="ctr" anchorCtr="0" compatLnSpc="1">
+            <a:prstTxWarp prst="textNoShape">
+              <a:avLst/>
+            </a:prstTxWarp>
+            <a:spAutoFit/>
+          </a:bodyPr>
+          <a:lstStyle/>
+          <a:p>
+            <a:pPr marL="0" marR="0" lvl="0" indent="0" algn="ctr" defTabSz="914400" rtl="0" eaLnBrk="0" fontAlgn="base" latinLnBrk="0" hangingPunct="0">
+              <a:lnSpc>
+                <a:spcPct val="100000"/>
+              </a:lnSpc>
+              <a:spcBef>
+                <a:spcPct val="0"/>
+              </a:spcBef>
+              <a:spcAft>
+                <a:spcPct val="0"/>
+              </a:spcAft>
+              <a:buClrTx/>
+              <a:buSzTx/>
+              <a:buFontTx/>
+              <a:buNone/>
+              <a:tabLst/>
+            </a:pPr>
+            <a:r>
+              <a:rPr kumimoji="0" lang="en-US" altLang="zh-TW" sz="2000" b="0" i="0" u="none" strike="noStrike" cap="none" normalizeH="0" baseline="0" dirty="0" err="1">
+                <a:ln>
+                  <a:noFill/>
+                </a:ln>
+                <a:solidFill>
+                  <a:schemeClr val="bg1"/>
+                </a:solidFill>
+                <a:effectLst/>
+                <a:latin typeface="微軟正黑體" panose="020B0604030504040204" pitchFamily="34" charset="-120"/>
+                <a:ea typeface="微軟正黑體" panose="020B0604030504040204" pitchFamily="34" charset="-120"/>
+              </a:rPr>
+              <a:t>npm</a:t>
+            </a:r>
+            <a:r>
+              <a:rPr kumimoji="0" lang="en-US" altLang="zh-TW" sz="2000" b="0" i="0" u="none" strike="noStrike" cap="none" normalizeH="0" baseline="0" dirty="0">
+                <a:ln>
+                  <a:noFill/>
+                </a:ln>
+                <a:solidFill>
+                  <a:schemeClr val="bg1"/>
+                </a:solidFill>
+                <a:effectLst/>
+                <a:latin typeface="微軟正黑體" panose="020B0604030504040204" pitchFamily="34" charset="-120"/>
+                <a:ea typeface="微軟正黑體" panose="020B0604030504040204" pitchFamily="34" charset="-120"/>
+              </a:rPr>
+              <a:t> install --save-dev sass sass-loader fibers</a:t>
+            </a:r>
           </a:p>
         </p:txBody>
       </p:sp>
     </p:spTree>
     <p:extLst>
       <p:ext uri="{BB962C8B-B14F-4D97-AF65-F5344CB8AC3E}">
-        <p14:creationId xmlns:p14="http://schemas.microsoft.com/office/powerpoint/2010/main" val="1197089419"/>
+        <p14:creationId xmlns:p14="http://schemas.microsoft.com/office/powerpoint/2010/main" val="3612001647"/>
       </p:ext>
     </p:extLst>
   </p:cSld>
@@ -3734,6 +3883,716 @@
 </file>
 
 <file path=ppt/slides/slide11.xml><?xml version="1.0" encoding="utf-8"?>
+<p:sld xmlns:a="http://schemas.openxmlformats.org/drawingml/2006/main" xmlns:r="http://schemas.openxmlformats.org/officeDocument/2006/relationships" xmlns:p="http://schemas.openxmlformats.org/presentationml/2006/main">
+  <p:cSld>
+    <p:spTree>
+      <p:nvGrpSpPr>
+        <p:cNvPr id="1" name=""/>
+        <p:cNvGrpSpPr/>
+        <p:nvPr/>
+      </p:nvGrpSpPr>
+      <p:grpSpPr>
+        <a:xfrm>
+          <a:off x="0" y="0"/>
+          <a:ext cx="0" cy="0"/>
+          <a:chOff x="0" y="0"/>
+          <a:chExt cx="0" cy="0"/>
+        </a:xfrm>
+      </p:grpSpPr>
+      <p:sp>
+        <p:nvSpPr>
+          <p:cNvPr id="13" name="矩形 12">
+            <a:extLst>
+              <a:ext uri="{FF2B5EF4-FFF2-40B4-BE49-F238E27FC236}">
+                <a16:creationId xmlns:a16="http://schemas.microsoft.com/office/drawing/2014/main" id="{CAFA6D4A-519C-4CFB-AF6C-65CB06AB0410}"/>
+              </a:ext>
+            </a:extLst>
+          </p:cNvPr>
+          <p:cNvSpPr/>
+          <p:nvPr/>
+        </p:nvSpPr>
+        <p:spPr>
+          <a:xfrm>
+            <a:off x="2784751" y="3678046"/>
+            <a:ext cx="6350000" cy="730250"/>
+          </a:xfrm>
+          <a:prstGeom prst="rect">
+            <a:avLst/>
+          </a:prstGeom>
+        </p:spPr>
+        <p:style>
+          <a:lnRef idx="2">
+            <a:schemeClr val="dk1">
+              <a:shade val="50000"/>
+            </a:schemeClr>
+          </a:lnRef>
+          <a:fillRef idx="1">
+            <a:schemeClr val="dk1"/>
+          </a:fillRef>
+          <a:effectRef idx="0">
+            <a:schemeClr val="dk1"/>
+          </a:effectRef>
+          <a:fontRef idx="minor">
+            <a:schemeClr val="lt1"/>
+          </a:fontRef>
+        </p:style>
+        <p:txBody>
+          <a:bodyPr rtlCol="0" anchor="ctr"/>
+          <a:lstStyle/>
+          <a:p>
+            <a:pPr algn="ctr"/>
+            <a:endParaRPr lang="zh-TW" altLang="en-US"/>
+          </a:p>
+        </p:txBody>
+      </p:sp>
+      <p:sp>
+        <p:nvSpPr>
+          <p:cNvPr id="5" name="矩形 4">
+            <a:extLst>
+              <a:ext uri="{FF2B5EF4-FFF2-40B4-BE49-F238E27FC236}">
+                <a16:creationId xmlns:a16="http://schemas.microsoft.com/office/drawing/2014/main" id="{54D5A94F-0C49-4EC9-A889-1867AD4D0274}"/>
+              </a:ext>
+            </a:extLst>
+          </p:cNvPr>
+          <p:cNvSpPr/>
+          <p:nvPr/>
+        </p:nvSpPr>
+        <p:spPr>
+          <a:xfrm>
+            <a:off x="2809658" y="2109414"/>
+            <a:ext cx="6350000" cy="730250"/>
+          </a:xfrm>
+          <a:prstGeom prst="rect">
+            <a:avLst/>
+          </a:prstGeom>
+        </p:spPr>
+        <p:style>
+          <a:lnRef idx="2">
+            <a:schemeClr val="dk1">
+              <a:shade val="50000"/>
+            </a:schemeClr>
+          </a:lnRef>
+          <a:fillRef idx="1">
+            <a:schemeClr val="dk1"/>
+          </a:fillRef>
+          <a:effectRef idx="0">
+            <a:schemeClr val="dk1"/>
+          </a:effectRef>
+          <a:fontRef idx="minor">
+            <a:schemeClr val="lt1"/>
+          </a:fontRef>
+        </p:style>
+        <p:txBody>
+          <a:bodyPr rtlCol="0" anchor="ctr"/>
+          <a:lstStyle/>
+          <a:p>
+            <a:pPr algn="ctr"/>
+            <a:endParaRPr lang="zh-TW" altLang="en-US"/>
+          </a:p>
+        </p:txBody>
+      </p:sp>
+      <p:sp>
+        <p:nvSpPr>
+          <p:cNvPr id="2" name="標題 1">
+            <a:extLst>
+              <a:ext uri="{FF2B5EF4-FFF2-40B4-BE49-F238E27FC236}">
+                <a16:creationId xmlns:a16="http://schemas.microsoft.com/office/drawing/2014/main" id="{A1079603-FF49-4509-B778-86858F145633}"/>
+              </a:ext>
+            </a:extLst>
+          </p:cNvPr>
+          <p:cNvSpPr>
+            <a:spLocks noGrp="1"/>
+          </p:cNvSpPr>
+          <p:nvPr>
+            <p:ph type="title"/>
+          </p:nvPr>
+        </p:nvSpPr>
+        <p:spPr>
+          <a:xfrm>
+            <a:off x="2784751" y="557707"/>
+            <a:ext cx="6399814" cy="730251"/>
+          </a:xfrm>
+        </p:spPr>
+        <p:txBody>
+          <a:bodyPr>
+            <a:normAutofit/>
+          </a:bodyPr>
+          <a:lstStyle/>
+          <a:p>
+            <a:pPr algn="ctr"/>
+            <a:r>
+              <a:rPr lang="en-US" altLang="zh-TW" sz="3200" b="1" dirty="0" err="1">
+                <a:solidFill>
+                  <a:schemeClr val="bg1"/>
+                </a:solidFill>
+                <a:latin typeface="微軟正黑體" panose="020B0604030504040204" pitchFamily="34" charset="-120"/>
+                <a:ea typeface="微軟正黑體" panose="020B0604030504040204" pitchFamily="34" charset="-120"/>
+              </a:rPr>
+              <a:t>Nuxt</a:t>
+            </a:r>
+            <a:r>
+              <a:rPr lang="en-US" altLang="zh-TW" sz="3200" b="1" dirty="0">
+                <a:solidFill>
+                  <a:schemeClr val="bg1"/>
+                </a:solidFill>
+                <a:latin typeface="微軟正黑體" panose="020B0604030504040204" pitchFamily="34" charset="-120"/>
+                <a:ea typeface="微軟正黑體" panose="020B0604030504040204" pitchFamily="34" charset="-120"/>
+              </a:rPr>
+              <a:t> </a:t>
+            </a:r>
+            <a:r>
+              <a:rPr lang="zh-TW" altLang="en-US" sz="3200" b="1" dirty="0">
+                <a:solidFill>
+                  <a:schemeClr val="bg1"/>
+                </a:solidFill>
+                <a:latin typeface="微軟正黑體" panose="020B0604030504040204" pitchFamily="34" charset="-120"/>
+                <a:ea typeface="微軟正黑體" panose="020B0604030504040204" pitchFamily="34" charset="-120"/>
+              </a:rPr>
+              <a:t>使用 </a:t>
+            </a:r>
+            <a:r>
+              <a:rPr lang="en-US" altLang="zh-TW" sz="3200" b="1" dirty="0">
+                <a:solidFill>
+                  <a:schemeClr val="bg1"/>
+                </a:solidFill>
+                <a:latin typeface="微軟正黑體" panose="020B0604030504040204" pitchFamily="34" charset="-120"/>
+                <a:ea typeface="微軟正黑體" panose="020B0604030504040204" pitchFamily="34" charset="-120"/>
+              </a:rPr>
+              <a:t>Router</a:t>
+            </a:r>
+            <a:endParaRPr lang="zh-TW" altLang="en-US" sz="3200" b="1" dirty="0">
+              <a:solidFill>
+                <a:schemeClr val="bg1"/>
+              </a:solidFill>
+              <a:latin typeface="微軟正黑體" panose="020B0604030504040204" pitchFamily="34" charset="-120"/>
+              <a:ea typeface="微軟正黑體" panose="020B0604030504040204" pitchFamily="34" charset="-120"/>
+            </a:endParaRPr>
+          </a:p>
+        </p:txBody>
+      </p:sp>
+      <p:sp>
+        <p:nvSpPr>
+          <p:cNvPr id="6" name="文字方塊 5">
+            <a:extLst>
+              <a:ext uri="{FF2B5EF4-FFF2-40B4-BE49-F238E27FC236}">
+                <a16:creationId xmlns:a16="http://schemas.microsoft.com/office/drawing/2014/main" id="{7F563338-4366-46D7-B9CD-88E9B992B77B}"/>
+              </a:ext>
+            </a:extLst>
+          </p:cNvPr>
+          <p:cNvSpPr txBox="1"/>
+          <p:nvPr/>
+        </p:nvSpPr>
+        <p:spPr>
+          <a:xfrm>
+            <a:off x="2964227" y="2289873"/>
+            <a:ext cx="5186807" cy="369332"/>
+          </a:xfrm>
+          <a:prstGeom prst="rect">
+            <a:avLst/>
+          </a:prstGeom>
+          <a:noFill/>
+        </p:spPr>
+        <p:txBody>
+          <a:bodyPr wrap="square">
+            <a:spAutoFit/>
+          </a:bodyPr>
+          <a:lstStyle/>
+          <a:p>
+            <a:r>
+              <a:rPr lang="en-US" altLang="zh-TW" b="0" dirty="0">
+                <a:solidFill>
+                  <a:srgbClr val="F8F8F2"/>
+                </a:solidFill>
+                <a:effectLst/>
+                <a:latin typeface="Consolas" panose="020B0609020204030204" pitchFamily="49" charset="0"/>
+              </a:rPr>
+              <a:t> &lt;</a:t>
+            </a:r>
+            <a:r>
+              <a:rPr lang="en-US" altLang="zh-TW" b="0" i="1" dirty="0" err="1">
+                <a:solidFill>
+                  <a:srgbClr val="66D9EF"/>
+                </a:solidFill>
+                <a:effectLst/>
+                <a:latin typeface="Consolas" panose="020B0609020204030204" pitchFamily="49" charset="0"/>
+              </a:rPr>
+              <a:t>Nuxt</a:t>
+            </a:r>
+            <a:r>
+              <a:rPr lang="en-US" altLang="zh-TW" b="0" dirty="0">
+                <a:solidFill>
+                  <a:srgbClr val="F8F8F2"/>
+                </a:solidFill>
+                <a:effectLst/>
+                <a:latin typeface="Consolas" panose="020B0609020204030204" pitchFamily="49" charset="0"/>
+              </a:rPr>
+              <a:t> /&gt;</a:t>
+            </a:r>
+          </a:p>
+        </p:txBody>
+      </p:sp>
+      <p:sp>
+        <p:nvSpPr>
+          <p:cNvPr id="7" name="矩形 6">
+            <a:extLst>
+              <a:ext uri="{FF2B5EF4-FFF2-40B4-BE49-F238E27FC236}">
+                <a16:creationId xmlns:a16="http://schemas.microsoft.com/office/drawing/2014/main" id="{C1EDBC12-6FEB-4915-A634-3B1FDC138B1E}"/>
+              </a:ext>
+            </a:extLst>
+          </p:cNvPr>
+          <p:cNvSpPr/>
+          <p:nvPr/>
+        </p:nvSpPr>
+        <p:spPr>
+          <a:xfrm>
+            <a:off x="2809658" y="5246678"/>
+            <a:ext cx="6350000" cy="730250"/>
+          </a:xfrm>
+          <a:prstGeom prst="rect">
+            <a:avLst/>
+          </a:prstGeom>
+        </p:spPr>
+        <p:style>
+          <a:lnRef idx="2">
+            <a:schemeClr val="dk1">
+              <a:shade val="50000"/>
+            </a:schemeClr>
+          </a:lnRef>
+          <a:fillRef idx="1">
+            <a:schemeClr val="dk1"/>
+          </a:fillRef>
+          <a:effectRef idx="0">
+            <a:schemeClr val="dk1"/>
+          </a:effectRef>
+          <a:fontRef idx="minor">
+            <a:schemeClr val="lt1"/>
+          </a:fontRef>
+        </p:style>
+        <p:txBody>
+          <a:bodyPr rtlCol="0" anchor="ctr"/>
+          <a:lstStyle/>
+          <a:p>
+            <a:pPr algn="ctr"/>
+            <a:endParaRPr lang="zh-TW" altLang="en-US"/>
+          </a:p>
+        </p:txBody>
+      </p:sp>
+      <p:sp>
+        <p:nvSpPr>
+          <p:cNvPr id="8" name="文字方塊 7">
+            <a:extLst>
+              <a:ext uri="{FF2B5EF4-FFF2-40B4-BE49-F238E27FC236}">
+                <a16:creationId xmlns:a16="http://schemas.microsoft.com/office/drawing/2014/main" id="{8F493A46-5FD8-49FA-9F6C-D068EEDB5DA6}"/>
+              </a:ext>
+            </a:extLst>
+          </p:cNvPr>
+          <p:cNvSpPr txBox="1"/>
+          <p:nvPr/>
+        </p:nvSpPr>
+        <p:spPr>
+          <a:xfrm>
+            <a:off x="3053324" y="5427137"/>
+            <a:ext cx="5862668" cy="369332"/>
+          </a:xfrm>
+          <a:prstGeom prst="rect">
+            <a:avLst/>
+          </a:prstGeom>
+          <a:noFill/>
+        </p:spPr>
+        <p:txBody>
+          <a:bodyPr wrap="square">
+            <a:spAutoFit/>
+          </a:bodyPr>
+          <a:lstStyle/>
+          <a:p>
+            <a:r>
+              <a:rPr lang="en-US" altLang="zh-TW" b="0" dirty="0">
+                <a:solidFill>
+                  <a:srgbClr val="F8F8F2"/>
+                </a:solidFill>
+                <a:effectLst/>
+                <a:latin typeface="Consolas" panose="020B0609020204030204" pitchFamily="49" charset="0"/>
+              </a:rPr>
+              <a:t>&lt;</a:t>
+            </a:r>
+            <a:r>
+              <a:rPr lang="en-US" altLang="zh-TW" b="0" i="1" dirty="0" err="1">
+                <a:solidFill>
+                  <a:srgbClr val="66D9EF"/>
+                </a:solidFill>
+                <a:effectLst/>
+                <a:latin typeface="Consolas" panose="020B0609020204030204" pitchFamily="49" charset="0"/>
+              </a:rPr>
+              <a:t>NuxtLink</a:t>
+            </a:r>
+            <a:r>
+              <a:rPr lang="en-US" altLang="zh-TW" b="0" dirty="0">
+                <a:solidFill>
+                  <a:srgbClr val="F8F8F2"/>
+                </a:solidFill>
+                <a:effectLst/>
+                <a:latin typeface="Consolas" panose="020B0609020204030204" pitchFamily="49" charset="0"/>
+              </a:rPr>
+              <a:t> </a:t>
+            </a:r>
+            <a:r>
+              <a:rPr lang="en-US" altLang="zh-TW" b="0" dirty="0">
+                <a:solidFill>
+                  <a:srgbClr val="A6E22E"/>
+                </a:solidFill>
+                <a:effectLst/>
+                <a:latin typeface="Consolas" panose="020B0609020204030204" pitchFamily="49" charset="0"/>
+              </a:rPr>
+              <a:t>to</a:t>
+            </a:r>
+            <a:r>
+              <a:rPr lang="en-US" altLang="zh-TW" b="0" dirty="0">
+                <a:solidFill>
+                  <a:srgbClr val="F8F8F2"/>
+                </a:solidFill>
+                <a:effectLst/>
+                <a:latin typeface="Consolas" panose="020B0609020204030204" pitchFamily="49" charset="0"/>
+              </a:rPr>
+              <a:t>=</a:t>
+            </a:r>
+            <a:r>
+              <a:rPr lang="en-US" altLang="zh-TW" b="0" dirty="0">
+                <a:solidFill>
+                  <a:srgbClr val="FFEE99"/>
+                </a:solidFill>
+                <a:effectLst/>
+                <a:latin typeface="Consolas" panose="020B0609020204030204" pitchFamily="49" charset="0"/>
+              </a:rPr>
+              <a:t>"/about"</a:t>
+            </a:r>
+            <a:r>
+              <a:rPr lang="en-US" altLang="zh-TW" b="0" dirty="0">
+                <a:solidFill>
+                  <a:srgbClr val="F8F8F2"/>
+                </a:solidFill>
+                <a:effectLst/>
+                <a:latin typeface="Consolas" panose="020B0609020204030204" pitchFamily="49" charset="0"/>
+              </a:rPr>
+              <a:t>&gt;about page&lt;/</a:t>
+            </a:r>
+            <a:r>
+              <a:rPr lang="en-US" altLang="zh-TW" b="0" i="1" dirty="0" err="1">
+                <a:solidFill>
+                  <a:srgbClr val="66D9EF"/>
+                </a:solidFill>
+                <a:effectLst/>
+                <a:latin typeface="Consolas" panose="020B0609020204030204" pitchFamily="49" charset="0"/>
+              </a:rPr>
+              <a:t>NuxtLink</a:t>
+            </a:r>
+            <a:r>
+              <a:rPr lang="en-US" altLang="zh-TW" b="0" dirty="0">
+                <a:solidFill>
+                  <a:srgbClr val="F8F8F2"/>
+                </a:solidFill>
+                <a:effectLst/>
+                <a:latin typeface="Consolas" panose="020B0609020204030204" pitchFamily="49" charset="0"/>
+              </a:rPr>
+              <a:t>&gt;</a:t>
+            </a:r>
+          </a:p>
+        </p:txBody>
+      </p:sp>
+      <p:sp>
+        <p:nvSpPr>
+          <p:cNvPr id="9" name="標題 1">
+            <a:extLst>
+              <a:ext uri="{FF2B5EF4-FFF2-40B4-BE49-F238E27FC236}">
+                <a16:creationId xmlns:a16="http://schemas.microsoft.com/office/drawing/2014/main" id="{5D8D5E41-88ED-488C-B92A-7D8C2ED2E238}"/>
+              </a:ext>
+            </a:extLst>
+          </p:cNvPr>
+          <p:cNvSpPr txBox="1">
+            <a:spLocks/>
+          </p:cNvSpPr>
+          <p:nvPr/>
+        </p:nvSpPr>
+        <p:spPr>
+          <a:xfrm>
+            <a:off x="2809658" y="1648422"/>
+            <a:ext cx="5017447" cy="421586"/>
+          </a:xfrm>
+          <a:prstGeom prst="rect">
+            <a:avLst/>
+          </a:prstGeom>
+        </p:spPr>
+        <p:txBody>
+          <a:bodyPr vert="horz" lIns="91440" tIns="45720" rIns="91440" bIns="45720" rtlCol="0" anchor="ctr">
+            <a:normAutofit/>
+          </a:bodyPr>
+          <a:lstStyle>
+            <a:lvl1pPr algn="l" defTabSz="914400" rtl="0" eaLnBrk="1" latinLnBrk="0" hangingPunct="1">
+              <a:lnSpc>
+                <a:spcPct val="90000"/>
+              </a:lnSpc>
+              <a:spcBef>
+                <a:spcPct val="0"/>
+              </a:spcBef>
+              <a:buNone/>
+              <a:defRPr sz="4400" kern="1200">
+                <a:solidFill>
+                  <a:schemeClr val="tx1"/>
+                </a:solidFill>
+                <a:latin typeface="+mj-lt"/>
+                <a:ea typeface="+mj-ea"/>
+                <a:cs typeface="+mj-cs"/>
+              </a:defRPr>
+            </a:lvl1pPr>
+          </a:lstStyle>
+          <a:p>
+            <a:r>
+              <a:rPr lang="en-US" altLang="zh-TW" sz="1800" b="1" dirty="0">
+                <a:solidFill>
+                  <a:schemeClr val="bg1"/>
+                </a:solidFill>
+                <a:latin typeface="微軟正黑體" panose="020B0604030504040204" pitchFamily="34" charset="-120"/>
+                <a:ea typeface="微軟正黑體" panose="020B0604030504040204" pitchFamily="34" charset="-120"/>
+              </a:rPr>
+              <a:t>Router </a:t>
+            </a:r>
+            <a:r>
+              <a:rPr lang="zh-TW" altLang="en-US" sz="1800" b="1" dirty="0">
+                <a:solidFill>
+                  <a:schemeClr val="bg1"/>
+                </a:solidFill>
+                <a:latin typeface="微軟正黑體" panose="020B0604030504040204" pitchFamily="34" charset="-120"/>
+                <a:ea typeface="微軟正黑體" panose="020B0604030504040204" pitchFamily="34" charset="-120"/>
+              </a:rPr>
+              <a:t>更換頁面的進入點</a:t>
+            </a:r>
+          </a:p>
+        </p:txBody>
+      </p:sp>
+      <p:sp>
+        <p:nvSpPr>
+          <p:cNvPr id="10" name="標題 1">
+            <a:extLst>
+              <a:ext uri="{FF2B5EF4-FFF2-40B4-BE49-F238E27FC236}">
+                <a16:creationId xmlns:a16="http://schemas.microsoft.com/office/drawing/2014/main" id="{D9210609-20F6-48EB-97AD-3790FD687410}"/>
+              </a:ext>
+            </a:extLst>
+          </p:cNvPr>
+          <p:cNvSpPr txBox="1">
+            <a:spLocks/>
+          </p:cNvSpPr>
+          <p:nvPr/>
+        </p:nvSpPr>
+        <p:spPr>
+          <a:xfrm>
+            <a:off x="2757596" y="4822129"/>
+            <a:ext cx="5017447" cy="421586"/>
+          </a:xfrm>
+          <a:prstGeom prst="rect">
+            <a:avLst/>
+          </a:prstGeom>
+        </p:spPr>
+        <p:txBody>
+          <a:bodyPr vert="horz" lIns="91440" tIns="45720" rIns="91440" bIns="45720" rtlCol="0" anchor="ctr">
+            <a:normAutofit/>
+          </a:bodyPr>
+          <a:lstStyle>
+            <a:lvl1pPr algn="l" defTabSz="914400" rtl="0" eaLnBrk="1" latinLnBrk="0" hangingPunct="1">
+              <a:lnSpc>
+                <a:spcPct val="90000"/>
+              </a:lnSpc>
+              <a:spcBef>
+                <a:spcPct val="0"/>
+              </a:spcBef>
+              <a:buNone/>
+              <a:defRPr sz="4400" kern="1200">
+                <a:solidFill>
+                  <a:schemeClr val="tx1"/>
+                </a:solidFill>
+                <a:latin typeface="+mj-lt"/>
+                <a:ea typeface="+mj-ea"/>
+                <a:cs typeface="+mj-cs"/>
+              </a:defRPr>
+            </a:lvl1pPr>
+          </a:lstStyle>
+          <a:p>
+            <a:r>
+              <a:rPr lang="en-US" altLang="zh-TW" sz="1800" b="1" dirty="0" err="1">
+                <a:solidFill>
+                  <a:schemeClr val="bg1"/>
+                </a:solidFill>
+                <a:latin typeface="微軟正黑體" panose="020B0604030504040204" pitchFamily="34" charset="-120"/>
+                <a:ea typeface="微軟正黑體" panose="020B0604030504040204" pitchFamily="34" charset="-120"/>
+              </a:rPr>
+              <a:t>Nuxt</a:t>
+            </a:r>
+            <a:r>
+              <a:rPr lang="zh-TW" altLang="en-US" sz="1800" b="1" dirty="0">
+                <a:solidFill>
+                  <a:schemeClr val="bg1"/>
+                </a:solidFill>
+                <a:latin typeface="微軟正黑體" panose="020B0604030504040204" pitchFamily="34" charset="-120"/>
+                <a:ea typeface="微軟正黑體" panose="020B0604030504040204" pitchFamily="34" charset="-120"/>
+              </a:rPr>
+              <a:t> 切換頁面的超連結元件</a:t>
+            </a:r>
+          </a:p>
+        </p:txBody>
+      </p:sp>
+      <p:sp>
+        <p:nvSpPr>
+          <p:cNvPr id="12" name="文字方塊 11">
+            <a:extLst>
+              <a:ext uri="{FF2B5EF4-FFF2-40B4-BE49-F238E27FC236}">
+                <a16:creationId xmlns:a16="http://schemas.microsoft.com/office/drawing/2014/main" id="{20A45A65-5828-4A6B-86DC-289A984A24C4}"/>
+              </a:ext>
+            </a:extLst>
+          </p:cNvPr>
+          <p:cNvSpPr txBox="1"/>
+          <p:nvPr/>
+        </p:nvSpPr>
+        <p:spPr>
+          <a:xfrm>
+            <a:off x="2979865" y="3863166"/>
+            <a:ext cx="6096000" cy="369332"/>
+          </a:xfrm>
+          <a:prstGeom prst="rect">
+            <a:avLst/>
+          </a:prstGeom>
+          <a:noFill/>
+        </p:spPr>
+        <p:txBody>
+          <a:bodyPr wrap="square">
+            <a:spAutoFit/>
+          </a:bodyPr>
+          <a:lstStyle/>
+          <a:p>
+            <a:r>
+              <a:rPr lang="en-US" altLang="zh-TW" b="0" dirty="0">
+                <a:solidFill>
+                  <a:srgbClr val="F8F8F2"/>
+                </a:solidFill>
+                <a:effectLst/>
+                <a:latin typeface="Consolas" panose="020B0609020204030204" pitchFamily="49" charset="0"/>
+              </a:rPr>
+              <a:t>&lt;</a:t>
+            </a:r>
+            <a:r>
+              <a:rPr lang="en-US" altLang="zh-TW" b="0" i="1" dirty="0" err="1">
+                <a:solidFill>
+                  <a:srgbClr val="66D9EF"/>
+                </a:solidFill>
+                <a:effectLst/>
+                <a:latin typeface="Consolas" panose="020B0609020204030204" pitchFamily="49" charset="0"/>
+              </a:rPr>
+              <a:t>NuxtChild</a:t>
+            </a:r>
+            <a:r>
+              <a:rPr lang="en-US" altLang="zh-TW" b="0" dirty="0">
+                <a:solidFill>
+                  <a:srgbClr val="F8F8F2"/>
+                </a:solidFill>
+                <a:effectLst/>
+                <a:latin typeface="Consolas" panose="020B0609020204030204" pitchFamily="49" charset="0"/>
+              </a:rPr>
+              <a:t> /&gt;</a:t>
+            </a:r>
+          </a:p>
+        </p:txBody>
+      </p:sp>
+      <p:sp>
+        <p:nvSpPr>
+          <p:cNvPr id="14" name="標題 1">
+            <a:extLst>
+              <a:ext uri="{FF2B5EF4-FFF2-40B4-BE49-F238E27FC236}">
+                <a16:creationId xmlns:a16="http://schemas.microsoft.com/office/drawing/2014/main" id="{69D0AFD0-E266-4F40-A4A0-664AEAB1CAE7}"/>
+              </a:ext>
+            </a:extLst>
+          </p:cNvPr>
+          <p:cNvSpPr txBox="1">
+            <a:spLocks/>
+          </p:cNvSpPr>
+          <p:nvPr/>
+        </p:nvSpPr>
+        <p:spPr>
+          <a:xfrm>
+            <a:off x="2757596" y="3261121"/>
+            <a:ext cx="5017447" cy="421586"/>
+          </a:xfrm>
+          <a:prstGeom prst="rect">
+            <a:avLst/>
+          </a:prstGeom>
+        </p:spPr>
+        <p:txBody>
+          <a:bodyPr vert="horz" lIns="91440" tIns="45720" rIns="91440" bIns="45720" rtlCol="0" anchor="ctr">
+            <a:normAutofit/>
+          </a:bodyPr>
+          <a:lstStyle>
+            <a:lvl1pPr algn="l" defTabSz="914400" rtl="0" eaLnBrk="1" latinLnBrk="0" hangingPunct="1">
+              <a:lnSpc>
+                <a:spcPct val="90000"/>
+              </a:lnSpc>
+              <a:spcBef>
+                <a:spcPct val="0"/>
+              </a:spcBef>
+              <a:buNone/>
+              <a:defRPr sz="4400" kern="1200">
+                <a:solidFill>
+                  <a:schemeClr val="tx1"/>
+                </a:solidFill>
+                <a:latin typeface="+mj-lt"/>
+                <a:ea typeface="+mj-ea"/>
+                <a:cs typeface="+mj-cs"/>
+              </a:defRPr>
+            </a:lvl1pPr>
+          </a:lstStyle>
+          <a:p>
+            <a:r>
+              <a:rPr lang="zh-TW" altLang="en-US" sz="1800" b="1" dirty="0">
+                <a:solidFill>
+                  <a:schemeClr val="bg1"/>
+                </a:solidFill>
+                <a:latin typeface="微軟正黑體" panose="020B0604030504040204" pitchFamily="34" charset="-120"/>
+                <a:ea typeface="微軟正黑體" panose="020B0604030504040204" pitchFamily="34" charset="-120"/>
+              </a:rPr>
+              <a:t>嵌套 </a:t>
+            </a:r>
+            <a:r>
+              <a:rPr lang="en-US" altLang="zh-TW" sz="1800" b="1" dirty="0">
+                <a:solidFill>
+                  <a:schemeClr val="bg1"/>
+                </a:solidFill>
+                <a:latin typeface="微軟正黑體" panose="020B0604030504040204" pitchFamily="34" charset="-120"/>
+                <a:ea typeface="微軟正黑體" panose="020B0604030504040204" pitchFamily="34" charset="-120"/>
+              </a:rPr>
+              <a:t>router</a:t>
+            </a:r>
+            <a:r>
+              <a:rPr lang="zh-TW" altLang="en-US" sz="1800" b="1" dirty="0">
+                <a:solidFill>
+                  <a:schemeClr val="bg1"/>
+                </a:solidFill>
+                <a:latin typeface="微軟正黑體" panose="020B0604030504040204" pitchFamily="34" charset="-120"/>
+                <a:ea typeface="微軟正黑體" panose="020B0604030504040204" pitchFamily="34" charset="-120"/>
+              </a:rPr>
+              <a:t> 所更換頁面的進入點</a:t>
+            </a:r>
+          </a:p>
+        </p:txBody>
+      </p:sp>
+    </p:spTree>
+    <p:extLst>
+      <p:ext uri="{BB962C8B-B14F-4D97-AF65-F5344CB8AC3E}">
+        <p14:creationId xmlns:p14="http://schemas.microsoft.com/office/powerpoint/2010/main" val="1775119758"/>
+      </p:ext>
+    </p:extLst>
+  </p:cSld>
+  <p:clrMapOvr>
+    <a:masterClrMapping/>
+  </p:clrMapOvr>
+</p:sld>
+</file>
+
+<file path=ppt/slides/slide12.xml><?xml version="1.0" encoding="utf-8"?>
 <p:sld xmlns:a="http://schemas.openxmlformats.org/drawingml/2006/main" xmlns:r="http://schemas.openxmlformats.org/officeDocument/2006/relationships" xmlns:p="http://schemas.openxmlformats.org/presentationml/2006/main">
   <p:cSld>
     <p:spTree>
@@ -3778,24 +4637,32 @@
           <a:p>
             <a:pPr algn="ctr"/>
             <a:r>
+              <a:rPr lang="zh-TW" altLang="en-US" b="1" dirty="0">
+                <a:solidFill>
+                  <a:schemeClr val="bg1"/>
+                </a:solidFill>
+                <a:latin typeface="微軟正黑體" panose="020B0604030504040204" pitchFamily="34" charset="-120"/>
+                <a:ea typeface="微軟正黑體" panose="020B0604030504040204" pitchFamily="34" charset="-120"/>
+              </a:rPr>
+              <a:t>客制化</a:t>
+            </a:r>
+            <a:r>
               <a:rPr lang="en-US" altLang="zh-TW" b="1" dirty="0">
                 <a:solidFill>
                   <a:schemeClr val="bg1"/>
                 </a:solidFill>
-                <a:latin typeface="Quicksand"/>
-              </a:rPr>
-              <a:t>P</a:t>
-            </a:r>
-            <a:r>
-              <a:rPr lang="en-US" altLang="zh-TW" b="1" i="0" dirty="0">
-                <a:solidFill>
-                  <a:schemeClr val="bg1"/>
-                </a:solidFill>
-                <a:effectLst/>
-                <a:latin typeface="Quicksand"/>
-              </a:rPr>
-              <a:t>lugins</a:t>
-            </a:r>
+                <a:latin typeface="微軟正黑體" panose="020B0604030504040204" pitchFamily="34" charset="-120"/>
+                <a:ea typeface="微軟正黑體" panose="020B0604030504040204" pitchFamily="34" charset="-120"/>
+              </a:rPr>
+              <a:t>Loading</a:t>
+            </a:r>
+            <a:endParaRPr lang="zh-TW" altLang="en-US" b="1" dirty="0">
+              <a:solidFill>
+                <a:schemeClr val="bg1"/>
+              </a:solidFill>
+              <a:latin typeface="微軟正黑體" panose="020B0604030504040204" pitchFamily="34" charset="-120"/>
+              <a:ea typeface="微軟正黑體" panose="020B0604030504040204" pitchFamily="34" charset="-120"/>
+            </a:endParaRPr>
           </a:p>
         </p:txBody>
       </p:sp>
@@ -3836,6 +4703,256 @@
                   <a:schemeClr val="bg1"/>
                 </a:solidFill>
               </a:rPr>
+              <a:t>https://nuxtjs.org/docs/2.x/configuration-glossary/configuration-loading</a:t>
+            </a:r>
+            <a:endParaRPr lang="zh-TW" altLang="en-US" sz="1800" dirty="0">
+              <a:solidFill>
+                <a:schemeClr val="bg1"/>
+              </a:solidFill>
+            </a:endParaRPr>
+          </a:p>
+        </p:txBody>
+      </p:sp>
+    </p:spTree>
+    <p:extLst>
+      <p:ext uri="{BB962C8B-B14F-4D97-AF65-F5344CB8AC3E}">
+        <p14:creationId xmlns:p14="http://schemas.microsoft.com/office/powerpoint/2010/main" val="3238687708"/>
+      </p:ext>
+    </p:extLst>
+  </p:cSld>
+  <p:clrMapOvr>
+    <a:masterClrMapping/>
+  </p:clrMapOvr>
+</p:sld>
+</file>
+
+<file path=ppt/slides/slide13.xml><?xml version="1.0" encoding="utf-8"?>
+<p:sld xmlns:a="http://schemas.openxmlformats.org/drawingml/2006/main" xmlns:r="http://schemas.openxmlformats.org/officeDocument/2006/relationships" xmlns:p="http://schemas.openxmlformats.org/presentationml/2006/main">
+  <p:cSld>
+    <p:spTree>
+      <p:nvGrpSpPr>
+        <p:cNvPr id="1" name=""/>
+        <p:cNvGrpSpPr/>
+        <p:nvPr/>
+      </p:nvGrpSpPr>
+      <p:grpSpPr>
+        <a:xfrm>
+          <a:off x="0" y="0"/>
+          <a:ext cx="0" cy="0"/>
+          <a:chOff x="0" y="0"/>
+          <a:chExt cx="0" cy="0"/>
+        </a:xfrm>
+      </p:grpSpPr>
+      <p:sp>
+        <p:nvSpPr>
+          <p:cNvPr id="2" name="標題 1">
+            <a:extLst>
+              <a:ext uri="{FF2B5EF4-FFF2-40B4-BE49-F238E27FC236}">
+                <a16:creationId xmlns:a16="http://schemas.microsoft.com/office/drawing/2014/main" id="{112BA3E3-9D25-4DE9-B150-F6EE66E14F5C}"/>
+              </a:ext>
+            </a:extLst>
+          </p:cNvPr>
+          <p:cNvSpPr>
+            <a:spLocks noGrp="1"/>
+          </p:cNvSpPr>
+          <p:nvPr>
+            <p:ph type="title"/>
+          </p:nvPr>
+        </p:nvSpPr>
+        <p:spPr>
+          <a:xfrm>
+            <a:off x="3118048" y="2773401"/>
+            <a:ext cx="5634540" cy="940994"/>
+          </a:xfrm>
+        </p:spPr>
+        <p:txBody>
+          <a:bodyPr/>
+          <a:lstStyle/>
+          <a:p>
+            <a:pPr algn="ctr"/>
+            <a:r>
+              <a:rPr lang="en-US" altLang="zh-TW" b="1" dirty="0">
+                <a:solidFill>
+                  <a:schemeClr val="bg1"/>
+                </a:solidFill>
+                <a:latin typeface="微軟正黑體" panose="020B0604030504040204" pitchFamily="34" charset="-120"/>
+                <a:ea typeface="微軟正黑體" panose="020B0604030504040204" pitchFamily="34" charset="-120"/>
+              </a:rPr>
+              <a:t>Error page</a:t>
+            </a:r>
+            <a:endParaRPr lang="zh-TW" altLang="en-US" b="1" dirty="0">
+              <a:solidFill>
+                <a:schemeClr val="bg1"/>
+              </a:solidFill>
+              <a:latin typeface="微軟正黑體" panose="020B0604030504040204" pitchFamily="34" charset="-120"/>
+              <a:ea typeface="微軟正黑體" panose="020B0604030504040204" pitchFamily="34" charset="-120"/>
+            </a:endParaRPr>
+          </a:p>
+        </p:txBody>
+      </p:sp>
+      <p:sp>
+        <p:nvSpPr>
+          <p:cNvPr id="3" name="內容版面配置區 2">
+            <a:extLst>
+              <a:ext uri="{FF2B5EF4-FFF2-40B4-BE49-F238E27FC236}">
+                <a16:creationId xmlns:a16="http://schemas.microsoft.com/office/drawing/2014/main" id="{61A40D72-0C4F-4D4F-9BA3-A762DF919985}"/>
+              </a:ext>
+            </a:extLst>
+          </p:cNvPr>
+          <p:cNvSpPr>
+            <a:spLocks noGrp="1"/>
+          </p:cNvSpPr>
+          <p:nvPr>
+            <p:ph idx="1"/>
+          </p:nvPr>
+        </p:nvSpPr>
+        <p:spPr>
+          <a:xfrm>
+            <a:off x="2018117" y="3714395"/>
+            <a:ext cx="7834401" cy="431642"/>
+          </a:xfrm>
+        </p:spPr>
+        <p:txBody>
+          <a:bodyPr>
+            <a:normAutofit/>
+          </a:bodyPr>
+          <a:lstStyle/>
+          <a:p>
+            <a:pPr marL="0" indent="0" algn="ctr">
+              <a:buNone/>
+            </a:pPr>
+            <a:r>
+              <a:rPr lang="en-US" altLang="zh-TW" sz="1800" dirty="0">
+                <a:solidFill>
+                  <a:schemeClr val="bg1"/>
+                </a:solidFill>
+              </a:rPr>
+              <a:t>https://nuxtjs.org/docs/2.x/directory-structure/layouts#error-page</a:t>
+            </a:r>
+            <a:endParaRPr lang="zh-TW" altLang="en-US" sz="1800" dirty="0">
+              <a:solidFill>
+                <a:schemeClr val="bg1"/>
+              </a:solidFill>
+            </a:endParaRPr>
+          </a:p>
+        </p:txBody>
+      </p:sp>
+    </p:spTree>
+    <p:extLst>
+      <p:ext uri="{BB962C8B-B14F-4D97-AF65-F5344CB8AC3E}">
+        <p14:creationId xmlns:p14="http://schemas.microsoft.com/office/powerpoint/2010/main" val="1197089419"/>
+      </p:ext>
+    </p:extLst>
+  </p:cSld>
+  <p:clrMapOvr>
+    <a:masterClrMapping/>
+  </p:clrMapOvr>
+</p:sld>
+</file>
+
+<file path=ppt/slides/slide14.xml><?xml version="1.0" encoding="utf-8"?>
+<p:sld xmlns:a="http://schemas.openxmlformats.org/drawingml/2006/main" xmlns:r="http://schemas.openxmlformats.org/officeDocument/2006/relationships" xmlns:p="http://schemas.openxmlformats.org/presentationml/2006/main">
+  <p:cSld>
+    <p:spTree>
+      <p:nvGrpSpPr>
+        <p:cNvPr id="1" name=""/>
+        <p:cNvGrpSpPr/>
+        <p:nvPr/>
+      </p:nvGrpSpPr>
+      <p:grpSpPr>
+        <a:xfrm>
+          <a:off x="0" y="0"/>
+          <a:ext cx="0" cy="0"/>
+          <a:chOff x="0" y="0"/>
+          <a:chExt cx="0" cy="0"/>
+        </a:xfrm>
+      </p:grpSpPr>
+      <p:sp>
+        <p:nvSpPr>
+          <p:cNvPr id="2" name="標題 1">
+            <a:extLst>
+              <a:ext uri="{FF2B5EF4-FFF2-40B4-BE49-F238E27FC236}">
+                <a16:creationId xmlns:a16="http://schemas.microsoft.com/office/drawing/2014/main" id="{112BA3E3-9D25-4DE9-B150-F6EE66E14F5C}"/>
+              </a:ext>
+            </a:extLst>
+          </p:cNvPr>
+          <p:cNvSpPr>
+            <a:spLocks noGrp="1"/>
+          </p:cNvSpPr>
+          <p:nvPr>
+            <p:ph type="title"/>
+          </p:nvPr>
+        </p:nvSpPr>
+        <p:spPr>
+          <a:xfrm>
+            <a:off x="3118048" y="2773401"/>
+            <a:ext cx="5634540" cy="940994"/>
+          </a:xfrm>
+        </p:spPr>
+        <p:txBody>
+          <a:bodyPr/>
+          <a:lstStyle/>
+          <a:p>
+            <a:pPr algn="ctr"/>
+            <a:r>
+              <a:rPr lang="en-US" altLang="zh-TW" b="1" dirty="0">
+                <a:solidFill>
+                  <a:schemeClr val="bg1"/>
+                </a:solidFill>
+                <a:latin typeface="Quicksand"/>
+              </a:rPr>
+              <a:t>P</a:t>
+            </a:r>
+            <a:r>
+              <a:rPr lang="en-US" altLang="zh-TW" b="1" i="0" dirty="0">
+                <a:solidFill>
+                  <a:schemeClr val="bg1"/>
+                </a:solidFill>
+                <a:effectLst/>
+                <a:latin typeface="Quicksand"/>
+              </a:rPr>
+              <a:t>lugins</a:t>
+            </a:r>
+          </a:p>
+        </p:txBody>
+      </p:sp>
+      <p:sp>
+        <p:nvSpPr>
+          <p:cNvPr id="3" name="內容版面配置區 2">
+            <a:extLst>
+              <a:ext uri="{FF2B5EF4-FFF2-40B4-BE49-F238E27FC236}">
+                <a16:creationId xmlns:a16="http://schemas.microsoft.com/office/drawing/2014/main" id="{61A40D72-0C4F-4D4F-9BA3-A762DF919985}"/>
+              </a:ext>
+            </a:extLst>
+          </p:cNvPr>
+          <p:cNvSpPr>
+            <a:spLocks noGrp="1"/>
+          </p:cNvSpPr>
+          <p:nvPr>
+            <p:ph idx="1"/>
+          </p:nvPr>
+        </p:nvSpPr>
+        <p:spPr>
+          <a:xfrm>
+            <a:off x="2018117" y="3714395"/>
+            <a:ext cx="7834401" cy="431642"/>
+          </a:xfrm>
+        </p:spPr>
+        <p:txBody>
+          <a:bodyPr>
+            <a:normAutofit/>
+          </a:bodyPr>
+          <a:lstStyle/>
+          <a:p>
+            <a:pPr marL="0" indent="0" algn="ctr">
+              <a:buNone/>
+            </a:pPr>
+            <a:r>
+              <a:rPr lang="en-US" altLang="zh-TW" sz="1800" dirty="0">
+                <a:solidFill>
+                  <a:schemeClr val="bg1"/>
+                </a:solidFill>
+              </a:rPr>
               <a:t>https://nuxtjs.org/docs/2.x/directory-structure/plugins</a:t>
             </a:r>
             <a:endParaRPr lang="zh-TW" altLang="en-US" sz="1800" dirty="0">
@@ -3859,7 +4976,7 @@
 </p:sld>
 </file>
 
-<file path=ppt/slides/slide12.xml><?xml version="1.0" encoding="utf-8"?>
+<file path=ppt/slides/slide15.xml><?xml version="1.0" encoding="utf-8"?>
 <p:sld xmlns:a="http://schemas.openxmlformats.org/drawingml/2006/main" xmlns:r="http://schemas.openxmlformats.org/officeDocument/2006/relationships" xmlns:p="http://schemas.openxmlformats.org/presentationml/2006/main">
   <p:cSld>
     <p:spTree>
@@ -4182,7 +5299,7 @@
 </p:sld>
 </file>
 
-<file path=ppt/slides/slide13.xml><?xml version="1.0" encoding="utf-8"?>
+<file path=ppt/slides/slide16.xml><?xml version="1.0" encoding="utf-8"?>
 <p:sld xmlns:a="http://schemas.openxmlformats.org/drawingml/2006/main" xmlns:r="http://schemas.openxmlformats.org/officeDocument/2006/relationships" xmlns:p="http://schemas.openxmlformats.org/presentationml/2006/main">
   <p:cSld>
     <p:spTree>
@@ -4314,7 +5431,7 @@
 </p:sld>
 </file>
 
-<file path=ppt/slides/slide14.xml><?xml version="1.0" encoding="utf-8"?>
+<file path=ppt/slides/slide17.xml><?xml version="1.0" encoding="utf-8"?>
 <p:sld xmlns:a="http://schemas.openxmlformats.org/drawingml/2006/main" xmlns:r="http://schemas.openxmlformats.org/officeDocument/2006/relationships" xmlns:p="http://schemas.openxmlformats.org/presentationml/2006/main">
   <p:cSld>
     <p:spTree>
@@ -5443,7 +6560,7 @@
 </p:sld>
 </file>
 
-<file path=ppt/slides/slide15.xml><?xml version="1.0" encoding="utf-8"?>
+<file path=ppt/slides/slide18.xml><?xml version="1.0" encoding="utf-8"?>
 <p:sld xmlns:a="http://schemas.openxmlformats.org/drawingml/2006/main" xmlns:r="http://schemas.openxmlformats.org/officeDocument/2006/relationships" xmlns:p="http://schemas.openxmlformats.org/presentationml/2006/main">
   <p:cSld>
     <p:spTree>
@@ -7031,7 +8148,7 @@
 </p:sld>
 </file>
 
-<file path=ppt/slides/slide16.xml><?xml version="1.0" encoding="utf-8"?>
+<file path=ppt/slides/slide19.xml><?xml version="1.0" encoding="utf-8"?>
 <p:sld xmlns:a="http://schemas.openxmlformats.org/drawingml/2006/main" xmlns:r="http://schemas.openxmlformats.org/officeDocument/2006/relationships" xmlns:p="http://schemas.openxmlformats.org/presentationml/2006/main">
   <p:cSld>
     <p:spTree>
@@ -7706,3074 +8823,6 @@
 </p:sld>
 </file>
 
-<file path=ppt/slides/slide17.xml><?xml version="1.0" encoding="utf-8"?>
-<p:sld xmlns:a="http://schemas.openxmlformats.org/drawingml/2006/main" xmlns:r="http://schemas.openxmlformats.org/officeDocument/2006/relationships" xmlns:p="http://schemas.openxmlformats.org/presentationml/2006/main">
-  <p:cSld>
-    <p:spTree>
-      <p:nvGrpSpPr>
-        <p:cNvPr id="1" name=""/>
-        <p:cNvGrpSpPr/>
-        <p:nvPr/>
-      </p:nvGrpSpPr>
-      <p:grpSpPr>
-        <a:xfrm>
-          <a:off x="0" y="0"/>
-          <a:ext cx="0" cy="0"/>
-          <a:chOff x="0" y="0"/>
-          <a:chExt cx="0" cy="0"/>
-        </a:xfrm>
-      </p:grpSpPr>
-      <p:sp>
-        <p:nvSpPr>
-          <p:cNvPr id="6" name="矩形 5">
-            <a:extLst>
-              <a:ext uri="{FF2B5EF4-FFF2-40B4-BE49-F238E27FC236}">
-                <a16:creationId xmlns:a16="http://schemas.microsoft.com/office/drawing/2014/main" id="{20D33F2B-5FC8-49AA-832A-C01892345651}"/>
-              </a:ext>
-            </a:extLst>
-          </p:cNvPr>
-          <p:cNvSpPr/>
-          <p:nvPr/>
-        </p:nvSpPr>
-        <p:spPr>
-          <a:xfrm>
-            <a:off x="522514" y="538132"/>
-            <a:ext cx="6832442" cy="5781735"/>
-          </a:xfrm>
-          <a:prstGeom prst="rect">
-            <a:avLst/>
-          </a:prstGeom>
-        </p:spPr>
-        <p:style>
-          <a:lnRef idx="2">
-            <a:schemeClr val="dk1">
-              <a:shade val="50000"/>
-            </a:schemeClr>
-          </a:lnRef>
-          <a:fillRef idx="1">
-            <a:schemeClr val="dk1"/>
-          </a:fillRef>
-          <a:effectRef idx="0">
-            <a:schemeClr val="dk1"/>
-          </a:effectRef>
-          <a:fontRef idx="minor">
-            <a:schemeClr val="lt1"/>
-          </a:fontRef>
-        </p:style>
-        <p:txBody>
-          <a:bodyPr rtlCol="0" anchor="ctr"/>
-          <a:lstStyle/>
-          <a:p>
-            <a:pPr algn="ctr"/>
-            <a:endParaRPr lang="zh-TW" altLang="en-US"/>
-          </a:p>
-        </p:txBody>
-      </p:sp>
-      <p:sp>
-        <p:nvSpPr>
-          <p:cNvPr id="2" name="標題 1">
-            <a:extLst>
-              <a:ext uri="{FF2B5EF4-FFF2-40B4-BE49-F238E27FC236}">
-                <a16:creationId xmlns:a16="http://schemas.microsoft.com/office/drawing/2014/main" id="{1B383B88-8A8F-421D-90C4-CAF67F6963BC}"/>
-              </a:ext>
-            </a:extLst>
-          </p:cNvPr>
-          <p:cNvSpPr>
-            <a:spLocks noGrp="1"/>
-          </p:cNvSpPr>
-          <p:nvPr>
-            <p:ph type="title"/>
-          </p:nvPr>
-        </p:nvSpPr>
-        <p:spPr>
-          <a:xfrm>
-            <a:off x="7721757" y="538132"/>
-            <a:ext cx="2569502" cy="541491"/>
-          </a:xfrm>
-        </p:spPr>
-        <p:txBody>
-          <a:bodyPr>
-            <a:normAutofit/>
-          </a:bodyPr>
-          <a:lstStyle/>
-          <a:p>
-            <a:pPr algn="ctr"/>
-            <a:r>
-              <a:rPr lang="en-US" altLang="zh-TW" sz="3200" b="1" dirty="0">
-                <a:solidFill>
-                  <a:schemeClr val="bg1"/>
-                </a:solidFill>
-                <a:latin typeface="微軟正黑體" panose="020B0604030504040204" pitchFamily="34" charset="-120"/>
-                <a:ea typeface="微軟正黑體" panose="020B0604030504040204" pitchFamily="34" charset="-120"/>
-              </a:rPr>
-              <a:t>API</a:t>
-            </a:r>
-            <a:r>
-              <a:rPr lang="zh-TW" altLang="en-US" sz="3200" b="1" dirty="0">
-                <a:solidFill>
-                  <a:schemeClr val="bg1"/>
-                </a:solidFill>
-                <a:latin typeface="微軟正黑體" panose="020B0604030504040204" pitchFamily="34" charset="-120"/>
-                <a:ea typeface="微軟正黑體" panose="020B0604030504040204" pitchFamily="34" charset="-120"/>
-              </a:rPr>
-              <a:t> 拆分</a:t>
-            </a:r>
-          </a:p>
-        </p:txBody>
-      </p:sp>
-      <p:sp>
-        <p:nvSpPr>
-          <p:cNvPr id="5" name="文字方塊 4">
-            <a:extLst>
-              <a:ext uri="{FF2B5EF4-FFF2-40B4-BE49-F238E27FC236}">
-                <a16:creationId xmlns:a16="http://schemas.microsoft.com/office/drawing/2014/main" id="{D3D4DDDC-AA86-4725-98EF-64D6812BC0EA}"/>
-              </a:ext>
-            </a:extLst>
-          </p:cNvPr>
-          <p:cNvSpPr txBox="1"/>
-          <p:nvPr/>
-        </p:nvSpPr>
-        <p:spPr>
-          <a:xfrm>
-            <a:off x="952736" y="982175"/>
-            <a:ext cx="6096946" cy="4893647"/>
-          </a:xfrm>
-          <a:prstGeom prst="rect">
-            <a:avLst/>
-          </a:prstGeom>
-          <a:noFill/>
-        </p:spPr>
-        <p:txBody>
-          <a:bodyPr wrap="square">
-            <a:spAutoFit/>
-          </a:bodyPr>
-          <a:lstStyle/>
-          <a:p>
-            <a:r>
-              <a:rPr lang="en-US" altLang="zh-TW" sz="1200" b="0" dirty="0">
-                <a:solidFill>
-                  <a:srgbClr val="F92672"/>
-                </a:solidFill>
-                <a:effectLst/>
-                <a:latin typeface="Consolas" panose="020B0609020204030204" pitchFamily="49" charset="0"/>
-              </a:rPr>
-              <a:t>import</a:t>
-            </a:r>
-            <a:r>
-              <a:rPr lang="en-US" altLang="zh-TW" sz="1200" b="0" dirty="0">
-                <a:solidFill>
-                  <a:srgbClr val="F8F8F2"/>
-                </a:solidFill>
-                <a:effectLst/>
-                <a:latin typeface="Consolas" panose="020B0609020204030204" pitchFamily="49" charset="0"/>
-              </a:rPr>
-              <a:t> </a:t>
-            </a:r>
-            <a:r>
-              <a:rPr lang="en-US" altLang="zh-TW" sz="1200" b="0" dirty="0" err="1">
-                <a:solidFill>
-                  <a:srgbClr val="F8F8F2"/>
-                </a:solidFill>
-                <a:effectLst/>
-                <a:latin typeface="Consolas" panose="020B0609020204030204" pitchFamily="49" charset="0"/>
-              </a:rPr>
-              <a:t>axios</a:t>
-            </a:r>
-            <a:r>
-              <a:rPr lang="en-US" altLang="zh-TW" sz="1200" b="0" dirty="0">
-                <a:solidFill>
-                  <a:srgbClr val="F8F8F2"/>
-                </a:solidFill>
-                <a:effectLst/>
-                <a:latin typeface="Consolas" panose="020B0609020204030204" pitchFamily="49" charset="0"/>
-              </a:rPr>
-              <a:t> </a:t>
-            </a:r>
-            <a:r>
-              <a:rPr lang="en-US" altLang="zh-TW" sz="1200" b="0" dirty="0">
-                <a:solidFill>
-                  <a:srgbClr val="F92672"/>
-                </a:solidFill>
-                <a:effectLst/>
-                <a:latin typeface="Consolas" panose="020B0609020204030204" pitchFamily="49" charset="0"/>
-              </a:rPr>
-              <a:t>from</a:t>
-            </a:r>
-            <a:r>
-              <a:rPr lang="en-US" altLang="zh-TW" sz="1200" b="0" dirty="0">
-                <a:solidFill>
-                  <a:srgbClr val="F8F8F2"/>
-                </a:solidFill>
-                <a:effectLst/>
-                <a:latin typeface="Consolas" panose="020B0609020204030204" pitchFamily="49" charset="0"/>
-              </a:rPr>
-              <a:t> </a:t>
-            </a:r>
-            <a:r>
-              <a:rPr lang="en-US" altLang="zh-TW" sz="1200" b="0" dirty="0">
-                <a:solidFill>
-                  <a:srgbClr val="FFEE99"/>
-                </a:solidFill>
-                <a:effectLst/>
-                <a:latin typeface="Consolas" panose="020B0609020204030204" pitchFamily="49" charset="0"/>
-              </a:rPr>
-              <a:t>"</a:t>
-            </a:r>
-            <a:r>
-              <a:rPr lang="en-US" altLang="zh-TW" sz="1200" b="0" dirty="0" err="1">
-                <a:solidFill>
-                  <a:srgbClr val="FFEE99"/>
-                </a:solidFill>
-                <a:effectLst/>
-                <a:latin typeface="Consolas" panose="020B0609020204030204" pitchFamily="49" charset="0"/>
-              </a:rPr>
-              <a:t>axios</a:t>
-            </a:r>
-            <a:r>
-              <a:rPr lang="en-US" altLang="zh-TW" sz="1200" b="0" dirty="0">
-                <a:solidFill>
-                  <a:srgbClr val="FFEE99"/>
-                </a:solidFill>
-                <a:effectLst/>
-                <a:latin typeface="Consolas" panose="020B0609020204030204" pitchFamily="49" charset="0"/>
-              </a:rPr>
-              <a:t>"</a:t>
-            </a:r>
-            <a:r>
-              <a:rPr lang="en-US" altLang="zh-TW" sz="1200" b="0" dirty="0">
-                <a:solidFill>
-                  <a:srgbClr val="F8F8F2"/>
-                </a:solidFill>
-                <a:effectLst/>
-                <a:latin typeface="Consolas" panose="020B0609020204030204" pitchFamily="49" charset="0"/>
-              </a:rPr>
-              <a:t>;</a:t>
-            </a:r>
-          </a:p>
-          <a:p>
-            <a:br>
-              <a:rPr lang="en-US" altLang="zh-TW" sz="1200" b="0" dirty="0">
-                <a:solidFill>
-                  <a:srgbClr val="F8F8F2"/>
-                </a:solidFill>
-                <a:effectLst/>
-                <a:latin typeface="Consolas" panose="020B0609020204030204" pitchFamily="49" charset="0"/>
-              </a:rPr>
-            </a:br>
-            <a:r>
-              <a:rPr lang="en-US" altLang="zh-TW" sz="1200" b="0" i="1" dirty="0">
-                <a:solidFill>
-                  <a:srgbClr val="66D9EF"/>
-                </a:solidFill>
-                <a:effectLst/>
-                <a:latin typeface="Consolas" panose="020B0609020204030204" pitchFamily="49" charset="0"/>
-              </a:rPr>
-              <a:t>const</a:t>
-            </a:r>
-            <a:r>
-              <a:rPr lang="en-US" altLang="zh-TW" sz="1200" b="0" dirty="0">
-                <a:solidFill>
-                  <a:srgbClr val="F8F8F2"/>
-                </a:solidFill>
-                <a:effectLst/>
-                <a:latin typeface="Consolas" panose="020B0609020204030204" pitchFamily="49" charset="0"/>
-              </a:rPr>
-              <a:t> </a:t>
-            </a:r>
-            <a:r>
-              <a:rPr lang="en-US" altLang="zh-TW" sz="1200" b="0" dirty="0" err="1">
-                <a:solidFill>
-                  <a:srgbClr val="F8F8F2"/>
-                </a:solidFill>
-                <a:effectLst/>
-                <a:latin typeface="Consolas" panose="020B0609020204030204" pitchFamily="49" charset="0"/>
-              </a:rPr>
-              <a:t>photoRequest</a:t>
-            </a:r>
-            <a:r>
-              <a:rPr lang="en-US" altLang="zh-TW" sz="1200" b="0" dirty="0">
-                <a:solidFill>
-                  <a:srgbClr val="F8F8F2"/>
-                </a:solidFill>
-                <a:effectLst/>
-                <a:latin typeface="Consolas" panose="020B0609020204030204" pitchFamily="49" charset="0"/>
-              </a:rPr>
-              <a:t> </a:t>
-            </a:r>
-            <a:r>
-              <a:rPr lang="en-US" altLang="zh-TW" sz="1200" b="0" dirty="0">
-                <a:solidFill>
-                  <a:srgbClr val="F92672"/>
-                </a:solidFill>
-                <a:effectLst/>
-                <a:latin typeface="Consolas" panose="020B0609020204030204" pitchFamily="49" charset="0"/>
-              </a:rPr>
-              <a:t>=</a:t>
-            </a:r>
-            <a:r>
-              <a:rPr lang="en-US" altLang="zh-TW" sz="1200" b="0" dirty="0">
-                <a:solidFill>
-                  <a:srgbClr val="F8F8F2"/>
-                </a:solidFill>
-                <a:effectLst/>
-                <a:latin typeface="Consolas" panose="020B0609020204030204" pitchFamily="49" charset="0"/>
-              </a:rPr>
-              <a:t> </a:t>
-            </a:r>
-            <a:r>
-              <a:rPr lang="en-US" altLang="zh-TW" sz="1200" b="0" dirty="0" err="1">
-                <a:solidFill>
-                  <a:srgbClr val="F8F8F2"/>
-                </a:solidFill>
-                <a:effectLst/>
-                <a:latin typeface="Consolas" panose="020B0609020204030204" pitchFamily="49" charset="0"/>
-              </a:rPr>
-              <a:t>axios</a:t>
-            </a:r>
-            <a:r>
-              <a:rPr lang="en-US" altLang="zh-TW" sz="1200" b="0" dirty="0" err="1">
-                <a:solidFill>
-                  <a:srgbClr val="F92672"/>
-                </a:solidFill>
-                <a:effectLst/>
-                <a:latin typeface="Consolas" panose="020B0609020204030204" pitchFamily="49" charset="0"/>
-              </a:rPr>
-              <a:t>.</a:t>
-            </a:r>
-            <a:r>
-              <a:rPr lang="en-US" altLang="zh-TW" sz="1200" b="0" dirty="0" err="1">
-                <a:solidFill>
-                  <a:srgbClr val="A6E22E"/>
-                </a:solidFill>
-                <a:effectLst/>
-                <a:latin typeface="Consolas" panose="020B0609020204030204" pitchFamily="49" charset="0"/>
-              </a:rPr>
-              <a:t>create</a:t>
-            </a:r>
-            <a:r>
-              <a:rPr lang="en-US" altLang="zh-TW" sz="1200" b="0" dirty="0">
-                <a:solidFill>
-                  <a:srgbClr val="F8F8F2"/>
-                </a:solidFill>
-                <a:effectLst/>
-                <a:latin typeface="Consolas" panose="020B0609020204030204" pitchFamily="49" charset="0"/>
-              </a:rPr>
-              <a:t>({</a:t>
-            </a:r>
-          </a:p>
-          <a:p>
-            <a:r>
-              <a:rPr lang="en-US" altLang="zh-TW" sz="1200" b="0" dirty="0">
-                <a:solidFill>
-                  <a:srgbClr val="F8F8F2"/>
-                </a:solidFill>
-                <a:effectLst/>
-                <a:latin typeface="Consolas" panose="020B0609020204030204" pitchFamily="49" charset="0"/>
-              </a:rPr>
-              <a:t>  </a:t>
-            </a:r>
-            <a:r>
-              <a:rPr lang="en-US" altLang="zh-TW" sz="1200" b="0" dirty="0" err="1">
-                <a:solidFill>
-                  <a:srgbClr val="FFEE99"/>
-                </a:solidFill>
-                <a:effectLst/>
-                <a:latin typeface="Consolas" panose="020B0609020204030204" pitchFamily="49" charset="0"/>
-              </a:rPr>
-              <a:t>baseURL</a:t>
-            </a:r>
-            <a:r>
-              <a:rPr lang="en-US" altLang="zh-TW" sz="1200" b="0" dirty="0">
-                <a:solidFill>
-                  <a:srgbClr val="F8F8F2"/>
-                </a:solidFill>
-                <a:effectLst/>
-                <a:latin typeface="Consolas" panose="020B0609020204030204" pitchFamily="49" charset="0"/>
-              </a:rPr>
-              <a:t>: </a:t>
-            </a:r>
-            <a:r>
-              <a:rPr lang="en-US" altLang="zh-TW" sz="1200" b="0" dirty="0">
-                <a:solidFill>
-                  <a:srgbClr val="FFEE99"/>
-                </a:solidFill>
-                <a:effectLst/>
-                <a:latin typeface="Consolas" panose="020B0609020204030204" pitchFamily="49" charset="0"/>
-              </a:rPr>
-              <a:t>"https://vue-lessons-api.herokuapp.com/"</a:t>
-            </a:r>
-            <a:r>
-              <a:rPr lang="en-US" altLang="zh-TW" sz="1200" b="0" dirty="0">
-                <a:solidFill>
-                  <a:srgbClr val="F8F8F2"/>
-                </a:solidFill>
-                <a:effectLst/>
-                <a:latin typeface="Consolas" panose="020B0609020204030204" pitchFamily="49" charset="0"/>
-              </a:rPr>
-              <a:t>,</a:t>
-            </a:r>
-          </a:p>
-          <a:p>
-            <a:r>
-              <a:rPr lang="en-US" altLang="zh-TW" sz="1200" b="0" dirty="0">
-                <a:solidFill>
-                  <a:srgbClr val="F8F8F2"/>
-                </a:solidFill>
-                <a:effectLst/>
-                <a:latin typeface="Consolas" panose="020B0609020204030204" pitchFamily="49" charset="0"/>
-              </a:rPr>
-              <a:t>});</a:t>
-            </a:r>
-          </a:p>
-          <a:p>
-            <a:br>
-              <a:rPr lang="en-US" altLang="zh-TW" sz="1200" b="0" dirty="0">
-                <a:solidFill>
-                  <a:srgbClr val="F8F8F2"/>
-                </a:solidFill>
-                <a:effectLst/>
-                <a:latin typeface="Consolas" panose="020B0609020204030204" pitchFamily="49" charset="0"/>
-              </a:rPr>
-            </a:br>
-            <a:r>
-              <a:rPr lang="en-US" altLang="zh-TW" sz="1200" b="0" dirty="0" err="1">
-                <a:solidFill>
-                  <a:srgbClr val="F8F8F2"/>
-                </a:solidFill>
-                <a:effectLst/>
-                <a:latin typeface="Consolas" panose="020B0609020204030204" pitchFamily="49" charset="0"/>
-              </a:rPr>
-              <a:t>photoRequest</a:t>
-            </a:r>
-            <a:r>
-              <a:rPr lang="en-US" altLang="zh-TW" sz="1200" b="0" dirty="0" err="1">
-                <a:solidFill>
-                  <a:srgbClr val="F92672"/>
-                </a:solidFill>
-                <a:effectLst/>
-                <a:latin typeface="Consolas" panose="020B0609020204030204" pitchFamily="49" charset="0"/>
-              </a:rPr>
-              <a:t>.</a:t>
-            </a:r>
-            <a:r>
-              <a:rPr lang="en-US" altLang="zh-TW" sz="1200" b="0" dirty="0" err="1">
-                <a:solidFill>
-                  <a:srgbClr val="F8F8F2"/>
-                </a:solidFill>
-                <a:effectLst/>
-                <a:latin typeface="Consolas" panose="020B0609020204030204" pitchFamily="49" charset="0"/>
-              </a:rPr>
-              <a:t>interceptors</a:t>
-            </a:r>
-            <a:r>
-              <a:rPr lang="en-US" altLang="zh-TW" sz="1200" b="0" dirty="0" err="1">
-                <a:solidFill>
-                  <a:srgbClr val="F92672"/>
-                </a:solidFill>
-                <a:effectLst/>
-                <a:latin typeface="Consolas" panose="020B0609020204030204" pitchFamily="49" charset="0"/>
-              </a:rPr>
-              <a:t>.</a:t>
-            </a:r>
-            <a:r>
-              <a:rPr lang="en-US" altLang="zh-TW" sz="1200" b="0" dirty="0" err="1">
-                <a:solidFill>
-                  <a:srgbClr val="F8F8F2"/>
-                </a:solidFill>
-                <a:effectLst/>
-                <a:latin typeface="Consolas" panose="020B0609020204030204" pitchFamily="49" charset="0"/>
-              </a:rPr>
-              <a:t>request</a:t>
-            </a:r>
-            <a:r>
-              <a:rPr lang="en-US" altLang="zh-TW" sz="1200" b="0" dirty="0" err="1">
-                <a:solidFill>
-                  <a:srgbClr val="F92672"/>
-                </a:solidFill>
-                <a:effectLst/>
-                <a:latin typeface="Consolas" panose="020B0609020204030204" pitchFamily="49" charset="0"/>
-              </a:rPr>
-              <a:t>.</a:t>
-            </a:r>
-            <a:r>
-              <a:rPr lang="en-US" altLang="zh-TW" sz="1200" b="0" dirty="0" err="1">
-                <a:solidFill>
-                  <a:srgbClr val="A6E22E"/>
-                </a:solidFill>
-                <a:effectLst/>
-                <a:latin typeface="Consolas" panose="020B0609020204030204" pitchFamily="49" charset="0"/>
-              </a:rPr>
-              <a:t>use</a:t>
-            </a:r>
-            <a:r>
-              <a:rPr lang="en-US" altLang="zh-TW" sz="1200" b="0" dirty="0">
-                <a:solidFill>
-                  <a:srgbClr val="F8F8F2"/>
-                </a:solidFill>
-                <a:effectLst/>
-                <a:latin typeface="Consolas" panose="020B0609020204030204" pitchFamily="49" charset="0"/>
-              </a:rPr>
-              <a:t>(</a:t>
-            </a:r>
-          </a:p>
-          <a:p>
-            <a:r>
-              <a:rPr lang="en-US" altLang="zh-TW" sz="1200" b="0" dirty="0">
-                <a:solidFill>
-                  <a:srgbClr val="F8F8F2"/>
-                </a:solidFill>
-                <a:effectLst/>
-                <a:latin typeface="Consolas" panose="020B0609020204030204" pitchFamily="49" charset="0"/>
-              </a:rPr>
-              <a:t>  (config) </a:t>
-            </a:r>
-            <a:r>
-              <a:rPr lang="en-US" altLang="zh-TW" sz="1200" b="0" i="1" dirty="0">
-                <a:solidFill>
-                  <a:srgbClr val="66D9EF"/>
-                </a:solidFill>
-                <a:effectLst/>
-                <a:latin typeface="Consolas" panose="020B0609020204030204" pitchFamily="49" charset="0"/>
-              </a:rPr>
-              <a:t>=&gt;</a:t>
-            </a:r>
-            <a:r>
-              <a:rPr lang="en-US" altLang="zh-TW" sz="1200" b="0" dirty="0">
-                <a:solidFill>
-                  <a:srgbClr val="F8F8F2"/>
-                </a:solidFill>
-                <a:effectLst/>
-                <a:latin typeface="Consolas" panose="020B0609020204030204" pitchFamily="49" charset="0"/>
-              </a:rPr>
-              <a:t> {</a:t>
-            </a:r>
-          </a:p>
-          <a:p>
-            <a:r>
-              <a:rPr lang="en-US" altLang="zh-TW" sz="1200" b="0" dirty="0">
-                <a:solidFill>
-                  <a:srgbClr val="F8F8F2"/>
-                </a:solidFill>
-                <a:effectLst/>
-                <a:latin typeface="Consolas" panose="020B0609020204030204" pitchFamily="49" charset="0"/>
-              </a:rPr>
-              <a:t>    </a:t>
-            </a:r>
-            <a:r>
-              <a:rPr lang="en-US" altLang="zh-TW" sz="1200" b="0" i="1" dirty="0">
-                <a:solidFill>
-                  <a:srgbClr val="66D9EF"/>
-                </a:solidFill>
-                <a:effectLst/>
-                <a:latin typeface="Consolas" panose="020B0609020204030204" pitchFamily="49" charset="0"/>
-              </a:rPr>
-              <a:t>console</a:t>
-            </a:r>
-            <a:r>
-              <a:rPr lang="en-US" altLang="zh-TW" sz="1200" b="0" dirty="0">
-                <a:solidFill>
-                  <a:srgbClr val="F92672"/>
-                </a:solidFill>
-                <a:effectLst/>
-                <a:latin typeface="Consolas" panose="020B0609020204030204" pitchFamily="49" charset="0"/>
-              </a:rPr>
-              <a:t>.</a:t>
-            </a:r>
-            <a:r>
-              <a:rPr lang="en-US" altLang="zh-TW" sz="1200" b="0" dirty="0">
-                <a:solidFill>
-                  <a:srgbClr val="66D9EF"/>
-                </a:solidFill>
-                <a:effectLst/>
-                <a:latin typeface="Consolas" panose="020B0609020204030204" pitchFamily="49" charset="0"/>
-              </a:rPr>
-              <a:t>log</a:t>
-            </a:r>
-            <a:r>
-              <a:rPr lang="en-US" altLang="zh-TW" sz="1200" b="0" dirty="0">
-                <a:solidFill>
-                  <a:srgbClr val="F8F8F2"/>
-                </a:solidFill>
-                <a:effectLst/>
-                <a:latin typeface="Consolas" panose="020B0609020204030204" pitchFamily="49" charset="0"/>
-              </a:rPr>
-              <a:t>(</a:t>
-            </a:r>
-            <a:r>
-              <a:rPr lang="en-US" altLang="zh-TW" sz="1200" b="0" dirty="0">
-                <a:solidFill>
-                  <a:srgbClr val="FFEE99"/>
-                </a:solidFill>
-                <a:effectLst/>
-                <a:latin typeface="Consolas" panose="020B0609020204030204" pitchFamily="49" charset="0"/>
-              </a:rPr>
-              <a:t>"</a:t>
-            </a:r>
-            <a:r>
-              <a:rPr lang="zh-TW" altLang="en-US" sz="1200" b="0" dirty="0">
-                <a:solidFill>
-                  <a:srgbClr val="FFEE99"/>
-                </a:solidFill>
-                <a:effectLst/>
-                <a:latin typeface="Consolas" panose="020B0609020204030204" pitchFamily="49" charset="0"/>
-              </a:rPr>
-              <a:t>請求發起前</a:t>
-            </a:r>
-            <a:r>
-              <a:rPr lang="en-US" altLang="zh-TW" sz="1200" b="0" dirty="0">
-                <a:solidFill>
-                  <a:srgbClr val="FFEE99"/>
-                </a:solidFill>
-                <a:effectLst/>
-                <a:latin typeface="Consolas" panose="020B0609020204030204" pitchFamily="49" charset="0"/>
-              </a:rPr>
-              <a:t>"</a:t>
-            </a:r>
-            <a:r>
-              <a:rPr lang="en-US" altLang="zh-TW" sz="1200" b="0" dirty="0">
-                <a:solidFill>
-                  <a:srgbClr val="F8F8F2"/>
-                </a:solidFill>
-                <a:effectLst/>
-                <a:latin typeface="Consolas" panose="020B0609020204030204" pitchFamily="49" charset="0"/>
-              </a:rPr>
-              <a:t>);</a:t>
-            </a:r>
-          </a:p>
-          <a:p>
-            <a:r>
-              <a:rPr lang="en-US" altLang="zh-TW" sz="1200" b="0" dirty="0">
-                <a:solidFill>
-                  <a:srgbClr val="F8F8F2"/>
-                </a:solidFill>
-                <a:effectLst/>
-                <a:latin typeface="Consolas" panose="020B0609020204030204" pitchFamily="49" charset="0"/>
-              </a:rPr>
-              <a:t>    </a:t>
-            </a:r>
-            <a:r>
-              <a:rPr lang="en-US" altLang="zh-TW" sz="1200" b="0" dirty="0">
-                <a:solidFill>
-                  <a:srgbClr val="F92672"/>
-                </a:solidFill>
-                <a:effectLst/>
-                <a:latin typeface="Consolas" panose="020B0609020204030204" pitchFamily="49" charset="0"/>
-              </a:rPr>
-              <a:t>return</a:t>
-            </a:r>
-            <a:r>
-              <a:rPr lang="en-US" altLang="zh-TW" sz="1200" b="0" dirty="0">
-                <a:solidFill>
-                  <a:srgbClr val="F8F8F2"/>
-                </a:solidFill>
-                <a:effectLst/>
-                <a:latin typeface="Consolas" panose="020B0609020204030204" pitchFamily="49" charset="0"/>
-              </a:rPr>
-              <a:t> config;</a:t>
-            </a:r>
-          </a:p>
-          <a:p>
-            <a:r>
-              <a:rPr lang="en-US" altLang="zh-TW" sz="1200" b="0" dirty="0">
-                <a:solidFill>
-                  <a:srgbClr val="F8F8F2"/>
-                </a:solidFill>
-                <a:effectLst/>
-                <a:latin typeface="Consolas" panose="020B0609020204030204" pitchFamily="49" charset="0"/>
-              </a:rPr>
-              <a:t>  },</a:t>
-            </a:r>
-          </a:p>
-          <a:p>
-            <a:r>
-              <a:rPr lang="en-US" altLang="zh-TW" sz="1200" b="0" dirty="0">
-                <a:solidFill>
-                  <a:srgbClr val="F8F8F2"/>
-                </a:solidFill>
-                <a:effectLst/>
-                <a:latin typeface="Consolas" panose="020B0609020204030204" pitchFamily="49" charset="0"/>
-              </a:rPr>
-              <a:t>  (error) </a:t>
-            </a:r>
-            <a:r>
-              <a:rPr lang="en-US" altLang="zh-TW" sz="1200" b="0" i="1" dirty="0">
-                <a:solidFill>
-                  <a:srgbClr val="66D9EF"/>
-                </a:solidFill>
-                <a:effectLst/>
-                <a:latin typeface="Consolas" panose="020B0609020204030204" pitchFamily="49" charset="0"/>
-              </a:rPr>
-              <a:t>=&gt;</a:t>
-            </a:r>
-            <a:r>
-              <a:rPr lang="en-US" altLang="zh-TW" sz="1200" b="0" dirty="0">
-                <a:solidFill>
-                  <a:srgbClr val="F8F8F2"/>
-                </a:solidFill>
-                <a:effectLst/>
-                <a:latin typeface="Consolas" panose="020B0609020204030204" pitchFamily="49" charset="0"/>
-              </a:rPr>
-              <a:t> {</a:t>
-            </a:r>
-          </a:p>
-          <a:p>
-            <a:r>
-              <a:rPr lang="en-US" altLang="zh-TW" sz="1200" b="0" dirty="0">
-                <a:solidFill>
-                  <a:srgbClr val="F8F8F2"/>
-                </a:solidFill>
-                <a:effectLst/>
-                <a:latin typeface="Consolas" panose="020B0609020204030204" pitchFamily="49" charset="0"/>
-              </a:rPr>
-              <a:t>    </a:t>
-            </a:r>
-            <a:r>
-              <a:rPr lang="en-US" altLang="zh-TW" sz="1200" b="0" dirty="0">
-                <a:solidFill>
-                  <a:srgbClr val="F92672"/>
-                </a:solidFill>
-                <a:effectLst/>
-                <a:latin typeface="Consolas" panose="020B0609020204030204" pitchFamily="49" charset="0"/>
-              </a:rPr>
-              <a:t>return</a:t>
-            </a:r>
-            <a:r>
-              <a:rPr lang="en-US" altLang="zh-TW" sz="1200" b="0" dirty="0">
-                <a:solidFill>
-                  <a:srgbClr val="F8F8F2"/>
-                </a:solidFill>
-                <a:effectLst/>
-                <a:latin typeface="Consolas" panose="020B0609020204030204" pitchFamily="49" charset="0"/>
-              </a:rPr>
-              <a:t> </a:t>
-            </a:r>
-            <a:r>
-              <a:rPr lang="en-US" altLang="zh-TW" sz="1200" b="0" i="1" dirty="0" err="1">
-                <a:solidFill>
-                  <a:srgbClr val="66D9EF"/>
-                </a:solidFill>
-                <a:effectLst/>
-                <a:latin typeface="Consolas" panose="020B0609020204030204" pitchFamily="49" charset="0"/>
-              </a:rPr>
-              <a:t>Promise</a:t>
-            </a:r>
-            <a:r>
-              <a:rPr lang="en-US" altLang="zh-TW" sz="1200" b="0" dirty="0" err="1">
-                <a:solidFill>
-                  <a:srgbClr val="F92672"/>
-                </a:solidFill>
-                <a:effectLst/>
-                <a:latin typeface="Consolas" panose="020B0609020204030204" pitchFamily="49" charset="0"/>
-              </a:rPr>
-              <a:t>.</a:t>
-            </a:r>
-            <a:r>
-              <a:rPr lang="en-US" altLang="zh-TW" sz="1200" b="0" dirty="0" err="1">
-                <a:solidFill>
-                  <a:srgbClr val="A6E22E"/>
-                </a:solidFill>
-                <a:effectLst/>
-                <a:latin typeface="Consolas" panose="020B0609020204030204" pitchFamily="49" charset="0"/>
-              </a:rPr>
-              <a:t>reject</a:t>
-            </a:r>
-            <a:r>
-              <a:rPr lang="en-US" altLang="zh-TW" sz="1200" b="0" dirty="0">
-                <a:solidFill>
-                  <a:srgbClr val="F8F8F2"/>
-                </a:solidFill>
-                <a:effectLst/>
-                <a:latin typeface="Consolas" panose="020B0609020204030204" pitchFamily="49" charset="0"/>
-              </a:rPr>
-              <a:t>(error);</a:t>
-            </a:r>
-          </a:p>
-          <a:p>
-            <a:r>
-              <a:rPr lang="en-US" altLang="zh-TW" sz="1200" b="0" dirty="0">
-                <a:solidFill>
-                  <a:srgbClr val="F8F8F2"/>
-                </a:solidFill>
-                <a:effectLst/>
-                <a:latin typeface="Consolas" panose="020B0609020204030204" pitchFamily="49" charset="0"/>
-              </a:rPr>
-              <a:t>  }</a:t>
-            </a:r>
-          </a:p>
-          <a:p>
-            <a:r>
-              <a:rPr lang="en-US" altLang="zh-TW" sz="1200" b="0" dirty="0">
-                <a:solidFill>
-                  <a:srgbClr val="F8F8F2"/>
-                </a:solidFill>
-                <a:effectLst/>
-                <a:latin typeface="Consolas" panose="020B0609020204030204" pitchFamily="49" charset="0"/>
-              </a:rPr>
-              <a:t>);</a:t>
-            </a:r>
-          </a:p>
-          <a:p>
-            <a:r>
-              <a:rPr lang="en-US" altLang="zh-TW" sz="1200" b="0" dirty="0" err="1">
-                <a:solidFill>
-                  <a:srgbClr val="F8F8F2"/>
-                </a:solidFill>
-                <a:effectLst/>
-                <a:latin typeface="Consolas" panose="020B0609020204030204" pitchFamily="49" charset="0"/>
-              </a:rPr>
-              <a:t>photoRequest</a:t>
-            </a:r>
-            <a:r>
-              <a:rPr lang="en-US" altLang="zh-TW" sz="1200" b="0" dirty="0" err="1">
-                <a:solidFill>
-                  <a:srgbClr val="F92672"/>
-                </a:solidFill>
-                <a:effectLst/>
-                <a:latin typeface="Consolas" panose="020B0609020204030204" pitchFamily="49" charset="0"/>
-              </a:rPr>
-              <a:t>.</a:t>
-            </a:r>
-            <a:r>
-              <a:rPr lang="en-US" altLang="zh-TW" sz="1200" b="0" dirty="0" err="1">
-                <a:solidFill>
-                  <a:srgbClr val="F8F8F2"/>
-                </a:solidFill>
-                <a:effectLst/>
-                <a:latin typeface="Consolas" panose="020B0609020204030204" pitchFamily="49" charset="0"/>
-              </a:rPr>
-              <a:t>interceptors</a:t>
-            </a:r>
-            <a:r>
-              <a:rPr lang="en-US" altLang="zh-TW" sz="1200" b="0" dirty="0" err="1">
-                <a:solidFill>
-                  <a:srgbClr val="F92672"/>
-                </a:solidFill>
-                <a:effectLst/>
-                <a:latin typeface="Consolas" panose="020B0609020204030204" pitchFamily="49" charset="0"/>
-              </a:rPr>
-              <a:t>.</a:t>
-            </a:r>
-            <a:r>
-              <a:rPr lang="en-US" altLang="zh-TW" sz="1200" b="0" dirty="0" err="1">
-                <a:solidFill>
-                  <a:srgbClr val="F8F8F2"/>
-                </a:solidFill>
-                <a:effectLst/>
-                <a:latin typeface="Consolas" panose="020B0609020204030204" pitchFamily="49" charset="0"/>
-              </a:rPr>
-              <a:t>response</a:t>
-            </a:r>
-            <a:r>
-              <a:rPr lang="en-US" altLang="zh-TW" sz="1200" b="0" dirty="0" err="1">
-                <a:solidFill>
-                  <a:srgbClr val="F92672"/>
-                </a:solidFill>
-                <a:effectLst/>
-                <a:latin typeface="Consolas" panose="020B0609020204030204" pitchFamily="49" charset="0"/>
-              </a:rPr>
-              <a:t>.</a:t>
-            </a:r>
-            <a:r>
-              <a:rPr lang="en-US" altLang="zh-TW" sz="1200" b="0" dirty="0" err="1">
-                <a:solidFill>
-                  <a:srgbClr val="A6E22E"/>
-                </a:solidFill>
-                <a:effectLst/>
-                <a:latin typeface="Consolas" panose="020B0609020204030204" pitchFamily="49" charset="0"/>
-              </a:rPr>
-              <a:t>use</a:t>
-            </a:r>
-            <a:r>
-              <a:rPr lang="en-US" altLang="zh-TW" sz="1200" b="0" dirty="0">
-                <a:solidFill>
-                  <a:srgbClr val="F8F8F2"/>
-                </a:solidFill>
-                <a:effectLst/>
-                <a:latin typeface="Consolas" panose="020B0609020204030204" pitchFamily="49" charset="0"/>
-              </a:rPr>
-              <a:t>(</a:t>
-            </a:r>
-          </a:p>
-          <a:p>
-            <a:r>
-              <a:rPr lang="en-US" altLang="zh-TW" sz="1200" b="0" dirty="0">
-                <a:solidFill>
-                  <a:srgbClr val="F8F8F2"/>
-                </a:solidFill>
-                <a:effectLst/>
-                <a:latin typeface="Consolas" panose="020B0609020204030204" pitchFamily="49" charset="0"/>
-              </a:rPr>
-              <a:t>  (response) </a:t>
-            </a:r>
-            <a:r>
-              <a:rPr lang="en-US" altLang="zh-TW" sz="1200" b="0" i="1" dirty="0">
-                <a:solidFill>
-                  <a:srgbClr val="66D9EF"/>
-                </a:solidFill>
-                <a:effectLst/>
-                <a:latin typeface="Consolas" panose="020B0609020204030204" pitchFamily="49" charset="0"/>
-              </a:rPr>
-              <a:t>=&gt;</a:t>
-            </a:r>
-            <a:r>
-              <a:rPr lang="en-US" altLang="zh-TW" sz="1200" b="0" dirty="0">
-                <a:solidFill>
-                  <a:srgbClr val="F8F8F2"/>
-                </a:solidFill>
-                <a:effectLst/>
-                <a:latin typeface="Consolas" panose="020B0609020204030204" pitchFamily="49" charset="0"/>
-              </a:rPr>
-              <a:t> {</a:t>
-            </a:r>
-          </a:p>
-          <a:p>
-            <a:r>
-              <a:rPr lang="en-US" altLang="zh-TW" sz="1200" b="0" dirty="0">
-                <a:solidFill>
-                  <a:srgbClr val="F8F8F2"/>
-                </a:solidFill>
-                <a:effectLst/>
-                <a:latin typeface="Consolas" panose="020B0609020204030204" pitchFamily="49" charset="0"/>
-              </a:rPr>
-              <a:t>    </a:t>
-            </a:r>
-            <a:r>
-              <a:rPr lang="en-US" altLang="zh-TW" sz="1200" b="0" i="1" dirty="0">
-                <a:solidFill>
-                  <a:srgbClr val="66D9EF"/>
-                </a:solidFill>
-                <a:effectLst/>
-                <a:latin typeface="Consolas" panose="020B0609020204030204" pitchFamily="49" charset="0"/>
-              </a:rPr>
-              <a:t>console</a:t>
-            </a:r>
-            <a:r>
-              <a:rPr lang="en-US" altLang="zh-TW" sz="1200" b="0" dirty="0">
-                <a:solidFill>
-                  <a:srgbClr val="F92672"/>
-                </a:solidFill>
-                <a:effectLst/>
-                <a:latin typeface="Consolas" panose="020B0609020204030204" pitchFamily="49" charset="0"/>
-              </a:rPr>
-              <a:t>.</a:t>
-            </a:r>
-            <a:r>
-              <a:rPr lang="en-US" altLang="zh-TW" sz="1200" b="0" dirty="0">
-                <a:solidFill>
-                  <a:srgbClr val="66D9EF"/>
-                </a:solidFill>
-                <a:effectLst/>
-                <a:latin typeface="Consolas" panose="020B0609020204030204" pitchFamily="49" charset="0"/>
-              </a:rPr>
-              <a:t>log</a:t>
-            </a:r>
-            <a:r>
-              <a:rPr lang="en-US" altLang="zh-TW" sz="1200" b="0" dirty="0">
-                <a:solidFill>
-                  <a:srgbClr val="F8F8F2"/>
-                </a:solidFill>
-                <a:effectLst/>
-                <a:latin typeface="Consolas" panose="020B0609020204030204" pitchFamily="49" charset="0"/>
-              </a:rPr>
-              <a:t>(</a:t>
-            </a:r>
-            <a:r>
-              <a:rPr lang="en-US" altLang="zh-TW" sz="1200" b="0" dirty="0">
-                <a:solidFill>
-                  <a:srgbClr val="FFEE99"/>
-                </a:solidFill>
-                <a:effectLst/>
-                <a:latin typeface="Consolas" panose="020B0609020204030204" pitchFamily="49" charset="0"/>
-              </a:rPr>
-              <a:t>"</a:t>
-            </a:r>
-            <a:r>
-              <a:rPr lang="zh-TW" altLang="en-US" sz="1200" b="0" dirty="0">
-                <a:solidFill>
-                  <a:srgbClr val="FFEE99"/>
-                </a:solidFill>
-                <a:effectLst/>
-                <a:latin typeface="Consolas" panose="020B0609020204030204" pitchFamily="49" charset="0"/>
-              </a:rPr>
-              <a:t>請求發起後</a:t>
-            </a:r>
-            <a:r>
-              <a:rPr lang="en-US" altLang="zh-TW" sz="1200" b="0" dirty="0">
-                <a:solidFill>
-                  <a:srgbClr val="FFEE99"/>
-                </a:solidFill>
-                <a:effectLst/>
-                <a:latin typeface="Consolas" panose="020B0609020204030204" pitchFamily="49" charset="0"/>
-              </a:rPr>
-              <a:t>"</a:t>
-            </a:r>
-            <a:r>
-              <a:rPr lang="en-US" altLang="zh-TW" sz="1200" b="0" dirty="0">
-                <a:solidFill>
-                  <a:srgbClr val="F8F8F2"/>
-                </a:solidFill>
-                <a:effectLst/>
-                <a:latin typeface="Consolas" panose="020B0609020204030204" pitchFamily="49" charset="0"/>
-              </a:rPr>
-              <a:t>);</a:t>
-            </a:r>
-          </a:p>
-          <a:p>
-            <a:r>
-              <a:rPr lang="en-US" altLang="zh-TW" sz="1200" b="0" dirty="0">
-                <a:solidFill>
-                  <a:srgbClr val="F8F8F2"/>
-                </a:solidFill>
-                <a:effectLst/>
-                <a:latin typeface="Consolas" panose="020B0609020204030204" pitchFamily="49" charset="0"/>
-              </a:rPr>
-              <a:t>    </a:t>
-            </a:r>
-            <a:r>
-              <a:rPr lang="en-US" altLang="zh-TW" sz="1200" b="0" dirty="0">
-                <a:solidFill>
-                  <a:srgbClr val="F92672"/>
-                </a:solidFill>
-                <a:effectLst/>
-                <a:latin typeface="Consolas" panose="020B0609020204030204" pitchFamily="49" charset="0"/>
-              </a:rPr>
-              <a:t>return</a:t>
-            </a:r>
-            <a:r>
-              <a:rPr lang="en-US" altLang="zh-TW" sz="1200" b="0" dirty="0">
-                <a:solidFill>
-                  <a:srgbClr val="F8F8F2"/>
-                </a:solidFill>
-                <a:effectLst/>
-                <a:latin typeface="Consolas" panose="020B0609020204030204" pitchFamily="49" charset="0"/>
-              </a:rPr>
-              <a:t> response;</a:t>
-            </a:r>
-          </a:p>
-          <a:p>
-            <a:r>
-              <a:rPr lang="en-US" altLang="zh-TW" sz="1200" b="0" dirty="0">
-                <a:solidFill>
-                  <a:srgbClr val="F8F8F2"/>
-                </a:solidFill>
-                <a:effectLst/>
-                <a:latin typeface="Consolas" panose="020B0609020204030204" pitchFamily="49" charset="0"/>
-              </a:rPr>
-              <a:t>  },</a:t>
-            </a:r>
-          </a:p>
-          <a:p>
-            <a:r>
-              <a:rPr lang="en-US" altLang="zh-TW" sz="1200" b="0" dirty="0">
-                <a:solidFill>
-                  <a:srgbClr val="F8F8F2"/>
-                </a:solidFill>
-                <a:effectLst/>
-                <a:latin typeface="Consolas" panose="020B0609020204030204" pitchFamily="49" charset="0"/>
-              </a:rPr>
-              <a:t>  (error) </a:t>
-            </a:r>
-            <a:r>
-              <a:rPr lang="en-US" altLang="zh-TW" sz="1200" b="0" i="1" dirty="0">
-                <a:solidFill>
-                  <a:srgbClr val="66D9EF"/>
-                </a:solidFill>
-                <a:effectLst/>
-                <a:latin typeface="Consolas" panose="020B0609020204030204" pitchFamily="49" charset="0"/>
-              </a:rPr>
-              <a:t>=&gt;</a:t>
-            </a:r>
-            <a:r>
-              <a:rPr lang="en-US" altLang="zh-TW" sz="1200" b="0" dirty="0">
-                <a:solidFill>
-                  <a:srgbClr val="F8F8F2"/>
-                </a:solidFill>
-                <a:effectLst/>
-                <a:latin typeface="Consolas" panose="020B0609020204030204" pitchFamily="49" charset="0"/>
-              </a:rPr>
-              <a:t> {</a:t>
-            </a:r>
-          </a:p>
-          <a:p>
-            <a:r>
-              <a:rPr lang="en-US" altLang="zh-TW" sz="1200" b="0" dirty="0">
-                <a:solidFill>
-                  <a:srgbClr val="F8F8F2"/>
-                </a:solidFill>
-                <a:effectLst/>
-                <a:latin typeface="Consolas" panose="020B0609020204030204" pitchFamily="49" charset="0"/>
-              </a:rPr>
-              <a:t>    </a:t>
-            </a:r>
-            <a:r>
-              <a:rPr lang="en-US" altLang="zh-TW" sz="1200" b="0" dirty="0">
-                <a:solidFill>
-                  <a:srgbClr val="F92672"/>
-                </a:solidFill>
-                <a:effectLst/>
-                <a:latin typeface="Consolas" panose="020B0609020204030204" pitchFamily="49" charset="0"/>
-              </a:rPr>
-              <a:t>return</a:t>
-            </a:r>
-            <a:r>
-              <a:rPr lang="en-US" altLang="zh-TW" sz="1200" b="0" dirty="0">
-                <a:solidFill>
-                  <a:srgbClr val="F8F8F2"/>
-                </a:solidFill>
-                <a:effectLst/>
-                <a:latin typeface="Consolas" panose="020B0609020204030204" pitchFamily="49" charset="0"/>
-              </a:rPr>
-              <a:t> </a:t>
-            </a:r>
-            <a:r>
-              <a:rPr lang="en-US" altLang="zh-TW" sz="1200" b="0" i="1" dirty="0" err="1">
-                <a:solidFill>
-                  <a:srgbClr val="66D9EF"/>
-                </a:solidFill>
-                <a:effectLst/>
-                <a:latin typeface="Consolas" panose="020B0609020204030204" pitchFamily="49" charset="0"/>
-              </a:rPr>
-              <a:t>Promise</a:t>
-            </a:r>
-            <a:r>
-              <a:rPr lang="en-US" altLang="zh-TW" sz="1200" b="0" dirty="0" err="1">
-                <a:solidFill>
-                  <a:srgbClr val="F92672"/>
-                </a:solidFill>
-                <a:effectLst/>
-                <a:latin typeface="Consolas" panose="020B0609020204030204" pitchFamily="49" charset="0"/>
-              </a:rPr>
-              <a:t>.</a:t>
-            </a:r>
-            <a:r>
-              <a:rPr lang="en-US" altLang="zh-TW" sz="1200" b="0" dirty="0" err="1">
-                <a:solidFill>
-                  <a:srgbClr val="A6E22E"/>
-                </a:solidFill>
-                <a:effectLst/>
-                <a:latin typeface="Consolas" panose="020B0609020204030204" pitchFamily="49" charset="0"/>
-              </a:rPr>
-              <a:t>reject</a:t>
-            </a:r>
-            <a:r>
-              <a:rPr lang="en-US" altLang="zh-TW" sz="1200" b="0" dirty="0">
-                <a:solidFill>
-                  <a:srgbClr val="F8F8F2"/>
-                </a:solidFill>
-                <a:effectLst/>
-                <a:latin typeface="Consolas" panose="020B0609020204030204" pitchFamily="49" charset="0"/>
-              </a:rPr>
-              <a:t>(error);</a:t>
-            </a:r>
-          </a:p>
-          <a:p>
-            <a:r>
-              <a:rPr lang="en-US" altLang="zh-TW" sz="1200" b="0" dirty="0">
-                <a:solidFill>
-                  <a:srgbClr val="F8F8F2"/>
-                </a:solidFill>
-                <a:effectLst/>
-                <a:latin typeface="Consolas" panose="020B0609020204030204" pitchFamily="49" charset="0"/>
-              </a:rPr>
-              <a:t>  }</a:t>
-            </a:r>
-          </a:p>
-          <a:p>
-            <a:r>
-              <a:rPr lang="en-US" altLang="zh-TW" sz="1200" b="0" dirty="0">
-                <a:solidFill>
-                  <a:srgbClr val="F8F8F2"/>
-                </a:solidFill>
-                <a:effectLst/>
-                <a:latin typeface="Consolas" panose="020B0609020204030204" pitchFamily="49" charset="0"/>
-              </a:rPr>
-              <a:t>);</a:t>
-            </a:r>
-          </a:p>
-          <a:p>
-            <a:br>
-              <a:rPr lang="en-US" altLang="zh-TW" sz="1200" b="0" dirty="0">
-                <a:solidFill>
-                  <a:srgbClr val="F8F8F2"/>
-                </a:solidFill>
-                <a:effectLst/>
-                <a:latin typeface="Consolas" panose="020B0609020204030204" pitchFamily="49" charset="0"/>
-              </a:rPr>
-            </a:br>
-            <a:r>
-              <a:rPr lang="en-US" altLang="zh-TW" sz="1200" b="0" dirty="0">
-                <a:solidFill>
-                  <a:srgbClr val="F92672"/>
-                </a:solidFill>
-                <a:effectLst/>
-                <a:latin typeface="Consolas" panose="020B0609020204030204" pitchFamily="49" charset="0"/>
-              </a:rPr>
-              <a:t>export</a:t>
-            </a:r>
-            <a:r>
-              <a:rPr lang="en-US" altLang="zh-TW" sz="1200" b="0" dirty="0">
-                <a:solidFill>
-                  <a:srgbClr val="F8F8F2"/>
-                </a:solidFill>
-                <a:effectLst/>
-                <a:latin typeface="Consolas" panose="020B0609020204030204" pitchFamily="49" charset="0"/>
-              </a:rPr>
-              <a:t> </a:t>
-            </a:r>
-            <a:r>
-              <a:rPr lang="en-US" altLang="zh-TW" sz="1200" b="0" i="1" dirty="0">
-                <a:solidFill>
-                  <a:srgbClr val="66D9EF"/>
-                </a:solidFill>
-                <a:effectLst/>
-                <a:latin typeface="Consolas" panose="020B0609020204030204" pitchFamily="49" charset="0"/>
-              </a:rPr>
-              <a:t>const</a:t>
-            </a:r>
-            <a:r>
-              <a:rPr lang="en-US" altLang="zh-TW" sz="1200" b="0" dirty="0">
-                <a:solidFill>
-                  <a:srgbClr val="F8F8F2"/>
-                </a:solidFill>
-                <a:effectLst/>
-                <a:latin typeface="Consolas" panose="020B0609020204030204" pitchFamily="49" charset="0"/>
-              </a:rPr>
-              <a:t> </a:t>
-            </a:r>
-            <a:r>
-              <a:rPr lang="en-US" altLang="zh-TW" sz="1200" b="0" dirty="0" err="1">
-                <a:solidFill>
-                  <a:srgbClr val="A6E22E"/>
-                </a:solidFill>
-                <a:effectLst/>
-                <a:latin typeface="Consolas" panose="020B0609020204030204" pitchFamily="49" charset="0"/>
-              </a:rPr>
-              <a:t>getPhotoRequest</a:t>
-            </a:r>
-            <a:r>
-              <a:rPr lang="en-US" altLang="zh-TW" sz="1200" b="0" dirty="0">
-                <a:solidFill>
-                  <a:srgbClr val="F8F8F2"/>
-                </a:solidFill>
-                <a:effectLst/>
-                <a:latin typeface="Consolas" panose="020B0609020204030204" pitchFamily="49" charset="0"/>
-              </a:rPr>
-              <a:t> </a:t>
-            </a:r>
-            <a:r>
-              <a:rPr lang="en-US" altLang="zh-TW" sz="1200" b="0" dirty="0">
-                <a:solidFill>
-                  <a:srgbClr val="F92672"/>
-                </a:solidFill>
-                <a:effectLst/>
-                <a:latin typeface="Consolas" panose="020B0609020204030204" pitchFamily="49" charset="0"/>
-              </a:rPr>
-              <a:t>=</a:t>
-            </a:r>
-            <a:r>
-              <a:rPr lang="en-US" altLang="zh-TW" sz="1200" b="0" dirty="0">
-                <a:solidFill>
-                  <a:srgbClr val="F8F8F2"/>
-                </a:solidFill>
-                <a:effectLst/>
-                <a:latin typeface="Consolas" panose="020B0609020204030204" pitchFamily="49" charset="0"/>
-              </a:rPr>
-              <a:t> () </a:t>
-            </a:r>
-            <a:r>
-              <a:rPr lang="en-US" altLang="zh-TW" sz="1200" b="0" i="1" dirty="0">
-                <a:solidFill>
-                  <a:srgbClr val="66D9EF"/>
-                </a:solidFill>
-                <a:effectLst/>
-                <a:latin typeface="Consolas" panose="020B0609020204030204" pitchFamily="49" charset="0"/>
-              </a:rPr>
-              <a:t>=&gt;</a:t>
-            </a:r>
-            <a:r>
-              <a:rPr lang="en-US" altLang="zh-TW" sz="1200" b="0" dirty="0">
-                <a:solidFill>
-                  <a:srgbClr val="F8F8F2"/>
-                </a:solidFill>
-                <a:effectLst/>
-                <a:latin typeface="Consolas" panose="020B0609020204030204" pitchFamily="49" charset="0"/>
-              </a:rPr>
-              <a:t> </a:t>
-            </a:r>
-            <a:r>
-              <a:rPr lang="en-US" altLang="zh-TW" sz="1200" b="0" dirty="0" err="1">
-                <a:solidFill>
-                  <a:srgbClr val="F8F8F2"/>
-                </a:solidFill>
-                <a:effectLst/>
-                <a:latin typeface="Consolas" panose="020B0609020204030204" pitchFamily="49" charset="0"/>
-              </a:rPr>
-              <a:t>photoRequest</a:t>
-            </a:r>
-            <a:r>
-              <a:rPr lang="en-US" altLang="zh-TW" sz="1200" b="0" dirty="0" err="1">
-                <a:solidFill>
-                  <a:srgbClr val="F92672"/>
-                </a:solidFill>
-                <a:effectLst/>
-                <a:latin typeface="Consolas" panose="020B0609020204030204" pitchFamily="49" charset="0"/>
-              </a:rPr>
-              <a:t>.</a:t>
-            </a:r>
-            <a:r>
-              <a:rPr lang="en-US" altLang="zh-TW" sz="1200" b="0" dirty="0" err="1">
-                <a:solidFill>
-                  <a:srgbClr val="A6E22E"/>
-                </a:solidFill>
-                <a:effectLst/>
-                <a:latin typeface="Consolas" panose="020B0609020204030204" pitchFamily="49" charset="0"/>
-              </a:rPr>
-              <a:t>get</a:t>
-            </a:r>
-            <a:r>
-              <a:rPr lang="en-US" altLang="zh-TW" sz="1200" b="0" dirty="0">
-                <a:solidFill>
-                  <a:srgbClr val="F8F8F2"/>
-                </a:solidFill>
-                <a:effectLst/>
-                <a:latin typeface="Consolas" panose="020B0609020204030204" pitchFamily="49" charset="0"/>
-              </a:rPr>
-              <a:t>(</a:t>
-            </a:r>
-            <a:r>
-              <a:rPr lang="en-US" altLang="zh-TW" sz="1200" b="0" dirty="0">
-                <a:solidFill>
-                  <a:srgbClr val="FFEE99"/>
-                </a:solidFill>
-                <a:effectLst/>
-                <a:latin typeface="Consolas" panose="020B0609020204030204" pitchFamily="49" charset="0"/>
-              </a:rPr>
-              <a:t>"/photo/list"</a:t>
-            </a:r>
-            <a:r>
-              <a:rPr lang="en-US" altLang="zh-TW" sz="1200" b="0" dirty="0">
-                <a:solidFill>
-                  <a:srgbClr val="F8F8F2"/>
-                </a:solidFill>
-                <a:effectLst/>
-                <a:latin typeface="Consolas" panose="020B0609020204030204" pitchFamily="49" charset="0"/>
-              </a:rPr>
-              <a:t>);</a:t>
-            </a:r>
-          </a:p>
-        </p:txBody>
-      </p:sp>
-    </p:spTree>
-    <p:extLst>
-      <p:ext uri="{BB962C8B-B14F-4D97-AF65-F5344CB8AC3E}">
-        <p14:creationId xmlns:p14="http://schemas.microsoft.com/office/powerpoint/2010/main" val="4264067513"/>
-      </p:ext>
-    </p:extLst>
-  </p:cSld>
-  <p:clrMapOvr>
-    <a:masterClrMapping/>
-  </p:clrMapOvr>
-</p:sld>
-</file>
-
-<file path=ppt/slides/slide18.xml><?xml version="1.0" encoding="utf-8"?>
-<p:sld xmlns:a="http://schemas.openxmlformats.org/drawingml/2006/main" xmlns:r="http://schemas.openxmlformats.org/officeDocument/2006/relationships" xmlns:p="http://schemas.openxmlformats.org/presentationml/2006/main">
-  <p:cSld>
-    <p:spTree>
-      <p:nvGrpSpPr>
-        <p:cNvPr id="1" name=""/>
-        <p:cNvGrpSpPr/>
-        <p:nvPr/>
-      </p:nvGrpSpPr>
-      <p:grpSpPr>
-        <a:xfrm>
-          <a:off x="0" y="0"/>
-          <a:ext cx="0" cy="0"/>
-          <a:chOff x="0" y="0"/>
-          <a:chExt cx="0" cy="0"/>
-        </a:xfrm>
-      </p:grpSpPr>
-      <p:sp>
-        <p:nvSpPr>
-          <p:cNvPr id="15" name="矩形 14">
-            <a:extLst>
-              <a:ext uri="{FF2B5EF4-FFF2-40B4-BE49-F238E27FC236}">
-                <a16:creationId xmlns:a16="http://schemas.microsoft.com/office/drawing/2014/main" id="{9511F509-5DB1-46ED-AB0A-66650CE7BA8D}"/>
-              </a:ext>
-            </a:extLst>
-          </p:cNvPr>
-          <p:cNvSpPr/>
-          <p:nvPr/>
-        </p:nvSpPr>
-        <p:spPr>
-          <a:xfrm>
-            <a:off x="5494351" y="3013298"/>
-            <a:ext cx="6389207" cy="2298173"/>
-          </a:xfrm>
-          <a:prstGeom prst="rect">
-            <a:avLst/>
-          </a:prstGeom>
-        </p:spPr>
-        <p:style>
-          <a:lnRef idx="2">
-            <a:schemeClr val="dk1">
-              <a:shade val="50000"/>
-            </a:schemeClr>
-          </a:lnRef>
-          <a:fillRef idx="1">
-            <a:schemeClr val="dk1"/>
-          </a:fillRef>
-          <a:effectRef idx="0">
-            <a:schemeClr val="dk1"/>
-          </a:effectRef>
-          <a:fontRef idx="minor">
-            <a:schemeClr val="lt1"/>
-          </a:fontRef>
-        </p:style>
-        <p:txBody>
-          <a:bodyPr rtlCol="0" anchor="ctr"/>
-          <a:lstStyle/>
-          <a:p>
-            <a:pPr algn="ctr"/>
-            <a:endParaRPr lang="zh-TW" altLang="en-US"/>
-          </a:p>
-        </p:txBody>
-      </p:sp>
-      <p:sp>
-        <p:nvSpPr>
-          <p:cNvPr id="11" name="矩形 10">
-            <a:extLst>
-              <a:ext uri="{FF2B5EF4-FFF2-40B4-BE49-F238E27FC236}">
-                <a16:creationId xmlns:a16="http://schemas.microsoft.com/office/drawing/2014/main" id="{7B64085B-57CE-4B72-8314-CC1E74062E59}"/>
-              </a:ext>
-            </a:extLst>
-          </p:cNvPr>
-          <p:cNvSpPr/>
-          <p:nvPr/>
-        </p:nvSpPr>
-        <p:spPr>
-          <a:xfrm>
-            <a:off x="363015" y="3013298"/>
-            <a:ext cx="5035921" cy="2298173"/>
-          </a:xfrm>
-          <a:prstGeom prst="rect">
-            <a:avLst/>
-          </a:prstGeom>
-        </p:spPr>
-        <p:style>
-          <a:lnRef idx="2">
-            <a:schemeClr val="dk1">
-              <a:shade val="50000"/>
-            </a:schemeClr>
-          </a:lnRef>
-          <a:fillRef idx="1">
-            <a:schemeClr val="dk1"/>
-          </a:fillRef>
-          <a:effectRef idx="0">
-            <a:schemeClr val="dk1"/>
-          </a:effectRef>
-          <a:fontRef idx="minor">
-            <a:schemeClr val="lt1"/>
-          </a:fontRef>
-        </p:style>
-        <p:txBody>
-          <a:bodyPr rtlCol="0" anchor="ctr"/>
-          <a:lstStyle/>
-          <a:p>
-            <a:pPr algn="ctr"/>
-            <a:endParaRPr lang="zh-TW" altLang="en-US"/>
-          </a:p>
-        </p:txBody>
-      </p:sp>
-      <p:sp>
-        <p:nvSpPr>
-          <p:cNvPr id="9" name="矩形 8">
-            <a:extLst>
-              <a:ext uri="{FF2B5EF4-FFF2-40B4-BE49-F238E27FC236}">
-                <a16:creationId xmlns:a16="http://schemas.microsoft.com/office/drawing/2014/main" id="{C7CCEC33-6DDA-46ED-A302-1544EE462219}"/>
-              </a:ext>
-            </a:extLst>
-          </p:cNvPr>
-          <p:cNvSpPr/>
-          <p:nvPr/>
-        </p:nvSpPr>
-        <p:spPr>
-          <a:xfrm>
-            <a:off x="4461816" y="2029906"/>
-            <a:ext cx="2980603" cy="781148"/>
-          </a:xfrm>
-          <a:prstGeom prst="rect">
-            <a:avLst/>
-          </a:prstGeom>
-        </p:spPr>
-        <p:style>
-          <a:lnRef idx="2">
-            <a:schemeClr val="dk1">
-              <a:shade val="50000"/>
-            </a:schemeClr>
-          </a:lnRef>
-          <a:fillRef idx="1">
-            <a:schemeClr val="dk1"/>
-          </a:fillRef>
-          <a:effectRef idx="0">
-            <a:schemeClr val="dk1"/>
-          </a:effectRef>
-          <a:fontRef idx="minor">
-            <a:schemeClr val="lt1"/>
-          </a:fontRef>
-        </p:style>
-        <p:txBody>
-          <a:bodyPr rtlCol="0" anchor="ctr"/>
-          <a:lstStyle/>
-          <a:p>
-            <a:pPr algn="ctr"/>
-            <a:endParaRPr lang="zh-TW" altLang="en-US"/>
-          </a:p>
-        </p:txBody>
-      </p:sp>
-      <p:sp>
-        <p:nvSpPr>
-          <p:cNvPr id="2" name="標題 1">
-            <a:extLst>
-              <a:ext uri="{FF2B5EF4-FFF2-40B4-BE49-F238E27FC236}">
-                <a16:creationId xmlns:a16="http://schemas.microsoft.com/office/drawing/2014/main" id="{0A48F53E-0876-4B37-83DC-04506A1ED8AE}"/>
-              </a:ext>
-            </a:extLst>
-          </p:cNvPr>
-          <p:cNvSpPr>
-            <a:spLocks noGrp="1"/>
-          </p:cNvSpPr>
-          <p:nvPr>
-            <p:ph type="title"/>
-          </p:nvPr>
-        </p:nvSpPr>
-        <p:spPr>
-          <a:xfrm>
-            <a:off x="838200" y="986758"/>
-            <a:ext cx="10515600" cy="781149"/>
-          </a:xfrm>
-        </p:spPr>
-        <p:txBody>
-          <a:bodyPr/>
-          <a:lstStyle/>
-          <a:p>
-            <a:pPr algn="ctr"/>
-            <a:r>
-              <a:rPr lang="en-US" altLang="zh-TW" b="1" dirty="0">
-                <a:solidFill>
-                  <a:schemeClr val="bg1"/>
-                </a:solidFill>
-                <a:latin typeface="微軟正黑體" panose="020B0604030504040204" pitchFamily="34" charset="-120"/>
-                <a:ea typeface="微軟正黑體" panose="020B0604030504040204" pitchFamily="34" charset="-120"/>
-              </a:rPr>
-              <a:t>CORS</a:t>
-            </a:r>
-            <a:r>
-              <a:rPr lang="zh-TW" altLang="en-US" b="1" dirty="0">
-                <a:solidFill>
-                  <a:schemeClr val="bg1"/>
-                </a:solidFill>
-                <a:latin typeface="微軟正黑體" panose="020B0604030504040204" pitchFamily="34" charset="-120"/>
-                <a:ea typeface="微軟正黑體" panose="020B0604030504040204" pitchFamily="34" charset="-120"/>
-              </a:rPr>
-              <a:t> 跨網域處理</a:t>
-            </a:r>
-          </a:p>
-        </p:txBody>
-      </p:sp>
-      <p:sp>
-        <p:nvSpPr>
-          <p:cNvPr id="7" name="文字方塊 6">
-            <a:extLst>
-              <a:ext uri="{FF2B5EF4-FFF2-40B4-BE49-F238E27FC236}">
-                <a16:creationId xmlns:a16="http://schemas.microsoft.com/office/drawing/2014/main" id="{212A5416-A06B-442E-A34B-AD861DA0DC9D}"/>
-              </a:ext>
-            </a:extLst>
-          </p:cNvPr>
-          <p:cNvSpPr txBox="1"/>
-          <p:nvPr/>
-        </p:nvSpPr>
-        <p:spPr>
-          <a:xfrm>
-            <a:off x="4616487" y="2243765"/>
-            <a:ext cx="2671261" cy="369332"/>
-          </a:xfrm>
-          <a:prstGeom prst="rect">
-            <a:avLst/>
-          </a:prstGeom>
-          <a:noFill/>
-        </p:spPr>
-        <p:txBody>
-          <a:bodyPr wrap="square">
-            <a:spAutoFit/>
-          </a:bodyPr>
-          <a:lstStyle/>
-          <a:p>
-            <a:pPr algn="ctr"/>
-            <a:r>
-              <a:rPr lang="zh-TW" altLang="en-US" dirty="0">
-                <a:solidFill>
-                  <a:schemeClr val="bg1"/>
-                </a:solidFill>
-              </a:rPr>
-              <a:t>npm i @nuxtjs/proxy -D</a:t>
-            </a:r>
-          </a:p>
-        </p:txBody>
-      </p:sp>
-      <p:sp>
-        <p:nvSpPr>
-          <p:cNvPr id="10" name="文字方塊 9">
-            <a:extLst>
-              <a:ext uri="{FF2B5EF4-FFF2-40B4-BE49-F238E27FC236}">
-                <a16:creationId xmlns:a16="http://schemas.microsoft.com/office/drawing/2014/main" id="{D93DAB2A-C7CA-4FE8-913F-C5BE3446F2D7}"/>
-              </a:ext>
-            </a:extLst>
-          </p:cNvPr>
-          <p:cNvSpPr txBox="1"/>
-          <p:nvPr/>
-        </p:nvSpPr>
-        <p:spPr>
-          <a:xfrm>
-            <a:off x="626495" y="3151329"/>
-            <a:ext cx="4541854" cy="2031325"/>
-          </a:xfrm>
-          <a:prstGeom prst="rect">
-            <a:avLst/>
-          </a:prstGeom>
-          <a:noFill/>
-        </p:spPr>
-        <p:txBody>
-          <a:bodyPr wrap="square">
-            <a:spAutoFit/>
-          </a:bodyPr>
-          <a:lstStyle/>
-          <a:p>
-            <a:r>
-              <a:rPr lang="en-US" altLang="zh-TW" sz="1400" b="0" dirty="0">
-                <a:solidFill>
-                  <a:srgbClr val="FFEE99"/>
-                </a:solidFill>
-                <a:effectLst/>
-                <a:latin typeface="Consolas" panose="020B0609020204030204" pitchFamily="49" charset="0"/>
-              </a:rPr>
-              <a:t>modules</a:t>
-            </a:r>
-            <a:r>
-              <a:rPr lang="en-US" altLang="zh-TW" sz="1400" b="0" dirty="0">
-                <a:solidFill>
-                  <a:srgbClr val="F8F8F2"/>
-                </a:solidFill>
-                <a:effectLst/>
-                <a:latin typeface="Consolas" panose="020B0609020204030204" pitchFamily="49" charset="0"/>
-              </a:rPr>
-              <a:t>: [</a:t>
-            </a:r>
-          </a:p>
-          <a:p>
-            <a:r>
-              <a:rPr lang="en-US" altLang="zh-TW" sz="1400" b="0" dirty="0">
-                <a:solidFill>
-                  <a:srgbClr val="F8F8F2"/>
-                </a:solidFill>
-                <a:effectLst/>
-                <a:latin typeface="Consolas" panose="020B0609020204030204" pitchFamily="49" charset="0"/>
-              </a:rPr>
-              <a:t>   </a:t>
-            </a:r>
-            <a:r>
-              <a:rPr lang="en-US" altLang="zh-TW" sz="1400" b="0" dirty="0">
-                <a:solidFill>
-                  <a:srgbClr val="FFEE99"/>
-                </a:solidFill>
-                <a:effectLst/>
-                <a:latin typeface="Consolas" panose="020B0609020204030204" pitchFamily="49" charset="0"/>
-              </a:rPr>
-              <a:t>"@</a:t>
-            </a:r>
-            <a:r>
-              <a:rPr lang="en-US" altLang="zh-TW" sz="1400" b="0" dirty="0" err="1">
-                <a:solidFill>
-                  <a:srgbClr val="FFEE99"/>
-                </a:solidFill>
-                <a:effectLst/>
-                <a:latin typeface="Consolas" panose="020B0609020204030204" pitchFamily="49" charset="0"/>
-              </a:rPr>
-              <a:t>nuxtjs</a:t>
-            </a:r>
-            <a:r>
-              <a:rPr lang="en-US" altLang="zh-TW" sz="1400" b="0" dirty="0">
-                <a:solidFill>
-                  <a:srgbClr val="FFEE99"/>
-                </a:solidFill>
-                <a:effectLst/>
-                <a:latin typeface="Consolas" panose="020B0609020204030204" pitchFamily="49" charset="0"/>
-              </a:rPr>
-              <a:t>/proxy"</a:t>
-            </a:r>
-            <a:endParaRPr lang="en-US" altLang="zh-TW" sz="1400" b="0" dirty="0">
-              <a:solidFill>
-                <a:srgbClr val="F8F8F2"/>
-              </a:solidFill>
-              <a:effectLst/>
-              <a:latin typeface="Consolas" panose="020B0609020204030204" pitchFamily="49" charset="0"/>
-            </a:endParaRPr>
-          </a:p>
-          <a:p>
-            <a:r>
-              <a:rPr lang="en-US" altLang="zh-TW" sz="1400" b="0" dirty="0">
-                <a:solidFill>
-                  <a:srgbClr val="F8F8F2"/>
-                </a:solidFill>
-                <a:effectLst/>
-                <a:latin typeface="Consolas" panose="020B0609020204030204" pitchFamily="49" charset="0"/>
-              </a:rPr>
-              <a:t>],</a:t>
-            </a:r>
-          </a:p>
-          <a:p>
-            <a:r>
-              <a:rPr lang="en-US" altLang="zh-TW" sz="1400" b="0" dirty="0">
-                <a:solidFill>
-                  <a:srgbClr val="FFEE99"/>
-                </a:solidFill>
-                <a:effectLst/>
-                <a:latin typeface="Consolas" panose="020B0609020204030204" pitchFamily="49" charset="0"/>
-              </a:rPr>
-              <a:t>proxy</a:t>
-            </a:r>
-            <a:r>
-              <a:rPr lang="en-US" altLang="zh-TW" sz="1400" b="0" dirty="0">
-                <a:solidFill>
-                  <a:srgbClr val="F8F8F2"/>
-                </a:solidFill>
-                <a:effectLst/>
-                <a:latin typeface="Consolas" panose="020B0609020204030204" pitchFamily="49" charset="0"/>
-              </a:rPr>
-              <a:t>: {</a:t>
-            </a:r>
-          </a:p>
-          <a:p>
-            <a:r>
-              <a:rPr lang="en-US" altLang="zh-TW" sz="1400" b="0">
-                <a:solidFill>
-                  <a:srgbClr val="F8F8F2"/>
-                </a:solidFill>
-                <a:effectLst/>
-                <a:latin typeface="Consolas" panose="020B0609020204030204" pitchFamily="49" charset="0"/>
-              </a:rPr>
-              <a:t>  </a:t>
-            </a:r>
-            <a:r>
-              <a:rPr lang="en-US" altLang="zh-TW" sz="1400" b="0">
-                <a:solidFill>
-                  <a:srgbClr val="FFEE99"/>
-                </a:solidFill>
-                <a:effectLst/>
-                <a:latin typeface="Consolas" panose="020B0609020204030204" pitchFamily="49" charset="0"/>
-              </a:rPr>
-              <a:t>"/</a:t>
-            </a:r>
-            <a:r>
-              <a:rPr lang="en-US" altLang="zh-TW" sz="1400" b="0" dirty="0" err="1">
-                <a:solidFill>
-                  <a:srgbClr val="FFEE99"/>
-                </a:solidFill>
-                <a:effectLst/>
-                <a:latin typeface="Consolas" panose="020B0609020204030204" pitchFamily="49" charset="0"/>
-              </a:rPr>
-              <a:t>VsWeb</a:t>
-            </a:r>
-            <a:r>
-              <a:rPr lang="en-US" altLang="zh-TW" sz="1400" b="0" dirty="0">
-                <a:solidFill>
-                  <a:srgbClr val="FFEE99"/>
-                </a:solidFill>
-                <a:effectLst/>
-                <a:latin typeface="Consolas" panose="020B0609020204030204" pitchFamily="49" charset="0"/>
-              </a:rPr>
-              <a:t>/</a:t>
-            </a:r>
-            <a:r>
-              <a:rPr lang="en-US" altLang="zh-TW" sz="1400" b="0" dirty="0" err="1">
-                <a:solidFill>
-                  <a:srgbClr val="FFEE99"/>
-                </a:solidFill>
-                <a:effectLst/>
-                <a:latin typeface="Consolas" panose="020B0609020204030204" pitchFamily="49" charset="0"/>
-              </a:rPr>
-              <a:t>api</a:t>
-            </a:r>
-            <a:r>
-              <a:rPr lang="en-US" altLang="zh-TW" sz="1400" b="0" dirty="0">
-                <a:solidFill>
-                  <a:srgbClr val="FFEE99"/>
-                </a:solidFill>
-                <a:effectLst/>
-                <a:latin typeface="Consolas" panose="020B0609020204030204" pitchFamily="49" charset="0"/>
-              </a:rPr>
-              <a:t>/*"</a:t>
-            </a:r>
-            <a:r>
-              <a:rPr lang="en-US" altLang="zh-TW" sz="1400" b="0" dirty="0">
-                <a:solidFill>
-                  <a:srgbClr val="F8F8F2"/>
-                </a:solidFill>
-                <a:effectLst/>
-                <a:latin typeface="Consolas" panose="020B0609020204030204" pitchFamily="49" charset="0"/>
-              </a:rPr>
-              <a:t>: {</a:t>
-            </a:r>
-          </a:p>
-          <a:p>
-            <a:r>
-              <a:rPr lang="en-US" altLang="zh-TW" sz="1400" b="0" dirty="0">
-                <a:solidFill>
-                  <a:srgbClr val="F8F8F2"/>
-                </a:solidFill>
-                <a:effectLst/>
-                <a:latin typeface="Consolas" panose="020B0609020204030204" pitchFamily="49" charset="0"/>
-              </a:rPr>
-              <a:t>    </a:t>
-            </a:r>
-            <a:r>
-              <a:rPr lang="en-US" altLang="zh-TW" sz="1400" b="0" dirty="0">
-                <a:solidFill>
-                  <a:srgbClr val="FFEE99"/>
-                </a:solidFill>
-                <a:effectLst/>
-                <a:latin typeface="Consolas" panose="020B0609020204030204" pitchFamily="49" charset="0"/>
-              </a:rPr>
-              <a:t>target</a:t>
-            </a:r>
-            <a:r>
-              <a:rPr lang="en-US" altLang="zh-TW" sz="1400" b="0" dirty="0">
-                <a:solidFill>
-                  <a:srgbClr val="F8F8F2"/>
-                </a:solidFill>
-                <a:effectLst/>
-                <a:latin typeface="Consolas" panose="020B0609020204030204" pitchFamily="49" charset="0"/>
-              </a:rPr>
-              <a:t>: </a:t>
-            </a:r>
-            <a:r>
-              <a:rPr lang="en-US" altLang="zh-TW" sz="1400" b="0" dirty="0">
-                <a:solidFill>
-                  <a:srgbClr val="FFEE99"/>
-                </a:solidFill>
-                <a:effectLst/>
-                <a:latin typeface="Consolas" panose="020B0609020204030204" pitchFamily="49" charset="0"/>
-              </a:rPr>
-              <a:t>"http://www.vscinemas.com.tw/"</a:t>
-            </a:r>
-            <a:r>
-              <a:rPr lang="en-US" altLang="zh-TW" sz="1400" b="0" dirty="0">
-                <a:solidFill>
-                  <a:srgbClr val="F8F8F2"/>
-                </a:solidFill>
-                <a:effectLst/>
-                <a:latin typeface="Consolas" panose="020B0609020204030204" pitchFamily="49" charset="0"/>
-              </a:rPr>
-              <a:t>,</a:t>
-            </a:r>
-          </a:p>
-          <a:p>
-            <a:r>
-              <a:rPr lang="en-US" altLang="zh-TW" sz="1400" b="0" dirty="0">
-                <a:solidFill>
-                  <a:srgbClr val="F8F8F2"/>
-                </a:solidFill>
-                <a:effectLst/>
-                <a:latin typeface="Consolas" panose="020B0609020204030204" pitchFamily="49" charset="0"/>
-              </a:rPr>
-              <a:t>    </a:t>
-            </a:r>
-            <a:r>
-              <a:rPr lang="en-US" altLang="zh-TW" sz="1400" b="0" dirty="0" err="1">
-                <a:solidFill>
-                  <a:srgbClr val="FFEE99"/>
-                </a:solidFill>
-                <a:effectLst/>
-                <a:latin typeface="Consolas" panose="020B0609020204030204" pitchFamily="49" charset="0"/>
-              </a:rPr>
-              <a:t>changeOrigin</a:t>
-            </a:r>
-            <a:r>
-              <a:rPr lang="en-US" altLang="zh-TW" sz="1400" b="0" dirty="0">
-                <a:solidFill>
-                  <a:srgbClr val="F8F8F2"/>
-                </a:solidFill>
-                <a:effectLst/>
-                <a:latin typeface="Consolas" panose="020B0609020204030204" pitchFamily="49" charset="0"/>
-              </a:rPr>
-              <a:t>: </a:t>
-            </a:r>
-            <a:r>
-              <a:rPr lang="en-US" altLang="zh-TW" sz="1400" b="0" dirty="0">
-                <a:solidFill>
-                  <a:srgbClr val="FF80F4"/>
-                </a:solidFill>
-                <a:effectLst/>
-                <a:latin typeface="Consolas" panose="020B0609020204030204" pitchFamily="49" charset="0"/>
-              </a:rPr>
-              <a:t>true</a:t>
-            </a:r>
-            <a:endParaRPr lang="en-US" altLang="zh-TW" sz="1400" b="0" dirty="0">
-              <a:solidFill>
-                <a:srgbClr val="F8F8F2"/>
-              </a:solidFill>
-              <a:effectLst/>
-              <a:latin typeface="Consolas" panose="020B0609020204030204" pitchFamily="49" charset="0"/>
-            </a:endParaRPr>
-          </a:p>
-          <a:p>
-            <a:r>
-              <a:rPr lang="en-US" altLang="zh-TW" sz="1400" b="0" dirty="0">
-                <a:solidFill>
-                  <a:srgbClr val="F8F8F2"/>
-                </a:solidFill>
-                <a:effectLst/>
-                <a:latin typeface="Consolas" panose="020B0609020204030204" pitchFamily="49" charset="0"/>
-              </a:rPr>
-              <a:t>  }</a:t>
-            </a:r>
-          </a:p>
-          <a:p>
-            <a:r>
-              <a:rPr lang="en-US" altLang="zh-TW" sz="1400" b="0" dirty="0">
-                <a:solidFill>
-                  <a:srgbClr val="F8F8F2"/>
-                </a:solidFill>
-                <a:effectLst/>
-                <a:latin typeface="Consolas" panose="020B0609020204030204" pitchFamily="49" charset="0"/>
-              </a:rPr>
-              <a:t>}</a:t>
-            </a:r>
-          </a:p>
-        </p:txBody>
-      </p:sp>
-      <p:sp>
-        <p:nvSpPr>
-          <p:cNvPr id="14" name="文字方塊 13">
-            <a:extLst>
-              <a:ext uri="{FF2B5EF4-FFF2-40B4-BE49-F238E27FC236}">
-                <a16:creationId xmlns:a16="http://schemas.microsoft.com/office/drawing/2014/main" id="{C5AD2C10-E35C-4CC3-8870-D887C4E4E88B}"/>
-              </a:ext>
-            </a:extLst>
-          </p:cNvPr>
-          <p:cNvSpPr txBox="1"/>
-          <p:nvPr/>
-        </p:nvSpPr>
-        <p:spPr>
-          <a:xfrm>
-            <a:off x="5662416" y="3746885"/>
-            <a:ext cx="6121417" cy="830997"/>
-          </a:xfrm>
-          <a:prstGeom prst="rect">
-            <a:avLst/>
-          </a:prstGeom>
-          <a:noFill/>
-        </p:spPr>
-        <p:txBody>
-          <a:bodyPr wrap="square">
-            <a:spAutoFit/>
-          </a:bodyPr>
-          <a:lstStyle/>
-          <a:p>
-            <a:r>
-              <a:rPr lang="en-US" altLang="zh-TW" sz="1600" b="0" dirty="0" err="1">
-                <a:solidFill>
-                  <a:srgbClr val="F8F8F2"/>
-                </a:solidFill>
-                <a:effectLst/>
-                <a:latin typeface="Consolas" panose="020B0609020204030204" pitchFamily="49" charset="0"/>
-              </a:rPr>
-              <a:t>axios</a:t>
-            </a:r>
-            <a:r>
-              <a:rPr lang="en-US" altLang="zh-TW" sz="1600" b="0" dirty="0" err="1">
-                <a:solidFill>
-                  <a:srgbClr val="F92672"/>
-                </a:solidFill>
-                <a:effectLst/>
-                <a:latin typeface="Consolas" panose="020B0609020204030204" pitchFamily="49" charset="0"/>
-              </a:rPr>
-              <a:t>.</a:t>
-            </a:r>
-            <a:r>
-              <a:rPr lang="en-US" altLang="zh-TW" sz="1600" b="0" dirty="0" err="1">
-                <a:solidFill>
-                  <a:srgbClr val="A6E22E"/>
-                </a:solidFill>
-                <a:effectLst/>
-                <a:latin typeface="Consolas" panose="020B0609020204030204" pitchFamily="49" charset="0"/>
-              </a:rPr>
-              <a:t>get</a:t>
-            </a:r>
-            <a:r>
-              <a:rPr lang="en-US" altLang="zh-TW" sz="1600" b="0" dirty="0">
-                <a:solidFill>
-                  <a:srgbClr val="F8F8F2"/>
-                </a:solidFill>
-                <a:effectLst/>
-                <a:latin typeface="Consolas" panose="020B0609020204030204" pitchFamily="49" charset="0"/>
-              </a:rPr>
-              <a:t>(</a:t>
-            </a:r>
-            <a:r>
-              <a:rPr lang="en-US" altLang="zh-TW" sz="1600" b="0" dirty="0">
-                <a:solidFill>
-                  <a:srgbClr val="FFEE99"/>
-                </a:solidFill>
-                <a:effectLst/>
-                <a:latin typeface="Consolas" panose="020B0609020204030204" pitchFamily="49" charset="0"/>
-              </a:rPr>
-              <a:t>"/</a:t>
-            </a:r>
-            <a:r>
-              <a:rPr lang="en-US" altLang="zh-TW" sz="1600" b="0" dirty="0" err="1">
-                <a:solidFill>
-                  <a:srgbClr val="FFEE99"/>
-                </a:solidFill>
-                <a:effectLst/>
-                <a:latin typeface="Consolas" panose="020B0609020204030204" pitchFamily="49" charset="0"/>
-              </a:rPr>
-              <a:t>VsWeb</a:t>
-            </a:r>
-            <a:r>
-              <a:rPr lang="en-US" altLang="zh-TW" sz="1600" b="0" dirty="0">
-                <a:solidFill>
-                  <a:srgbClr val="FFEE99"/>
-                </a:solidFill>
-                <a:effectLst/>
-                <a:latin typeface="Consolas" panose="020B0609020204030204" pitchFamily="49" charset="0"/>
-              </a:rPr>
-              <a:t>/</a:t>
-            </a:r>
-            <a:r>
-              <a:rPr lang="en-US" altLang="zh-TW" sz="1600" b="0" dirty="0" err="1">
-                <a:solidFill>
-                  <a:srgbClr val="FFEE99"/>
-                </a:solidFill>
-                <a:effectLst/>
-                <a:latin typeface="Consolas" panose="020B0609020204030204" pitchFamily="49" charset="0"/>
-              </a:rPr>
-              <a:t>api</a:t>
-            </a:r>
-            <a:r>
-              <a:rPr lang="en-US" altLang="zh-TW" sz="1600" b="0" dirty="0">
-                <a:solidFill>
-                  <a:srgbClr val="FFEE99"/>
-                </a:solidFill>
-                <a:effectLst/>
-                <a:latin typeface="Consolas" panose="020B0609020204030204" pitchFamily="49" charset="0"/>
-              </a:rPr>
-              <a:t>/</a:t>
-            </a:r>
-            <a:r>
-              <a:rPr lang="en-US" altLang="zh-TW" sz="1600" b="0" dirty="0" err="1">
-                <a:solidFill>
-                  <a:srgbClr val="FFEE99"/>
-                </a:solidFill>
-                <a:effectLst/>
-                <a:latin typeface="Consolas" panose="020B0609020204030204" pitchFamily="49" charset="0"/>
-              </a:rPr>
-              <a:t>GetLstDicCinema</a:t>
-            </a:r>
-            <a:r>
-              <a:rPr lang="en-US" altLang="zh-TW" sz="1600" b="0" dirty="0">
-                <a:solidFill>
-                  <a:srgbClr val="FFEE99"/>
-                </a:solidFill>
-                <a:effectLst/>
-                <a:latin typeface="Consolas" panose="020B0609020204030204" pitchFamily="49" charset="0"/>
-              </a:rPr>
-              <a:t>"</a:t>
-            </a:r>
-            <a:r>
-              <a:rPr lang="en-US" altLang="zh-TW" sz="1600" b="0" dirty="0">
-                <a:solidFill>
-                  <a:srgbClr val="F8F8F2"/>
-                </a:solidFill>
-                <a:effectLst/>
-                <a:latin typeface="Consolas" panose="020B0609020204030204" pitchFamily="49" charset="0"/>
-              </a:rPr>
-              <a:t>)</a:t>
-            </a:r>
-            <a:r>
-              <a:rPr lang="en-US" altLang="zh-TW" sz="1600" b="0" dirty="0">
-                <a:solidFill>
-                  <a:srgbClr val="F92672"/>
-                </a:solidFill>
-                <a:effectLst/>
-                <a:latin typeface="Consolas" panose="020B0609020204030204" pitchFamily="49" charset="0"/>
-              </a:rPr>
-              <a:t>.</a:t>
-            </a:r>
-            <a:r>
-              <a:rPr lang="en-US" altLang="zh-TW" sz="1600" b="0" dirty="0">
-                <a:solidFill>
-                  <a:srgbClr val="A6E22E"/>
-                </a:solidFill>
-                <a:effectLst/>
-                <a:latin typeface="Consolas" panose="020B0609020204030204" pitchFamily="49" charset="0"/>
-              </a:rPr>
-              <a:t>then</a:t>
-            </a:r>
-            <a:r>
-              <a:rPr lang="en-US" altLang="zh-TW" sz="1600" b="0" dirty="0">
-                <a:solidFill>
-                  <a:srgbClr val="F8F8F2"/>
-                </a:solidFill>
-                <a:effectLst/>
-                <a:latin typeface="Consolas" panose="020B0609020204030204" pitchFamily="49" charset="0"/>
-              </a:rPr>
-              <a:t>(res </a:t>
-            </a:r>
-            <a:r>
-              <a:rPr lang="en-US" altLang="zh-TW" sz="1600" b="0" i="1" dirty="0">
-                <a:solidFill>
-                  <a:srgbClr val="66D9EF"/>
-                </a:solidFill>
-                <a:effectLst/>
-                <a:latin typeface="Consolas" panose="020B0609020204030204" pitchFamily="49" charset="0"/>
-              </a:rPr>
-              <a:t>=&gt;</a:t>
-            </a:r>
-            <a:r>
-              <a:rPr lang="en-US" altLang="zh-TW" sz="1600" b="0" dirty="0">
-                <a:solidFill>
-                  <a:srgbClr val="F8F8F2"/>
-                </a:solidFill>
-                <a:effectLst/>
-                <a:latin typeface="Consolas" panose="020B0609020204030204" pitchFamily="49" charset="0"/>
-              </a:rPr>
-              <a:t> {</a:t>
-            </a:r>
-          </a:p>
-          <a:p>
-            <a:r>
-              <a:rPr lang="en-US" altLang="zh-TW" sz="1600" b="0" dirty="0">
-                <a:solidFill>
-                  <a:srgbClr val="F8F8F2"/>
-                </a:solidFill>
-                <a:effectLst/>
-                <a:latin typeface="Consolas" panose="020B0609020204030204" pitchFamily="49" charset="0"/>
-              </a:rPr>
-              <a:t> </a:t>
-            </a:r>
-            <a:r>
-              <a:rPr lang="zh-TW" altLang="en-US" sz="1600" b="0" dirty="0">
-                <a:solidFill>
-                  <a:srgbClr val="F8F8F2"/>
-                </a:solidFill>
-                <a:effectLst/>
-                <a:latin typeface="Consolas" panose="020B0609020204030204" pitchFamily="49" charset="0"/>
-              </a:rPr>
-              <a:t>  </a:t>
-            </a:r>
-            <a:r>
-              <a:rPr lang="en-US" altLang="zh-TW" sz="1600" b="0" i="1" dirty="0">
-                <a:solidFill>
-                  <a:srgbClr val="66D9EF"/>
-                </a:solidFill>
-                <a:effectLst/>
-                <a:latin typeface="Consolas" panose="020B0609020204030204" pitchFamily="49" charset="0"/>
-              </a:rPr>
-              <a:t>console</a:t>
-            </a:r>
-            <a:r>
-              <a:rPr lang="en-US" altLang="zh-TW" sz="1600" b="0" dirty="0">
-                <a:solidFill>
-                  <a:srgbClr val="F92672"/>
-                </a:solidFill>
-                <a:effectLst/>
-                <a:latin typeface="Consolas" panose="020B0609020204030204" pitchFamily="49" charset="0"/>
-              </a:rPr>
-              <a:t>.</a:t>
-            </a:r>
-            <a:r>
-              <a:rPr lang="en-US" altLang="zh-TW" sz="1600" b="0" dirty="0">
-                <a:solidFill>
-                  <a:srgbClr val="66D9EF"/>
-                </a:solidFill>
-                <a:effectLst/>
-                <a:latin typeface="Consolas" panose="020B0609020204030204" pitchFamily="49" charset="0"/>
-              </a:rPr>
-              <a:t>log</a:t>
-            </a:r>
-            <a:r>
-              <a:rPr lang="en-US" altLang="zh-TW" sz="1600" b="0" dirty="0">
-                <a:solidFill>
-                  <a:srgbClr val="F8F8F2"/>
-                </a:solidFill>
-                <a:effectLst/>
-                <a:latin typeface="Consolas" panose="020B0609020204030204" pitchFamily="49" charset="0"/>
-              </a:rPr>
-              <a:t>(</a:t>
-            </a:r>
-            <a:r>
-              <a:rPr lang="en-US" altLang="zh-TW" sz="1600" b="0" dirty="0" err="1">
-                <a:solidFill>
-                  <a:srgbClr val="F8F8F2"/>
-                </a:solidFill>
-                <a:effectLst/>
-                <a:latin typeface="Consolas" panose="020B0609020204030204" pitchFamily="49" charset="0"/>
-              </a:rPr>
-              <a:t>res</a:t>
-            </a:r>
-            <a:r>
-              <a:rPr lang="en-US" altLang="zh-TW" sz="1600" b="0" dirty="0" err="1">
-                <a:solidFill>
-                  <a:srgbClr val="F92672"/>
-                </a:solidFill>
-                <a:effectLst/>
-                <a:latin typeface="Consolas" panose="020B0609020204030204" pitchFamily="49" charset="0"/>
-              </a:rPr>
-              <a:t>.</a:t>
-            </a:r>
-            <a:r>
-              <a:rPr lang="en-US" altLang="zh-TW" sz="1600" b="0" dirty="0" err="1">
-                <a:solidFill>
-                  <a:srgbClr val="F8F8F2"/>
-                </a:solidFill>
-                <a:effectLst/>
-                <a:latin typeface="Consolas" panose="020B0609020204030204" pitchFamily="49" charset="0"/>
-              </a:rPr>
-              <a:t>data</a:t>
-            </a:r>
-            <a:r>
-              <a:rPr lang="en-US" altLang="zh-TW" sz="1600" b="0" dirty="0">
-                <a:solidFill>
-                  <a:srgbClr val="F8F8F2"/>
-                </a:solidFill>
-                <a:effectLst/>
-                <a:latin typeface="Consolas" panose="020B0609020204030204" pitchFamily="49" charset="0"/>
-              </a:rPr>
-              <a:t>);</a:t>
-            </a:r>
-          </a:p>
-          <a:p>
-            <a:r>
-              <a:rPr lang="en-US" altLang="zh-TW" sz="1600" b="0" dirty="0">
-                <a:solidFill>
-                  <a:srgbClr val="F8F8F2"/>
-                </a:solidFill>
-                <a:effectLst/>
-                <a:latin typeface="Consolas" panose="020B0609020204030204" pitchFamily="49" charset="0"/>
-              </a:rPr>
-              <a:t>});</a:t>
-            </a:r>
-          </a:p>
-        </p:txBody>
-      </p:sp>
-    </p:spTree>
-    <p:extLst>
-      <p:ext uri="{BB962C8B-B14F-4D97-AF65-F5344CB8AC3E}">
-        <p14:creationId xmlns:p14="http://schemas.microsoft.com/office/powerpoint/2010/main" val="434894563"/>
-      </p:ext>
-    </p:extLst>
-  </p:cSld>
-  <p:clrMapOvr>
-    <a:masterClrMapping/>
-  </p:clrMapOvr>
-</p:sld>
-</file>
-
-<file path=ppt/slides/slide19.xml><?xml version="1.0" encoding="utf-8"?>
-<p:sld xmlns:a="http://schemas.openxmlformats.org/drawingml/2006/main" xmlns:r="http://schemas.openxmlformats.org/officeDocument/2006/relationships" xmlns:p="http://schemas.openxmlformats.org/presentationml/2006/main">
-  <p:cSld>
-    <p:spTree>
-      <p:nvGrpSpPr>
-        <p:cNvPr id="1" name=""/>
-        <p:cNvGrpSpPr/>
-        <p:nvPr/>
-      </p:nvGrpSpPr>
-      <p:grpSpPr>
-        <a:xfrm>
-          <a:off x="0" y="0"/>
-          <a:ext cx="0" cy="0"/>
-          <a:chOff x="0" y="0"/>
-          <a:chExt cx="0" cy="0"/>
-        </a:xfrm>
-      </p:grpSpPr>
-      <p:sp>
-        <p:nvSpPr>
-          <p:cNvPr id="9" name="矩形 8">
-            <a:extLst>
-              <a:ext uri="{FF2B5EF4-FFF2-40B4-BE49-F238E27FC236}">
-                <a16:creationId xmlns:a16="http://schemas.microsoft.com/office/drawing/2014/main" id="{C7CCEC33-6DDA-46ED-A302-1544EE462219}"/>
-              </a:ext>
-            </a:extLst>
-          </p:cNvPr>
-          <p:cNvSpPr/>
-          <p:nvPr/>
-        </p:nvSpPr>
-        <p:spPr>
-          <a:xfrm>
-            <a:off x="2243404" y="2743471"/>
-            <a:ext cx="7491266" cy="2731570"/>
-          </a:xfrm>
-          <a:prstGeom prst="rect">
-            <a:avLst/>
-          </a:prstGeom>
-        </p:spPr>
-        <p:style>
-          <a:lnRef idx="2">
-            <a:schemeClr val="dk1">
-              <a:shade val="50000"/>
-            </a:schemeClr>
-          </a:lnRef>
-          <a:fillRef idx="1">
-            <a:schemeClr val="dk1"/>
-          </a:fillRef>
-          <a:effectRef idx="0">
-            <a:schemeClr val="dk1"/>
-          </a:effectRef>
-          <a:fontRef idx="minor">
-            <a:schemeClr val="lt1"/>
-          </a:fontRef>
-        </p:style>
-        <p:txBody>
-          <a:bodyPr rtlCol="0" anchor="ctr"/>
-          <a:lstStyle/>
-          <a:p>
-            <a:pPr algn="ctr"/>
-            <a:endParaRPr lang="zh-TW" altLang="en-US"/>
-          </a:p>
-        </p:txBody>
-      </p:sp>
-      <p:sp>
-        <p:nvSpPr>
-          <p:cNvPr id="2" name="標題 1">
-            <a:extLst>
-              <a:ext uri="{FF2B5EF4-FFF2-40B4-BE49-F238E27FC236}">
-                <a16:creationId xmlns:a16="http://schemas.microsoft.com/office/drawing/2014/main" id="{0A48F53E-0876-4B37-83DC-04506A1ED8AE}"/>
-              </a:ext>
-            </a:extLst>
-          </p:cNvPr>
-          <p:cNvSpPr>
-            <a:spLocks noGrp="1"/>
-          </p:cNvSpPr>
-          <p:nvPr>
-            <p:ph type="title"/>
-          </p:nvPr>
-        </p:nvSpPr>
-        <p:spPr>
-          <a:xfrm>
-            <a:off x="838200" y="875929"/>
-            <a:ext cx="10515600" cy="1325563"/>
-          </a:xfrm>
-        </p:spPr>
-        <p:txBody>
-          <a:bodyPr/>
-          <a:lstStyle/>
-          <a:p>
-            <a:pPr algn="ctr"/>
-            <a:r>
-              <a:rPr lang="zh-TW" altLang="en-US" b="1" dirty="0">
-                <a:solidFill>
-                  <a:schemeClr val="bg1"/>
-                </a:solidFill>
-                <a:latin typeface="微軟正黑體" panose="020B0604030504040204" pitchFamily="34" charset="-120"/>
-                <a:ea typeface="微軟正黑體" panose="020B0604030504040204" pitchFamily="34" charset="-120"/>
-              </a:rPr>
-              <a:t>如何使用 </a:t>
-            </a:r>
-            <a:r>
-              <a:rPr lang="en-US" altLang="zh-TW" b="1" dirty="0">
-                <a:solidFill>
-                  <a:schemeClr val="bg1"/>
-                </a:solidFill>
-                <a:latin typeface="微軟正黑體" panose="020B0604030504040204" pitchFamily="34" charset="-120"/>
-                <a:ea typeface="微軟正黑體" panose="020B0604030504040204" pitchFamily="34" charset="-120"/>
-              </a:rPr>
-              <a:t>https</a:t>
-            </a:r>
-            <a:endParaRPr lang="zh-TW" altLang="en-US" b="1" dirty="0">
-              <a:solidFill>
-                <a:schemeClr val="bg1"/>
-              </a:solidFill>
-              <a:latin typeface="微軟正黑體" panose="020B0604030504040204" pitchFamily="34" charset="-120"/>
-              <a:ea typeface="微軟正黑體" panose="020B0604030504040204" pitchFamily="34" charset="-120"/>
-            </a:endParaRPr>
-          </a:p>
-        </p:txBody>
-      </p:sp>
-      <p:sp>
-        <p:nvSpPr>
-          <p:cNvPr id="5" name="文字方塊 4">
-            <a:extLst>
-              <a:ext uri="{FF2B5EF4-FFF2-40B4-BE49-F238E27FC236}">
-                <a16:creationId xmlns:a16="http://schemas.microsoft.com/office/drawing/2014/main" id="{8B9264A1-31A2-4335-BCE0-2E9C13E465CE}"/>
-              </a:ext>
-            </a:extLst>
-          </p:cNvPr>
-          <p:cNvSpPr txBox="1"/>
-          <p:nvPr/>
-        </p:nvSpPr>
-        <p:spPr>
-          <a:xfrm>
-            <a:off x="907300" y="1832160"/>
-            <a:ext cx="10690246" cy="369332"/>
-          </a:xfrm>
-          <a:prstGeom prst="rect">
-            <a:avLst/>
-          </a:prstGeom>
-          <a:noFill/>
-        </p:spPr>
-        <p:txBody>
-          <a:bodyPr wrap="square">
-            <a:spAutoFit/>
-          </a:bodyPr>
-          <a:lstStyle/>
-          <a:p>
-            <a:r>
-              <a:rPr lang="zh-TW" altLang="en-US" b="1" dirty="0">
-                <a:solidFill>
-                  <a:schemeClr val="bg1"/>
-                </a:solidFill>
-              </a:rPr>
-              <a:t>https://nuxtjs.org/docs/2.x/configuration-glossary/configuration-server#example-using-https-configuration</a:t>
-            </a:r>
-          </a:p>
-        </p:txBody>
-      </p:sp>
-      <p:sp>
-        <p:nvSpPr>
-          <p:cNvPr id="8" name="文字方塊 7">
-            <a:extLst>
-              <a:ext uri="{FF2B5EF4-FFF2-40B4-BE49-F238E27FC236}">
-                <a16:creationId xmlns:a16="http://schemas.microsoft.com/office/drawing/2014/main" id="{9C786941-3965-4E20-80BB-2F78EFE424DE}"/>
-              </a:ext>
-            </a:extLst>
-          </p:cNvPr>
-          <p:cNvSpPr txBox="1"/>
-          <p:nvPr/>
-        </p:nvSpPr>
-        <p:spPr>
-          <a:xfrm>
-            <a:off x="2653866" y="3047427"/>
-            <a:ext cx="6666199" cy="2123658"/>
-          </a:xfrm>
-          <a:prstGeom prst="rect">
-            <a:avLst/>
-          </a:prstGeom>
-          <a:noFill/>
-        </p:spPr>
-        <p:txBody>
-          <a:bodyPr wrap="square">
-            <a:spAutoFit/>
-          </a:bodyPr>
-          <a:lstStyle/>
-          <a:p>
-            <a:r>
-              <a:rPr lang="en-US" altLang="zh-TW" sz="1200" b="0" dirty="0">
-                <a:solidFill>
-                  <a:srgbClr val="F92672"/>
-                </a:solidFill>
-                <a:effectLst/>
-                <a:latin typeface="Consolas" panose="020B0609020204030204" pitchFamily="49" charset="0"/>
-              </a:rPr>
-              <a:t>import</a:t>
-            </a:r>
-            <a:r>
-              <a:rPr lang="en-US" altLang="zh-TW" sz="1200" b="0" dirty="0">
-                <a:solidFill>
-                  <a:srgbClr val="F8F8F2"/>
-                </a:solidFill>
-                <a:effectLst/>
-                <a:latin typeface="Consolas" panose="020B0609020204030204" pitchFamily="49" charset="0"/>
-              </a:rPr>
-              <a:t> path </a:t>
-            </a:r>
-            <a:r>
-              <a:rPr lang="en-US" altLang="zh-TW" sz="1200" b="0" dirty="0">
-                <a:solidFill>
-                  <a:srgbClr val="F92672"/>
-                </a:solidFill>
-                <a:effectLst/>
-                <a:latin typeface="Consolas" panose="020B0609020204030204" pitchFamily="49" charset="0"/>
-              </a:rPr>
-              <a:t>from</a:t>
-            </a:r>
-            <a:r>
-              <a:rPr lang="en-US" altLang="zh-TW" sz="1200" b="0" dirty="0">
-                <a:solidFill>
-                  <a:srgbClr val="F8F8F2"/>
-                </a:solidFill>
-                <a:effectLst/>
-                <a:latin typeface="Consolas" panose="020B0609020204030204" pitchFamily="49" charset="0"/>
-              </a:rPr>
-              <a:t> </a:t>
-            </a:r>
-            <a:r>
-              <a:rPr lang="en-US" altLang="zh-TW" sz="1200" b="0" dirty="0">
-                <a:solidFill>
-                  <a:srgbClr val="FFEE99"/>
-                </a:solidFill>
-                <a:effectLst/>
-                <a:latin typeface="Consolas" panose="020B0609020204030204" pitchFamily="49" charset="0"/>
-              </a:rPr>
-              <a:t>'path'</a:t>
-            </a:r>
-            <a:endParaRPr lang="en-US" altLang="zh-TW" sz="1200" b="0" dirty="0">
-              <a:solidFill>
-                <a:srgbClr val="F8F8F2"/>
-              </a:solidFill>
-              <a:effectLst/>
-              <a:latin typeface="Consolas" panose="020B0609020204030204" pitchFamily="49" charset="0"/>
-            </a:endParaRPr>
-          </a:p>
-          <a:p>
-            <a:r>
-              <a:rPr lang="en-US" altLang="zh-TW" sz="1200" b="0" dirty="0">
-                <a:solidFill>
-                  <a:srgbClr val="F92672"/>
-                </a:solidFill>
-                <a:effectLst/>
-                <a:latin typeface="Consolas" panose="020B0609020204030204" pitchFamily="49" charset="0"/>
-              </a:rPr>
-              <a:t>import</a:t>
-            </a:r>
-            <a:r>
-              <a:rPr lang="en-US" altLang="zh-TW" sz="1200" b="0" dirty="0">
-                <a:solidFill>
-                  <a:srgbClr val="F8F8F2"/>
-                </a:solidFill>
-                <a:effectLst/>
-                <a:latin typeface="Consolas" panose="020B0609020204030204" pitchFamily="49" charset="0"/>
-              </a:rPr>
-              <a:t> fs </a:t>
-            </a:r>
-            <a:r>
-              <a:rPr lang="en-US" altLang="zh-TW" sz="1200" b="0" dirty="0">
-                <a:solidFill>
-                  <a:srgbClr val="F92672"/>
-                </a:solidFill>
-                <a:effectLst/>
-                <a:latin typeface="Consolas" panose="020B0609020204030204" pitchFamily="49" charset="0"/>
-              </a:rPr>
-              <a:t>from</a:t>
-            </a:r>
-            <a:r>
-              <a:rPr lang="en-US" altLang="zh-TW" sz="1200" b="0" dirty="0">
-                <a:solidFill>
-                  <a:srgbClr val="F8F8F2"/>
-                </a:solidFill>
-                <a:effectLst/>
-                <a:latin typeface="Consolas" panose="020B0609020204030204" pitchFamily="49" charset="0"/>
-              </a:rPr>
-              <a:t> </a:t>
-            </a:r>
-            <a:r>
-              <a:rPr lang="en-US" altLang="zh-TW" sz="1200" b="0" dirty="0">
-                <a:solidFill>
-                  <a:srgbClr val="FFEE99"/>
-                </a:solidFill>
-                <a:effectLst/>
-                <a:latin typeface="Consolas" panose="020B0609020204030204" pitchFamily="49" charset="0"/>
-              </a:rPr>
-              <a:t>'fs'</a:t>
-            </a:r>
-            <a:endParaRPr lang="en-US" altLang="zh-TW" sz="1200" b="0" dirty="0">
-              <a:solidFill>
-                <a:srgbClr val="F8F8F2"/>
-              </a:solidFill>
-              <a:effectLst/>
-              <a:latin typeface="Consolas" panose="020B0609020204030204" pitchFamily="49" charset="0"/>
-            </a:endParaRPr>
-          </a:p>
-          <a:p>
-            <a:br>
-              <a:rPr lang="en-US" altLang="zh-TW" sz="1200" b="0" dirty="0">
-                <a:solidFill>
-                  <a:srgbClr val="F8F8F2"/>
-                </a:solidFill>
-                <a:effectLst/>
-                <a:latin typeface="Consolas" panose="020B0609020204030204" pitchFamily="49" charset="0"/>
-              </a:rPr>
-            </a:br>
-            <a:r>
-              <a:rPr lang="en-US" altLang="zh-TW" sz="1200" b="0" dirty="0">
-                <a:solidFill>
-                  <a:srgbClr val="F92672"/>
-                </a:solidFill>
-                <a:effectLst/>
-                <a:latin typeface="Consolas" panose="020B0609020204030204" pitchFamily="49" charset="0"/>
-              </a:rPr>
-              <a:t>export</a:t>
-            </a:r>
-            <a:r>
-              <a:rPr lang="en-US" altLang="zh-TW" sz="1200" b="0" dirty="0">
-                <a:solidFill>
-                  <a:srgbClr val="F8F8F2"/>
-                </a:solidFill>
-                <a:effectLst/>
-                <a:latin typeface="Consolas" panose="020B0609020204030204" pitchFamily="49" charset="0"/>
-              </a:rPr>
-              <a:t> </a:t>
-            </a:r>
-            <a:r>
-              <a:rPr lang="en-US" altLang="zh-TW" sz="1200" b="0" dirty="0">
-                <a:solidFill>
-                  <a:srgbClr val="F92672"/>
-                </a:solidFill>
-                <a:effectLst/>
-                <a:latin typeface="Consolas" panose="020B0609020204030204" pitchFamily="49" charset="0"/>
-              </a:rPr>
-              <a:t>default</a:t>
-            </a:r>
-            <a:r>
-              <a:rPr lang="en-US" altLang="zh-TW" sz="1200" b="0" dirty="0">
-                <a:solidFill>
-                  <a:srgbClr val="F8F8F2"/>
-                </a:solidFill>
-                <a:effectLst/>
-                <a:latin typeface="Consolas" panose="020B0609020204030204" pitchFamily="49" charset="0"/>
-              </a:rPr>
-              <a:t> {</a:t>
-            </a:r>
-          </a:p>
-          <a:p>
-            <a:r>
-              <a:rPr lang="en-US" altLang="zh-TW" sz="1200" b="0" dirty="0">
-                <a:solidFill>
-                  <a:srgbClr val="F8F8F2"/>
-                </a:solidFill>
-                <a:effectLst/>
-                <a:latin typeface="Consolas" panose="020B0609020204030204" pitchFamily="49" charset="0"/>
-              </a:rPr>
-              <a:t>  </a:t>
-            </a:r>
-            <a:r>
-              <a:rPr lang="en-US" altLang="zh-TW" sz="1200" b="0" dirty="0">
-                <a:solidFill>
-                  <a:srgbClr val="FFEE99"/>
-                </a:solidFill>
-                <a:effectLst/>
-                <a:latin typeface="Consolas" panose="020B0609020204030204" pitchFamily="49" charset="0"/>
-              </a:rPr>
-              <a:t>server</a:t>
-            </a:r>
-            <a:r>
-              <a:rPr lang="en-US" altLang="zh-TW" sz="1200" b="0" dirty="0">
-                <a:solidFill>
-                  <a:srgbClr val="F8F8F2"/>
-                </a:solidFill>
-                <a:effectLst/>
-                <a:latin typeface="Consolas" panose="020B0609020204030204" pitchFamily="49" charset="0"/>
-              </a:rPr>
-              <a:t>: {</a:t>
-            </a:r>
-          </a:p>
-          <a:p>
-            <a:r>
-              <a:rPr lang="en-US" altLang="zh-TW" sz="1200" b="0" dirty="0">
-                <a:solidFill>
-                  <a:srgbClr val="F8F8F2"/>
-                </a:solidFill>
-                <a:effectLst/>
-                <a:latin typeface="Consolas" panose="020B0609020204030204" pitchFamily="49" charset="0"/>
-              </a:rPr>
-              <a:t>    </a:t>
-            </a:r>
-            <a:r>
-              <a:rPr lang="en-US" altLang="zh-TW" sz="1200" b="0" dirty="0">
-                <a:solidFill>
-                  <a:srgbClr val="FFEE99"/>
-                </a:solidFill>
-                <a:effectLst/>
-                <a:latin typeface="Consolas" panose="020B0609020204030204" pitchFamily="49" charset="0"/>
-              </a:rPr>
-              <a:t>https</a:t>
-            </a:r>
-            <a:r>
-              <a:rPr lang="en-US" altLang="zh-TW" sz="1200" b="0" dirty="0">
-                <a:solidFill>
-                  <a:srgbClr val="F8F8F2"/>
-                </a:solidFill>
-                <a:effectLst/>
-                <a:latin typeface="Consolas" panose="020B0609020204030204" pitchFamily="49" charset="0"/>
-              </a:rPr>
-              <a:t>: {</a:t>
-            </a:r>
-          </a:p>
-          <a:p>
-            <a:r>
-              <a:rPr lang="en-US" altLang="zh-TW" sz="1200" b="0" dirty="0">
-                <a:solidFill>
-                  <a:srgbClr val="F8F8F2"/>
-                </a:solidFill>
-                <a:effectLst/>
-                <a:latin typeface="Consolas" panose="020B0609020204030204" pitchFamily="49" charset="0"/>
-              </a:rPr>
-              <a:t>      </a:t>
-            </a:r>
-            <a:r>
-              <a:rPr lang="en-US" altLang="zh-TW" sz="1200" b="0" dirty="0">
-                <a:solidFill>
-                  <a:srgbClr val="FFEE99"/>
-                </a:solidFill>
-                <a:effectLst/>
-                <a:latin typeface="Consolas" panose="020B0609020204030204" pitchFamily="49" charset="0"/>
-              </a:rPr>
-              <a:t>key</a:t>
-            </a:r>
-            <a:r>
-              <a:rPr lang="en-US" altLang="zh-TW" sz="1200" b="0" dirty="0">
-                <a:solidFill>
-                  <a:srgbClr val="F8F8F2"/>
-                </a:solidFill>
-                <a:effectLst/>
-                <a:latin typeface="Consolas" panose="020B0609020204030204" pitchFamily="49" charset="0"/>
-              </a:rPr>
-              <a:t>: </a:t>
-            </a:r>
-            <a:r>
-              <a:rPr lang="en-US" altLang="zh-TW" sz="1200" b="0" dirty="0" err="1">
-                <a:solidFill>
-                  <a:srgbClr val="F8F8F2"/>
-                </a:solidFill>
-                <a:effectLst/>
-                <a:latin typeface="Consolas" panose="020B0609020204030204" pitchFamily="49" charset="0"/>
-              </a:rPr>
-              <a:t>fs</a:t>
-            </a:r>
-            <a:r>
-              <a:rPr lang="en-US" altLang="zh-TW" sz="1200" b="0" dirty="0" err="1">
-                <a:solidFill>
-                  <a:srgbClr val="F92672"/>
-                </a:solidFill>
-                <a:effectLst/>
-                <a:latin typeface="Consolas" panose="020B0609020204030204" pitchFamily="49" charset="0"/>
-              </a:rPr>
-              <a:t>.</a:t>
-            </a:r>
-            <a:r>
-              <a:rPr lang="en-US" altLang="zh-TW" sz="1200" b="0" dirty="0" err="1">
-                <a:solidFill>
-                  <a:srgbClr val="A6E22E"/>
-                </a:solidFill>
-                <a:effectLst/>
-                <a:latin typeface="Consolas" panose="020B0609020204030204" pitchFamily="49" charset="0"/>
-              </a:rPr>
-              <a:t>readFileSync</a:t>
-            </a:r>
-            <a:r>
-              <a:rPr lang="en-US" altLang="zh-TW" sz="1200" b="0" dirty="0">
-                <a:solidFill>
-                  <a:srgbClr val="F8F8F2"/>
-                </a:solidFill>
-                <a:effectLst/>
-                <a:latin typeface="Consolas" panose="020B0609020204030204" pitchFamily="49" charset="0"/>
-              </a:rPr>
-              <a:t>(</a:t>
-            </a:r>
-            <a:r>
-              <a:rPr lang="en-US" altLang="zh-TW" sz="1200" b="0" dirty="0" err="1">
-                <a:solidFill>
-                  <a:srgbClr val="F8F8F2"/>
-                </a:solidFill>
-                <a:effectLst/>
-                <a:latin typeface="Consolas" panose="020B0609020204030204" pitchFamily="49" charset="0"/>
-              </a:rPr>
-              <a:t>path</a:t>
-            </a:r>
-            <a:r>
-              <a:rPr lang="en-US" altLang="zh-TW" sz="1200" b="0" dirty="0" err="1">
-                <a:solidFill>
-                  <a:srgbClr val="F92672"/>
-                </a:solidFill>
-                <a:effectLst/>
-                <a:latin typeface="Consolas" panose="020B0609020204030204" pitchFamily="49" charset="0"/>
-              </a:rPr>
-              <a:t>.</a:t>
-            </a:r>
-            <a:r>
-              <a:rPr lang="en-US" altLang="zh-TW" sz="1200" b="0" dirty="0" err="1">
-                <a:solidFill>
-                  <a:srgbClr val="A6E22E"/>
-                </a:solidFill>
-                <a:effectLst/>
-                <a:latin typeface="Consolas" panose="020B0609020204030204" pitchFamily="49" charset="0"/>
-              </a:rPr>
-              <a:t>resolve</a:t>
-            </a:r>
-            <a:r>
-              <a:rPr lang="en-US" altLang="zh-TW" sz="1200" b="0" dirty="0">
-                <a:solidFill>
-                  <a:srgbClr val="F8F8F2"/>
-                </a:solidFill>
-                <a:effectLst/>
-                <a:latin typeface="Consolas" panose="020B0609020204030204" pitchFamily="49" charset="0"/>
-              </a:rPr>
-              <a:t>(</a:t>
-            </a:r>
-            <a:r>
-              <a:rPr lang="en-US" altLang="zh-TW" sz="1200" b="0" i="1" dirty="0">
-                <a:solidFill>
-                  <a:srgbClr val="66D9EF"/>
-                </a:solidFill>
-                <a:effectLst/>
-                <a:latin typeface="Consolas" panose="020B0609020204030204" pitchFamily="49" charset="0"/>
-              </a:rPr>
-              <a:t>__</a:t>
-            </a:r>
-            <a:r>
-              <a:rPr lang="en-US" altLang="zh-TW" sz="1200" b="0" i="1" dirty="0" err="1">
-                <a:solidFill>
-                  <a:srgbClr val="66D9EF"/>
-                </a:solidFill>
-                <a:effectLst/>
-                <a:latin typeface="Consolas" panose="020B0609020204030204" pitchFamily="49" charset="0"/>
-              </a:rPr>
-              <a:t>dirname</a:t>
-            </a:r>
-            <a:r>
-              <a:rPr lang="en-US" altLang="zh-TW" sz="1200" b="0" dirty="0">
-                <a:solidFill>
-                  <a:srgbClr val="F8F8F2"/>
-                </a:solidFill>
-                <a:effectLst/>
-                <a:latin typeface="Consolas" panose="020B0609020204030204" pitchFamily="49" charset="0"/>
-              </a:rPr>
-              <a:t>, </a:t>
-            </a:r>
-            <a:r>
-              <a:rPr lang="en-US" altLang="zh-TW" sz="1200" b="0" dirty="0">
-                <a:solidFill>
-                  <a:srgbClr val="FFEE99"/>
-                </a:solidFill>
-                <a:effectLst/>
-                <a:latin typeface="Consolas" panose="020B0609020204030204" pitchFamily="49" charset="0"/>
-              </a:rPr>
-              <a:t>"localhost+2-key.pem"</a:t>
-            </a:r>
-            <a:r>
-              <a:rPr lang="en-US" altLang="zh-TW" sz="1200" b="0" dirty="0">
-                <a:solidFill>
-                  <a:srgbClr val="F8F8F2"/>
-                </a:solidFill>
-                <a:effectLst/>
-                <a:latin typeface="Consolas" panose="020B0609020204030204" pitchFamily="49" charset="0"/>
-              </a:rPr>
-              <a:t>)),</a:t>
-            </a:r>
-          </a:p>
-          <a:p>
-            <a:r>
-              <a:rPr lang="en-US" altLang="zh-TW" sz="1200" b="0" dirty="0">
-                <a:solidFill>
-                  <a:srgbClr val="F8F8F2"/>
-                </a:solidFill>
-                <a:effectLst/>
-                <a:latin typeface="Consolas" panose="020B0609020204030204" pitchFamily="49" charset="0"/>
-              </a:rPr>
-              <a:t>      </a:t>
-            </a:r>
-            <a:r>
-              <a:rPr lang="en-US" altLang="zh-TW" sz="1200" b="0" dirty="0">
-                <a:solidFill>
-                  <a:srgbClr val="FFEE99"/>
-                </a:solidFill>
-                <a:effectLst/>
-                <a:latin typeface="Consolas" panose="020B0609020204030204" pitchFamily="49" charset="0"/>
-              </a:rPr>
-              <a:t>cert</a:t>
-            </a:r>
-            <a:r>
-              <a:rPr lang="en-US" altLang="zh-TW" sz="1200" b="0" dirty="0">
-                <a:solidFill>
-                  <a:srgbClr val="F8F8F2"/>
-                </a:solidFill>
-                <a:effectLst/>
-                <a:latin typeface="Consolas" panose="020B0609020204030204" pitchFamily="49" charset="0"/>
-              </a:rPr>
-              <a:t>: </a:t>
-            </a:r>
-            <a:r>
-              <a:rPr lang="en-US" altLang="zh-TW" sz="1200" b="0" dirty="0" err="1">
-                <a:solidFill>
-                  <a:srgbClr val="F8F8F2"/>
-                </a:solidFill>
-                <a:effectLst/>
-                <a:latin typeface="Consolas" panose="020B0609020204030204" pitchFamily="49" charset="0"/>
-              </a:rPr>
-              <a:t>fs</a:t>
-            </a:r>
-            <a:r>
-              <a:rPr lang="en-US" altLang="zh-TW" sz="1200" b="0" dirty="0" err="1">
-                <a:solidFill>
-                  <a:srgbClr val="F92672"/>
-                </a:solidFill>
-                <a:effectLst/>
-                <a:latin typeface="Consolas" panose="020B0609020204030204" pitchFamily="49" charset="0"/>
-              </a:rPr>
-              <a:t>.</a:t>
-            </a:r>
-            <a:r>
-              <a:rPr lang="en-US" altLang="zh-TW" sz="1200" b="0" dirty="0" err="1">
-                <a:solidFill>
-                  <a:srgbClr val="A6E22E"/>
-                </a:solidFill>
-                <a:effectLst/>
-                <a:latin typeface="Consolas" panose="020B0609020204030204" pitchFamily="49" charset="0"/>
-              </a:rPr>
-              <a:t>readFileSync</a:t>
-            </a:r>
-            <a:r>
-              <a:rPr lang="en-US" altLang="zh-TW" sz="1200" b="0" dirty="0">
-                <a:solidFill>
-                  <a:srgbClr val="F8F8F2"/>
-                </a:solidFill>
-                <a:effectLst/>
-                <a:latin typeface="Consolas" panose="020B0609020204030204" pitchFamily="49" charset="0"/>
-              </a:rPr>
-              <a:t>(</a:t>
-            </a:r>
-            <a:r>
-              <a:rPr lang="en-US" altLang="zh-TW" sz="1200" b="0" dirty="0" err="1">
-                <a:solidFill>
-                  <a:srgbClr val="F8F8F2"/>
-                </a:solidFill>
-                <a:effectLst/>
-                <a:latin typeface="Consolas" panose="020B0609020204030204" pitchFamily="49" charset="0"/>
-              </a:rPr>
-              <a:t>path</a:t>
-            </a:r>
-            <a:r>
-              <a:rPr lang="en-US" altLang="zh-TW" sz="1200" b="0" dirty="0" err="1">
-                <a:solidFill>
-                  <a:srgbClr val="F92672"/>
-                </a:solidFill>
-                <a:effectLst/>
-                <a:latin typeface="Consolas" panose="020B0609020204030204" pitchFamily="49" charset="0"/>
-              </a:rPr>
-              <a:t>.</a:t>
-            </a:r>
-            <a:r>
-              <a:rPr lang="en-US" altLang="zh-TW" sz="1200" b="0" dirty="0" err="1">
-                <a:solidFill>
-                  <a:srgbClr val="A6E22E"/>
-                </a:solidFill>
-                <a:effectLst/>
-                <a:latin typeface="Consolas" panose="020B0609020204030204" pitchFamily="49" charset="0"/>
-              </a:rPr>
-              <a:t>resolve</a:t>
-            </a:r>
-            <a:r>
-              <a:rPr lang="en-US" altLang="zh-TW" sz="1200" b="0" dirty="0">
-                <a:solidFill>
-                  <a:srgbClr val="F8F8F2"/>
-                </a:solidFill>
-                <a:effectLst/>
-                <a:latin typeface="Consolas" panose="020B0609020204030204" pitchFamily="49" charset="0"/>
-              </a:rPr>
-              <a:t>(</a:t>
-            </a:r>
-            <a:r>
-              <a:rPr lang="en-US" altLang="zh-TW" sz="1200" b="0" i="1" dirty="0">
-                <a:solidFill>
-                  <a:srgbClr val="66D9EF"/>
-                </a:solidFill>
-                <a:effectLst/>
-                <a:latin typeface="Consolas" panose="020B0609020204030204" pitchFamily="49" charset="0"/>
-              </a:rPr>
-              <a:t>__</a:t>
-            </a:r>
-            <a:r>
-              <a:rPr lang="en-US" altLang="zh-TW" sz="1200" b="0" i="1" dirty="0" err="1">
-                <a:solidFill>
-                  <a:srgbClr val="66D9EF"/>
-                </a:solidFill>
-                <a:effectLst/>
-                <a:latin typeface="Consolas" panose="020B0609020204030204" pitchFamily="49" charset="0"/>
-              </a:rPr>
-              <a:t>dirname</a:t>
-            </a:r>
-            <a:r>
-              <a:rPr lang="en-US" altLang="zh-TW" sz="1200" b="0" dirty="0">
-                <a:solidFill>
-                  <a:srgbClr val="F8F8F2"/>
-                </a:solidFill>
-                <a:effectLst/>
-                <a:latin typeface="Consolas" panose="020B0609020204030204" pitchFamily="49" charset="0"/>
-              </a:rPr>
-              <a:t>, </a:t>
-            </a:r>
-            <a:r>
-              <a:rPr lang="en-US" altLang="zh-TW" sz="1200" b="0" dirty="0">
-                <a:solidFill>
-                  <a:srgbClr val="FFEE99"/>
-                </a:solidFill>
-                <a:effectLst/>
-                <a:latin typeface="Consolas" panose="020B0609020204030204" pitchFamily="49" charset="0"/>
-              </a:rPr>
-              <a:t>"localhost+2.pem"</a:t>
-            </a:r>
-            <a:r>
-              <a:rPr lang="en-US" altLang="zh-TW" sz="1200" b="0" dirty="0">
-                <a:solidFill>
-                  <a:srgbClr val="F8F8F2"/>
-                </a:solidFill>
-                <a:effectLst/>
-                <a:latin typeface="Consolas" panose="020B0609020204030204" pitchFamily="49" charset="0"/>
-              </a:rPr>
-              <a:t>))</a:t>
-            </a:r>
-          </a:p>
-          <a:p>
-            <a:r>
-              <a:rPr lang="en-US" altLang="zh-TW" sz="1200" b="0" dirty="0">
-                <a:solidFill>
-                  <a:srgbClr val="F8F8F2"/>
-                </a:solidFill>
-                <a:effectLst/>
-                <a:latin typeface="Consolas" panose="020B0609020204030204" pitchFamily="49" charset="0"/>
-              </a:rPr>
-              <a:t>    }</a:t>
-            </a:r>
-          </a:p>
-          <a:p>
-            <a:r>
-              <a:rPr lang="en-US" altLang="zh-TW" sz="1200" b="0" dirty="0">
-                <a:solidFill>
-                  <a:srgbClr val="F8F8F2"/>
-                </a:solidFill>
-                <a:effectLst/>
-                <a:latin typeface="Consolas" panose="020B0609020204030204" pitchFamily="49" charset="0"/>
-              </a:rPr>
-              <a:t>  }</a:t>
-            </a:r>
-          </a:p>
-          <a:p>
-            <a:r>
-              <a:rPr lang="en-US" altLang="zh-TW" sz="1200" b="0" dirty="0">
-                <a:solidFill>
-                  <a:srgbClr val="F8F8F2"/>
-                </a:solidFill>
-                <a:effectLst/>
-                <a:latin typeface="Consolas" panose="020B0609020204030204" pitchFamily="49" charset="0"/>
-              </a:rPr>
-              <a:t>}</a:t>
-            </a:r>
-          </a:p>
-        </p:txBody>
-      </p:sp>
-    </p:spTree>
-    <p:extLst>
-      <p:ext uri="{BB962C8B-B14F-4D97-AF65-F5344CB8AC3E}">
-        <p14:creationId xmlns:p14="http://schemas.microsoft.com/office/powerpoint/2010/main" val="470358214"/>
-      </p:ext>
-    </p:extLst>
-  </p:cSld>
-  <p:clrMapOvr>
-    <a:masterClrMapping/>
-  </p:clrMapOvr>
-</p:sld>
-</file>
-
 <file path=ppt/slides/slide2.xml><?xml version="1.0" encoding="utf-8"?>
 <p:sld xmlns:a="http://schemas.openxmlformats.org/drawingml/2006/main" xmlns:r="http://schemas.openxmlformats.org/officeDocument/2006/relationships" xmlns:p="http://schemas.openxmlformats.org/presentationml/2006/main">
   <p:cSld>
@@ -11062,6 +9111,3074 @@
 </file>
 
 <file path=ppt/slides/slide20.xml><?xml version="1.0" encoding="utf-8"?>
+<p:sld xmlns:a="http://schemas.openxmlformats.org/drawingml/2006/main" xmlns:r="http://schemas.openxmlformats.org/officeDocument/2006/relationships" xmlns:p="http://schemas.openxmlformats.org/presentationml/2006/main">
+  <p:cSld>
+    <p:spTree>
+      <p:nvGrpSpPr>
+        <p:cNvPr id="1" name=""/>
+        <p:cNvGrpSpPr/>
+        <p:nvPr/>
+      </p:nvGrpSpPr>
+      <p:grpSpPr>
+        <a:xfrm>
+          <a:off x="0" y="0"/>
+          <a:ext cx="0" cy="0"/>
+          <a:chOff x="0" y="0"/>
+          <a:chExt cx="0" cy="0"/>
+        </a:xfrm>
+      </p:grpSpPr>
+      <p:sp>
+        <p:nvSpPr>
+          <p:cNvPr id="6" name="矩形 5">
+            <a:extLst>
+              <a:ext uri="{FF2B5EF4-FFF2-40B4-BE49-F238E27FC236}">
+                <a16:creationId xmlns:a16="http://schemas.microsoft.com/office/drawing/2014/main" id="{20D33F2B-5FC8-49AA-832A-C01892345651}"/>
+              </a:ext>
+            </a:extLst>
+          </p:cNvPr>
+          <p:cNvSpPr/>
+          <p:nvPr/>
+        </p:nvSpPr>
+        <p:spPr>
+          <a:xfrm>
+            <a:off x="522514" y="538132"/>
+            <a:ext cx="6832442" cy="5781735"/>
+          </a:xfrm>
+          <a:prstGeom prst="rect">
+            <a:avLst/>
+          </a:prstGeom>
+        </p:spPr>
+        <p:style>
+          <a:lnRef idx="2">
+            <a:schemeClr val="dk1">
+              <a:shade val="50000"/>
+            </a:schemeClr>
+          </a:lnRef>
+          <a:fillRef idx="1">
+            <a:schemeClr val="dk1"/>
+          </a:fillRef>
+          <a:effectRef idx="0">
+            <a:schemeClr val="dk1"/>
+          </a:effectRef>
+          <a:fontRef idx="minor">
+            <a:schemeClr val="lt1"/>
+          </a:fontRef>
+        </p:style>
+        <p:txBody>
+          <a:bodyPr rtlCol="0" anchor="ctr"/>
+          <a:lstStyle/>
+          <a:p>
+            <a:pPr algn="ctr"/>
+            <a:endParaRPr lang="zh-TW" altLang="en-US"/>
+          </a:p>
+        </p:txBody>
+      </p:sp>
+      <p:sp>
+        <p:nvSpPr>
+          <p:cNvPr id="2" name="標題 1">
+            <a:extLst>
+              <a:ext uri="{FF2B5EF4-FFF2-40B4-BE49-F238E27FC236}">
+                <a16:creationId xmlns:a16="http://schemas.microsoft.com/office/drawing/2014/main" id="{1B383B88-8A8F-421D-90C4-CAF67F6963BC}"/>
+              </a:ext>
+            </a:extLst>
+          </p:cNvPr>
+          <p:cNvSpPr>
+            <a:spLocks noGrp="1"/>
+          </p:cNvSpPr>
+          <p:nvPr>
+            <p:ph type="title"/>
+          </p:nvPr>
+        </p:nvSpPr>
+        <p:spPr>
+          <a:xfrm>
+            <a:off x="7721757" y="538132"/>
+            <a:ext cx="2569502" cy="541491"/>
+          </a:xfrm>
+        </p:spPr>
+        <p:txBody>
+          <a:bodyPr>
+            <a:normAutofit/>
+          </a:bodyPr>
+          <a:lstStyle/>
+          <a:p>
+            <a:pPr algn="ctr"/>
+            <a:r>
+              <a:rPr lang="en-US" altLang="zh-TW" sz="3200" b="1" dirty="0">
+                <a:solidFill>
+                  <a:schemeClr val="bg1"/>
+                </a:solidFill>
+                <a:latin typeface="微軟正黑體" panose="020B0604030504040204" pitchFamily="34" charset="-120"/>
+                <a:ea typeface="微軟正黑體" panose="020B0604030504040204" pitchFamily="34" charset="-120"/>
+              </a:rPr>
+              <a:t>API</a:t>
+            </a:r>
+            <a:r>
+              <a:rPr lang="zh-TW" altLang="en-US" sz="3200" b="1" dirty="0">
+                <a:solidFill>
+                  <a:schemeClr val="bg1"/>
+                </a:solidFill>
+                <a:latin typeface="微軟正黑體" panose="020B0604030504040204" pitchFamily="34" charset="-120"/>
+                <a:ea typeface="微軟正黑體" panose="020B0604030504040204" pitchFamily="34" charset="-120"/>
+              </a:rPr>
+              <a:t> 拆分</a:t>
+            </a:r>
+          </a:p>
+        </p:txBody>
+      </p:sp>
+      <p:sp>
+        <p:nvSpPr>
+          <p:cNvPr id="5" name="文字方塊 4">
+            <a:extLst>
+              <a:ext uri="{FF2B5EF4-FFF2-40B4-BE49-F238E27FC236}">
+                <a16:creationId xmlns:a16="http://schemas.microsoft.com/office/drawing/2014/main" id="{D3D4DDDC-AA86-4725-98EF-64D6812BC0EA}"/>
+              </a:ext>
+            </a:extLst>
+          </p:cNvPr>
+          <p:cNvSpPr txBox="1"/>
+          <p:nvPr/>
+        </p:nvSpPr>
+        <p:spPr>
+          <a:xfrm>
+            <a:off x="952736" y="982175"/>
+            <a:ext cx="6096946" cy="4893647"/>
+          </a:xfrm>
+          <a:prstGeom prst="rect">
+            <a:avLst/>
+          </a:prstGeom>
+          <a:noFill/>
+        </p:spPr>
+        <p:txBody>
+          <a:bodyPr wrap="square">
+            <a:spAutoFit/>
+          </a:bodyPr>
+          <a:lstStyle/>
+          <a:p>
+            <a:r>
+              <a:rPr lang="en-US" altLang="zh-TW" sz="1200" b="0" dirty="0">
+                <a:solidFill>
+                  <a:srgbClr val="F92672"/>
+                </a:solidFill>
+                <a:effectLst/>
+                <a:latin typeface="Consolas" panose="020B0609020204030204" pitchFamily="49" charset="0"/>
+              </a:rPr>
+              <a:t>import</a:t>
+            </a:r>
+            <a:r>
+              <a:rPr lang="en-US" altLang="zh-TW" sz="1200" b="0" dirty="0">
+                <a:solidFill>
+                  <a:srgbClr val="F8F8F2"/>
+                </a:solidFill>
+                <a:effectLst/>
+                <a:latin typeface="Consolas" panose="020B0609020204030204" pitchFamily="49" charset="0"/>
+              </a:rPr>
+              <a:t> </a:t>
+            </a:r>
+            <a:r>
+              <a:rPr lang="en-US" altLang="zh-TW" sz="1200" b="0" dirty="0" err="1">
+                <a:solidFill>
+                  <a:srgbClr val="F8F8F2"/>
+                </a:solidFill>
+                <a:effectLst/>
+                <a:latin typeface="Consolas" panose="020B0609020204030204" pitchFamily="49" charset="0"/>
+              </a:rPr>
+              <a:t>axios</a:t>
+            </a:r>
+            <a:r>
+              <a:rPr lang="en-US" altLang="zh-TW" sz="1200" b="0" dirty="0">
+                <a:solidFill>
+                  <a:srgbClr val="F8F8F2"/>
+                </a:solidFill>
+                <a:effectLst/>
+                <a:latin typeface="Consolas" panose="020B0609020204030204" pitchFamily="49" charset="0"/>
+              </a:rPr>
+              <a:t> </a:t>
+            </a:r>
+            <a:r>
+              <a:rPr lang="en-US" altLang="zh-TW" sz="1200" b="0" dirty="0">
+                <a:solidFill>
+                  <a:srgbClr val="F92672"/>
+                </a:solidFill>
+                <a:effectLst/>
+                <a:latin typeface="Consolas" panose="020B0609020204030204" pitchFamily="49" charset="0"/>
+              </a:rPr>
+              <a:t>from</a:t>
+            </a:r>
+            <a:r>
+              <a:rPr lang="en-US" altLang="zh-TW" sz="1200" b="0" dirty="0">
+                <a:solidFill>
+                  <a:srgbClr val="F8F8F2"/>
+                </a:solidFill>
+                <a:effectLst/>
+                <a:latin typeface="Consolas" panose="020B0609020204030204" pitchFamily="49" charset="0"/>
+              </a:rPr>
+              <a:t> </a:t>
+            </a:r>
+            <a:r>
+              <a:rPr lang="en-US" altLang="zh-TW" sz="1200" b="0" dirty="0">
+                <a:solidFill>
+                  <a:srgbClr val="FFEE99"/>
+                </a:solidFill>
+                <a:effectLst/>
+                <a:latin typeface="Consolas" panose="020B0609020204030204" pitchFamily="49" charset="0"/>
+              </a:rPr>
+              <a:t>"</a:t>
+            </a:r>
+            <a:r>
+              <a:rPr lang="en-US" altLang="zh-TW" sz="1200" b="0" dirty="0" err="1">
+                <a:solidFill>
+                  <a:srgbClr val="FFEE99"/>
+                </a:solidFill>
+                <a:effectLst/>
+                <a:latin typeface="Consolas" panose="020B0609020204030204" pitchFamily="49" charset="0"/>
+              </a:rPr>
+              <a:t>axios</a:t>
+            </a:r>
+            <a:r>
+              <a:rPr lang="en-US" altLang="zh-TW" sz="1200" b="0" dirty="0">
+                <a:solidFill>
+                  <a:srgbClr val="FFEE99"/>
+                </a:solidFill>
+                <a:effectLst/>
+                <a:latin typeface="Consolas" panose="020B0609020204030204" pitchFamily="49" charset="0"/>
+              </a:rPr>
+              <a:t>"</a:t>
+            </a:r>
+            <a:r>
+              <a:rPr lang="en-US" altLang="zh-TW" sz="1200" b="0" dirty="0">
+                <a:solidFill>
+                  <a:srgbClr val="F8F8F2"/>
+                </a:solidFill>
+                <a:effectLst/>
+                <a:latin typeface="Consolas" panose="020B0609020204030204" pitchFamily="49" charset="0"/>
+              </a:rPr>
+              <a:t>;</a:t>
+            </a:r>
+          </a:p>
+          <a:p>
+            <a:br>
+              <a:rPr lang="en-US" altLang="zh-TW" sz="1200" b="0" dirty="0">
+                <a:solidFill>
+                  <a:srgbClr val="F8F8F2"/>
+                </a:solidFill>
+                <a:effectLst/>
+                <a:latin typeface="Consolas" panose="020B0609020204030204" pitchFamily="49" charset="0"/>
+              </a:rPr>
+            </a:br>
+            <a:r>
+              <a:rPr lang="en-US" altLang="zh-TW" sz="1200" b="0" i="1" dirty="0">
+                <a:solidFill>
+                  <a:srgbClr val="66D9EF"/>
+                </a:solidFill>
+                <a:effectLst/>
+                <a:latin typeface="Consolas" panose="020B0609020204030204" pitchFamily="49" charset="0"/>
+              </a:rPr>
+              <a:t>const</a:t>
+            </a:r>
+            <a:r>
+              <a:rPr lang="en-US" altLang="zh-TW" sz="1200" b="0" dirty="0">
+                <a:solidFill>
+                  <a:srgbClr val="F8F8F2"/>
+                </a:solidFill>
+                <a:effectLst/>
+                <a:latin typeface="Consolas" panose="020B0609020204030204" pitchFamily="49" charset="0"/>
+              </a:rPr>
+              <a:t> </a:t>
+            </a:r>
+            <a:r>
+              <a:rPr lang="en-US" altLang="zh-TW" sz="1200" b="0" dirty="0" err="1">
+                <a:solidFill>
+                  <a:srgbClr val="F8F8F2"/>
+                </a:solidFill>
+                <a:effectLst/>
+                <a:latin typeface="Consolas" panose="020B0609020204030204" pitchFamily="49" charset="0"/>
+              </a:rPr>
+              <a:t>photoRequest</a:t>
+            </a:r>
+            <a:r>
+              <a:rPr lang="en-US" altLang="zh-TW" sz="1200" b="0" dirty="0">
+                <a:solidFill>
+                  <a:srgbClr val="F8F8F2"/>
+                </a:solidFill>
+                <a:effectLst/>
+                <a:latin typeface="Consolas" panose="020B0609020204030204" pitchFamily="49" charset="0"/>
+              </a:rPr>
+              <a:t> </a:t>
+            </a:r>
+            <a:r>
+              <a:rPr lang="en-US" altLang="zh-TW" sz="1200" b="0" dirty="0">
+                <a:solidFill>
+                  <a:srgbClr val="F92672"/>
+                </a:solidFill>
+                <a:effectLst/>
+                <a:latin typeface="Consolas" panose="020B0609020204030204" pitchFamily="49" charset="0"/>
+              </a:rPr>
+              <a:t>=</a:t>
+            </a:r>
+            <a:r>
+              <a:rPr lang="en-US" altLang="zh-TW" sz="1200" b="0" dirty="0">
+                <a:solidFill>
+                  <a:srgbClr val="F8F8F2"/>
+                </a:solidFill>
+                <a:effectLst/>
+                <a:latin typeface="Consolas" panose="020B0609020204030204" pitchFamily="49" charset="0"/>
+              </a:rPr>
+              <a:t> </a:t>
+            </a:r>
+            <a:r>
+              <a:rPr lang="en-US" altLang="zh-TW" sz="1200" b="0" dirty="0" err="1">
+                <a:solidFill>
+                  <a:srgbClr val="F8F8F2"/>
+                </a:solidFill>
+                <a:effectLst/>
+                <a:latin typeface="Consolas" panose="020B0609020204030204" pitchFamily="49" charset="0"/>
+              </a:rPr>
+              <a:t>axios</a:t>
+            </a:r>
+            <a:r>
+              <a:rPr lang="en-US" altLang="zh-TW" sz="1200" b="0" dirty="0" err="1">
+                <a:solidFill>
+                  <a:srgbClr val="F92672"/>
+                </a:solidFill>
+                <a:effectLst/>
+                <a:latin typeface="Consolas" panose="020B0609020204030204" pitchFamily="49" charset="0"/>
+              </a:rPr>
+              <a:t>.</a:t>
+            </a:r>
+            <a:r>
+              <a:rPr lang="en-US" altLang="zh-TW" sz="1200" b="0" dirty="0" err="1">
+                <a:solidFill>
+                  <a:srgbClr val="A6E22E"/>
+                </a:solidFill>
+                <a:effectLst/>
+                <a:latin typeface="Consolas" panose="020B0609020204030204" pitchFamily="49" charset="0"/>
+              </a:rPr>
+              <a:t>create</a:t>
+            </a:r>
+            <a:r>
+              <a:rPr lang="en-US" altLang="zh-TW" sz="1200" b="0" dirty="0">
+                <a:solidFill>
+                  <a:srgbClr val="F8F8F2"/>
+                </a:solidFill>
+                <a:effectLst/>
+                <a:latin typeface="Consolas" panose="020B0609020204030204" pitchFamily="49" charset="0"/>
+              </a:rPr>
+              <a:t>({</a:t>
+            </a:r>
+          </a:p>
+          <a:p>
+            <a:r>
+              <a:rPr lang="en-US" altLang="zh-TW" sz="1200" b="0" dirty="0">
+                <a:solidFill>
+                  <a:srgbClr val="F8F8F2"/>
+                </a:solidFill>
+                <a:effectLst/>
+                <a:latin typeface="Consolas" panose="020B0609020204030204" pitchFamily="49" charset="0"/>
+              </a:rPr>
+              <a:t>  </a:t>
+            </a:r>
+            <a:r>
+              <a:rPr lang="en-US" altLang="zh-TW" sz="1200" b="0" dirty="0" err="1">
+                <a:solidFill>
+                  <a:srgbClr val="FFEE99"/>
+                </a:solidFill>
+                <a:effectLst/>
+                <a:latin typeface="Consolas" panose="020B0609020204030204" pitchFamily="49" charset="0"/>
+              </a:rPr>
+              <a:t>baseURL</a:t>
+            </a:r>
+            <a:r>
+              <a:rPr lang="en-US" altLang="zh-TW" sz="1200" b="0" dirty="0">
+                <a:solidFill>
+                  <a:srgbClr val="F8F8F2"/>
+                </a:solidFill>
+                <a:effectLst/>
+                <a:latin typeface="Consolas" panose="020B0609020204030204" pitchFamily="49" charset="0"/>
+              </a:rPr>
+              <a:t>: </a:t>
+            </a:r>
+            <a:r>
+              <a:rPr lang="en-US" altLang="zh-TW" sz="1200" b="0" dirty="0">
+                <a:solidFill>
+                  <a:srgbClr val="FFEE99"/>
+                </a:solidFill>
+                <a:effectLst/>
+                <a:latin typeface="Consolas" panose="020B0609020204030204" pitchFamily="49" charset="0"/>
+              </a:rPr>
+              <a:t>"https://vue-lessons-api.herokuapp.com/"</a:t>
+            </a:r>
+            <a:r>
+              <a:rPr lang="en-US" altLang="zh-TW" sz="1200" b="0" dirty="0">
+                <a:solidFill>
+                  <a:srgbClr val="F8F8F2"/>
+                </a:solidFill>
+                <a:effectLst/>
+                <a:latin typeface="Consolas" panose="020B0609020204030204" pitchFamily="49" charset="0"/>
+              </a:rPr>
+              <a:t>,</a:t>
+            </a:r>
+          </a:p>
+          <a:p>
+            <a:r>
+              <a:rPr lang="en-US" altLang="zh-TW" sz="1200" b="0" dirty="0">
+                <a:solidFill>
+                  <a:srgbClr val="F8F8F2"/>
+                </a:solidFill>
+                <a:effectLst/>
+                <a:latin typeface="Consolas" panose="020B0609020204030204" pitchFamily="49" charset="0"/>
+              </a:rPr>
+              <a:t>});</a:t>
+            </a:r>
+          </a:p>
+          <a:p>
+            <a:br>
+              <a:rPr lang="en-US" altLang="zh-TW" sz="1200" b="0" dirty="0">
+                <a:solidFill>
+                  <a:srgbClr val="F8F8F2"/>
+                </a:solidFill>
+                <a:effectLst/>
+                <a:latin typeface="Consolas" panose="020B0609020204030204" pitchFamily="49" charset="0"/>
+              </a:rPr>
+            </a:br>
+            <a:r>
+              <a:rPr lang="en-US" altLang="zh-TW" sz="1200" b="0" dirty="0" err="1">
+                <a:solidFill>
+                  <a:srgbClr val="F8F8F2"/>
+                </a:solidFill>
+                <a:effectLst/>
+                <a:latin typeface="Consolas" panose="020B0609020204030204" pitchFamily="49" charset="0"/>
+              </a:rPr>
+              <a:t>photoRequest</a:t>
+            </a:r>
+            <a:r>
+              <a:rPr lang="en-US" altLang="zh-TW" sz="1200" b="0" dirty="0" err="1">
+                <a:solidFill>
+                  <a:srgbClr val="F92672"/>
+                </a:solidFill>
+                <a:effectLst/>
+                <a:latin typeface="Consolas" panose="020B0609020204030204" pitchFamily="49" charset="0"/>
+              </a:rPr>
+              <a:t>.</a:t>
+            </a:r>
+            <a:r>
+              <a:rPr lang="en-US" altLang="zh-TW" sz="1200" b="0" dirty="0" err="1">
+                <a:solidFill>
+                  <a:srgbClr val="F8F8F2"/>
+                </a:solidFill>
+                <a:effectLst/>
+                <a:latin typeface="Consolas" panose="020B0609020204030204" pitchFamily="49" charset="0"/>
+              </a:rPr>
+              <a:t>interceptors</a:t>
+            </a:r>
+            <a:r>
+              <a:rPr lang="en-US" altLang="zh-TW" sz="1200" b="0" dirty="0" err="1">
+                <a:solidFill>
+                  <a:srgbClr val="F92672"/>
+                </a:solidFill>
+                <a:effectLst/>
+                <a:latin typeface="Consolas" panose="020B0609020204030204" pitchFamily="49" charset="0"/>
+              </a:rPr>
+              <a:t>.</a:t>
+            </a:r>
+            <a:r>
+              <a:rPr lang="en-US" altLang="zh-TW" sz="1200" b="0" dirty="0" err="1">
+                <a:solidFill>
+                  <a:srgbClr val="F8F8F2"/>
+                </a:solidFill>
+                <a:effectLst/>
+                <a:latin typeface="Consolas" panose="020B0609020204030204" pitchFamily="49" charset="0"/>
+              </a:rPr>
+              <a:t>request</a:t>
+            </a:r>
+            <a:r>
+              <a:rPr lang="en-US" altLang="zh-TW" sz="1200" b="0" dirty="0" err="1">
+                <a:solidFill>
+                  <a:srgbClr val="F92672"/>
+                </a:solidFill>
+                <a:effectLst/>
+                <a:latin typeface="Consolas" panose="020B0609020204030204" pitchFamily="49" charset="0"/>
+              </a:rPr>
+              <a:t>.</a:t>
+            </a:r>
+            <a:r>
+              <a:rPr lang="en-US" altLang="zh-TW" sz="1200" b="0" dirty="0" err="1">
+                <a:solidFill>
+                  <a:srgbClr val="A6E22E"/>
+                </a:solidFill>
+                <a:effectLst/>
+                <a:latin typeface="Consolas" panose="020B0609020204030204" pitchFamily="49" charset="0"/>
+              </a:rPr>
+              <a:t>use</a:t>
+            </a:r>
+            <a:r>
+              <a:rPr lang="en-US" altLang="zh-TW" sz="1200" b="0" dirty="0">
+                <a:solidFill>
+                  <a:srgbClr val="F8F8F2"/>
+                </a:solidFill>
+                <a:effectLst/>
+                <a:latin typeface="Consolas" panose="020B0609020204030204" pitchFamily="49" charset="0"/>
+              </a:rPr>
+              <a:t>(</a:t>
+            </a:r>
+          </a:p>
+          <a:p>
+            <a:r>
+              <a:rPr lang="en-US" altLang="zh-TW" sz="1200" b="0" dirty="0">
+                <a:solidFill>
+                  <a:srgbClr val="F8F8F2"/>
+                </a:solidFill>
+                <a:effectLst/>
+                <a:latin typeface="Consolas" panose="020B0609020204030204" pitchFamily="49" charset="0"/>
+              </a:rPr>
+              <a:t>  (config) </a:t>
+            </a:r>
+            <a:r>
+              <a:rPr lang="en-US" altLang="zh-TW" sz="1200" b="0" i="1" dirty="0">
+                <a:solidFill>
+                  <a:srgbClr val="66D9EF"/>
+                </a:solidFill>
+                <a:effectLst/>
+                <a:latin typeface="Consolas" panose="020B0609020204030204" pitchFamily="49" charset="0"/>
+              </a:rPr>
+              <a:t>=&gt;</a:t>
+            </a:r>
+            <a:r>
+              <a:rPr lang="en-US" altLang="zh-TW" sz="1200" b="0" dirty="0">
+                <a:solidFill>
+                  <a:srgbClr val="F8F8F2"/>
+                </a:solidFill>
+                <a:effectLst/>
+                <a:latin typeface="Consolas" panose="020B0609020204030204" pitchFamily="49" charset="0"/>
+              </a:rPr>
+              <a:t> {</a:t>
+            </a:r>
+          </a:p>
+          <a:p>
+            <a:r>
+              <a:rPr lang="en-US" altLang="zh-TW" sz="1200" b="0" dirty="0">
+                <a:solidFill>
+                  <a:srgbClr val="F8F8F2"/>
+                </a:solidFill>
+                <a:effectLst/>
+                <a:latin typeface="Consolas" panose="020B0609020204030204" pitchFamily="49" charset="0"/>
+              </a:rPr>
+              <a:t>    </a:t>
+            </a:r>
+            <a:r>
+              <a:rPr lang="en-US" altLang="zh-TW" sz="1200" b="0" i="1" dirty="0">
+                <a:solidFill>
+                  <a:srgbClr val="66D9EF"/>
+                </a:solidFill>
+                <a:effectLst/>
+                <a:latin typeface="Consolas" panose="020B0609020204030204" pitchFamily="49" charset="0"/>
+              </a:rPr>
+              <a:t>console</a:t>
+            </a:r>
+            <a:r>
+              <a:rPr lang="en-US" altLang="zh-TW" sz="1200" b="0" dirty="0">
+                <a:solidFill>
+                  <a:srgbClr val="F92672"/>
+                </a:solidFill>
+                <a:effectLst/>
+                <a:latin typeface="Consolas" panose="020B0609020204030204" pitchFamily="49" charset="0"/>
+              </a:rPr>
+              <a:t>.</a:t>
+            </a:r>
+            <a:r>
+              <a:rPr lang="en-US" altLang="zh-TW" sz="1200" b="0" dirty="0">
+                <a:solidFill>
+                  <a:srgbClr val="66D9EF"/>
+                </a:solidFill>
+                <a:effectLst/>
+                <a:latin typeface="Consolas" panose="020B0609020204030204" pitchFamily="49" charset="0"/>
+              </a:rPr>
+              <a:t>log</a:t>
+            </a:r>
+            <a:r>
+              <a:rPr lang="en-US" altLang="zh-TW" sz="1200" b="0" dirty="0">
+                <a:solidFill>
+                  <a:srgbClr val="F8F8F2"/>
+                </a:solidFill>
+                <a:effectLst/>
+                <a:latin typeface="Consolas" panose="020B0609020204030204" pitchFamily="49" charset="0"/>
+              </a:rPr>
+              <a:t>(</a:t>
+            </a:r>
+            <a:r>
+              <a:rPr lang="en-US" altLang="zh-TW" sz="1200" b="0" dirty="0">
+                <a:solidFill>
+                  <a:srgbClr val="FFEE99"/>
+                </a:solidFill>
+                <a:effectLst/>
+                <a:latin typeface="Consolas" panose="020B0609020204030204" pitchFamily="49" charset="0"/>
+              </a:rPr>
+              <a:t>"</a:t>
+            </a:r>
+            <a:r>
+              <a:rPr lang="zh-TW" altLang="en-US" sz="1200" b="0" dirty="0">
+                <a:solidFill>
+                  <a:srgbClr val="FFEE99"/>
+                </a:solidFill>
+                <a:effectLst/>
+                <a:latin typeface="Consolas" panose="020B0609020204030204" pitchFamily="49" charset="0"/>
+              </a:rPr>
+              <a:t>請求發起前</a:t>
+            </a:r>
+            <a:r>
+              <a:rPr lang="en-US" altLang="zh-TW" sz="1200" b="0" dirty="0">
+                <a:solidFill>
+                  <a:srgbClr val="FFEE99"/>
+                </a:solidFill>
+                <a:effectLst/>
+                <a:latin typeface="Consolas" panose="020B0609020204030204" pitchFamily="49" charset="0"/>
+              </a:rPr>
+              <a:t>"</a:t>
+            </a:r>
+            <a:r>
+              <a:rPr lang="en-US" altLang="zh-TW" sz="1200" b="0" dirty="0">
+                <a:solidFill>
+                  <a:srgbClr val="F8F8F2"/>
+                </a:solidFill>
+                <a:effectLst/>
+                <a:latin typeface="Consolas" panose="020B0609020204030204" pitchFamily="49" charset="0"/>
+              </a:rPr>
+              <a:t>);</a:t>
+            </a:r>
+          </a:p>
+          <a:p>
+            <a:r>
+              <a:rPr lang="en-US" altLang="zh-TW" sz="1200" b="0" dirty="0">
+                <a:solidFill>
+                  <a:srgbClr val="F8F8F2"/>
+                </a:solidFill>
+                <a:effectLst/>
+                <a:latin typeface="Consolas" panose="020B0609020204030204" pitchFamily="49" charset="0"/>
+              </a:rPr>
+              <a:t>    </a:t>
+            </a:r>
+            <a:r>
+              <a:rPr lang="en-US" altLang="zh-TW" sz="1200" b="0" dirty="0">
+                <a:solidFill>
+                  <a:srgbClr val="F92672"/>
+                </a:solidFill>
+                <a:effectLst/>
+                <a:latin typeface="Consolas" panose="020B0609020204030204" pitchFamily="49" charset="0"/>
+              </a:rPr>
+              <a:t>return</a:t>
+            </a:r>
+            <a:r>
+              <a:rPr lang="en-US" altLang="zh-TW" sz="1200" b="0" dirty="0">
+                <a:solidFill>
+                  <a:srgbClr val="F8F8F2"/>
+                </a:solidFill>
+                <a:effectLst/>
+                <a:latin typeface="Consolas" panose="020B0609020204030204" pitchFamily="49" charset="0"/>
+              </a:rPr>
+              <a:t> config;</a:t>
+            </a:r>
+          </a:p>
+          <a:p>
+            <a:r>
+              <a:rPr lang="en-US" altLang="zh-TW" sz="1200" b="0" dirty="0">
+                <a:solidFill>
+                  <a:srgbClr val="F8F8F2"/>
+                </a:solidFill>
+                <a:effectLst/>
+                <a:latin typeface="Consolas" panose="020B0609020204030204" pitchFamily="49" charset="0"/>
+              </a:rPr>
+              <a:t>  },</a:t>
+            </a:r>
+          </a:p>
+          <a:p>
+            <a:r>
+              <a:rPr lang="en-US" altLang="zh-TW" sz="1200" b="0" dirty="0">
+                <a:solidFill>
+                  <a:srgbClr val="F8F8F2"/>
+                </a:solidFill>
+                <a:effectLst/>
+                <a:latin typeface="Consolas" panose="020B0609020204030204" pitchFamily="49" charset="0"/>
+              </a:rPr>
+              <a:t>  (error) </a:t>
+            </a:r>
+            <a:r>
+              <a:rPr lang="en-US" altLang="zh-TW" sz="1200" b="0" i="1" dirty="0">
+                <a:solidFill>
+                  <a:srgbClr val="66D9EF"/>
+                </a:solidFill>
+                <a:effectLst/>
+                <a:latin typeface="Consolas" panose="020B0609020204030204" pitchFamily="49" charset="0"/>
+              </a:rPr>
+              <a:t>=&gt;</a:t>
+            </a:r>
+            <a:r>
+              <a:rPr lang="en-US" altLang="zh-TW" sz="1200" b="0" dirty="0">
+                <a:solidFill>
+                  <a:srgbClr val="F8F8F2"/>
+                </a:solidFill>
+                <a:effectLst/>
+                <a:latin typeface="Consolas" panose="020B0609020204030204" pitchFamily="49" charset="0"/>
+              </a:rPr>
+              <a:t> {</a:t>
+            </a:r>
+          </a:p>
+          <a:p>
+            <a:r>
+              <a:rPr lang="en-US" altLang="zh-TW" sz="1200" b="0" dirty="0">
+                <a:solidFill>
+                  <a:srgbClr val="F8F8F2"/>
+                </a:solidFill>
+                <a:effectLst/>
+                <a:latin typeface="Consolas" panose="020B0609020204030204" pitchFamily="49" charset="0"/>
+              </a:rPr>
+              <a:t>    </a:t>
+            </a:r>
+            <a:r>
+              <a:rPr lang="en-US" altLang="zh-TW" sz="1200" b="0" dirty="0">
+                <a:solidFill>
+                  <a:srgbClr val="F92672"/>
+                </a:solidFill>
+                <a:effectLst/>
+                <a:latin typeface="Consolas" panose="020B0609020204030204" pitchFamily="49" charset="0"/>
+              </a:rPr>
+              <a:t>return</a:t>
+            </a:r>
+            <a:r>
+              <a:rPr lang="en-US" altLang="zh-TW" sz="1200" b="0" dirty="0">
+                <a:solidFill>
+                  <a:srgbClr val="F8F8F2"/>
+                </a:solidFill>
+                <a:effectLst/>
+                <a:latin typeface="Consolas" panose="020B0609020204030204" pitchFamily="49" charset="0"/>
+              </a:rPr>
+              <a:t> </a:t>
+            </a:r>
+            <a:r>
+              <a:rPr lang="en-US" altLang="zh-TW" sz="1200" b="0" i="1" dirty="0" err="1">
+                <a:solidFill>
+                  <a:srgbClr val="66D9EF"/>
+                </a:solidFill>
+                <a:effectLst/>
+                <a:latin typeface="Consolas" panose="020B0609020204030204" pitchFamily="49" charset="0"/>
+              </a:rPr>
+              <a:t>Promise</a:t>
+            </a:r>
+            <a:r>
+              <a:rPr lang="en-US" altLang="zh-TW" sz="1200" b="0" dirty="0" err="1">
+                <a:solidFill>
+                  <a:srgbClr val="F92672"/>
+                </a:solidFill>
+                <a:effectLst/>
+                <a:latin typeface="Consolas" panose="020B0609020204030204" pitchFamily="49" charset="0"/>
+              </a:rPr>
+              <a:t>.</a:t>
+            </a:r>
+            <a:r>
+              <a:rPr lang="en-US" altLang="zh-TW" sz="1200" b="0" dirty="0" err="1">
+                <a:solidFill>
+                  <a:srgbClr val="A6E22E"/>
+                </a:solidFill>
+                <a:effectLst/>
+                <a:latin typeface="Consolas" panose="020B0609020204030204" pitchFamily="49" charset="0"/>
+              </a:rPr>
+              <a:t>reject</a:t>
+            </a:r>
+            <a:r>
+              <a:rPr lang="en-US" altLang="zh-TW" sz="1200" b="0" dirty="0">
+                <a:solidFill>
+                  <a:srgbClr val="F8F8F2"/>
+                </a:solidFill>
+                <a:effectLst/>
+                <a:latin typeface="Consolas" panose="020B0609020204030204" pitchFamily="49" charset="0"/>
+              </a:rPr>
+              <a:t>(error);</a:t>
+            </a:r>
+          </a:p>
+          <a:p>
+            <a:r>
+              <a:rPr lang="en-US" altLang="zh-TW" sz="1200" b="0" dirty="0">
+                <a:solidFill>
+                  <a:srgbClr val="F8F8F2"/>
+                </a:solidFill>
+                <a:effectLst/>
+                <a:latin typeface="Consolas" panose="020B0609020204030204" pitchFamily="49" charset="0"/>
+              </a:rPr>
+              <a:t>  }</a:t>
+            </a:r>
+          </a:p>
+          <a:p>
+            <a:r>
+              <a:rPr lang="en-US" altLang="zh-TW" sz="1200" b="0" dirty="0">
+                <a:solidFill>
+                  <a:srgbClr val="F8F8F2"/>
+                </a:solidFill>
+                <a:effectLst/>
+                <a:latin typeface="Consolas" panose="020B0609020204030204" pitchFamily="49" charset="0"/>
+              </a:rPr>
+              <a:t>);</a:t>
+            </a:r>
+          </a:p>
+          <a:p>
+            <a:r>
+              <a:rPr lang="en-US" altLang="zh-TW" sz="1200" b="0" dirty="0" err="1">
+                <a:solidFill>
+                  <a:srgbClr val="F8F8F2"/>
+                </a:solidFill>
+                <a:effectLst/>
+                <a:latin typeface="Consolas" panose="020B0609020204030204" pitchFamily="49" charset="0"/>
+              </a:rPr>
+              <a:t>photoRequest</a:t>
+            </a:r>
+            <a:r>
+              <a:rPr lang="en-US" altLang="zh-TW" sz="1200" b="0" dirty="0" err="1">
+                <a:solidFill>
+                  <a:srgbClr val="F92672"/>
+                </a:solidFill>
+                <a:effectLst/>
+                <a:latin typeface="Consolas" panose="020B0609020204030204" pitchFamily="49" charset="0"/>
+              </a:rPr>
+              <a:t>.</a:t>
+            </a:r>
+            <a:r>
+              <a:rPr lang="en-US" altLang="zh-TW" sz="1200" b="0" dirty="0" err="1">
+                <a:solidFill>
+                  <a:srgbClr val="F8F8F2"/>
+                </a:solidFill>
+                <a:effectLst/>
+                <a:latin typeface="Consolas" panose="020B0609020204030204" pitchFamily="49" charset="0"/>
+              </a:rPr>
+              <a:t>interceptors</a:t>
+            </a:r>
+            <a:r>
+              <a:rPr lang="en-US" altLang="zh-TW" sz="1200" b="0" dirty="0" err="1">
+                <a:solidFill>
+                  <a:srgbClr val="F92672"/>
+                </a:solidFill>
+                <a:effectLst/>
+                <a:latin typeface="Consolas" panose="020B0609020204030204" pitchFamily="49" charset="0"/>
+              </a:rPr>
+              <a:t>.</a:t>
+            </a:r>
+            <a:r>
+              <a:rPr lang="en-US" altLang="zh-TW" sz="1200" b="0" dirty="0" err="1">
+                <a:solidFill>
+                  <a:srgbClr val="F8F8F2"/>
+                </a:solidFill>
+                <a:effectLst/>
+                <a:latin typeface="Consolas" panose="020B0609020204030204" pitchFamily="49" charset="0"/>
+              </a:rPr>
+              <a:t>response</a:t>
+            </a:r>
+            <a:r>
+              <a:rPr lang="en-US" altLang="zh-TW" sz="1200" b="0" dirty="0" err="1">
+                <a:solidFill>
+                  <a:srgbClr val="F92672"/>
+                </a:solidFill>
+                <a:effectLst/>
+                <a:latin typeface="Consolas" panose="020B0609020204030204" pitchFamily="49" charset="0"/>
+              </a:rPr>
+              <a:t>.</a:t>
+            </a:r>
+            <a:r>
+              <a:rPr lang="en-US" altLang="zh-TW" sz="1200" b="0" dirty="0" err="1">
+                <a:solidFill>
+                  <a:srgbClr val="A6E22E"/>
+                </a:solidFill>
+                <a:effectLst/>
+                <a:latin typeface="Consolas" panose="020B0609020204030204" pitchFamily="49" charset="0"/>
+              </a:rPr>
+              <a:t>use</a:t>
+            </a:r>
+            <a:r>
+              <a:rPr lang="en-US" altLang="zh-TW" sz="1200" b="0" dirty="0">
+                <a:solidFill>
+                  <a:srgbClr val="F8F8F2"/>
+                </a:solidFill>
+                <a:effectLst/>
+                <a:latin typeface="Consolas" panose="020B0609020204030204" pitchFamily="49" charset="0"/>
+              </a:rPr>
+              <a:t>(</a:t>
+            </a:r>
+          </a:p>
+          <a:p>
+            <a:r>
+              <a:rPr lang="en-US" altLang="zh-TW" sz="1200" b="0" dirty="0">
+                <a:solidFill>
+                  <a:srgbClr val="F8F8F2"/>
+                </a:solidFill>
+                <a:effectLst/>
+                <a:latin typeface="Consolas" panose="020B0609020204030204" pitchFamily="49" charset="0"/>
+              </a:rPr>
+              <a:t>  (response) </a:t>
+            </a:r>
+            <a:r>
+              <a:rPr lang="en-US" altLang="zh-TW" sz="1200" b="0" i="1" dirty="0">
+                <a:solidFill>
+                  <a:srgbClr val="66D9EF"/>
+                </a:solidFill>
+                <a:effectLst/>
+                <a:latin typeface="Consolas" panose="020B0609020204030204" pitchFamily="49" charset="0"/>
+              </a:rPr>
+              <a:t>=&gt;</a:t>
+            </a:r>
+            <a:r>
+              <a:rPr lang="en-US" altLang="zh-TW" sz="1200" b="0" dirty="0">
+                <a:solidFill>
+                  <a:srgbClr val="F8F8F2"/>
+                </a:solidFill>
+                <a:effectLst/>
+                <a:latin typeface="Consolas" panose="020B0609020204030204" pitchFamily="49" charset="0"/>
+              </a:rPr>
+              <a:t> {</a:t>
+            </a:r>
+          </a:p>
+          <a:p>
+            <a:r>
+              <a:rPr lang="en-US" altLang="zh-TW" sz="1200" b="0" dirty="0">
+                <a:solidFill>
+                  <a:srgbClr val="F8F8F2"/>
+                </a:solidFill>
+                <a:effectLst/>
+                <a:latin typeface="Consolas" panose="020B0609020204030204" pitchFamily="49" charset="0"/>
+              </a:rPr>
+              <a:t>    </a:t>
+            </a:r>
+            <a:r>
+              <a:rPr lang="en-US" altLang="zh-TW" sz="1200" b="0" i="1" dirty="0">
+                <a:solidFill>
+                  <a:srgbClr val="66D9EF"/>
+                </a:solidFill>
+                <a:effectLst/>
+                <a:latin typeface="Consolas" panose="020B0609020204030204" pitchFamily="49" charset="0"/>
+              </a:rPr>
+              <a:t>console</a:t>
+            </a:r>
+            <a:r>
+              <a:rPr lang="en-US" altLang="zh-TW" sz="1200" b="0" dirty="0">
+                <a:solidFill>
+                  <a:srgbClr val="F92672"/>
+                </a:solidFill>
+                <a:effectLst/>
+                <a:latin typeface="Consolas" panose="020B0609020204030204" pitchFamily="49" charset="0"/>
+              </a:rPr>
+              <a:t>.</a:t>
+            </a:r>
+            <a:r>
+              <a:rPr lang="en-US" altLang="zh-TW" sz="1200" b="0" dirty="0">
+                <a:solidFill>
+                  <a:srgbClr val="66D9EF"/>
+                </a:solidFill>
+                <a:effectLst/>
+                <a:latin typeface="Consolas" panose="020B0609020204030204" pitchFamily="49" charset="0"/>
+              </a:rPr>
+              <a:t>log</a:t>
+            </a:r>
+            <a:r>
+              <a:rPr lang="en-US" altLang="zh-TW" sz="1200" b="0" dirty="0">
+                <a:solidFill>
+                  <a:srgbClr val="F8F8F2"/>
+                </a:solidFill>
+                <a:effectLst/>
+                <a:latin typeface="Consolas" panose="020B0609020204030204" pitchFamily="49" charset="0"/>
+              </a:rPr>
+              <a:t>(</a:t>
+            </a:r>
+            <a:r>
+              <a:rPr lang="en-US" altLang="zh-TW" sz="1200" b="0" dirty="0">
+                <a:solidFill>
+                  <a:srgbClr val="FFEE99"/>
+                </a:solidFill>
+                <a:effectLst/>
+                <a:latin typeface="Consolas" panose="020B0609020204030204" pitchFamily="49" charset="0"/>
+              </a:rPr>
+              <a:t>"</a:t>
+            </a:r>
+            <a:r>
+              <a:rPr lang="zh-TW" altLang="en-US" sz="1200" b="0" dirty="0">
+                <a:solidFill>
+                  <a:srgbClr val="FFEE99"/>
+                </a:solidFill>
+                <a:effectLst/>
+                <a:latin typeface="Consolas" panose="020B0609020204030204" pitchFamily="49" charset="0"/>
+              </a:rPr>
+              <a:t>請求發起後</a:t>
+            </a:r>
+            <a:r>
+              <a:rPr lang="en-US" altLang="zh-TW" sz="1200" b="0" dirty="0">
+                <a:solidFill>
+                  <a:srgbClr val="FFEE99"/>
+                </a:solidFill>
+                <a:effectLst/>
+                <a:latin typeface="Consolas" panose="020B0609020204030204" pitchFamily="49" charset="0"/>
+              </a:rPr>
+              <a:t>"</a:t>
+            </a:r>
+            <a:r>
+              <a:rPr lang="en-US" altLang="zh-TW" sz="1200" b="0" dirty="0">
+                <a:solidFill>
+                  <a:srgbClr val="F8F8F2"/>
+                </a:solidFill>
+                <a:effectLst/>
+                <a:latin typeface="Consolas" panose="020B0609020204030204" pitchFamily="49" charset="0"/>
+              </a:rPr>
+              <a:t>);</a:t>
+            </a:r>
+          </a:p>
+          <a:p>
+            <a:r>
+              <a:rPr lang="en-US" altLang="zh-TW" sz="1200" b="0" dirty="0">
+                <a:solidFill>
+                  <a:srgbClr val="F8F8F2"/>
+                </a:solidFill>
+                <a:effectLst/>
+                <a:latin typeface="Consolas" panose="020B0609020204030204" pitchFamily="49" charset="0"/>
+              </a:rPr>
+              <a:t>    </a:t>
+            </a:r>
+            <a:r>
+              <a:rPr lang="en-US" altLang="zh-TW" sz="1200" b="0" dirty="0">
+                <a:solidFill>
+                  <a:srgbClr val="F92672"/>
+                </a:solidFill>
+                <a:effectLst/>
+                <a:latin typeface="Consolas" panose="020B0609020204030204" pitchFamily="49" charset="0"/>
+              </a:rPr>
+              <a:t>return</a:t>
+            </a:r>
+            <a:r>
+              <a:rPr lang="en-US" altLang="zh-TW" sz="1200" b="0" dirty="0">
+                <a:solidFill>
+                  <a:srgbClr val="F8F8F2"/>
+                </a:solidFill>
+                <a:effectLst/>
+                <a:latin typeface="Consolas" panose="020B0609020204030204" pitchFamily="49" charset="0"/>
+              </a:rPr>
+              <a:t> response;</a:t>
+            </a:r>
+          </a:p>
+          <a:p>
+            <a:r>
+              <a:rPr lang="en-US" altLang="zh-TW" sz="1200" b="0" dirty="0">
+                <a:solidFill>
+                  <a:srgbClr val="F8F8F2"/>
+                </a:solidFill>
+                <a:effectLst/>
+                <a:latin typeface="Consolas" panose="020B0609020204030204" pitchFamily="49" charset="0"/>
+              </a:rPr>
+              <a:t>  },</a:t>
+            </a:r>
+          </a:p>
+          <a:p>
+            <a:r>
+              <a:rPr lang="en-US" altLang="zh-TW" sz="1200" b="0" dirty="0">
+                <a:solidFill>
+                  <a:srgbClr val="F8F8F2"/>
+                </a:solidFill>
+                <a:effectLst/>
+                <a:latin typeface="Consolas" panose="020B0609020204030204" pitchFamily="49" charset="0"/>
+              </a:rPr>
+              <a:t>  (error) </a:t>
+            </a:r>
+            <a:r>
+              <a:rPr lang="en-US" altLang="zh-TW" sz="1200" b="0" i="1" dirty="0">
+                <a:solidFill>
+                  <a:srgbClr val="66D9EF"/>
+                </a:solidFill>
+                <a:effectLst/>
+                <a:latin typeface="Consolas" panose="020B0609020204030204" pitchFamily="49" charset="0"/>
+              </a:rPr>
+              <a:t>=&gt;</a:t>
+            </a:r>
+            <a:r>
+              <a:rPr lang="en-US" altLang="zh-TW" sz="1200" b="0" dirty="0">
+                <a:solidFill>
+                  <a:srgbClr val="F8F8F2"/>
+                </a:solidFill>
+                <a:effectLst/>
+                <a:latin typeface="Consolas" panose="020B0609020204030204" pitchFamily="49" charset="0"/>
+              </a:rPr>
+              <a:t> {</a:t>
+            </a:r>
+          </a:p>
+          <a:p>
+            <a:r>
+              <a:rPr lang="en-US" altLang="zh-TW" sz="1200" b="0" dirty="0">
+                <a:solidFill>
+                  <a:srgbClr val="F8F8F2"/>
+                </a:solidFill>
+                <a:effectLst/>
+                <a:latin typeface="Consolas" panose="020B0609020204030204" pitchFamily="49" charset="0"/>
+              </a:rPr>
+              <a:t>    </a:t>
+            </a:r>
+            <a:r>
+              <a:rPr lang="en-US" altLang="zh-TW" sz="1200" b="0" dirty="0">
+                <a:solidFill>
+                  <a:srgbClr val="F92672"/>
+                </a:solidFill>
+                <a:effectLst/>
+                <a:latin typeface="Consolas" panose="020B0609020204030204" pitchFamily="49" charset="0"/>
+              </a:rPr>
+              <a:t>return</a:t>
+            </a:r>
+            <a:r>
+              <a:rPr lang="en-US" altLang="zh-TW" sz="1200" b="0" dirty="0">
+                <a:solidFill>
+                  <a:srgbClr val="F8F8F2"/>
+                </a:solidFill>
+                <a:effectLst/>
+                <a:latin typeface="Consolas" panose="020B0609020204030204" pitchFamily="49" charset="0"/>
+              </a:rPr>
+              <a:t> </a:t>
+            </a:r>
+            <a:r>
+              <a:rPr lang="en-US" altLang="zh-TW" sz="1200" b="0" i="1" dirty="0" err="1">
+                <a:solidFill>
+                  <a:srgbClr val="66D9EF"/>
+                </a:solidFill>
+                <a:effectLst/>
+                <a:latin typeface="Consolas" panose="020B0609020204030204" pitchFamily="49" charset="0"/>
+              </a:rPr>
+              <a:t>Promise</a:t>
+            </a:r>
+            <a:r>
+              <a:rPr lang="en-US" altLang="zh-TW" sz="1200" b="0" dirty="0" err="1">
+                <a:solidFill>
+                  <a:srgbClr val="F92672"/>
+                </a:solidFill>
+                <a:effectLst/>
+                <a:latin typeface="Consolas" panose="020B0609020204030204" pitchFamily="49" charset="0"/>
+              </a:rPr>
+              <a:t>.</a:t>
+            </a:r>
+            <a:r>
+              <a:rPr lang="en-US" altLang="zh-TW" sz="1200" b="0" dirty="0" err="1">
+                <a:solidFill>
+                  <a:srgbClr val="A6E22E"/>
+                </a:solidFill>
+                <a:effectLst/>
+                <a:latin typeface="Consolas" panose="020B0609020204030204" pitchFamily="49" charset="0"/>
+              </a:rPr>
+              <a:t>reject</a:t>
+            </a:r>
+            <a:r>
+              <a:rPr lang="en-US" altLang="zh-TW" sz="1200" b="0" dirty="0">
+                <a:solidFill>
+                  <a:srgbClr val="F8F8F2"/>
+                </a:solidFill>
+                <a:effectLst/>
+                <a:latin typeface="Consolas" panose="020B0609020204030204" pitchFamily="49" charset="0"/>
+              </a:rPr>
+              <a:t>(error);</a:t>
+            </a:r>
+          </a:p>
+          <a:p>
+            <a:r>
+              <a:rPr lang="en-US" altLang="zh-TW" sz="1200" b="0" dirty="0">
+                <a:solidFill>
+                  <a:srgbClr val="F8F8F2"/>
+                </a:solidFill>
+                <a:effectLst/>
+                <a:latin typeface="Consolas" panose="020B0609020204030204" pitchFamily="49" charset="0"/>
+              </a:rPr>
+              <a:t>  }</a:t>
+            </a:r>
+          </a:p>
+          <a:p>
+            <a:r>
+              <a:rPr lang="en-US" altLang="zh-TW" sz="1200" b="0" dirty="0">
+                <a:solidFill>
+                  <a:srgbClr val="F8F8F2"/>
+                </a:solidFill>
+                <a:effectLst/>
+                <a:latin typeface="Consolas" panose="020B0609020204030204" pitchFamily="49" charset="0"/>
+              </a:rPr>
+              <a:t>);</a:t>
+            </a:r>
+          </a:p>
+          <a:p>
+            <a:br>
+              <a:rPr lang="en-US" altLang="zh-TW" sz="1200" b="0" dirty="0">
+                <a:solidFill>
+                  <a:srgbClr val="F8F8F2"/>
+                </a:solidFill>
+                <a:effectLst/>
+                <a:latin typeface="Consolas" panose="020B0609020204030204" pitchFamily="49" charset="0"/>
+              </a:rPr>
+            </a:br>
+            <a:r>
+              <a:rPr lang="en-US" altLang="zh-TW" sz="1200" b="0" dirty="0">
+                <a:solidFill>
+                  <a:srgbClr val="F92672"/>
+                </a:solidFill>
+                <a:effectLst/>
+                <a:latin typeface="Consolas" panose="020B0609020204030204" pitchFamily="49" charset="0"/>
+              </a:rPr>
+              <a:t>export</a:t>
+            </a:r>
+            <a:r>
+              <a:rPr lang="en-US" altLang="zh-TW" sz="1200" b="0" dirty="0">
+                <a:solidFill>
+                  <a:srgbClr val="F8F8F2"/>
+                </a:solidFill>
+                <a:effectLst/>
+                <a:latin typeface="Consolas" panose="020B0609020204030204" pitchFamily="49" charset="0"/>
+              </a:rPr>
+              <a:t> </a:t>
+            </a:r>
+            <a:r>
+              <a:rPr lang="en-US" altLang="zh-TW" sz="1200" b="0" i="1" dirty="0">
+                <a:solidFill>
+                  <a:srgbClr val="66D9EF"/>
+                </a:solidFill>
+                <a:effectLst/>
+                <a:latin typeface="Consolas" panose="020B0609020204030204" pitchFamily="49" charset="0"/>
+              </a:rPr>
+              <a:t>const</a:t>
+            </a:r>
+            <a:r>
+              <a:rPr lang="en-US" altLang="zh-TW" sz="1200" b="0" dirty="0">
+                <a:solidFill>
+                  <a:srgbClr val="F8F8F2"/>
+                </a:solidFill>
+                <a:effectLst/>
+                <a:latin typeface="Consolas" panose="020B0609020204030204" pitchFamily="49" charset="0"/>
+              </a:rPr>
+              <a:t> </a:t>
+            </a:r>
+            <a:r>
+              <a:rPr lang="en-US" altLang="zh-TW" sz="1200" b="0" dirty="0" err="1">
+                <a:solidFill>
+                  <a:srgbClr val="A6E22E"/>
+                </a:solidFill>
+                <a:effectLst/>
+                <a:latin typeface="Consolas" panose="020B0609020204030204" pitchFamily="49" charset="0"/>
+              </a:rPr>
+              <a:t>getPhotoRequest</a:t>
+            </a:r>
+            <a:r>
+              <a:rPr lang="en-US" altLang="zh-TW" sz="1200" b="0" dirty="0">
+                <a:solidFill>
+                  <a:srgbClr val="F8F8F2"/>
+                </a:solidFill>
+                <a:effectLst/>
+                <a:latin typeface="Consolas" panose="020B0609020204030204" pitchFamily="49" charset="0"/>
+              </a:rPr>
+              <a:t> </a:t>
+            </a:r>
+            <a:r>
+              <a:rPr lang="en-US" altLang="zh-TW" sz="1200" b="0" dirty="0">
+                <a:solidFill>
+                  <a:srgbClr val="F92672"/>
+                </a:solidFill>
+                <a:effectLst/>
+                <a:latin typeface="Consolas" panose="020B0609020204030204" pitchFamily="49" charset="0"/>
+              </a:rPr>
+              <a:t>=</a:t>
+            </a:r>
+            <a:r>
+              <a:rPr lang="en-US" altLang="zh-TW" sz="1200" b="0" dirty="0">
+                <a:solidFill>
+                  <a:srgbClr val="F8F8F2"/>
+                </a:solidFill>
+                <a:effectLst/>
+                <a:latin typeface="Consolas" panose="020B0609020204030204" pitchFamily="49" charset="0"/>
+              </a:rPr>
+              <a:t> () </a:t>
+            </a:r>
+            <a:r>
+              <a:rPr lang="en-US" altLang="zh-TW" sz="1200" b="0" i="1" dirty="0">
+                <a:solidFill>
+                  <a:srgbClr val="66D9EF"/>
+                </a:solidFill>
+                <a:effectLst/>
+                <a:latin typeface="Consolas" panose="020B0609020204030204" pitchFamily="49" charset="0"/>
+              </a:rPr>
+              <a:t>=&gt;</a:t>
+            </a:r>
+            <a:r>
+              <a:rPr lang="en-US" altLang="zh-TW" sz="1200" b="0" dirty="0">
+                <a:solidFill>
+                  <a:srgbClr val="F8F8F2"/>
+                </a:solidFill>
+                <a:effectLst/>
+                <a:latin typeface="Consolas" panose="020B0609020204030204" pitchFamily="49" charset="0"/>
+              </a:rPr>
+              <a:t> </a:t>
+            </a:r>
+            <a:r>
+              <a:rPr lang="en-US" altLang="zh-TW" sz="1200" b="0" dirty="0" err="1">
+                <a:solidFill>
+                  <a:srgbClr val="F8F8F2"/>
+                </a:solidFill>
+                <a:effectLst/>
+                <a:latin typeface="Consolas" panose="020B0609020204030204" pitchFamily="49" charset="0"/>
+              </a:rPr>
+              <a:t>photoRequest</a:t>
+            </a:r>
+            <a:r>
+              <a:rPr lang="en-US" altLang="zh-TW" sz="1200" b="0" dirty="0" err="1">
+                <a:solidFill>
+                  <a:srgbClr val="F92672"/>
+                </a:solidFill>
+                <a:effectLst/>
+                <a:latin typeface="Consolas" panose="020B0609020204030204" pitchFamily="49" charset="0"/>
+              </a:rPr>
+              <a:t>.</a:t>
+            </a:r>
+            <a:r>
+              <a:rPr lang="en-US" altLang="zh-TW" sz="1200" b="0" dirty="0" err="1">
+                <a:solidFill>
+                  <a:srgbClr val="A6E22E"/>
+                </a:solidFill>
+                <a:effectLst/>
+                <a:latin typeface="Consolas" panose="020B0609020204030204" pitchFamily="49" charset="0"/>
+              </a:rPr>
+              <a:t>get</a:t>
+            </a:r>
+            <a:r>
+              <a:rPr lang="en-US" altLang="zh-TW" sz="1200" b="0" dirty="0">
+                <a:solidFill>
+                  <a:srgbClr val="F8F8F2"/>
+                </a:solidFill>
+                <a:effectLst/>
+                <a:latin typeface="Consolas" panose="020B0609020204030204" pitchFamily="49" charset="0"/>
+              </a:rPr>
+              <a:t>(</a:t>
+            </a:r>
+            <a:r>
+              <a:rPr lang="en-US" altLang="zh-TW" sz="1200" b="0" dirty="0">
+                <a:solidFill>
+                  <a:srgbClr val="FFEE99"/>
+                </a:solidFill>
+                <a:effectLst/>
+                <a:latin typeface="Consolas" panose="020B0609020204030204" pitchFamily="49" charset="0"/>
+              </a:rPr>
+              <a:t>"/photo/list"</a:t>
+            </a:r>
+            <a:r>
+              <a:rPr lang="en-US" altLang="zh-TW" sz="1200" b="0" dirty="0">
+                <a:solidFill>
+                  <a:srgbClr val="F8F8F2"/>
+                </a:solidFill>
+                <a:effectLst/>
+                <a:latin typeface="Consolas" panose="020B0609020204030204" pitchFamily="49" charset="0"/>
+              </a:rPr>
+              <a:t>);</a:t>
+            </a:r>
+          </a:p>
+        </p:txBody>
+      </p:sp>
+    </p:spTree>
+    <p:extLst>
+      <p:ext uri="{BB962C8B-B14F-4D97-AF65-F5344CB8AC3E}">
+        <p14:creationId xmlns:p14="http://schemas.microsoft.com/office/powerpoint/2010/main" val="4264067513"/>
+      </p:ext>
+    </p:extLst>
+  </p:cSld>
+  <p:clrMapOvr>
+    <a:masterClrMapping/>
+  </p:clrMapOvr>
+</p:sld>
+</file>
+
+<file path=ppt/slides/slide21.xml><?xml version="1.0" encoding="utf-8"?>
+<p:sld xmlns:a="http://schemas.openxmlformats.org/drawingml/2006/main" xmlns:r="http://schemas.openxmlformats.org/officeDocument/2006/relationships" xmlns:p="http://schemas.openxmlformats.org/presentationml/2006/main">
+  <p:cSld>
+    <p:spTree>
+      <p:nvGrpSpPr>
+        <p:cNvPr id="1" name=""/>
+        <p:cNvGrpSpPr/>
+        <p:nvPr/>
+      </p:nvGrpSpPr>
+      <p:grpSpPr>
+        <a:xfrm>
+          <a:off x="0" y="0"/>
+          <a:ext cx="0" cy="0"/>
+          <a:chOff x="0" y="0"/>
+          <a:chExt cx="0" cy="0"/>
+        </a:xfrm>
+      </p:grpSpPr>
+      <p:sp>
+        <p:nvSpPr>
+          <p:cNvPr id="15" name="矩形 14">
+            <a:extLst>
+              <a:ext uri="{FF2B5EF4-FFF2-40B4-BE49-F238E27FC236}">
+                <a16:creationId xmlns:a16="http://schemas.microsoft.com/office/drawing/2014/main" id="{9511F509-5DB1-46ED-AB0A-66650CE7BA8D}"/>
+              </a:ext>
+            </a:extLst>
+          </p:cNvPr>
+          <p:cNvSpPr/>
+          <p:nvPr/>
+        </p:nvSpPr>
+        <p:spPr>
+          <a:xfrm>
+            <a:off x="5494351" y="3013298"/>
+            <a:ext cx="6389207" cy="2298173"/>
+          </a:xfrm>
+          <a:prstGeom prst="rect">
+            <a:avLst/>
+          </a:prstGeom>
+        </p:spPr>
+        <p:style>
+          <a:lnRef idx="2">
+            <a:schemeClr val="dk1">
+              <a:shade val="50000"/>
+            </a:schemeClr>
+          </a:lnRef>
+          <a:fillRef idx="1">
+            <a:schemeClr val="dk1"/>
+          </a:fillRef>
+          <a:effectRef idx="0">
+            <a:schemeClr val="dk1"/>
+          </a:effectRef>
+          <a:fontRef idx="minor">
+            <a:schemeClr val="lt1"/>
+          </a:fontRef>
+        </p:style>
+        <p:txBody>
+          <a:bodyPr rtlCol="0" anchor="ctr"/>
+          <a:lstStyle/>
+          <a:p>
+            <a:pPr algn="ctr"/>
+            <a:endParaRPr lang="zh-TW" altLang="en-US"/>
+          </a:p>
+        </p:txBody>
+      </p:sp>
+      <p:sp>
+        <p:nvSpPr>
+          <p:cNvPr id="11" name="矩形 10">
+            <a:extLst>
+              <a:ext uri="{FF2B5EF4-FFF2-40B4-BE49-F238E27FC236}">
+                <a16:creationId xmlns:a16="http://schemas.microsoft.com/office/drawing/2014/main" id="{7B64085B-57CE-4B72-8314-CC1E74062E59}"/>
+              </a:ext>
+            </a:extLst>
+          </p:cNvPr>
+          <p:cNvSpPr/>
+          <p:nvPr/>
+        </p:nvSpPr>
+        <p:spPr>
+          <a:xfrm>
+            <a:off x="363015" y="3013298"/>
+            <a:ext cx="5035921" cy="2298173"/>
+          </a:xfrm>
+          <a:prstGeom prst="rect">
+            <a:avLst/>
+          </a:prstGeom>
+        </p:spPr>
+        <p:style>
+          <a:lnRef idx="2">
+            <a:schemeClr val="dk1">
+              <a:shade val="50000"/>
+            </a:schemeClr>
+          </a:lnRef>
+          <a:fillRef idx="1">
+            <a:schemeClr val="dk1"/>
+          </a:fillRef>
+          <a:effectRef idx="0">
+            <a:schemeClr val="dk1"/>
+          </a:effectRef>
+          <a:fontRef idx="minor">
+            <a:schemeClr val="lt1"/>
+          </a:fontRef>
+        </p:style>
+        <p:txBody>
+          <a:bodyPr rtlCol="0" anchor="ctr"/>
+          <a:lstStyle/>
+          <a:p>
+            <a:pPr algn="ctr"/>
+            <a:endParaRPr lang="zh-TW" altLang="en-US"/>
+          </a:p>
+        </p:txBody>
+      </p:sp>
+      <p:sp>
+        <p:nvSpPr>
+          <p:cNvPr id="9" name="矩形 8">
+            <a:extLst>
+              <a:ext uri="{FF2B5EF4-FFF2-40B4-BE49-F238E27FC236}">
+                <a16:creationId xmlns:a16="http://schemas.microsoft.com/office/drawing/2014/main" id="{C7CCEC33-6DDA-46ED-A302-1544EE462219}"/>
+              </a:ext>
+            </a:extLst>
+          </p:cNvPr>
+          <p:cNvSpPr/>
+          <p:nvPr/>
+        </p:nvSpPr>
+        <p:spPr>
+          <a:xfrm>
+            <a:off x="4461816" y="2029906"/>
+            <a:ext cx="2980603" cy="781148"/>
+          </a:xfrm>
+          <a:prstGeom prst="rect">
+            <a:avLst/>
+          </a:prstGeom>
+        </p:spPr>
+        <p:style>
+          <a:lnRef idx="2">
+            <a:schemeClr val="dk1">
+              <a:shade val="50000"/>
+            </a:schemeClr>
+          </a:lnRef>
+          <a:fillRef idx="1">
+            <a:schemeClr val="dk1"/>
+          </a:fillRef>
+          <a:effectRef idx="0">
+            <a:schemeClr val="dk1"/>
+          </a:effectRef>
+          <a:fontRef idx="minor">
+            <a:schemeClr val="lt1"/>
+          </a:fontRef>
+        </p:style>
+        <p:txBody>
+          <a:bodyPr rtlCol="0" anchor="ctr"/>
+          <a:lstStyle/>
+          <a:p>
+            <a:pPr algn="ctr"/>
+            <a:endParaRPr lang="zh-TW" altLang="en-US"/>
+          </a:p>
+        </p:txBody>
+      </p:sp>
+      <p:sp>
+        <p:nvSpPr>
+          <p:cNvPr id="2" name="標題 1">
+            <a:extLst>
+              <a:ext uri="{FF2B5EF4-FFF2-40B4-BE49-F238E27FC236}">
+                <a16:creationId xmlns:a16="http://schemas.microsoft.com/office/drawing/2014/main" id="{0A48F53E-0876-4B37-83DC-04506A1ED8AE}"/>
+              </a:ext>
+            </a:extLst>
+          </p:cNvPr>
+          <p:cNvSpPr>
+            <a:spLocks noGrp="1"/>
+          </p:cNvSpPr>
+          <p:nvPr>
+            <p:ph type="title"/>
+          </p:nvPr>
+        </p:nvSpPr>
+        <p:spPr>
+          <a:xfrm>
+            <a:off x="838200" y="986758"/>
+            <a:ext cx="10515600" cy="781149"/>
+          </a:xfrm>
+        </p:spPr>
+        <p:txBody>
+          <a:bodyPr/>
+          <a:lstStyle/>
+          <a:p>
+            <a:pPr algn="ctr"/>
+            <a:r>
+              <a:rPr lang="en-US" altLang="zh-TW" b="1" dirty="0">
+                <a:solidFill>
+                  <a:schemeClr val="bg1"/>
+                </a:solidFill>
+                <a:latin typeface="微軟正黑體" panose="020B0604030504040204" pitchFamily="34" charset="-120"/>
+                <a:ea typeface="微軟正黑體" panose="020B0604030504040204" pitchFamily="34" charset="-120"/>
+              </a:rPr>
+              <a:t>CORS</a:t>
+            </a:r>
+            <a:r>
+              <a:rPr lang="zh-TW" altLang="en-US" b="1" dirty="0">
+                <a:solidFill>
+                  <a:schemeClr val="bg1"/>
+                </a:solidFill>
+                <a:latin typeface="微軟正黑體" panose="020B0604030504040204" pitchFamily="34" charset="-120"/>
+                <a:ea typeface="微軟正黑體" panose="020B0604030504040204" pitchFamily="34" charset="-120"/>
+              </a:rPr>
+              <a:t> 跨網域處理</a:t>
+            </a:r>
+          </a:p>
+        </p:txBody>
+      </p:sp>
+      <p:sp>
+        <p:nvSpPr>
+          <p:cNvPr id="7" name="文字方塊 6">
+            <a:extLst>
+              <a:ext uri="{FF2B5EF4-FFF2-40B4-BE49-F238E27FC236}">
+                <a16:creationId xmlns:a16="http://schemas.microsoft.com/office/drawing/2014/main" id="{212A5416-A06B-442E-A34B-AD861DA0DC9D}"/>
+              </a:ext>
+            </a:extLst>
+          </p:cNvPr>
+          <p:cNvSpPr txBox="1"/>
+          <p:nvPr/>
+        </p:nvSpPr>
+        <p:spPr>
+          <a:xfrm>
+            <a:off x="4616487" y="2243765"/>
+            <a:ext cx="2671261" cy="369332"/>
+          </a:xfrm>
+          <a:prstGeom prst="rect">
+            <a:avLst/>
+          </a:prstGeom>
+          <a:noFill/>
+        </p:spPr>
+        <p:txBody>
+          <a:bodyPr wrap="square">
+            <a:spAutoFit/>
+          </a:bodyPr>
+          <a:lstStyle/>
+          <a:p>
+            <a:pPr algn="ctr"/>
+            <a:r>
+              <a:rPr lang="zh-TW" altLang="en-US" dirty="0">
+                <a:solidFill>
+                  <a:schemeClr val="bg1"/>
+                </a:solidFill>
+              </a:rPr>
+              <a:t>npm i @nuxtjs/proxy -D</a:t>
+            </a:r>
+          </a:p>
+        </p:txBody>
+      </p:sp>
+      <p:sp>
+        <p:nvSpPr>
+          <p:cNvPr id="10" name="文字方塊 9">
+            <a:extLst>
+              <a:ext uri="{FF2B5EF4-FFF2-40B4-BE49-F238E27FC236}">
+                <a16:creationId xmlns:a16="http://schemas.microsoft.com/office/drawing/2014/main" id="{D93DAB2A-C7CA-4FE8-913F-C5BE3446F2D7}"/>
+              </a:ext>
+            </a:extLst>
+          </p:cNvPr>
+          <p:cNvSpPr txBox="1"/>
+          <p:nvPr/>
+        </p:nvSpPr>
+        <p:spPr>
+          <a:xfrm>
+            <a:off x="626495" y="3151329"/>
+            <a:ext cx="4541854" cy="2031325"/>
+          </a:xfrm>
+          <a:prstGeom prst="rect">
+            <a:avLst/>
+          </a:prstGeom>
+          <a:noFill/>
+        </p:spPr>
+        <p:txBody>
+          <a:bodyPr wrap="square">
+            <a:spAutoFit/>
+          </a:bodyPr>
+          <a:lstStyle/>
+          <a:p>
+            <a:r>
+              <a:rPr lang="en-US" altLang="zh-TW" sz="1400" b="0" dirty="0">
+                <a:solidFill>
+                  <a:srgbClr val="FFEE99"/>
+                </a:solidFill>
+                <a:effectLst/>
+                <a:latin typeface="Consolas" panose="020B0609020204030204" pitchFamily="49" charset="0"/>
+              </a:rPr>
+              <a:t>modules</a:t>
+            </a:r>
+            <a:r>
+              <a:rPr lang="en-US" altLang="zh-TW" sz="1400" b="0" dirty="0">
+                <a:solidFill>
+                  <a:srgbClr val="F8F8F2"/>
+                </a:solidFill>
+                <a:effectLst/>
+                <a:latin typeface="Consolas" panose="020B0609020204030204" pitchFamily="49" charset="0"/>
+              </a:rPr>
+              <a:t>: [</a:t>
+            </a:r>
+          </a:p>
+          <a:p>
+            <a:r>
+              <a:rPr lang="en-US" altLang="zh-TW" sz="1400" b="0" dirty="0">
+                <a:solidFill>
+                  <a:srgbClr val="F8F8F2"/>
+                </a:solidFill>
+                <a:effectLst/>
+                <a:latin typeface="Consolas" panose="020B0609020204030204" pitchFamily="49" charset="0"/>
+              </a:rPr>
+              <a:t>   </a:t>
+            </a:r>
+            <a:r>
+              <a:rPr lang="en-US" altLang="zh-TW" sz="1400" b="0" dirty="0">
+                <a:solidFill>
+                  <a:srgbClr val="FFEE99"/>
+                </a:solidFill>
+                <a:effectLst/>
+                <a:latin typeface="Consolas" panose="020B0609020204030204" pitchFamily="49" charset="0"/>
+              </a:rPr>
+              <a:t>"@</a:t>
+            </a:r>
+            <a:r>
+              <a:rPr lang="en-US" altLang="zh-TW" sz="1400" b="0" dirty="0" err="1">
+                <a:solidFill>
+                  <a:srgbClr val="FFEE99"/>
+                </a:solidFill>
+                <a:effectLst/>
+                <a:latin typeface="Consolas" panose="020B0609020204030204" pitchFamily="49" charset="0"/>
+              </a:rPr>
+              <a:t>nuxtjs</a:t>
+            </a:r>
+            <a:r>
+              <a:rPr lang="en-US" altLang="zh-TW" sz="1400" b="0" dirty="0">
+                <a:solidFill>
+                  <a:srgbClr val="FFEE99"/>
+                </a:solidFill>
+                <a:effectLst/>
+                <a:latin typeface="Consolas" panose="020B0609020204030204" pitchFamily="49" charset="0"/>
+              </a:rPr>
+              <a:t>/proxy"</a:t>
+            </a:r>
+            <a:endParaRPr lang="en-US" altLang="zh-TW" sz="1400" b="0" dirty="0">
+              <a:solidFill>
+                <a:srgbClr val="F8F8F2"/>
+              </a:solidFill>
+              <a:effectLst/>
+              <a:latin typeface="Consolas" panose="020B0609020204030204" pitchFamily="49" charset="0"/>
+            </a:endParaRPr>
+          </a:p>
+          <a:p>
+            <a:r>
+              <a:rPr lang="en-US" altLang="zh-TW" sz="1400" b="0" dirty="0">
+                <a:solidFill>
+                  <a:srgbClr val="F8F8F2"/>
+                </a:solidFill>
+                <a:effectLst/>
+                <a:latin typeface="Consolas" panose="020B0609020204030204" pitchFamily="49" charset="0"/>
+              </a:rPr>
+              <a:t>],</a:t>
+            </a:r>
+          </a:p>
+          <a:p>
+            <a:r>
+              <a:rPr lang="en-US" altLang="zh-TW" sz="1400" b="0" dirty="0">
+                <a:solidFill>
+                  <a:srgbClr val="FFEE99"/>
+                </a:solidFill>
+                <a:effectLst/>
+                <a:latin typeface="Consolas" panose="020B0609020204030204" pitchFamily="49" charset="0"/>
+              </a:rPr>
+              <a:t>proxy</a:t>
+            </a:r>
+            <a:r>
+              <a:rPr lang="en-US" altLang="zh-TW" sz="1400" b="0" dirty="0">
+                <a:solidFill>
+                  <a:srgbClr val="F8F8F2"/>
+                </a:solidFill>
+                <a:effectLst/>
+                <a:latin typeface="Consolas" panose="020B0609020204030204" pitchFamily="49" charset="0"/>
+              </a:rPr>
+              <a:t>: {</a:t>
+            </a:r>
+          </a:p>
+          <a:p>
+            <a:r>
+              <a:rPr lang="en-US" altLang="zh-TW" sz="1400" b="0">
+                <a:solidFill>
+                  <a:srgbClr val="F8F8F2"/>
+                </a:solidFill>
+                <a:effectLst/>
+                <a:latin typeface="Consolas" panose="020B0609020204030204" pitchFamily="49" charset="0"/>
+              </a:rPr>
+              <a:t>  </a:t>
+            </a:r>
+            <a:r>
+              <a:rPr lang="en-US" altLang="zh-TW" sz="1400" b="0">
+                <a:solidFill>
+                  <a:srgbClr val="FFEE99"/>
+                </a:solidFill>
+                <a:effectLst/>
+                <a:latin typeface="Consolas" panose="020B0609020204030204" pitchFamily="49" charset="0"/>
+              </a:rPr>
+              <a:t>"/</a:t>
+            </a:r>
+            <a:r>
+              <a:rPr lang="en-US" altLang="zh-TW" sz="1400" b="0" dirty="0" err="1">
+                <a:solidFill>
+                  <a:srgbClr val="FFEE99"/>
+                </a:solidFill>
+                <a:effectLst/>
+                <a:latin typeface="Consolas" panose="020B0609020204030204" pitchFamily="49" charset="0"/>
+              </a:rPr>
+              <a:t>VsWeb</a:t>
+            </a:r>
+            <a:r>
+              <a:rPr lang="en-US" altLang="zh-TW" sz="1400" b="0" dirty="0">
+                <a:solidFill>
+                  <a:srgbClr val="FFEE99"/>
+                </a:solidFill>
+                <a:effectLst/>
+                <a:latin typeface="Consolas" panose="020B0609020204030204" pitchFamily="49" charset="0"/>
+              </a:rPr>
+              <a:t>/</a:t>
+            </a:r>
+            <a:r>
+              <a:rPr lang="en-US" altLang="zh-TW" sz="1400" b="0" dirty="0" err="1">
+                <a:solidFill>
+                  <a:srgbClr val="FFEE99"/>
+                </a:solidFill>
+                <a:effectLst/>
+                <a:latin typeface="Consolas" panose="020B0609020204030204" pitchFamily="49" charset="0"/>
+              </a:rPr>
+              <a:t>api</a:t>
+            </a:r>
+            <a:r>
+              <a:rPr lang="en-US" altLang="zh-TW" sz="1400" b="0" dirty="0">
+                <a:solidFill>
+                  <a:srgbClr val="FFEE99"/>
+                </a:solidFill>
+                <a:effectLst/>
+                <a:latin typeface="Consolas" panose="020B0609020204030204" pitchFamily="49" charset="0"/>
+              </a:rPr>
+              <a:t>/*"</a:t>
+            </a:r>
+            <a:r>
+              <a:rPr lang="en-US" altLang="zh-TW" sz="1400" b="0" dirty="0">
+                <a:solidFill>
+                  <a:srgbClr val="F8F8F2"/>
+                </a:solidFill>
+                <a:effectLst/>
+                <a:latin typeface="Consolas" panose="020B0609020204030204" pitchFamily="49" charset="0"/>
+              </a:rPr>
+              <a:t>: {</a:t>
+            </a:r>
+          </a:p>
+          <a:p>
+            <a:r>
+              <a:rPr lang="en-US" altLang="zh-TW" sz="1400" b="0" dirty="0">
+                <a:solidFill>
+                  <a:srgbClr val="F8F8F2"/>
+                </a:solidFill>
+                <a:effectLst/>
+                <a:latin typeface="Consolas" panose="020B0609020204030204" pitchFamily="49" charset="0"/>
+              </a:rPr>
+              <a:t>    </a:t>
+            </a:r>
+            <a:r>
+              <a:rPr lang="en-US" altLang="zh-TW" sz="1400" b="0" dirty="0">
+                <a:solidFill>
+                  <a:srgbClr val="FFEE99"/>
+                </a:solidFill>
+                <a:effectLst/>
+                <a:latin typeface="Consolas" panose="020B0609020204030204" pitchFamily="49" charset="0"/>
+              </a:rPr>
+              <a:t>target</a:t>
+            </a:r>
+            <a:r>
+              <a:rPr lang="en-US" altLang="zh-TW" sz="1400" b="0" dirty="0">
+                <a:solidFill>
+                  <a:srgbClr val="F8F8F2"/>
+                </a:solidFill>
+                <a:effectLst/>
+                <a:latin typeface="Consolas" panose="020B0609020204030204" pitchFamily="49" charset="0"/>
+              </a:rPr>
+              <a:t>: </a:t>
+            </a:r>
+            <a:r>
+              <a:rPr lang="en-US" altLang="zh-TW" sz="1400" b="0" dirty="0">
+                <a:solidFill>
+                  <a:srgbClr val="FFEE99"/>
+                </a:solidFill>
+                <a:effectLst/>
+                <a:latin typeface="Consolas" panose="020B0609020204030204" pitchFamily="49" charset="0"/>
+              </a:rPr>
+              <a:t>"http://www.vscinemas.com.tw/"</a:t>
+            </a:r>
+            <a:r>
+              <a:rPr lang="en-US" altLang="zh-TW" sz="1400" b="0" dirty="0">
+                <a:solidFill>
+                  <a:srgbClr val="F8F8F2"/>
+                </a:solidFill>
+                <a:effectLst/>
+                <a:latin typeface="Consolas" panose="020B0609020204030204" pitchFamily="49" charset="0"/>
+              </a:rPr>
+              <a:t>,</a:t>
+            </a:r>
+          </a:p>
+          <a:p>
+            <a:r>
+              <a:rPr lang="en-US" altLang="zh-TW" sz="1400" b="0" dirty="0">
+                <a:solidFill>
+                  <a:srgbClr val="F8F8F2"/>
+                </a:solidFill>
+                <a:effectLst/>
+                <a:latin typeface="Consolas" panose="020B0609020204030204" pitchFamily="49" charset="0"/>
+              </a:rPr>
+              <a:t>    </a:t>
+            </a:r>
+            <a:r>
+              <a:rPr lang="en-US" altLang="zh-TW" sz="1400" b="0" dirty="0" err="1">
+                <a:solidFill>
+                  <a:srgbClr val="FFEE99"/>
+                </a:solidFill>
+                <a:effectLst/>
+                <a:latin typeface="Consolas" panose="020B0609020204030204" pitchFamily="49" charset="0"/>
+              </a:rPr>
+              <a:t>changeOrigin</a:t>
+            </a:r>
+            <a:r>
+              <a:rPr lang="en-US" altLang="zh-TW" sz="1400" b="0" dirty="0">
+                <a:solidFill>
+                  <a:srgbClr val="F8F8F2"/>
+                </a:solidFill>
+                <a:effectLst/>
+                <a:latin typeface="Consolas" panose="020B0609020204030204" pitchFamily="49" charset="0"/>
+              </a:rPr>
+              <a:t>: </a:t>
+            </a:r>
+            <a:r>
+              <a:rPr lang="en-US" altLang="zh-TW" sz="1400" b="0" dirty="0">
+                <a:solidFill>
+                  <a:srgbClr val="FF80F4"/>
+                </a:solidFill>
+                <a:effectLst/>
+                <a:latin typeface="Consolas" panose="020B0609020204030204" pitchFamily="49" charset="0"/>
+              </a:rPr>
+              <a:t>true</a:t>
+            </a:r>
+            <a:endParaRPr lang="en-US" altLang="zh-TW" sz="1400" b="0" dirty="0">
+              <a:solidFill>
+                <a:srgbClr val="F8F8F2"/>
+              </a:solidFill>
+              <a:effectLst/>
+              <a:latin typeface="Consolas" panose="020B0609020204030204" pitchFamily="49" charset="0"/>
+            </a:endParaRPr>
+          </a:p>
+          <a:p>
+            <a:r>
+              <a:rPr lang="en-US" altLang="zh-TW" sz="1400" b="0" dirty="0">
+                <a:solidFill>
+                  <a:srgbClr val="F8F8F2"/>
+                </a:solidFill>
+                <a:effectLst/>
+                <a:latin typeface="Consolas" panose="020B0609020204030204" pitchFamily="49" charset="0"/>
+              </a:rPr>
+              <a:t>  }</a:t>
+            </a:r>
+          </a:p>
+          <a:p>
+            <a:r>
+              <a:rPr lang="en-US" altLang="zh-TW" sz="1400" b="0" dirty="0">
+                <a:solidFill>
+                  <a:srgbClr val="F8F8F2"/>
+                </a:solidFill>
+                <a:effectLst/>
+                <a:latin typeface="Consolas" panose="020B0609020204030204" pitchFamily="49" charset="0"/>
+              </a:rPr>
+              <a:t>}</a:t>
+            </a:r>
+          </a:p>
+        </p:txBody>
+      </p:sp>
+      <p:sp>
+        <p:nvSpPr>
+          <p:cNvPr id="14" name="文字方塊 13">
+            <a:extLst>
+              <a:ext uri="{FF2B5EF4-FFF2-40B4-BE49-F238E27FC236}">
+                <a16:creationId xmlns:a16="http://schemas.microsoft.com/office/drawing/2014/main" id="{C5AD2C10-E35C-4CC3-8870-D887C4E4E88B}"/>
+              </a:ext>
+            </a:extLst>
+          </p:cNvPr>
+          <p:cNvSpPr txBox="1"/>
+          <p:nvPr/>
+        </p:nvSpPr>
+        <p:spPr>
+          <a:xfrm>
+            <a:off x="5662416" y="3746885"/>
+            <a:ext cx="6121417" cy="830997"/>
+          </a:xfrm>
+          <a:prstGeom prst="rect">
+            <a:avLst/>
+          </a:prstGeom>
+          <a:noFill/>
+        </p:spPr>
+        <p:txBody>
+          <a:bodyPr wrap="square">
+            <a:spAutoFit/>
+          </a:bodyPr>
+          <a:lstStyle/>
+          <a:p>
+            <a:r>
+              <a:rPr lang="en-US" altLang="zh-TW" sz="1600" b="0" dirty="0" err="1">
+                <a:solidFill>
+                  <a:srgbClr val="F8F8F2"/>
+                </a:solidFill>
+                <a:effectLst/>
+                <a:latin typeface="Consolas" panose="020B0609020204030204" pitchFamily="49" charset="0"/>
+              </a:rPr>
+              <a:t>axios</a:t>
+            </a:r>
+            <a:r>
+              <a:rPr lang="en-US" altLang="zh-TW" sz="1600" b="0" dirty="0" err="1">
+                <a:solidFill>
+                  <a:srgbClr val="F92672"/>
+                </a:solidFill>
+                <a:effectLst/>
+                <a:latin typeface="Consolas" panose="020B0609020204030204" pitchFamily="49" charset="0"/>
+              </a:rPr>
+              <a:t>.</a:t>
+            </a:r>
+            <a:r>
+              <a:rPr lang="en-US" altLang="zh-TW" sz="1600" b="0" dirty="0" err="1">
+                <a:solidFill>
+                  <a:srgbClr val="A6E22E"/>
+                </a:solidFill>
+                <a:effectLst/>
+                <a:latin typeface="Consolas" panose="020B0609020204030204" pitchFamily="49" charset="0"/>
+              </a:rPr>
+              <a:t>get</a:t>
+            </a:r>
+            <a:r>
+              <a:rPr lang="en-US" altLang="zh-TW" sz="1600" b="0" dirty="0">
+                <a:solidFill>
+                  <a:srgbClr val="F8F8F2"/>
+                </a:solidFill>
+                <a:effectLst/>
+                <a:latin typeface="Consolas" panose="020B0609020204030204" pitchFamily="49" charset="0"/>
+              </a:rPr>
+              <a:t>(</a:t>
+            </a:r>
+            <a:r>
+              <a:rPr lang="en-US" altLang="zh-TW" sz="1600" b="0" dirty="0">
+                <a:solidFill>
+                  <a:srgbClr val="FFEE99"/>
+                </a:solidFill>
+                <a:effectLst/>
+                <a:latin typeface="Consolas" panose="020B0609020204030204" pitchFamily="49" charset="0"/>
+              </a:rPr>
+              <a:t>"/</a:t>
+            </a:r>
+            <a:r>
+              <a:rPr lang="en-US" altLang="zh-TW" sz="1600" b="0" dirty="0" err="1">
+                <a:solidFill>
+                  <a:srgbClr val="FFEE99"/>
+                </a:solidFill>
+                <a:effectLst/>
+                <a:latin typeface="Consolas" panose="020B0609020204030204" pitchFamily="49" charset="0"/>
+              </a:rPr>
+              <a:t>VsWeb</a:t>
+            </a:r>
+            <a:r>
+              <a:rPr lang="en-US" altLang="zh-TW" sz="1600" b="0" dirty="0">
+                <a:solidFill>
+                  <a:srgbClr val="FFEE99"/>
+                </a:solidFill>
+                <a:effectLst/>
+                <a:latin typeface="Consolas" panose="020B0609020204030204" pitchFamily="49" charset="0"/>
+              </a:rPr>
+              <a:t>/</a:t>
+            </a:r>
+            <a:r>
+              <a:rPr lang="en-US" altLang="zh-TW" sz="1600" b="0" dirty="0" err="1">
+                <a:solidFill>
+                  <a:srgbClr val="FFEE99"/>
+                </a:solidFill>
+                <a:effectLst/>
+                <a:latin typeface="Consolas" panose="020B0609020204030204" pitchFamily="49" charset="0"/>
+              </a:rPr>
+              <a:t>api</a:t>
+            </a:r>
+            <a:r>
+              <a:rPr lang="en-US" altLang="zh-TW" sz="1600" b="0" dirty="0">
+                <a:solidFill>
+                  <a:srgbClr val="FFEE99"/>
+                </a:solidFill>
+                <a:effectLst/>
+                <a:latin typeface="Consolas" panose="020B0609020204030204" pitchFamily="49" charset="0"/>
+              </a:rPr>
+              <a:t>/</a:t>
+            </a:r>
+            <a:r>
+              <a:rPr lang="en-US" altLang="zh-TW" sz="1600" b="0" dirty="0" err="1">
+                <a:solidFill>
+                  <a:srgbClr val="FFEE99"/>
+                </a:solidFill>
+                <a:effectLst/>
+                <a:latin typeface="Consolas" panose="020B0609020204030204" pitchFamily="49" charset="0"/>
+              </a:rPr>
+              <a:t>GetLstDicCinema</a:t>
+            </a:r>
+            <a:r>
+              <a:rPr lang="en-US" altLang="zh-TW" sz="1600" b="0" dirty="0">
+                <a:solidFill>
+                  <a:srgbClr val="FFEE99"/>
+                </a:solidFill>
+                <a:effectLst/>
+                <a:latin typeface="Consolas" panose="020B0609020204030204" pitchFamily="49" charset="0"/>
+              </a:rPr>
+              <a:t>"</a:t>
+            </a:r>
+            <a:r>
+              <a:rPr lang="en-US" altLang="zh-TW" sz="1600" b="0" dirty="0">
+                <a:solidFill>
+                  <a:srgbClr val="F8F8F2"/>
+                </a:solidFill>
+                <a:effectLst/>
+                <a:latin typeface="Consolas" panose="020B0609020204030204" pitchFamily="49" charset="0"/>
+              </a:rPr>
+              <a:t>)</a:t>
+            </a:r>
+            <a:r>
+              <a:rPr lang="en-US" altLang="zh-TW" sz="1600" b="0" dirty="0">
+                <a:solidFill>
+                  <a:srgbClr val="F92672"/>
+                </a:solidFill>
+                <a:effectLst/>
+                <a:latin typeface="Consolas" panose="020B0609020204030204" pitchFamily="49" charset="0"/>
+              </a:rPr>
+              <a:t>.</a:t>
+            </a:r>
+            <a:r>
+              <a:rPr lang="en-US" altLang="zh-TW" sz="1600" b="0" dirty="0">
+                <a:solidFill>
+                  <a:srgbClr val="A6E22E"/>
+                </a:solidFill>
+                <a:effectLst/>
+                <a:latin typeface="Consolas" panose="020B0609020204030204" pitchFamily="49" charset="0"/>
+              </a:rPr>
+              <a:t>then</a:t>
+            </a:r>
+            <a:r>
+              <a:rPr lang="en-US" altLang="zh-TW" sz="1600" b="0" dirty="0">
+                <a:solidFill>
+                  <a:srgbClr val="F8F8F2"/>
+                </a:solidFill>
+                <a:effectLst/>
+                <a:latin typeface="Consolas" panose="020B0609020204030204" pitchFamily="49" charset="0"/>
+              </a:rPr>
+              <a:t>(res </a:t>
+            </a:r>
+            <a:r>
+              <a:rPr lang="en-US" altLang="zh-TW" sz="1600" b="0" i="1" dirty="0">
+                <a:solidFill>
+                  <a:srgbClr val="66D9EF"/>
+                </a:solidFill>
+                <a:effectLst/>
+                <a:latin typeface="Consolas" panose="020B0609020204030204" pitchFamily="49" charset="0"/>
+              </a:rPr>
+              <a:t>=&gt;</a:t>
+            </a:r>
+            <a:r>
+              <a:rPr lang="en-US" altLang="zh-TW" sz="1600" b="0" dirty="0">
+                <a:solidFill>
+                  <a:srgbClr val="F8F8F2"/>
+                </a:solidFill>
+                <a:effectLst/>
+                <a:latin typeface="Consolas" panose="020B0609020204030204" pitchFamily="49" charset="0"/>
+              </a:rPr>
+              <a:t> {</a:t>
+            </a:r>
+          </a:p>
+          <a:p>
+            <a:r>
+              <a:rPr lang="en-US" altLang="zh-TW" sz="1600" b="0" dirty="0">
+                <a:solidFill>
+                  <a:srgbClr val="F8F8F2"/>
+                </a:solidFill>
+                <a:effectLst/>
+                <a:latin typeface="Consolas" panose="020B0609020204030204" pitchFamily="49" charset="0"/>
+              </a:rPr>
+              <a:t> </a:t>
+            </a:r>
+            <a:r>
+              <a:rPr lang="zh-TW" altLang="en-US" sz="1600" b="0" dirty="0">
+                <a:solidFill>
+                  <a:srgbClr val="F8F8F2"/>
+                </a:solidFill>
+                <a:effectLst/>
+                <a:latin typeface="Consolas" panose="020B0609020204030204" pitchFamily="49" charset="0"/>
+              </a:rPr>
+              <a:t>  </a:t>
+            </a:r>
+            <a:r>
+              <a:rPr lang="en-US" altLang="zh-TW" sz="1600" b="0" i="1" dirty="0">
+                <a:solidFill>
+                  <a:srgbClr val="66D9EF"/>
+                </a:solidFill>
+                <a:effectLst/>
+                <a:latin typeface="Consolas" panose="020B0609020204030204" pitchFamily="49" charset="0"/>
+              </a:rPr>
+              <a:t>console</a:t>
+            </a:r>
+            <a:r>
+              <a:rPr lang="en-US" altLang="zh-TW" sz="1600" b="0" dirty="0">
+                <a:solidFill>
+                  <a:srgbClr val="F92672"/>
+                </a:solidFill>
+                <a:effectLst/>
+                <a:latin typeface="Consolas" panose="020B0609020204030204" pitchFamily="49" charset="0"/>
+              </a:rPr>
+              <a:t>.</a:t>
+            </a:r>
+            <a:r>
+              <a:rPr lang="en-US" altLang="zh-TW" sz="1600" b="0" dirty="0">
+                <a:solidFill>
+                  <a:srgbClr val="66D9EF"/>
+                </a:solidFill>
+                <a:effectLst/>
+                <a:latin typeface="Consolas" panose="020B0609020204030204" pitchFamily="49" charset="0"/>
+              </a:rPr>
+              <a:t>log</a:t>
+            </a:r>
+            <a:r>
+              <a:rPr lang="en-US" altLang="zh-TW" sz="1600" b="0" dirty="0">
+                <a:solidFill>
+                  <a:srgbClr val="F8F8F2"/>
+                </a:solidFill>
+                <a:effectLst/>
+                <a:latin typeface="Consolas" panose="020B0609020204030204" pitchFamily="49" charset="0"/>
+              </a:rPr>
+              <a:t>(</a:t>
+            </a:r>
+            <a:r>
+              <a:rPr lang="en-US" altLang="zh-TW" sz="1600" b="0" dirty="0" err="1">
+                <a:solidFill>
+                  <a:srgbClr val="F8F8F2"/>
+                </a:solidFill>
+                <a:effectLst/>
+                <a:latin typeface="Consolas" panose="020B0609020204030204" pitchFamily="49" charset="0"/>
+              </a:rPr>
+              <a:t>res</a:t>
+            </a:r>
+            <a:r>
+              <a:rPr lang="en-US" altLang="zh-TW" sz="1600" b="0" dirty="0" err="1">
+                <a:solidFill>
+                  <a:srgbClr val="F92672"/>
+                </a:solidFill>
+                <a:effectLst/>
+                <a:latin typeface="Consolas" panose="020B0609020204030204" pitchFamily="49" charset="0"/>
+              </a:rPr>
+              <a:t>.</a:t>
+            </a:r>
+            <a:r>
+              <a:rPr lang="en-US" altLang="zh-TW" sz="1600" b="0" dirty="0" err="1">
+                <a:solidFill>
+                  <a:srgbClr val="F8F8F2"/>
+                </a:solidFill>
+                <a:effectLst/>
+                <a:latin typeface="Consolas" panose="020B0609020204030204" pitchFamily="49" charset="0"/>
+              </a:rPr>
+              <a:t>data</a:t>
+            </a:r>
+            <a:r>
+              <a:rPr lang="en-US" altLang="zh-TW" sz="1600" b="0" dirty="0">
+                <a:solidFill>
+                  <a:srgbClr val="F8F8F2"/>
+                </a:solidFill>
+                <a:effectLst/>
+                <a:latin typeface="Consolas" panose="020B0609020204030204" pitchFamily="49" charset="0"/>
+              </a:rPr>
+              <a:t>);</a:t>
+            </a:r>
+          </a:p>
+          <a:p>
+            <a:r>
+              <a:rPr lang="en-US" altLang="zh-TW" sz="1600" b="0" dirty="0">
+                <a:solidFill>
+                  <a:srgbClr val="F8F8F2"/>
+                </a:solidFill>
+                <a:effectLst/>
+                <a:latin typeface="Consolas" panose="020B0609020204030204" pitchFamily="49" charset="0"/>
+              </a:rPr>
+              <a:t>});</a:t>
+            </a:r>
+          </a:p>
+        </p:txBody>
+      </p:sp>
+    </p:spTree>
+    <p:extLst>
+      <p:ext uri="{BB962C8B-B14F-4D97-AF65-F5344CB8AC3E}">
+        <p14:creationId xmlns:p14="http://schemas.microsoft.com/office/powerpoint/2010/main" val="434894563"/>
+      </p:ext>
+    </p:extLst>
+  </p:cSld>
+  <p:clrMapOvr>
+    <a:masterClrMapping/>
+  </p:clrMapOvr>
+</p:sld>
+</file>
+
+<file path=ppt/slides/slide22.xml><?xml version="1.0" encoding="utf-8"?>
+<p:sld xmlns:a="http://schemas.openxmlformats.org/drawingml/2006/main" xmlns:r="http://schemas.openxmlformats.org/officeDocument/2006/relationships" xmlns:p="http://schemas.openxmlformats.org/presentationml/2006/main">
+  <p:cSld>
+    <p:spTree>
+      <p:nvGrpSpPr>
+        <p:cNvPr id="1" name=""/>
+        <p:cNvGrpSpPr/>
+        <p:nvPr/>
+      </p:nvGrpSpPr>
+      <p:grpSpPr>
+        <a:xfrm>
+          <a:off x="0" y="0"/>
+          <a:ext cx="0" cy="0"/>
+          <a:chOff x="0" y="0"/>
+          <a:chExt cx="0" cy="0"/>
+        </a:xfrm>
+      </p:grpSpPr>
+      <p:sp>
+        <p:nvSpPr>
+          <p:cNvPr id="9" name="矩形 8">
+            <a:extLst>
+              <a:ext uri="{FF2B5EF4-FFF2-40B4-BE49-F238E27FC236}">
+                <a16:creationId xmlns:a16="http://schemas.microsoft.com/office/drawing/2014/main" id="{C7CCEC33-6DDA-46ED-A302-1544EE462219}"/>
+              </a:ext>
+            </a:extLst>
+          </p:cNvPr>
+          <p:cNvSpPr/>
+          <p:nvPr/>
+        </p:nvSpPr>
+        <p:spPr>
+          <a:xfrm>
+            <a:off x="2243404" y="2743471"/>
+            <a:ext cx="7491266" cy="2731570"/>
+          </a:xfrm>
+          <a:prstGeom prst="rect">
+            <a:avLst/>
+          </a:prstGeom>
+        </p:spPr>
+        <p:style>
+          <a:lnRef idx="2">
+            <a:schemeClr val="dk1">
+              <a:shade val="50000"/>
+            </a:schemeClr>
+          </a:lnRef>
+          <a:fillRef idx="1">
+            <a:schemeClr val="dk1"/>
+          </a:fillRef>
+          <a:effectRef idx="0">
+            <a:schemeClr val="dk1"/>
+          </a:effectRef>
+          <a:fontRef idx="minor">
+            <a:schemeClr val="lt1"/>
+          </a:fontRef>
+        </p:style>
+        <p:txBody>
+          <a:bodyPr rtlCol="0" anchor="ctr"/>
+          <a:lstStyle/>
+          <a:p>
+            <a:pPr algn="ctr"/>
+            <a:endParaRPr lang="zh-TW" altLang="en-US"/>
+          </a:p>
+        </p:txBody>
+      </p:sp>
+      <p:sp>
+        <p:nvSpPr>
+          <p:cNvPr id="2" name="標題 1">
+            <a:extLst>
+              <a:ext uri="{FF2B5EF4-FFF2-40B4-BE49-F238E27FC236}">
+                <a16:creationId xmlns:a16="http://schemas.microsoft.com/office/drawing/2014/main" id="{0A48F53E-0876-4B37-83DC-04506A1ED8AE}"/>
+              </a:ext>
+            </a:extLst>
+          </p:cNvPr>
+          <p:cNvSpPr>
+            <a:spLocks noGrp="1"/>
+          </p:cNvSpPr>
+          <p:nvPr>
+            <p:ph type="title"/>
+          </p:nvPr>
+        </p:nvSpPr>
+        <p:spPr>
+          <a:xfrm>
+            <a:off x="838200" y="875929"/>
+            <a:ext cx="10515600" cy="1325563"/>
+          </a:xfrm>
+        </p:spPr>
+        <p:txBody>
+          <a:bodyPr/>
+          <a:lstStyle/>
+          <a:p>
+            <a:pPr algn="ctr"/>
+            <a:r>
+              <a:rPr lang="zh-TW" altLang="en-US" b="1" dirty="0">
+                <a:solidFill>
+                  <a:schemeClr val="bg1"/>
+                </a:solidFill>
+                <a:latin typeface="微軟正黑體" panose="020B0604030504040204" pitchFamily="34" charset="-120"/>
+                <a:ea typeface="微軟正黑體" panose="020B0604030504040204" pitchFamily="34" charset="-120"/>
+              </a:rPr>
+              <a:t>如何使用 </a:t>
+            </a:r>
+            <a:r>
+              <a:rPr lang="en-US" altLang="zh-TW" b="1" dirty="0">
+                <a:solidFill>
+                  <a:schemeClr val="bg1"/>
+                </a:solidFill>
+                <a:latin typeface="微軟正黑體" panose="020B0604030504040204" pitchFamily="34" charset="-120"/>
+                <a:ea typeface="微軟正黑體" panose="020B0604030504040204" pitchFamily="34" charset="-120"/>
+              </a:rPr>
+              <a:t>https</a:t>
+            </a:r>
+            <a:endParaRPr lang="zh-TW" altLang="en-US" b="1" dirty="0">
+              <a:solidFill>
+                <a:schemeClr val="bg1"/>
+              </a:solidFill>
+              <a:latin typeface="微軟正黑體" panose="020B0604030504040204" pitchFamily="34" charset="-120"/>
+              <a:ea typeface="微軟正黑體" panose="020B0604030504040204" pitchFamily="34" charset="-120"/>
+            </a:endParaRPr>
+          </a:p>
+        </p:txBody>
+      </p:sp>
+      <p:sp>
+        <p:nvSpPr>
+          <p:cNvPr id="5" name="文字方塊 4">
+            <a:extLst>
+              <a:ext uri="{FF2B5EF4-FFF2-40B4-BE49-F238E27FC236}">
+                <a16:creationId xmlns:a16="http://schemas.microsoft.com/office/drawing/2014/main" id="{8B9264A1-31A2-4335-BCE0-2E9C13E465CE}"/>
+              </a:ext>
+            </a:extLst>
+          </p:cNvPr>
+          <p:cNvSpPr txBox="1"/>
+          <p:nvPr/>
+        </p:nvSpPr>
+        <p:spPr>
+          <a:xfrm>
+            <a:off x="907300" y="1832160"/>
+            <a:ext cx="10690246" cy="369332"/>
+          </a:xfrm>
+          <a:prstGeom prst="rect">
+            <a:avLst/>
+          </a:prstGeom>
+          <a:noFill/>
+        </p:spPr>
+        <p:txBody>
+          <a:bodyPr wrap="square">
+            <a:spAutoFit/>
+          </a:bodyPr>
+          <a:lstStyle/>
+          <a:p>
+            <a:r>
+              <a:rPr lang="zh-TW" altLang="en-US" b="1" dirty="0">
+                <a:solidFill>
+                  <a:schemeClr val="bg1"/>
+                </a:solidFill>
+              </a:rPr>
+              <a:t>https://nuxtjs.org/docs/2.x/configuration-glossary/configuration-server#example-using-https-configuration</a:t>
+            </a:r>
+          </a:p>
+        </p:txBody>
+      </p:sp>
+      <p:sp>
+        <p:nvSpPr>
+          <p:cNvPr id="8" name="文字方塊 7">
+            <a:extLst>
+              <a:ext uri="{FF2B5EF4-FFF2-40B4-BE49-F238E27FC236}">
+                <a16:creationId xmlns:a16="http://schemas.microsoft.com/office/drawing/2014/main" id="{9C786941-3965-4E20-80BB-2F78EFE424DE}"/>
+              </a:ext>
+            </a:extLst>
+          </p:cNvPr>
+          <p:cNvSpPr txBox="1"/>
+          <p:nvPr/>
+        </p:nvSpPr>
+        <p:spPr>
+          <a:xfrm>
+            <a:off x="2653866" y="3047427"/>
+            <a:ext cx="6666199" cy="2123658"/>
+          </a:xfrm>
+          <a:prstGeom prst="rect">
+            <a:avLst/>
+          </a:prstGeom>
+          <a:noFill/>
+        </p:spPr>
+        <p:txBody>
+          <a:bodyPr wrap="square">
+            <a:spAutoFit/>
+          </a:bodyPr>
+          <a:lstStyle/>
+          <a:p>
+            <a:r>
+              <a:rPr lang="en-US" altLang="zh-TW" sz="1200" b="0" dirty="0">
+                <a:solidFill>
+                  <a:srgbClr val="F92672"/>
+                </a:solidFill>
+                <a:effectLst/>
+                <a:latin typeface="Consolas" panose="020B0609020204030204" pitchFamily="49" charset="0"/>
+              </a:rPr>
+              <a:t>import</a:t>
+            </a:r>
+            <a:r>
+              <a:rPr lang="en-US" altLang="zh-TW" sz="1200" b="0" dirty="0">
+                <a:solidFill>
+                  <a:srgbClr val="F8F8F2"/>
+                </a:solidFill>
+                <a:effectLst/>
+                <a:latin typeface="Consolas" panose="020B0609020204030204" pitchFamily="49" charset="0"/>
+              </a:rPr>
+              <a:t> path </a:t>
+            </a:r>
+            <a:r>
+              <a:rPr lang="en-US" altLang="zh-TW" sz="1200" b="0" dirty="0">
+                <a:solidFill>
+                  <a:srgbClr val="F92672"/>
+                </a:solidFill>
+                <a:effectLst/>
+                <a:latin typeface="Consolas" panose="020B0609020204030204" pitchFamily="49" charset="0"/>
+              </a:rPr>
+              <a:t>from</a:t>
+            </a:r>
+            <a:r>
+              <a:rPr lang="en-US" altLang="zh-TW" sz="1200" b="0" dirty="0">
+                <a:solidFill>
+                  <a:srgbClr val="F8F8F2"/>
+                </a:solidFill>
+                <a:effectLst/>
+                <a:latin typeface="Consolas" panose="020B0609020204030204" pitchFamily="49" charset="0"/>
+              </a:rPr>
+              <a:t> </a:t>
+            </a:r>
+            <a:r>
+              <a:rPr lang="en-US" altLang="zh-TW" sz="1200" b="0" dirty="0">
+                <a:solidFill>
+                  <a:srgbClr val="FFEE99"/>
+                </a:solidFill>
+                <a:effectLst/>
+                <a:latin typeface="Consolas" panose="020B0609020204030204" pitchFamily="49" charset="0"/>
+              </a:rPr>
+              <a:t>'path'</a:t>
+            </a:r>
+            <a:endParaRPr lang="en-US" altLang="zh-TW" sz="1200" b="0" dirty="0">
+              <a:solidFill>
+                <a:srgbClr val="F8F8F2"/>
+              </a:solidFill>
+              <a:effectLst/>
+              <a:latin typeface="Consolas" panose="020B0609020204030204" pitchFamily="49" charset="0"/>
+            </a:endParaRPr>
+          </a:p>
+          <a:p>
+            <a:r>
+              <a:rPr lang="en-US" altLang="zh-TW" sz="1200" b="0" dirty="0">
+                <a:solidFill>
+                  <a:srgbClr val="F92672"/>
+                </a:solidFill>
+                <a:effectLst/>
+                <a:latin typeface="Consolas" panose="020B0609020204030204" pitchFamily="49" charset="0"/>
+              </a:rPr>
+              <a:t>import</a:t>
+            </a:r>
+            <a:r>
+              <a:rPr lang="en-US" altLang="zh-TW" sz="1200" b="0" dirty="0">
+                <a:solidFill>
+                  <a:srgbClr val="F8F8F2"/>
+                </a:solidFill>
+                <a:effectLst/>
+                <a:latin typeface="Consolas" panose="020B0609020204030204" pitchFamily="49" charset="0"/>
+              </a:rPr>
+              <a:t> fs </a:t>
+            </a:r>
+            <a:r>
+              <a:rPr lang="en-US" altLang="zh-TW" sz="1200" b="0" dirty="0">
+                <a:solidFill>
+                  <a:srgbClr val="F92672"/>
+                </a:solidFill>
+                <a:effectLst/>
+                <a:latin typeface="Consolas" panose="020B0609020204030204" pitchFamily="49" charset="0"/>
+              </a:rPr>
+              <a:t>from</a:t>
+            </a:r>
+            <a:r>
+              <a:rPr lang="en-US" altLang="zh-TW" sz="1200" b="0" dirty="0">
+                <a:solidFill>
+                  <a:srgbClr val="F8F8F2"/>
+                </a:solidFill>
+                <a:effectLst/>
+                <a:latin typeface="Consolas" panose="020B0609020204030204" pitchFamily="49" charset="0"/>
+              </a:rPr>
+              <a:t> </a:t>
+            </a:r>
+            <a:r>
+              <a:rPr lang="en-US" altLang="zh-TW" sz="1200" b="0" dirty="0">
+                <a:solidFill>
+                  <a:srgbClr val="FFEE99"/>
+                </a:solidFill>
+                <a:effectLst/>
+                <a:latin typeface="Consolas" panose="020B0609020204030204" pitchFamily="49" charset="0"/>
+              </a:rPr>
+              <a:t>'fs'</a:t>
+            </a:r>
+            <a:endParaRPr lang="en-US" altLang="zh-TW" sz="1200" b="0" dirty="0">
+              <a:solidFill>
+                <a:srgbClr val="F8F8F2"/>
+              </a:solidFill>
+              <a:effectLst/>
+              <a:latin typeface="Consolas" panose="020B0609020204030204" pitchFamily="49" charset="0"/>
+            </a:endParaRPr>
+          </a:p>
+          <a:p>
+            <a:br>
+              <a:rPr lang="en-US" altLang="zh-TW" sz="1200" b="0" dirty="0">
+                <a:solidFill>
+                  <a:srgbClr val="F8F8F2"/>
+                </a:solidFill>
+                <a:effectLst/>
+                <a:latin typeface="Consolas" panose="020B0609020204030204" pitchFamily="49" charset="0"/>
+              </a:rPr>
+            </a:br>
+            <a:r>
+              <a:rPr lang="en-US" altLang="zh-TW" sz="1200" b="0" dirty="0">
+                <a:solidFill>
+                  <a:srgbClr val="F92672"/>
+                </a:solidFill>
+                <a:effectLst/>
+                <a:latin typeface="Consolas" panose="020B0609020204030204" pitchFamily="49" charset="0"/>
+              </a:rPr>
+              <a:t>export</a:t>
+            </a:r>
+            <a:r>
+              <a:rPr lang="en-US" altLang="zh-TW" sz="1200" b="0" dirty="0">
+                <a:solidFill>
+                  <a:srgbClr val="F8F8F2"/>
+                </a:solidFill>
+                <a:effectLst/>
+                <a:latin typeface="Consolas" panose="020B0609020204030204" pitchFamily="49" charset="0"/>
+              </a:rPr>
+              <a:t> </a:t>
+            </a:r>
+            <a:r>
+              <a:rPr lang="en-US" altLang="zh-TW" sz="1200" b="0" dirty="0">
+                <a:solidFill>
+                  <a:srgbClr val="F92672"/>
+                </a:solidFill>
+                <a:effectLst/>
+                <a:latin typeface="Consolas" panose="020B0609020204030204" pitchFamily="49" charset="0"/>
+              </a:rPr>
+              <a:t>default</a:t>
+            </a:r>
+            <a:r>
+              <a:rPr lang="en-US" altLang="zh-TW" sz="1200" b="0" dirty="0">
+                <a:solidFill>
+                  <a:srgbClr val="F8F8F2"/>
+                </a:solidFill>
+                <a:effectLst/>
+                <a:latin typeface="Consolas" panose="020B0609020204030204" pitchFamily="49" charset="0"/>
+              </a:rPr>
+              <a:t> {</a:t>
+            </a:r>
+          </a:p>
+          <a:p>
+            <a:r>
+              <a:rPr lang="en-US" altLang="zh-TW" sz="1200" b="0" dirty="0">
+                <a:solidFill>
+                  <a:srgbClr val="F8F8F2"/>
+                </a:solidFill>
+                <a:effectLst/>
+                <a:latin typeface="Consolas" panose="020B0609020204030204" pitchFamily="49" charset="0"/>
+              </a:rPr>
+              <a:t>  </a:t>
+            </a:r>
+            <a:r>
+              <a:rPr lang="en-US" altLang="zh-TW" sz="1200" b="0" dirty="0">
+                <a:solidFill>
+                  <a:srgbClr val="FFEE99"/>
+                </a:solidFill>
+                <a:effectLst/>
+                <a:latin typeface="Consolas" panose="020B0609020204030204" pitchFamily="49" charset="0"/>
+              </a:rPr>
+              <a:t>server</a:t>
+            </a:r>
+            <a:r>
+              <a:rPr lang="en-US" altLang="zh-TW" sz="1200" b="0" dirty="0">
+                <a:solidFill>
+                  <a:srgbClr val="F8F8F2"/>
+                </a:solidFill>
+                <a:effectLst/>
+                <a:latin typeface="Consolas" panose="020B0609020204030204" pitchFamily="49" charset="0"/>
+              </a:rPr>
+              <a:t>: {</a:t>
+            </a:r>
+          </a:p>
+          <a:p>
+            <a:r>
+              <a:rPr lang="en-US" altLang="zh-TW" sz="1200" b="0" dirty="0">
+                <a:solidFill>
+                  <a:srgbClr val="F8F8F2"/>
+                </a:solidFill>
+                <a:effectLst/>
+                <a:latin typeface="Consolas" panose="020B0609020204030204" pitchFamily="49" charset="0"/>
+              </a:rPr>
+              <a:t>    </a:t>
+            </a:r>
+            <a:r>
+              <a:rPr lang="en-US" altLang="zh-TW" sz="1200" b="0" dirty="0">
+                <a:solidFill>
+                  <a:srgbClr val="FFEE99"/>
+                </a:solidFill>
+                <a:effectLst/>
+                <a:latin typeface="Consolas" panose="020B0609020204030204" pitchFamily="49" charset="0"/>
+              </a:rPr>
+              <a:t>https</a:t>
+            </a:r>
+            <a:r>
+              <a:rPr lang="en-US" altLang="zh-TW" sz="1200" b="0" dirty="0">
+                <a:solidFill>
+                  <a:srgbClr val="F8F8F2"/>
+                </a:solidFill>
+                <a:effectLst/>
+                <a:latin typeface="Consolas" panose="020B0609020204030204" pitchFamily="49" charset="0"/>
+              </a:rPr>
+              <a:t>: {</a:t>
+            </a:r>
+          </a:p>
+          <a:p>
+            <a:r>
+              <a:rPr lang="en-US" altLang="zh-TW" sz="1200" b="0" dirty="0">
+                <a:solidFill>
+                  <a:srgbClr val="F8F8F2"/>
+                </a:solidFill>
+                <a:effectLst/>
+                <a:latin typeface="Consolas" panose="020B0609020204030204" pitchFamily="49" charset="0"/>
+              </a:rPr>
+              <a:t>      </a:t>
+            </a:r>
+            <a:r>
+              <a:rPr lang="en-US" altLang="zh-TW" sz="1200" b="0" dirty="0">
+                <a:solidFill>
+                  <a:srgbClr val="FFEE99"/>
+                </a:solidFill>
+                <a:effectLst/>
+                <a:latin typeface="Consolas" panose="020B0609020204030204" pitchFamily="49" charset="0"/>
+              </a:rPr>
+              <a:t>key</a:t>
+            </a:r>
+            <a:r>
+              <a:rPr lang="en-US" altLang="zh-TW" sz="1200" b="0" dirty="0">
+                <a:solidFill>
+                  <a:srgbClr val="F8F8F2"/>
+                </a:solidFill>
+                <a:effectLst/>
+                <a:latin typeface="Consolas" panose="020B0609020204030204" pitchFamily="49" charset="0"/>
+              </a:rPr>
+              <a:t>: </a:t>
+            </a:r>
+            <a:r>
+              <a:rPr lang="en-US" altLang="zh-TW" sz="1200" b="0" dirty="0" err="1">
+                <a:solidFill>
+                  <a:srgbClr val="F8F8F2"/>
+                </a:solidFill>
+                <a:effectLst/>
+                <a:latin typeface="Consolas" panose="020B0609020204030204" pitchFamily="49" charset="0"/>
+              </a:rPr>
+              <a:t>fs</a:t>
+            </a:r>
+            <a:r>
+              <a:rPr lang="en-US" altLang="zh-TW" sz="1200" b="0" dirty="0" err="1">
+                <a:solidFill>
+                  <a:srgbClr val="F92672"/>
+                </a:solidFill>
+                <a:effectLst/>
+                <a:latin typeface="Consolas" panose="020B0609020204030204" pitchFamily="49" charset="0"/>
+              </a:rPr>
+              <a:t>.</a:t>
+            </a:r>
+            <a:r>
+              <a:rPr lang="en-US" altLang="zh-TW" sz="1200" b="0" dirty="0" err="1">
+                <a:solidFill>
+                  <a:srgbClr val="A6E22E"/>
+                </a:solidFill>
+                <a:effectLst/>
+                <a:latin typeface="Consolas" panose="020B0609020204030204" pitchFamily="49" charset="0"/>
+              </a:rPr>
+              <a:t>readFileSync</a:t>
+            </a:r>
+            <a:r>
+              <a:rPr lang="en-US" altLang="zh-TW" sz="1200" b="0" dirty="0">
+                <a:solidFill>
+                  <a:srgbClr val="F8F8F2"/>
+                </a:solidFill>
+                <a:effectLst/>
+                <a:latin typeface="Consolas" panose="020B0609020204030204" pitchFamily="49" charset="0"/>
+              </a:rPr>
+              <a:t>(</a:t>
+            </a:r>
+            <a:r>
+              <a:rPr lang="en-US" altLang="zh-TW" sz="1200" b="0" dirty="0" err="1">
+                <a:solidFill>
+                  <a:srgbClr val="F8F8F2"/>
+                </a:solidFill>
+                <a:effectLst/>
+                <a:latin typeface="Consolas" panose="020B0609020204030204" pitchFamily="49" charset="0"/>
+              </a:rPr>
+              <a:t>path</a:t>
+            </a:r>
+            <a:r>
+              <a:rPr lang="en-US" altLang="zh-TW" sz="1200" b="0" dirty="0" err="1">
+                <a:solidFill>
+                  <a:srgbClr val="F92672"/>
+                </a:solidFill>
+                <a:effectLst/>
+                <a:latin typeface="Consolas" panose="020B0609020204030204" pitchFamily="49" charset="0"/>
+              </a:rPr>
+              <a:t>.</a:t>
+            </a:r>
+            <a:r>
+              <a:rPr lang="en-US" altLang="zh-TW" sz="1200" b="0" dirty="0" err="1">
+                <a:solidFill>
+                  <a:srgbClr val="A6E22E"/>
+                </a:solidFill>
+                <a:effectLst/>
+                <a:latin typeface="Consolas" panose="020B0609020204030204" pitchFamily="49" charset="0"/>
+              </a:rPr>
+              <a:t>resolve</a:t>
+            </a:r>
+            <a:r>
+              <a:rPr lang="en-US" altLang="zh-TW" sz="1200" b="0" dirty="0">
+                <a:solidFill>
+                  <a:srgbClr val="F8F8F2"/>
+                </a:solidFill>
+                <a:effectLst/>
+                <a:latin typeface="Consolas" panose="020B0609020204030204" pitchFamily="49" charset="0"/>
+              </a:rPr>
+              <a:t>(</a:t>
+            </a:r>
+            <a:r>
+              <a:rPr lang="en-US" altLang="zh-TW" sz="1200" b="0" i="1" dirty="0">
+                <a:solidFill>
+                  <a:srgbClr val="66D9EF"/>
+                </a:solidFill>
+                <a:effectLst/>
+                <a:latin typeface="Consolas" panose="020B0609020204030204" pitchFamily="49" charset="0"/>
+              </a:rPr>
+              <a:t>__</a:t>
+            </a:r>
+            <a:r>
+              <a:rPr lang="en-US" altLang="zh-TW" sz="1200" b="0" i="1" dirty="0" err="1">
+                <a:solidFill>
+                  <a:srgbClr val="66D9EF"/>
+                </a:solidFill>
+                <a:effectLst/>
+                <a:latin typeface="Consolas" panose="020B0609020204030204" pitchFamily="49" charset="0"/>
+              </a:rPr>
+              <a:t>dirname</a:t>
+            </a:r>
+            <a:r>
+              <a:rPr lang="en-US" altLang="zh-TW" sz="1200" b="0" dirty="0">
+                <a:solidFill>
+                  <a:srgbClr val="F8F8F2"/>
+                </a:solidFill>
+                <a:effectLst/>
+                <a:latin typeface="Consolas" panose="020B0609020204030204" pitchFamily="49" charset="0"/>
+              </a:rPr>
+              <a:t>, </a:t>
+            </a:r>
+            <a:r>
+              <a:rPr lang="en-US" altLang="zh-TW" sz="1200" b="0" dirty="0">
+                <a:solidFill>
+                  <a:srgbClr val="FFEE99"/>
+                </a:solidFill>
+                <a:effectLst/>
+                <a:latin typeface="Consolas" panose="020B0609020204030204" pitchFamily="49" charset="0"/>
+              </a:rPr>
+              <a:t>"localhost+2-key.pem"</a:t>
+            </a:r>
+            <a:r>
+              <a:rPr lang="en-US" altLang="zh-TW" sz="1200" b="0" dirty="0">
+                <a:solidFill>
+                  <a:srgbClr val="F8F8F2"/>
+                </a:solidFill>
+                <a:effectLst/>
+                <a:latin typeface="Consolas" panose="020B0609020204030204" pitchFamily="49" charset="0"/>
+              </a:rPr>
+              <a:t>)),</a:t>
+            </a:r>
+          </a:p>
+          <a:p>
+            <a:r>
+              <a:rPr lang="en-US" altLang="zh-TW" sz="1200" b="0" dirty="0">
+                <a:solidFill>
+                  <a:srgbClr val="F8F8F2"/>
+                </a:solidFill>
+                <a:effectLst/>
+                <a:latin typeface="Consolas" panose="020B0609020204030204" pitchFamily="49" charset="0"/>
+              </a:rPr>
+              <a:t>      </a:t>
+            </a:r>
+            <a:r>
+              <a:rPr lang="en-US" altLang="zh-TW" sz="1200" b="0" dirty="0">
+                <a:solidFill>
+                  <a:srgbClr val="FFEE99"/>
+                </a:solidFill>
+                <a:effectLst/>
+                <a:latin typeface="Consolas" panose="020B0609020204030204" pitchFamily="49" charset="0"/>
+              </a:rPr>
+              <a:t>cert</a:t>
+            </a:r>
+            <a:r>
+              <a:rPr lang="en-US" altLang="zh-TW" sz="1200" b="0" dirty="0">
+                <a:solidFill>
+                  <a:srgbClr val="F8F8F2"/>
+                </a:solidFill>
+                <a:effectLst/>
+                <a:latin typeface="Consolas" panose="020B0609020204030204" pitchFamily="49" charset="0"/>
+              </a:rPr>
+              <a:t>: </a:t>
+            </a:r>
+            <a:r>
+              <a:rPr lang="en-US" altLang="zh-TW" sz="1200" b="0" dirty="0" err="1">
+                <a:solidFill>
+                  <a:srgbClr val="F8F8F2"/>
+                </a:solidFill>
+                <a:effectLst/>
+                <a:latin typeface="Consolas" panose="020B0609020204030204" pitchFamily="49" charset="0"/>
+              </a:rPr>
+              <a:t>fs</a:t>
+            </a:r>
+            <a:r>
+              <a:rPr lang="en-US" altLang="zh-TW" sz="1200" b="0" dirty="0" err="1">
+                <a:solidFill>
+                  <a:srgbClr val="F92672"/>
+                </a:solidFill>
+                <a:effectLst/>
+                <a:latin typeface="Consolas" panose="020B0609020204030204" pitchFamily="49" charset="0"/>
+              </a:rPr>
+              <a:t>.</a:t>
+            </a:r>
+            <a:r>
+              <a:rPr lang="en-US" altLang="zh-TW" sz="1200" b="0" dirty="0" err="1">
+                <a:solidFill>
+                  <a:srgbClr val="A6E22E"/>
+                </a:solidFill>
+                <a:effectLst/>
+                <a:latin typeface="Consolas" panose="020B0609020204030204" pitchFamily="49" charset="0"/>
+              </a:rPr>
+              <a:t>readFileSync</a:t>
+            </a:r>
+            <a:r>
+              <a:rPr lang="en-US" altLang="zh-TW" sz="1200" b="0" dirty="0">
+                <a:solidFill>
+                  <a:srgbClr val="F8F8F2"/>
+                </a:solidFill>
+                <a:effectLst/>
+                <a:latin typeface="Consolas" panose="020B0609020204030204" pitchFamily="49" charset="0"/>
+              </a:rPr>
+              <a:t>(</a:t>
+            </a:r>
+            <a:r>
+              <a:rPr lang="en-US" altLang="zh-TW" sz="1200" b="0" dirty="0" err="1">
+                <a:solidFill>
+                  <a:srgbClr val="F8F8F2"/>
+                </a:solidFill>
+                <a:effectLst/>
+                <a:latin typeface="Consolas" panose="020B0609020204030204" pitchFamily="49" charset="0"/>
+              </a:rPr>
+              <a:t>path</a:t>
+            </a:r>
+            <a:r>
+              <a:rPr lang="en-US" altLang="zh-TW" sz="1200" b="0" dirty="0" err="1">
+                <a:solidFill>
+                  <a:srgbClr val="F92672"/>
+                </a:solidFill>
+                <a:effectLst/>
+                <a:latin typeface="Consolas" panose="020B0609020204030204" pitchFamily="49" charset="0"/>
+              </a:rPr>
+              <a:t>.</a:t>
+            </a:r>
+            <a:r>
+              <a:rPr lang="en-US" altLang="zh-TW" sz="1200" b="0" dirty="0" err="1">
+                <a:solidFill>
+                  <a:srgbClr val="A6E22E"/>
+                </a:solidFill>
+                <a:effectLst/>
+                <a:latin typeface="Consolas" panose="020B0609020204030204" pitchFamily="49" charset="0"/>
+              </a:rPr>
+              <a:t>resolve</a:t>
+            </a:r>
+            <a:r>
+              <a:rPr lang="en-US" altLang="zh-TW" sz="1200" b="0" dirty="0">
+                <a:solidFill>
+                  <a:srgbClr val="F8F8F2"/>
+                </a:solidFill>
+                <a:effectLst/>
+                <a:latin typeface="Consolas" panose="020B0609020204030204" pitchFamily="49" charset="0"/>
+              </a:rPr>
+              <a:t>(</a:t>
+            </a:r>
+            <a:r>
+              <a:rPr lang="en-US" altLang="zh-TW" sz="1200" b="0" i="1" dirty="0">
+                <a:solidFill>
+                  <a:srgbClr val="66D9EF"/>
+                </a:solidFill>
+                <a:effectLst/>
+                <a:latin typeface="Consolas" panose="020B0609020204030204" pitchFamily="49" charset="0"/>
+              </a:rPr>
+              <a:t>__</a:t>
+            </a:r>
+            <a:r>
+              <a:rPr lang="en-US" altLang="zh-TW" sz="1200" b="0" i="1" dirty="0" err="1">
+                <a:solidFill>
+                  <a:srgbClr val="66D9EF"/>
+                </a:solidFill>
+                <a:effectLst/>
+                <a:latin typeface="Consolas" panose="020B0609020204030204" pitchFamily="49" charset="0"/>
+              </a:rPr>
+              <a:t>dirname</a:t>
+            </a:r>
+            <a:r>
+              <a:rPr lang="en-US" altLang="zh-TW" sz="1200" b="0" dirty="0">
+                <a:solidFill>
+                  <a:srgbClr val="F8F8F2"/>
+                </a:solidFill>
+                <a:effectLst/>
+                <a:latin typeface="Consolas" panose="020B0609020204030204" pitchFamily="49" charset="0"/>
+              </a:rPr>
+              <a:t>, </a:t>
+            </a:r>
+            <a:r>
+              <a:rPr lang="en-US" altLang="zh-TW" sz="1200" b="0" dirty="0">
+                <a:solidFill>
+                  <a:srgbClr val="FFEE99"/>
+                </a:solidFill>
+                <a:effectLst/>
+                <a:latin typeface="Consolas" panose="020B0609020204030204" pitchFamily="49" charset="0"/>
+              </a:rPr>
+              <a:t>"localhost+2.pem"</a:t>
+            </a:r>
+            <a:r>
+              <a:rPr lang="en-US" altLang="zh-TW" sz="1200" b="0" dirty="0">
+                <a:solidFill>
+                  <a:srgbClr val="F8F8F2"/>
+                </a:solidFill>
+                <a:effectLst/>
+                <a:latin typeface="Consolas" panose="020B0609020204030204" pitchFamily="49" charset="0"/>
+              </a:rPr>
+              <a:t>))</a:t>
+            </a:r>
+          </a:p>
+          <a:p>
+            <a:r>
+              <a:rPr lang="en-US" altLang="zh-TW" sz="1200" b="0" dirty="0">
+                <a:solidFill>
+                  <a:srgbClr val="F8F8F2"/>
+                </a:solidFill>
+                <a:effectLst/>
+                <a:latin typeface="Consolas" panose="020B0609020204030204" pitchFamily="49" charset="0"/>
+              </a:rPr>
+              <a:t>    }</a:t>
+            </a:r>
+          </a:p>
+          <a:p>
+            <a:r>
+              <a:rPr lang="en-US" altLang="zh-TW" sz="1200" b="0" dirty="0">
+                <a:solidFill>
+                  <a:srgbClr val="F8F8F2"/>
+                </a:solidFill>
+                <a:effectLst/>
+                <a:latin typeface="Consolas" panose="020B0609020204030204" pitchFamily="49" charset="0"/>
+              </a:rPr>
+              <a:t>  }</a:t>
+            </a:r>
+          </a:p>
+          <a:p>
+            <a:r>
+              <a:rPr lang="en-US" altLang="zh-TW" sz="1200" b="0" dirty="0">
+                <a:solidFill>
+                  <a:srgbClr val="F8F8F2"/>
+                </a:solidFill>
+                <a:effectLst/>
+                <a:latin typeface="Consolas" panose="020B0609020204030204" pitchFamily="49" charset="0"/>
+              </a:rPr>
+              <a:t>}</a:t>
+            </a:r>
+          </a:p>
+        </p:txBody>
+      </p:sp>
+    </p:spTree>
+    <p:extLst>
+      <p:ext uri="{BB962C8B-B14F-4D97-AF65-F5344CB8AC3E}">
+        <p14:creationId xmlns:p14="http://schemas.microsoft.com/office/powerpoint/2010/main" val="470358214"/>
+      </p:ext>
+    </p:extLst>
+  </p:cSld>
+  <p:clrMapOvr>
+    <a:masterClrMapping/>
+  </p:clrMapOvr>
+</p:sld>
+</file>
+
+<file path=ppt/slides/slide23.xml><?xml version="1.0" encoding="utf-8"?>
 <p:sld xmlns:a="http://schemas.openxmlformats.org/drawingml/2006/main" xmlns:r="http://schemas.openxmlformats.org/officeDocument/2006/relationships" xmlns:p="http://schemas.openxmlformats.org/presentationml/2006/main">
   <p:cSld>
     <p:spTree>
@@ -11911,7 +13028,7 @@
 </p:sld>
 </file>
 
-<file path=ppt/slides/slide21.xml><?xml version="1.0" encoding="utf-8"?>
+<file path=ppt/slides/slide24.xml><?xml version="1.0" encoding="utf-8"?>
 <p:sld xmlns:a="http://schemas.openxmlformats.org/drawingml/2006/main" xmlns:r="http://schemas.openxmlformats.org/officeDocument/2006/relationships" xmlns:p="http://schemas.openxmlformats.org/presentationml/2006/main">
   <p:cSld>
     <p:spTree>
@@ -12058,7 +13175,7 @@
 </p:sld>
 </file>
 
-<file path=ppt/slides/slide22.xml><?xml version="1.0" encoding="utf-8"?>
+<file path=ppt/slides/slide25.xml><?xml version="1.0" encoding="utf-8"?>
 <p:sld xmlns:a="http://schemas.openxmlformats.org/drawingml/2006/main" xmlns:r="http://schemas.openxmlformats.org/officeDocument/2006/relationships" xmlns:p="http://schemas.openxmlformats.org/presentationml/2006/main">
   <p:cSld>
     <p:spTree>
@@ -13562,137 +14679,48 @@
           <a:chExt cx="0" cy="0"/>
         </a:xfrm>
       </p:grpSpPr>
-      <p:sp>
-        <p:nvSpPr>
-          <p:cNvPr id="5" name="矩形 4">
+      <p:pic>
+        <p:nvPicPr>
+          <p:cNvPr id="5" name="圖片 4">
             <a:extLst>
               <a:ext uri="{FF2B5EF4-FFF2-40B4-BE49-F238E27FC236}">
-                <a16:creationId xmlns:a16="http://schemas.microsoft.com/office/drawing/2014/main" id="{54D5A94F-0C49-4EC9-A889-1867AD4D0274}"/>
+                <a16:creationId xmlns:a16="http://schemas.microsoft.com/office/drawing/2014/main" id="{5B7C7764-90FB-439C-A78C-43C909D5F54D}"/>
               </a:ext>
             </a:extLst>
           </p:cNvPr>
-          <p:cNvSpPr/>
+          <p:cNvPicPr>
+            <a:picLocks noChangeAspect="1"/>
+          </p:cNvPicPr>
           <p:nvPr/>
-        </p:nvSpPr>
+        </p:nvPicPr>
+        <p:blipFill>
+          <a:blip r:embed="rId2">
+            <a:extLst>
+              <a:ext uri="{28A0092B-C50C-407E-A947-70E740481C1C}">
+                <a14:useLocalDpi xmlns:a14="http://schemas.microsoft.com/office/drawing/2010/main" val="0"/>
+              </a:ext>
+            </a:extLst>
+          </a:blip>
+          <a:stretch>
+            <a:fillRect/>
+          </a:stretch>
+        </p:blipFill>
         <p:spPr>
           <a:xfrm>
-            <a:off x="2780314" y="3256545"/>
-            <a:ext cx="6350000" cy="730250"/>
+            <a:off x="589872" y="190263"/>
+            <a:ext cx="4017628" cy="6477473"/>
           </a:xfrm>
           <a:prstGeom prst="rect">
             <a:avLst/>
           </a:prstGeom>
         </p:spPr>
-        <p:style>
-          <a:lnRef idx="2">
-            <a:schemeClr val="dk1">
-              <a:shade val="50000"/>
-            </a:schemeClr>
-          </a:lnRef>
-          <a:fillRef idx="1">
-            <a:schemeClr val="dk1"/>
-          </a:fillRef>
-          <a:effectRef idx="0">
-            <a:schemeClr val="dk1"/>
-          </a:effectRef>
-          <a:fontRef idx="minor">
-            <a:schemeClr val="lt1"/>
-          </a:fontRef>
-        </p:style>
-        <p:txBody>
-          <a:bodyPr rtlCol="0" anchor="ctr"/>
-          <a:lstStyle/>
-          <a:p>
-            <a:pPr algn="ctr"/>
-            <a:endParaRPr lang="zh-TW" altLang="en-US"/>
-          </a:p>
-        </p:txBody>
-      </p:sp>
+      </p:pic>
       <p:sp>
         <p:nvSpPr>
-          <p:cNvPr id="2" name="標題 1">
+          <p:cNvPr id="6" name="Rectangle 1">
             <a:extLst>
               <a:ext uri="{FF2B5EF4-FFF2-40B4-BE49-F238E27FC236}">
-                <a16:creationId xmlns:a16="http://schemas.microsoft.com/office/drawing/2014/main" id="{A1079603-FF49-4509-B778-86858F145633}"/>
-              </a:ext>
-            </a:extLst>
-          </p:cNvPr>
-          <p:cNvSpPr>
-            <a:spLocks noGrp="1"/>
-          </p:cNvSpPr>
-          <p:nvPr>
-            <p:ph type="title"/>
-          </p:nvPr>
-        </p:nvSpPr>
-        <p:spPr>
-          <a:xfrm>
-            <a:off x="424464" y="2459007"/>
-            <a:ext cx="11061700" cy="730251"/>
-          </a:xfrm>
-        </p:spPr>
-        <p:txBody>
-          <a:bodyPr>
-            <a:normAutofit/>
-          </a:bodyPr>
-          <a:lstStyle/>
-          <a:p>
-            <a:pPr algn="ctr"/>
-            <a:r>
-              <a:rPr lang="en-US" altLang="zh-TW" sz="3200" b="1" dirty="0" err="1">
-                <a:solidFill>
-                  <a:schemeClr val="bg1"/>
-                </a:solidFill>
-                <a:latin typeface="微軟正黑體" panose="020B0604030504040204" pitchFamily="34" charset="-120"/>
-                <a:ea typeface="微軟正黑體" panose="020B0604030504040204" pitchFamily="34" charset="-120"/>
-              </a:rPr>
-              <a:t>Nuxt</a:t>
-            </a:r>
-            <a:r>
-              <a:rPr lang="en-US" altLang="zh-TW" sz="3200" b="1" dirty="0">
-                <a:solidFill>
-                  <a:schemeClr val="bg1"/>
-                </a:solidFill>
-                <a:latin typeface="微軟正黑體" panose="020B0604030504040204" pitchFamily="34" charset="-120"/>
-                <a:ea typeface="微軟正黑體" panose="020B0604030504040204" pitchFamily="34" charset="-120"/>
-              </a:rPr>
-              <a:t> </a:t>
-            </a:r>
-            <a:r>
-              <a:rPr lang="zh-TW" altLang="en-US" sz="3200" b="1" dirty="0">
-                <a:solidFill>
-                  <a:schemeClr val="bg1"/>
-                </a:solidFill>
-                <a:latin typeface="微軟正黑體" panose="020B0604030504040204" pitchFamily="34" charset="-120"/>
-                <a:ea typeface="微軟正黑體" panose="020B0604030504040204" pitchFamily="34" charset="-120"/>
-              </a:rPr>
-              <a:t>使用</a:t>
-            </a:r>
-            <a:r>
-              <a:rPr lang="en-US" altLang="zh-TW" sz="3200" b="1" dirty="0">
-                <a:solidFill>
-                  <a:schemeClr val="bg1"/>
-                </a:solidFill>
-                <a:latin typeface="微軟正黑體" panose="020B0604030504040204" pitchFamily="34" charset="-120"/>
-                <a:ea typeface="微軟正黑體" panose="020B0604030504040204" pitchFamily="34" charset="-120"/>
-              </a:rPr>
-              <a:t>SASS</a:t>
-            </a:r>
-            <a:endParaRPr lang="zh-TW" altLang="en-US" sz="3200" b="1" dirty="0">
-              <a:solidFill>
-                <a:schemeClr val="bg1"/>
-              </a:solidFill>
-              <a:latin typeface="微軟正黑體" panose="020B0604030504040204" pitchFamily="34" charset="-120"/>
-              <a:ea typeface="微軟正黑體" panose="020B0604030504040204" pitchFamily="34" charset="-120"/>
-            </a:endParaRPr>
-          </a:p>
-        </p:txBody>
-      </p:sp>
-      <p:sp>
-        <p:nvSpPr>
-          <p:cNvPr id="4" name="Rectangle 1">
-            <a:extLst>
-              <a:ext uri="{FF2B5EF4-FFF2-40B4-BE49-F238E27FC236}">
-                <a16:creationId xmlns:a16="http://schemas.microsoft.com/office/drawing/2014/main" id="{1526E6E0-773F-498C-AB4B-D4E0439FD2C7}"/>
+                <a16:creationId xmlns:a16="http://schemas.microsoft.com/office/drawing/2014/main" id="{607C5AFD-3BA6-4F7D-856F-E2D9D4D35490}"/>
               </a:ext>
             </a:extLst>
           </p:cNvPr>
@@ -13703,8 +14731,8 @@
         </p:nvSpPr>
         <p:spPr bwMode="auto">
           <a:xfrm>
-            <a:off x="2780314" y="3491238"/>
-            <a:ext cx="6350000" cy="387901"/>
+            <a:off x="5035550" y="710172"/>
+            <a:ext cx="6127750" cy="1132361"/>
           </a:xfrm>
           <a:prstGeom prst="rect">
             <a:avLst/>
@@ -13744,17 +14772,144 @@
           </a:extLst>
         </p:spPr>
         <p:txBody>
-          <a:bodyPr vert="horz" wrap="square" lIns="0" tIns="0" rIns="0" bIns="79350" numCol="1" anchor="ctr" anchorCtr="0" compatLnSpc="1">
+          <a:bodyPr vert="horz" wrap="square" lIns="91440" tIns="45720" rIns="91440" bIns="45720" numCol="1" anchor="ctr" anchorCtr="0" compatLnSpc="1">
             <a:prstTxWarp prst="textNoShape">
               <a:avLst/>
             </a:prstTxWarp>
             <a:spAutoFit/>
           </a:bodyPr>
-          <a:lstStyle/>
-          <a:p>
-            <a:pPr marL="0" marR="0" lvl="0" indent="0" algn="ctr" defTabSz="914400" rtl="0" eaLnBrk="0" fontAlgn="base" latinLnBrk="0" hangingPunct="0">
+          <a:lstStyle>
+            <a:lvl1pPr eaLnBrk="0" fontAlgn="base" hangingPunct="0">
+              <a:spcBef>
+                <a:spcPct val="0"/>
+              </a:spcBef>
+              <a:spcAft>
+                <a:spcPct val="0"/>
+              </a:spcAft>
+              <a:defRPr>
+                <a:solidFill>
+                  <a:schemeClr val="tx1"/>
+                </a:solidFill>
+                <a:latin typeface="Arial" panose="020B0604020202020204" pitchFamily="34" charset="0"/>
+              </a:defRPr>
+            </a:lvl1pPr>
+            <a:lvl2pPr eaLnBrk="0" fontAlgn="base" hangingPunct="0">
+              <a:spcBef>
+                <a:spcPct val="0"/>
+              </a:spcBef>
+              <a:spcAft>
+                <a:spcPct val="0"/>
+              </a:spcAft>
+              <a:defRPr>
+                <a:solidFill>
+                  <a:schemeClr val="tx1"/>
+                </a:solidFill>
+                <a:latin typeface="Arial" panose="020B0604020202020204" pitchFamily="34" charset="0"/>
+              </a:defRPr>
+            </a:lvl2pPr>
+            <a:lvl3pPr eaLnBrk="0" fontAlgn="base" hangingPunct="0">
+              <a:spcBef>
+                <a:spcPct val="0"/>
+              </a:spcBef>
+              <a:spcAft>
+                <a:spcPct val="0"/>
+              </a:spcAft>
+              <a:defRPr>
+                <a:solidFill>
+                  <a:schemeClr val="tx1"/>
+                </a:solidFill>
+                <a:latin typeface="Arial" panose="020B0604020202020204" pitchFamily="34" charset="0"/>
+              </a:defRPr>
+            </a:lvl3pPr>
+            <a:lvl4pPr eaLnBrk="0" fontAlgn="base" hangingPunct="0">
+              <a:spcBef>
+                <a:spcPct val="0"/>
+              </a:spcBef>
+              <a:spcAft>
+                <a:spcPct val="0"/>
+              </a:spcAft>
+              <a:defRPr>
+                <a:solidFill>
+                  <a:schemeClr val="tx1"/>
+                </a:solidFill>
+                <a:latin typeface="Arial" panose="020B0604020202020204" pitchFamily="34" charset="0"/>
+              </a:defRPr>
+            </a:lvl4pPr>
+            <a:lvl5pPr eaLnBrk="0" fontAlgn="base" hangingPunct="0">
+              <a:spcBef>
+                <a:spcPct val="0"/>
+              </a:spcBef>
+              <a:spcAft>
+                <a:spcPct val="0"/>
+              </a:spcAft>
+              <a:defRPr>
+                <a:solidFill>
+                  <a:schemeClr val="tx1"/>
+                </a:solidFill>
+                <a:latin typeface="Arial" panose="020B0604020202020204" pitchFamily="34" charset="0"/>
+              </a:defRPr>
+            </a:lvl5pPr>
+            <a:lvl6pPr eaLnBrk="0" fontAlgn="base" hangingPunct="0">
+              <a:spcBef>
+                <a:spcPct val="0"/>
+              </a:spcBef>
+              <a:spcAft>
+                <a:spcPct val="0"/>
+              </a:spcAft>
+              <a:defRPr>
+                <a:solidFill>
+                  <a:schemeClr val="tx1"/>
+                </a:solidFill>
+                <a:latin typeface="Arial" panose="020B0604020202020204" pitchFamily="34" charset="0"/>
+              </a:defRPr>
+            </a:lvl6pPr>
+            <a:lvl7pPr eaLnBrk="0" fontAlgn="base" hangingPunct="0">
+              <a:spcBef>
+                <a:spcPct val="0"/>
+              </a:spcBef>
+              <a:spcAft>
+                <a:spcPct val="0"/>
+              </a:spcAft>
+              <a:defRPr>
+                <a:solidFill>
+                  <a:schemeClr val="tx1"/>
+                </a:solidFill>
+                <a:latin typeface="Arial" panose="020B0604020202020204" pitchFamily="34" charset="0"/>
+              </a:defRPr>
+            </a:lvl7pPr>
+            <a:lvl8pPr eaLnBrk="0" fontAlgn="base" hangingPunct="0">
+              <a:spcBef>
+                <a:spcPct val="0"/>
+              </a:spcBef>
+              <a:spcAft>
+                <a:spcPct val="0"/>
+              </a:spcAft>
+              <a:defRPr>
+                <a:solidFill>
+                  <a:schemeClr val="tx1"/>
+                </a:solidFill>
+                <a:latin typeface="Arial" panose="020B0604020202020204" pitchFamily="34" charset="0"/>
+              </a:defRPr>
+            </a:lvl8pPr>
+            <a:lvl9pPr eaLnBrk="0" fontAlgn="base" hangingPunct="0">
+              <a:spcBef>
+                <a:spcPct val="0"/>
+              </a:spcBef>
+              <a:spcAft>
+                <a:spcPct val="0"/>
+              </a:spcAft>
+              <a:defRPr>
+                <a:solidFill>
+                  <a:schemeClr val="tx1"/>
+                </a:solidFill>
+                <a:latin typeface="Arial" panose="020B0604020202020204" pitchFamily="34" charset="0"/>
+              </a:defRPr>
+            </a:lvl9pPr>
+          </a:lstStyle>
+          <a:p>
+            <a:pPr marL="0" marR="0" lvl="0" indent="0" defTabSz="914400" rtl="0" eaLnBrk="0" fontAlgn="base" latinLnBrk="0" hangingPunct="0">
               <a:lnSpc>
-                <a:spcPct val="100000"/>
+                <a:spcPct val="150000"/>
               </a:lnSpc>
               <a:spcBef>
                 <a:spcPct val="0"/>
@@ -13769,7 +14924,7 @@
               <a:tabLst/>
             </a:pPr>
             <a:r>
-              <a:rPr kumimoji="0" lang="en-US" altLang="zh-TW" sz="2000" b="0" i="0" u="none" strike="noStrike" cap="none" normalizeH="0" baseline="0" dirty="0" err="1">
+              <a:rPr kumimoji="0" lang="zh-TW" altLang="zh-TW" sz="2400" b="0" i="0" u="none" strike="noStrike" cap="none" normalizeH="0" baseline="0" dirty="0">
                 <a:ln>
                   <a:noFill/>
                 </a:ln>
@@ -13777,13 +14932,13 @@
                   <a:schemeClr val="bg1"/>
                 </a:solidFill>
                 <a:effectLst/>
-                <a:latin typeface="微軟正黑體" panose="020B0604030504040204" pitchFamily="34" charset="-120"/>
-                <a:ea typeface="微軟正黑體" panose="020B0604030504040204" pitchFamily="34" charset="-120"/>
-              </a:rPr>
-              <a:t>npm</a:t>
-            </a:r>
-            <a:r>
-              <a:rPr kumimoji="0" lang="en-US" altLang="zh-TW" sz="2000" b="0" i="0" u="none" strike="noStrike" cap="none" normalizeH="0" baseline="0" dirty="0">
+                <a:latin typeface="Arial Unicode MS"/>
+                <a:ea typeface="Menlo"/>
+              </a:rPr>
+              <a:t>asyncData</a:t>
+            </a:r>
+            <a:r>
+              <a:rPr kumimoji="0" lang="zh-TW" altLang="en-US" sz="2400" b="0" i="0" u="none" strike="noStrike" cap="none" normalizeH="0" baseline="0" dirty="0">
                 <a:ln>
                   <a:noFill/>
                 </a:ln>
@@ -13791,18 +14946,391 @@
                   <a:schemeClr val="bg1"/>
                 </a:solidFill>
                 <a:effectLst/>
-                <a:latin typeface="微軟正黑體" panose="020B0604030504040204" pitchFamily="34" charset="-120"/>
-                <a:ea typeface="微軟正黑體" panose="020B0604030504040204" pitchFamily="34" charset="-120"/>
-              </a:rPr>
-              <a:t> install --save-dev sass sass-loader fibers</a:t>
-            </a:r>
+                <a:latin typeface="Arial Unicode MS"/>
+                <a:ea typeface="Menlo"/>
+              </a:rPr>
+              <a:t> </a:t>
+            </a:r>
+            <a:r>
+              <a:rPr kumimoji="0" lang="en-US" altLang="zh-TW" sz="2400" b="0" i="0" u="none" strike="noStrike" cap="none" normalizeH="0" baseline="0" dirty="0">
+                <a:ln>
+                  <a:noFill/>
+                </a:ln>
+                <a:solidFill>
+                  <a:schemeClr val="bg1"/>
+                </a:solidFill>
+                <a:effectLst/>
+                <a:latin typeface="Arial Unicode MS"/>
+                <a:ea typeface="Menlo"/>
+              </a:rPr>
+              <a:t>:</a:t>
+            </a:r>
+            <a:r>
+              <a:rPr kumimoji="0" lang="zh-TW" altLang="en-US" sz="2400" b="0" i="0" u="none" strike="noStrike" cap="none" normalizeH="0" baseline="0" dirty="0">
+                <a:ln>
+                  <a:noFill/>
+                </a:ln>
+                <a:solidFill>
+                  <a:schemeClr val="bg1"/>
+                </a:solidFill>
+                <a:effectLst/>
+                <a:latin typeface="Arial Unicode MS"/>
+                <a:ea typeface="Menlo"/>
+              </a:rPr>
+              <a:t> </a:t>
+            </a:r>
+            <a:r>
+              <a:rPr lang="en-US" altLang="zh-TW" sz="2400" dirty="0">
+                <a:solidFill>
+                  <a:schemeClr val="bg1"/>
+                </a:solidFill>
+                <a:latin typeface="Arial Unicode MS"/>
+                <a:ea typeface="Menlo"/>
+              </a:rPr>
+              <a:t> </a:t>
+            </a:r>
+            <a:r>
+              <a:rPr lang="zh-TW" altLang="en-US" sz="2400" dirty="0">
+                <a:solidFill>
+                  <a:schemeClr val="bg1"/>
+                </a:solidFill>
+                <a:latin typeface="Arial Unicode MS"/>
+                <a:ea typeface="Menlo"/>
+              </a:rPr>
+              <a:t>只能在 </a:t>
+            </a:r>
+            <a:r>
+              <a:rPr lang="en-US" altLang="zh-TW" sz="2400" dirty="0">
+                <a:solidFill>
+                  <a:schemeClr val="bg1"/>
+                </a:solidFill>
+                <a:latin typeface="Arial Unicode MS"/>
+                <a:ea typeface="Menlo"/>
+              </a:rPr>
+              <a:t>page/</a:t>
+            </a:r>
+            <a:r>
+              <a:rPr lang="zh-TW" altLang="en-US" sz="2400" dirty="0">
+                <a:solidFill>
+                  <a:schemeClr val="bg1"/>
+                </a:solidFill>
+                <a:latin typeface="Arial Unicode MS"/>
+                <a:ea typeface="Menlo"/>
+              </a:rPr>
+              <a:t> 下面使用，這個生命週期會因為錯誤而顯示錯誤的頁面。</a:t>
+            </a:r>
+            <a:endParaRPr kumimoji="0" lang="zh-TW" altLang="zh-TW" sz="2400" b="0" i="0" u="none" strike="noStrike" cap="none" normalizeH="0" baseline="0" dirty="0">
+              <a:ln>
+                <a:noFill/>
+              </a:ln>
+              <a:solidFill>
+                <a:schemeClr val="bg1"/>
+              </a:solidFill>
+              <a:effectLst/>
+            </a:endParaRPr>
+          </a:p>
+        </p:txBody>
+      </p:sp>
+      <p:sp>
+        <p:nvSpPr>
+          <p:cNvPr id="7" name="Rectangle 1">
+            <a:extLst>
+              <a:ext uri="{FF2B5EF4-FFF2-40B4-BE49-F238E27FC236}">
+                <a16:creationId xmlns:a16="http://schemas.microsoft.com/office/drawing/2014/main" id="{65683E91-F291-478A-AA4B-92CB1365F839}"/>
+              </a:ext>
+            </a:extLst>
+          </p:cNvPr>
+          <p:cNvSpPr>
+            <a:spLocks noChangeArrowheads="1"/>
+          </p:cNvSpPr>
+          <p:nvPr/>
+        </p:nvSpPr>
+        <p:spPr bwMode="auto">
+          <a:xfrm>
+            <a:off x="5035550" y="2316722"/>
+            <a:ext cx="6127750" cy="1132361"/>
+          </a:xfrm>
+          <a:prstGeom prst="rect">
+            <a:avLst/>
+          </a:prstGeom>
+          <a:noFill/>
+          <a:ln>
+            <a:noFill/>
+          </a:ln>
+          <a:effectLst/>
+          <a:extLst>
+            <a:ext uri="{909E8E84-426E-40DD-AFC4-6F175D3DCCD1}">
+              <a14:hiddenFill xmlns:a14="http://schemas.microsoft.com/office/drawing/2010/main">
+                <a:solidFill>
+                  <a:schemeClr val="accent1"/>
+                </a:solidFill>
+              </a14:hiddenFill>
+            </a:ext>
+            <a:ext uri="{91240B29-F687-4F45-9708-019B960494DF}">
+              <a14:hiddenLine xmlns:a14="http://schemas.microsoft.com/office/drawing/2010/main" w="9525">
+                <a:solidFill>
+                  <a:schemeClr val="tx1"/>
+                </a:solidFill>
+                <a:miter lim="800000"/>
+                <a:headEnd/>
+                <a:tailEnd/>
+              </a14:hiddenLine>
+            </a:ext>
+            <a:ext uri="{AF507438-7753-43E0-B8FC-AC1667EBCBE1}">
+              <a14:hiddenEffects xmlns:a14="http://schemas.microsoft.com/office/drawing/2010/main">
+                <a:effectLst>
+                  <a:outerShdw dist="35921" dir="2700000" algn="ctr" rotWithShape="0">
+                    <a:schemeClr val="bg2"/>
+                  </a:outerShdw>
+                </a:effectLst>
+              </a14:hiddenEffects>
+            </a:ext>
+          </a:extLst>
+        </p:spPr>
+        <p:txBody>
+          <a:bodyPr vert="horz" wrap="square" lIns="91440" tIns="45720" rIns="91440" bIns="45720" numCol="1" anchor="ctr" anchorCtr="0" compatLnSpc="1">
+            <a:prstTxWarp prst="textNoShape">
+              <a:avLst/>
+            </a:prstTxWarp>
+            <a:spAutoFit/>
+          </a:bodyPr>
+          <a:lstStyle>
+            <a:lvl1pPr eaLnBrk="0" fontAlgn="base" hangingPunct="0">
+              <a:spcBef>
+                <a:spcPct val="0"/>
+              </a:spcBef>
+              <a:spcAft>
+                <a:spcPct val="0"/>
+              </a:spcAft>
+              <a:defRPr>
+                <a:solidFill>
+                  <a:schemeClr val="tx1"/>
+                </a:solidFill>
+                <a:latin typeface="Arial" panose="020B0604020202020204" pitchFamily="34" charset="0"/>
+              </a:defRPr>
+            </a:lvl1pPr>
+            <a:lvl2pPr eaLnBrk="0" fontAlgn="base" hangingPunct="0">
+              <a:spcBef>
+                <a:spcPct val="0"/>
+              </a:spcBef>
+              <a:spcAft>
+                <a:spcPct val="0"/>
+              </a:spcAft>
+              <a:defRPr>
+                <a:solidFill>
+                  <a:schemeClr val="tx1"/>
+                </a:solidFill>
+                <a:latin typeface="Arial" panose="020B0604020202020204" pitchFamily="34" charset="0"/>
+              </a:defRPr>
+            </a:lvl2pPr>
+            <a:lvl3pPr eaLnBrk="0" fontAlgn="base" hangingPunct="0">
+              <a:spcBef>
+                <a:spcPct val="0"/>
+              </a:spcBef>
+              <a:spcAft>
+                <a:spcPct val="0"/>
+              </a:spcAft>
+              <a:defRPr>
+                <a:solidFill>
+                  <a:schemeClr val="tx1"/>
+                </a:solidFill>
+                <a:latin typeface="Arial" panose="020B0604020202020204" pitchFamily="34" charset="0"/>
+              </a:defRPr>
+            </a:lvl3pPr>
+            <a:lvl4pPr eaLnBrk="0" fontAlgn="base" hangingPunct="0">
+              <a:spcBef>
+                <a:spcPct val="0"/>
+              </a:spcBef>
+              <a:spcAft>
+                <a:spcPct val="0"/>
+              </a:spcAft>
+              <a:defRPr>
+                <a:solidFill>
+                  <a:schemeClr val="tx1"/>
+                </a:solidFill>
+                <a:latin typeface="Arial" panose="020B0604020202020204" pitchFamily="34" charset="0"/>
+              </a:defRPr>
+            </a:lvl4pPr>
+            <a:lvl5pPr eaLnBrk="0" fontAlgn="base" hangingPunct="0">
+              <a:spcBef>
+                <a:spcPct val="0"/>
+              </a:spcBef>
+              <a:spcAft>
+                <a:spcPct val="0"/>
+              </a:spcAft>
+              <a:defRPr>
+                <a:solidFill>
+                  <a:schemeClr val="tx1"/>
+                </a:solidFill>
+                <a:latin typeface="Arial" panose="020B0604020202020204" pitchFamily="34" charset="0"/>
+              </a:defRPr>
+            </a:lvl5pPr>
+            <a:lvl6pPr eaLnBrk="0" fontAlgn="base" hangingPunct="0">
+              <a:spcBef>
+                <a:spcPct val="0"/>
+              </a:spcBef>
+              <a:spcAft>
+                <a:spcPct val="0"/>
+              </a:spcAft>
+              <a:defRPr>
+                <a:solidFill>
+                  <a:schemeClr val="tx1"/>
+                </a:solidFill>
+                <a:latin typeface="Arial" panose="020B0604020202020204" pitchFamily="34" charset="0"/>
+              </a:defRPr>
+            </a:lvl6pPr>
+            <a:lvl7pPr eaLnBrk="0" fontAlgn="base" hangingPunct="0">
+              <a:spcBef>
+                <a:spcPct val="0"/>
+              </a:spcBef>
+              <a:spcAft>
+                <a:spcPct val="0"/>
+              </a:spcAft>
+              <a:defRPr>
+                <a:solidFill>
+                  <a:schemeClr val="tx1"/>
+                </a:solidFill>
+                <a:latin typeface="Arial" panose="020B0604020202020204" pitchFamily="34" charset="0"/>
+              </a:defRPr>
+            </a:lvl7pPr>
+            <a:lvl8pPr eaLnBrk="0" fontAlgn="base" hangingPunct="0">
+              <a:spcBef>
+                <a:spcPct val="0"/>
+              </a:spcBef>
+              <a:spcAft>
+                <a:spcPct val="0"/>
+              </a:spcAft>
+              <a:defRPr>
+                <a:solidFill>
+                  <a:schemeClr val="tx1"/>
+                </a:solidFill>
+                <a:latin typeface="Arial" panose="020B0604020202020204" pitchFamily="34" charset="0"/>
+              </a:defRPr>
+            </a:lvl8pPr>
+            <a:lvl9pPr eaLnBrk="0" fontAlgn="base" hangingPunct="0">
+              <a:spcBef>
+                <a:spcPct val="0"/>
+              </a:spcBef>
+              <a:spcAft>
+                <a:spcPct val="0"/>
+              </a:spcAft>
+              <a:defRPr>
+                <a:solidFill>
+                  <a:schemeClr val="tx1"/>
+                </a:solidFill>
+                <a:latin typeface="Arial" panose="020B0604020202020204" pitchFamily="34" charset="0"/>
+              </a:defRPr>
+            </a:lvl9pPr>
+          </a:lstStyle>
+          <a:p>
+            <a:pPr marL="0" marR="0" lvl="0" indent="0" defTabSz="914400" rtl="0" eaLnBrk="0" fontAlgn="base" latinLnBrk="0" hangingPunct="0">
+              <a:lnSpc>
+                <a:spcPct val="150000"/>
+              </a:lnSpc>
+              <a:spcBef>
+                <a:spcPct val="0"/>
+              </a:spcBef>
+              <a:spcAft>
+                <a:spcPct val="0"/>
+              </a:spcAft>
+              <a:buClrTx/>
+              <a:buSzTx/>
+              <a:buFontTx/>
+              <a:buNone/>
+              <a:tabLst/>
+            </a:pPr>
+            <a:r>
+              <a:rPr kumimoji="0" lang="en-US" altLang="zh-TW" sz="2400" b="0" i="0" u="none" strike="noStrike" cap="none" normalizeH="0" baseline="0" dirty="0">
+                <a:ln>
+                  <a:noFill/>
+                </a:ln>
+                <a:solidFill>
+                  <a:schemeClr val="bg1"/>
+                </a:solidFill>
+                <a:effectLst/>
+                <a:latin typeface="Arial Unicode MS"/>
+                <a:ea typeface="Menlo"/>
+              </a:rPr>
+              <a:t>fetch</a:t>
+            </a:r>
+            <a:r>
+              <a:rPr kumimoji="0" lang="zh-TW" altLang="en-US" sz="2400" b="0" i="0" u="none" strike="noStrike" cap="none" normalizeH="0" baseline="0" dirty="0">
+                <a:ln>
+                  <a:noFill/>
+                </a:ln>
+                <a:solidFill>
+                  <a:schemeClr val="bg1"/>
+                </a:solidFill>
+                <a:effectLst/>
+                <a:latin typeface="Arial Unicode MS"/>
+                <a:ea typeface="Menlo"/>
+              </a:rPr>
+              <a:t> </a:t>
+            </a:r>
+            <a:r>
+              <a:rPr kumimoji="0" lang="en-US" altLang="zh-TW" sz="2400" b="0" i="0" u="none" strike="noStrike" cap="none" normalizeH="0" baseline="0" dirty="0">
+                <a:ln>
+                  <a:noFill/>
+                </a:ln>
+                <a:solidFill>
+                  <a:schemeClr val="bg1"/>
+                </a:solidFill>
+                <a:effectLst/>
+                <a:latin typeface="Arial Unicode MS"/>
+                <a:ea typeface="Menlo"/>
+              </a:rPr>
+              <a:t>:</a:t>
+            </a:r>
+            <a:r>
+              <a:rPr kumimoji="0" lang="zh-TW" altLang="en-US" sz="2400" b="0" i="0" u="none" strike="noStrike" cap="none" normalizeH="0" baseline="0" dirty="0">
+                <a:ln>
+                  <a:noFill/>
+                </a:ln>
+                <a:solidFill>
+                  <a:schemeClr val="bg1"/>
+                </a:solidFill>
+                <a:effectLst/>
+                <a:latin typeface="Arial Unicode MS"/>
+                <a:ea typeface="Menlo"/>
+              </a:rPr>
+              <a:t> </a:t>
+            </a:r>
+            <a:r>
+              <a:rPr lang="en-US" altLang="zh-TW" sz="2400" dirty="0">
+                <a:solidFill>
+                  <a:schemeClr val="bg1"/>
+                </a:solidFill>
+                <a:latin typeface="Arial Unicode MS"/>
+                <a:ea typeface="Menlo"/>
+              </a:rPr>
+              <a:t> </a:t>
+            </a:r>
+            <a:r>
+              <a:rPr lang="zh-TW" altLang="en-US" sz="2400" dirty="0">
+                <a:solidFill>
+                  <a:schemeClr val="bg1"/>
+                </a:solidFill>
+                <a:latin typeface="Arial Unicode MS"/>
+                <a:ea typeface="Menlo"/>
+              </a:rPr>
+              <a:t>可以在任何組件上面使用，並提供載入過程中的狀態，方便我們操作頁面。</a:t>
+            </a:r>
+            <a:endParaRPr kumimoji="0" lang="zh-TW" altLang="zh-TW" sz="2400" b="0" i="0" u="none" strike="noStrike" cap="none" normalizeH="0" baseline="0" dirty="0">
+              <a:ln>
+                <a:noFill/>
+              </a:ln>
+              <a:solidFill>
+                <a:schemeClr val="bg1"/>
+              </a:solidFill>
+              <a:effectLst/>
+            </a:endParaRPr>
           </a:p>
         </p:txBody>
       </p:sp>
     </p:spTree>
     <p:extLst>
       <p:ext uri="{BB962C8B-B14F-4D97-AF65-F5344CB8AC3E}">
-        <p14:creationId xmlns:p14="http://schemas.microsoft.com/office/powerpoint/2010/main" val="3612001647"/>
+        <p14:creationId xmlns:p14="http://schemas.microsoft.com/office/powerpoint/2010/main" val="2238771136"/>
       </p:ext>
     </p:extLst>
   </p:cSld>
@@ -13831,10 +15359,10 @@
       </p:grpSpPr>
       <p:sp>
         <p:nvSpPr>
-          <p:cNvPr id="13" name="矩形 12">
+          <p:cNvPr id="10" name="矩形 9">
             <a:extLst>
               <a:ext uri="{FF2B5EF4-FFF2-40B4-BE49-F238E27FC236}">
-                <a16:creationId xmlns:a16="http://schemas.microsoft.com/office/drawing/2014/main" id="{CAFA6D4A-519C-4CFB-AF6C-65CB06AB0410}"/>
+                <a16:creationId xmlns:a16="http://schemas.microsoft.com/office/drawing/2014/main" id="{F10E433F-A3EB-4774-83A0-62445EEE5CB9}"/>
               </a:ext>
             </a:extLst>
           </p:cNvPr>
@@ -13843,8 +15371,8 @@
         </p:nvSpPr>
         <p:spPr>
           <a:xfrm>
-            <a:off x="2784751" y="3678046"/>
-            <a:ext cx="6350000" cy="730250"/>
+            <a:off x="3502986" y="1710382"/>
+            <a:ext cx="5488614" cy="1851968"/>
           </a:xfrm>
           <a:prstGeom prst="rect">
             <a:avLst/>
@@ -13877,56 +15405,142 @@
       </p:sp>
       <p:sp>
         <p:nvSpPr>
-          <p:cNvPr id="5" name="矩形 4">
+          <p:cNvPr id="11" name="文字方塊 10">
             <a:extLst>
               <a:ext uri="{FF2B5EF4-FFF2-40B4-BE49-F238E27FC236}">
-                <a16:creationId xmlns:a16="http://schemas.microsoft.com/office/drawing/2014/main" id="{54D5A94F-0C49-4EC9-A889-1867AD4D0274}"/>
+                <a16:creationId xmlns:a16="http://schemas.microsoft.com/office/drawing/2014/main" id="{4AE5D57A-70EF-4796-A7D5-E3E5AF6C357E}"/>
               </a:ext>
             </a:extLst>
           </p:cNvPr>
-          <p:cNvSpPr/>
+          <p:cNvSpPr txBox="1"/>
           <p:nvPr/>
         </p:nvSpPr>
         <p:spPr>
           <a:xfrm>
-            <a:off x="2809658" y="2109414"/>
-            <a:ext cx="6350000" cy="730250"/>
+            <a:off x="4297414" y="2036201"/>
+            <a:ext cx="4859286" cy="1200329"/>
           </a:xfrm>
           <a:prstGeom prst="rect">
             <a:avLst/>
           </a:prstGeom>
+          <a:noFill/>
         </p:spPr>
-        <p:style>
-          <a:lnRef idx="2">
-            <a:schemeClr val="dk1">
-              <a:shade val="50000"/>
-            </a:schemeClr>
-          </a:lnRef>
-          <a:fillRef idx="1">
-            <a:schemeClr val="dk1"/>
-          </a:fillRef>
-          <a:effectRef idx="0">
-            <a:schemeClr val="dk1"/>
-          </a:effectRef>
-          <a:fontRef idx="minor">
-            <a:schemeClr val="lt1"/>
-          </a:fontRef>
-        </p:style>
         <p:txBody>
-          <a:bodyPr rtlCol="0" anchor="ctr"/>
+          <a:bodyPr wrap="square">
+            <a:spAutoFit/>
+          </a:bodyPr>
           <a:lstStyle/>
           <a:p>
-            <a:pPr algn="ctr"/>
-            <a:endParaRPr lang="zh-TW" altLang="en-US"/>
+            <a:r>
+              <a:rPr lang="en-US" altLang="zh-TW" sz="2400" b="0" dirty="0">
+                <a:solidFill>
+                  <a:srgbClr val="F92672"/>
+                </a:solidFill>
+                <a:effectLst/>
+                <a:latin typeface="Consolas" panose="020B0609020204030204" pitchFamily="49" charset="0"/>
+              </a:rPr>
+              <a:t>export</a:t>
+            </a:r>
+            <a:r>
+              <a:rPr lang="en-US" altLang="zh-TW" sz="2400" b="0" dirty="0">
+                <a:solidFill>
+                  <a:srgbClr val="F8F8F2"/>
+                </a:solidFill>
+                <a:effectLst/>
+                <a:latin typeface="Consolas" panose="020B0609020204030204" pitchFamily="49" charset="0"/>
+              </a:rPr>
+              <a:t> </a:t>
+            </a:r>
+            <a:r>
+              <a:rPr lang="en-US" altLang="zh-TW" sz="2400" b="0" dirty="0">
+                <a:solidFill>
+                  <a:srgbClr val="F92672"/>
+                </a:solidFill>
+                <a:effectLst/>
+                <a:latin typeface="Consolas" panose="020B0609020204030204" pitchFamily="49" charset="0"/>
+              </a:rPr>
+              <a:t>default</a:t>
+            </a:r>
+            <a:r>
+              <a:rPr lang="en-US" altLang="zh-TW" sz="2400" b="0" dirty="0">
+                <a:solidFill>
+                  <a:srgbClr val="F8F8F2"/>
+                </a:solidFill>
+                <a:effectLst/>
+                <a:latin typeface="Consolas" panose="020B0609020204030204" pitchFamily="49" charset="0"/>
+              </a:rPr>
+              <a:t> {</a:t>
+            </a:r>
+          </a:p>
+          <a:p>
+            <a:r>
+              <a:rPr lang="en-US" altLang="zh-TW" sz="2400" b="0" dirty="0">
+                <a:solidFill>
+                  <a:srgbClr val="F8F8F2"/>
+                </a:solidFill>
+                <a:effectLst/>
+                <a:latin typeface="Consolas" panose="020B0609020204030204" pitchFamily="49" charset="0"/>
+              </a:rPr>
+              <a:t>  </a:t>
+            </a:r>
+            <a:r>
+              <a:rPr lang="en-US" altLang="zh-TW" sz="2400" b="0" dirty="0" err="1">
+                <a:solidFill>
+                  <a:srgbClr val="FFEE99"/>
+                </a:solidFill>
+                <a:effectLst/>
+                <a:latin typeface="Consolas" panose="020B0609020204030204" pitchFamily="49" charset="0"/>
+              </a:rPr>
+              <a:t>fetchOnServer</a:t>
+            </a:r>
+            <a:r>
+              <a:rPr lang="en-US" altLang="zh-TW" sz="2400" b="0" dirty="0">
+                <a:solidFill>
+                  <a:srgbClr val="F8F8F2"/>
+                </a:solidFill>
+                <a:effectLst/>
+                <a:latin typeface="Consolas" panose="020B0609020204030204" pitchFamily="49" charset="0"/>
+              </a:rPr>
+              <a:t>: </a:t>
+            </a:r>
+            <a:r>
+              <a:rPr lang="en-US" altLang="zh-TW" sz="2400" b="0" dirty="0">
+                <a:solidFill>
+                  <a:srgbClr val="FF80F4"/>
+                </a:solidFill>
+                <a:effectLst/>
+                <a:latin typeface="Consolas" panose="020B0609020204030204" pitchFamily="49" charset="0"/>
+              </a:rPr>
+              <a:t>false</a:t>
+            </a:r>
+            <a:endParaRPr lang="en-US" altLang="zh-TW" sz="2400" b="0" dirty="0">
+              <a:solidFill>
+                <a:srgbClr val="F8F8F2"/>
+              </a:solidFill>
+              <a:effectLst/>
+              <a:latin typeface="Consolas" panose="020B0609020204030204" pitchFamily="49" charset="0"/>
+            </a:endParaRPr>
+          </a:p>
+          <a:p>
+            <a:r>
+              <a:rPr lang="en-US" altLang="zh-TW" sz="2400" b="0" dirty="0">
+                <a:solidFill>
+                  <a:srgbClr val="F8F8F2"/>
+                </a:solidFill>
+                <a:effectLst/>
+                <a:latin typeface="Consolas" panose="020B0609020204030204" pitchFamily="49" charset="0"/>
+              </a:rPr>
+              <a:t>}</a:t>
+            </a:r>
           </a:p>
         </p:txBody>
       </p:sp>
       <p:sp>
         <p:nvSpPr>
-          <p:cNvPr id="2" name="標題 1">
+          <p:cNvPr id="12" name="標題 1">
             <a:extLst>
               <a:ext uri="{FF2B5EF4-FFF2-40B4-BE49-F238E27FC236}">
-                <a16:creationId xmlns:a16="http://schemas.microsoft.com/office/drawing/2014/main" id="{A1079603-FF49-4509-B778-86858F145633}"/>
+                <a16:creationId xmlns:a16="http://schemas.microsoft.com/office/drawing/2014/main" id="{5637996C-0907-4678-8D7C-FA0DCB66E779}"/>
               </a:ext>
             </a:extLst>
           </p:cNvPr>
@@ -13939,580 +15553,122 @@
         </p:nvSpPr>
         <p:spPr>
           <a:xfrm>
-            <a:off x="2784751" y="557707"/>
-            <a:ext cx="6399814" cy="730251"/>
+            <a:off x="3726896" y="3641209"/>
+            <a:ext cx="5043007" cy="1851968"/>
           </a:xfrm>
         </p:spPr>
         <p:txBody>
           <a:bodyPr>
-            <a:normAutofit/>
+            <a:noAutofit/>
           </a:bodyPr>
           <a:lstStyle/>
           <a:p>
-            <a:pPr algn="ctr"/>
-            <a:r>
-              <a:rPr lang="en-US" altLang="zh-TW" sz="3200" b="1" dirty="0" err="1">
+            <a:pPr>
+              <a:lnSpc>
+                <a:spcPct val="150000"/>
+              </a:lnSpc>
+            </a:pPr>
+            <a:r>
+              <a:rPr lang="zh-TW" altLang="en-US" sz="1800" dirty="0">
                 <a:solidFill>
                   <a:schemeClr val="bg1"/>
                 </a:solidFill>
                 <a:latin typeface="微軟正黑體" panose="020B0604030504040204" pitchFamily="34" charset="-120"/>
                 <a:ea typeface="微軟正黑體" panose="020B0604030504040204" pitchFamily="34" charset="-120"/>
               </a:rPr>
-              <a:t>Nuxt</a:t>
-            </a:r>
-            <a:r>
-              <a:rPr lang="en-US" altLang="zh-TW" sz="3200" b="1" dirty="0">
+              <a:t>如果把 </a:t>
+            </a:r>
+            <a:r>
+              <a:rPr lang="en-US" altLang="zh-TW" sz="1800" dirty="0" err="1">
                 <a:solidFill>
                   <a:schemeClr val="bg1"/>
                 </a:solidFill>
                 <a:latin typeface="微軟正黑體" panose="020B0604030504040204" pitchFamily="34" charset="-120"/>
                 <a:ea typeface="微軟正黑體" panose="020B0604030504040204" pitchFamily="34" charset="-120"/>
               </a:rPr>
-              <a:t> </a:t>
-            </a:r>
-            <a:r>
-              <a:rPr lang="zh-TW" altLang="en-US" sz="3200" b="1" dirty="0">
+              <a:t>fetchOnServer</a:t>
+            </a:r>
+            <a:r>
+              <a:rPr lang="zh-TW" altLang="en-US" sz="1800" dirty="0">
                 <a:solidFill>
                   <a:schemeClr val="bg1"/>
                 </a:solidFill>
                 <a:latin typeface="微軟正黑體" panose="020B0604030504040204" pitchFamily="34" charset="-120"/>
                 <a:ea typeface="微軟正黑體" panose="020B0604030504040204" pitchFamily="34" charset="-120"/>
               </a:rPr>
-              <a:t>使用 </a:t>
-            </a:r>
-            <a:r>
-              <a:rPr lang="en-US" altLang="zh-TW" sz="3200" b="1" dirty="0">
+              <a:t> 設定成 </a:t>
+            </a:r>
+            <a:r>
+              <a:rPr lang="en-US" altLang="zh-TW" sz="1800" dirty="0">
                 <a:solidFill>
                   <a:schemeClr val="bg1"/>
                 </a:solidFill>
                 <a:latin typeface="微軟正黑體" panose="020B0604030504040204" pitchFamily="34" charset="-120"/>
                 <a:ea typeface="微軟正黑體" panose="020B0604030504040204" pitchFamily="34" charset="-120"/>
               </a:rPr>
-              <a:t>Router</a:t>
-            </a:r>
-            <a:endParaRPr lang="zh-TW" altLang="en-US" sz="3200" b="1" dirty="0">
-              <a:solidFill>
-                <a:schemeClr val="bg1"/>
-              </a:solidFill>
+              <a:t>false</a:t>
+            </a:r>
+            <a:r>
+              <a:rPr lang="zh-TW" altLang="en-US" sz="1800" dirty="0">
+                <a:solidFill>
+                  <a:schemeClr val="bg1"/>
+                </a:solidFill>
+                <a:latin typeface="微軟正黑體" panose="020B0604030504040204" pitchFamily="34" charset="-120"/>
+                <a:ea typeface="微軟正黑體" panose="020B0604030504040204" pitchFamily="34" charset="-120"/>
+              </a:rPr>
+              <a:t>，那這樣</a:t>
+            </a:r>
+            <a:r>
+              <a:rPr lang="en-US" altLang="zh-TW" sz="1800" dirty="0">
+                <a:solidFill>
+                  <a:schemeClr val="bg1"/>
+                </a:solidFill>
+                <a:latin typeface="微軟正黑體" panose="020B0604030504040204" pitchFamily="34" charset="-120"/>
+                <a:ea typeface="微軟正黑體" panose="020B0604030504040204" pitchFamily="34" charset="-120"/>
+              </a:rPr>
+              <a:t>fetch </a:t>
+            </a:r>
+            <a:r>
+              <a:rPr lang="zh-TW" altLang="en-US" sz="1800" dirty="0">
+                <a:solidFill>
+                  <a:schemeClr val="bg1"/>
+                </a:solidFill>
+                <a:latin typeface="微軟正黑體" panose="020B0604030504040204" pitchFamily="34" charset="-120"/>
+                <a:ea typeface="微軟正黑體" panose="020B0604030504040204" pitchFamily="34" charset="-120"/>
+              </a:rPr>
+              <a:t>就只會在 </a:t>
+            </a:r>
+            <a:r>
+              <a:rPr lang="en-US" altLang="zh-TW" sz="1800" dirty="0">
+                <a:solidFill>
+                  <a:schemeClr val="bg1"/>
+                </a:solidFill>
+                <a:latin typeface="微軟正黑體" panose="020B0604030504040204" pitchFamily="34" charset="-120"/>
+                <a:ea typeface="微軟正黑體" panose="020B0604030504040204" pitchFamily="34" charset="-120"/>
+              </a:rPr>
+              <a:t>client</a:t>
+            </a:r>
+            <a:r>
+              <a:rPr lang="zh-TW" altLang="en-US" sz="1800" dirty="0">
+                <a:solidFill>
+                  <a:schemeClr val="bg1"/>
+                </a:solidFill>
+                <a:latin typeface="微軟正黑體" panose="020B0604030504040204" pitchFamily="34" charset="-120"/>
+                <a:ea typeface="微軟正黑體" panose="020B0604030504040204" pitchFamily="34" charset="-120"/>
+              </a:rPr>
+              <a:t> 端被執行</a:t>
+            </a:r>
+            <a:endParaRPr lang="zh-TW" altLang="en-US" sz="1800" dirty="0">
               <a:latin typeface="微軟正黑體" panose="020B0604030504040204" pitchFamily="34" charset="-120"/>
               <a:ea typeface="微軟正黑體" panose="020B0604030504040204" pitchFamily="34" charset="-120"/>
             </a:endParaRPr>
-          </a:p>
-        </p:txBody>
-      </p:sp>
-      <p:sp>
-        <p:nvSpPr>
-          <p:cNvPr id="6" name="文字方塊 5">
-            <a:extLst>
-              <a:ext uri="{FF2B5EF4-FFF2-40B4-BE49-F238E27FC236}">
-                <a16:creationId xmlns:a16="http://schemas.microsoft.com/office/drawing/2014/main" id="{7F563338-4366-46D7-B9CD-88E9B992B77B}"/>
-              </a:ext>
-            </a:extLst>
-          </p:cNvPr>
-          <p:cNvSpPr txBox="1"/>
-          <p:nvPr/>
-        </p:nvSpPr>
-        <p:spPr>
-          <a:xfrm>
-            <a:off x="2964227" y="2289873"/>
-            <a:ext cx="5186807" cy="369332"/>
-          </a:xfrm>
-          <a:prstGeom prst="rect">
-            <a:avLst/>
-          </a:prstGeom>
-          <a:noFill/>
-        </p:spPr>
-        <p:txBody>
-          <a:bodyPr wrap="square">
-            <a:spAutoFit/>
-          </a:bodyPr>
-          <a:lstStyle/>
-          <a:p>
-            <a:r>
-              <a:rPr lang="en-US" altLang="zh-TW" b="0" dirty="0">
-                <a:solidFill>
-                  <a:srgbClr val="F8F8F2"/>
-                </a:solidFill>
-                <a:effectLst/>
-                <a:latin typeface="Consolas" panose="020B0609020204030204" pitchFamily="49" charset="0"/>
-              </a:rPr>
-              <a:t> &lt;</a:t>
-            </a:r>
-            <a:r>
-              <a:rPr lang="en-US" altLang="zh-TW" b="0" i="1" dirty="0" err="1">
-                <a:solidFill>
-                  <a:srgbClr val="66D9EF"/>
-                </a:solidFill>
-                <a:effectLst/>
-                <a:latin typeface="Consolas" panose="020B0609020204030204" pitchFamily="49" charset="0"/>
-              </a:rPr>
-              <a:t>Nuxt</a:t>
-            </a:r>
-            <a:r>
-              <a:rPr lang="en-US" altLang="zh-TW" b="0" dirty="0">
-                <a:solidFill>
-                  <a:srgbClr val="F8F8F2"/>
-                </a:solidFill>
-                <a:effectLst/>
-                <a:latin typeface="Consolas" panose="020B0609020204030204" pitchFamily="49" charset="0"/>
-              </a:rPr>
-              <a:t> /&gt;</a:t>
-            </a:r>
-          </a:p>
-        </p:txBody>
-      </p:sp>
-      <p:sp>
-        <p:nvSpPr>
-          <p:cNvPr id="7" name="矩形 6">
-            <a:extLst>
-              <a:ext uri="{FF2B5EF4-FFF2-40B4-BE49-F238E27FC236}">
-                <a16:creationId xmlns:a16="http://schemas.microsoft.com/office/drawing/2014/main" id="{C1EDBC12-6FEB-4915-A634-3B1FDC138B1E}"/>
-              </a:ext>
-            </a:extLst>
-          </p:cNvPr>
-          <p:cNvSpPr/>
-          <p:nvPr/>
-        </p:nvSpPr>
-        <p:spPr>
-          <a:xfrm>
-            <a:off x="2809658" y="5246678"/>
-            <a:ext cx="6350000" cy="730250"/>
-          </a:xfrm>
-          <a:prstGeom prst="rect">
-            <a:avLst/>
-          </a:prstGeom>
-        </p:spPr>
-        <p:style>
-          <a:lnRef idx="2">
-            <a:schemeClr val="dk1">
-              <a:shade val="50000"/>
-            </a:schemeClr>
-          </a:lnRef>
-          <a:fillRef idx="1">
-            <a:schemeClr val="dk1"/>
-          </a:fillRef>
-          <a:effectRef idx="0">
-            <a:schemeClr val="dk1"/>
-          </a:effectRef>
-          <a:fontRef idx="minor">
-            <a:schemeClr val="lt1"/>
-          </a:fontRef>
-        </p:style>
-        <p:txBody>
-          <a:bodyPr rtlCol="0" anchor="ctr"/>
-          <a:lstStyle/>
-          <a:p>
-            <a:pPr algn="ctr"/>
-            <a:endParaRPr lang="zh-TW" altLang="en-US"/>
-          </a:p>
-        </p:txBody>
-      </p:sp>
-      <p:sp>
-        <p:nvSpPr>
-          <p:cNvPr id="8" name="文字方塊 7">
-            <a:extLst>
-              <a:ext uri="{FF2B5EF4-FFF2-40B4-BE49-F238E27FC236}">
-                <a16:creationId xmlns:a16="http://schemas.microsoft.com/office/drawing/2014/main" id="{8F493A46-5FD8-49FA-9F6C-D068EEDB5DA6}"/>
-              </a:ext>
-            </a:extLst>
-          </p:cNvPr>
-          <p:cNvSpPr txBox="1"/>
-          <p:nvPr/>
-        </p:nvSpPr>
-        <p:spPr>
-          <a:xfrm>
-            <a:off x="3053324" y="5427137"/>
-            <a:ext cx="5862668" cy="369332"/>
-          </a:xfrm>
-          <a:prstGeom prst="rect">
-            <a:avLst/>
-          </a:prstGeom>
-          <a:noFill/>
-        </p:spPr>
-        <p:txBody>
-          <a:bodyPr wrap="square">
-            <a:spAutoFit/>
-          </a:bodyPr>
-          <a:lstStyle/>
-          <a:p>
-            <a:r>
-              <a:rPr lang="en-US" altLang="zh-TW" b="0" dirty="0">
-                <a:solidFill>
-                  <a:srgbClr val="F8F8F2"/>
-                </a:solidFill>
-                <a:effectLst/>
-                <a:latin typeface="Consolas" panose="020B0609020204030204" pitchFamily="49" charset="0"/>
-              </a:rPr>
-              <a:t>&lt;</a:t>
-            </a:r>
-            <a:r>
-              <a:rPr lang="en-US" altLang="zh-TW" b="0" i="1" dirty="0" err="1">
-                <a:solidFill>
-                  <a:srgbClr val="66D9EF"/>
-                </a:solidFill>
-                <a:effectLst/>
-                <a:latin typeface="Consolas" panose="020B0609020204030204" pitchFamily="49" charset="0"/>
-              </a:rPr>
-              <a:t>NuxtLink</a:t>
-            </a:r>
-            <a:r>
-              <a:rPr lang="en-US" altLang="zh-TW" b="0" dirty="0">
-                <a:solidFill>
-                  <a:srgbClr val="F8F8F2"/>
-                </a:solidFill>
-                <a:effectLst/>
-                <a:latin typeface="Consolas" panose="020B0609020204030204" pitchFamily="49" charset="0"/>
-              </a:rPr>
-              <a:t> </a:t>
-            </a:r>
-            <a:r>
-              <a:rPr lang="en-US" altLang="zh-TW" b="0" dirty="0">
-                <a:solidFill>
-                  <a:srgbClr val="A6E22E"/>
-                </a:solidFill>
-                <a:effectLst/>
-                <a:latin typeface="Consolas" panose="020B0609020204030204" pitchFamily="49" charset="0"/>
-              </a:rPr>
-              <a:t>to</a:t>
-            </a:r>
-            <a:r>
-              <a:rPr lang="en-US" altLang="zh-TW" b="0" dirty="0">
-                <a:solidFill>
-                  <a:srgbClr val="F8F8F2"/>
-                </a:solidFill>
-                <a:effectLst/>
-                <a:latin typeface="Consolas" panose="020B0609020204030204" pitchFamily="49" charset="0"/>
-              </a:rPr>
-              <a:t>=</a:t>
-            </a:r>
-            <a:r>
-              <a:rPr lang="en-US" altLang="zh-TW" b="0" dirty="0">
-                <a:solidFill>
-                  <a:srgbClr val="FFEE99"/>
-                </a:solidFill>
-                <a:effectLst/>
-                <a:latin typeface="Consolas" panose="020B0609020204030204" pitchFamily="49" charset="0"/>
-              </a:rPr>
-              <a:t>"/about"</a:t>
-            </a:r>
-            <a:r>
-              <a:rPr lang="en-US" altLang="zh-TW" b="0" dirty="0">
-                <a:solidFill>
-                  <a:srgbClr val="F8F8F2"/>
-                </a:solidFill>
-                <a:effectLst/>
-                <a:latin typeface="Consolas" panose="020B0609020204030204" pitchFamily="49" charset="0"/>
-              </a:rPr>
-              <a:t>&gt;about page&lt;/</a:t>
-            </a:r>
-            <a:r>
-              <a:rPr lang="en-US" altLang="zh-TW" b="0" i="1" dirty="0" err="1">
-                <a:solidFill>
-                  <a:srgbClr val="66D9EF"/>
-                </a:solidFill>
-                <a:effectLst/>
-                <a:latin typeface="Consolas" panose="020B0609020204030204" pitchFamily="49" charset="0"/>
-              </a:rPr>
-              <a:t>NuxtLink</a:t>
-            </a:r>
-            <a:r>
-              <a:rPr lang="en-US" altLang="zh-TW" b="0" dirty="0">
-                <a:solidFill>
-                  <a:srgbClr val="F8F8F2"/>
-                </a:solidFill>
-                <a:effectLst/>
-                <a:latin typeface="Consolas" panose="020B0609020204030204" pitchFamily="49" charset="0"/>
-              </a:rPr>
-              <a:t>&gt;</a:t>
-            </a:r>
-          </a:p>
-        </p:txBody>
-      </p:sp>
-      <p:sp>
-        <p:nvSpPr>
-          <p:cNvPr id="9" name="標題 1">
-            <a:extLst>
-              <a:ext uri="{FF2B5EF4-FFF2-40B4-BE49-F238E27FC236}">
-                <a16:creationId xmlns:a16="http://schemas.microsoft.com/office/drawing/2014/main" id="{5D8D5E41-88ED-488C-B92A-7D8C2ED2E238}"/>
-              </a:ext>
-            </a:extLst>
-          </p:cNvPr>
-          <p:cNvSpPr txBox="1">
-            <a:spLocks/>
-          </p:cNvSpPr>
-          <p:nvPr/>
-        </p:nvSpPr>
-        <p:spPr>
-          <a:xfrm>
-            <a:off x="2809658" y="1648422"/>
-            <a:ext cx="5017447" cy="421586"/>
-          </a:xfrm>
-          <a:prstGeom prst="rect">
-            <a:avLst/>
-          </a:prstGeom>
-        </p:spPr>
-        <p:txBody>
-          <a:bodyPr vert="horz" lIns="91440" tIns="45720" rIns="91440" bIns="45720" rtlCol="0" anchor="ctr">
-            <a:normAutofit/>
-          </a:bodyPr>
-          <a:lstStyle>
-            <a:lvl1pPr algn="l" defTabSz="914400" rtl="0" eaLnBrk="1" latinLnBrk="0" hangingPunct="1">
-              <a:lnSpc>
-                <a:spcPct val="90000"/>
-              </a:lnSpc>
-              <a:spcBef>
-                <a:spcPct val="0"/>
-              </a:spcBef>
-              <a:buNone/>
-              <a:defRPr sz="4400" kern="1200">
-                <a:solidFill>
-                  <a:schemeClr val="tx1"/>
-                </a:solidFill>
-                <a:latin typeface="+mj-lt"/>
-                <a:ea typeface="+mj-ea"/>
-                <a:cs typeface="+mj-cs"/>
-              </a:defRPr>
-            </a:lvl1pPr>
-          </a:lstStyle>
-          <a:p>
-            <a:r>
-              <a:rPr lang="en-US" altLang="zh-TW" sz="1800" b="1" dirty="0">
-                <a:solidFill>
-                  <a:schemeClr val="bg1"/>
-                </a:solidFill>
-                <a:latin typeface="微軟正黑體" panose="020B0604030504040204" pitchFamily="34" charset="-120"/>
-                <a:ea typeface="微軟正黑體" panose="020B0604030504040204" pitchFamily="34" charset="-120"/>
-              </a:rPr>
-              <a:t>Router </a:t>
-            </a:r>
-            <a:r>
-              <a:rPr lang="zh-TW" altLang="en-US" sz="1800" b="1" dirty="0">
-                <a:solidFill>
-                  <a:schemeClr val="bg1"/>
-                </a:solidFill>
-                <a:latin typeface="微軟正黑體" panose="020B0604030504040204" pitchFamily="34" charset="-120"/>
-                <a:ea typeface="微軟正黑體" panose="020B0604030504040204" pitchFamily="34" charset="-120"/>
-              </a:rPr>
-              <a:t>更換頁面的進入點</a:t>
-            </a:r>
-          </a:p>
-        </p:txBody>
-      </p:sp>
-      <p:sp>
-        <p:nvSpPr>
-          <p:cNvPr id="10" name="標題 1">
-            <a:extLst>
-              <a:ext uri="{FF2B5EF4-FFF2-40B4-BE49-F238E27FC236}">
-                <a16:creationId xmlns:a16="http://schemas.microsoft.com/office/drawing/2014/main" id="{D9210609-20F6-48EB-97AD-3790FD687410}"/>
-              </a:ext>
-            </a:extLst>
-          </p:cNvPr>
-          <p:cNvSpPr txBox="1">
-            <a:spLocks/>
-          </p:cNvSpPr>
-          <p:nvPr/>
-        </p:nvSpPr>
-        <p:spPr>
-          <a:xfrm>
-            <a:off x="2757596" y="4822129"/>
-            <a:ext cx="5017447" cy="421586"/>
-          </a:xfrm>
-          <a:prstGeom prst="rect">
-            <a:avLst/>
-          </a:prstGeom>
-        </p:spPr>
-        <p:txBody>
-          <a:bodyPr vert="horz" lIns="91440" tIns="45720" rIns="91440" bIns="45720" rtlCol="0" anchor="ctr">
-            <a:normAutofit/>
-          </a:bodyPr>
-          <a:lstStyle>
-            <a:lvl1pPr algn="l" defTabSz="914400" rtl="0" eaLnBrk="1" latinLnBrk="0" hangingPunct="1">
-              <a:lnSpc>
-                <a:spcPct val="90000"/>
-              </a:lnSpc>
-              <a:spcBef>
-                <a:spcPct val="0"/>
-              </a:spcBef>
-              <a:buNone/>
-              <a:defRPr sz="4400" kern="1200">
-                <a:solidFill>
-                  <a:schemeClr val="tx1"/>
-                </a:solidFill>
-                <a:latin typeface="+mj-lt"/>
-                <a:ea typeface="+mj-ea"/>
-                <a:cs typeface="+mj-cs"/>
-              </a:defRPr>
-            </a:lvl1pPr>
-          </a:lstStyle>
-          <a:p>
-            <a:r>
-              <a:rPr lang="en-US" altLang="zh-TW" sz="1800" b="1" dirty="0" err="1">
-                <a:solidFill>
-                  <a:schemeClr val="bg1"/>
-                </a:solidFill>
-                <a:latin typeface="微軟正黑體" panose="020B0604030504040204" pitchFamily="34" charset="-120"/>
-                <a:ea typeface="微軟正黑體" panose="020B0604030504040204" pitchFamily="34" charset="-120"/>
-              </a:rPr>
-              <a:t>Nuxt</a:t>
-            </a:r>
-            <a:r>
-              <a:rPr lang="zh-TW" altLang="en-US" sz="1800" b="1" dirty="0">
-                <a:solidFill>
-                  <a:schemeClr val="bg1"/>
-                </a:solidFill>
-                <a:latin typeface="微軟正黑體" panose="020B0604030504040204" pitchFamily="34" charset="-120"/>
-                <a:ea typeface="微軟正黑體" panose="020B0604030504040204" pitchFamily="34" charset="-120"/>
-              </a:rPr>
-              <a:t> 切換頁面的超連結元件</a:t>
-            </a:r>
-          </a:p>
-        </p:txBody>
-      </p:sp>
-      <p:sp>
-        <p:nvSpPr>
-          <p:cNvPr id="12" name="文字方塊 11">
-            <a:extLst>
-              <a:ext uri="{FF2B5EF4-FFF2-40B4-BE49-F238E27FC236}">
-                <a16:creationId xmlns:a16="http://schemas.microsoft.com/office/drawing/2014/main" id="{20A45A65-5828-4A6B-86DC-289A984A24C4}"/>
-              </a:ext>
-            </a:extLst>
-          </p:cNvPr>
-          <p:cNvSpPr txBox="1"/>
-          <p:nvPr/>
-        </p:nvSpPr>
-        <p:spPr>
-          <a:xfrm>
-            <a:off x="2979865" y="3863166"/>
-            <a:ext cx="6096000" cy="369332"/>
-          </a:xfrm>
-          <a:prstGeom prst="rect">
-            <a:avLst/>
-          </a:prstGeom>
-          <a:noFill/>
-        </p:spPr>
-        <p:txBody>
-          <a:bodyPr wrap="square">
-            <a:spAutoFit/>
-          </a:bodyPr>
-          <a:lstStyle/>
-          <a:p>
-            <a:r>
-              <a:rPr lang="en-US" altLang="zh-TW" b="0" dirty="0">
-                <a:solidFill>
-                  <a:srgbClr val="F8F8F2"/>
-                </a:solidFill>
-                <a:effectLst/>
-                <a:latin typeface="Consolas" panose="020B0609020204030204" pitchFamily="49" charset="0"/>
-              </a:rPr>
-              <a:t>&lt;</a:t>
-            </a:r>
-            <a:r>
-              <a:rPr lang="en-US" altLang="zh-TW" b="0" i="1" dirty="0" err="1">
-                <a:solidFill>
-                  <a:srgbClr val="66D9EF"/>
-                </a:solidFill>
-                <a:effectLst/>
-                <a:latin typeface="Consolas" panose="020B0609020204030204" pitchFamily="49" charset="0"/>
-              </a:rPr>
-              <a:t>NuxtChild</a:t>
-            </a:r>
-            <a:r>
-              <a:rPr lang="en-US" altLang="zh-TW" b="0" dirty="0">
-                <a:solidFill>
-                  <a:srgbClr val="F8F8F2"/>
-                </a:solidFill>
-                <a:effectLst/>
-                <a:latin typeface="Consolas" panose="020B0609020204030204" pitchFamily="49" charset="0"/>
-              </a:rPr>
-              <a:t> /&gt;</a:t>
-            </a:r>
-          </a:p>
-        </p:txBody>
-      </p:sp>
-      <p:sp>
-        <p:nvSpPr>
-          <p:cNvPr id="14" name="標題 1">
-            <a:extLst>
-              <a:ext uri="{FF2B5EF4-FFF2-40B4-BE49-F238E27FC236}">
-                <a16:creationId xmlns:a16="http://schemas.microsoft.com/office/drawing/2014/main" id="{69D0AFD0-E266-4F40-A4A0-664AEAB1CAE7}"/>
-              </a:ext>
-            </a:extLst>
-          </p:cNvPr>
-          <p:cNvSpPr txBox="1">
-            <a:spLocks/>
-          </p:cNvSpPr>
-          <p:nvPr/>
-        </p:nvSpPr>
-        <p:spPr>
-          <a:xfrm>
-            <a:off x="2757596" y="3261121"/>
-            <a:ext cx="5017447" cy="421586"/>
-          </a:xfrm>
-          <a:prstGeom prst="rect">
-            <a:avLst/>
-          </a:prstGeom>
-        </p:spPr>
-        <p:txBody>
-          <a:bodyPr vert="horz" lIns="91440" tIns="45720" rIns="91440" bIns="45720" rtlCol="0" anchor="ctr">
-            <a:normAutofit/>
-          </a:bodyPr>
-          <a:lstStyle>
-            <a:lvl1pPr algn="l" defTabSz="914400" rtl="0" eaLnBrk="1" latinLnBrk="0" hangingPunct="1">
-              <a:lnSpc>
-                <a:spcPct val="90000"/>
-              </a:lnSpc>
-              <a:spcBef>
-                <a:spcPct val="0"/>
-              </a:spcBef>
-              <a:buNone/>
-              <a:defRPr sz="4400" kern="1200">
-                <a:solidFill>
-                  <a:schemeClr val="tx1"/>
-                </a:solidFill>
-                <a:latin typeface="+mj-lt"/>
-                <a:ea typeface="+mj-ea"/>
-                <a:cs typeface="+mj-cs"/>
-              </a:defRPr>
-            </a:lvl1pPr>
-          </a:lstStyle>
-          <a:p>
-            <a:r>
-              <a:rPr lang="zh-TW" altLang="en-US" sz="1800" b="1" dirty="0">
-                <a:solidFill>
-                  <a:schemeClr val="bg1"/>
-                </a:solidFill>
-                <a:latin typeface="微軟正黑體" panose="020B0604030504040204" pitchFamily="34" charset="-120"/>
-                <a:ea typeface="微軟正黑體" panose="020B0604030504040204" pitchFamily="34" charset="-120"/>
-              </a:rPr>
-              <a:t>嵌套 </a:t>
-            </a:r>
-            <a:r>
-              <a:rPr lang="en-US" altLang="zh-TW" sz="1800" b="1" dirty="0">
-                <a:solidFill>
-                  <a:schemeClr val="bg1"/>
-                </a:solidFill>
-                <a:latin typeface="微軟正黑體" panose="020B0604030504040204" pitchFamily="34" charset="-120"/>
-                <a:ea typeface="微軟正黑體" panose="020B0604030504040204" pitchFamily="34" charset="-120"/>
-              </a:rPr>
-              <a:t>router</a:t>
-            </a:r>
-            <a:r>
-              <a:rPr lang="zh-TW" altLang="en-US" sz="1800" b="1" dirty="0">
-                <a:solidFill>
-                  <a:schemeClr val="bg1"/>
-                </a:solidFill>
-                <a:latin typeface="微軟正黑體" panose="020B0604030504040204" pitchFamily="34" charset="-120"/>
-                <a:ea typeface="微軟正黑體" panose="020B0604030504040204" pitchFamily="34" charset="-120"/>
-              </a:rPr>
-              <a:t> 所更換頁面的進入點</a:t>
-            </a:r>
           </a:p>
         </p:txBody>
       </p:sp>
     </p:spTree>
     <p:extLst>
       <p:ext uri="{BB962C8B-B14F-4D97-AF65-F5344CB8AC3E}">
-        <p14:creationId xmlns:p14="http://schemas.microsoft.com/office/powerpoint/2010/main" val="1775119758"/>
+        <p14:creationId xmlns:p14="http://schemas.microsoft.com/office/powerpoint/2010/main" val="3128071060"/>
       </p:ext>
     </p:extLst>
   </p:cSld>
@@ -14544,7 +15700,7 @@
           <p:cNvPr id="2" name="標題 1">
             <a:extLst>
               <a:ext uri="{FF2B5EF4-FFF2-40B4-BE49-F238E27FC236}">
-                <a16:creationId xmlns:a16="http://schemas.microsoft.com/office/drawing/2014/main" id="{112BA3E3-9D25-4DE9-B150-F6EE66E14F5C}"/>
+                <a16:creationId xmlns:a16="http://schemas.microsoft.com/office/drawing/2014/main" id="{CCADE290-9011-4F39-93AB-9F74AF4C0880}"/>
               </a:ext>
             </a:extLst>
           </p:cNvPr>
@@ -14557,65 +15713,8 @@
         </p:nvSpPr>
         <p:spPr>
           <a:xfrm>
-            <a:off x="3118048" y="2773401"/>
-            <a:ext cx="5634540" cy="940994"/>
-          </a:xfrm>
-        </p:spPr>
-        <p:txBody>
-          <a:bodyPr/>
-          <a:lstStyle/>
-          <a:p>
-            <a:pPr algn="ctr"/>
-            <a:r>
-              <a:rPr lang="zh-TW" altLang="en-US" b="1" dirty="0">
-                <a:solidFill>
-                  <a:schemeClr val="bg1"/>
-                </a:solidFill>
-                <a:latin typeface="微軟正黑體" panose="020B0604030504040204" pitchFamily="34" charset="-120"/>
-                <a:ea typeface="微軟正黑體" panose="020B0604030504040204" pitchFamily="34" charset="-120"/>
-              </a:rPr>
-              <a:t>客制化</a:t>
-            </a:r>
-            <a:r>
-              <a:rPr lang="en-US" altLang="zh-TW" b="1" dirty="0">
-                <a:solidFill>
-                  <a:schemeClr val="bg1"/>
-                </a:solidFill>
-                <a:latin typeface="微軟正黑體" panose="020B0604030504040204" pitchFamily="34" charset="-120"/>
-                <a:ea typeface="微軟正黑體" panose="020B0604030504040204" pitchFamily="34" charset="-120"/>
-              </a:rPr>
-              <a:t>Loading</a:t>
-            </a:r>
-            <a:endParaRPr lang="zh-TW" altLang="en-US" b="1" dirty="0">
-              <a:solidFill>
-                <a:schemeClr val="bg1"/>
-              </a:solidFill>
-              <a:latin typeface="微軟正黑體" panose="020B0604030504040204" pitchFamily="34" charset="-120"/>
-              <a:ea typeface="微軟正黑體" panose="020B0604030504040204" pitchFamily="34" charset="-120"/>
-            </a:endParaRPr>
-          </a:p>
-        </p:txBody>
-      </p:sp>
-      <p:sp>
-        <p:nvSpPr>
-          <p:cNvPr id="3" name="內容版面配置區 2">
-            <a:extLst>
-              <a:ext uri="{FF2B5EF4-FFF2-40B4-BE49-F238E27FC236}">
-                <a16:creationId xmlns:a16="http://schemas.microsoft.com/office/drawing/2014/main" id="{61A40D72-0C4F-4D4F-9BA3-A762DF919985}"/>
-              </a:ext>
-            </a:extLst>
-          </p:cNvPr>
-          <p:cNvSpPr>
-            <a:spLocks noGrp="1"/>
-          </p:cNvSpPr>
-          <p:nvPr>
-            <p:ph idx="1"/>
-          </p:nvPr>
-        </p:nvSpPr>
-        <p:spPr>
-          <a:xfrm>
-            <a:off x="2018117" y="3714395"/>
-            <a:ext cx="7834401" cy="431642"/>
+            <a:off x="739775" y="1499672"/>
+            <a:ext cx="10515600" cy="752475"/>
           </a:xfrm>
         </p:spPr>
         <p:txBody>
@@ -14624,21 +15723,379 @@
           </a:bodyPr>
           <a:lstStyle/>
           <a:p>
-            <a:pPr marL="0" indent="0" algn="ctr">
-              <a:buNone/>
-            </a:pPr>
-            <a:r>
-              <a:rPr lang="en-US" altLang="zh-TW" sz="1800" dirty="0">
+            <a:r>
+              <a:rPr kumimoji="0" lang="en-US" altLang="zh-TW" sz="2800" b="0" i="0" u="none" strike="noStrike" cap="none" normalizeH="0" baseline="0" dirty="0">
+                <a:ln>
+                  <a:noFill/>
+                </a:ln>
                 <a:solidFill>
                   <a:schemeClr val="bg1"/>
                 </a:solidFill>
-              </a:rPr>
-              <a:t>https://nuxtjs.org/docs/2.x/configuration-glossary/configuration-loading</a:t>
-            </a:r>
-            <a:endParaRPr lang="zh-TW" altLang="en-US" sz="1800" dirty="0">
+                <a:effectLst/>
+                <a:latin typeface="Arial Unicode MS"/>
+                <a:ea typeface="Menlo"/>
+              </a:rPr>
+              <a:t>Fetch</a:t>
+            </a:r>
+            <a:r>
+              <a:rPr kumimoji="0" lang="zh-TW" altLang="en-US" sz="2800" b="0" i="0" u="none" strike="noStrike" cap="none" normalizeH="0" baseline="0" dirty="0">
+                <a:ln>
+                  <a:noFill/>
+                </a:ln>
+                <a:solidFill>
+                  <a:schemeClr val="bg1"/>
+                </a:solidFill>
+                <a:effectLst/>
+                <a:latin typeface="Arial Unicode MS"/>
+                <a:ea typeface="Menlo"/>
+              </a:rPr>
+              <a:t> 提供的參數</a:t>
+            </a:r>
+            <a:endParaRPr lang="zh-TW" altLang="en-US" sz="2800" dirty="0"/>
+          </a:p>
+        </p:txBody>
+      </p:sp>
+      <p:sp>
+        <p:nvSpPr>
+          <p:cNvPr id="6" name="文字方塊 5">
+            <a:extLst>
+              <a:ext uri="{FF2B5EF4-FFF2-40B4-BE49-F238E27FC236}">
+                <a16:creationId xmlns:a16="http://schemas.microsoft.com/office/drawing/2014/main" id="{F2576858-F905-4F78-B849-C800552403AB}"/>
+              </a:ext>
+            </a:extLst>
+          </p:cNvPr>
+          <p:cNvSpPr txBox="1"/>
+          <p:nvPr/>
+        </p:nvSpPr>
+        <p:spPr>
+          <a:xfrm>
+            <a:off x="984250" y="2628384"/>
+            <a:ext cx="10318750" cy="369332"/>
+          </a:xfrm>
+          <a:prstGeom prst="rect">
+            <a:avLst/>
+          </a:prstGeom>
+          <a:noFill/>
+        </p:spPr>
+        <p:txBody>
+          <a:bodyPr wrap="square">
+            <a:spAutoFit/>
+          </a:bodyPr>
+          <a:lstStyle/>
+          <a:p>
+            <a:r>
+              <a:rPr lang="zh-TW" altLang="en-US" dirty="0">
+                <a:solidFill>
+                  <a:schemeClr val="bg1"/>
+                </a:solidFill>
+                <a:latin typeface="微軟正黑體" panose="020B0604030504040204" pitchFamily="34" charset="-120"/>
+                <a:ea typeface="微軟正黑體" panose="020B0604030504040204" pitchFamily="34" charset="-120"/>
+              </a:rPr>
+              <a:t>$fetchState</a:t>
+            </a:r>
+            <a:r>
+              <a:rPr lang="en-US" altLang="zh-TW" dirty="0">
+                <a:solidFill>
+                  <a:schemeClr val="bg1"/>
+                </a:solidFill>
+                <a:latin typeface="微軟正黑體" panose="020B0604030504040204" pitchFamily="34" charset="-120"/>
+                <a:ea typeface="微軟正黑體" panose="020B0604030504040204" pitchFamily="34" charset="-120"/>
+              </a:rPr>
+              <a:t>.pending</a:t>
+            </a:r>
+            <a:r>
+              <a:rPr lang="zh-TW" altLang="en-US" dirty="0">
+                <a:solidFill>
+                  <a:schemeClr val="bg1"/>
+                </a:solidFill>
+                <a:latin typeface="微軟正黑體" panose="020B0604030504040204" pitchFamily="34" charset="-120"/>
+                <a:ea typeface="微軟正黑體" panose="020B0604030504040204" pitchFamily="34" charset="-120"/>
+              </a:rPr>
+              <a:t> </a:t>
+            </a:r>
+            <a:r>
+              <a:rPr lang="en-US" altLang="zh-TW" dirty="0">
+                <a:solidFill>
+                  <a:schemeClr val="accent4">
+                    <a:lumMod val="60000"/>
+                    <a:lumOff val="40000"/>
+                  </a:schemeClr>
+                </a:solidFill>
+                <a:latin typeface="微軟正黑體" panose="020B0604030504040204" pitchFamily="34" charset="-120"/>
+                <a:ea typeface="微軟正黑體" panose="020B0604030504040204" pitchFamily="34" charset="-120"/>
+              </a:rPr>
+              <a:t>( true  |  false ) </a:t>
+            </a:r>
+            <a:r>
+              <a:rPr lang="en-US" altLang="zh-TW" dirty="0">
+                <a:solidFill>
+                  <a:schemeClr val="bg1"/>
+                </a:solidFill>
+                <a:latin typeface="微軟正黑體" panose="020B0604030504040204" pitchFamily="34" charset="-120"/>
+                <a:ea typeface="微軟正黑體" panose="020B0604030504040204" pitchFamily="34" charset="-120"/>
+              </a:rPr>
+              <a:t>: </a:t>
+            </a:r>
+            <a:r>
+              <a:rPr lang="zh-TW" altLang="en-US" dirty="0">
+                <a:solidFill>
+                  <a:schemeClr val="bg1"/>
+                </a:solidFill>
+                <a:latin typeface="微軟正黑體" panose="020B0604030504040204" pitchFamily="34" charset="-120"/>
+                <a:ea typeface="微軟正黑體" panose="020B0604030504040204" pitchFamily="34" charset="-120"/>
+              </a:rPr>
+              <a:t> 讓你在 </a:t>
+            </a:r>
+            <a:r>
+              <a:rPr lang="en-US" altLang="zh-TW" dirty="0">
+                <a:solidFill>
+                  <a:schemeClr val="bg1"/>
+                </a:solidFill>
+                <a:latin typeface="微軟正黑體" panose="020B0604030504040204" pitchFamily="34" charset="-120"/>
+                <a:ea typeface="微軟正黑體" panose="020B0604030504040204" pitchFamily="34" charset="-120"/>
+              </a:rPr>
+              <a:t>client</a:t>
+            </a:r>
+            <a:r>
+              <a:rPr lang="zh-TW" altLang="en-US" dirty="0">
+                <a:solidFill>
+                  <a:schemeClr val="bg1"/>
+                </a:solidFill>
+                <a:latin typeface="微軟正黑體" panose="020B0604030504040204" pitchFamily="34" charset="-120"/>
+                <a:ea typeface="微軟正黑體" panose="020B0604030504040204" pitchFamily="34" charset="-120"/>
+              </a:rPr>
+              <a:t> 端去判斷 </a:t>
+            </a:r>
+            <a:r>
+              <a:rPr lang="en-US" altLang="zh-TW" dirty="0">
+                <a:solidFill>
+                  <a:schemeClr val="bg1"/>
+                </a:solidFill>
+                <a:latin typeface="微軟正黑體" panose="020B0604030504040204" pitchFamily="34" charset="-120"/>
+                <a:ea typeface="微軟正黑體" panose="020B0604030504040204" pitchFamily="34" charset="-120"/>
+              </a:rPr>
+              <a:t>API</a:t>
+            </a:r>
+            <a:r>
+              <a:rPr lang="zh-TW" altLang="en-US" dirty="0">
+                <a:solidFill>
+                  <a:schemeClr val="bg1"/>
+                </a:solidFill>
+                <a:latin typeface="微軟正黑體" panose="020B0604030504040204" pitchFamily="34" charset="-120"/>
+                <a:ea typeface="微軟正黑體" panose="020B0604030504040204" pitchFamily="34" charset="-120"/>
+              </a:rPr>
+              <a:t> 載入完成沒有</a:t>
+            </a:r>
+          </a:p>
+        </p:txBody>
+      </p:sp>
+      <p:sp>
+        <p:nvSpPr>
+          <p:cNvPr id="8" name="文字方塊 7">
+            <a:extLst>
+              <a:ext uri="{FF2B5EF4-FFF2-40B4-BE49-F238E27FC236}">
+                <a16:creationId xmlns:a16="http://schemas.microsoft.com/office/drawing/2014/main" id="{5C1972AC-67F7-4EE7-8E85-64BB1D44CF3C}"/>
+              </a:ext>
+            </a:extLst>
+          </p:cNvPr>
+          <p:cNvSpPr txBox="1"/>
+          <p:nvPr/>
+        </p:nvSpPr>
+        <p:spPr>
+          <a:xfrm>
+            <a:off x="984250" y="3373953"/>
+            <a:ext cx="9943114" cy="369332"/>
+          </a:xfrm>
+          <a:prstGeom prst="rect">
+            <a:avLst/>
+          </a:prstGeom>
+          <a:noFill/>
+        </p:spPr>
+        <p:txBody>
+          <a:bodyPr wrap="square">
+            <a:spAutoFit/>
+          </a:bodyPr>
+          <a:lstStyle/>
+          <a:p>
+            <a:r>
+              <a:rPr lang="zh-TW" altLang="en-US" dirty="0">
+                <a:solidFill>
+                  <a:schemeClr val="bg1"/>
+                </a:solidFill>
+                <a:latin typeface="微軟正黑體" panose="020B0604030504040204" pitchFamily="34" charset="-120"/>
+                <a:ea typeface="微軟正黑體" panose="020B0604030504040204" pitchFamily="34" charset="-120"/>
+              </a:rPr>
+              <a:t>$fetchState</a:t>
+            </a:r>
+            <a:r>
+              <a:rPr lang="en-US" altLang="zh-TW" dirty="0">
+                <a:solidFill>
+                  <a:schemeClr val="bg1"/>
+                </a:solidFill>
+                <a:latin typeface="微軟正黑體" panose="020B0604030504040204" pitchFamily="34" charset="-120"/>
+                <a:ea typeface="微軟正黑體" panose="020B0604030504040204" pitchFamily="34" charset="-120"/>
+              </a:rPr>
+              <a:t>.error </a:t>
+            </a:r>
+            <a:r>
+              <a:rPr lang="en-US" altLang="zh-TW" dirty="0">
+                <a:solidFill>
+                  <a:schemeClr val="accent4">
+                    <a:lumMod val="60000"/>
+                    <a:lumOff val="40000"/>
+                  </a:schemeClr>
+                </a:solidFill>
+                <a:latin typeface="微軟正黑體" panose="020B0604030504040204" pitchFamily="34" charset="-120"/>
+                <a:ea typeface="微軟正黑體" panose="020B0604030504040204" pitchFamily="34" charset="-120"/>
+              </a:rPr>
+              <a:t>( null  |  { } )</a:t>
+            </a:r>
+            <a:r>
+              <a:rPr lang="zh-TW" altLang="en-US" dirty="0">
+                <a:solidFill>
+                  <a:schemeClr val="accent4">
+                    <a:lumMod val="60000"/>
+                    <a:lumOff val="40000"/>
+                  </a:schemeClr>
+                </a:solidFill>
+                <a:latin typeface="微軟正黑體" panose="020B0604030504040204" pitchFamily="34" charset="-120"/>
+                <a:ea typeface="微軟正黑體" panose="020B0604030504040204" pitchFamily="34" charset="-120"/>
+              </a:rPr>
+              <a:t> </a:t>
+            </a:r>
+            <a:r>
+              <a:rPr lang="en-US" altLang="zh-TW" dirty="0">
+                <a:solidFill>
+                  <a:schemeClr val="bg1"/>
+                </a:solidFill>
+                <a:latin typeface="微軟正黑體" panose="020B0604030504040204" pitchFamily="34" charset="-120"/>
+                <a:ea typeface="微軟正黑體" panose="020B0604030504040204" pitchFamily="34" charset="-120"/>
+              </a:rPr>
+              <a:t>:</a:t>
+            </a:r>
+            <a:r>
+              <a:rPr lang="zh-TW" altLang="en-US" dirty="0">
+                <a:solidFill>
+                  <a:schemeClr val="bg1"/>
+                </a:solidFill>
+                <a:latin typeface="微軟正黑體" panose="020B0604030504040204" pitchFamily="34" charset="-120"/>
+                <a:ea typeface="微軟正黑體" panose="020B0604030504040204" pitchFamily="34" charset="-120"/>
+              </a:rPr>
+              <a:t> 當發生畫面上的內容發生錯誤的時候，去判斷錯誤的部分</a:t>
+            </a:r>
+          </a:p>
+        </p:txBody>
+      </p:sp>
+      <p:sp>
+        <p:nvSpPr>
+          <p:cNvPr id="9" name="文字方塊 8">
+            <a:extLst>
+              <a:ext uri="{FF2B5EF4-FFF2-40B4-BE49-F238E27FC236}">
+                <a16:creationId xmlns:a16="http://schemas.microsoft.com/office/drawing/2014/main" id="{F53433B4-1776-4568-965B-601FBD17C49D}"/>
+              </a:ext>
+            </a:extLst>
+          </p:cNvPr>
+          <p:cNvSpPr txBox="1"/>
+          <p:nvPr/>
+        </p:nvSpPr>
+        <p:spPr>
+          <a:xfrm>
+            <a:off x="984250" y="4103648"/>
+            <a:ext cx="8655050" cy="369332"/>
+          </a:xfrm>
+          <a:prstGeom prst="rect">
+            <a:avLst/>
+          </a:prstGeom>
+          <a:noFill/>
+        </p:spPr>
+        <p:txBody>
+          <a:bodyPr wrap="square">
+            <a:spAutoFit/>
+          </a:bodyPr>
+          <a:lstStyle/>
+          <a:p>
+            <a:r>
+              <a:rPr lang="zh-TW" altLang="en-US" dirty="0">
+                <a:solidFill>
+                  <a:schemeClr val="bg1"/>
+                </a:solidFill>
+                <a:latin typeface="微軟正黑體" panose="020B0604030504040204" pitchFamily="34" charset="-120"/>
+                <a:ea typeface="微軟正黑體" panose="020B0604030504040204" pitchFamily="34" charset="-120"/>
+              </a:rPr>
+              <a:t>$fetchState</a:t>
+            </a:r>
+            <a:r>
+              <a:rPr lang="en-US" altLang="zh-TW" dirty="0">
+                <a:solidFill>
+                  <a:schemeClr val="bg1"/>
+                </a:solidFill>
+                <a:latin typeface="微軟正黑體" panose="020B0604030504040204" pitchFamily="34" charset="-120"/>
+                <a:ea typeface="微軟正黑體" panose="020B0604030504040204" pitchFamily="34" charset="-120"/>
+              </a:rPr>
+              <a:t>.timestamp </a:t>
+            </a:r>
+            <a:r>
+              <a:rPr lang="en-US" altLang="zh-TW" dirty="0">
+                <a:solidFill>
+                  <a:schemeClr val="accent4">
+                    <a:lumMod val="60000"/>
+                    <a:lumOff val="40000"/>
+                  </a:schemeClr>
+                </a:solidFill>
+                <a:latin typeface="微軟正黑體" panose="020B0604030504040204" pitchFamily="34" charset="-120"/>
+                <a:ea typeface="微軟正黑體" panose="020B0604030504040204" pitchFamily="34" charset="-120"/>
+              </a:rPr>
+              <a:t>(  Integer  )</a:t>
+            </a:r>
+            <a:r>
+              <a:rPr lang="zh-TW" altLang="en-US" dirty="0">
+                <a:solidFill>
+                  <a:schemeClr val="accent4">
+                    <a:lumMod val="60000"/>
+                    <a:lumOff val="40000"/>
+                  </a:schemeClr>
+                </a:solidFill>
+                <a:latin typeface="微軟正黑體" panose="020B0604030504040204" pitchFamily="34" charset="-120"/>
+                <a:ea typeface="微軟正黑體" panose="020B0604030504040204" pitchFamily="34" charset="-120"/>
+              </a:rPr>
+              <a:t> </a:t>
+            </a:r>
+            <a:r>
+              <a:rPr lang="en-US" altLang="zh-TW" dirty="0">
+                <a:solidFill>
+                  <a:schemeClr val="bg1"/>
+                </a:solidFill>
+                <a:latin typeface="微軟正黑體" panose="020B0604030504040204" pitchFamily="34" charset="-120"/>
+                <a:ea typeface="微軟正黑體" panose="020B0604030504040204" pitchFamily="34" charset="-120"/>
+              </a:rPr>
+              <a:t>:</a:t>
+            </a:r>
+            <a:r>
+              <a:rPr lang="zh-TW" altLang="en-US" dirty="0">
+                <a:solidFill>
+                  <a:schemeClr val="bg1"/>
+                </a:solidFill>
+                <a:latin typeface="微軟正黑體" panose="020B0604030504040204" pitchFamily="34" charset="-120"/>
+                <a:ea typeface="微軟正黑體" panose="020B0604030504040204" pitchFamily="34" charset="-120"/>
+              </a:rPr>
+              <a:t> 顯示最後一次非同步處理的時間</a:t>
+            </a:r>
+            <a:r>
+              <a:rPr lang="en-US" altLang="zh-TW" dirty="0">
+                <a:solidFill>
+                  <a:schemeClr val="bg1"/>
+                </a:solidFill>
+                <a:latin typeface="微軟正黑體" panose="020B0604030504040204" pitchFamily="34" charset="-120"/>
+                <a:ea typeface="微軟正黑體" panose="020B0604030504040204" pitchFamily="34" charset="-120"/>
+              </a:rPr>
+              <a:t> </a:t>
+            </a:r>
+            <a:endParaRPr lang="zh-TW" altLang="en-US" dirty="0">
               <a:solidFill>
                 <a:schemeClr val="bg1"/>
               </a:solidFill>
+              <a:latin typeface="微軟正黑體" panose="020B0604030504040204" pitchFamily="34" charset="-120"/>
+              <a:ea typeface="微軟正黑體" panose="020B0604030504040204" pitchFamily="34" charset="-120"/>
             </a:endParaRPr>
           </a:p>
         </p:txBody>
@@ -14646,7 +16103,7 @@
     </p:spTree>
     <p:extLst>
       <p:ext uri="{BB962C8B-B14F-4D97-AF65-F5344CB8AC3E}">
-        <p14:creationId xmlns:p14="http://schemas.microsoft.com/office/powerpoint/2010/main" val="3238687708"/>
+        <p14:creationId xmlns:p14="http://schemas.microsoft.com/office/powerpoint/2010/main" val="83799321"/>
       </p:ext>
     </p:extLst>
   </p:cSld>

--- a/nuxt.pptx
+++ b/nuxt.pptx
@@ -27,9 +27,12 @@
     <p:sldId id="279" r:id="rId21"/>
     <p:sldId id="281" r:id="rId22"/>
     <p:sldId id="280" r:id="rId23"/>
-    <p:sldId id="269" r:id="rId24"/>
-    <p:sldId id="265" r:id="rId25"/>
-    <p:sldId id="268" r:id="rId26"/>
+    <p:sldId id="285" r:id="rId24"/>
+    <p:sldId id="286" r:id="rId25"/>
+    <p:sldId id="287" r:id="rId26"/>
+    <p:sldId id="269" r:id="rId27"/>
+    <p:sldId id="265" r:id="rId28"/>
+    <p:sldId id="268" r:id="rId29"/>
   </p:sldIdLst>
   <p:sldSz cx="12192000" cy="6858000"/>
   <p:notesSz cx="6858000" cy="9144000"/>
@@ -155,6 +158,9 @@
             <p14:sldId id="279"/>
             <p14:sldId id="281"/>
             <p14:sldId id="280"/>
+            <p14:sldId id="285"/>
+            <p14:sldId id="286"/>
+            <p14:sldId id="287"/>
             <p14:sldId id="269"/>
             <p14:sldId id="265"/>
             <p14:sldId id="268"/>
@@ -328,7 +334,7 @@
           <a:p>
             <a:fld id="{55B5673A-2C76-400E-AECF-A7C5CD58B306}" type="datetimeFigureOut">
               <a:rPr lang="zh-TW" altLang="en-US" smtClean="0"/>
-              <a:t>2020/12/20</a:t>
+              <a:t>2020/12/21</a:t>
             </a:fld>
             <a:endParaRPr lang="zh-TW" altLang="en-US"/>
           </a:p>
@@ -526,7 +532,7 @@
           <a:p>
             <a:fld id="{55B5673A-2C76-400E-AECF-A7C5CD58B306}" type="datetimeFigureOut">
               <a:rPr lang="zh-TW" altLang="en-US" smtClean="0"/>
-              <a:t>2020/12/20</a:t>
+              <a:t>2020/12/21</a:t>
             </a:fld>
             <a:endParaRPr lang="zh-TW" altLang="en-US"/>
           </a:p>
@@ -734,7 +740,7 @@
           <a:p>
             <a:fld id="{55B5673A-2C76-400E-AECF-A7C5CD58B306}" type="datetimeFigureOut">
               <a:rPr lang="zh-TW" altLang="en-US" smtClean="0"/>
-              <a:t>2020/12/20</a:t>
+              <a:t>2020/12/21</a:t>
             </a:fld>
             <a:endParaRPr lang="zh-TW" altLang="en-US"/>
           </a:p>
@@ -932,7 +938,7 @@
           <a:p>
             <a:fld id="{55B5673A-2C76-400E-AECF-A7C5CD58B306}" type="datetimeFigureOut">
               <a:rPr lang="zh-TW" altLang="en-US" smtClean="0"/>
-              <a:t>2020/12/20</a:t>
+              <a:t>2020/12/21</a:t>
             </a:fld>
             <a:endParaRPr lang="zh-TW" altLang="en-US"/>
           </a:p>
@@ -1207,7 +1213,7 @@
           <a:p>
             <a:fld id="{55B5673A-2C76-400E-AECF-A7C5CD58B306}" type="datetimeFigureOut">
               <a:rPr lang="zh-TW" altLang="en-US" smtClean="0"/>
-              <a:t>2020/12/20</a:t>
+              <a:t>2020/12/21</a:t>
             </a:fld>
             <a:endParaRPr lang="zh-TW" altLang="en-US"/>
           </a:p>
@@ -1472,7 +1478,7 @@
           <a:p>
             <a:fld id="{55B5673A-2C76-400E-AECF-A7C5CD58B306}" type="datetimeFigureOut">
               <a:rPr lang="zh-TW" altLang="en-US" smtClean="0"/>
-              <a:t>2020/12/20</a:t>
+              <a:t>2020/12/21</a:t>
             </a:fld>
             <a:endParaRPr lang="zh-TW" altLang="en-US"/>
           </a:p>
@@ -1884,7 +1890,7 @@
           <a:p>
             <a:fld id="{55B5673A-2C76-400E-AECF-A7C5CD58B306}" type="datetimeFigureOut">
               <a:rPr lang="zh-TW" altLang="en-US" smtClean="0"/>
-              <a:t>2020/12/20</a:t>
+              <a:t>2020/12/21</a:t>
             </a:fld>
             <a:endParaRPr lang="zh-TW" altLang="en-US"/>
           </a:p>
@@ -2025,7 +2031,7 @@
           <a:p>
             <a:fld id="{55B5673A-2C76-400E-AECF-A7C5CD58B306}" type="datetimeFigureOut">
               <a:rPr lang="zh-TW" altLang="en-US" smtClean="0"/>
-              <a:t>2020/12/20</a:t>
+              <a:t>2020/12/21</a:t>
             </a:fld>
             <a:endParaRPr lang="zh-TW" altLang="en-US"/>
           </a:p>
@@ -2138,7 +2144,7 @@
           <a:p>
             <a:fld id="{55B5673A-2C76-400E-AECF-A7C5CD58B306}" type="datetimeFigureOut">
               <a:rPr lang="zh-TW" altLang="en-US" smtClean="0"/>
-              <a:t>2020/12/20</a:t>
+              <a:t>2020/12/21</a:t>
             </a:fld>
             <a:endParaRPr lang="zh-TW" altLang="en-US"/>
           </a:p>
@@ -2449,7 +2455,7 @@
           <a:p>
             <a:fld id="{55B5673A-2C76-400E-AECF-A7C5CD58B306}" type="datetimeFigureOut">
               <a:rPr lang="zh-TW" altLang="en-US" smtClean="0"/>
-              <a:t>2020/12/20</a:t>
+              <a:t>2020/12/21</a:t>
             </a:fld>
             <a:endParaRPr lang="zh-TW" altLang="en-US"/>
           </a:p>
@@ -2737,7 +2743,7 @@
           <a:p>
             <a:fld id="{55B5673A-2C76-400E-AECF-A7C5CD58B306}" type="datetimeFigureOut">
               <a:rPr lang="zh-TW" altLang="en-US" smtClean="0"/>
-              <a:t>2020/12/20</a:t>
+              <a:t>2020/12/21</a:t>
             </a:fld>
             <a:endParaRPr lang="zh-TW" altLang="en-US"/>
           </a:p>
@@ -2981,7 +2987,7 @@
           <a:p>
             <a:fld id="{55B5673A-2C76-400E-AECF-A7C5CD58B306}" type="datetimeFigureOut">
               <a:rPr lang="zh-TW" altLang="en-US" smtClean="0"/>
-              <a:t>2020/12/20</a:t>
+              <a:t>2020/12/21</a:t>
             </a:fld>
             <a:endParaRPr lang="zh-TW" altLang="en-US"/>
           </a:p>
@@ -12197,6 +12203,2670 @@
       </p:grpSpPr>
       <p:sp>
         <p:nvSpPr>
+          <p:cNvPr id="2" name="標題 1">
+            <a:extLst>
+              <a:ext uri="{FF2B5EF4-FFF2-40B4-BE49-F238E27FC236}">
+                <a16:creationId xmlns:a16="http://schemas.microsoft.com/office/drawing/2014/main" id="{ED06A919-C24F-4E16-8266-EC3BA7ABA7A3}"/>
+              </a:ext>
+            </a:extLst>
+          </p:cNvPr>
+          <p:cNvSpPr>
+            <a:spLocks noGrp="1"/>
+          </p:cNvSpPr>
+          <p:nvPr>
+            <p:ph type="title"/>
+          </p:nvPr>
+        </p:nvSpPr>
+        <p:spPr>
+          <a:xfrm>
+            <a:off x="2858446" y="2590237"/>
+            <a:ext cx="6475107" cy="838763"/>
+          </a:xfrm>
+        </p:spPr>
+        <p:txBody>
+          <a:bodyPr/>
+          <a:lstStyle/>
+          <a:p>
+            <a:pPr algn="ctr"/>
+            <a:r>
+              <a:rPr lang="en-US" altLang="zh-TW" b="1" dirty="0" err="1">
+                <a:solidFill>
+                  <a:schemeClr val="bg1"/>
+                </a:solidFill>
+                <a:latin typeface="微軟正黑體" panose="020B0604030504040204" pitchFamily="34" charset="-120"/>
+                <a:ea typeface="微軟正黑體" panose="020B0604030504040204" pitchFamily="34" charset="-120"/>
+              </a:rPr>
+              <a:t>Nuxt</a:t>
+            </a:r>
+            <a:r>
+              <a:rPr lang="en-US" altLang="zh-TW" b="1" dirty="0">
+                <a:solidFill>
+                  <a:schemeClr val="bg1"/>
+                </a:solidFill>
+                <a:latin typeface="微軟正黑體" panose="020B0604030504040204" pitchFamily="34" charset="-120"/>
+                <a:ea typeface="微軟正黑體" panose="020B0604030504040204" pitchFamily="34" charset="-120"/>
+              </a:rPr>
+              <a:t> -</a:t>
+            </a:r>
+            <a:r>
+              <a:rPr lang="zh-TW" altLang="en-US" b="1" dirty="0">
+                <a:solidFill>
+                  <a:schemeClr val="bg1"/>
+                </a:solidFill>
+                <a:latin typeface="微軟正黑體" panose="020B0604030504040204" pitchFamily="34" charset="-120"/>
+                <a:ea typeface="微軟正黑體" panose="020B0604030504040204" pitchFamily="34" charset="-120"/>
+              </a:rPr>
+              <a:t>多國語系開發</a:t>
+            </a:r>
+          </a:p>
+        </p:txBody>
+      </p:sp>
+      <p:sp>
+        <p:nvSpPr>
+          <p:cNvPr id="3" name="內容版面配置區 2">
+            <a:extLst>
+              <a:ext uri="{FF2B5EF4-FFF2-40B4-BE49-F238E27FC236}">
+                <a16:creationId xmlns:a16="http://schemas.microsoft.com/office/drawing/2014/main" id="{8B975C97-D591-424F-8EC1-36A4C2E09689}"/>
+              </a:ext>
+            </a:extLst>
+          </p:cNvPr>
+          <p:cNvSpPr>
+            <a:spLocks noGrp="1"/>
+          </p:cNvSpPr>
+          <p:nvPr>
+            <p:ph idx="1"/>
+          </p:nvPr>
+        </p:nvSpPr>
+        <p:spPr>
+          <a:xfrm>
+            <a:off x="3522001" y="3429000"/>
+            <a:ext cx="5147996" cy="607707"/>
+          </a:xfrm>
+        </p:spPr>
+        <p:txBody>
+          <a:bodyPr/>
+          <a:lstStyle/>
+          <a:p>
+            <a:pPr marL="0" indent="0" algn="ctr">
+              <a:buNone/>
+            </a:pPr>
+            <a:r>
+              <a:rPr lang="en-US" altLang="zh-TW" dirty="0">
+                <a:solidFill>
+                  <a:schemeClr val="bg1"/>
+                </a:solidFill>
+              </a:rPr>
+              <a:t>https://i18n.nuxtjs.org/</a:t>
+            </a:r>
+            <a:endParaRPr lang="zh-TW" altLang="en-US" dirty="0">
+              <a:solidFill>
+                <a:schemeClr val="bg1"/>
+              </a:solidFill>
+            </a:endParaRPr>
+          </a:p>
+        </p:txBody>
+      </p:sp>
+      <p:sp>
+        <p:nvSpPr>
+          <p:cNvPr id="4" name="矩形 3">
+            <a:extLst>
+              <a:ext uri="{FF2B5EF4-FFF2-40B4-BE49-F238E27FC236}">
+                <a16:creationId xmlns:a16="http://schemas.microsoft.com/office/drawing/2014/main" id="{86328D34-CEA0-463A-9D57-D97CB05A9D90}"/>
+              </a:ext>
+            </a:extLst>
+          </p:cNvPr>
+          <p:cNvSpPr/>
+          <p:nvPr/>
+        </p:nvSpPr>
+        <p:spPr>
+          <a:xfrm>
+            <a:off x="4187568" y="4133833"/>
+            <a:ext cx="3922760" cy="687220"/>
+          </a:xfrm>
+          <a:prstGeom prst="rect">
+            <a:avLst/>
+          </a:prstGeom>
+        </p:spPr>
+        <p:style>
+          <a:lnRef idx="2">
+            <a:schemeClr val="dk1">
+              <a:shade val="50000"/>
+            </a:schemeClr>
+          </a:lnRef>
+          <a:fillRef idx="1">
+            <a:schemeClr val="dk1"/>
+          </a:fillRef>
+          <a:effectRef idx="0">
+            <a:schemeClr val="dk1"/>
+          </a:effectRef>
+          <a:fontRef idx="minor">
+            <a:schemeClr val="lt1"/>
+          </a:fontRef>
+        </p:style>
+        <p:txBody>
+          <a:bodyPr rtlCol="0" anchor="ctr"/>
+          <a:lstStyle/>
+          <a:p>
+            <a:pPr algn="ctr"/>
+            <a:endParaRPr lang="zh-TW" altLang="en-US"/>
+          </a:p>
+        </p:txBody>
+      </p:sp>
+      <p:sp>
+        <p:nvSpPr>
+          <p:cNvPr id="5" name="Rectangle 1">
+            <a:extLst>
+              <a:ext uri="{FF2B5EF4-FFF2-40B4-BE49-F238E27FC236}">
+                <a16:creationId xmlns:a16="http://schemas.microsoft.com/office/drawing/2014/main" id="{A2DBEF6A-082F-42D2-B276-5085087746D1}"/>
+              </a:ext>
+            </a:extLst>
+          </p:cNvPr>
+          <p:cNvSpPr>
+            <a:spLocks noChangeArrowheads="1"/>
+          </p:cNvSpPr>
+          <p:nvPr/>
+        </p:nvSpPr>
+        <p:spPr bwMode="auto">
+          <a:xfrm>
+            <a:off x="4293703" y="4315002"/>
+            <a:ext cx="3527685" cy="387901"/>
+          </a:xfrm>
+          <a:prstGeom prst="rect">
+            <a:avLst/>
+          </a:prstGeom>
+          <a:noFill/>
+          <a:ln>
+            <a:noFill/>
+          </a:ln>
+          <a:effectLst/>
+          <a:extLst>
+            <a:ext uri="{909E8E84-426E-40DD-AFC4-6F175D3DCCD1}">
+              <a14:hiddenFill xmlns:a14="http://schemas.microsoft.com/office/drawing/2010/main">
+                <a:solidFill>
+                  <a:schemeClr val="accent1"/>
+                </a:solidFill>
+              </a14:hiddenFill>
+            </a:ext>
+            <a:ext uri="{91240B29-F687-4F45-9708-019B960494DF}">
+              <a14:hiddenLine xmlns:a14="http://schemas.microsoft.com/office/drawing/2010/main" w="9525">
+                <a:solidFill>
+                  <a:schemeClr val="tx1"/>
+                </a:solidFill>
+                <a:miter lim="800000"/>
+                <a:headEnd/>
+                <a:tailEnd/>
+              </a14:hiddenLine>
+            </a:ext>
+            <a:ext uri="{AF507438-7753-43E0-B8FC-AC1667EBCBE1}">
+              <a14:hiddenEffects xmlns:a14="http://schemas.microsoft.com/office/drawing/2010/main">
+                <a:effectLst>
+                  <a:outerShdw dist="35921" dir="2700000" algn="ctr" rotWithShape="0">
+                    <a:schemeClr val="bg2"/>
+                  </a:outerShdw>
+                </a:effectLst>
+              </a14:hiddenEffects>
+            </a:ext>
+          </a:extLst>
+        </p:spPr>
+        <p:txBody>
+          <a:bodyPr vert="horz" wrap="square" lIns="0" tIns="0" rIns="0" bIns="79350" numCol="1" anchor="ctr" anchorCtr="0" compatLnSpc="1">
+            <a:prstTxWarp prst="textNoShape">
+              <a:avLst/>
+            </a:prstTxWarp>
+            <a:spAutoFit/>
+          </a:bodyPr>
+          <a:lstStyle/>
+          <a:p>
+            <a:pPr marL="0" marR="0" lvl="0" indent="0" algn="ctr" defTabSz="914400" rtl="0" eaLnBrk="0" fontAlgn="base" latinLnBrk="0" hangingPunct="0">
+              <a:lnSpc>
+                <a:spcPct val="100000"/>
+              </a:lnSpc>
+              <a:spcBef>
+                <a:spcPct val="0"/>
+              </a:spcBef>
+              <a:spcAft>
+                <a:spcPct val="0"/>
+              </a:spcAft>
+              <a:buClrTx/>
+              <a:buSzTx/>
+              <a:buFontTx/>
+              <a:buNone/>
+              <a:tabLst/>
+            </a:pPr>
+            <a:r>
+              <a:rPr kumimoji="0" lang="zh-TW" altLang="zh-TW" sz="2000" b="0" i="0" u="none" strike="noStrike" cap="none" normalizeH="0" baseline="0" dirty="0">
+                <a:ln>
+                  <a:noFill/>
+                </a:ln>
+                <a:solidFill>
+                  <a:srgbClr val="C792EA"/>
+                </a:solidFill>
+                <a:effectLst/>
+                <a:latin typeface="Arial Unicode MS"/>
+                <a:ea typeface="DM Mono"/>
+              </a:rPr>
+              <a:t>npm</a:t>
+            </a:r>
+            <a:r>
+              <a:rPr kumimoji="0" lang="zh-TW" altLang="zh-TW" sz="2000" b="0" i="0" u="none" strike="noStrike" cap="none" normalizeH="0" baseline="0" dirty="0">
+                <a:ln>
+                  <a:noFill/>
+                </a:ln>
+                <a:solidFill>
+                  <a:srgbClr val="C3CEE3"/>
+                </a:solidFill>
+                <a:effectLst/>
+                <a:latin typeface="Arial Unicode MS"/>
+                <a:ea typeface="DM Mono"/>
+              </a:rPr>
+              <a:t> </a:t>
+            </a:r>
+            <a:r>
+              <a:rPr kumimoji="0" lang="zh-TW" altLang="zh-TW" sz="2000" b="0" i="0" u="none" strike="noStrike" cap="none" normalizeH="0" baseline="0" dirty="0">
+                <a:ln>
+                  <a:noFill/>
+                </a:ln>
+                <a:solidFill>
+                  <a:srgbClr val="C792EA"/>
+                </a:solidFill>
+                <a:effectLst/>
+                <a:latin typeface="Arial Unicode MS"/>
+                <a:ea typeface="DM Mono"/>
+              </a:rPr>
+              <a:t>install</a:t>
+            </a:r>
+            <a:r>
+              <a:rPr kumimoji="0" lang="zh-TW" altLang="zh-TW" sz="2000" b="0" i="0" u="none" strike="noStrike" cap="none" normalizeH="0" baseline="0" dirty="0">
+                <a:ln>
+                  <a:noFill/>
+                </a:ln>
+                <a:solidFill>
+                  <a:srgbClr val="C3CEE3"/>
+                </a:solidFill>
+                <a:effectLst/>
+                <a:latin typeface="Arial Unicode MS"/>
+                <a:ea typeface="DM Mono"/>
+              </a:rPr>
+              <a:t> nuxt-i18n</a:t>
+            </a:r>
+            <a:r>
+              <a:rPr lang="zh-TW" altLang="en-US" sz="2000" dirty="0">
+                <a:solidFill>
+                  <a:srgbClr val="C3CEE3"/>
+                </a:solidFill>
+                <a:latin typeface="Arial Unicode MS"/>
+                <a:ea typeface="DM Mono"/>
+              </a:rPr>
+              <a:t> </a:t>
+            </a:r>
+            <a:r>
+              <a:rPr lang="en-US" altLang="zh-TW" sz="2000" dirty="0">
+                <a:solidFill>
+                  <a:srgbClr val="C3CEE3"/>
+                </a:solidFill>
+                <a:latin typeface="Arial Unicode MS"/>
+                <a:ea typeface="DM Mono"/>
+              </a:rPr>
+              <a:t>-S</a:t>
+            </a:r>
+            <a:r>
+              <a:rPr kumimoji="0" lang="zh-TW" altLang="zh-TW" sz="1200" b="0" i="0" u="none" strike="noStrike" cap="none" normalizeH="0" baseline="0" dirty="0">
+                <a:ln>
+                  <a:noFill/>
+                </a:ln>
+                <a:solidFill>
+                  <a:schemeClr val="tx1"/>
+                </a:solidFill>
+                <a:effectLst/>
+              </a:rPr>
+              <a:t> </a:t>
+            </a:r>
+            <a:endParaRPr kumimoji="0" lang="zh-TW" altLang="zh-TW" sz="4400" b="0" i="0" u="none" strike="noStrike" cap="none" normalizeH="0" baseline="0" dirty="0">
+              <a:ln>
+                <a:noFill/>
+              </a:ln>
+              <a:solidFill>
+                <a:schemeClr val="tx1"/>
+              </a:solidFill>
+              <a:effectLst/>
+              <a:latin typeface="Arial" panose="020B0604020202020204" pitchFamily="34" charset="0"/>
+            </a:endParaRPr>
+          </a:p>
+        </p:txBody>
+      </p:sp>
+    </p:spTree>
+    <p:extLst>
+      <p:ext uri="{BB962C8B-B14F-4D97-AF65-F5344CB8AC3E}">
+        <p14:creationId xmlns:p14="http://schemas.microsoft.com/office/powerpoint/2010/main" val="1480983064"/>
+      </p:ext>
+    </p:extLst>
+  </p:cSld>
+  <p:clrMapOvr>
+    <a:masterClrMapping/>
+  </p:clrMapOvr>
+</p:sld>
+</file>
+
+<file path=ppt/slides/slide24.xml><?xml version="1.0" encoding="utf-8"?>
+<p:sld xmlns:a="http://schemas.openxmlformats.org/drawingml/2006/main" xmlns:r="http://schemas.openxmlformats.org/officeDocument/2006/relationships" xmlns:p="http://schemas.openxmlformats.org/presentationml/2006/main">
+  <p:cSld>
+    <p:spTree>
+      <p:nvGrpSpPr>
+        <p:cNvPr id="1" name=""/>
+        <p:cNvGrpSpPr/>
+        <p:nvPr/>
+      </p:nvGrpSpPr>
+      <p:grpSpPr>
+        <a:xfrm>
+          <a:off x="0" y="0"/>
+          <a:ext cx="0" cy="0"/>
+          <a:chOff x="0" y="0"/>
+          <a:chExt cx="0" cy="0"/>
+        </a:xfrm>
+      </p:grpSpPr>
+      <p:grpSp>
+        <p:nvGrpSpPr>
+          <p:cNvPr id="12" name="群組 11">
+            <a:extLst>
+              <a:ext uri="{FF2B5EF4-FFF2-40B4-BE49-F238E27FC236}">
+                <a16:creationId xmlns:a16="http://schemas.microsoft.com/office/drawing/2014/main" id="{0109085E-B00E-42D4-93A6-740C5CECA946}"/>
+              </a:ext>
+            </a:extLst>
+          </p:cNvPr>
+          <p:cNvGrpSpPr/>
+          <p:nvPr/>
+        </p:nvGrpSpPr>
+        <p:grpSpPr>
+          <a:xfrm>
+            <a:off x="751471" y="874644"/>
+            <a:ext cx="4104504" cy="5369967"/>
+            <a:chOff x="5607446" y="911563"/>
+            <a:chExt cx="4104504" cy="5369967"/>
+          </a:xfrm>
+        </p:grpSpPr>
+        <p:sp>
+          <p:nvSpPr>
+            <p:cNvPr id="9" name="矩形 8">
+              <a:extLst>
+                <a:ext uri="{FF2B5EF4-FFF2-40B4-BE49-F238E27FC236}">
+                  <a16:creationId xmlns:a16="http://schemas.microsoft.com/office/drawing/2014/main" id="{733EFE54-FA4F-4A74-9F98-66A0BFF3B62F}"/>
+                </a:ext>
+              </a:extLst>
+            </p:cNvPr>
+            <p:cNvSpPr/>
+            <p:nvPr/>
+          </p:nvSpPr>
+          <p:spPr>
+            <a:xfrm>
+              <a:off x="5789189" y="911563"/>
+              <a:ext cx="3922761" cy="5369967"/>
+            </a:xfrm>
+            <a:prstGeom prst="rect">
+              <a:avLst/>
+            </a:prstGeom>
+          </p:spPr>
+          <p:style>
+            <a:lnRef idx="2">
+              <a:schemeClr val="dk1">
+                <a:shade val="50000"/>
+              </a:schemeClr>
+            </a:lnRef>
+            <a:fillRef idx="1">
+              <a:schemeClr val="dk1"/>
+            </a:fillRef>
+            <a:effectRef idx="0">
+              <a:schemeClr val="dk1"/>
+            </a:effectRef>
+            <a:fontRef idx="minor">
+              <a:schemeClr val="lt1"/>
+            </a:fontRef>
+          </p:style>
+          <p:txBody>
+            <a:bodyPr rtlCol="0" anchor="ctr"/>
+            <a:lstStyle/>
+            <a:p>
+              <a:pPr algn="ctr"/>
+              <a:endParaRPr lang="zh-TW" altLang="en-US"/>
+            </a:p>
+          </p:txBody>
+        </p:sp>
+        <p:sp>
+          <p:nvSpPr>
+            <p:cNvPr id="11" name="文字方塊 10">
+              <a:extLst>
+                <a:ext uri="{FF2B5EF4-FFF2-40B4-BE49-F238E27FC236}">
+                  <a16:creationId xmlns:a16="http://schemas.microsoft.com/office/drawing/2014/main" id="{E35C1DAD-DD5C-471F-8A33-EFC80CD8F29F}"/>
+                </a:ext>
+              </a:extLst>
+            </p:cNvPr>
+            <p:cNvSpPr txBox="1"/>
+            <p:nvPr/>
+          </p:nvSpPr>
+          <p:spPr>
+            <a:xfrm>
+              <a:off x="5607446" y="911563"/>
+              <a:ext cx="4002273" cy="5259219"/>
+            </a:xfrm>
+            <a:prstGeom prst="rect">
+              <a:avLst/>
+            </a:prstGeom>
+            <a:noFill/>
+          </p:spPr>
+          <p:txBody>
+            <a:bodyPr wrap="square">
+              <a:spAutoFit/>
+            </a:bodyPr>
+            <a:lstStyle/>
+            <a:p>
+              <a:r>
+                <a:rPr lang="en-US" altLang="zh-TW" sz="1400" b="0" dirty="0">
+                  <a:solidFill>
+                    <a:srgbClr val="F8F8F2"/>
+                  </a:solidFill>
+                  <a:effectLst/>
+                  <a:latin typeface="Consolas" panose="020B0609020204030204" pitchFamily="49" charset="0"/>
+                </a:rPr>
+                <a:t>  </a:t>
+              </a:r>
+            </a:p>
+            <a:p>
+              <a:r>
+                <a:rPr lang="en-US" altLang="zh-TW" sz="1400" b="0" dirty="0">
+                  <a:solidFill>
+                    <a:srgbClr val="F8F8F2"/>
+                  </a:solidFill>
+                  <a:effectLst/>
+                  <a:latin typeface="Consolas" panose="020B0609020204030204" pitchFamily="49" charset="0"/>
+                </a:rPr>
+                <a:t>    </a:t>
+              </a:r>
+              <a:r>
+                <a:rPr lang="en-US" altLang="zh-TW" sz="1400" b="0" dirty="0">
+                  <a:solidFill>
+                    <a:srgbClr val="FFEE99"/>
+                  </a:solidFill>
+                  <a:effectLst/>
+                  <a:latin typeface="Consolas" panose="020B0609020204030204" pitchFamily="49" charset="0"/>
+                </a:rPr>
+                <a:t>modules</a:t>
+              </a:r>
+              <a:r>
+                <a:rPr lang="en-US" altLang="zh-TW" sz="1400" b="0" dirty="0">
+                  <a:solidFill>
+                    <a:srgbClr val="F8F8F2"/>
+                  </a:solidFill>
+                  <a:effectLst/>
+                  <a:latin typeface="Consolas" panose="020B0609020204030204" pitchFamily="49" charset="0"/>
+                </a:rPr>
+                <a:t>: [</a:t>
+              </a:r>
+            </a:p>
+            <a:p>
+              <a:r>
+                <a:rPr lang="en-US" altLang="zh-TW" sz="1400" b="0" dirty="0">
+                  <a:solidFill>
+                    <a:srgbClr val="F8F8F2"/>
+                  </a:solidFill>
+                  <a:effectLst/>
+                  <a:latin typeface="Consolas" panose="020B0609020204030204" pitchFamily="49" charset="0"/>
+                </a:rPr>
+                <a:t>      </a:t>
+              </a:r>
+              <a:r>
+                <a:rPr lang="en-US" altLang="zh-TW" sz="1400" b="0" dirty="0">
+                  <a:solidFill>
+                    <a:srgbClr val="FFEE99"/>
+                  </a:solidFill>
+                  <a:effectLst/>
+                  <a:latin typeface="Consolas" panose="020B0609020204030204" pitchFamily="49" charset="0"/>
+                </a:rPr>
+                <a:t>'nuxt-i18n'</a:t>
+              </a:r>
+              <a:endParaRPr lang="en-US" altLang="zh-TW" sz="1400" b="0" dirty="0">
+                <a:solidFill>
+                  <a:srgbClr val="F8F8F2"/>
+                </a:solidFill>
+                <a:effectLst/>
+                <a:latin typeface="Consolas" panose="020B0609020204030204" pitchFamily="49" charset="0"/>
+              </a:endParaRPr>
+            </a:p>
+            <a:p>
+              <a:r>
+                <a:rPr lang="en-US" altLang="zh-TW" sz="1400" b="0" dirty="0">
+                  <a:solidFill>
+                    <a:srgbClr val="F8F8F2"/>
+                  </a:solidFill>
+                  <a:effectLst/>
+                  <a:latin typeface="Consolas" panose="020B0609020204030204" pitchFamily="49" charset="0"/>
+                </a:rPr>
+                <a:t>    ],</a:t>
+              </a:r>
+            </a:p>
+            <a:p>
+              <a:r>
+                <a:rPr lang="en-US" altLang="zh-TW" sz="1400" b="0" dirty="0">
+                  <a:solidFill>
+                    <a:srgbClr val="F8F8F2"/>
+                  </a:solidFill>
+                  <a:effectLst/>
+                  <a:latin typeface="Consolas" panose="020B0609020204030204" pitchFamily="49" charset="0"/>
+                </a:rPr>
+                <a:t>  </a:t>
+              </a:r>
+            </a:p>
+            <a:p>
+              <a:r>
+                <a:rPr lang="en-US" altLang="zh-TW" sz="1400" b="0" dirty="0">
+                  <a:solidFill>
+                    <a:srgbClr val="F8F8F2"/>
+                  </a:solidFill>
+                  <a:effectLst/>
+                  <a:latin typeface="Consolas" panose="020B0609020204030204" pitchFamily="49" charset="0"/>
+                </a:rPr>
+                <a:t>    </a:t>
+              </a:r>
+              <a:r>
+                <a:rPr lang="en-US" altLang="zh-TW" sz="1400" b="0" dirty="0">
+                  <a:solidFill>
+                    <a:srgbClr val="FFEE99"/>
+                  </a:solidFill>
+                  <a:effectLst/>
+                  <a:latin typeface="Consolas" panose="020B0609020204030204" pitchFamily="49" charset="0"/>
+                </a:rPr>
+                <a:t>i18n</a:t>
+              </a:r>
+              <a:r>
+                <a:rPr lang="en-US" altLang="zh-TW" sz="1400" b="0" dirty="0">
+                  <a:solidFill>
+                    <a:srgbClr val="F8F8F2"/>
+                  </a:solidFill>
+                  <a:effectLst/>
+                  <a:latin typeface="Consolas" panose="020B0609020204030204" pitchFamily="49" charset="0"/>
+                </a:rPr>
+                <a:t>: {</a:t>
+              </a:r>
+            </a:p>
+            <a:p>
+              <a:r>
+                <a:rPr lang="en-US" altLang="zh-TW" sz="1400" b="0" dirty="0">
+                  <a:solidFill>
+                    <a:srgbClr val="F8F8F2"/>
+                  </a:solidFill>
+                  <a:effectLst/>
+                  <a:latin typeface="Consolas" panose="020B0609020204030204" pitchFamily="49" charset="0"/>
+                </a:rPr>
+                <a:t>      </a:t>
+              </a:r>
+              <a:r>
+                <a:rPr lang="en-US" altLang="zh-TW" sz="1400" b="0" dirty="0">
+                  <a:solidFill>
+                    <a:srgbClr val="FFEE99"/>
+                  </a:solidFill>
+                  <a:effectLst/>
+                  <a:latin typeface="Consolas" panose="020B0609020204030204" pitchFamily="49" charset="0"/>
+                </a:rPr>
+                <a:t>locales</a:t>
+              </a:r>
+              <a:r>
+                <a:rPr lang="en-US" altLang="zh-TW" sz="1400" b="0" dirty="0">
+                  <a:solidFill>
+                    <a:srgbClr val="F8F8F2"/>
+                  </a:solidFill>
+                  <a:effectLst/>
+                  <a:latin typeface="Consolas" panose="020B0609020204030204" pitchFamily="49" charset="0"/>
+                </a:rPr>
+                <a:t>: [</a:t>
+              </a:r>
+              <a:r>
+                <a:rPr lang="en-US" altLang="zh-TW" sz="1400" b="0" dirty="0">
+                  <a:solidFill>
+                    <a:srgbClr val="FFEE99"/>
+                  </a:solidFill>
+                  <a:effectLst/>
+                  <a:latin typeface="Consolas" panose="020B0609020204030204" pitchFamily="49" charset="0"/>
+                </a:rPr>
+                <a:t>'</a:t>
+              </a:r>
+              <a:r>
+                <a:rPr lang="en-US" altLang="zh-TW" sz="1400" b="0" dirty="0" err="1">
+                  <a:solidFill>
+                    <a:srgbClr val="FFEE99"/>
+                  </a:solidFill>
+                  <a:effectLst/>
+                  <a:latin typeface="Consolas" panose="020B0609020204030204" pitchFamily="49" charset="0"/>
+                </a:rPr>
+                <a:t>en</a:t>
+              </a:r>
+              <a:r>
+                <a:rPr lang="en-US" altLang="zh-TW" sz="1400" b="0" dirty="0">
+                  <a:solidFill>
+                    <a:srgbClr val="FFEE99"/>
+                  </a:solidFill>
+                  <a:effectLst/>
+                  <a:latin typeface="Consolas" panose="020B0609020204030204" pitchFamily="49" charset="0"/>
+                </a:rPr>
+                <a:t>'</a:t>
+              </a:r>
+              <a:r>
+                <a:rPr lang="en-US" altLang="zh-TW" sz="1400" b="0" dirty="0">
+                  <a:solidFill>
+                    <a:srgbClr val="F8F8F2"/>
+                  </a:solidFill>
+                  <a:effectLst/>
+                  <a:latin typeface="Consolas" panose="020B0609020204030204" pitchFamily="49" charset="0"/>
+                </a:rPr>
+                <a:t>, </a:t>
+              </a:r>
+              <a:r>
+                <a:rPr lang="en-US" altLang="zh-TW" sz="1400" b="0" dirty="0">
+                  <a:solidFill>
+                    <a:srgbClr val="FFEE99"/>
+                  </a:solidFill>
+                  <a:effectLst/>
+                  <a:latin typeface="Consolas" panose="020B0609020204030204" pitchFamily="49" charset="0"/>
+                </a:rPr>
+                <a:t>'</a:t>
+              </a:r>
+              <a:r>
+                <a:rPr lang="en-US" altLang="zh-TW" sz="1400" b="0" dirty="0" err="1">
+                  <a:solidFill>
+                    <a:srgbClr val="FFEE99"/>
+                  </a:solidFill>
+                  <a:effectLst/>
+                  <a:latin typeface="Consolas" panose="020B0609020204030204" pitchFamily="49" charset="0"/>
+                </a:rPr>
+                <a:t>fr</a:t>
+              </a:r>
+              <a:r>
+                <a:rPr lang="en-US" altLang="zh-TW" sz="1400" b="0" dirty="0">
+                  <a:solidFill>
+                    <a:srgbClr val="FFEE99"/>
+                  </a:solidFill>
+                  <a:effectLst/>
+                  <a:latin typeface="Consolas" panose="020B0609020204030204" pitchFamily="49" charset="0"/>
+                </a:rPr>
+                <a:t>'</a:t>
+              </a:r>
+              <a:r>
+                <a:rPr lang="en-US" altLang="zh-TW" sz="1400" b="0" dirty="0">
+                  <a:solidFill>
+                    <a:srgbClr val="F8F8F2"/>
+                  </a:solidFill>
+                  <a:effectLst/>
+                  <a:latin typeface="Consolas" panose="020B0609020204030204" pitchFamily="49" charset="0"/>
+                </a:rPr>
+                <a:t>, </a:t>
+              </a:r>
+              <a:r>
+                <a:rPr lang="en-US" altLang="zh-TW" sz="1400" b="0" dirty="0">
+                  <a:solidFill>
+                    <a:srgbClr val="FFEE99"/>
+                  </a:solidFill>
+                  <a:effectLst/>
+                  <a:latin typeface="Consolas" panose="020B0609020204030204" pitchFamily="49" charset="0"/>
+                </a:rPr>
+                <a:t>'es'</a:t>
+              </a:r>
+              <a:r>
+                <a:rPr lang="en-US" altLang="zh-TW" sz="1400" b="0" dirty="0">
+                  <a:solidFill>
+                    <a:srgbClr val="F8F8F2"/>
+                  </a:solidFill>
+                  <a:effectLst/>
+                  <a:latin typeface="Consolas" panose="020B0609020204030204" pitchFamily="49" charset="0"/>
+                </a:rPr>
+                <a:t>],</a:t>
+              </a:r>
+            </a:p>
+            <a:p>
+              <a:r>
+                <a:rPr lang="en-US" altLang="zh-TW" sz="1400" b="0" dirty="0">
+                  <a:solidFill>
+                    <a:srgbClr val="F8F8F2"/>
+                  </a:solidFill>
+                  <a:effectLst/>
+                  <a:latin typeface="Consolas" panose="020B0609020204030204" pitchFamily="49" charset="0"/>
+                </a:rPr>
+                <a:t>      </a:t>
+              </a:r>
+              <a:r>
+                <a:rPr lang="en-US" altLang="zh-TW" sz="1400" b="0" dirty="0" err="1">
+                  <a:solidFill>
+                    <a:srgbClr val="FFEE99"/>
+                  </a:solidFill>
+                  <a:effectLst/>
+                  <a:latin typeface="Consolas" panose="020B0609020204030204" pitchFamily="49" charset="0"/>
+                </a:rPr>
+                <a:t>defaultLocale</a:t>
+              </a:r>
+              <a:r>
+                <a:rPr lang="en-US" altLang="zh-TW" sz="1400" b="0" dirty="0">
+                  <a:solidFill>
+                    <a:srgbClr val="F8F8F2"/>
+                  </a:solidFill>
+                  <a:effectLst/>
+                  <a:latin typeface="Consolas" panose="020B0609020204030204" pitchFamily="49" charset="0"/>
+                </a:rPr>
+                <a:t>: </a:t>
+              </a:r>
+              <a:r>
+                <a:rPr lang="en-US" altLang="zh-TW" sz="1400" b="0" dirty="0">
+                  <a:solidFill>
+                    <a:srgbClr val="FFEE99"/>
+                  </a:solidFill>
+                  <a:effectLst/>
+                  <a:latin typeface="Consolas" panose="020B0609020204030204" pitchFamily="49" charset="0"/>
+                </a:rPr>
+                <a:t>'</a:t>
+              </a:r>
+              <a:r>
+                <a:rPr lang="en-US" altLang="zh-TW" sz="1400" b="0" dirty="0" err="1">
+                  <a:solidFill>
+                    <a:srgbClr val="FFEE99"/>
+                  </a:solidFill>
+                  <a:effectLst/>
+                  <a:latin typeface="Consolas" panose="020B0609020204030204" pitchFamily="49" charset="0"/>
+                </a:rPr>
+                <a:t>en</a:t>
+              </a:r>
+              <a:r>
+                <a:rPr lang="en-US" altLang="zh-TW" sz="1400" b="0" dirty="0">
+                  <a:solidFill>
+                    <a:srgbClr val="FFEE99"/>
+                  </a:solidFill>
+                  <a:effectLst/>
+                  <a:latin typeface="Consolas" panose="020B0609020204030204" pitchFamily="49" charset="0"/>
+                </a:rPr>
+                <a:t>'</a:t>
+              </a:r>
+              <a:r>
+                <a:rPr lang="en-US" altLang="zh-TW" sz="1400" b="0" dirty="0">
+                  <a:solidFill>
+                    <a:srgbClr val="F8F8F2"/>
+                  </a:solidFill>
+                  <a:effectLst/>
+                  <a:latin typeface="Consolas" panose="020B0609020204030204" pitchFamily="49" charset="0"/>
+                </a:rPr>
+                <a:t>,</a:t>
+              </a:r>
+            </a:p>
+            <a:p>
+              <a:r>
+                <a:rPr lang="en-US" altLang="zh-TW" sz="1400" b="0" dirty="0">
+                  <a:solidFill>
+                    <a:srgbClr val="F8F8F2"/>
+                  </a:solidFill>
+                  <a:effectLst/>
+                  <a:latin typeface="Consolas" panose="020B0609020204030204" pitchFamily="49" charset="0"/>
+                </a:rPr>
+                <a:t>      </a:t>
+              </a:r>
+              <a:r>
+                <a:rPr lang="en-US" altLang="zh-TW" sz="1400" b="0" dirty="0">
+                  <a:solidFill>
+                    <a:srgbClr val="FFEE99"/>
+                  </a:solidFill>
+                  <a:effectLst/>
+                  <a:latin typeface="Consolas" panose="020B0609020204030204" pitchFamily="49" charset="0"/>
+                </a:rPr>
+                <a:t>vueI18n</a:t>
+              </a:r>
+              <a:r>
+                <a:rPr lang="en-US" altLang="zh-TW" sz="1400" b="0" dirty="0">
+                  <a:solidFill>
+                    <a:srgbClr val="F8F8F2"/>
+                  </a:solidFill>
+                  <a:effectLst/>
+                  <a:latin typeface="Consolas" panose="020B0609020204030204" pitchFamily="49" charset="0"/>
+                </a:rPr>
+                <a:t>: {</a:t>
+              </a:r>
+            </a:p>
+            <a:p>
+              <a:r>
+                <a:rPr lang="en-US" altLang="zh-TW" sz="1400" b="0" dirty="0">
+                  <a:solidFill>
+                    <a:srgbClr val="F8F8F2"/>
+                  </a:solidFill>
+                  <a:effectLst/>
+                  <a:latin typeface="Consolas" panose="020B0609020204030204" pitchFamily="49" charset="0"/>
+                </a:rPr>
+                <a:t>        </a:t>
+              </a:r>
+              <a:r>
+                <a:rPr lang="en-US" altLang="zh-TW" sz="1400" b="0" dirty="0" err="1">
+                  <a:solidFill>
+                    <a:srgbClr val="FFEE99"/>
+                  </a:solidFill>
+                  <a:effectLst/>
+                  <a:latin typeface="Consolas" panose="020B0609020204030204" pitchFamily="49" charset="0"/>
+                </a:rPr>
+                <a:t>fallbackLocale</a:t>
+              </a:r>
+              <a:r>
+                <a:rPr lang="en-US" altLang="zh-TW" sz="1400" b="0" dirty="0">
+                  <a:solidFill>
+                    <a:srgbClr val="F8F8F2"/>
+                  </a:solidFill>
+                  <a:effectLst/>
+                  <a:latin typeface="Consolas" panose="020B0609020204030204" pitchFamily="49" charset="0"/>
+                </a:rPr>
+                <a:t>: </a:t>
+              </a:r>
+              <a:r>
+                <a:rPr lang="en-US" altLang="zh-TW" sz="1400" b="0" dirty="0">
+                  <a:solidFill>
+                    <a:srgbClr val="FFEE99"/>
+                  </a:solidFill>
+                  <a:effectLst/>
+                  <a:latin typeface="Consolas" panose="020B0609020204030204" pitchFamily="49" charset="0"/>
+                </a:rPr>
+                <a:t>'</a:t>
+              </a:r>
+              <a:r>
+                <a:rPr lang="en-US" altLang="zh-TW" sz="1400" b="0" dirty="0" err="1">
+                  <a:solidFill>
+                    <a:srgbClr val="FFEE99"/>
+                  </a:solidFill>
+                  <a:effectLst/>
+                  <a:latin typeface="Consolas" panose="020B0609020204030204" pitchFamily="49" charset="0"/>
+                </a:rPr>
+                <a:t>en</a:t>
+              </a:r>
+              <a:r>
+                <a:rPr lang="en-US" altLang="zh-TW" sz="1400" b="0" dirty="0">
+                  <a:solidFill>
+                    <a:srgbClr val="FFEE99"/>
+                  </a:solidFill>
+                  <a:effectLst/>
+                  <a:latin typeface="Consolas" panose="020B0609020204030204" pitchFamily="49" charset="0"/>
+                </a:rPr>
+                <a:t>'</a:t>
+              </a:r>
+              <a:r>
+                <a:rPr lang="en-US" altLang="zh-TW" sz="1400" b="0" dirty="0">
+                  <a:solidFill>
+                    <a:srgbClr val="F8F8F2"/>
+                  </a:solidFill>
+                  <a:effectLst/>
+                  <a:latin typeface="Consolas" panose="020B0609020204030204" pitchFamily="49" charset="0"/>
+                </a:rPr>
+                <a:t>,</a:t>
+              </a:r>
+            </a:p>
+            <a:p>
+              <a:r>
+                <a:rPr lang="en-US" altLang="zh-TW" sz="1400" b="0" dirty="0">
+                  <a:solidFill>
+                    <a:srgbClr val="F8F8F2"/>
+                  </a:solidFill>
+                  <a:effectLst/>
+                  <a:latin typeface="Consolas" panose="020B0609020204030204" pitchFamily="49" charset="0"/>
+                </a:rPr>
+                <a:t>        </a:t>
+              </a:r>
+              <a:r>
+                <a:rPr lang="en-US" altLang="zh-TW" sz="1400" b="0" dirty="0">
+                  <a:solidFill>
+                    <a:srgbClr val="FFEE99"/>
+                  </a:solidFill>
+                  <a:effectLst/>
+                  <a:latin typeface="Consolas" panose="020B0609020204030204" pitchFamily="49" charset="0"/>
+                </a:rPr>
+                <a:t>messages</a:t>
+              </a:r>
+              <a:r>
+                <a:rPr lang="en-US" altLang="zh-TW" sz="1400" b="0" dirty="0">
+                  <a:solidFill>
+                    <a:srgbClr val="F8F8F2"/>
+                  </a:solidFill>
+                  <a:effectLst/>
+                  <a:latin typeface="Consolas" panose="020B0609020204030204" pitchFamily="49" charset="0"/>
+                </a:rPr>
+                <a:t>: {</a:t>
+              </a:r>
+            </a:p>
+            <a:p>
+              <a:r>
+                <a:rPr lang="en-US" altLang="zh-TW" sz="1400" b="0" dirty="0">
+                  <a:solidFill>
+                    <a:srgbClr val="F8F8F2"/>
+                  </a:solidFill>
+                  <a:effectLst/>
+                  <a:latin typeface="Consolas" panose="020B0609020204030204" pitchFamily="49" charset="0"/>
+                </a:rPr>
+                <a:t>          </a:t>
+              </a:r>
+              <a:r>
+                <a:rPr lang="en-US" altLang="zh-TW" sz="1400" b="0" dirty="0" err="1">
+                  <a:solidFill>
+                    <a:srgbClr val="FFEE99"/>
+                  </a:solidFill>
+                  <a:effectLst/>
+                  <a:latin typeface="Consolas" panose="020B0609020204030204" pitchFamily="49" charset="0"/>
+                </a:rPr>
+                <a:t>en</a:t>
+              </a:r>
+              <a:r>
+                <a:rPr lang="en-US" altLang="zh-TW" sz="1400" b="0" dirty="0">
+                  <a:solidFill>
+                    <a:srgbClr val="F8F8F2"/>
+                  </a:solidFill>
+                  <a:effectLst/>
+                  <a:latin typeface="Consolas" panose="020B0609020204030204" pitchFamily="49" charset="0"/>
+                </a:rPr>
+                <a:t>: {</a:t>
+              </a:r>
+            </a:p>
+            <a:p>
+              <a:r>
+                <a:rPr lang="en-US" altLang="zh-TW" sz="1400" b="0" dirty="0">
+                  <a:solidFill>
+                    <a:srgbClr val="F8F8F2"/>
+                  </a:solidFill>
+                  <a:effectLst/>
+                  <a:latin typeface="Consolas" panose="020B0609020204030204" pitchFamily="49" charset="0"/>
+                </a:rPr>
+                <a:t>            </a:t>
+              </a:r>
+              <a:r>
+                <a:rPr lang="en-US" altLang="zh-TW" sz="1400" b="0" dirty="0">
+                  <a:solidFill>
+                    <a:srgbClr val="FFEE99"/>
+                  </a:solidFill>
+                  <a:effectLst/>
+                  <a:latin typeface="Consolas" panose="020B0609020204030204" pitchFamily="49" charset="0"/>
+                </a:rPr>
+                <a:t>welcome</a:t>
+              </a:r>
+              <a:r>
+                <a:rPr lang="en-US" altLang="zh-TW" sz="1400" b="0" dirty="0">
+                  <a:solidFill>
+                    <a:srgbClr val="F8F8F2"/>
+                  </a:solidFill>
+                  <a:effectLst/>
+                  <a:latin typeface="Consolas" panose="020B0609020204030204" pitchFamily="49" charset="0"/>
+                </a:rPr>
+                <a:t>: </a:t>
+              </a:r>
+              <a:r>
+                <a:rPr lang="en-US" altLang="zh-TW" sz="1400" b="0" dirty="0">
+                  <a:solidFill>
+                    <a:srgbClr val="FFEE99"/>
+                  </a:solidFill>
+                  <a:effectLst/>
+                  <a:latin typeface="Consolas" panose="020B0609020204030204" pitchFamily="49" charset="0"/>
+                </a:rPr>
+                <a:t>'Welcome'</a:t>
+              </a:r>
+              <a:endParaRPr lang="en-US" altLang="zh-TW" sz="1400" b="0" dirty="0">
+                <a:solidFill>
+                  <a:srgbClr val="F8F8F2"/>
+                </a:solidFill>
+                <a:effectLst/>
+                <a:latin typeface="Consolas" panose="020B0609020204030204" pitchFamily="49" charset="0"/>
+              </a:endParaRPr>
+            </a:p>
+            <a:p>
+              <a:r>
+                <a:rPr lang="en-US" altLang="zh-TW" sz="1400" b="0" dirty="0">
+                  <a:solidFill>
+                    <a:srgbClr val="F8F8F2"/>
+                  </a:solidFill>
+                  <a:effectLst/>
+                  <a:latin typeface="Consolas" panose="020B0609020204030204" pitchFamily="49" charset="0"/>
+                </a:rPr>
+                <a:t>          },</a:t>
+              </a:r>
+            </a:p>
+            <a:p>
+              <a:r>
+                <a:rPr lang="en-US" altLang="zh-TW" sz="1400" b="0" dirty="0">
+                  <a:solidFill>
+                    <a:srgbClr val="F8F8F2"/>
+                  </a:solidFill>
+                  <a:effectLst/>
+                  <a:latin typeface="Consolas" panose="020B0609020204030204" pitchFamily="49" charset="0"/>
+                </a:rPr>
+                <a:t>          </a:t>
+              </a:r>
+              <a:r>
+                <a:rPr lang="en-US" altLang="zh-TW" sz="1400" b="0" dirty="0" err="1">
+                  <a:solidFill>
+                    <a:srgbClr val="FFEE99"/>
+                  </a:solidFill>
+                  <a:effectLst/>
+                  <a:latin typeface="Consolas" panose="020B0609020204030204" pitchFamily="49" charset="0"/>
+                </a:rPr>
+                <a:t>fr</a:t>
+              </a:r>
+              <a:r>
+                <a:rPr lang="en-US" altLang="zh-TW" sz="1400" b="0" dirty="0">
+                  <a:solidFill>
+                    <a:srgbClr val="F8F8F2"/>
+                  </a:solidFill>
+                  <a:effectLst/>
+                  <a:latin typeface="Consolas" panose="020B0609020204030204" pitchFamily="49" charset="0"/>
+                </a:rPr>
+                <a:t>: {</a:t>
+              </a:r>
+            </a:p>
+            <a:p>
+              <a:r>
+                <a:rPr lang="en-US" altLang="zh-TW" sz="1400" b="0" dirty="0">
+                  <a:solidFill>
+                    <a:srgbClr val="F8F8F2"/>
+                  </a:solidFill>
+                  <a:effectLst/>
+                  <a:latin typeface="Consolas" panose="020B0609020204030204" pitchFamily="49" charset="0"/>
+                </a:rPr>
+                <a:t>            </a:t>
+              </a:r>
+              <a:r>
+                <a:rPr lang="en-US" altLang="zh-TW" sz="1400" b="0" dirty="0">
+                  <a:solidFill>
+                    <a:srgbClr val="FFEE99"/>
+                  </a:solidFill>
+                  <a:effectLst/>
+                  <a:latin typeface="Consolas" panose="020B0609020204030204" pitchFamily="49" charset="0"/>
+                </a:rPr>
+                <a:t>welcome</a:t>
+              </a:r>
+              <a:r>
+                <a:rPr lang="en-US" altLang="zh-TW" sz="1400" b="0" dirty="0">
+                  <a:solidFill>
+                    <a:srgbClr val="F8F8F2"/>
+                  </a:solidFill>
+                  <a:effectLst/>
+                  <a:latin typeface="Consolas" panose="020B0609020204030204" pitchFamily="49" charset="0"/>
+                </a:rPr>
+                <a:t>: </a:t>
+              </a:r>
+              <a:r>
+                <a:rPr lang="en-US" altLang="zh-TW" sz="1400" b="0" dirty="0">
+                  <a:solidFill>
+                    <a:srgbClr val="FFEE99"/>
+                  </a:solidFill>
+                  <a:effectLst/>
+                  <a:latin typeface="Consolas" panose="020B0609020204030204" pitchFamily="49" charset="0"/>
+                </a:rPr>
+                <a:t>'</a:t>
+              </a:r>
+              <a:r>
+                <a:rPr lang="en-US" altLang="zh-TW" sz="1400" b="0" dirty="0" err="1">
+                  <a:solidFill>
+                    <a:srgbClr val="FFEE99"/>
+                  </a:solidFill>
+                  <a:effectLst/>
+                  <a:latin typeface="Consolas" panose="020B0609020204030204" pitchFamily="49" charset="0"/>
+                </a:rPr>
+                <a:t>Bienvenue</a:t>
+              </a:r>
+              <a:r>
+                <a:rPr lang="en-US" altLang="zh-TW" sz="1400" b="0" dirty="0">
+                  <a:solidFill>
+                    <a:srgbClr val="FFEE99"/>
+                  </a:solidFill>
+                  <a:effectLst/>
+                  <a:latin typeface="Consolas" panose="020B0609020204030204" pitchFamily="49" charset="0"/>
+                </a:rPr>
+                <a:t>'</a:t>
+              </a:r>
+              <a:endParaRPr lang="en-US" altLang="zh-TW" sz="1400" b="0" dirty="0">
+                <a:solidFill>
+                  <a:srgbClr val="F8F8F2"/>
+                </a:solidFill>
+                <a:effectLst/>
+                <a:latin typeface="Consolas" panose="020B0609020204030204" pitchFamily="49" charset="0"/>
+              </a:endParaRPr>
+            </a:p>
+            <a:p>
+              <a:r>
+                <a:rPr lang="en-US" altLang="zh-TW" sz="1400" b="0" dirty="0">
+                  <a:solidFill>
+                    <a:srgbClr val="F8F8F2"/>
+                  </a:solidFill>
+                  <a:effectLst/>
+                  <a:latin typeface="Consolas" panose="020B0609020204030204" pitchFamily="49" charset="0"/>
+                </a:rPr>
+                <a:t>          },</a:t>
+              </a:r>
+            </a:p>
+            <a:p>
+              <a:r>
+                <a:rPr lang="en-US" altLang="zh-TW" sz="1400" b="0" dirty="0">
+                  <a:solidFill>
+                    <a:srgbClr val="F8F8F2"/>
+                  </a:solidFill>
+                  <a:effectLst/>
+                  <a:latin typeface="Consolas" panose="020B0609020204030204" pitchFamily="49" charset="0"/>
+                </a:rPr>
+                <a:t>          </a:t>
+              </a:r>
+              <a:r>
+                <a:rPr lang="en-US" altLang="zh-TW" sz="1400" b="0" dirty="0">
+                  <a:solidFill>
+                    <a:srgbClr val="FFEE99"/>
+                  </a:solidFill>
+                  <a:effectLst/>
+                  <a:latin typeface="Consolas" panose="020B0609020204030204" pitchFamily="49" charset="0"/>
+                </a:rPr>
+                <a:t>es</a:t>
+              </a:r>
+              <a:r>
+                <a:rPr lang="en-US" altLang="zh-TW" sz="1400" b="0" dirty="0">
+                  <a:solidFill>
+                    <a:srgbClr val="F8F8F2"/>
+                  </a:solidFill>
+                  <a:effectLst/>
+                  <a:latin typeface="Consolas" panose="020B0609020204030204" pitchFamily="49" charset="0"/>
+                </a:rPr>
+                <a:t>: {</a:t>
+              </a:r>
+            </a:p>
+            <a:p>
+              <a:r>
+                <a:rPr lang="en-US" altLang="zh-TW" sz="1400" b="0" dirty="0">
+                  <a:solidFill>
+                    <a:srgbClr val="F8F8F2"/>
+                  </a:solidFill>
+                  <a:effectLst/>
+                  <a:latin typeface="Consolas" panose="020B0609020204030204" pitchFamily="49" charset="0"/>
+                </a:rPr>
+                <a:t>            </a:t>
+              </a:r>
+              <a:r>
+                <a:rPr lang="en-US" altLang="zh-TW" sz="1400" b="0" dirty="0">
+                  <a:solidFill>
+                    <a:srgbClr val="FFEE99"/>
+                  </a:solidFill>
+                  <a:effectLst/>
+                  <a:latin typeface="Consolas" panose="020B0609020204030204" pitchFamily="49" charset="0"/>
+                </a:rPr>
+                <a:t>welcome</a:t>
+              </a:r>
+              <a:r>
+                <a:rPr lang="en-US" altLang="zh-TW" sz="1400" b="0" dirty="0">
+                  <a:solidFill>
+                    <a:srgbClr val="F8F8F2"/>
+                  </a:solidFill>
+                  <a:effectLst/>
+                  <a:latin typeface="Consolas" panose="020B0609020204030204" pitchFamily="49" charset="0"/>
+                </a:rPr>
+                <a:t>: </a:t>
+              </a:r>
+              <a:r>
+                <a:rPr lang="en-US" altLang="zh-TW" sz="1400" b="0" dirty="0">
+                  <a:solidFill>
+                    <a:srgbClr val="FFEE99"/>
+                  </a:solidFill>
+                  <a:effectLst/>
+                  <a:latin typeface="Consolas" panose="020B0609020204030204" pitchFamily="49" charset="0"/>
+                </a:rPr>
+                <a:t>'</a:t>
+              </a:r>
+              <a:r>
+                <a:rPr lang="en-US" altLang="zh-TW" sz="1400" b="0" dirty="0" err="1">
+                  <a:solidFill>
+                    <a:srgbClr val="FFEE99"/>
+                  </a:solidFill>
+                  <a:effectLst/>
+                  <a:latin typeface="Consolas" panose="020B0609020204030204" pitchFamily="49" charset="0"/>
+                </a:rPr>
+                <a:t>Bienvenido</a:t>
+              </a:r>
+              <a:r>
+                <a:rPr lang="en-US" altLang="zh-TW" sz="1400" b="0" dirty="0">
+                  <a:solidFill>
+                    <a:srgbClr val="FFEE99"/>
+                  </a:solidFill>
+                  <a:effectLst/>
+                  <a:latin typeface="Consolas" panose="020B0609020204030204" pitchFamily="49" charset="0"/>
+                </a:rPr>
+                <a:t>'</a:t>
+              </a:r>
+              <a:endParaRPr lang="en-US" altLang="zh-TW" sz="1400" b="0" dirty="0">
+                <a:solidFill>
+                  <a:srgbClr val="F8F8F2"/>
+                </a:solidFill>
+                <a:effectLst/>
+                <a:latin typeface="Consolas" panose="020B0609020204030204" pitchFamily="49" charset="0"/>
+              </a:endParaRPr>
+            </a:p>
+            <a:p>
+              <a:r>
+                <a:rPr lang="en-US" altLang="zh-TW" sz="1400" b="0" dirty="0">
+                  <a:solidFill>
+                    <a:srgbClr val="F8F8F2"/>
+                  </a:solidFill>
+                  <a:effectLst/>
+                  <a:latin typeface="Consolas" panose="020B0609020204030204" pitchFamily="49" charset="0"/>
+                </a:rPr>
+                <a:t>          }</a:t>
+              </a:r>
+            </a:p>
+            <a:p>
+              <a:r>
+                <a:rPr lang="en-US" altLang="zh-TW" sz="1400" b="0" dirty="0">
+                  <a:solidFill>
+                    <a:srgbClr val="F8F8F2"/>
+                  </a:solidFill>
+                  <a:effectLst/>
+                  <a:latin typeface="Consolas" panose="020B0609020204030204" pitchFamily="49" charset="0"/>
+                </a:rPr>
+                <a:t>        }</a:t>
+              </a:r>
+            </a:p>
+            <a:p>
+              <a:r>
+                <a:rPr lang="en-US" altLang="zh-TW" sz="1400" b="0" dirty="0">
+                  <a:solidFill>
+                    <a:srgbClr val="F8F8F2"/>
+                  </a:solidFill>
+                  <a:effectLst/>
+                  <a:latin typeface="Consolas" panose="020B0609020204030204" pitchFamily="49" charset="0"/>
+                </a:rPr>
+                <a:t>      }</a:t>
+              </a:r>
+            </a:p>
+            <a:p>
+              <a:r>
+                <a:rPr lang="en-US" altLang="zh-TW" sz="1400" b="0" dirty="0">
+                  <a:solidFill>
+                    <a:srgbClr val="F8F8F2"/>
+                  </a:solidFill>
+                  <a:effectLst/>
+                  <a:latin typeface="Consolas" panose="020B0609020204030204" pitchFamily="49" charset="0"/>
+                </a:rPr>
+                <a:t>    },</a:t>
+              </a:r>
+            </a:p>
+            <a:p>
+              <a:r>
+                <a:rPr lang="en-US" altLang="zh-TW" sz="1400" b="0" dirty="0">
+                  <a:solidFill>
+                    <a:srgbClr val="F8F8F2"/>
+                  </a:solidFill>
+                  <a:effectLst/>
+                  <a:latin typeface="Consolas" panose="020B0609020204030204" pitchFamily="49" charset="0"/>
+                </a:rPr>
+                <a:t>  </a:t>
+              </a:r>
+            </a:p>
+          </p:txBody>
+        </p:sp>
+      </p:grpSp>
+      <p:sp>
+        <p:nvSpPr>
+          <p:cNvPr id="14" name="文字方塊 13">
+            <a:extLst>
+              <a:ext uri="{FF2B5EF4-FFF2-40B4-BE49-F238E27FC236}">
+                <a16:creationId xmlns:a16="http://schemas.microsoft.com/office/drawing/2014/main" id="{F6022B7D-ED35-4104-B645-60AC5CD51D58}"/>
+              </a:ext>
+            </a:extLst>
+          </p:cNvPr>
+          <p:cNvSpPr txBox="1"/>
+          <p:nvPr/>
+        </p:nvSpPr>
+        <p:spPr>
+          <a:xfrm>
+            <a:off x="5342991" y="1795324"/>
+            <a:ext cx="6096946" cy="1708929"/>
+          </a:xfrm>
+          <a:prstGeom prst="rect">
+            <a:avLst/>
+          </a:prstGeom>
+          <a:noFill/>
+        </p:spPr>
+        <p:txBody>
+          <a:bodyPr wrap="square">
+            <a:spAutoFit/>
+          </a:bodyPr>
+          <a:lstStyle/>
+          <a:p>
+            <a:pPr marL="285750" indent="-285750">
+              <a:lnSpc>
+                <a:spcPct val="150000"/>
+              </a:lnSpc>
+              <a:buFont typeface="Arial" panose="020B0604020202020204" pitchFamily="34" charset="0"/>
+              <a:buChar char="•"/>
+            </a:pPr>
+            <a:r>
+              <a:rPr lang="en-US" altLang="zh-TW" dirty="0">
+                <a:solidFill>
+                  <a:schemeClr val="bg1"/>
+                </a:solidFill>
+                <a:latin typeface="微軟正黑體" panose="020B0604030504040204" pitchFamily="34" charset="-120"/>
+                <a:ea typeface="微軟正黑體" panose="020B0604030504040204" pitchFamily="34" charset="-120"/>
+              </a:rPr>
+              <a:t>l</a:t>
+            </a:r>
+            <a:r>
+              <a:rPr lang="en-US" altLang="zh-TW" sz="1800" b="0" dirty="0">
+                <a:solidFill>
+                  <a:schemeClr val="bg1"/>
+                </a:solidFill>
+                <a:effectLst/>
+                <a:latin typeface="微軟正黑體" panose="020B0604030504040204" pitchFamily="34" charset="-120"/>
+                <a:ea typeface="微軟正黑體" panose="020B0604030504040204" pitchFamily="34" charset="-120"/>
+              </a:rPr>
+              <a:t>ocales : </a:t>
+            </a:r>
+            <a:r>
+              <a:rPr lang="zh-TW" altLang="en-US" sz="1800" b="0" dirty="0">
+                <a:solidFill>
+                  <a:schemeClr val="bg1"/>
+                </a:solidFill>
+                <a:effectLst/>
+                <a:latin typeface="微軟正黑體" panose="020B0604030504040204" pitchFamily="34" charset="-120"/>
+                <a:ea typeface="微軟正黑體" panose="020B0604030504040204" pitchFamily="34" charset="-120"/>
+              </a:rPr>
+              <a:t>目前有哪些語系</a:t>
+            </a:r>
+            <a:endParaRPr lang="en-US" altLang="zh-TW" sz="1800" b="0" dirty="0">
+              <a:solidFill>
+                <a:schemeClr val="bg1"/>
+              </a:solidFill>
+              <a:effectLst/>
+              <a:latin typeface="微軟正黑體" panose="020B0604030504040204" pitchFamily="34" charset="-120"/>
+              <a:ea typeface="微軟正黑體" panose="020B0604030504040204" pitchFamily="34" charset="-120"/>
+            </a:endParaRPr>
+          </a:p>
+          <a:p>
+            <a:pPr marL="285750" indent="-285750">
+              <a:lnSpc>
+                <a:spcPct val="150000"/>
+              </a:lnSpc>
+              <a:buFont typeface="Arial" panose="020B0604020202020204" pitchFamily="34" charset="0"/>
+              <a:buChar char="•"/>
+            </a:pPr>
+            <a:r>
+              <a:rPr lang="en-US" altLang="zh-TW" sz="1800" b="0" dirty="0" err="1">
+                <a:solidFill>
+                  <a:schemeClr val="bg1"/>
+                </a:solidFill>
+                <a:effectLst/>
+                <a:latin typeface="微軟正黑體" panose="020B0604030504040204" pitchFamily="34" charset="-120"/>
+                <a:ea typeface="微軟正黑體" panose="020B0604030504040204" pitchFamily="34" charset="-120"/>
+              </a:rPr>
+              <a:t>defaultLocale</a:t>
+            </a:r>
+            <a:r>
+              <a:rPr lang="zh-TW" altLang="en-US" sz="1800" b="0" dirty="0">
+                <a:solidFill>
+                  <a:schemeClr val="bg1"/>
+                </a:solidFill>
+                <a:effectLst/>
+                <a:latin typeface="微軟正黑體" panose="020B0604030504040204" pitchFamily="34" charset="-120"/>
+                <a:ea typeface="微軟正黑體" panose="020B0604030504040204" pitchFamily="34" charset="-120"/>
+              </a:rPr>
+              <a:t> </a:t>
+            </a:r>
+            <a:r>
+              <a:rPr lang="en-US" altLang="zh-TW" sz="1800" b="0" dirty="0">
+                <a:solidFill>
+                  <a:schemeClr val="bg1"/>
+                </a:solidFill>
+                <a:effectLst/>
+                <a:latin typeface="微軟正黑體" panose="020B0604030504040204" pitchFamily="34" charset="-120"/>
+                <a:ea typeface="微軟正黑體" panose="020B0604030504040204" pitchFamily="34" charset="-120"/>
+              </a:rPr>
+              <a:t>:</a:t>
+            </a:r>
+            <a:r>
+              <a:rPr lang="zh-TW" altLang="en-US" sz="1800" b="0" dirty="0">
+                <a:solidFill>
+                  <a:schemeClr val="bg1"/>
+                </a:solidFill>
+                <a:effectLst/>
+                <a:latin typeface="微軟正黑體" panose="020B0604030504040204" pitchFamily="34" charset="-120"/>
+                <a:ea typeface="微軟正黑體" panose="020B0604030504040204" pitchFamily="34" charset="-120"/>
+              </a:rPr>
+              <a:t> 預設一開始的語系</a:t>
+            </a:r>
+            <a:endParaRPr lang="en-US" altLang="zh-TW" sz="1800" b="0" dirty="0">
+              <a:solidFill>
+                <a:schemeClr val="bg1"/>
+              </a:solidFill>
+              <a:effectLst/>
+              <a:latin typeface="微軟正黑體" panose="020B0604030504040204" pitchFamily="34" charset="-120"/>
+              <a:ea typeface="微軟正黑體" panose="020B0604030504040204" pitchFamily="34" charset="-120"/>
+            </a:endParaRPr>
+          </a:p>
+          <a:p>
+            <a:pPr marL="285750" indent="-285750">
+              <a:lnSpc>
+                <a:spcPct val="150000"/>
+              </a:lnSpc>
+              <a:buFont typeface="Arial" panose="020B0604020202020204" pitchFamily="34" charset="0"/>
+              <a:buChar char="•"/>
+            </a:pPr>
+            <a:r>
+              <a:rPr lang="en-US" altLang="zh-TW" sz="1800" b="0" dirty="0" err="1">
+                <a:solidFill>
+                  <a:schemeClr val="bg1"/>
+                </a:solidFill>
+                <a:effectLst/>
+                <a:latin typeface="微軟正黑體" panose="020B0604030504040204" pitchFamily="34" charset="-120"/>
+                <a:ea typeface="微軟正黑體" panose="020B0604030504040204" pitchFamily="34" charset="-120"/>
+              </a:rPr>
+              <a:t>fallbackLocale</a:t>
+            </a:r>
+            <a:r>
+              <a:rPr lang="zh-TW" altLang="en-US" sz="1800" b="0" dirty="0">
+                <a:solidFill>
+                  <a:schemeClr val="bg1"/>
+                </a:solidFill>
+                <a:effectLst/>
+                <a:latin typeface="微軟正黑體" panose="020B0604030504040204" pitchFamily="34" charset="-120"/>
+                <a:ea typeface="微軟正黑體" panose="020B0604030504040204" pitchFamily="34" charset="-120"/>
+              </a:rPr>
+              <a:t> </a:t>
+            </a:r>
+            <a:r>
+              <a:rPr lang="en-US" altLang="zh-TW" sz="1800" b="0" dirty="0">
+                <a:solidFill>
+                  <a:schemeClr val="bg1"/>
+                </a:solidFill>
+                <a:effectLst/>
+                <a:latin typeface="微軟正黑體" panose="020B0604030504040204" pitchFamily="34" charset="-120"/>
+                <a:ea typeface="微軟正黑體" panose="020B0604030504040204" pitchFamily="34" charset="-120"/>
+              </a:rPr>
+              <a:t>:</a:t>
+            </a:r>
+            <a:r>
+              <a:rPr lang="zh-TW" altLang="en-US" sz="1800" b="0" dirty="0">
+                <a:solidFill>
+                  <a:schemeClr val="bg1"/>
+                </a:solidFill>
+                <a:effectLst/>
+                <a:latin typeface="微軟正黑體" panose="020B0604030504040204" pitchFamily="34" charset="-120"/>
+                <a:ea typeface="微軟正黑體" panose="020B0604030504040204" pitchFamily="34" charset="-120"/>
+              </a:rPr>
+              <a:t> 如果參數傳入沒有設定的與系統一顯示的語系</a:t>
+            </a:r>
+            <a:endParaRPr lang="en-US" altLang="zh-TW" dirty="0">
+              <a:solidFill>
+                <a:schemeClr val="bg1"/>
+              </a:solidFill>
+              <a:latin typeface="微軟正黑體" panose="020B0604030504040204" pitchFamily="34" charset="-120"/>
+              <a:ea typeface="微軟正黑體" panose="020B0604030504040204" pitchFamily="34" charset="-120"/>
+            </a:endParaRPr>
+          </a:p>
+        </p:txBody>
+      </p:sp>
+    </p:spTree>
+    <p:extLst>
+      <p:ext uri="{BB962C8B-B14F-4D97-AF65-F5344CB8AC3E}">
+        <p14:creationId xmlns:p14="http://schemas.microsoft.com/office/powerpoint/2010/main" val="3632560749"/>
+      </p:ext>
+    </p:extLst>
+  </p:cSld>
+  <p:clrMapOvr>
+    <a:masterClrMapping/>
+  </p:clrMapOvr>
+</p:sld>
+</file>
+
+<file path=ppt/slides/slide25.xml><?xml version="1.0" encoding="utf-8"?>
+<p:sld xmlns:a="http://schemas.openxmlformats.org/drawingml/2006/main" xmlns:r="http://schemas.openxmlformats.org/officeDocument/2006/relationships" xmlns:p="http://schemas.openxmlformats.org/presentationml/2006/main">
+  <p:cSld>
+    <p:spTree>
+      <p:nvGrpSpPr>
+        <p:cNvPr id="1" name=""/>
+        <p:cNvGrpSpPr/>
+        <p:nvPr/>
+      </p:nvGrpSpPr>
+      <p:grpSpPr>
+        <a:xfrm>
+          <a:off x="0" y="0"/>
+          <a:ext cx="0" cy="0"/>
+          <a:chOff x="0" y="0"/>
+          <a:chExt cx="0" cy="0"/>
+        </a:xfrm>
+      </p:grpSpPr>
+      <p:sp>
+        <p:nvSpPr>
+          <p:cNvPr id="6" name="矩形 5">
+            <a:extLst>
+              <a:ext uri="{FF2B5EF4-FFF2-40B4-BE49-F238E27FC236}">
+                <a16:creationId xmlns:a16="http://schemas.microsoft.com/office/drawing/2014/main" id="{4A7F250F-B1D1-475E-BFE9-5D9B21A1D70A}"/>
+              </a:ext>
+            </a:extLst>
+          </p:cNvPr>
+          <p:cNvSpPr/>
+          <p:nvPr/>
+        </p:nvSpPr>
+        <p:spPr>
+          <a:xfrm>
+            <a:off x="681541" y="1618659"/>
+            <a:ext cx="4748065" cy="3793907"/>
+          </a:xfrm>
+          <a:prstGeom prst="rect">
+            <a:avLst/>
+          </a:prstGeom>
+        </p:spPr>
+        <p:style>
+          <a:lnRef idx="2">
+            <a:schemeClr val="dk1">
+              <a:shade val="50000"/>
+            </a:schemeClr>
+          </a:lnRef>
+          <a:fillRef idx="1">
+            <a:schemeClr val="dk1"/>
+          </a:fillRef>
+          <a:effectRef idx="0">
+            <a:schemeClr val="dk1"/>
+          </a:effectRef>
+          <a:fontRef idx="minor">
+            <a:schemeClr val="lt1"/>
+          </a:fontRef>
+        </p:style>
+        <p:txBody>
+          <a:bodyPr rtlCol="0" anchor="ctr"/>
+          <a:lstStyle/>
+          <a:p>
+            <a:pPr algn="ctr"/>
+            <a:endParaRPr lang="zh-TW" altLang="en-US"/>
+          </a:p>
+        </p:txBody>
+      </p:sp>
+      <p:sp>
+        <p:nvSpPr>
+          <p:cNvPr id="5" name="文字方塊 4">
+            <a:extLst>
+              <a:ext uri="{FF2B5EF4-FFF2-40B4-BE49-F238E27FC236}">
+                <a16:creationId xmlns:a16="http://schemas.microsoft.com/office/drawing/2014/main" id="{339FDE22-A6EF-4B06-97A2-1B38C0559ECA}"/>
+              </a:ext>
+            </a:extLst>
+          </p:cNvPr>
+          <p:cNvSpPr txBox="1"/>
+          <p:nvPr/>
+        </p:nvSpPr>
+        <p:spPr>
+          <a:xfrm>
+            <a:off x="481339" y="1861490"/>
+            <a:ext cx="4748065" cy="3231654"/>
+          </a:xfrm>
+          <a:prstGeom prst="rect">
+            <a:avLst/>
+          </a:prstGeom>
+          <a:noFill/>
+        </p:spPr>
+        <p:txBody>
+          <a:bodyPr wrap="square">
+            <a:spAutoFit/>
+          </a:bodyPr>
+          <a:lstStyle/>
+          <a:p>
+            <a:r>
+              <a:rPr lang="en-US" altLang="zh-TW" sz="1200" b="0" dirty="0">
+                <a:solidFill>
+                  <a:srgbClr val="F8F8F2"/>
+                </a:solidFill>
+                <a:effectLst/>
+                <a:latin typeface="Consolas" panose="020B0609020204030204" pitchFamily="49" charset="0"/>
+              </a:rPr>
+              <a:t>      &lt;</a:t>
+            </a:r>
+            <a:r>
+              <a:rPr lang="en-US" altLang="zh-TW" sz="1200" b="0" dirty="0">
+                <a:solidFill>
+                  <a:srgbClr val="F92672"/>
+                </a:solidFill>
+                <a:effectLst/>
+                <a:latin typeface="Consolas" panose="020B0609020204030204" pitchFamily="49" charset="0"/>
+              </a:rPr>
+              <a:t>h1</a:t>
+            </a:r>
+            <a:r>
+              <a:rPr lang="en-US" altLang="zh-TW" sz="1200" b="0" dirty="0">
+                <a:solidFill>
+                  <a:srgbClr val="F8F8F2"/>
+                </a:solidFill>
+                <a:effectLst/>
+                <a:latin typeface="Consolas" panose="020B0609020204030204" pitchFamily="49" charset="0"/>
+              </a:rPr>
+              <a:t> </a:t>
+            </a:r>
+            <a:r>
+              <a:rPr lang="en-US" altLang="zh-TW" sz="1200" b="0" dirty="0">
+                <a:solidFill>
+                  <a:srgbClr val="A6E22E"/>
+                </a:solidFill>
+                <a:effectLst/>
+                <a:latin typeface="Consolas" panose="020B0609020204030204" pitchFamily="49" charset="0"/>
+              </a:rPr>
+              <a:t>class</a:t>
+            </a:r>
+            <a:r>
+              <a:rPr lang="en-US" altLang="zh-TW" sz="1200" b="0" dirty="0">
+                <a:solidFill>
+                  <a:srgbClr val="F8F8F2"/>
+                </a:solidFill>
+                <a:effectLst/>
+                <a:latin typeface="Consolas" panose="020B0609020204030204" pitchFamily="49" charset="0"/>
+              </a:rPr>
+              <a:t>=</a:t>
+            </a:r>
+            <a:r>
+              <a:rPr lang="en-US" altLang="zh-TW" sz="1200" b="0" dirty="0">
+                <a:solidFill>
+                  <a:srgbClr val="FFEE99"/>
+                </a:solidFill>
+                <a:effectLst/>
+                <a:latin typeface="Consolas" panose="020B0609020204030204" pitchFamily="49" charset="0"/>
+              </a:rPr>
+              <a:t>"title"</a:t>
+            </a:r>
+            <a:r>
+              <a:rPr lang="en-US" altLang="zh-TW" sz="1200" b="0" dirty="0">
+                <a:solidFill>
+                  <a:srgbClr val="F8F8F2"/>
+                </a:solidFill>
+                <a:effectLst/>
+                <a:latin typeface="Consolas" panose="020B0609020204030204" pitchFamily="49" charset="0"/>
+              </a:rPr>
+              <a:t>&gt;</a:t>
+            </a:r>
+          </a:p>
+          <a:p>
+            <a:r>
+              <a:rPr lang="en-US" altLang="zh-TW" sz="1200" b="0" dirty="0">
+                <a:solidFill>
+                  <a:srgbClr val="F8F8F2"/>
+                </a:solidFill>
+                <a:effectLst/>
+                <a:latin typeface="Consolas" panose="020B0609020204030204" pitchFamily="49" charset="0"/>
+              </a:rPr>
+              <a:t>        {{ </a:t>
+            </a:r>
+            <a:r>
+              <a:rPr lang="en-US" altLang="zh-TW" sz="1200" b="0" dirty="0">
+                <a:solidFill>
+                  <a:srgbClr val="A6E22E"/>
+                </a:solidFill>
+                <a:effectLst/>
+                <a:latin typeface="Consolas" panose="020B0609020204030204" pitchFamily="49" charset="0"/>
+              </a:rPr>
+              <a:t>$t</a:t>
+            </a:r>
+            <a:r>
+              <a:rPr lang="en-US" altLang="zh-TW" sz="1200" b="0" dirty="0">
+                <a:solidFill>
+                  <a:srgbClr val="F8F8F2"/>
+                </a:solidFill>
+                <a:effectLst/>
+                <a:latin typeface="Consolas" panose="020B0609020204030204" pitchFamily="49" charset="0"/>
+              </a:rPr>
+              <a:t>(</a:t>
+            </a:r>
+            <a:r>
+              <a:rPr lang="en-US" altLang="zh-TW" sz="1200" b="0" dirty="0">
+                <a:solidFill>
+                  <a:srgbClr val="FFEE99"/>
+                </a:solidFill>
+                <a:effectLst/>
+                <a:latin typeface="Consolas" panose="020B0609020204030204" pitchFamily="49" charset="0"/>
+              </a:rPr>
+              <a:t>"welcome"</a:t>
+            </a:r>
+            <a:r>
+              <a:rPr lang="en-US" altLang="zh-TW" sz="1200" b="0" dirty="0">
+                <a:solidFill>
+                  <a:srgbClr val="F8F8F2"/>
+                </a:solidFill>
+                <a:effectLst/>
+                <a:latin typeface="Consolas" panose="020B0609020204030204" pitchFamily="49" charset="0"/>
+              </a:rPr>
+              <a:t>) }}</a:t>
+            </a:r>
+          </a:p>
+          <a:p>
+            <a:r>
+              <a:rPr lang="en-US" altLang="zh-TW" sz="1200" b="0" dirty="0">
+                <a:solidFill>
+                  <a:srgbClr val="F8F8F2"/>
+                </a:solidFill>
+                <a:effectLst/>
+                <a:latin typeface="Consolas" panose="020B0609020204030204" pitchFamily="49" charset="0"/>
+              </a:rPr>
+              <a:t>      &lt;/</a:t>
+            </a:r>
+            <a:r>
+              <a:rPr lang="en-US" altLang="zh-TW" sz="1200" b="0" dirty="0">
+                <a:solidFill>
+                  <a:srgbClr val="F92672"/>
+                </a:solidFill>
+                <a:effectLst/>
+                <a:latin typeface="Consolas" panose="020B0609020204030204" pitchFamily="49" charset="0"/>
+              </a:rPr>
+              <a:t>h1</a:t>
+            </a:r>
+            <a:r>
+              <a:rPr lang="en-US" altLang="zh-TW" sz="1200" b="0" dirty="0">
+                <a:solidFill>
+                  <a:srgbClr val="F8F8F2"/>
+                </a:solidFill>
+                <a:effectLst/>
+                <a:latin typeface="Consolas" panose="020B0609020204030204" pitchFamily="49" charset="0"/>
+              </a:rPr>
+              <a:t>&gt;</a:t>
+            </a:r>
+          </a:p>
+          <a:p>
+            <a:endParaRPr lang="en-US" altLang="zh-TW" sz="1200" b="0" dirty="0">
+              <a:solidFill>
+                <a:srgbClr val="F8F8F2"/>
+              </a:solidFill>
+              <a:effectLst/>
+              <a:latin typeface="Consolas" panose="020B0609020204030204" pitchFamily="49" charset="0"/>
+            </a:endParaRPr>
+          </a:p>
+          <a:p>
+            <a:r>
+              <a:rPr lang="en-US" altLang="zh-TW" sz="1200" b="0" dirty="0">
+                <a:solidFill>
+                  <a:srgbClr val="F8F8F2"/>
+                </a:solidFill>
+                <a:effectLst/>
+                <a:latin typeface="Consolas" panose="020B0609020204030204" pitchFamily="49" charset="0"/>
+              </a:rPr>
+              <a:t>      &lt;</a:t>
+            </a:r>
+            <a:r>
+              <a:rPr lang="en-US" altLang="zh-TW" sz="1200" b="0" dirty="0">
+                <a:solidFill>
+                  <a:srgbClr val="F92672"/>
+                </a:solidFill>
+                <a:effectLst/>
+                <a:latin typeface="Consolas" panose="020B0609020204030204" pitchFamily="49" charset="0"/>
+              </a:rPr>
+              <a:t>div</a:t>
+            </a:r>
+            <a:r>
+              <a:rPr lang="en-US" altLang="zh-TW" sz="1200" b="0" dirty="0">
+                <a:solidFill>
+                  <a:srgbClr val="F8F8F2"/>
+                </a:solidFill>
+                <a:effectLst/>
+                <a:latin typeface="Consolas" panose="020B0609020204030204" pitchFamily="49" charset="0"/>
+              </a:rPr>
+              <a:t> </a:t>
+            </a:r>
+            <a:r>
+              <a:rPr lang="en-US" altLang="zh-TW" sz="1200" b="0" dirty="0">
+                <a:solidFill>
+                  <a:srgbClr val="A6E22E"/>
+                </a:solidFill>
+                <a:effectLst/>
+                <a:latin typeface="Consolas" panose="020B0609020204030204" pitchFamily="49" charset="0"/>
+              </a:rPr>
+              <a:t>class</a:t>
+            </a:r>
+            <a:r>
+              <a:rPr lang="en-US" altLang="zh-TW" sz="1200" b="0" dirty="0">
+                <a:solidFill>
+                  <a:srgbClr val="F8F8F2"/>
+                </a:solidFill>
+                <a:effectLst/>
+                <a:latin typeface="Consolas" panose="020B0609020204030204" pitchFamily="49" charset="0"/>
+              </a:rPr>
+              <a:t>=</a:t>
+            </a:r>
+            <a:r>
+              <a:rPr lang="en-US" altLang="zh-TW" sz="1200" b="0" dirty="0">
+                <a:solidFill>
+                  <a:srgbClr val="FFEE99"/>
+                </a:solidFill>
+                <a:effectLst/>
+                <a:latin typeface="Consolas" panose="020B0609020204030204" pitchFamily="49" charset="0"/>
+              </a:rPr>
+              <a:t>"links"</a:t>
+            </a:r>
+            <a:r>
+              <a:rPr lang="en-US" altLang="zh-TW" sz="1200" b="0" dirty="0">
+                <a:solidFill>
+                  <a:srgbClr val="F8F8F2"/>
+                </a:solidFill>
+                <a:effectLst/>
+                <a:latin typeface="Consolas" panose="020B0609020204030204" pitchFamily="49" charset="0"/>
+              </a:rPr>
+              <a:t>&gt;</a:t>
+            </a:r>
+          </a:p>
+          <a:p>
+            <a:r>
+              <a:rPr lang="en-US" altLang="zh-TW" sz="1200" b="0" dirty="0">
+                <a:solidFill>
+                  <a:srgbClr val="F8F8F2"/>
+                </a:solidFill>
+                <a:effectLst/>
+                <a:latin typeface="Consolas" panose="020B0609020204030204" pitchFamily="49" charset="0"/>
+              </a:rPr>
+              <a:t>        &lt;</a:t>
+            </a:r>
+            <a:r>
+              <a:rPr lang="en-US" altLang="zh-TW" sz="1200" b="0" dirty="0" err="1">
+                <a:solidFill>
+                  <a:srgbClr val="F92672"/>
+                </a:solidFill>
+                <a:effectLst/>
+                <a:latin typeface="Consolas" panose="020B0609020204030204" pitchFamily="49" charset="0"/>
+              </a:rPr>
+              <a:t>nuxt</a:t>
+            </a:r>
+            <a:r>
+              <a:rPr lang="en-US" altLang="zh-TW" sz="1200" b="0" dirty="0">
+                <a:solidFill>
+                  <a:srgbClr val="F92672"/>
+                </a:solidFill>
+                <a:effectLst/>
+                <a:latin typeface="Consolas" panose="020B0609020204030204" pitchFamily="49" charset="0"/>
+              </a:rPr>
+              <a:t>-link</a:t>
+            </a:r>
+            <a:r>
+              <a:rPr lang="en-US" altLang="zh-TW" sz="1200" b="0" dirty="0">
+                <a:solidFill>
+                  <a:srgbClr val="F8F8F2"/>
+                </a:solidFill>
+                <a:effectLst/>
+                <a:latin typeface="Consolas" panose="020B0609020204030204" pitchFamily="49" charset="0"/>
+              </a:rPr>
+              <a:t> :</a:t>
+            </a:r>
+            <a:r>
+              <a:rPr lang="en-US" altLang="zh-TW" sz="1200" b="0" dirty="0">
+                <a:solidFill>
+                  <a:srgbClr val="A6E22E"/>
+                </a:solidFill>
+                <a:effectLst/>
+                <a:latin typeface="Consolas" panose="020B0609020204030204" pitchFamily="49" charset="0"/>
+              </a:rPr>
+              <a:t>to</a:t>
+            </a:r>
+            <a:r>
+              <a:rPr lang="en-US" altLang="zh-TW" sz="1200" b="0" dirty="0">
+                <a:solidFill>
+                  <a:srgbClr val="F8F8F2"/>
+                </a:solidFill>
+                <a:effectLst/>
+                <a:latin typeface="Consolas" panose="020B0609020204030204" pitchFamily="49" charset="0"/>
+              </a:rPr>
+              <a:t>="</a:t>
+            </a:r>
+            <a:r>
+              <a:rPr lang="en-US" altLang="zh-TW" sz="1200" b="0" dirty="0" err="1">
+                <a:solidFill>
+                  <a:srgbClr val="A6E22E"/>
+                </a:solidFill>
+                <a:effectLst/>
+                <a:latin typeface="Consolas" panose="020B0609020204030204" pitchFamily="49" charset="0"/>
+              </a:rPr>
+              <a:t>localePath</a:t>
+            </a:r>
+            <a:r>
+              <a:rPr lang="en-US" altLang="zh-TW" sz="1200" b="0" dirty="0">
+                <a:solidFill>
+                  <a:srgbClr val="F8F8F2"/>
+                </a:solidFill>
+                <a:effectLst/>
+                <a:latin typeface="Consolas" panose="020B0609020204030204" pitchFamily="49" charset="0"/>
+              </a:rPr>
+              <a:t>(</a:t>
+            </a:r>
+            <a:r>
+              <a:rPr lang="en-US" altLang="zh-TW" sz="1200" b="0" dirty="0">
+                <a:solidFill>
+                  <a:srgbClr val="FFEE99"/>
+                </a:solidFill>
+                <a:effectLst/>
+                <a:latin typeface="Consolas" panose="020B0609020204030204" pitchFamily="49" charset="0"/>
+              </a:rPr>
+              <a:t>'index'</a:t>
+            </a:r>
+            <a:r>
+              <a:rPr lang="en-US" altLang="zh-TW" sz="1200" b="0" dirty="0">
+                <a:solidFill>
+                  <a:srgbClr val="F8F8F2"/>
+                </a:solidFill>
+                <a:effectLst/>
+                <a:latin typeface="Consolas" panose="020B0609020204030204" pitchFamily="49" charset="0"/>
+              </a:rPr>
+              <a:t>)"&gt;</a:t>
+            </a:r>
+          </a:p>
+          <a:p>
+            <a:r>
+              <a:rPr lang="en-US" altLang="zh-TW" sz="1200" b="0" dirty="0">
+                <a:solidFill>
+                  <a:srgbClr val="F8F8F2"/>
+                </a:solidFill>
+                <a:effectLst/>
+                <a:latin typeface="Consolas" panose="020B0609020204030204" pitchFamily="49" charset="0"/>
+              </a:rPr>
+              <a:t>          </a:t>
+            </a:r>
+            <a:r>
+              <a:rPr lang="en-US" altLang="zh-TW" sz="1200" b="0" dirty="0" err="1">
+                <a:solidFill>
+                  <a:srgbClr val="F8F8F2"/>
+                </a:solidFill>
+                <a:effectLst/>
+                <a:latin typeface="Consolas" panose="020B0609020204030204" pitchFamily="49" charset="0"/>
+              </a:rPr>
+              <a:t>en</a:t>
+            </a:r>
+            <a:endParaRPr lang="en-US" altLang="zh-TW" sz="1200" b="0" dirty="0">
+              <a:solidFill>
+                <a:srgbClr val="F8F8F2"/>
+              </a:solidFill>
+              <a:effectLst/>
+              <a:latin typeface="Consolas" panose="020B0609020204030204" pitchFamily="49" charset="0"/>
+            </a:endParaRPr>
+          </a:p>
+          <a:p>
+            <a:r>
+              <a:rPr lang="en-US" altLang="zh-TW" sz="1200" b="0" dirty="0">
+                <a:solidFill>
+                  <a:srgbClr val="F8F8F2"/>
+                </a:solidFill>
+                <a:effectLst/>
+                <a:latin typeface="Consolas" panose="020B0609020204030204" pitchFamily="49" charset="0"/>
+              </a:rPr>
+              <a:t>        &lt;/</a:t>
+            </a:r>
+            <a:r>
+              <a:rPr lang="en-US" altLang="zh-TW" sz="1200" b="0" dirty="0" err="1">
+                <a:solidFill>
+                  <a:srgbClr val="F92672"/>
+                </a:solidFill>
+                <a:effectLst/>
+                <a:latin typeface="Consolas" panose="020B0609020204030204" pitchFamily="49" charset="0"/>
+              </a:rPr>
+              <a:t>nuxt</a:t>
+            </a:r>
+            <a:r>
+              <a:rPr lang="en-US" altLang="zh-TW" sz="1200" b="0" dirty="0">
+                <a:solidFill>
+                  <a:srgbClr val="F92672"/>
+                </a:solidFill>
+                <a:effectLst/>
+                <a:latin typeface="Consolas" panose="020B0609020204030204" pitchFamily="49" charset="0"/>
+              </a:rPr>
+              <a:t>-link</a:t>
+            </a:r>
+            <a:r>
+              <a:rPr lang="en-US" altLang="zh-TW" sz="1200" b="0" dirty="0">
+                <a:solidFill>
+                  <a:srgbClr val="F8F8F2"/>
+                </a:solidFill>
+                <a:effectLst/>
+                <a:latin typeface="Consolas" panose="020B0609020204030204" pitchFamily="49" charset="0"/>
+              </a:rPr>
+              <a:t>&gt;</a:t>
+            </a:r>
+          </a:p>
+          <a:p>
+            <a:r>
+              <a:rPr lang="en-US" altLang="zh-TW" sz="1200" b="0" dirty="0">
+                <a:solidFill>
+                  <a:srgbClr val="F8F8F2"/>
+                </a:solidFill>
+                <a:effectLst/>
+                <a:latin typeface="Consolas" panose="020B0609020204030204" pitchFamily="49" charset="0"/>
+              </a:rPr>
+              <a:t>        |</a:t>
+            </a:r>
+          </a:p>
+          <a:p>
+            <a:r>
+              <a:rPr lang="en-US" altLang="zh-TW" sz="1200" b="0" dirty="0">
+                <a:solidFill>
+                  <a:srgbClr val="F8F8F2"/>
+                </a:solidFill>
+                <a:effectLst/>
+                <a:latin typeface="Consolas" panose="020B0609020204030204" pitchFamily="49" charset="0"/>
+              </a:rPr>
+              <a:t>        &lt;</a:t>
+            </a:r>
+            <a:r>
+              <a:rPr lang="en-US" altLang="zh-TW" sz="1200" b="0" dirty="0" err="1">
+                <a:solidFill>
+                  <a:srgbClr val="F92672"/>
+                </a:solidFill>
+                <a:effectLst/>
+                <a:latin typeface="Consolas" panose="020B0609020204030204" pitchFamily="49" charset="0"/>
+              </a:rPr>
+              <a:t>nuxt</a:t>
+            </a:r>
+            <a:r>
+              <a:rPr lang="en-US" altLang="zh-TW" sz="1200" b="0" dirty="0">
+                <a:solidFill>
+                  <a:srgbClr val="F92672"/>
+                </a:solidFill>
+                <a:effectLst/>
+                <a:latin typeface="Consolas" panose="020B0609020204030204" pitchFamily="49" charset="0"/>
+              </a:rPr>
+              <a:t>-link</a:t>
+            </a:r>
+            <a:r>
+              <a:rPr lang="en-US" altLang="zh-TW" sz="1200" b="0" dirty="0">
+                <a:solidFill>
+                  <a:srgbClr val="F8F8F2"/>
+                </a:solidFill>
+                <a:effectLst/>
+                <a:latin typeface="Consolas" panose="020B0609020204030204" pitchFamily="49" charset="0"/>
+              </a:rPr>
+              <a:t> :</a:t>
+            </a:r>
+            <a:r>
+              <a:rPr lang="en-US" altLang="zh-TW" sz="1200" b="0" dirty="0">
+                <a:solidFill>
+                  <a:srgbClr val="A6E22E"/>
+                </a:solidFill>
+                <a:effectLst/>
+                <a:latin typeface="Consolas" panose="020B0609020204030204" pitchFamily="49" charset="0"/>
+              </a:rPr>
+              <a:t>to</a:t>
+            </a:r>
+            <a:r>
+              <a:rPr lang="en-US" altLang="zh-TW" sz="1200" b="0" dirty="0">
+                <a:solidFill>
+                  <a:srgbClr val="F8F8F2"/>
+                </a:solidFill>
+                <a:effectLst/>
+                <a:latin typeface="Consolas" panose="020B0609020204030204" pitchFamily="49" charset="0"/>
+              </a:rPr>
+              <a:t>="</a:t>
+            </a:r>
+            <a:r>
+              <a:rPr lang="en-US" altLang="zh-TW" sz="1200" b="0" dirty="0" err="1">
+                <a:solidFill>
+                  <a:srgbClr val="A6E22E"/>
+                </a:solidFill>
+                <a:effectLst/>
+                <a:latin typeface="Consolas" panose="020B0609020204030204" pitchFamily="49" charset="0"/>
+              </a:rPr>
+              <a:t>localePath</a:t>
+            </a:r>
+            <a:r>
+              <a:rPr lang="en-US" altLang="zh-TW" sz="1200" b="0" dirty="0">
+                <a:solidFill>
+                  <a:srgbClr val="F8F8F2"/>
+                </a:solidFill>
+                <a:effectLst/>
+                <a:latin typeface="Consolas" panose="020B0609020204030204" pitchFamily="49" charset="0"/>
+              </a:rPr>
+              <a:t>(</a:t>
+            </a:r>
+            <a:r>
+              <a:rPr lang="en-US" altLang="zh-TW" sz="1200" b="0" dirty="0">
+                <a:solidFill>
+                  <a:srgbClr val="FFEE99"/>
+                </a:solidFill>
+                <a:effectLst/>
+                <a:latin typeface="Consolas" panose="020B0609020204030204" pitchFamily="49" charset="0"/>
+              </a:rPr>
+              <a:t>'index'</a:t>
+            </a:r>
+            <a:r>
+              <a:rPr lang="en-US" altLang="zh-TW" sz="1200" b="0" dirty="0">
+                <a:solidFill>
+                  <a:srgbClr val="F8F8F2"/>
+                </a:solidFill>
+                <a:effectLst/>
+                <a:latin typeface="Consolas" panose="020B0609020204030204" pitchFamily="49" charset="0"/>
+              </a:rPr>
+              <a:t>, </a:t>
+            </a:r>
+            <a:r>
+              <a:rPr lang="en-US" altLang="zh-TW" sz="1200" b="0" dirty="0">
+                <a:solidFill>
+                  <a:srgbClr val="FFEE99"/>
+                </a:solidFill>
+                <a:effectLst/>
+                <a:latin typeface="Consolas" panose="020B0609020204030204" pitchFamily="49" charset="0"/>
+              </a:rPr>
+              <a:t>'</a:t>
+            </a:r>
+            <a:r>
+              <a:rPr lang="en-US" altLang="zh-TW" sz="1200" b="0" dirty="0" err="1">
+                <a:solidFill>
+                  <a:srgbClr val="FFEE99"/>
+                </a:solidFill>
+                <a:effectLst/>
+                <a:latin typeface="Consolas" panose="020B0609020204030204" pitchFamily="49" charset="0"/>
+              </a:rPr>
+              <a:t>fr</a:t>
+            </a:r>
+            <a:r>
+              <a:rPr lang="en-US" altLang="zh-TW" sz="1200" b="0" dirty="0">
+                <a:solidFill>
+                  <a:srgbClr val="FFEE99"/>
+                </a:solidFill>
+                <a:effectLst/>
+                <a:latin typeface="Consolas" panose="020B0609020204030204" pitchFamily="49" charset="0"/>
+              </a:rPr>
+              <a:t>'</a:t>
+            </a:r>
+            <a:r>
+              <a:rPr lang="en-US" altLang="zh-TW" sz="1200" b="0" dirty="0">
+                <a:solidFill>
+                  <a:srgbClr val="F8F8F2"/>
+                </a:solidFill>
+                <a:effectLst/>
+                <a:latin typeface="Consolas" panose="020B0609020204030204" pitchFamily="49" charset="0"/>
+              </a:rPr>
+              <a:t>)"&gt;</a:t>
+            </a:r>
+          </a:p>
+          <a:p>
+            <a:r>
+              <a:rPr lang="en-US" altLang="zh-TW" sz="1200" b="0" dirty="0">
+                <a:solidFill>
+                  <a:srgbClr val="F8F8F2"/>
+                </a:solidFill>
+                <a:effectLst/>
+                <a:latin typeface="Consolas" panose="020B0609020204030204" pitchFamily="49" charset="0"/>
+              </a:rPr>
+              <a:t>          </a:t>
+            </a:r>
+            <a:r>
+              <a:rPr lang="en-US" altLang="zh-TW" sz="1200" b="0" dirty="0" err="1">
+                <a:solidFill>
+                  <a:srgbClr val="F8F8F2"/>
+                </a:solidFill>
+                <a:effectLst/>
+                <a:latin typeface="Consolas" panose="020B0609020204030204" pitchFamily="49" charset="0"/>
+              </a:rPr>
+              <a:t>fr</a:t>
+            </a:r>
+            <a:endParaRPr lang="en-US" altLang="zh-TW" sz="1200" b="0" dirty="0">
+              <a:solidFill>
+                <a:srgbClr val="F8F8F2"/>
+              </a:solidFill>
+              <a:effectLst/>
+              <a:latin typeface="Consolas" panose="020B0609020204030204" pitchFamily="49" charset="0"/>
+            </a:endParaRPr>
+          </a:p>
+          <a:p>
+            <a:r>
+              <a:rPr lang="en-US" altLang="zh-TW" sz="1200" b="0" dirty="0">
+                <a:solidFill>
+                  <a:srgbClr val="F8F8F2"/>
+                </a:solidFill>
+                <a:effectLst/>
+                <a:latin typeface="Consolas" panose="020B0609020204030204" pitchFamily="49" charset="0"/>
+              </a:rPr>
+              <a:t>        &lt;/</a:t>
+            </a:r>
+            <a:r>
+              <a:rPr lang="en-US" altLang="zh-TW" sz="1200" b="0" dirty="0" err="1">
+                <a:solidFill>
+                  <a:srgbClr val="F92672"/>
+                </a:solidFill>
+                <a:effectLst/>
+                <a:latin typeface="Consolas" panose="020B0609020204030204" pitchFamily="49" charset="0"/>
+              </a:rPr>
+              <a:t>nuxt</a:t>
+            </a:r>
+            <a:r>
+              <a:rPr lang="en-US" altLang="zh-TW" sz="1200" b="0" dirty="0">
+                <a:solidFill>
+                  <a:srgbClr val="F92672"/>
+                </a:solidFill>
+                <a:effectLst/>
+                <a:latin typeface="Consolas" panose="020B0609020204030204" pitchFamily="49" charset="0"/>
+              </a:rPr>
+              <a:t>-link</a:t>
+            </a:r>
+            <a:r>
+              <a:rPr lang="en-US" altLang="zh-TW" sz="1200" b="0" dirty="0">
+                <a:solidFill>
+                  <a:srgbClr val="F8F8F2"/>
+                </a:solidFill>
+                <a:effectLst/>
+                <a:latin typeface="Consolas" panose="020B0609020204030204" pitchFamily="49" charset="0"/>
+              </a:rPr>
+              <a:t>&gt;</a:t>
+            </a:r>
+          </a:p>
+          <a:p>
+            <a:r>
+              <a:rPr lang="en-US" altLang="zh-TW" sz="1200" b="0" dirty="0">
+                <a:solidFill>
+                  <a:srgbClr val="F8F8F2"/>
+                </a:solidFill>
+                <a:effectLst/>
+                <a:latin typeface="Consolas" panose="020B0609020204030204" pitchFamily="49" charset="0"/>
+              </a:rPr>
+              <a:t>        |</a:t>
+            </a:r>
+          </a:p>
+          <a:p>
+            <a:r>
+              <a:rPr lang="en-US" altLang="zh-TW" sz="1200" b="0" dirty="0">
+                <a:solidFill>
+                  <a:srgbClr val="F8F8F2"/>
+                </a:solidFill>
+                <a:effectLst/>
+                <a:latin typeface="Consolas" panose="020B0609020204030204" pitchFamily="49" charset="0"/>
+              </a:rPr>
+              <a:t>        &lt;</a:t>
+            </a:r>
+            <a:r>
+              <a:rPr lang="en-US" altLang="zh-TW" sz="1200" b="0" dirty="0" err="1">
+                <a:solidFill>
+                  <a:srgbClr val="F92672"/>
+                </a:solidFill>
+                <a:effectLst/>
+                <a:latin typeface="Consolas" panose="020B0609020204030204" pitchFamily="49" charset="0"/>
+              </a:rPr>
+              <a:t>nuxt</a:t>
+            </a:r>
+            <a:r>
+              <a:rPr lang="en-US" altLang="zh-TW" sz="1200" b="0" dirty="0">
+                <a:solidFill>
+                  <a:srgbClr val="F92672"/>
+                </a:solidFill>
+                <a:effectLst/>
+                <a:latin typeface="Consolas" panose="020B0609020204030204" pitchFamily="49" charset="0"/>
+              </a:rPr>
+              <a:t>-link</a:t>
+            </a:r>
+            <a:r>
+              <a:rPr lang="en-US" altLang="zh-TW" sz="1200" b="0" dirty="0">
+                <a:solidFill>
+                  <a:srgbClr val="F8F8F2"/>
+                </a:solidFill>
+                <a:effectLst/>
+                <a:latin typeface="Consolas" panose="020B0609020204030204" pitchFamily="49" charset="0"/>
+              </a:rPr>
+              <a:t> :</a:t>
+            </a:r>
+            <a:r>
+              <a:rPr lang="en-US" altLang="zh-TW" sz="1200" b="0" dirty="0">
+                <a:solidFill>
+                  <a:srgbClr val="A6E22E"/>
+                </a:solidFill>
+                <a:effectLst/>
+                <a:latin typeface="Consolas" panose="020B0609020204030204" pitchFamily="49" charset="0"/>
+              </a:rPr>
+              <a:t>to</a:t>
+            </a:r>
+            <a:r>
+              <a:rPr lang="en-US" altLang="zh-TW" sz="1200" b="0" dirty="0">
+                <a:solidFill>
+                  <a:srgbClr val="F8F8F2"/>
+                </a:solidFill>
+                <a:effectLst/>
+                <a:latin typeface="Consolas" panose="020B0609020204030204" pitchFamily="49" charset="0"/>
+              </a:rPr>
+              <a:t>="</a:t>
+            </a:r>
+            <a:r>
+              <a:rPr lang="en-US" altLang="zh-TW" sz="1200" b="0" dirty="0" err="1">
+                <a:solidFill>
+                  <a:srgbClr val="A6E22E"/>
+                </a:solidFill>
+                <a:effectLst/>
+                <a:latin typeface="Consolas" panose="020B0609020204030204" pitchFamily="49" charset="0"/>
+              </a:rPr>
+              <a:t>switchLocalePath</a:t>
+            </a:r>
+            <a:r>
+              <a:rPr lang="en-US" altLang="zh-TW" sz="1200" b="0" dirty="0">
+                <a:solidFill>
+                  <a:srgbClr val="F8F8F2"/>
+                </a:solidFill>
+                <a:effectLst/>
+                <a:latin typeface="Consolas" panose="020B0609020204030204" pitchFamily="49" charset="0"/>
+              </a:rPr>
+              <a:t>(</a:t>
+            </a:r>
+            <a:r>
+              <a:rPr lang="en-US" altLang="zh-TW" sz="1200" b="0" dirty="0">
+                <a:solidFill>
+                  <a:srgbClr val="FFEE99"/>
+                </a:solidFill>
+                <a:effectLst/>
+                <a:latin typeface="Consolas" panose="020B0609020204030204" pitchFamily="49" charset="0"/>
+              </a:rPr>
+              <a:t>'es'</a:t>
+            </a:r>
+            <a:r>
+              <a:rPr lang="en-US" altLang="zh-TW" sz="1200" b="0" dirty="0">
+                <a:solidFill>
+                  <a:srgbClr val="F8F8F2"/>
+                </a:solidFill>
+                <a:effectLst/>
+                <a:latin typeface="Consolas" panose="020B0609020204030204" pitchFamily="49" charset="0"/>
+              </a:rPr>
+              <a:t>)"&gt;</a:t>
+            </a:r>
+          </a:p>
+          <a:p>
+            <a:r>
+              <a:rPr lang="en-US" altLang="zh-TW" sz="1200" b="0" dirty="0">
+                <a:solidFill>
+                  <a:srgbClr val="F8F8F2"/>
+                </a:solidFill>
+                <a:effectLst/>
+                <a:latin typeface="Consolas" panose="020B0609020204030204" pitchFamily="49" charset="0"/>
+              </a:rPr>
+              <a:t>          es</a:t>
+            </a:r>
+          </a:p>
+          <a:p>
+            <a:r>
+              <a:rPr lang="en-US" altLang="zh-TW" sz="1200" b="0" dirty="0">
+                <a:solidFill>
+                  <a:srgbClr val="F8F8F2"/>
+                </a:solidFill>
+                <a:effectLst/>
+                <a:latin typeface="Consolas" panose="020B0609020204030204" pitchFamily="49" charset="0"/>
+              </a:rPr>
+              <a:t>        &lt;/</a:t>
+            </a:r>
+            <a:r>
+              <a:rPr lang="en-US" altLang="zh-TW" sz="1200" b="0" dirty="0" err="1">
+                <a:solidFill>
+                  <a:srgbClr val="F92672"/>
+                </a:solidFill>
+                <a:effectLst/>
+                <a:latin typeface="Consolas" panose="020B0609020204030204" pitchFamily="49" charset="0"/>
+              </a:rPr>
+              <a:t>nuxt</a:t>
+            </a:r>
+            <a:r>
+              <a:rPr lang="en-US" altLang="zh-TW" sz="1200" b="0" dirty="0">
+                <a:solidFill>
+                  <a:srgbClr val="F92672"/>
+                </a:solidFill>
+                <a:effectLst/>
+                <a:latin typeface="Consolas" panose="020B0609020204030204" pitchFamily="49" charset="0"/>
+              </a:rPr>
+              <a:t>-link</a:t>
+            </a:r>
+            <a:r>
+              <a:rPr lang="en-US" altLang="zh-TW" sz="1200" b="0" dirty="0">
+                <a:solidFill>
+                  <a:srgbClr val="F8F8F2"/>
+                </a:solidFill>
+                <a:effectLst/>
+                <a:latin typeface="Consolas" panose="020B0609020204030204" pitchFamily="49" charset="0"/>
+              </a:rPr>
+              <a:t>&gt;</a:t>
+            </a:r>
+          </a:p>
+          <a:p>
+            <a:r>
+              <a:rPr lang="en-US" altLang="zh-TW" sz="1200" b="0" dirty="0">
+                <a:solidFill>
+                  <a:srgbClr val="F8F8F2"/>
+                </a:solidFill>
+                <a:effectLst/>
+                <a:latin typeface="Consolas" panose="020B0609020204030204" pitchFamily="49" charset="0"/>
+              </a:rPr>
+              <a:t>      &lt;/</a:t>
+            </a:r>
+            <a:r>
+              <a:rPr lang="en-US" altLang="zh-TW" sz="1200" b="0" dirty="0">
+                <a:solidFill>
+                  <a:srgbClr val="F92672"/>
+                </a:solidFill>
+                <a:effectLst/>
+                <a:latin typeface="Consolas" panose="020B0609020204030204" pitchFamily="49" charset="0"/>
+              </a:rPr>
+              <a:t>div</a:t>
+            </a:r>
+            <a:r>
+              <a:rPr lang="en-US" altLang="zh-TW" sz="1200" b="0" dirty="0">
+                <a:solidFill>
+                  <a:srgbClr val="F8F8F2"/>
+                </a:solidFill>
+                <a:effectLst/>
+                <a:latin typeface="Consolas" panose="020B0609020204030204" pitchFamily="49" charset="0"/>
+              </a:rPr>
+              <a:t>&gt;</a:t>
+            </a:r>
+          </a:p>
+        </p:txBody>
+      </p:sp>
+      <p:sp>
+        <p:nvSpPr>
+          <p:cNvPr id="8" name="文字方塊 7">
+            <a:extLst>
+              <a:ext uri="{FF2B5EF4-FFF2-40B4-BE49-F238E27FC236}">
+                <a16:creationId xmlns:a16="http://schemas.microsoft.com/office/drawing/2014/main" id="{36548FB7-2BE1-4CD6-919B-8990D8102365}"/>
+              </a:ext>
+            </a:extLst>
+          </p:cNvPr>
+          <p:cNvSpPr txBox="1"/>
+          <p:nvPr/>
+        </p:nvSpPr>
+        <p:spPr>
+          <a:xfrm>
+            <a:off x="5936974" y="1996264"/>
+            <a:ext cx="4991336" cy="1524392"/>
+          </a:xfrm>
+          <a:prstGeom prst="rect">
+            <a:avLst/>
+          </a:prstGeom>
+          <a:noFill/>
+        </p:spPr>
+        <p:txBody>
+          <a:bodyPr wrap="square">
+            <a:spAutoFit/>
+          </a:bodyPr>
+          <a:lstStyle/>
+          <a:p>
+            <a:pPr marL="457200" indent="-457200">
+              <a:lnSpc>
+                <a:spcPct val="150000"/>
+              </a:lnSpc>
+              <a:buFont typeface="Arial" panose="020B0604020202020204" pitchFamily="34" charset="0"/>
+              <a:buChar char="•"/>
+            </a:pPr>
+            <a:r>
+              <a:rPr lang="en-US" altLang="zh-TW" sz="1600" b="0" dirty="0">
+                <a:solidFill>
+                  <a:schemeClr val="bg1"/>
+                </a:solidFill>
+                <a:effectLst/>
+                <a:latin typeface="微軟正黑體" panose="020B0604030504040204" pitchFamily="34" charset="-120"/>
+                <a:ea typeface="微軟正黑體" panose="020B0604030504040204" pitchFamily="34" charset="-120"/>
+              </a:rPr>
+              <a:t>$t</a:t>
+            </a:r>
+            <a:r>
+              <a:rPr lang="zh-TW" altLang="en-US" sz="1600" b="0" dirty="0">
+                <a:solidFill>
+                  <a:schemeClr val="bg1"/>
+                </a:solidFill>
+                <a:effectLst/>
+                <a:latin typeface="微軟正黑體" panose="020B0604030504040204" pitchFamily="34" charset="-120"/>
+                <a:ea typeface="微軟正黑體" panose="020B0604030504040204" pitchFamily="34" charset="-120"/>
+              </a:rPr>
+              <a:t> </a:t>
+            </a:r>
+            <a:r>
+              <a:rPr lang="en-US" altLang="zh-TW" sz="1600" b="0" dirty="0">
+                <a:solidFill>
+                  <a:schemeClr val="bg1"/>
+                </a:solidFill>
+                <a:effectLst/>
+                <a:latin typeface="微軟正黑體" panose="020B0604030504040204" pitchFamily="34" charset="-120"/>
+                <a:ea typeface="微軟正黑體" panose="020B0604030504040204" pitchFamily="34" charset="-120"/>
+              </a:rPr>
+              <a:t>:</a:t>
+            </a:r>
+            <a:r>
+              <a:rPr lang="zh-TW" altLang="en-US" sz="1600" b="0" dirty="0">
+                <a:solidFill>
+                  <a:schemeClr val="bg1"/>
+                </a:solidFill>
+                <a:effectLst/>
+                <a:latin typeface="微軟正黑體" panose="020B0604030504040204" pitchFamily="34" charset="-120"/>
+                <a:ea typeface="微軟正黑體" panose="020B0604030504040204" pitchFamily="34" charset="-120"/>
+              </a:rPr>
+              <a:t> 可以透過這個含式取得相對應的語言內容</a:t>
+            </a:r>
+            <a:endParaRPr lang="en-US" altLang="zh-TW" sz="1600" b="0" dirty="0">
+              <a:solidFill>
+                <a:schemeClr val="bg1"/>
+              </a:solidFill>
+              <a:effectLst/>
+              <a:latin typeface="微軟正黑體" panose="020B0604030504040204" pitchFamily="34" charset="-120"/>
+              <a:ea typeface="微軟正黑體" panose="020B0604030504040204" pitchFamily="34" charset="-120"/>
+            </a:endParaRPr>
+          </a:p>
+          <a:p>
+            <a:pPr marL="457200" indent="-457200">
+              <a:lnSpc>
+                <a:spcPct val="150000"/>
+              </a:lnSpc>
+              <a:buFont typeface="Arial" panose="020B0604020202020204" pitchFamily="34" charset="0"/>
+              <a:buChar char="•"/>
+            </a:pPr>
+            <a:r>
+              <a:rPr lang="en-US" altLang="zh-TW" sz="1600" b="0" dirty="0" err="1">
+                <a:solidFill>
+                  <a:schemeClr val="bg1"/>
+                </a:solidFill>
+                <a:effectLst/>
+                <a:latin typeface="微軟正黑體" panose="020B0604030504040204" pitchFamily="34" charset="-120"/>
+                <a:ea typeface="微軟正黑體" panose="020B0604030504040204" pitchFamily="34" charset="-120"/>
+              </a:rPr>
+              <a:t>localePath</a:t>
+            </a:r>
+            <a:r>
+              <a:rPr lang="zh-TW" altLang="en-US" sz="1600" b="0" dirty="0">
+                <a:solidFill>
+                  <a:schemeClr val="bg1"/>
+                </a:solidFill>
+                <a:effectLst/>
+                <a:latin typeface="微軟正黑體" panose="020B0604030504040204" pitchFamily="34" charset="-120"/>
+                <a:ea typeface="微軟正黑體" panose="020B0604030504040204" pitchFamily="34" charset="-120"/>
+              </a:rPr>
+              <a:t> </a:t>
+            </a:r>
+            <a:r>
+              <a:rPr lang="en-US" altLang="zh-TW" sz="1600" b="0" dirty="0">
+                <a:solidFill>
+                  <a:schemeClr val="bg1"/>
+                </a:solidFill>
+                <a:effectLst/>
+                <a:latin typeface="微軟正黑體" panose="020B0604030504040204" pitchFamily="34" charset="-120"/>
+                <a:ea typeface="微軟正黑體" panose="020B0604030504040204" pitchFamily="34" charset="-120"/>
+              </a:rPr>
+              <a:t>:</a:t>
+            </a:r>
+            <a:r>
+              <a:rPr lang="zh-TW" altLang="en-US" sz="1600" b="0" dirty="0">
+                <a:solidFill>
+                  <a:schemeClr val="bg1"/>
+                </a:solidFill>
+                <a:effectLst/>
+                <a:latin typeface="微軟正黑體" panose="020B0604030504040204" pitchFamily="34" charset="-120"/>
+                <a:ea typeface="微軟正黑體" panose="020B0604030504040204" pitchFamily="34" charset="-120"/>
+              </a:rPr>
+              <a:t> 切換頁面，或是切換頁面跟語言</a:t>
+            </a:r>
+            <a:endParaRPr lang="en-US" altLang="zh-TW" sz="1600" b="0" dirty="0">
+              <a:solidFill>
+                <a:schemeClr val="bg1"/>
+              </a:solidFill>
+              <a:effectLst/>
+              <a:latin typeface="微軟正黑體" panose="020B0604030504040204" pitchFamily="34" charset="-120"/>
+              <a:ea typeface="微軟正黑體" panose="020B0604030504040204" pitchFamily="34" charset="-120"/>
+            </a:endParaRPr>
+          </a:p>
+          <a:p>
+            <a:pPr marL="457200" indent="-457200">
+              <a:lnSpc>
+                <a:spcPct val="150000"/>
+              </a:lnSpc>
+              <a:buFont typeface="Arial" panose="020B0604020202020204" pitchFamily="34" charset="0"/>
+              <a:buChar char="•"/>
+            </a:pPr>
+            <a:r>
+              <a:rPr lang="en-US" altLang="zh-TW" sz="1600" dirty="0" err="1">
+                <a:solidFill>
+                  <a:schemeClr val="bg1"/>
+                </a:solidFill>
+                <a:latin typeface="微軟正黑體" panose="020B0604030504040204" pitchFamily="34" charset="-120"/>
+                <a:ea typeface="微軟正黑體" panose="020B0604030504040204" pitchFamily="34" charset="-120"/>
+              </a:rPr>
+              <a:t>switchLocalePath</a:t>
+            </a:r>
+            <a:r>
+              <a:rPr lang="zh-TW" altLang="en-US" sz="1600" dirty="0">
+                <a:solidFill>
+                  <a:schemeClr val="bg1"/>
+                </a:solidFill>
+                <a:latin typeface="微軟正黑體" panose="020B0604030504040204" pitchFamily="34" charset="-120"/>
+                <a:ea typeface="微軟正黑體" panose="020B0604030504040204" pitchFamily="34" charset="-120"/>
+              </a:rPr>
+              <a:t> </a:t>
+            </a:r>
+            <a:r>
+              <a:rPr lang="en-US" altLang="zh-TW" sz="1600" dirty="0">
+                <a:solidFill>
+                  <a:schemeClr val="bg1"/>
+                </a:solidFill>
+                <a:latin typeface="微軟正黑體" panose="020B0604030504040204" pitchFamily="34" charset="-120"/>
+                <a:ea typeface="微軟正黑體" panose="020B0604030504040204" pitchFamily="34" charset="-120"/>
+              </a:rPr>
+              <a:t>:</a:t>
+            </a:r>
+            <a:r>
+              <a:rPr lang="zh-TW" altLang="en-US" sz="1600" dirty="0">
+                <a:solidFill>
+                  <a:schemeClr val="bg1"/>
+                </a:solidFill>
+                <a:latin typeface="微軟正黑體" panose="020B0604030504040204" pitchFamily="34" charset="-120"/>
+                <a:ea typeface="微軟正黑體" panose="020B0604030504040204" pitchFamily="34" charset="-120"/>
+              </a:rPr>
+              <a:t> 使用另外一種語言切換目前現在的頁面</a:t>
+            </a:r>
+          </a:p>
+        </p:txBody>
+      </p:sp>
+    </p:spTree>
+    <p:extLst>
+      <p:ext uri="{BB962C8B-B14F-4D97-AF65-F5344CB8AC3E}">
+        <p14:creationId xmlns:p14="http://schemas.microsoft.com/office/powerpoint/2010/main" val="2466446972"/>
+      </p:ext>
+    </p:extLst>
+  </p:cSld>
+  <p:clrMapOvr>
+    <a:masterClrMapping/>
+  </p:clrMapOvr>
+</p:sld>
+</file>
+
+<file path=ppt/slides/slide26.xml><?xml version="1.0" encoding="utf-8"?>
+<p:sld xmlns:a="http://schemas.openxmlformats.org/drawingml/2006/main" xmlns:r="http://schemas.openxmlformats.org/officeDocument/2006/relationships" xmlns:p="http://schemas.openxmlformats.org/presentationml/2006/main">
+  <p:cSld>
+    <p:spTree>
+      <p:nvGrpSpPr>
+        <p:cNvPr id="1" name=""/>
+        <p:cNvGrpSpPr/>
+        <p:nvPr/>
+      </p:nvGrpSpPr>
+      <p:grpSpPr>
+        <a:xfrm>
+          <a:off x="0" y="0"/>
+          <a:ext cx="0" cy="0"/>
+          <a:chOff x="0" y="0"/>
+          <a:chExt cx="0" cy="0"/>
+        </a:xfrm>
+      </p:grpSpPr>
+      <p:sp>
+        <p:nvSpPr>
           <p:cNvPr id="8" name="矩形 7">
             <a:extLst>
               <a:ext uri="{FF2B5EF4-FFF2-40B4-BE49-F238E27FC236}">
@@ -13028,7 +15698,7 @@
 </p:sld>
 </file>
 
-<file path=ppt/slides/slide24.xml><?xml version="1.0" encoding="utf-8"?>
+<file path=ppt/slides/slide27.xml><?xml version="1.0" encoding="utf-8"?>
 <p:sld xmlns:a="http://schemas.openxmlformats.org/drawingml/2006/main" xmlns:r="http://schemas.openxmlformats.org/officeDocument/2006/relationships" xmlns:p="http://schemas.openxmlformats.org/presentationml/2006/main">
   <p:cSld>
     <p:spTree>
@@ -13175,7 +15845,7 @@
 </p:sld>
 </file>
 
-<file path=ppt/slides/slide25.xml><?xml version="1.0" encoding="utf-8"?>
+<file path=ppt/slides/slide28.xml><?xml version="1.0" encoding="utf-8"?>
 <p:sld xmlns:a="http://schemas.openxmlformats.org/drawingml/2006/main" xmlns:r="http://schemas.openxmlformats.org/officeDocument/2006/relationships" xmlns:p="http://schemas.openxmlformats.org/presentationml/2006/main">
   <p:cSld>
     <p:spTree>
